--- a/229poster.pptx
+++ b/229poster.pptx
@@ -2634,7 +2634,7 @@
           <a:p>
             <a:pPr algn="ctr" eaLnBrk="1" hangingPunct="1"/>
             <a:r>
-              <a:rPr lang="en-US" sz="4800" b="1" smtClean="0">
+              <a:rPr lang="en-US" sz="4800" b="1" dirty="0" smtClean="0">
                 <a:solidFill>
                   <a:schemeClr val="accent3">
                     <a:lumMod val="20000"/>
@@ -2643,10 +2643,10 @@
                 </a:solidFill>
                 <a:latin typeface="+mn-lt"/>
               </a:rPr>
-              <a:t>Touch Biometric </a:t>
-            </a:r>
-            <a:r>
-              <a:rPr lang="en-US" sz="4800" b="1" dirty="0" smtClean="0">
+              <a:t>Supervised Learning Methods for Biometric Authentication </a:t>
+            </a:r>
+            <a:r>
+              <a:rPr lang="en-US" sz="4800" b="1" smtClean="0">
                 <a:solidFill>
                   <a:schemeClr val="accent3">
                     <a:lumMod val="20000"/>
@@ -2655,7 +2655,7 @@
                 </a:solidFill>
                 <a:latin typeface="+mn-lt"/>
               </a:rPr>
-              <a:t>User Verification on Mobile Devices</a:t>
+              <a:t>on Mobile Devices</a:t>
             </a:r>
             <a:endParaRPr lang="en-US" sz="4800" b="1" dirty="0">
               <a:solidFill>
@@ -2828,7 +2828,16 @@
                 </a:solidFill>
                 <a:latin typeface="+mn-lt"/>
               </a:rPr>
-              <a:t>Valerie </a:t>
+              <a:t>Valerie Ding</a:t>
+            </a:r>
+            <a:r>
+              <a:rPr lang="en-US" sz="2800" b="1" baseline="30000" dirty="0">
+                <a:solidFill>
+                  <a:schemeClr val="bg1"/>
+                </a:solidFill>
+                <a:latin typeface="+mn-lt"/>
+              </a:rPr>
+              <a:t>1</a:t>
             </a:r>
             <a:r>
               <a:rPr lang="en-US" sz="2800" b="1" dirty="0">
@@ -2837,7 +2846,7 @@
                 </a:solidFill>
                 <a:latin typeface="+mn-lt"/>
               </a:rPr>
-              <a:t>Ding</a:t>
+              <a:t>, Stephanie Dong</a:t>
             </a:r>
             <a:r>
               <a:rPr lang="en-US" sz="2800" b="1" baseline="30000" dirty="0">
@@ -2846,173 +2855,95 @@
                 </a:solidFill>
                 <a:latin typeface="+mn-lt"/>
               </a:rPr>
+              <a:t>2</a:t>
+            </a:r>
+            <a:r>
+              <a:rPr lang="en-US" sz="2800" b="1" dirty="0">
+                <a:solidFill>
+                  <a:schemeClr val="bg1"/>
+                </a:solidFill>
+                <a:latin typeface="+mn-lt"/>
+              </a:rPr>
+              <a:t>, Jonathan Li</a:t>
+            </a:r>
+            <a:r>
+              <a:rPr lang="en-US" sz="2800" b="1" baseline="30000" dirty="0">
+                <a:solidFill>
+                  <a:schemeClr val="bg1"/>
+                </a:solidFill>
+                <a:latin typeface="+mn-lt"/>
+              </a:rPr>
+              <a:t>3</a:t>
+            </a:r>
+          </a:p>
+          <a:p>
+            <a:pPr algn="ctr" eaLnBrk="1" hangingPunct="1"/>
+            <a:r>
+              <a:rPr lang="en-US" sz="2800" dirty="0">
+                <a:solidFill>
+                  <a:schemeClr val="bg1"/>
+                </a:solidFill>
+                <a:latin typeface="+mn-lt"/>
+              </a:rPr>
+              <a:t>Department of Computer Science, Stanford University</a:t>
+            </a:r>
+          </a:p>
+          <a:p>
+            <a:pPr algn="ctr" eaLnBrk="1" hangingPunct="1"/>
+            <a:r>
+              <a:rPr lang="en-US" sz="1800" baseline="30000" dirty="0">
+                <a:solidFill>
+                  <a:schemeClr val="bg1"/>
+                </a:solidFill>
+                <a:latin typeface="+mj-lt"/>
+              </a:rPr>
               <a:t>1</a:t>
             </a:r>
             <a:r>
-              <a:rPr lang="en-US" sz="2800" b="1" dirty="0">
+              <a:rPr lang="en-US" sz="1800" dirty="0">
                 <a:solidFill>
                   <a:schemeClr val="bg1"/>
                 </a:solidFill>
-                <a:latin typeface="+mn-lt"/>
-              </a:rPr>
-              <a:t>, </a:t>
-            </a:r>
-            <a:r>
-              <a:rPr lang="en-US" sz="2800" b="1" dirty="0">
+                <a:latin typeface="+mj-lt"/>
+              </a:rPr>
+              <a:t>dingv@stanford.edu, </a:t>
+            </a:r>
+            <a:r>
+              <a:rPr lang="en-US" sz="1800" baseline="30000" dirty="0">
                 <a:solidFill>
                   <a:schemeClr val="bg1"/>
                 </a:solidFill>
-                <a:latin typeface="+mn-lt"/>
-              </a:rPr>
-              <a:t>Stephanie </a:t>
-            </a:r>
-            <a:r>
-              <a:rPr lang="en-US" sz="2800" b="1" dirty="0">
+                <a:latin typeface="+mj-lt"/>
+              </a:rPr>
+              <a:t>2</a:t>
+            </a:r>
+            <a:r>
+              <a:rPr lang="en-US" sz="1800" dirty="0">
                 <a:solidFill>
                   <a:schemeClr val="bg1"/>
                 </a:solidFill>
-                <a:latin typeface="+mn-lt"/>
-              </a:rPr>
-              <a:t>Dong</a:t>
-            </a:r>
-            <a:r>
-              <a:rPr lang="en-US" sz="2800" b="1" baseline="30000" dirty="0">
+                <a:latin typeface="+mj-lt"/>
+              </a:rPr>
+              <a:t>sxdong11@stanford.edu, </a:t>
+            </a:r>
+            <a:r>
+              <a:rPr lang="en-US" sz="1800" baseline="30000" dirty="0">
                 <a:solidFill>
                   <a:schemeClr val="bg1"/>
                 </a:solidFill>
-                <a:latin typeface="+mn-lt"/>
-              </a:rPr>
-              <a:t>2</a:t>
-            </a:r>
-            <a:r>
-              <a:rPr lang="en-US" sz="2800" b="1" dirty="0">
+                <a:latin typeface="+mj-lt"/>
+              </a:rPr>
+              <a:t>3</a:t>
+            </a:r>
+            <a:r>
+              <a:rPr lang="en-US" sz="1800" dirty="0">
                 <a:solidFill>
                   <a:schemeClr val="bg1"/>
                 </a:solidFill>
-                <a:latin typeface="+mn-lt"/>
-              </a:rPr>
-              <a:t>, </a:t>
-            </a:r>
-            <a:r>
-              <a:rPr lang="en-US" sz="2800" b="1" dirty="0">
-                <a:solidFill>
-                  <a:schemeClr val="bg1"/>
-                </a:solidFill>
-                <a:latin typeface="+mn-lt"/>
-              </a:rPr>
-              <a:t>Jonathan </a:t>
-            </a:r>
-            <a:r>
-              <a:rPr lang="en-US" sz="2800" b="1" dirty="0">
-                <a:solidFill>
-                  <a:schemeClr val="bg1"/>
-                </a:solidFill>
-                <a:latin typeface="+mn-lt"/>
-              </a:rPr>
-              <a:t>Li</a:t>
-            </a:r>
-            <a:r>
-              <a:rPr lang="en-US" sz="2800" b="1" baseline="30000" dirty="0">
-                <a:solidFill>
-                  <a:schemeClr val="bg1"/>
-                </a:solidFill>
-                <a:latin typeface="+mn-lt"/>
-              </a:rPr>
-              <a:t>3</a:t>
-            </a:r>
-          </a:p>
-          <a:p>
-            <a:pPr algn="ctr" eaLnBrk="1" hangingPunct="1"/>
-            <a:r>
-              <a:rPr lang="en-US" sz="2800" dirty="0">
-                <a:solidFill>
-                  <a:schemeClr val="bg1"/>
-                </a:solidFill>
-                <a:latin typeface="+mn-lt"/>
-              </a:rPr>
-              <a:t>Department </a:t>
-            </a:r>
-            <a:r>
-              <a:rPr lang="en-US" sz="2800" dirty="0">
-                <a:solidFill>
-                  <a:schemeClr val="bg1"/>
-                </a:solidFill>
-                <a:latin typeface="+mn-lt"/>
-              </a:rPr>
-              <a:t>of Computer Science, Stanford </a:t>
-            </a:r>
-            <a:r>
-              <a:rPr lang="en-US" sz="2800" dirty="0">
-                <a:solidFill>
-                  <a:schemeClr val="bg1"/>
-                </a:solidFill>
-                <a:latin typeface="+mn-lt"/>
-              </a:rPr>
-              <a:t>University</a:t>
-            </a:r>
-          </a:p>
-          <a:p>
-            <a:pPr algn="ctr" eaLnBrk="1" hangingPunct="1"/>
-            <a:r>
-              <a:rPr lang="en-US" sz="1800" baseline="30000" dirty="0">
-                <a:solidFill>
-                  <a:schemeClr val="bg1"/>
-                </a:solidFill>
                 <a:latin typeface="+mj-lt"/>
               </a:rPr>
-              <a:t>1</a:t>
-            </a:r>
-            <a:r>
-              <a:rPr lang="en-US" sz="1800" dirty="0">
-                <a:solidFill>
-                  <a:schemeClr val="bg1"/>
-                </a:solidFill>
-                <a:latin typeface="+mj-lt"/>
-              </a:rPr>
-              <a:t>dingv@stanford.edu, </a:t>
-            </a:r>
-            <a:r>
-              <a:rPr lang="en-US" sz="1800" baseline="30000" dirty="0">
-                <a:solidFill>
-                  <a:schemeClr val="bg1"/>
-                </a:solidFill>
-                <a:latin typeface="+mj-lt"/>
-              </a:rPr>
-              <a:t>2</a:t>
-            </a:r>
-            <a:r>
-              <a:rPr lang="en-US" sz="1800" dirty="0">
-                <a:solidFill>
-                  <a:schemeClr val="bg1"/>
-                </a:solidFill>
-                <a:latin typeface="+mj-lt"/>
-              </a:rPr>
-              <a:t>sxdong11@stanford.edu, </a:t>
-            </a:r>
-            <a:r>
-              <a:rPr lang="en-US" sz="1800" baseline="30000" dirty="0">
-                <a:solidFill>
-                  <a:schemeClr val="bg1"/>
-                </a:solidFill>
-                <a:latin typeface="+mj-lt"/>
-              </a:rPr>
-              <a:t>3</a:t>
-            </a:r>
-            <a:r>
-              <a:rPr lang="en-US" sz="1800" dirty="0">
-                <a:solidFill>
-                  <a:schemeClr val="bg1"/>
-                </a:solidFill>
-                <a:latin typeface="+mj-lt"/>
-              </a:rPr>
               <a:t>johnnyli@stanford.edu</a:t>
             </a:r>
-            <a:endParaRPr lang="en-US" sz="1800" dirty="0">
-              <a:solidFill>
-                <a:schemeClr val="bg1"/>
-              </a:solidFill>
-              <a:latin typeface="+mj-lt"/>
-            </a:endParaRPr>
           </a:p>
         </p:txBody>
       </p:sp>
@@ -3610,13 +3541,7 @@
                   <a:rPr lang="en-US" sz="2000" b="1" dirty="0">
                     <a:latin typeface="Calibri" pitchFamily="34" charset="0"/>
                   </a:rPr>
-                  <a:t>-means</a:t>
-                </a:r>
-                <a:r>
-                  <a:rPr lang="en-US" sz="2000" b="1" dirty="0">
-                    <a:latin typeface="Calibri" pitchFamily="34" charset="0"/>
-                  </a:rPr>
-                  <a:t>. </a:t>
+                  <a:t>-means. </a:t>
                 </a:r>
                 <a:r>
                   <a:rPr lang="en-US" sz="2000" dirty="0">
@@ -3670,17 +3595,8 @@
                   <a:rPr lang="en-US" sz="2000" dirty="0">
                     <a:latin typeface="Calibri" pitchFamily="34" charset="0"/>
                   </a:rPr>
-                  <a:t>centroids determined upon convergence become the basis for our adversarial example generation</a:t>
+                  <a:t>centroids determined upon convergence become the basis for our adversarial example generation. Small (&lt;5) clusters are considered outliers.</a:t>
                 </a:r>
-                <a:r>
-                  <a:rPr lang="en-US" sz="2000" dirty="0">
-                    <a:latin typeface="Calibri" pitchFamily="34" charset="0"/>
-                  </a:rPr>
-                  <a:t>. Small (&lt;5) clusters are considered outliers.</a:t>
-                </a:r>
-                <a:endParaRPr lang="en-US" sz="2000" dirty="0">
-                  <a:latin typeface="Calibri" pitchFamily="34" charset="0"/>
-                </a:endParaRPr>
               </a:p>
               <a:p>
                 <a:pPr marL="342900" indent="-342900" eaLnBrk="1" hangingPunct="1">
@@ -3709,19 +3625,7 @@
                   <a:rPr lang="en-US" sz="2000" dirty="0">
                     <a:latin typeface="Calibri" pitchFamily="34" charset="0"/>
                   </a:rPr>
-                  <a:t>-means as multivariate Gaussian </a:t>
-                </a:r>
-                <a:r>
-                  <a:rPr lang="en-US" sz="2000" dirty="0">
-                    <a:latin typeface="Calibri" pitchFamily="34" charset="0"/>
-                  </a:rPr>
-                  <a:t>distributions over </a:t>
-                </a:r>
-                <a:r>
-                  <a:rPr lang="en-US" sz="2000" dirty="0">
-                    <a:latin typeface="Calibri" pitchFamily="34" charset="0"/>
-                  </a:rPr>
-                  <a:t>the random variable set </a:t>
+                  <a:t>-means as multivariate Gaussian distributions over the random variable set </a:t>
                 </a:r>
                 <a14:m>
                   <m:oMath xmlns:m="http://schemas.openxmlformats.org/officeDocument/2006/math">
@@ -3805,19 +3709,7 @@
                   <a:rPr lang="en-US" sz="2000" dirty="0">
                     <a:latin typeface="Calibri" pitchFamily="34" charset="0"/>
                   </a:rPr>
-                  <a:t>, </a:t>
-                </a:r>
-                <a:r>
-                  <a:rPr lang="en-US" sz="2000" dirty="0">
-                    <a:latin typeface="Calibri" pitchFamily="34" charset="0"/>
-                  </a:rPr>
-                  <a:t> with the </a:t>
-                </a:r>
-                <a:r>
-                  <a:rPr lang="en-US" sz="2000" dirty="0">
-                    <a:latin typeface="Calibri" pitchFamily="34" charset="0"/>
-                  </a:rPr>
-                  <a:t>density function:</a:t>
+                  <a:t>,  with the density function:</a:t>
                 </a:r>
               </a:p>
               <a:p>
@@ -4149,31 +4041,7 @@
                   <a:rPr lang="en-US" sz="2000" dirty="0">
                     <a:latin typeface="Calibri" pitchFamily="34" charset="0"/>
                   </a:rPr>
-                  <a:t>We characterized each cluster distribution with its mean and covariance. We then generated adversarial attacks by sampling from each centroid's characteristic multivariate Gaussian distribution, with thresholds in place to de-weight outliers</a:t>
-                </a:r>
-                <a:r>
-                  <a:rPr lang="en-US" sz="2000" dirty="0">
-                    <a:latin typeface="Calibri" pitchFamily="34" charset="0"/>
-                  </a:rPr>
-                  <a:t>. Each of </a:t>
-                </a:r>
-                <a:r>
-                  <a:rPr lang="en-US" sz="2000" dirty="0">
-                    <a:latin typeface="Calibri" pitchFamily="34" charset="0"/>
-                  </a:rPr>
-                  <a:t>these attacks </a:t>
-                </a:r>
-                <a:r>
-                  <a:rPr lang="en-US" sz="2000" dirty="0">
-                    <a:latin typeface="Calibri" pitchFamily="34" charset="0"/>
-                  </a:rPr>
-                  <a:t>was then </a:t>
-                </a:r>
-                <a:r>
-                  <a:rPr lang="en-US" sz="2000" dirty="0">
-                    <a:latin typeface="Calibri" pitchFamily="34" charset="0"/>
-                  </a:rPr>
-                  <a:t>concatenated with a </a:t>
+                  <a:t>We characterized each cluster distribution with its mean and covariance. We then generated adversarial attacks by sampling from each centroid's characteristic multivariate Gaussian distribution, with thresholds in place to de-weight outliers. Each of these attacks was then concatenated with a </a:t>
                 </a:r>
                 <a:r>
                   <a:rPr lang="en-US" sz="2000" dirty="0" err="1">
@@ -4185,25 +4053,7 @@
                   <a:rPr lang="en-US" sz="2000" dirty="0">
                     <a:latin typeface="Calibri" pitchFamily="34" charset="0"/>
                   </a:rPr>
-                  <a:t> from its generating cluster</a:t>
-                </a:r>
-                <a:r>
-                  <a:rPr lang="en-US" sz="2000" dirty="0">
-                    <a:latin typeface="Calibri" pitchFamily="34" charset="0"/>
-                  </a:rPr>
-                  <a:t>. </a:t>
-                </a:r>
-                <a:r>
-                  <a:rPr lang="en-US" sz="2000" dirty="0">
-                    <a:latin typeface="Calibri" pitchFamily="34" charset="0"/>
-                  </a:rPr>
-                  <a:t>The feature data we generated was thus similar to the original feature data at frequencies proportionate to the density function </a:t>
-                </a:r>
-                <a:r>
-                  <a:rPr lang="en-US" sz="2000" dirty="0">
-                    <a:latin typeface="Calibri" pitchFamily="34" charset="0"/>
-                  </a:rPr>
-                  <a:t>probabilities.</a:t>
+                  <a:t> from its generating cluster. The feature data we generated was thus similar to the original feature data at frequencies proportionate to the density function probabilities.</a:t>
                 </a:r>
               </a:p>
               <a:p>
@@ -4798,13 +4648,7 @@
                   <a:rPr lang="en-US" sz="2000" dirty="0">
                     <a:latin typeface="Calibri" pitchFamily="34" charset="0"/>
                   </a:rPr>
-                  <a:t> data back into realistic </a:t>
-                </a:r>
-                <a:r>
-                  <a:rPr lang="en-US" sz="2000" dirty="0">
-                    <a:latin typeface="Calibri" pitchFamily="34" charset="0"/>
-                  </a:rPr>
-                  <a:t>value 		         vectors for humanistic biometric imitation. </a:t>
+                  <a:t> data back into realistic value 		         vectors for humanistic biometric imitation. </a:t>
                 </a:r>
               </a:p>
               <a:p>
@@ -5019,27 +4863,8 @@
                   </a:schemeClr>
                 </a:solidFill>
               </a:rPr>
-              <a:t>Methods and M</a:t>
-            </a:r>
-            <a:r>
-              <a:rPr lang="en-US" sz="3200" b="1" dirty="0">
-                <a:solidFill>
-                  <a:schemeClr val="accent3">
-                    <a:lumMod val="20000"/>
-                    <a:lumOff val="80000"/>
-                  </a:schemeClr>
-                </a:solidFill>
-              </a:rPr>
-              <a:t>odels</a:t>
-            </a:r>
-            <a:endParaRPr lang="en-US" sz="3200" b="1" dirty="0">
-              <a:solidFill>
-                <a:schemeClr val="accent3">
-                  <a:lumMod val="20000"/>
-                  <a:lumOff val="80000"/>
-                </a:schemeClr>
-              </a:solidFill>
-            </a:endParaRPr>
+              <a:t>Methods and Models</a:t>
+            </a:r>
           </a:p>
         </p:txBody>
       </p:sp>
@@ -5274,19 +5099,7 @@
               <a:rPr lang="en-US" sz="2000" dirty="0">
                 <a:latin typeface="Calibri" pitchFamily="34" charset="0"/>
               </a:rPr>
-              <a:t>). This means that </a:t>
-            </a:r>
-            <a:r>
-              <a:rPr lang="en-US" sz="2000" dirty="0">
-                <a:latin typeface="Calibri" pitchFamily="34" charset="0"/>
-              </a:rPr>
-              <a:t>77% </a:t>
-            </a:r>
-            <a:r>
-              <a:rPr lang="en-US" sz="2000" dirty="0">
-                <a:latin typeface="Calibri" pitchFamily="34" charset="0"/>
-              </a:rPr>
-              <a:t>of the time, our </a:t>
+              <a:t>). This means that 77% of the time, our </a:t>
             </a:r>
             <a:r>
               <a:rPr lang="en-US" sz="2000" b="1" dirty="0">
@@ -5561,19 +5374,7 @@
               <a:rPr lang="en-US" sz="2000" dirty="0">
                 <a:latin typeface="+mn-lt"/>
               </a:rPr>
-              <a:t>Keystroke pattern and dynamics classification is an important application of machine learning to computer security and authentication. </a:t>
-            </a:r>
-            <a:r>
-              <a:rPr lang="en-US" sz="2000" dirty="0">
-                <a:latin typeface="+mn-lt"/>
-              </a:rPr>
-              <a:t>The massive </a:t>
-            </a:r>
-            <a:r>
-              <a:rPr lang="en-US" sz="2000" dirty="0">
-                <a:latin typeface="+mn-lt"/>
-              </a:rPr>
-              <a:t>increase in popularity and computing power of mobile devices in the last ten years has spurred significant interest in biometric-focused authentication models for </a:t>
+              <a:t>Keystroke pattern and dynamics classification is an important application of machine learning to computer security and authentication. The massive increase in popularity and computing power of mobile devices in the last ten years has spurred significant interest in biometric-focused authentication models for </a:t>
             </a:r>
             <a:r>
               <a:rPr lang="en-US" sz="2000" b="1" dirty="0">
@@ -5597,13 +5398,7 @@
               <a:rPr lang="en-US" sz="2000" dirty="0">
                 <a:latin typeface="+mn-lt"/>
               </a:rPr>
-              <a:t>As </a:t>
-            </a:r>
-            <a:r>
-              <a:rPr lang="en-US" sz="2000" dirty="0">
-                <a:latin typeface="+mn-lt"/>
-              </a:rPr>
-              <a:t>mobile devices store increasingly valuable and confidential information, learning classifiers to detect fraud is becoming ever more applicable and important. However, it still remains to be seen how robust these user verification classifiers are against general attacks by malicious agents. To this end, we generate attacks against user verification classifiers using mobile biometrics data, performing </a:t>
+              <a:t>As mobile devices store increasingly valuable and confidential information, learning classifiers to detect fraud is becoming ever more applicable and important. However, it still remains to be seen how robust these user verification classifiers are against general attacks by malicious agents. To this end, we generate attacks against user verification classifiers using mobile biometrics data, performing </a:t>
             </a:r>
             <a:r>
               <a:rPr lang="en-US" sz="2000" b="1" dirty="0">
@@ -5671,27 +5466,8 @@
                   </a:schemeClr>
                 </a:solidFill>
               </a:rPr>
-              <a:t>Data </a:t>
-            </a:r>
-            <a:r>
-              <a:rPr lang="en-US" sz="3200" b="1" dirty="0">
-                <a:solidFill>
-                  <a:schemeClr val="accent3">
-                    <a:lumMod val="20000"/>
-                    <a:lumOff val="80000"/>
-                  </a:schemeClr>
-                </a:solidFill>
-              </a:rPr>
-              <a:t>and Classifiers</a:t>
-            </a:r>
-            <a:endParaRPr lang="en-US" sz="3200" b="1" dirty="0">
-              <a:solidFill>
-                <a:schemeClr val="accent3">
-                  <a:lumMod val="20000"/>
-                  <a:lumOff val="80000"/>
-                </a:schemeClr>
-              </a:solidFill>
-            </a:endParaRPr>
+              <a:t>Data and Classifiers</a:t>
+            </a:r>
           </a:p>
         </p:txBody>
       </p:sp>
@@ -5834,13 +5610,7 @@
               <a:rPr lang="en-US" sz="2000" dirty="0">
                 <a:latin typeface="+mn-lt"/>
               </a:rPr>
-              <a:t>The MEU-Mobile </a:t>
-            </a:r>
-            <a:r>
-              <a:rPr lang="en-US" sz="2000" dirty="0">
-                <a:latin typeface="+mn-lt"/>
-              </a:rPr>
-              <a:t>KSD (Keystroke Dynamics) Data Set from the UCI Machine Learning Repository contains 51 records for each of 56 subjects - 2856 records total - of haptic, momentum, and timing features measured of a common sequence (</a:t>
+              <a:t>The MEU-Mobile KSD (Keystroke Dynamics) Data Set from the UCI Machine Learning Repository contains 51 records for each of 56 subjects - 2856 records total - of haptic, momentum, and timing features measured of a common sequence (</a:t>
             </a:r>
             <a:r>
               <a:rPr lang="en-US" sz="2000" dirty="0">
@@ -5860,14 +5630,7 @@
                 <a:latin typeface="Courier New" panose="02070309020205020404" pitchFamily="49" charset="0"/>
                 <a:cs typeface="Courier New" panose="02070309020205020404" pitchFamily="49" charset="0"/>
               </a:rPr>
-              <a:t>Hold, Up-Down, Down-Down, Pressure, Finger-Area, Average Hold, Average Pressure, Average Area</a:t>
-            </a:r>
-            <a:r>
-              <a:rPr lang="en-US" sz="2000" dirty="0">
-                <a:latin typeface="Courier New" panose="02070309020205020404" pitchFamily="49" charset="0"/>
-                <a:cs typeface="Courier New" panose="02070309020205020404" pitchFamily="49" charset="0"/>
-              </a:rPr>
-              <a:t>.</a:t>
+              <a:t>Hold, Up-Down, Down-Down, Pressure, Finger-Area, Average Hold, Average Pressure, Average Area.</a:t>
             </a:r>
             <a:endParaRPr lang="en-US" sz="2000" dirty="0">
               <a:latin typeface="+mj-lt"/>
@@ -5882,43 +5645,7 @@
               <a:rPr lang="en-US" sz="2000" dirty="0">
                 <a:latin typeface="+mj-lt"/>
               </a:rPr>
-              <a:t>We trained </a:t>
-            </a:r>
-            <a:r>
-              <a:rPr lang="en-US" sz="2000" dirty="0">
-                <a:latin typeface="+mj-lt"/>
-              </a:rPr>
-              <a:t>a variety of binary classifiers </a:t>
-            </a:r>
-            <a:r>
-              <a:rPr lang="en-US" sz="2000" dirty="0">
-                <a:latin typeface="+mj-lt"/>
-              </a:rPr>
-              <a:t> to detect if the concatenation </a:t>
-            </a:r>
-            <a:r>
-              <a:rPr lang="en-US" sz="2000" dirty="0">
-                <a:latin typeface="+mj-lt"/>
-              </a:rPr>
-              <a:t>the feature vectors of two </a:t>
-            </a:r>
-            <a:r>
-              <a:rPr lang="en-US" sz="2000" dirty="0">
-                <a:latin typeface="+mj-lt"/>
-              </a:rPr>
-              <a:t>data-points, forming a vector 142 features, was typed by the same user or not. </a:t>
-            </a:r>
-            <a:r>
-              <a:rPr lang="en-US" sz="2000" dirty="0">
-                <a:latin typeface="+mj-lt"/>
-              </a:rPr>
-              <a:t>This allowed us to </a:t>
-            </a:r>
-            <a:r>
-              <a:rPr lang="en-US" sz="2000" dirty="0">
-                <a:latin typeface="+mj-lt"/>
-              </a:rPr>
-              <a:t>train one model and have it generalize user verification to any new users not from the training dataset, as long as we one at least one keystroke record for any new users.</a:t>
+              <a:t>We trained a variety of binary classifiers  to detect if the concatenation the feature vectors of two data-points, forming a vector 142 features, was typed by the same user or not. This allowed us to train one model and have it generalize user verification to any new users not from the training dataset, as long as we one at least one keystroke record for any new users.</a:t>
             </a:r>
           </a:p>
           <a:p>
@@ -5930,53 +5657,44 @@
               <a:rPr lang="en-US" sz="2000" dirty="0">
                 <a:latin typeface="+mj-lt"/>
               </a:rPr>
-              <a:t>As part of data processing we </a:t>
+              <a:t>As part of data processing we implemented a flexible </a:t>
+            </a:r>
+            <a:r>
+              <a:rPr lang="en-US" sz="2000" b="1" dirty="0">
+                <a:latin typeface="+mj-lt"/>
+              </a:rPr>
+              <a:t>resampling framework </a:t>
             </a:r>
             <a:r>
               <a:rPr lang="en-US" sz="2000" dirty="0">
                 <a:latin typeface="+mj-lt"/>
               </a:rPr>
-              <a:t>implemented a flexible </a:t>
-            </a:r>
-            <a:r>
-              <a:rPr lang="en-US" sz="2000" b="1" dirty="0">
+              <a:t>that can utilize a variety of </a:t>
+            </a:r>
+            <a:r>
+              <a:rPr lang="en-US" sz="2000" dirty="0" err="1">
                 <a:latin typeface="+mj-lt"/>
               </a:rPr>
-              <a:t>resampling framework </a:t>
+              <a:t>undersampling</a:t>
             </a:r>
             <a:r>
               <a:rPr lang="en-US" sz="2000" dirty="0">
                 <a:latin typeface="+mj-lt"/>
               </a:rPr>
-              <a:t>that can utilize a variety of </a:t>
+              <a:t> and oversampling methods to </a:t>
             </a:r>
             <a:r>
               <a:rPr lang="en-US" sz="2000" dirty="0" err="1">
                 <a:latin typeface="+mj-lt"/>
               </a:rPr>
-              <a:t>undersampling</a:t>
+              <a:t>undersample</a:t>
             </a:r>
             <a:r>
               <a:rPr lang="en-US" sz="2000" dirty="0">
                 <a:latin typeface="+mj-lt"/>
               </a:rPr>
-              <a:t> and oversampling methods to </a:t>
-            </a:r>
-            <a:r>
-              <a:rPr lang="en-US" sz="2000" dirty="0" err="1">
-                <a:latin typeface="+mj-lt"/>
-              </a:rPr>
-              <a:t>undersample</a:t>
-            </a:r>
-            <a:r>
-              <a:rPr lang="en-US" sz="2000" dirty="0">
-                <a:latin typeface="+mj-lt"/>
-              </a:rPr>
               <a:t> the majority class and oversample the minority class as necessary. This ensures parity between labels of different user and same user in the training data.</a:t>
             </a:r>
-            <a:endParaRPr lang="en-US" sz="2000" dirty="0">
-              <a:latin typeface="+mj-lt"/>
-            </a:endParaRPr>
           </a:p>
           <a:p>
             <a:pPr marL="342900" indent="-342900" eaLnBrk="1" hangingPunct="1">
@@ -6066,7 +5784,7 @@
           <p:cNvPr id="1026" name="Picture 2" descr="K-mean center attack success rate.png">
             <a:extLst>
               <a:ext uri="{FF2B5EF4-FFF2-40B4-BE49-F238E27FC236}">
-                <a16:creationId xmlns:a16="http://schemas.microsoft.com/office/drawing/2014/main" xmlns="" id="{255D51AD-28C3-4E52-B2FD-0A20AD600D10}"/>
+                <a16:creationId xmlns="" xmlns:a16="http://schemas.microsoft.com/office/drawing/2014/main" id="{255D51AD-28C3-4E52-B2FD-0A20AD600D10}"/>
               </a:ext>
             </a:extLst>
           </p:cNvPr>
@@ -6113,7 +5831,7 @@
           <p:cNvPr id="1028" name="Picture 4" descr="K cluster Gaussian attack success rate.png">
             <a:extLst>
               <a:ext uri="{FF2B5EF4-FFF2-40B4-BE49-F238E27FC236}">
-                <a16:creationId xmlns:a16="http://schemas.microsoft.com/office/drawing/2014/main" xmlns="" id="{DF6C01D2-3451-4044-A5E5-DBF262E84660}"/>
+                <a16:creationId xmlns="" xmlns:a16="http://schemas.microsoft.com/office/drawing/2014/main" id="{DF6C01D2-3451-4044-A5E5-DBF262E84660}"/>
               </a:ext>
             </a:extLst>
           </p:cNvPr>
@@ -6209,11 +5927,7 @@
           <a:p>
             <a:r>
               <a:rPr lang="en-US" sz="1920" b="1" dirty="0"/>
-              <a:t>Figure </a:t>
-            </a:r>
-            <a:r>
-              <a:rPr lang="en-US" sz="1920" b="1" dirty="0"/>
-              <a:t>3. </a:t>
+              <a:t>Figure 3. </a:t>
             </a:r>
             <a:r>
               <a:rPr lang="en-US" sz="1920" dirty="0"/>
@@ -6256,7 +5970,7 @@
           <p:cNvPr id="45" name="Text Box 180">
             <a:extLst>
               <a:ext uri="{FF2B5EF4-FFF2-40B4-BE49-F238E27FC236}">
-                <a16:creationId xmlns:a16="http://schemas.microsoft.com/office/drawing/2014/main" xmlns="" id="{B5035870-ADA2-4595-8A86-153C0D15B18F}"/>
+                <a16:creationId xmlns="" xmlns:a16="http://schemas.microsoft.com/office/drawing/2014/main" id="{B5035870-ADA2-4595-8A86-153C0D15B18F}"/>
               </a:ext>
             </a:extLst>
           </p:cNvPr>
@@ -6415,25 +6129,13 @@
               <a:rPr lang="en-US" sz="1920" b="1" dirty="0">
                 <a:latin typeface="Calibri" pitchFamily="34" charset="0"/>
               </a:rPr>
-              <a:t>Figures </a:t>
-            </a:r>
-            <a:r>
-              <a:rPr lang="en-US" sz="1920" b="1" dirty="0">
-                <a:latin typeface="Calibri" pitchFamily="34" charset="0"/>
-              </a:rPr>
-              <a:t>4-5.</a:t>
+              <a:t>Figures 4-5.</a:t>
             </a:r>
             <a:r>
               <a:rPr lang="en-US" sz="1920" dirty="0">
                 <a:latin typeface="Calibri" pitchFamily="34" charset="0"/>
               </a:rPr>
-              <a:t> </a:t>
-            </a:r>
-            <a:r>
-              <a:rPr lang="en-US" sz="1920" dirty="0">
-                <a:latin typeface="Calibri" pitchFamily="34" charset="0"/>
-              </a:rPr>
-              <a:t>Adversarial success rate charts for different </a:t>
+              <a:t> Adversarial success rate charts for different </a:t>
             </a:r>
             <a:r>
               <a:rPr lang="en-US" sz="1920" i="1" dirty="0">
@@ -6467,7 +6169,7 @@
           <p:cNvPr id="47" name="Text Box 180">
             <a:extLst>
               <a:ext uri="{FF2B5EF4-FFF2-40B4-BE49-F238E27FC236}">
-                <a16:creationId xmlns:a16="http://schemas.microsoft.com/office/drawing/2014/main" xmlns="" id="{B68CCE3C-71F5-47D9-BF5F-CCAFD9C77C0F}"/>
+                <a16:creationId xmlns="" xmlns:a16="http://schemas.microsoft.com/office/drawing/2014/main" id="{B68CCE3C-71F5-47D9-BF5F-CCAFD9C77C0F}"/>
               </a:ext>
             </a:extLst>
           </p:cNvPr>
@@ -6937,7 +6639,7 @@
           <p:cNvPr id="46" name="Content Placeholder 114" descr="Sample table with 4 columns, 7 rows." title="Sample Table">
             <a:extLst>
               <a:ext uri="{FF2B5EF4-FFF2-40B4-BE49-F238E27FC236}">
-                <a16:creationId xmlns:a16="http://schemas.microsoft.com/office/drawing/2014/main" xmlns="" id="{60CBE95C-D1AC-4C3F-BFC0-D21F55A094E3}"/>
+                <a16:creationId xmlns="" xmlns:a16="http://schemas.microsoft.com/office/drawing/2014/main" id="{60CBE95C-D1AC-4C3F-BFC0-D21F55A094E3}"/>
               </a:ext>
             </a:extLst>
           </p:cNvPr>
@@ -6966,42 +6668,42 @@
                 <a:gridCol w="2673749">
                   <a:extLst>
                     <a:ext uri="{9D8B030D-6E8A-4147-A177-3AD203B41FA5}">
-                      <a16:colId xmlns:a16="http://schemas.microsoft.com/office/drawing/2014/main" xmlns="" val="20000"/>
+                      <a16:colId xmlns="" xmlns:a16="http://schemas.microsoft.com/office/drawing/2014/main" val="20000"/>
                     </a:ext>
                   </a:extLst>
                 </a:gridCol>
                 <a:gridCol w="1367202">
                   <a:extLst>
                     <a:ext uri="{9D8B030D-6E8A-4147-A177-3AD203B41FA5}">
-                      <a16:colId xmlns:a16="http://schemas.microsoft.com/office/drawing/2014/main" xmlns="" val="20001"/>
+                      <a16:colId xmlns="" xmlns:a16="http://schemas.microsoft.com/office/drawing/2014/main" val="20001"/>
                     </a:ext>
                   </a:extLst>
                 </a:gridCol>
                 <a:gridCol w="1367202">
                   <a:extLst>
                     <a:ext uri="{9D8B030D-6E8A-4147-A177-3AD203B41FA5}">
-                      <a16:colId xmlns:a16="http://schemas.microsoft.com/office/drawing/2014/main" xmlns="" val="20002"/>
+                      <a16:colId xmlns="" xmlns:a16="http://schemas.microsoft.com/office/drawing/2014/main" val="20002"/>
                     </a:ext>
                   </a:extLst>
                 </a:gridCol>
                 <a:gridCol w="1367202">
                   <a:extLst>
                     <a:ext uri="{9D8B030D-6E8A-4147-A177-3AD203B41FA5}">
-                      <a16:colId xmlns:a16="http://schemas.microsoft.com/office/drawing/2014/main" xmlns="" val="20003"/>
+                      <a16:colId xmlns="" xmlns:a16="http://schemas.microsoft.com/office/drawing/2014/main" val="20003"/>
                     </a:ext>
                   </a:extLst>
                 </a:gridCol>
                 <a:gridCol w="1367202">
                   <a:extLst>
                     <a:ext uri="{9D8B030D-6E8A-4147-A177-3AD203B41FA5}">
-                      <a16:colId xmlns:a16="http://schemas.microsoft.com/office/drawing/2014/main" xmlns="" val="886844001"/>
+                      <a16:colId xmlns="" xmlns:a16="http://schemas.microsoft.com/office/drawing/2014/main" val="886844001"/>
                     </a:ext>
                   </a:extLst>
                 </a:gridCol>
                 <a:gridCol w="1367202">
                   <a:extLst>
                     <a:ext uri="{9D8B030D-6E8A-4147-A177-3AD203B41FA5}">
-                      <a16:colId xmlns:a16="http://schemas.microsoft.com/office/drawing/2014/main" xmlns="" val="1355434412"/>
+                      <a16:colId xmlns="" xmlns:a16="http://schemas.microsoft.com/office/drawing/2014/main" val="1355434412"/>
                     </a:ext>
                   </a:extLst>
                 </a:gridCol>
@@ -7171,7 +6873,7 @@
                 </a:tc>
                 <a:extLst>
                   <a:ext uri="{0D108BD9-81ED-4DB2-BD59-A6C34878D82A}">
-                    <a16:rowId xmlns:a16="http://schemas.microsoft.com/office/drawing/2014/main" xmlns="" val="10000"/>
+                    <a16:rowId xmlns="" xmlns:a16="http://schemas.microsoft.com/office/drawing/2014/main" val="10000"/>
                   </a:ext>
                 </a:extLst>
               </a:tr>
@@ -7511,7 +7213,7 @@
                 </a:tc>
                 <a:extLst>
                   <a:ext uri="{0D108BD9-81ED-4DB2-BD59-A6C34878D82A}">
-                    <a16:rowId xmlns:a16="http://schemas.microsoft.com/office/drawing/2014/main" xmlns="" val="10001"/>
+                    <a16:rowId xmlns="" xmlns:a16="http://schemas.microsoft.com/office/drawing/2014/main" val="10001"/>
                   </a:ext>
                 </a:extLst>
               </a:tr>
@@ -7851,7 +7553,7 @@
                 </a:tc>
                 <a:extLst>
                   <a:ext uri="{0D108BD9-81ED-4DB2-BD59-A6C34878D82A}">
-                    <a16:rowId xmlns:a16="http://schemas.microsoft.com/office/drawing/2014/main" xmlns="" val="10002"/>
+                    <a16:rowId xmlns="" xmlns:a16="http://schemas.microsoft.com/office/drawing/2014/main" val="10002"/>
                   </a:ext>
                 </a:extLst>
               </a:tr>
@@ -7931,28 +7633,28 @@
                   <a:gridCol w="731936">
                     <a:extLst>
                       <a:ext uri="{9D8B030D-6E8A-4147-A177-3AD203B41FA5}">
-                        <a16:colId xmlns="" xmlns:a16="http://schemas.microsoft.com/office/drawing/2014/main" val="20000"/>
+                        <a16:colId xmlns:a16="http://schemas.microsoft.com/office/drawing/2014/main" xmlns="" val="20000"/>
                       </a:ext>
                     </a:extLst>
                   </a:gridCol>
                   <a:gridCol w="600609">
                     <a:extLst>
                       <a:ext uri="{9D8B030D-6E8A-4147-A177-3AD203B41FA5}">
-                        <a16:colId xmlns="" xmlns:a16="http://schemas.microsoft.com/office/drawing/2014/main" val="20001"/>
+                        <a16:colId xmlns:a16="http://schemas.microsoft.com/office/drawing/2014/main" xmlns="" val="20001"/>
                       </a:ext>
                     </a:extLst>
                   </a:gridCol>
                   <a:gridCol w="501348">
                     <a:extLst>
                       <a:ext uri="{9D8B030D-6E8A-4147-A177-3AD203B41FA5}">
-                        <a16:colId xmlns="" xmlns:a16="http://schemas.microsoft.com/office/drawing/2014/main" val="20002"/>
+                        <a16:colId xmlns:a16="http://schemas.microsoft.com/office/drawing/2014/main" xmlns="" val="20002"/>
                       </a:ext>
                     </a:extLst>
                   </a:gridCol>
                   <a:gridCol w="1222015">
                     <a:extLst>
                       <a:ext uri="{9D8B030D-6E8A-4147-A177-3AD203B41FA5}">
-                        <a16:colId xmlns="" xmlns:a16="http://schemas.microsoft.com/office/drawing/2014/main" val="20003"/>
+                        <a16:colId xmlns:a16="http://schemas.microsoft.com/office/drawing/2014/main" xmlns="" val="20003"/>
                       </a:ext>
                     </a:extLst>
                   </a:gridCol>
@@ -8042,7 +7744,7 @@
                   </a:tc>
                   <a:extLst>
                     <a:ext uri="{0D108BD9-81ED-4DB2-BD59-A6C34878D82A}">
-                      <a16:rowId xmlns="" xmlns:a16="http://schemas.microsoft.com/office/drawing/2014/main" val="10000"/>
+                      <a16:rowId xmlns:a16="http://schemas.microsoft.com/office/drawing/2014/main" xmlns="" val="10000"/>
                     </a:ext>
                   </a:extLst>
                 </a:tr>
@@ -8107,7 +7809,7 @@
                   </a:tc>
                   <a:extLst>
                     <a:ext uri="{0D108BD9-81ED-4DB2-BD59-A6C34878D82A}">
-                      <a16:rowId xmlns="" xmlns:a16="http://schemas.microsoft.com/office/drawing/2014/main" val="10001"/>
+                      <a16:rowId xmlns:a16="http://schemas.microsoft.com/office/drawing/2014/main" xmlns="" val="10001"/>
                     </a:ext>
                   </a:extLst>
                 </a:tr>
@@ -8170,7 +7872,7 @@
                   </a:tc>
                   <a:extLst>
                     <a:ext uri="{0D108BD9-81ED-4DB2-BD59-A6C34878D82A}">
-                      <a16:rowId xmlns="" xmlns:a16="http://schemas.microsoft.com/office/drawing/2014/main" val="10002"/>
+                      <a16:rowId xmlns:a16="http://schemas.microsoft.com/office/drawing/2014/main" xmlns="" val="10002"/>
                     </a:ext>
                   </a:extLst>
                 </a:tr>
@@ -8233,7 +7935,7 @@
                   </a:tc>
                   <a:extLst>
                     <a:ext uri="{0D108BD9-81ED-4DB2-BD59-A6C34878D82A}">
-                      <a16:rowId xmlns="" xmlns:a16="http://schemas.microsoft.com/office/drawing/2014/main" val="10003"/>
+                      <a16:rowId xmlns:a16="http://schemas.microsoft.com/office/drawing/2014/main" xmlns="" val="10003"/>
                     </a:ext>
                   </a:extLst>
                 </a:tr>
@@ -8577,13 +8279,7 @@
                 <a:rPr lang="en-US" sz="1440" dirty="0">
                   <a:latin typeface="Calibri" pitchFamily="34" charset="0"/>
                 </a:rPr>
-                <a:t>51 records</a:t>
-              </a:r>
-              <a:r>
-                <a:rPr lang="en-US" sz="1440" dirty="0">
-                  <a:latin typeface="Calibri" pitchFamily="34" charset="0"/>
-                </a:rPr>
-                <a:t>/</a:t>
+                <a:t>51 records/</a:t>
               </a:r>
             </a:p>
             <a:p>
@@ -8594,9 +8290,6 @@
                 </a:rPr>
                 <a:t>subject</a:t>
               </a:r>
-              <a:endParaRPr lang="en-US" sz="1440" dirty="0">
-                <a:latin typeface="Calibri" pitchFamily="34" charset="0"/>
-              </a:endParaRPr>
             </a:p>
           </p:txBody>
         </p:sp>
@@ -9050,29 +8743,14 @@
                 <a:rPr lang="en-US" sz="1920" b="1" dirty="0">
                   <a:latin typeface="Calibri" pitchFamily="34" charset="0"/>
                 </a:rPr>
-                <a:t>Figure </a:t>
-              </a:r>
-              <a:r>
-                <a:rPr lang="en-US" sz="1920" b="1" dirty="0">
-                  <a:latin typeface="Calibri" pitchFamily="34" charset="0"/>
-                </a:rPr>
-                <a:t>1.</a:t>
+                <a:t>Figure 1.</a:t>
               </a:r>
               <a:r>
                 <a:rPr lang="en-US" sz="1920" dirty="0">
                   <a:latin typeface="Calibri" pitchFamily="34" charset="0"/>
                 </a:rPr>
-                <a:t> </a:t>
+                <a:t> User Verification Classifier.</a:t>
               </a:r>
-              <a:r>
-                <a:rPr lang="en-US" sz="1920" dirty="0">
-                  <a:latin typeface="Calibri" pitchFamily="34" charset="0"/>
-                </a:rPr>
-                <a:t>User Verification Classifier.</a:t>
-              </a:r>
-              <a:endParaRPr lang="en-US" sz="1920" dirty="0">
-                <a:latin typeface="Calibri" pitchFamily="34" charset="0"/>
-              </a:endParaRPr>
             </a:p>
           </p:txBody>
         </p:sp>
@@ -9235,19 +8913,7 @@
               <a:rPr lang="en-US" sz="1920" b="1" dirty="0">
                 <a:latin typeface="Calibri" pitchFamily="34" charset="0"/>
               </a:rPr>
-              <a:t>Figure </a:t>
-            </a:r>
-            <a:r>
-              <a:rPr lang="en-US" sz="1920" b="1" dirty="0">
-                <a:latin typeface="Calibri" pitchFamily="34" charset="0"/>
-              </a:rPr>
-              <a:t>2</a:t>
-            </a:r>
-            <a:r>
-              <a:rPr lang="en-US" sz="1920" b="1" dirty="0">
-                <a:latin typeface="Calibri" pitchFamily="34" charset="0"/>
-              </a:rPr>
-              <a:t>.</a:t>
+              <a:t>Figure 2.</a:t>
             </a:r>
             <a:r>
               <a:rPr lang="en-US" sz="1920" dirty="0">
@@ -9255,9 +8921,6 @@
               </a:rPr>
               <a:t> Attacks on User Verification Classifier.</a:t>
             </a:r>
-            <a:endParaRPr lang="en-US" sz="1920" dirty="0">
-              <a:latin typeface="Calibri" pitchFamily="34" charset="0"/>
-            </a:endParaRPr>
           </a:p>
         </p:txBody>
       </p:sp>

--- a/229poster.pptx
+++ b/229poster.pptx
@@ -226,7 +226,7 @@
           <a:p>
             <a:fld id="{FF66CDD7-09B6-4BB3-9069-2B95837CCCB2}" type="datetimeFigureOut">
               <a:rPr lang="en-US" smtClean="0"/>
-              <a:t>12/9/2017</a:t>
+              <a:t>12/10/2017</a:t>
             </a:fld>
             <a:endParaRPr lang="en-US"/>
           </a:p>
@@ -1902,7 +1902,7 @@
           <a:p>
             <a:fld id="{985D6BDF-9D0E-4E2B-85B8-D8F4790360C9}" type="datetimeFigureOut">
               <a:rPr lang="en-US" smtClean="0"/>
-              <a:t>12/9/2017</a:t>
+              <a:t>12/10/2017</a:t>
             </a:fld>
             <a:endParaRPr lang="en-US" dirty="0"/>
           </a:p>
@@ -2113,7 +2113,7 @@
           <a:p>
             <a:fld id="{985D6BDF-9D0E-4E2B-85B8-D8F4790360C9}" type="datetimeFigureOut">
               <a:rPr lang="en-US" smtClean="0"/>
-              <a:t>12/9/2017</a:t>
+              <a:t>12/10/2017</a:t>
             </a:fld>
             <a:endParaRPr lang="en-US" dirty="0"/>
           </a:p>
@@ -3053,7 +3053,7 @@
         <p:spPr bwMode="auto">
           <a:xfrm>
             <a:off x="1097280" y="3657600"/>
-            <a:ext cx="9875520" cy="2967786"/>
+            <a:ext cx="9875520" cy="813350"/>
           </a:xfrm>
           <a:prstGeom prst="rect">
             <a:avLst/>
@@ -3178,107 +3178,14 @@
               <a:buChar char="•"/>
             </a:pPr>
             <a:r>
-              <a:rPr lang="en-US" sz="2000" dirty="0">
+              <a:rPr lang="en-US" sz="2000" dirty="0" smtClean="0">
                 <a:latin typeface="Calibri" pitchFamily="34" charset="0"/>
               </a:rPr>
-              <a:t>We develop </a:t>
-            </a:r>
-            <a:r>
-              <a:rPr lang="en-US" sz="2000" b="1" dirty="0">
-                <a:latin typeface="Calibri" pitchFamily="34" charset="0"/>
-              </a:rPr>
-              <a:t>clustering algorithms </a:t>
-            </a:r>
-            <a:r>
-              <a:rPr lang="en-US" sz="2000" dirty="0">
-                <a:latin typeface="Calibri" pitchFamily="34" charset="0"/>
-              </a:rPr>
-              <a:t>and </a:t>
-            </a:r>
-            <a:r>
-              <a:rPr lang="en-US" sz="2000" b="1" dirty="0">
-                <a:latin typeface="Calibri" pitchFamily="34" charset="0"/>
-              </a:rPr>
-              <a:t>Bayesian graphical models </a:t>
-            </a:r>
-            <a:r>
-              <a:rPr lang="en-US" sz="2000" dirty="0">
-                <a:latin typeface="Calibri" pitchFamily="34" charset="0"/>
-              </a:rPr>
-              <a:t>to spoof human biometric patterns in mobile inputs. </a:t>
-            </a:r>
-          </a:p>
-          <a:p>
-            <a:pPr marL="342900" indent="-342900" eaLnBrk="1" hangingPunct="1">
-              <a:buFont typeface="Arial" panose="020B0604020202020204" pitchFamily="34" charset="0"/>
-              <a:buChar char="•"/>
-            </a:pPr>
-            <a:r>
-              <a:rPr lang="en-US" sz="2000" dirty="0">
-                <a:latin typeface="Calibri" pitchFamily="34" charset="0"/>
-              </a:rPr>
-              <a:t>We frame this as a </a:t>
-            </a:r>
-            <a:r>
-              <a:rPr lang="en-US" sz="2000" b="1" dirty="0">
-                <a:latin typeface="Calibri" pitchFamily="34" charset="0"/>
-              </a:rPr>
-              <a:t>targeted adversarial attack </a:t>
-            </a:r>
-            <a:r>
-              <a:rPr lang="en-US" sz="2000" dirty="0">
-                <a:latin typeface="Calibri" pitchFamily="34" charset="0"/>
-              </a:rPr>
-              <a:t>problem, and the applications are twofold.</a:t>
-            </a:r>
-          </a:p>
-          <a:p>
-            <a:pPr marL="1303020" lvl="1" indent="-411480" eaLnBrk="1" hangingPunct="1">
-              <a:buFont typeface="+mj-lt"/>
-              <a:buAutoNum type="arabicPeriod"/>
-            </a:pPr>
-            <a:r>
-              <a:rPr lang="en-US" sz="2000" dirty="0">
-                <a:latin typeface="Calibri" pitchFamily="34" charset="0"/>
-              </a:rPr>
-              <a:t>By developing methods to generate a mass of adversarial examples, we can develop more </a:t>
-            </a:r>
-            <a:r>
-              <a:rPr lang="en-US" sz="2000" b="1" dirty="0">
-                <a:latin typeface="Calibri" pitchFamily="34" charset="0"/>
-              </a:rPr>
-              <a:t>robust discriminatory classifiers </a:t>
-            </a:r>
-            <a:r>
-              <a:rPr lang="en-US" sz="2000" dirty="0">
-                <a:latin typeface="Calibri" pitchFamily="34" charset="0"/>
-              </a:rPr>
-              <a:t>for enhanced security in sensitive environments such as biometric identification on smartphones. </a:t>
-            </a:r>
-          </a:p>
-          <a:p>
-            <a:pPr marL="1303020" lvl="1" indent="-411480" eaLnBrk="1" hangingPunct="1">
-              <a:buFont typeface="+mj-lt"/>
-              <a:buAutoNum type="arabicPeriod"/>
-            </a:pPr>
-            <a:r>
-              <a:rPr lang="en-US" sz="2000" dirty="0">
-                <a:latin typeface="Calibri" pitchFamily="34" charset="0"/>
-              </a:rPr>
-              <a:t>Our </a:t>
-            </a:r>
-            <a:r>
-              <a:rPr lang="en-US" sz="2000" b="1" dirty="0">
-                <a:latin typeface="Calibri" pitchFamily="34" charset="0"/>
-              </a:rPr>
-              <a:t>Bayesian network heuristics </a:t>
-            </a:r>
-            <a:r>
-              <a:rPr lang="en-US" sz="2000" dirty="0">
-                <a:latin typeface="Calibri" pitchFamily="34" charset="0"/>
-              </a:rPr>
-              <a:t>can parse out salient features on a case-by-case basis, and can be employed to augment sparse datasets and develop emulators of fine-grained human behavior. </a:t>
-            </a:r>
+              <a:t>We develop logistic regression and deep neural network classifiers to verify users based on typing pattern.</a:t>
+            </a:r>
+            <a:endParaRPr lang="en-US" sz="2000" dirty="0">
+              <a:latin typeface="Calibri" pitchFamily="34" charset="0"/>
+            </a:endParaRPr>
           </a:p>
         </p:txBody>
       </p:sp>
@@ -3394,1424 +3301,465 @@
           </a:p>
         </p:txBody>
       </p:sp>
-      <mc:AlternateContent xmlns:mc="http://schemas.openxmlformats.org/markup-compatibility/2006" xmlns:a14="http://schemas.microsoft.com/office/drawing/2010/main">
-        <mc:Choice Requires="a14">
-          <p:sp>
-            <p:nvSpPr>
-              <p:cNvPr id="13" name="Text Box 192"/>
-              <p:cNvSpPr txBox="1">
-                <a:spLocks noChangeArrowheads="1"/>
-              </p:cNvSpPr>
-              <p:nvPr/>
-            </p:nvSpPr>
-            <p:spPr bwMode="auto">
-              <a:xfrm>
-                <a:off x="11521440" y="3657601"/>
-                <a:ext cx="9875520" cy="15157918"/>
-              </a:xfrm>
-              <a:prstGeom prst="rect">
-                <a:avLst/>
-              </a:prstGeom>
-              <a:solidFill>
-                <a:schemeClr val="bg1"/>
-              </a:solidFill>
-              <a:ln w="12700">
-                <a:solidFill>
-                  <a:schemeClr val="accent1">
-                    <a:lumMod val="75000"/>
-                  </a:schemeClr>
-                </a:solidFill>
-              </a:ln>
-              <a:effectLst/>
-            </p:spPr>
-            <p:txBody>
-              <a:bodyPr lIns="97942" tIns="97942" rIns="97942" bIns="97942">
-                <a:spAutoFit/>
-              </a:bodyPr>
-              <a:lstStyle>
-                <a:lvl1pPr eaLnBrk="0" hangingPunct="0">
-                  <a:defRPr sz="2200">
-                    <a:solidFill>
-                      <a:schemeClr val="tx1"/>
-                    </a:solidFill>
-                    <a:latin typeface="Arial" charset="0"/>
-                  </a:defRPr>
-                </a:lvl1pPr>
-                <a:lvl2pPr marL="742950" indent="-285750" eaLnBrk="0" hangingPunct="0">
-                  <a:defRPr sz="2200">
-                    <a:solidFill>
-                      <a:schemeClr val="tx1"/>
-                    </a:solidFill>
-                    <a:latin typeface="Arial" charset="0"/>
-                  </a:defRPr>
-                </a:lvl2pPr>
-                <a:lvl3pPr marL="1143000" indent="-228600" eaLnBrk="0" hangingPunct="0">
-                  <a:defRPr sz="2200">
-                    <a:solidFill>
-                      <a:schemeClr val="tx1"/>
-                    </a:solidFill>
-                    <a:latin typeface="Arial" charset="0"/>
-                  </a:defRPr>
-                </a:lvl3pPr>
-                <a:lvl4pPr marL="1600200" indent="-228600" eaLnBrk="0" hangingPunct="0">
-                  <a:defRPr sz="2200">
-                    <a:solidFill>
-                      <a:schemeClr val="tx1"/>
-                    </a:solidFill>
-                    <a:latin typeface="Arial" charset="0"/>
-                  </a:defRPr>
-                </a:lvl4pPr>
-                <a:lvl5pPr marL="2057400" indent="-228600" eaLnBrk="0" hangingPunct="0">
-                  <a:defRPr sz="2200">
-                    <a:solidFill>
-                      <a:schemeClr val="tx1"/>
-                    </a:solidFill>
-                    <a:latin typeface="Arial" charset="0"/>
-                  </a:defRPr>
-                </a:lvl5pPr>
-                <a:lvl6pPr marL="2514600" indent="-228600" eaLnBrk="0" fontAlgn="base" hangingPunct="0">
-                  <a:spcBef>
-                    <a:spcPct val="0"/>
-                  </a:spcBef>
-                  <a:spcAft>
-                    <a:spcPct val="0"/>
-                  </a:spcAft>
-                  <a:defRPr sz="2200">
-                    <a:solidFill>
-                      <a:schemeClr val="tx1"/>
-                    </a:solidFill>
-                    <a:latin typeface="Arial" charset="0"/>
-                  </a:defRPr>
-                </a:lvl6pPr>
-                <a:lvl7pPr marL="2971800" indent="-228600" eaLnBrk="0" fontAlgn="base" hangingPunct="0">
-                  <a:spcBef>
-                    <a:spcPct val="0"/>
-                  </a:spcBef>
-                  <a:spcAft>
-                    <a:spcPct val="0"/>
-                  </a:spcAft>
-                  <a:defRPr sz="2200">
-                    <a:solidFill>
-                      <a:schemeClr val="tx1"/>
-                    </a:solidFill>
-                    <a:latin typeface="Arial" charset="0"/>
-                  </a:defRPr>
-                </a:lvl7pPr>
-                <a:lvl8pPr marL="3429000" indent="-228600" eaLnBrk="0" fontAlgn="base" hangingPunct="0">
-                  <a:spcBef>
-                    <a:spcPct val="0"/>
-                  </a:spcBef>
-                  <a:spcAft>
-                    <a:spcPct val="0"/>
-                  </a:spcAft>
-                  <a:defRPr sz="2200">
-                    <a:solidFill>
-                      <a:schemeClr val="tx1"/>
-                    </a:solidFill>
-                    <a:latin typeface="Arial" charset="0"/>
-                  </a:defRPr>
-                </a:lvl8pPr>
-                <a:lvl9pPr marL="3886200" indent="-228600" eaLnBrk="0" fontAlgn="base" hangingPunct="0">
-                  <a:spcBef>
-                    <a:spcPct val="0"/>
-                  </a:spcBef>
-                  <a:spcAft>
-                    <a:spcPct val="0"/>
-                  </a:spcAft>
-                  <a:defRPr sz="2200">
-                    <a:solidFill>
-                      <a:schemeClr val="tx1"/>
-                    </a:solidFill>
-                    <a:latin typeface="Arial" charset="0"/>
-                  </a:defRPr>
-                </a:lvl9pPr>
-              </a:lstStyle>
-              <a:p>
-                <a:pPr marL="342900" indent="-342900" eaLnBrk="1" hangingPunct="1">
-                  <a:buFont typeface="Arial" panose="020B0604020202020204" pitchFamily="34" charset="0"/>
-                  <a:buChar char="•"/>
-                </a:pPr>
-                <a:r>
-                  <a:rPr lang="en-US" sz="2000" b="1" i="1" dirty="0">
-                    <a:latin typeface="Calibri" pitchFamily="34" charset="0"/>
-                  </a:rPr>
-                  <a:t>k</a:t>
-                </a:r>
-                <a:r>
-                  <a:rPr lang="en-US" sz="2000" b="1" dirty="0">
-                    <a:latin typeface="Calibri" pitchFamily="34" charset="0"/>
-                  </a:rPr>
-                  <a:t>-means. </a:t>
-                </a:r>
-                <a:r>
-                  <a:rPr lang="en-US" sz="2000" dirty="0">
-                    <a:latin typeface="Calibri" pitchFamily="34" charset="0"/>
-                  </a:rPr>
-                  <a:t>We implemented a </a:t>
-                </a:r>
-                <a:r>
-                  <a:rPr lang="en-US" sz="2000" dirty="0" err="1">
-                    <a:latin typeface="Calibri" pitchFamily="34" charset="0"/>
-                  </a:rPr>
-                  <a:t>variational</a:t>
-                </a:r>
-                <a:r>
-                  <a:rPr lang="en-US" sz="2000" dirty="0">
-                    <a:latin typeface="Calibri" pitchFamily="34" charset="0"/>
-                  </a:rPr>
-                  <a:t> </a:t>
-                </a:r>
-                <a:r>
-                  <a:rPr lang="en-US" sz="2000" i="1" dirty="0">
-                    <a:latin typeface="Calibri" pitchFamily="34" charset="0"/>
-                  </a:rPr>
-                  <a:t>k</a:t>
-                </a:r>
-                <a:r>
-                  <a:rPr lang="en-US" sz="2000" dirty="0">
-                    <a:latin typeface="Calibri" pitchFamily="34" charset="0"/>
-                  </a:rPr>
-                  <a:t>-means clustering framework initialized with random seed, varying on </a:t>
-                </a:r>
-                <a:r>
-                  <a:rPr lang="en-US" sz="2000" i="1" dirty="0">
-                    <a:latin typeface="Calibri" pitchFamily="34" charset="0"/>
-                  </a:rPr>
-                  <a:t>k</a:t>
-                </a:r>
-                <a:r>
-                  <a:rPr lang="en-US" sz="2000" dirty="0">
-                    <a:latin typeface="Calibri" pitchFamily="34" charset="0"/>
-                  </a:rPr>
-                  <a:t>. The </a:t>
-                </a:r>
-                <a:r>
-                  <a:rPr lang="en-US" sz="2000" i="1" dirty="0">
-                    <a:latin typeface="Calibri" pitchFamily="34" charset="0"/>
-                  </a:rPr>
-                  <a:t>k </a:t>
-                </a:r>
-                <a:r>
-                  <a:rPr lang="en-US" sz="2000" dirty="0">
-                    <a:latin typeface="Calibri" pitchFamily="34" charset="0"/>
-                  </a:rPr>
-                  <a:t>centroids determined upon convergence become the basis for our adversarial example generation. Small (&lt;5) clusters are considered outliers.</a:t>
-                </a:r>
-              </a:p>
-              <a:p>
-                <a:pPr marL="342900" indent="-342900" eaLnBrk="1" hangingPunct="1">
-                  <a:buFont typeface="Arial" panose="020B0604020202020204" pitchFamily="34" charset="0"/>
-                  <a:buChar char="•"/>
-                </a:pPr>
-                <a:r>
-                  <a:rPr lang="en-US" sz="2000" b="1" dirty="0">
-                    <a:latin typeface="Calibri" pitchFamily="34" charset="0"/>
-                  </a:rPr>
-                  <a:t>Multivariate Gaussian distribution models.</a:t>
-                </a:r>
-                <a:r>
-                  <a:rPr lang="en-US" sz="2000" dirty="0">
-                    <a:latin typeface="Calibri" pitchFamily="34" charset="0"/>
-                  </a:rPr>
-                  <a:t> Motivated by the high-dimensional (71-element featurization) of our dataset, we modeled the clusters generated by </a:t>
-                </a:r>
-                <a:r>
-                  <a:rPr lang="en-US" sz="2000" i="1" dirty="0">
-                    <a:latin typeface="Calibri" pitchFamily="34" charset="0"/>
-                  </a:rPr>
-                  <a:t>k</a:t>
-                </a:r>
-                <a:r>
-                  <a:rPr lang="en-US" sz="2000" dirty="0">
-                    <a:latin typeface="Calibri" pitchFamily="34" charset="0"/>
-                  </a:rPr>
-                  <a:t>-means as multivariate Gaussian distributions over the random variable set </a:t>
-                </a:r>
-                <a14:m>
-                  <m:oMath xmlns:m="http://schemas.openxmlformats.org/officeDocument/2006/math">
-                    <m:r>
-                      <a:rPr lang="en-US" sz="2000" i="1">
-                        <a:latin typeface="Cambria Math" panose="02040503050406030204" pitchFamily="18" charset="0"/>
-                      </a:rPr>
-                      <m:t>𝑥</m:t>
-                    </m:r>
-                    <m:r>
-                      <a:rPr lang="en-US" sz="2000" i="1">
-                        <a:latin typeface="Cambria Math" panose="02040503050406030204" pitchFamily="18" charset="0"/>
-                      </a:rPr>
-                      <m:t>=[</m:t>
-                    </m:r>
-                    <m:sSub>
-                      <m:sSubPr>
-                        <m:ctrlPr>
-                          <a:rPr lang="en-US" sz="2000" i="1">
-                            <a:latin typeface="Cambria Math" panose="02040503050406030204" pitchFamily="18" charset="0"/>
-                          </a:rPr>
-                        </m:ctrlPr>
-                      </m:sSubPr>
-                      <m:e>
-                        <m:r>
-                          <a:rPr lang="en-US" sz="2000" i="1">
-                            <a:latin typeface="Cambria Math" panose="02040503050406030204" pitchFamily="18" charset="0"/>
-                          </a:rPr>
-                          <m:t>𝑋</m:t>
-                        </m:r>
-                      </m:e>
-                      <m:sub>
-                        <m:r>
-                          <a:rPr lang="en-US" sz="2000" i="1">
-                            <a:latin typeface="Cambria Math" panose="02040503050406030204" pitchFamily="18" charset="0"/>
-                          </a:rPr>
-                          <m:t>1</m:t>
-                        </m:r>
-                      </m:sub>
-                    </m:sSub>
-                    <m:r>
-                      <a:rPr lang="en-US" sz="2000" i="1">
-                        <a:latin typeface="Cambria Math" panose="02040503050406030204" pitchFamily="18" charset="0"/>
-                      </a:rPr>
-                      <m:t>,…,</m:t>
-                    </m:r>
-                    <m:sSub>
-                      <m:sSubPr>
-                        <m:ctrlPr>
-                          <a:rPr lang="en-US" sz="2000" i="1">
-                            <a:latin typeface="Cambria Math" panose="02040503050406030204" pitchFamily="18" charset="0"/>
-                          </a:rPr>
-                        </m:ctrlPr>
-                      </m:sSubPr>
-                      <m:e>
-                        <m:r>
-                          <a:rPr lang="en-US" sz="2000" i="1">
-                            <a:latin typeface="Cambria Math" panose="02040503050406030204" pitchFamily="18" charset="0"/>
-                          </a:rPr>
-                          <m:t>𝑋</m:t>
-                        </m:r>
-                      </m:e>
-                      <m:sub>
-                        <m:r>
-                          <a:rPr lang="en-US" sz="2000" i="1">
-                            <a:latin typeface="Cambria Math" panose="02040503050406030204" pitchFamily="18" charset="0"/>
-                          </a:rPr>
-                          <m:t>𝑑</m:t>
-                        </m:r>
-                      </m:sub>
-                    </m:sSub>
-                    <m:r>
-                      <a:rPr lang="en-US" sz="2000" i="1">
-                        <a:latin typeface="Cambria Math" panose="02040503050406030204" pitchFamily="18" charset="0"/>
-                      </a:rPr>
-                      <m:t>]</m:t>
-                    </m:r>
-                  </m:oMath>
-                </a14:m>
-                <a:r>
-                  <a:rPr lang="en-US" sz="2000" dirty="0">
-                    <a:latin typeface="Calibri" pitchFamily="34" charset="0"/>
-                  </a:rPr>
-                  <a:t>,  with the density function:</a:t>
-                </a:r>
-              </a:p>
-              <a:p>
-                <a:pPr eaLnBrk="1" hangingPunct="1"/>
-                <a14:m>
-                  <m:oMathPara xmlns:m="http://schemas.openxmlformats.org/officeDocument/2006/math">
-                    <m:oMathParaPr>
-                      <m:jc m:val="centerGroup"/>
-                    </m:oMathParaPr>
-                    <m:oMath xmlns:m="http://schemas.openxmlformats.org/officeDocument/2006/math">
-                      <m:r>
-                        <a:rPr lang="en-US" sz="2000" i="1">
-                          <a:latin typeface="Cambria Math" panose="02040503050406030204" pitchFamily="18" charset="0"/>
-                        </a:rPr>
-                        <m:t>𝑓</m:t>
-                      </m:r>
-                      <m:d>
-                        <m:dPr>
-                          <m:ctrlPr>
-                            <a:rPr lang="en-US" sz="2000" i="1">
-                              <a:latin typeface="Cambria Math" panose="02040503050406030204" pitchFamily="18" charset="0"/>
-                            </a:rPr>
-                          </m:ctrlPr>
-                        </m:dPr>
-                        <m:e>
-                          <m:r>
-                            <a:rPr lang="en-US" sz="2000" i="1">
-                              <a:latin typeface="Cambria Math" panose="02040503050406030204" pitchFamily="18" charset="0"/>
-                            </a:rPr>
-                            <m:t>𝑥</m:t>
-                          </m:r>
-                          <m:r>
-                            <a:rPr lang="en-US" sz="2000" i="1">
-                              <a:latin typeface="Cambria Math" panose="02040503050406030204" pitchFamily="18" charset="0"/>
-                            </a:rPr>
-                            <m:t>,</m:t>
-                          </m:r>
-                          <m:r>
-                            <a:rPr lang="en-US" sz="2000" i="1">
-                              <a:latin typeface="Cambria Math" panose="02040503050406030204" pitchFamily="18" charset="0"/>
-                            </a:rPr>
-                            <m:t>𝜇</m:t>
-                          </m:r>
-                          <m:r>
-                            <a:rPr lang="en-US" sz="2000" i="1">
-                              <a:latin typeface="Cambria Math" panose="02040503050406030204" pitchFamily="18" charset="0"/>
-                            </a:rPr>
-                            <m:t>,</m:t>
-                          </m:r>
-                          <m:r>
-                            <m:rPr>
-                              <m:sty m:val="p"/>
-                            </m:rPr>
-                            <a:rPr lang="en-US" sz="2000">
-                              <a:latin typeface="Cambria Math" panose="02040503050406030204" pitchFamily="18" charset="0"/>
-                            </a:rPr>
-                            <m:t>Σ</m:t>
-                          </m:r>
-                        </m:e>
-                      </m:d>
-                      <m:r>
-                        <a:rPr lang="en-US" sz="2000" i="1">
-                          <a:latin typeface="Cambria Math" panose="02040503050406030204" pitchFamily="18" charset="0"/>
-                        </a:rPr>
-                        <m:t>=</m:t>
-                      </m:r>
-                      <m:f>
-                        <m:fPr>
-                          <m:ctrlPr>
-                            <a:rPr lang="en-US" sz="2000" i="1">
-                              <a:latin typeface="Cambria Math" panose="02040503050406030204" pitchFamily="18" charset="0"/>
-                            </a:rPr>
-                          </m:ctrlPr>
-                        </m:fPr>
-                        <m:num>
-                          <m:r>
-                            <a:rPr lang="en-US" sz="2000" i="1">
-                              <a:latin typeface="Cambria Math" panose="02040503050406030204" pitchFamily="18" charset="0"/>
-                            </a:rPr>
-                            <m:t>1</m:t>
-                          </m:r>
-                        </m:num>
-                        <m:den>
-                          <m:d>
-                            <m:dPr>
-                              <m:begChr m:val="|"/>
-                              <m:endChr m:val="|"/>
-                              <m:ctrlPr>
-                                <a:rPr lang="en-US" sz="2000" i="1">
-                                  <a:latin typeface="Cambria Math" panose="02040503050406030204" pitchFamily="18" charset="0"/>
-                                </a:rPr>
-                              </m:ctrlPr>
-                            </m:dPr>
-                            <m:e>
-                              <m:r>
-                                <m:rPr>
-                                  <m:sty m:val="p"/>
-                                </m:rPr>
-                                <a:rPr lang="en-US" sz="2000">
-                                  <a:latin typeface="Cambria Math" panose="02040503050406030204" pitchFamily="18" charset="0"/>
-                                </a:rPr>
-                                <m:t>Σ</m:t>
-                              </m:r>
-                            </m:e>
-                          </m:d>
-                          <m:sSup>
-                            <m:sSupPr>
-                              <m:ctrlPr>
-                                <a:rPr lang="en-US" sz="2000" i="1">
-                                  <a:latin typeface="Cambria Math" panose="02040503050406030204" pitchFamily="18" charset="0"/>
-                                </a:rPr>
-                              </m:ctrlPr>
-                            </m:sSupPr>
-                            <m:e>
-                              <m:d>
-                                <m:dPr>
-                                  <m:ctrlPr>
-                                    <a:rPr lang="en-US" sz="2000" i="1">
-                                      <a:latin typeface="Cambria Math" panose="02040503050406030204" pitchFamily="18" charset="0"/>
-                                    </a:rPr>
-                                  </m:ctrlPr>
-                                </m:dPr>
-                                <m:e>
-                                  <m:r>
-                                    <a:rPr lang="en-US" sz="2000" i="1">
-                                      <a:latin typeface="Cambria Math" panose="02040503050406030204" pitchFamily="18" charset="0"/>
-                                    </a:rPr>
-                                    <m:t>2</m:t>
-                                  </m:r>
-                                  <m:r>
-                                    <a:rPr lang="en-US" sz="2000" i="1">
-                                      <a:latin typeface="Cambria Math" panose="02040503050406030204" pitchFamily="18" charset="0"/>
-                                    </a:rPr>
-                                    <m:t>𝜋</m:t>
-                                  </m:r>
-                                </m:e>
-                              </m:d>
-                            </m:e>
-                            <m:sup>
-                              <m:r>
-                                <a:rPr lang="en-US" sz="2000" i="1">
-                                  <a:latin typeface="Cambria Math" panose="02040503050406030204" pitchFamily="18" charset="0"/>
-                                </a:rPr>
-                                <m:t>𝑑</m:t>
-                              </m:r>
-                            </m:sup>
-                          </m:sSup>
-                        </m:den>
-                      </m:f>
-                      <m:func>
-                        <m:funcPr>
-                          <m:ctrlPr>
-                            <a:rPr lang="en-US" sz="2000" i="1">
-                              <a:latin typeface="Cambria Math" panose="02040503050406030204" pitchFamily="18" charset="0"/>
-                            </a:rPr>
-                          </m:ctrlPr>
-                        </m:funcPr>
-                        <m:fName>
-                          <m:r>
-                            <m:rPr>
-                              <m:sty m:val="p"/>
-                            </m:rPr>
-                            <a:rPr lang="en-US" sz="2000">
-                              <a:latin typeface="Cambria Math" panose="02040503050406030204" pitchFamily="18" charset="0"/>
-                            </a:rPr>
-                            <m:t>exp</m:t>
-                          </m:r>
-                        </m:fName>
-                        <m:e>
-                          <m:d>
-                            <m:dPr>
-                              <m:ctrlPr>
-                                <a:rPr lang="en-US" sz="2000" i="1">
-                                  <a:latin typeface="Cambria Math" panose="02040503050406030204" pitchFamily="18" charset="0"/>
-                                </a:rPr>
-                              </m:ctrlPr>
-                            </m:dPr>
-                            <m:e>
-                              <m:r>
-                                <a:rPr lang="en-US" sz="2000" i="1">
-                                  <a:latin typeface="Cambria Math" panose="02040503050406030204" pitchFamily="18" charset="0"/>
-                                </a:rPr>
-                                <m:t>−</m:t>
-                              </m:r>
-                              <m:f>
-                                <m:fPr>
-                                  <m:ctrlPr>
-                                    <a:rPr lang="en-US" sz="2000" i="1">
-                                      <a:latin typeface="Cambria Math" panose="02040503050406030204" pitchFamily="18" charset="0"/>
-                                    </a:rPr>
-                                  </m:ctrlPr>
-                                </m:fPr>
-                                <m:num>
-                                  <m:r>
-                                    <a:rPr lang="en-US" sz="2000" i="1">
-                                      <a:latin typeface="Cambria Math" panose="02040503050406030204" pitchFamily="18" charset="0"/>
-                                    </a:rPr>
-                                    <m:t>1</m:t>
-                                  </m:r>
-                                </m:num>
-                                <m:den>
-                                  <m:r>
-                                    <a:rPr lang="en-US" sz="2000" i="1">
-                                      <a:latin typeface="Cambria Math" panose="02040503050406030204" pitchFamily="18" charset="0"/>
-                                    </a:rPr>
-                                    <m:t>2</m:t>
-                                  </m:r>
-                                </m:den>
-                              </m:f>
-                              <m:sSup>
-                                <m:sSupPr>
-                                  <m:ctrlPr>
-                                    <a:rPr lang="en-US" sz="2000" i="1">
-                                      <a:latin typeface="Cambria Math" panose="02040503050406030204" pitchFamily="18" charset="0"/>
-                                    </a:rPr>
-                                  </m:ctrlPr>
-                                </m:sSupPr>
-                                <m:e>
-                                  <m:d>
-                                    <m:dPr>
-                                      <m:ctrlPr>
-                                        <a:rPr lang="en-US" sz="2000" i="1">
-                                          <a:latin typeface="Cambria Math" panose="02040503050406030204" pitchFamily="18" charset="0"/>
-                                        </a:rPr>
-                                      </m:ctrlPr>
-                                    </m:dPr>
-                                    <m:e>
-                                      <m:r>
-                                        <a:rPr lang="en-US" sz="2000" i="1">
-                                          <a:latin typeface="Cambria Math" panose="02040503050406030204" pitchFamily="18" charset="0"/>
-                                        </a:rPr>
-                                        <m:t>𝑥</m:t>
-                                      </m:r>
-                                      <m:r>
-                                        <a:rPr lang="en-US" sz="2000" i="1">
-                                          <a:latin typeface="Cambria Math" panose="02040503050406030204" pitchFamily="18" charset="0"/>
-                                        </a:rPr>
-                                        <m:t>−</m:t>
-                                      </m:r>
-                                      <m:r>
-                                        <a:rPr lang="en-US" sz="2000" i="1">
-                                          <a:latin typeface="Cambria Math" panose="02040503050406030204" pitchFamily="18" charset="0"/>
-                                        </a:rPr>
-                                        <m:t>𝜇</m:t>
-                                      </m:r>
-                                    </m:e>
-                                  </m:d>
-                                </m:e>
-                                <m:sup>
-                                  <m:r>
-                                    <a:rPr lang="en-US" sz="2000" i="1">
-                                      <a:latin typeface="Cambria Math" panose="02040503050406030204" pitchFamily="18" charset="0"/>
-                                    </a:rPr>
-                                    <m:t>𝑇</m:t>
-                                  </m:r>
-                                </m:sup>
-                              </m:sSup>
-                              <m:sSup>
-                                <m:sSupPr>
-                                  <m:ctrlPr>
-                                    <a:rPr lang="en-US" sz="2000" i="1">
-                                      <a:latin typeface="Cambria Math" panose="02040503050406030204" pitchFamily="18" charset="0"/>
-                                    </a:rPr>
-                                  </m:ctrlPr>
-                                </m:sSupPr>
-                                <m:e>
-                                  <m:r>
-                                    <m:rPr>
-                                      <m:sty m:val="p"/>
-                                    </m:rPr>
-                                    <a:rPr lang="en-US" sz="2000">
-                                      <a:latin typeface="Cambria Math" panose="02040503050406030204" pitchFamily="18" charset="0"/>
-                                    </a:rPr>
-                                    <m:t>Σ</m:t>
-                                  </m:r>
-                                </m:e>
-                                <m:sup>
-                                  <m:r>
-                                    <a:rPr lang="en-US" sz="2000" i="1">
-                                      <a:latin typeface="Cambria Math" panose="02040503050406030204" pitchFamily="18" charset="0"/>
-                                    </a:rPr>
-                                    <m:t>−1</m:t>
-                                  </m:r>
-                                </m:sup>
-                              </m:sSup>
-                              <m:d>
-                                <m:dPr>
-                                  <m:ctrlPr>
-                                    <a:rPr lang="en-US" sz="2000" i="1">
-                                      <a:latin typeface="Cambria Math" panose="02040503050406030204" pitchFamily="18" charset="0"/>
-                                    </a:rPr>
-                                  </m:ctrlPr>
-                                </m:dPr>
-                                <m:e>
-                                  <m:r>
-                                    <a:rPr lang="en-US" sz="2000" i="1">
-                                      <a:latin typeface="Cambria Math" panose="02040503050406030204" pitchFamily="18" charset="0"/>
-                                    </a:rPr>
-                                    <m:t>𝑥</m:t>
-                                  </m:r>
-                                  <m:r>
-                                    <a:rPr lang="en-US" sz="2000" i="1">
-                                      <a:latin typeface="Cambria Math" panose="02040503050406030204" pitchFamily="18" charset="0"/>
-                                    </a:rPr>
-                                    <m:t>−</m:t>
-                                  </m:r>
-                                  <m:r>
-                                    <a:rPr lang="en-US" sz="2000" i="1">
-                                      <a:latin typeface="Cambria Math" panose="02040503050406030204" pitchFamily="18" charset="0"/>
-                                    </a:rPr>
-                                    <m:t>𝜇</m:t>
-                                  </m:r>
-                                </m:e>
-                              </m:d>
-                            </m:e>
-                          </m:d>
-                        </m:e>
-                      </m:func>
-                    </m:oMath>
-                  </m:oMathPara>
-                </a14:m>
-                <a:endParaRPr lang="en-US" sz="2000" dirty="0">
-                  <a:latin typeface="Calibri" pitchFamily="34" charset="0"/>
-                </a:endParaRPr>
-              </a:p>
-              <a:p>
-                <a:pPr marL="342900" eaLnBrk="1" hangingPunct="1"/>
-                <a:r>
-                  <a:rPr lang="en-US" sz="2000" dirty="0">
-                    <a:latin typeface="Calibri" pitchFamily="34" charset="0"/>
-                  </a:rPr>
-                  <a:t>We characterized each cluster distribution with its mean and covariance. We then generated adversarial attacks by sampling from each centroid's characteristic multivariate Gaussian distribution, with thresholds in place to de-weight outliers. Each of these attacks was then concatenated with a </a:t>
-                </a:r>
-                <a:r>
-                  <a:rPr lang="en-US" sz="2000" dirty="0" err="1">
-                    <a:latin typeface="Calibri" pitchFamily="34" charset="0"/>
-                  </a:rPr>
-                  <a:t>datapoint</a:t>
-                </a:r>
-                <a:r>
-                  <a:rPr lang="en-US" sz="2000" dirty="0">
-                    <a:latin typeface="Calibri" pitchFamily="34" charset="0"/>
-                  </a:rPr>
-                  <a:t> from its generating cluster. The feature data we generated was thus similar to the original feature data at frequencies proportionate to the density function probabilities.</a:t>
-                </a:r>
-              </a:p>
-              <a:p>
-                <a:pPr marL="342900" eaLnBrk="1" hangingPunct="1"/>
-                <a:endParaRPr lang="en-US" sz="2000" dirty="0">
-                  <a:latin typeface="Calibri" pitchFamily="34" charset="0"/>
-                </a:endParaRPr>
-              </a:p>
-              <a:p>
-                <a:pPr marL="342900" eaLnBrk="1" hangingPunct="1"/>
-                <a:endParaRPr lang="en-US" sz="2000" dirty="0">
-                  <a:latin typeface="Calibri" pitchFamily="34" charset="0"/>
-                </a:endParaRPr>
-              </a:p>
-              <a:p>
-                <a:pPr marL="342900" eaLnBrk="1" hangingPunct="1"/>
-                <a:endParaRPr lang="en-US" sz="2000" dirty="0">
-                  <a:latin typeface="Calibri" pitchFamily="34" charset="0"/>
-                </a:endParaRPr>
-              </a:p>
-              <a:p>
-                <a:pPr marL="342900" eaLnBrk="1" hangingPunct="1"/>
-                <a:endParaRPr lang="en-US" sz="2000" dirty="0">
-                  <a:latin typeface="Calibri" pitchFamily="34" charset="0"/>
-                </a:endParaRPr>
-              </a:p>
-              <a:p>
-                <a:pPr marL="342900" eaLnBrk="1" hangingPunct="1"/>
-                <a:endParaRPr lang="en-US" sz="2000" dirty="0">
-                  <a:latin typeface="Calibri" pitchFamily="34" charset="0"/>
-                </a:endParaRPr>
-              </a:p>
-              <a:p>
-                <a:pPr marL="342900" eaLnBrk="1" hangingPunct="1"/>
-                <a:endParaRPr lang="en-US" sz="2000" dirty="0">
-                  <a:latin typeface="Calibri" pitchFamily="34" charset="0"/>
-                </a:endParaRPr>
-              </a:p>
-              <a:p>
-                <a:pPr marL="342900" eaLnBrk="1" hangingPunct="1"/>
-                <a:endParaRPr lang="en-US" sz="2000" dirty="0">
-                  <a:latin typeface="Calibri" pitchFamily="34" charset="0"/>
-                </a:endParaRPr>
-              </a:p>
-              <a:p>
-                <a:pPr marL="342900" eaLnBrk="1" hangingPunct="1"/>
-                <a:endParaRPr lang="en-US" sz="2000" dirty="0">
-                  <a:latin typeface="Calibri" pitchFamily="34" charset="0"/>
-                </a:endParaRPr>
-              </a:p>
-              <a:p>
-                <a:pPr marL="342900" eaLnBrk="1" hangingPunct="1"/>
-                <a:endParaRPr lang="en-US" sz="1260" dirty="0">
-                  <a:latin typeface="Calibri" pitchFamily="34" charset="0"/>
-                </a:endParaRPr>
-              </a:p>
-              <a:p>
-                <a:pPr marL="342900" eaLnBrk="1" hangingPunct="1"/>
-                <a:endParaRPr lang="en-US" sz="2000" dirty="0">
-                  <a:latin typeface="Calibri" pitchFamily="34" charset="0"/>
-                </a:endParaRPr>
-              </a:p>
-              <a:p>
-                <a:pPr marL="342900" eaLnBrk="1" hangingPunct="1"/>
-                <a:endParaRPr lang="en-US" sz="2000" dirty="0">
-                  <a:latin typeface="Calibri" pitchFamily="34" charset="0"/>
-                </a:endParaRPr>
-              </a:p>
-              <a:p>
-                <a:pPr marL="342900" indent="-342900" eaLnBrk="1" hangingPunct="1">
-                  <a:buFont typeface="Arial" panose="020B0604020202020204" pitchFamily="34" charset="0"/>
-                  <a:buChar char="•"/>
-                </a:pPr>
-                <a:r>
-                  <a:rPr lang="en-US" sz="2000" b="1" dirty="0">
-                    <a:latin typeface="Calibri" pitchFamily="34" charset="0"/>
-                  </a:rPr>
-                  <a:t>Bayesian network models.</a:t>
-                </a:r>
-                <a:r>
-                  <a:rPr lang="en-US" sz="2000" dirty="0">
-                    <a:latin typeface="Calibri" pitchFamily="34" charset="0"/>
-                  </a:rPr>
-                  <a:t> Our insight was that by examining correlation between features, we could form numerical saliency maps that could inform as well as speed up the process of generating successful adversarial attacks. Bae </a:t>
-                </a:r>
-                <a:r>
-                  <a:rPr lang="en-US" sz="2000" i="1" dirty="0">
-                    <a:latin typeface="Calibri" pitchFamily="34" charset="0"/>
-                  </a:rPr>
-                  <a:t>et al.</a:t>
-                </a:r>
-                <a:r>
-                  <a:rPr lang="en-US" sz="2000" dirty="0">
-                    <a:latin typeface="Calibri" pitchFamily="34" charset="0"/>
-                  </a:rPr>
-                  <a:t> (2016) describe a method to learn Bayesian networks from correlations with </a:t>
-                </a:r>
-                <a:r>
-                  <a:rPr lang="en-US" sz="2000" b="1" dirty="0">
-                    <a:latin typeface="Calibri" pitchFamily="34" charset="0"/>
-                  </a:rPr>
-                  <a:t>global max likelihood:</a:t>
-                </a:r>
-                <a:endParaRPr lang="en-US" sz="2000" dirty="0">
-                  <a:latin typeface="Calibri" pitchFamily="34" charset="0"/>
-                </a:endParaRPr>
-              </a:p>
-              <a:p>
-                <a:pPr eaLnBrk="1" hangingPunct="1"/>
-                <a14:m>
-                  <m:oMathPara xmlns:m="http://schemas.openxmlformats.org/officeDocument/2006/math">
-                    <m:oMathParaPr>
-                      <m:jc m:val="centerGroup"/>
-                    </m:oMathParaPr>
-                    <m:oMath xmlns:m="http://schemas.openxmlformats.org/officeDocument/2006/math">
-                      <m:r>
-                        <a:rPr lang="en-US" sz="2000" i="1">
-                          <a:latin typeface="Cambria Math" panose="02040503050406030204" pitchFamily="18" charset="0"/>
-                        </a:rPr>
-                        <m:t>𝑝</m:t>
-                      </m:r>
-                      <m:d>
-                        <m:dPr>
-                          <m:ctrlPr>
-                            <a:rPr lang="en-US" sz="2000" i="1">
-                              <a:latin typeface="Cambria Math" panose="02040503050406030204" pitchFamily="18" charset="0"/>
-                            </a:rPr>
-                          </m:ctrlPr>
-                        </m:dPr>
-                        <m:e>
-                          <m:r>
-                            <a:rPr lang="en-US" sz="2000" i="1">
-                              <a:latin typeface="Cambria Math" panose="02040503050406030204" pitchFamily="18" charset="0"/>
-                            </a:rPr>
-                            <m:t>𝐷</m:t>
-                          </m:r>
-                        </m:e>
-                        <m:e>
-                          <m:r>
-                            <a:rPr lang="en-US" sz="2000" i="1">
-                              <a:latin typeface="Cambria Math" panose="02040503050406030204" pitchFamily="18" charset="0"/>
-                            </a:rPr>
-                            <m:t>𝜃</m:t>
-                          </m:r>
-                          <m:r>
-                            <a:rPr lang="en-US" sz="2000" i="1">
-                              <a:latin typeface="Cambria Math" panose="02040503050406030204" pitchFamily="18" charset="0"/>
-                            </a:rPr>
-                            <m:t>,</m:t>
-                          </m:r>
-                          <m:r>
-                            <a:rPr lang="en-US" sz="2000" i="1">
-                              <a:latin typeface="Cambria Math" panose="02040503050406030204" pitchFamily="18" charset="0"/>
-                            </a:rPr>
-                            <m:t>𝛾</m:t>
-                          </m:r>
-                          <m:r>
-                            <a:rPr lang="en-US" sz="2000" i="1">
-                              <a:latin typeface="Cambria Math" panose="02040503050406030204" pitchFamily="18" charset="0"/>
-                            </a:rPr>
-                            <m:t>,</m:t>
-                          </m:r>
-                          <m:r>
-                            <a:rPr lang="en-US" sz="2000" i="1">
-                              <a:latin typeface="Cambria Math" panose="02040503050406030204" pitchFamily="18" charset="0"/>
-                            </a:rPr>
-                            <m:t>𝑀</m:t>
-                          </m:r>
-                        </m:e>
-                      </m:d>
-                      <m:r>
-                        <a:rPr lang="en-US" sz="2000" i="1">
-                          <a:latin typeface="Cambria Math" panose="02040503050406030204" pitchFamily="18" charset="0"/>
-                        </a:rPr>
-                        <m:t>=</m:t>
-                      </m:r>
-                      <m:nary>
-                        <m:naryPr>
-                          <m:chr m:val="∏"/>
-                          <m:ctrlPr>
-                            <a:rPr lang="en-US" sz="2000" i="1">
-                              <a:latin typeface="Cambria Math" panose="02040503050406030204" pitchFamily="18" charset="0"/>
-                            </a:rPr>
-                          </m:ctrlPr>
-                        </m:naryPr>
-                        <m:sub>
-                          <m:r>
-                            <a:rPr lang="en-US" sz="2000" i="1">
-                              <a:latin typeface="Cambria Math" panose="02040503050406030204" pitchFamily="18" charset="0"/>
-                            </a:rPr>
-                            <m:t>𝑖</m:t>
-                          </m:r>
-                          <m:r>
-                            <a:rPr lang="en-US" sz="2000" i="1">
-                              <a:latin typeface="Cambria Math" panose="02040503050406030204" pitchFamily="18" charset="0"/>
-                            </a:rPr>
-                            <m:t>=1</m:t>
-                          </m:r>
-                        </m:sub>
-                        <m:sup>
-                          <m:r>
-                            <a:rPr lang="en-US" sz="2000" i="1">
-                              <a:latin typeface="Cambria Math" panose="02040503050406030204" pitchFamily="18" charset="0"/>
-                            </a:rPr>
-                            <m:t>𝑣</m:t>
-                          </m:r>
-                        </m:sup>
-                        <m:e>
-                          <m:r>
-                            <a:rPr lang="en-US" sz="2000" i="1">
-                              <a:latin typeface="Cambria Math" panose="02040503050406030204" pitchFamily="18" charset="0"/>
-                            </a:rPr>
-                            <m:t>∫</m:t>
-                          </m:r>
-                          <m:r>
-                            <a:rPr lang="en-US" sz="2000" i="1">
-                              <a:latin typeface="Cambria Math" panose="02040503050406030204" pitchFamily="18" charset="0"/>
-                            </a:rPr>
-                            <m:t>𝑝</m:t>
-                          </m:r>
-                          <m:d>
-                            <m:dPr>
-                              <m:ctrlPr>
-                                <a:rPr lang="en-US" sz="2000" i="1">
-                                  <a:latin typeface="Cambria Math" panose="02040503050406030204" pitchFamily="18" charset="0"/>
-                                </a:rPr>
-                              </m:ctrlPr>
-                            </m:dPr>
-                            <m:e>
-                              <m:sSub>
-                                <m:sSubPr>
-                                  <m:ctrlPr>
-                                    <a:rPr lang="en-US" sz="2000" i="1">
-                                      <a:latin typeface="Cambria Math" panose="02040503050406030204" pitchFamily="18" charset="0"/>
-                                    </a:rPr>
-                                  </m:ctrlPr>
-                                </m:sSubPr>
-                                <m:e>
-                                  <m:r>
-                                    <a:rPr lang="en-US" sz="2000" i="1">
-                                      <a:latin typeface="Cambria Math" panose="02040503050406030204" pitchFamily="18" charset="0"/>
-                                    </a:rPr>
-                                    <m:t>𝑥</m:t>
-                                  </m:r>
-                                </m:e>
-                                <m:sub>
-                                  <m:r>
-                                    <a:rPr lang="en-US" sz="2000" i="1">
-                                      <a:latin typeface="Cambria Math" panose="02040503050406030204" pitchFamily="18" charset="0"/>
-                                    </a:rPr>
-                                    <m:t>𝑖</m:t>
-                                  </m:r>
-                                </m:sub>
-                              </m:sSub>
-                            </m:e>
-                            <m:e>
-                              <m:sSub>
-                                <m:sSubPr>
-                                  <m:ctrlPr>
-                                    <a:rPr lang="en-US" sz="2000" i="1">
-                                      <a:latin typeface="Cambria Math" panose="02040503050406030204" pitchFamily="18" charset="0"/>
-                                    </a:rPr>
-                                  </m:ctrlPr>
-                                </m:sSubPr>
-                                <m:e>
-                                  <m:r>
-                                    <a:rPr lang="en-US" sz="2000" i="1">
-                                      <a:latin typeface="Cambria Math" panose="02040503050406030204" pitchFamily="18" charset="0"/>
-                                    </a:rPr>
-                                    <m:t>𝛾</m:t>
-                                  </m:r>
-                                </m:e>
-                                <m:sub>
-                                  <m:r>
-                                    <a:rPr lang="en-US" sz="2000" i="1">
-                                      <a:latin typeface="Cambria Math" panose="02040503050406030204" pitchFamily="18" charset="0"/>
-                                    </a:rPr>
-                                    <m:t>𝑖</m:t>
-                                  </m:r>
-                                </m:sub>
-                              </m:sSub>
-                              <m:r>
-                                <a:rPr lang="en-US" sz="2000" i="1">
-                                  <a:latin typeface="Cambria Math" panose="02040503050406030204" pitchFamily="18" charset="0"/>
-                                </a:rPr>
-                                <m:t>,</m:t>
-                              </m:r>
-                              <m:sSub>
-                                <m:sSubPr>
-                                  <m:ctrlPr>
-                                    <a:rPr lang="en-US" sz="2000" i="1">
-                                      <a:latin typeface="Cambria Math" panose="02040503050406030204" pitchFamily="18" charset="0"/>
-                                    </a:rPr>
-                                  </m:ctrlPr>
-                                </m:sSubPr>
-                                <m:e>
-                                  <m:r>
-                                    <a:rPr lang="en-US" sz="2000" i="1">
-                                      <a:latin typeface="Cambria Math" panose="02040503050406030204" pitchFamily="18" charset="0"/>
-                                    </a:rPr>
-                                    <m:t>𝑀</m:t>
-                                  </m:r>
-                                </m:e>
-                                <m:sub>
-                                  <m:r>
-                                    <a:rPr lang="en-US" sz="2000" i="1">
-                                      <a:latin typeface="Cambria Math" panose="02040503050406030204" pitchFamily="18" charset="0"/>
-                                    </a:rPr>
-                                    <m:t>𝑖</m:t>
-                                  </m:r>
-                                </m:sub>
-                              </m:sSub>
-                            </m:e>
-                          </m:d>
-                          <m:r>
-                            <a:rPr lang="en-US" sz="2000" i="1">
-                              <a:latin typeface="Cambria Math" panose="02040503050406030204" pitchFamily="18" charset="0"/>
-                            </a:rPr>
-                            <m:t>𝑝</m:t>
-                          </m:r>
-                          <m:d>
-                            <m:dPr>
-                              <m:ctrlPr>
-                                <a:rPr lang="en-US" sz="2000" i="1">
-                                  <a:latin typeface="Cambria Math" panose="02040503050406030204" pitchFamily="18" charset="0"/>
-                                </a:rPr>
-                              </m:ctrlPr>
-                            </m:dPr>
-                            <m:e>
-                              <m:sSub>
-                                <m:sSubPr>
-                                  <m:ctrlPr>
-                                    <a:rPr lang="en-US" sz="2000" i="1">
-                                      <a:latin typeface="Cambria Math" panose="02040503050406030204" pitchFamily="18" charset="0"/>
-                                    </a:rPr>
-                                  </m:ctrlPr>
-                                </m:sSubPr>
-                                <m:e>
-                                  <m:r>
-                                    <a:rPr lang="en-US" sz="2000" i="1">
-                                      <a:latin typeface="Cambria Math" panose="02040503050406030204" pitchFamily="18" charset="0"/>
-                                    </a:rPr>
-                                    <m:t>𝛾</m:t>
-                                  </m:r>
-                                </m:e>
-                                <m:sub>
-                                  <m:r>
-                                    <a:rPr lang="en-US" sz="2000" i="1">
-                                      <a:latin typeface="Cambria Math" panose="02040503050406030204" pitchFamily="18" charset="0"/>
-                                    </a:rPr>
-                                    <m:t>𝑖</m:t>
-                                  </m:r>
-                                </m:sub>
-                              </m:sSub>
-                            </m:e>
-                            <m:e>
-                              <m:r>
-                                <a:rPr lang="en-US" sz="2000" i="1">
-                                  <a:latin typeface="Cambria Math" panose="02040503050406030204" pitchFamily="18" charset="0"/>
-                                </a:rPr>
-                                <m:t>𝑝𝑎𝑟𝑒𝑛𝑡</m:t>
-                              </m:r>
-                              <m:d>
-                                <m:dPr>
-                                  <m:ctrlPr>
-                                    <a:rPr lang="en-US" sz="2000" i="1">
-                                      <a:latin typeface="Cambria Math" panose="02040503050406030204" pitchFamily="18" charset="0"/>
-                                    </a:rPr>
-                                  </m:ctrlPr>
-                                </m:dPr>
-                                <m:e>
-                                  <m:sSub>
-                                    <m:sSubPr>
-                                      <m:ctrlPr>
-                                        <a:rPr lang="en-US" sz="2000" i="1">
-                                          <a:latin typeface="Cambria Math" panose="02040503050406030204" pitchFamily="18" charset="0"/>
-                                        </a:rPr>
-                                      </m:ctrlPr>
-                                    </m:sSubPr>
-                                    <m:e>
-                                      <m:r>
-                                        <a:rPr lang="en-US" sz="2000" i="1">
-                                          <a:latin typeface="Cambria Math" panose="02040503050406030204" pitchFamily="18" charset="0"/>
-                                        </a:rPr>
-                                        <m:t>𝛾</m:t>
-                                      </m:r>
-                                    </m:e>
-                                    <m:sub>
-                                      <m:r>
-                                        <a:rPr lang="en-US" sz="2000" i="1">
-                                          <a:latin typeface="Cambria Math" panose="02040503050406030204" pitchFamily="18" charset="0"/>
-                                        </a:rPr>
-                                        <m:t>𝑖</m:t>
-                                      </m:r>
-                                    </m:sub>
-                                  </m:sSub>
-                                </m:e>
-                              </m:d>
-                              <m:r>
-                                <a:rPr lang="en-US" sz="2000" i="1">
-                                  <a:latin typeface="Cambria Math" panose="02040503050406030204" pitchFamily="18" charset="0"/>
-                                </a:rPr>
-                                <m:t>,</m:t>
-                              </m:r>
-                              <m:sSub>
-                                <m:sSubPr>
-                                  <m:ctrlPr>
-                                    <a:rPr lang="en-US" sz="2000" i="1">
-                                      <a:latin typeface="Cambria Math" panose="02040503050406030204" pitchFamily="18" charset="0"/>
-                                    </a:rPr>
-                                  </m:ctrlPr>
-                                </m:sSubPr>
-                                <m:e>
-                                  <m:r>
-                                    <a:rPr lang="en-US" sz="2000" i="1">
-                                      <a:latin typeface="Cambria Math" panose="02040503050406030204" pitchFamily="18" charset="0"/>
-                                    </a:rPr>
-                                    <m:t>𝜃</m:t>
-                                  </m:r>
-                                </m:e>
-                                <m:sub>
-                                  <m:r>
-                                    <a:rPr lang="en-US" sz="2000" i="1">
-                                      <a:latin typeface="Cambria Math" panose="02040503050406030204" pitchFamily="18" charset="0"/>
-                                    </a:rPr>
-                                    <m:t>𝑖</m:t>
-                                  </m:r>
-                                </m:sub>
-                              </m:sSub>
-                              <m:r>
-                                <a:rPr lang="en-US" sz="2000" i="1">
-                                  <a:latin typeface="Cambria Math" panose="02040503050406030204" pitchFamily="18" charset="0"/>
-                                </a:rPr>
-                                <m:t>,</m:t>
-                              </m:r>
-                              <m:sSub>
-                                <m:sSubPr>
-                                  <m:ctrlPr>
-                                    <a:rPr lang="en-US" sz="2000" i="1">
-                                      <a:latin typeface="Cambria Math" panose="02040503050406030204" pitchFamily="18" charset="0"/>
-                                    </a:rPr>
-                                  </m:ctrlPr>
-                                </m:sSubPr>
-                                <m:e>
-                                  <m:r>
-                                    <a:rPr lang="en-US" sz="2000" i="1">
-                                      <a:latin typeface="Cambria Math" panose="02040503050406030204" pitchFamily="18" charset="0"/>
-                                    </a:rPr>
-                                    <m:t>𝛾</m:t>
-                                  </m:r>
-                                </m:e>
-                                <m:sub>
-                                  <m:r>
-                                    <a:rPr lang="en-US" sz="2000" i="1">
-                                      <a:latin typeface="Cambria Math" panose="02040503050406030204" pitchFamily="18" charset="0"/>
-                                    </a:rPr>
-                                    <m:t>𝑖</m:t>
-                                  </m:r>
-                                </m:sub>
-                              </m:sSub>
-                              <m:r>
-                                <a:rPr lang="en-US" sz="2000" i="1">
-                                  <a:latin typeface="Cambria Math" panose="02040503050406030204" pitchFamily="18" charset="0"/>
-                                </a:rPr>
-                                <m:t>,</m:t>
-                              </m:r>
-                              <m:sSub>
-                                <m:sSubPr>
-                                  <m:ctrlPr>
-                                    <a:rPr lang="en-US" sz="2000" i="1">
-                                      <a:latin typeface="Cambria Math" panose="02040503050406030204" pitchFamily="18" charset="0"/>
-                                    </a:rPr>
-                                  </m:ctrlPr>
-                                </m:sSubPr>
-                                <m:e>
-                                  <m:r>
-                                    <a:rPr lang="en-US" sz="2000" i="1">
-                                      <a:latin typeface="Cambria Math" panose="02040503050406030204" pitchFamily="18" charset="0"/>
-                                    </a:rPr>
-                                    <m:t>𝑥</m:t>
-                                  </m:r>
-                                </m:e>
-                                <m:sub>
-                                  <m:r>
-                                    <a:rPr lang="en-US" sz="2000" i="1">
-                                      <a:latin typeface="Cambria Math" panose="02040503050406030204" pitchFamily="18" charset="0"/>
-                                    </a:rPr>
-                                    <m:t>𝑖</m:t>
-                                  </m:r>
-                                </m:sub>
-                              </m:sSub>
-                              <m:r>
-                                <a:rPr lang="en-US" sz="2000" i="1">
-                                  <a:latin typeface="Cambria Math" panose="02040503050406030204" pitchFamily="18" charset="0"/>
-                                </a:rPr>
-                                <m:t>,</m:t>
-                              </m:r>
-                              <m:sSub>
-                                <m:sSubPr>
-                                  <m:ctrlPr>
-                                    <a:rPr lang="en-US" sz="2000" i="1">
-                                      <a:latin typeface="Cambria Math" panose="02040503050406030204" pitchFamily="18" charset="0"/>
-                                    </a:rPr>
-                                  </m:ctrlPr>
-                                </m:sSubPr>
-                                <m:e>
-                                  <m:r>
-                                    <a:rPr lang="en-US" sz="2000" i="1">
-                                      <a:latin typeface="Cambria Math" panose="02040503050406030204" pitchFamily="18" charset="0"/>
-                                    </a:rPr>
-                                    <m:t>𝑀</m:t>
-                                  </m:r>
-                                </m:e>
-                                <m:sub>
-                                  <m:r>
-                                    <a:rPr lang="en-US" sz="2000" i="1">
-                                      <a:latin typeface="Cambria Math" panose="02040503050406030204" pitchFamily="18" charset="0"/>
-                                    </a:rPr>
-                                    <m:t>𝑖</m:t>
-                                  </m:r>
-                                </m:sub>
-                              </m:sSub>
-                            </m:e>
-                          </m:d>
-                          <m:r>
-                            <a:rPr lang="en-US" sz="2000" i="1">
-                              <a:latin typeface="Cambria Math" panose="02040503050406030204" pitchFamily="18" charset="0"/>
-                            </a:rPr>
-                            <m:t>𝑑</m:t>
-                          </m:r>
-                          <m:sSub>
-                            <m:sSubPr>
-                              <m:ctrlPr>
-                                <a:rPr lang="en-US" sz="2000" i="1">
-                                  <a:latin typeface="Cambria Math" panose="02040503050406030204" pitchFamily="18" charset="0"/>
-                                </a:rPr>
-                              </m:ctrlPr>
-                            </m:sSubPr>
-                            <m:e>
-                              <m:r>
-                                <a:rPr lang="en-US" sz="2000" i="1">
-                                  <a:latin typeface="Cambria Math" panose="02040503050406030204" pitchFamily="18" charset="0"/>
-                                </a:rPr>
-                                <m:t>𝑥</m:t>
-                              </m:r>
-                            </m:e>
-                            <m:sub>
-                              <m:r>
-                                <a:rPr lang="en-US" sz="2000" i="1">
-                                  <a:latin typeface="Cambria Math" panose="02040503050406030204" pitchFamily="18" charset="0"/>
-                                </a:rPr>
-                                <m:t>𝑖</m:t>
-                              </m:r>
-                            </m:sub>
-                          </m:sSub>
-                        </m:e>
-                      </m:nary>
-                    </m:oMath>
-                  </m:oMathPara>
-                </a14:m>
-                <a:endParaRPr lang="en-US" sz="2000" dirty="0">
-                  <a:latin typeface="Calibri" pitchFamily="34" charset="0"/>
-                </a:endParaRPr>
-              </a:p>
-              <a:p>
-                <a:pPr marL="342900" eaLnBrk="1" hangingPunct="1"/>
-                <a:r>
-                  <a:rPr lang="en-US" sz="2000" dirty="0">
-                    <a:latin typeface="Calibri" pitchFamily="34" charset="0"/>
-                  </a:rPr>
-                  <a:t>Our Bayesian networks learned this way may not be empirical, but are an effective </a:t>
-                </a:r>
-                <a:r>
-                  <a:rPr lang="en-US" sz="2000" b="1" dirty="0">
-                    <a:latin typeface="Calibri" pitchFamily="34" charset="0"/>
-                  </a:rPr>
-                  <a:t>vector mapping heuristic</a:t>
-                </a:r>
-                <a:r>
-                  <a:rPr lang="en-US" sz="2000" dirty="0">
-                    <a:latin typeface="Calibri" pitchFamily="34" charset="0"/>
-                  </a:rPr>
-                  <a:t> to transform highly-dimensional </a:t>
-                </a:r>
-                <a:r>
-                  <a:rPr lang="en-US" sz="2000" dirty="0" err="1">
-                    <a:latin typeface="Calibri" pitchFamily="34" charset="0"/>
-                  </a:rPr>
-                  <a:t>featurized</a:t>
-                </a:r>
-                <a:r>
-                  <a:rPr lang="en-US" sz="2000" dirty="0">
-                    <a:latin typeface="Calibri" pitchFamily="34" charset="0"/>
-                  </a:rPr>
-                  <a:t> data back into realistic value 		         vectors for humanistic biometric imitation. </a:t>
-                </a:r>
-              </a:p>
-              <a:p>
-                <a:pPr marL="342900" indent="-342900" eaLnBrk="1" hangingPunct="1">
-                  <a:buFont typeface="Arial" panose="020B0604020202020204" pitchFamily="34" charset="0"/>
-                  <a:buChar char="•"/>
-                </a:pPr>
-                <a:endParaRPr lang="en-US" sz="2000" dirty="0">
-                  <a:latin typeface="Calibri" pitchFamily="34" charset="0"/>
-                </a:endParaRPr>
-              </a:p>
-              <a:p>
-                <a:pPr marL="342900" indent="-342900" eaLnBrk="1" hangingPunct="1">
-                  <a:buFont typeface="Arial" panose="020B0604020202020204" pitchFamily="34" charset="0"/>
-                  <a:buChar char="•"/>
-                </a:pPr>
-                <a:endParaRPr lang="en-US" sz="2000" dirty="0">
-                  <a:latin typeface="Calibri" pitchFamily="34" charset="0"/>
-                </a:endParaRPr>
-              </a:p>
-              <a:p>
-                <a:pPr marL="342900" indent="-342900" eaLnBrk="1" hangingPunct="1">
-                  <a:buFont typeface="Arial" panose="020B0604020202020204" pitchFamily="34" charset="0"/>
-                  <a:buChar char="•"/>
-                </a:pPr>
-                <a:endParaRPr lang="en-US" sz="2000" dirty="0">
-                  <a:latin typeface="Calibri" pitchFamily="34" charset="0"/>
-                </a:endParaRPr>
-              </a:p>
-              <a:p>
-                <a:pPr marL="342900" indent="-342900" eaLnBrk="1" hangingPunct="1">
-                  <a:buFont typeface="Arial" panose="020B0604020202020204" pitchFamily="34" charset="0"/>
-                  <a:buChar char="•"/>
-                </a:pPr>
-                <a:endParaRPr lang="en-US" sz="2000" dirty="0">
-                  <a:latin typeface="Calibri" pitchFamily="34" charset="0"/>
-                </a:endParaRPr>
-              </a:p>
-              <a:p>
-                <a:pPr marL="342900" indent="-342900" eaLnBrk="1" hangingPunct="1">
-                  <a:buFont typeface="Arial" panose="020B0604020202020204" pitchFamily="34" charset="0"/>
-                  <a:buChar char="•"/>
-                </a:pPr>
-                <a:endParaRPr lang="en-US" sz="2000" dirty="0">
-                  <a:latin typeface="Calibri" pitchFamily="34" charset="0"/>
-                </a:endParaRPr>
-              </a:p>
-              <a:p>
-                <a:pPr marL="342900" indent="-342900" eaLnBrk="1" hangingPunct="1">
-                  <a:buFont typeface="Arial" panose="020B0604020202020204" pitchFamily="34" charset="0"/>
-                  <a:buChar char="•"/>
-                </a:pPr>
-                <a:endParaRPr lang="en-US" sz="2000" dirty="0">
-                  <a:latin typeface="Calibri" pitchFamily="34" charset="0"/>
-                </a:endParaRPr>
-              </a:p>
-              <a:p>
-                <a:pPr marL="342900" indent="-342900" eaLnBrk="1" hangingPunct="1">
-                  <a:buFont typeface="Arial" panose="020B0604020202020204" pitchFamily="34" charset="0"/>
-                  <a:buChar char="•"/>
-                </a:pPr>
-                <a:endParaRPr lang="en-US" sz="2000" dirty="0">
-                  <a:latin typeface="Calibri" pitchFamily="34" charset="0"/>
-                </a:endParaRPr>
-              </a:p>
-              <a:p>
-                <a:pPr marL="342900" indent="-342900" eaLnBrk="1" hangingPunct="1">
-                  <a:buFont typeface="Arial" panose="020B0604020202020204" pitchFamily="34" charset="0"/>
-                  <a:buChar char="•"/>
-                </a:pPr>
-                <a:endParaRPr lang="en-US" sz="2000" dirty="0">
-                  <a:latin typeface="Calibri" pitchFamily="34" charset="0"/>
-                </a:endParaRPr>
-              </a:p>
-              <a:p>
-                <a:pPr eaLnBrk="1" hangingPunct="1"/>
-                <a:endParaRPr lang="en-US" sz="2000" dirty="0">
-                  <a:latin typeface="Calibri" pitchFamily="34" charset="0"/>
-                </a:endParaRPr>
-              </a:p>
-              <a:p>
-                <a:pPr marL="342900" indent="-342900" eaLnBrk="1" hangingPunct="1">
-                  <a:buFont typeface="Arial" panose="020B0604020202020204" pitchFamily="34" charset="0"/>
-                  <a:buChar char="•"/>
-                </a:pPr>
-                <a:endParaRPr lang="en-US" sz="2000" dirty="0">
-                  <a:latin typeface="Calibri" pitchFamily="34" charset="0"/>
-                </a:endParaRPr>
-              </a:p>
-              <a:p>
-                <a:pPr eaLnBrk="1" hangingPunct="1"/>
-                <a:endParaRPr lang="en-US" sz="2000" dirty="0">
-                  <a:latin typeface="Calibri" pitchFamily="34" charset="0"/>
-                </a:endParaRPr>
-              </a:p>
-              <a:p>
-                <a:pPr marL="342900" indent="-342900" eaLnBrk="1" hangingPunct="1">
-                  <a:buFont typeface="Arial" panose="020B0604020202020204" pitchFamily="34" charset="0"/>
-                  <a:buChar char="•"/>
-                </a:pPr>
-                <a:endParaRPr lang="en-US" sz="2000" dirty="0">
-                  <a:latin typeface="Calibri" pitchFamily="34" charset="0"/>
-                </a:endParaRPr>
-              </a:p>
-              <a:p>
-                <a:pPr marL="342900" indent="-342900" eaLnBrk="1" hangingPunct="1">
-                  <a:buFont typeface="Arial" panose="020B0604020202020204" pitchFamily="34" charset="0"/>
-                  <a:buChar char="•"/>
-                </a:pPr>
-                <a:endParaRPr lang="en-US" sz="2000" dirty="0">
-                  <a:latin typeface="Calibri" pitchFamily="34" charset="0"/>
-                </a:endParaRPr>
-              </a:p>
-            </p:txBody>
-          </p:sp>
-        </mc:Choice>
-        <mc:Fallback xmlns="">
-          <p:sp>
-            <p:nvSpPr>
-              <p:cNvPr id="13" name="Text Box 192"/>
-              <p:cNvSpPr txBox="1">
-                <a:spLocks noRot="1" noChangeAspect="1" noMove="1" noResize="1" noEditPoints="1" noAdjustHandles="1" noChangeArrowheads="1" noChangeShapeType="1" noTextEdit="1"/>
-              </p:cNvSpPr>
-              <p:nvPr/>
-            </p:nvSpPr>
-            <p:spPr bwMode="auto">
-              <a:xfrm>
-                <a:off x="9601200" y="3048000"/>
-                <a:ext cx="8229600" cy="12634206"/>
-              </a:xfrm>
-              <a:prstGeom prst="rect">
-                <a:avLst/>
-              </a:prstGeom>
-              <a:blipFill rotWithShape="0">
-                <a:blip r:embed="rId2"/>
-                <a:stretch>
-                  <a:fillRect l="-444" r="-1109"/>
-                </a:stretch>
-              </a:blipFill>
-              <a:ln w="12700">
-                <a:solidFill>
-                  <a:schemeClr val="accent1">
-                    <a:lumMod val="75000"/>
-                  </a:schemeClr>
-                </a:solidFill>
-              </a:ln>
-              <a:effectLst/>
-            </p:spPr>
-            <p:txBody>
-              <a:bodyPr/>
-              <a:lstStyle/>
-              <a:p>
-                <a:r>
-                  <a:rPr lang="en-US">
-                    <a:noFill/>
-                  </a:rPr>
-                  <a:t> </a:t>
-                </a:r>
-              </a:p>
-            </p:txBody>
-          </p:sp>
-        </mc:Fallback>
-      </mc:AlternateContent>
+      <p:sp>
+        <p:nvSpPr>
+          <p:cNvPr id="13" name="Text Box 192"/>
+          <p:cNvSpPr txBox="1">
+            <a:spLocks noChangeArrowheads="1"/>
+          </p:cNvSpPr>
+          <p:nvPr/>
+        </p:nvSpPr>
+        <p:spPr bwMode="auto">
+          <a:xfrm>
+            <a:off x="11521440" y="3657601"/>
+            <a:ext cx="9875520" cy="12816636"/>
+          </a:xfrm>
+          <a:prstGeom prst="rect">
+            <a:avLst/>
+          </a:prstGeom>
+          <a:solidFill>
+            <a:schemeClr val="bg1"/>
+          </a:solidFill>
+          <a:ln w="12700">
+            <a:solidFill>
+              <a:schemeClr val="accent1">
+                <a:lumMod val="75000"/>
+              </a:schemeClr>
+            </a:solidFill>
+          </a:ln>
+          <a:effectLst/>
+        </p:spPr>
+        <p:txBody>
+          <a:bodyPr lIns="97942" tIns="97942" rIns="97942" bIns="97942">
+            <a:spAutoFit/>
+          </a:bodyPr>
+          <a:lstStyle>
+            <a:lvl1pPr eaLnBrk="0" hangingPunct="0">
+              <a:defRPr sz="2200">
+                <a:solidFill>
+                  <a:schemeClr val="tx1"/>
+                </a:solidFill>
+                <a:latin typeface="Arial" charset="0"/>
+              </a:defRPr>
+            </a:lvl1pPr>
+            <a:lvl2pPr marL="742950" indent="-285750" eaLnBrk="0" hangingPunct="0">
+              <a:defRPr sz="2200">
+                <a:solidFill>
+                  <a:schemeClr val="tx1"/>
+                </a:solidFill>
+                <a:latin typeface="Arial" charset="0"/>
+              </a:defRPr>
+            </a:lvl2pPr>
+            <a:lvl3pPr marL="1143000" indent="-228600" eaLnBrk="0" hangingPunct="0">
+              <a:defRPr sz="2200">
+                <a:solidFill>
+                  <a:schemeClr val="tx1"/>
+                </a:solidFill>
+                <a:latin typeface="Arial" charset="0"/>
+              </a:defRPr>
+            </a:lvl3pPr>
+            <a:lvl4pPr marL="1600200" indent="-228600" eaLnBrk="0" hangingPunct="0">
+              <a:defRPr sz="2200">
+                <a:solidFill>
+                  <a:schemeClr val="tx1"/>
+                </a:solidFill>
+                <a:latin typeface="Arial" charset="0"/>
+              </a:defRPr>
+            </a:lvl4pPr>
+            <a:lvl5pPr marL="2057400" indent="-228600" eaLnBrk="0" hangingPunct="0">
+              <a:defRPr sz="2200">
+                <a:solidFill>
+                  <a:schemeClr val="tx1"/>
+                </a:solidFill>
+                <a:latin typeface="Arial" charset="0"/>
+              </a:defRPr>
+            </a:lvl5pPr>
+            <a:lvl6pPr marL="2514600" indent="-228600" eaLnBrk="0" fontAlgn="base" hangingPunct="0">
+              <a:spcBef>
+                <a:spcPct val="0"/>
+              </a:spcBef>
+              <a:spcAft>
+                <a:spcPct val="0"/>
+              </a:spcAft>
+              <a:defRPr sz="2200">
+                <a:solidFill>
+                  <a:schemeClr val="tx1"/>
+                </a:solidFill>
+                <a:latin typeface="Arial" charset="0"/>
+              </a:defRPr>
+            </a:lvl6pPr>
+            <a:lvl7pPr marL="2971800" indent="-228600" eaLnBrk="0" fontAlgn="base" hangingPunct="0">
+              <a:spcBef>
+                <a:spcPct val="0"/>
+              </a:spcBef>
+              <a:spcAft>
+                <a:spcPct val="0"/>
+              </a:spcAft>
+              <a:defRPr sz="2200">
+                <a:solidFill>
+                  <a:schemeClr val="tx1"/>
+                </a:solidFill>
+                <a:latin typeface="Arial" charset="0"/>
+              </a:defRPr>
+            </a:lvl7pPr>
+            <a:lvl8pPr marL="3429000" indent="-228600" eaLnBrk="0" fontAlgn="base" hangingPunct="0">
+              <a:spcBef>
+                <a:spcPct val="0"/>
+              </a:spcBef>
+              <a:spcAft>
+                <a:spcPct val="0"/>
+              </a:spcAft>
+              <a:defRPr sz="2200">
+                <a:solidFill>
+                  <a:schemeClr val="tx1"/>
+                </a:solidFill>
+                <a:latin typeface="Arial" charset="0"/>
+              </a:defRPr>
+            </a:lvl8pPr>
+            <a:lvl9pPr marL="3886200" indent="-228600" eaLnBrk="0" fontAlgn="base" hangingPunct="0">
+              <a:spcBef>
+                <a:spcPct val="0"/>
+              </a:spcBef>
+              <a:spcAft>
+                <a:spcPct val="0"/>
+              </a:spcAft>
+              <a:defRPr sz="2200">
+                <a:solidFill>
+                  <a:schemeClr val="tx1"/>
+                </a:solidFill>
+                <a:latin typeface="Arial" charset="0"/>
+              </a:defRPr>
+            </a:lvl9pPr>
+          </a:lstStyle>
+          <a:p>
+            <a:pPr marL="342900" indent="-342900" eaLnBrk="1" hangingPunct="1">
+              <a:buFont typeface="Arial" panose="020B0604020202020204" pitchFamily="34" charset="0"/>
+              <a:buChar char="•"/>
+            </a:pPr>
+            <a:r>
+              <a:rPr lang="en-US" sz="2000" b="1" dirty="0"/>
+              <a:t>Logistic regression with cross entropy loss and no </a:t>
+            </a:r>
+            <a:r>
+              <a:rPr lang="en-US" sz="2000" b="1" dirty="0" smtClean="0"/>
+              <a:t>resampling</a:t>
+            </a:r>
+          </a:p>
+          <a:p>
+            <a:r>
+              <a:rPr lang="en-US" sz="2000" dirty="0"/>
+              <a:t>We trained a logistic regression model optimized using cross entropy loss. For this preliminary </a:t>
+            </a:r>
+            <a:r>
+              <a:rPr lang="en-US" sz="2000" dirty="0" smtClean="0"/>
+              <a:t>stage, we </a:t>
+            </a:r>
+            <a:r>
+              <a:rPr lang="en-US" sz="2000" dirty="0"/>
+              <a:t>pulled from a subset of the dataset. We generated </a:t>
+            </a:r>
+            <a:r>
+              <a:rPr lang="en-US" sz="2000" dirty="0" smtClean="0"/>
+              <a:t>concatenated </a:t>
+            </a:r>
+            <a:r>
+              <a:rPr lang="en-US" sz="2000" dirty="0"/>
+              <a:t>vectors for the first 10 </a:t>
+            </a:r>
+            <a:r>
+              <a:rPr lang="en-US" sz="2000" dirty="0" smtClean="0"/>
+              <a:t>examples each </a:t>
+            </a:r>
+            <a:r>
+              <a:rPr lang="en-US" sz="2000" dirty="0"/>
+              <a:t>of the first 10 users </a:t>
+            </a:r>
+            <a:r>
+              <a:rPr lang="en-US" sz="2000" dirty="0" smtClean="0"/>
+              <a:t>and performed </a:t>
+            </a:r>
+            <a:r>
+              <a:rPr lang="en-US" sz="2000" dirty="0"/>
+              <a:t>our data preprocessing method on the data subset with </a:t>
+            </a:r>
+            <a:r>
+              <a:rPr lang="en-US" sz="2000" dirty="0" smtClean="0"/>
+              <a:t>no under- </a:t>
+            </a:r>
+            <a:r>
+              <a:rPr lang="en-US" sz="2000" dirty="0"/>
+              <a:t>or over-sampling. With 70%-30% train-validation split, we achieved 89.6% accuracy with 0%</a:t>
+            </a:r>
+          </a:p>
+          <a:p>
+            <a:r>
+              <a:rPr lang="en-US" sz="2000" dirty="0"/>
+              <a:t>precision, 0% recall, and 100% specificity. Upon inspection, the model consistently predicted the </a:t>
+            </a:r>
+            <a:r>
+              <a:rPr lang="en-US" sz="2000" dirty="0" smtClean="0"/>
+              <a:t>0 label </a:t>
+            </a:r>
+            <a:r>
+              <a:rPr lang="en-US" sz="2000" dirty="0"/>
+              <a:t>for every single validation example. We hypothesized that the disproportionate prediction </a:t>
+            </a:r>
+            <a:r>
+              <a:rPr lang="en-US" sz="2000" dirty="0" smtClean="0"/>
+              <a:t>of label </a:t>
+            </a:r>
+            <a:r>
+              <a:rPr lang="en-US" sz="2000" dirty="0"/>
+              <a:t>0 was due to heavily unbalanced data, with a significant majority class 0.</a:t>
+            </a:r>
+            <a:endParaRPr lang="en-US" sz="2000" dirty="0" smtClean="0"/>
+          </a:p>
+          <a:p>
+            <a:pPr marL="342900" indent="-342900" eaLnBrk="1" hangingPunct="1">
+              <a:buFont typeface="Arial" panose="020B0604020202020204" pitchFamily="34" charset="0"/>
+              <a:buChar char="•"/>
+            </a:pPr>
+            <a:r>
+              <a:rPr lang="en-US" sz="2000" b="1" dirty="0"/>
+              <a:t>Logistic regression with cross entropy loss and 50-50 </a:t>
+            </a:r>
+            <a:r>
+              <a:rPr lang="en-US" sz="2000" b="1" dirty="0" err="1" smtClean="0"/>
+              <a:t>undersampling</a:t>
+            </a:r>
+            <a:endParaRPr lang="en-US" sz="2000" b="1" dirty="0" smtClean="0"/>
+          </a:p>
+          <a:p>
+            <a:r>
+              <a:rPr lang="en-US" sz="2000" dirty="0"/>
+              <a:t>In our next attempt, we used resampling techniques to balance the majority and minority class </a:t>
+            </a:r>
+            <a:r>
+              <a:rPr lang="en-US" sz="2000" dirty="0" smtClean="0"/>
+              <a:t>to parity</a:t>
+            </a:r>
+            <a:r>
+              <a:rPr lang="en-US" sz="2000" dirty="0"/>
+              <a:t>. With 50-50 </a:t>
+            </a:r>
+            <a:r>
+              <a:rPr lang="en-US" sz="2000" dirty="0" err="1"/>
+              <a:t>undersampling</a:t>
+            </a:r>
+            <a:r>
+              <a:rPr lang="en-US" sz="2000" dirty="0"/>
+              <a:t> using random </a:t>
+            </a:r>
+            <a:r>
+              <a:rPr lang="en-US" sz="2000" dirty="0" err="1"/>
+              <a:t>undersampling</a:t>
+            </a:r>
+            <a:r>
+              <a:rPr lang="en-US" sz="2000" dirty="0"/>
+              <a:t> of the majority class, and </a:t>
+            </a:r>
+            <a:r>
+              <a:rPr lang="en-US" sz="2000" dirty="0" smtClean="0"/>
+              <a:t>using our </a:t>
+            </a:r>
+            <a:r>
+              <a:rPr lang="en-US" sz="2000" dirty="0"/>
+              <a:t>entire post-processed dataset of 8 million comparative examples, we achieved 50.0% </a:t>
+            </a:r>
+            <a:r>
+              <a:rPr lang="en-US" sz="2000" dirty="0" smtClean="0"/>
+              <a:t>accuracy, 50.0</a:t>
+            </a:r>
+            <a:r>
+              <a:rPr lang="en-US" sz="2000" dirty="0"/>
+              <a:t>% precision, 100% recall, and 00.02% specificity. This means 50% likelihood of </a:t>
+            </a:r>
+            <a:r>
+              <a:rPr lang="en-US" sz="2000" dirty="0" smtClean="0"/>
+              <a:t>predicting same </a:t>
+            </a:r>
+            <a:r>
+              <a:rPr lang="en-US" sz="2000" dirty="0"/>
+              <a:t>user when the user was in fact different. This is not more effective than a random guess, </a:t>
+            </a:r>
+            <a:r>
+              <a:rPr lang="en-US" sz="2000" dirty="0" smtClean="0"/>
+              <a:t>so the </a:t>
+            </a:r>
+            <a:r>
+              <a:rPr lang="en-US" sz="2000" dirty="0"/>
+              <a:t>challenge will be lowering the false positive count, as it is more important, from a security </a:t>
+            </a:r>
+            <a:r>
+              <a:rPr lang="en-US" sz="2000" dirty="0" smtClean="0"/>
+              <a:t>point of </a:t>
+            </a:r>
+            <a:r>
+              <a:rPr lang="en-US" sz="2000" dirty="0"/>
+              <a:t>view, to minimize false positives (predict same user, but actually different) than false </a:t>
+            </a:r>
+            <a:r>
+              <a:rPr lang="en-US" sz="2000" dirty="0" smtClean="0"/>
+              <a:t>negatives (predict </a:t>
+            </a:r>
+            <a:r>
+              <a:rPr lang="en-US" sz="2000" dirty="0"/>
+              <a:t>different user, but actually same).</a:t>
+            </a:r>
+            <a:endParaRPr lang="en-US" sz="2000" dirty="0" smtClean="0"/>
+          </a:p>
+          <a:p>
+            <a:pPr marL="342900" indent="-342900" eaLnBrk="1" hangingPunct="1">
+              <a:buFont typeface="Arial" panose="020B0604020202020204" pitchFamily="34" charset="0"/>
+              <a:buChar char="•"/>
+            </a:pPr>
+            <a:r>
+              <a:rPr lang="en-US" sz="2000" b="1" dirty="0"/>
+              <a:t>Fully Connected Deep Neural Nets with cross entropy loss and 50-50 </a:t>
+            </a:r>
+            <a:r>
+              <a:rPr lang="en-US" sz="2000" b="1" dirty="0" err="1" smtClean="0"/>
+              <a:t>undersampling</a:t>
+            </a:r>
+            <a:endParaRPr lang="en-US" sz="2000" b="1" dirty="0" smtClean="0"/>
+          </a:p>
+          <a:p>
+            <a:r>
+              <a:rPr lang="en-US" sz="2000" dirty="0"/>
+              <a:t>From the results in the section above, we hypothesized a single logistic unit could not </a:t>
+            </a:r>
+            <a:r>
+              <a:rPr lang="en-US" sz="2000" dirty="0" smtClean="0"/>
+              <a:t>represent enough </a:t>
+            </a:r>
+            <a:r>
+              <a:rPr lang="en-US" sz="2000" dirty="0"/>
+              <a:t>complexity to capture the relationship between the 142 features of our input. Hence, </a:t>
+            </a:r>
+            <a:r>
+              <a:rPr lang="en-US" sz="2000" dirty="0" smtClean="0"/>
+              <a:t>we trained </a:t>
+            </a:r>
+            <a:r>
+              <a:rPr lang="en-US" sz="2000" dirty="0"/>
+              <a:t>a variety of fully connect deep neural networks and compared their validation </a:t>
+            </a:r>
+            <a:r>
+              <a:rPr lang="en-US" sz="2000" dirty="0" smtClean="0"/>
+              <a:t>accuracy. Deep </a:t>
+            </a:r>
+            <a:r>
+              <a:rPr lang="en-US" sz="2000" dirty="0"/>
+              <a:t>neural nets ranging from 1 hidden layer to 5 hidden layers, with 10 neurons per hidden </a:t>
+            </a:r>
+            <a:r>
+              <a:rPr lang="en-US" sz="2000" dirty="0" smtClean="0"/>
+              <a:t>layer, with </a:t>
+            </a:r>
+            <a:r>
+              <a:rPr lang="en-US" sz="2000" dirty="0" err="1"/>
+              <a:t>relu</a:t>
+            </a:r>
+            <a:r>
+              <a:rPr lang="en-US" sz="2000" dirty="0"/>
+              <a:t> activation, and sigmoid activation on the output layer. The loss function remained </a:t>
+            </a:r>
+            <a:r>
+              <a:rPr lang="en-US" sz="2000" dirty="0" err="1" smtClean="0"/>
+              <a:t>crossentropy</a:t>
+            </a:r>
+            <a:r>
+              <a:rPr lang="en-US" sz="2000" dirty="0" smtClean="0"/>
+              <a:t>. We </a:t>
+            </a:r>
+            <a:r>
+              <a:rPr lang="en-US" sz="2000" dirty="0"/>
+              <a:t>trained each DNN model for 25 epochs from randomly initialized weights and </a:t>
+            </a:r>
+            <a:r>
+              <a:rPr lang="en-US" sz="2000" dirty="0" smtClean="0"/>
+              <a:t>measured their </a:t>
+            </a:r>
+            <a:r>
+              <a:rPr lang="en-US" sz="2000" dirty="0"/>
+              <a:t>validation accuracy. This was repeated 10 times for each DNN model, and the </a:t>
+            </a:r>
+            <a:r>
+              <a:rPr lang="en-US" sz="2000" dirty="0" smtClean="0"/>
+              <a:t> average of validation </a:t>
+            </a:r>
+            <a:r>
+              <a:rPr lang="en-US" sz="2000" dirty="0"/>
+              <a:t>accuracy of 10 trials was recorded as a benchmark of how each additional layer </a:t>
+            </a:r>
+            <a:r>
+              <a:rPr lang="en-US" sz="2000" dirty="0" smtClean="0"/>
+              <a:t>improve the </a:t>
+            </a:r>
+            <a:r>
+              <a:rPr lang="en-US" sz="2000" dirty="0"/>
+              <a:t>performance of the model.</a:t>
+            </a:r>
+          </a:p>
+          <a:p>
+            <a:endParaRPr lang="en-US" sz="2000" dirty="0" smtClean="0"/>
+          </a:p>
+          <a:p>
+            <a:endParaRPr lang="en-US" sz="2000" dirty="0"/>
+          </a:p>
+          <a:p>
+            <a:endParaRPr lang="en-US" sz="2000" dirty="0" smtClean="0"/>
+          </a:p>
+          <a:p>
+            <a:endParaRPr lang="en-US" sz="2000" dirty="0"/>
+          </a:p>
+          <a:p>
+            <a:r>
+              <a:rPr lang="en-US" sz="2000" dirty="0" smtClean="0"/>
+              <a:t>From </a:t>
+            </a:r>
+            <a:r>
+              <a:rPr lang="en-US" sz="2000" dirty="0"/>
+              <a:t>this investigation, we conclude with 10 </a:t>
+            </a:r>
+            <a:r>
+              <a:rPr lang="en-US" sz="2000" dirty="0" err="1"/>
+              <a:t>ReLU</a:t>
+            </a:r>
+            <a:r>
+              <a:rPr lang="en-US" sz="2000" dirty="0"/>
+              <a:t> activated neurons per hidden layer, the 3 </a:t>
+            </a:r>
+            <a:r>
+              <a:rPr lang="en-US" sz="2000" dirty="0" smtClean="0"/>
+              <a:t>hidden layer </a:t>
+            </a:r>
+            <a:r>
+              <a:rPr lang="en-US" sz="2000" dirty="0"/>
+              <a:t>model achieves the best accuracy vs. training speed trade-off. Hence, we retrained that </a:t>
+            </a:r>
+            <a:r>
+              <a:rPr lang="en-US" sz="2000" dirty="0" smtClean="0"/>
+              <a:t>model for </a:t>
+            </a:r>
+            <a:r>
+              <a:rPr lang="en-US" sz="2000" dirty="0"/>
+              <a:t>100 epochs, and produced the following validation results: 79.8% accuracy, 81.7% </a:t>
+            </a:r>
+            <a:r>
+              <a:rPr lang="en-US" sz="2000" dirty="0" smtClean="0"/>
+              <a:t>precision, 76.8</a:t>
+            </a:r>
+            <a:r>
+              <a:rPr lang="en-US" sz="2000" dirty="0"/>
+              <a:t>% recall, and 95.1% specificity.</a:t>
+            </a:r>
+            <a:endParaRPr lang="en-US" sz="2000" dirty="0">
+              <a:latin typeface="Calibri" pitchFamily="34" charset="0"/>
+            </a:endParaRPr>
+          </a:p>
+        </p:txBody>
+      </p:sp>
       <p:sp>
         <p:nvSpPr>
           <p:cNvPr id="34" name="Rectangle 33"/>
@@ -4935,7 +3883,7 @@
         <p:spPr bwMode="auto">
           <a:xfrm>
             <a:off x="21945600" y="14415471"/>
-            <a:ext cx="9875520" cy="4506669"/>
+            <a:ext cx="9875520" cy="505573"/>
           </a:xfrm>
           <a:prstGeom prst="rect">
             <a:avLst/>
@@ -5059,120 +4007,6 @@
               <a:buFont typeface="Arial" panose="020B0604020202020204" pitchFamily="34" charset="0"/>
               <a:buChar char="•"/>
             </a:pPr>
-            <a:r>
-              <a:rPr lang="en-US" sz="2000" dirty="0">
-                <a:latin typeface="Calibri" pitchFamily="34" charset="0"/>
-              </a:rPr>
-              <a:t>Our multivariate Gaussian cluster characterization and sampling algorithm, coupled with our Bayesian network heuristics, achieved </a:t>
-            </a:r>
-            <a:r>
-              <a:rPr lang="en-US" sz="2000" b="1" dirty="0">
-                <a:latin typeface="Calibri" pitchFamily="34" charset="0"/>
-              </a:rPr>
-              <a:t>77% successful spoof rate</a:t>
-            </a:r>
-            <a:r>
-              <a:rPr lang="en-US" sz="2000" dirty="0">
-                <a:latin typeface="Calibri" pitchFamily="34" charset="0"/>
-              </a:rPr>
-              <a:t> against state-of-the-art mobile biometric fraud classifiers (neural nets, as described by </a:t>
-            </a:r>
-            <a:r>
-              <a:rPr lang="en-US" sz="2000" dirty="0" err="1">
-                <a:latin typeface="Calibri" pitchFamily="34" charset="0"/>
-              </a:rPr>
-              <a:t>Teh</a:t>
-            </a:r>
-            <a:r>
-              <a:rPr lang="en-US" sz="2000" dirty="0">
-                <a:latin typeface="Calibri" pitchFamily="34" charset="0"/>
-              </a:rPr>
-              <a:t> </a:t>
-            </a:r>
-            <a:r>
-              <a:rPr lang="en-US" sz="2000" i="1" dirty="0">
-                <a:latin typeface="Calibri" pitchFamily="34" charset="0"/>
-              </a:rPr>
-              <a:t>et al.</a:t>
-            </a:r>
-            <a:r>
-              <a:rPr lang="en-US" sz="2000" dirty="0">
-                <a:latin typeface="Calibri" pitchFamily="34" charset="0"/>
-              </a:rPr>
-              <a:t>). This means that 77% of the time, our </a:t>
-            </a:r>
-            <a:r>
-              <a:rPr lang="en-US" sz="2000" b="1" dirty="0">
-                <a:latin typeface="Calibri" pitchFamily="34" charset="0"/>
-              </a:rPr>
-              <a:t>adversarial biometric examples </a:t>
-            </a:r>
-            <a:r>
-              <a:rPr lang="en-US" sz="2000" dirty="0">
-                <a:latin typeface="Calibri" pitchFamily="34" charset="0"/>
-              </a:rPr>
-              <a:t>successfully trick the best discriminatory classifiers that they are from the genuine user. </a:t>
-            </a:r>
-          </a:p>
-          <a:p>
-            <a:pPr marL="342900" indent="-342900" eaLnBrk="1" hangingPunct="1">
-              <a:buFont typeface="Arial" panose="020B0604020202020204" pitchFamily="34" charset="0"/>
-              <a:buChar char="•"/>
-            </a:pPr>
-            <a:r>
-              <a:rPr lang="en-US" sz="2000" dirty="0">
-                <a:latin typeface="Calibri" pitchFamily="34" charset="0"/>
-              </a:rPr>
-              <a:t>We described a framework that allows for </a:t>
-            </a:r>
-            <a:r>
-              <a:rPr lang="en-US" sz="2000" b="1" dirty="0">
-                <a:latin typeface="Calibri" pitchFamily="34" charset="0"/>
-              </a:rPr>
-              <a:t>infinite generation of adversarial examples</a:t>
-            </a:r>
-            <a:r>
-              <a:rPr lang="en-US" sz="2000" dirty="0">
-                <a:latin typeface="Calibri" pitchFamily="34" charset="0"/>
-              </a:rPr>
-              <a:t> according to a probability distribution generated from our multivariate Gaussian models and Bayesian networks. The </a:t>
-            </a:r>
-            <a:r>
-              <a:rPr lang="en-US" sz="2000" b="1" dirty="0">
-                <a:latin typeface="Calibri" pitchFamily="34" charset="0"/>
-              </a:rPr>
-              <a:t>flexibility</a:t>
-            </a:r>
-            <a:r>
-              <a:rPr lang="en-US" sz="2000" dirty="0">
-                <a:latin typeface="Calibri" pitchFamily="34" charset="0"/>
-              </a:rPr>
-              <a:t> of the framework is perhaps the most simultaneously promising and disturbing result; we explored </a:t>
-            </a:r>
-            <a:r>
-              <a:rPr lang="en-US" sz="2000" b="1" dirty="0">
-                <a:latin typeface="Calibri" pitchFamily="34" charset="0"/>
-              </a:rPr>
-              <a:t>targeted adversarial attacks</a:t>
-            </a:r>
-            <a:r>
-              <a:rPr lang="en-US" sz="2000" dirty="0">
-                <a:latin typeface="Calibri" pitchFamily="34" charset="0"/>
-              </a:rPr>
-              <a:t> on individual users, but demonstrated that our Bayesian network heuristics can be learned on any set of users. It is not difficult to plant a keylogger and use our methods to compromise modern biometric security systems; we have exposed a </a:t>
-            </a:r>
-            <a:r>
-              <a:rPr lang="en-US" sz="2000" b="1" dirty="0">
-                <a:latin typeface="Calibri" pitchFamily="34" charset="0"/>
-              </a:rPr>
-              <a:t>major security vulnerability </a:t>
-            </a:r>
-            <a:r>
-              <a:rPr lang="en-US" sz="2000" dirty="0">
-                <a:latin typeface="Calibri" pitchFamily="34" charset="0"/>
-              </a:rPr>
-              <a:t>that motivates further research in developing more resilient discriminatory classification algorithms for mobile biometric authentication. </a:t>
-            </a:r>
             <a:endParaRPr lang="en-US" sz="2000" b="1" dirty="0">
               <a:latin typeface="Calibri" pitchFamily="34" charset="0"/>
             </a:endParaRPr>
@@ -5246,7 +4080,7 @@
         <p:spPr bwMode="auto">
           <a:xfrm>
             <a:off x="1097280" y="7355083"/>
-            <a:ext cx="9875520" cy="3275563"/>
+            <a:ext cx="9875520" cy="1736680"/>
           </a:xfrm>
           <a:prstGeom prst="rect">
             <a:avLst/>
@@ -5366,52 +4200,33 @@
             </a:lvl9pPr>
           </a:lstStyle>
           <a:p>
-            <a:pPr marL="342900" indent="-342900" eaLnBrk="1" hangingPunct="1">
+            <a:pPr marL="285750" indent="-285750" eaLnBrk="1" hangingPunct="1">
               <a:buFont typeface="Arial" panose="020B0604020202020204" pitchFamily="34" charset="0"/>
               <a:buChar char="•"/>
             </a:pPr>
             <a:r>
-              <a:rPr lang="en-US" sz="2000" dirty="0">
-                <a:latin typeface="+mn-lt"/>
-              </a:rPr>
+              <a:rPr lang="en-US" sz="2000" dirty="0"/>
               <a:t>Keystroke pattern and dynamics classification is an important application of machine learning to computer security and authentication. The massive increase in popularity and computing power of mobile devices in the last ten years has spurred significant interest in biometric-focused authentication models for </a:t>
             </a:r>
             <a:r>
-              <a:rPr lang="en-US" sz="2000" b="1" dirty="0">
-                <a:latin typeface="+mn-lt"/>
-              </a:rPr>
+              <a:rPr lang="en-US" sz="2000" b="1" dirty="0"/>
               <a:t>mobile devices</a:t>
             </a:r>
             <a:r>
-              <a:rPr lang="en-US" sz="2000" dirty="0">
-                <a:latin typeface="+mn-lt"/>
-              </a:rPr>
+              <a:rPr lang="en-US" sz="2000" dirty="0" smtClean="0"/>
               <a:t>.</a:t>
             </a:r>
           </a:p>
           <a:p>
-            <a:pPr marL="342900" indent="-342900" eaLnBrk="1" hangingPunct="1">
+            <a:pPr marL="285750" indent="-285750" eaLnBrk="1" hangingPunct="1">
               <a:buFont typeface="Arial" panose="020B0604020202020204" pitchFamily="34" charset="0"/>
               <a:buChar char="•"/>
             </a:pPr>
             <a:r>
-              <a:rPr lang="en-US" sz="2000" dirty="0">
-                <a:latin typeface="+mn-lt"/>
-              </a:rPr>
-              <a:t>As mobile devices store increasingly valuable and confidential information, learning classifiers to detect fraud is becoming ever more applicable and important. However, it still remains to be seen how robust these user verification classifiers are against general attacks by malicious agents. To this end, we generate attacks against user verification classifiers using mobile biometrics data, performing </a:t>
-            </a:r>
-            <a:r>
-              <a:rPr lang="en-US" sz="2000" b="1" dirty="0">
-                <a:latin typeface="+mn-lt"/>
-              </a:rPr>
-              <a:t>white hat </a:t>
-            </a:r>
-            <a:r>
-              <a:rPr lang="en-US" sz="2000" dirty="0">
-                <a:latin typeface="+mn-lt"/>
-              </a:rPr>
-              <a:t>evaluation of biometric data verification schemes.</a:t>
-            </a:r>
+              <a:rPr lang="en-US" sz="2000" dirty="0"/>
+              <a:t>W</a:t>
+            </a:r>
+            <a:endParaRPr lang="en-US" sz="2000" dirty="0"/>
           </a:p>
         </p:txBody>
       </p:sp>
@@ -5607,32 +4422,32 @@
               <a:buChar char="•"/>
             </a:pPr>
             <a:r>
-              <a:rPr lang="en-US" sz="2000" dirty="0">
+              <a:rPr lang="en-US" sz="2000" dirty="0" smtClean="0">
                 <a:latin typeface="+mn-lt"/>
               </a:rPr>
               <a:t>The MEU-Mobile KSD (Keystroke Dynamics) Data Set from the UCI Machine Learning Repository contains 51 records for each of 56 subjects - 2856 records total - of haptic, momentum, and timing features measured of a common sequence (</a:t>
             </a:r>
             <a:r>
-              <a:rPr lang="en-US" sz="2000" dirty="0">
+              <a:rPr lang="en-US" sz="2000" dirty="0" smtClean="0">
                 <a:latin typeface="Courier New" panose="02070309020205020404" pitchFamily="49" charset="0"/>
                 <a:cs typeface="Courier New" panose="02070309020205020404" pitchFamily="49" charset="0"/>
               </a:rPr>
               <a:t>.tie5Roanl</a:t>
             </a:r>
             <a:r>
-              <a:rPr lang="en-US" sz="2000" dirty="0">
+              <a:rPr lang="en-US" sz="2000" dirty="0" smtClean="0">
                 <a:latin typeface="+mn-lt"/>
               </a:rPr>
               <a:t>) typed on a Nexus 7 mobile device. There are 71 features monitored, characterized by the attributes </a:t>
             </a:r>
             <a:r>
-              <a:rPr lang="en-US" sz="2000" dirty="0">
+              <a:rPr lang="en-US" sz="2000" dirty="0" smtClean="0">
                 <a:latin typeface="Courier New" panose="02070309020205020404" pitchFamily="49" charset="0"/>
                 <a:cs typeface="Courier New" panose="02070309020205020404" pitchFamily="49" charset="0"/>
               </a:rPr>
               <a:t>Hold, Up-Down, Down-Down, Pressure, Finger-Area, Average Hold, Average Pressure, Average Area.</a:t>
             </a:r>
-            <a:endParaRPr lang="en-US" sz="2000" dirty="0">
+            <a:endParaRPr lang="en-US" sz="2000" dirty="0" smtClean="0">
               <a:latin typeface="+mj-lt"/>
             </a:endParaRPr>
           </a:p>
@@ -5642,7 +4457,7 @@
               <a:buChar char="•"/>
             </a:pPr>
             <a:r>
-              <a:rPr lang="en-US" sz="2000" dirty="0">
+              <a:rPr lang="en-US" sz="2000" dirty="0" smtClean="0">
                 <a:latin typeface="+mj-lt"/>
               </a:rPr>
               <a:t>We trained a variety of binary classifiers  to detect if the concatenation the feature vectors of two data-points, forming a vector 142 features, was typed by the same user or not. This allowed us to train one model and have it generalize user verification to any new users not from the training dataset, as long as we one at least one keystroke record for any new users.</a:t>
@@ -5654,47 +4469,119 @@
               <a:buChar char="•"/>
             </a:pPr>
             <a:r>
-              <a:rPr lang="en-US" sz="2000" dirty="0">
+              <a:rPr lang="en-US" sz="2000" dirty="0" smtClean="0">
                 <a:latin typeface="+mj-lt"/>
               </a:rPr>
               <a:t>As part of data processing we implemented a flexible </a:t>
             </a:r>
             <a:r>
-              <a:rPr lang="en-US" sz="2000" b="1" dirty="0">
+              <a:rPr lang="en-US" sz="2000" b="1" dirty="0" smtClean="0">
                 <a:latin typeface="+mj-lt"/>
               </a:rPr>
               <a:t>resampling framework </a:t>
             </a:r>
             <a:r>
-              <a:rPr lang="en-US" sz="2000" dirty="0">
+              <a:rPr lang="en-US" sz="2000" dirty="0" smtClean="0">
                 <a:latin typeface="+mj-lt"/>
               </a:rPr>
               <a:t>that can utilize a variety of </a:t>
             </a:r>
             <a:r>
-              <a:rPr lang="en-US" sz="2000" dirty="0" err="1">
+              <a:rPr lang="en-US" sz="2000" dirty="0" err="1" smtClean="0">
                 <a:latin typeface="+mj-lt"/>
               </a:rPr>
               <a:t>undersampling</a:t>
             </a:r>
             <a:r>
-              <a:rPr lang="en-US" sz="2000" dirty="0">
+              <a:rPr lang="en-US" sz="2000" dirty="0" smtClean="0">
                 <a:latin typeface="+mj-lt"/>
               </a:rPr>
               <a:t> and oversampling methods to </a:t>
             </a:r>
             <a:r>
-              <a:rPr lang="en-US" sz="2000" dirty="0" err="1">
+              <a:rPr lang="en-US" sz="2000" dirty="0" err="1" smtClean="0">
                 <a:latin typeface="+mj-lt"/>
               </a:rPr>
               <a:t>undersample</a:t>
             </a:r>
             <a:r>
-              <a:rPr lang="en-US" sz="2000" dirty="0">
+              <a:rPr lang="en-US" sz="2000" dirty="0" smtClean="0">
                 <a:latin typeface="+mj-lt"/>
               </a:rPr>
               <a:t> the majority class and oversample the minority class as necessary. This ensures parity between labels of different user and same user in the training data.</a:t>
             </a:r>
+          </a:p>
+          <a:p>
+            <a:pPr marL="342900" indent="-342900" eaLnBrk="1" hangingPunct="1">
+              <a:buFont typeface="Arial" panose="020B0604020202020204" pitchFamily="34" charset="0"/>
+              <a:buChar char="•"/>
+            </a:pPr>
+            <a:endParaRPr lang="en-US" sz="2000" dirty="0" smtClean="0">
+              <a:latin typeface="+mj-lt"/>
+            </a:endParaRPr>
+          </a:p>
+          <a:p>
+            <a:pPr marL="342900" indent="-342900" eaLnBrk="1" hangingPunct="1">
+              <a:buFont typeface="Arial" panose="020B0604020202020204" pitchFamily="34" charset="0"/>
+              <a:buChar char="•"/>
+            </a:pPr>
+            <a:endParaRPr lang="en-US" sz="2000" dirty="0" smtClean="0">
+              <a:latin typeface="+mj-lt"/>
+            </a:endParaRPr>
+          </a:p>
+          <a:p>
+            <a:pPr marL="342900" indent="-342900" eaLnBrk="1" hangingPunct="1">
+              <a:buFont typeface="Arial" panose="020B0604020202020204" pitchFamily="34" charset="0"/>
+              <a:buChar char="•"/>
+            </a:pPr>
+            <a:endParaRPr lang="en-US" sz="2000" dirty="0" smtClean="0">
+              <a:latin typeface="+mj-lt"/>
+            </a:endParaRPr>
+          </a:p>
+          <a:p>
+            <a:pPr marL="342900" indent="-342900" eaLnBrk="1" hangingPunct="1">
+              <a:buFont typeface="Arial" panose="020B0604020202020204" pitchFamily="34" charset="0"/>
+              <a:buChar char="•"/>
+            </a:pPr>
+            <a:endParaRPr lang="en-US" sz="2000" dirty="0" smtClean="0">
+              <a:latin typeface="+mj-lt"/>
+            </a:endParaRPr>
+          </a:p>
+          <a:p>
+            <a:pPr marL="342900" indent="-342900" eaLnBrk="1" hangingPunct="1">
+              <a:buFont typeface="Arial" panose="020B0604020202020204" pitchFamily="34" charset="0"/>
+              <a:buChar char="•"/>
+            </a:pPr>
+            <a:endParaRPr lang="en-US" sz="2000" dirty="0" smtClean="0">
+              <a:latin typeface="+mj-lt"/>
+            </a:endParaRPr>
+          </a:p>
+          <a:p>
+            <a:pPr marL="342900" indent="-342900" eaLnBrk="1" hangingPunct="1">
+              <a:buFont typeface="Arial" panose="020B0604020202020204" pitchFamily="34" charset="0"/>
+              <a:buChar char="•"/>
+            </a:pPr>
+            <a:endParaRPr lang="en-US" sz="2000" dirty="0" smtClean="0">
+              <a:latin typeface="+mj-lt"/>
+            </a:endParaRPr>
+          </a:p>
+          <a:p>
+            <a:pPr marL="342900" indent="-342900" eaLnBrk="1" hangingPunct="1">
+              <a:buFont typeface="Arial" panose="020B0604020202020204" pitchFamily="34" charset="0"/>
+              <a:buChar char="•"/>
+            </a:pPr>
+            <a:endParaRPr lang="en-US" sz="2000" dirty="0" smtClean="0">
+              <a:latin typeface="+mj-lt"/>
+            </a:endParaRPr>
+          </a:p>
+          <a:p>
+            <a:pPr marL="342900" indent="-342900" eaLnBrk="1" hangingPunct="1">
+              <a:buFont typeface="Arial" panose="020B0604020202020204" pitchFamily="34" charset="0"/>
+              <a:buChar char="•"/>
+            </a:pPr>
+            <a:endParaRPr lang="en-US" sz="2000" dirty="0" smtClean="0">
+              <a:latin typeface="+mj-lt"/>
+            </a:endParaRPr>
           </a:p>
           <a:p>
             <a:pPr marL="342900" indent="-342900" eaLnBrk="1" hangingPunct="1">
@@ -5703,653 +4590,6 @@
             </a:pPr>
             <a:endParaRPr lang="en-US" sz="2000" dirty="0">
               <a:latin typeface="+mj-lt"/>
-            </a:endParaRPr>
-          </a:p>
-          <a:p>
-            <a:pPr marL="342900" indent="-342900" eaLnBrk="1" hangingPunct="1">
-              <a:buFont typeface="Arial" panose="020B0604020202020204" pitchFamily="34" charset="0"/>
-              <a:buChar char="•"/>
-            </a:pPr>
-            <a:endParaRPr lang="en-US" sz="2000" dirty="0">
-              <a:latin typeface="+mj-lt"/>
-            </a:endParaRPr>
-          </a:p>
-          <a:p>
-            <a:pPr marL="342900" indent="-342900" eaLnBrk="1" hangingPunct="1">
-              <a:buFont typeface="Arial" panose="020B0604020202020204" pitchFamily="34" charset="0"/>
-              <a:buChar char="•"/>
-            </a:pPr>
-            <a:endParaRPr lang="en-US" sz="2000" dirty="0">
-              <a:latin typeface="+mj-lt"/>
-            </a:endParaRPr>
-          </a:p>
-          <a:p>
-            <a:pPr marL="342900" indent="-342900" eaLnBrk="1" hangingPunct="1">
-              <a:buFont typeface="Arial" panose="020B0604020202020204" pitchFamily="34" charset="0"/>
-              <a:buChar char="•"/>
-            </a:pPr>
-            <a:endParaRPr lang="en-US" sz="2000" dirty="0">
-              <a:latin typeface="+mj-lt"/>
-            </a:endParaRPr>
-          </a:p>
-          <a:p>
-            <a:pPr marL="342900" indent="-342900" eaLnBrk="1" hangingPunct="1">
-              <a:buFont typeface="Arial" panose="020B0604020202020204" pitchFamily="34" charset="0"/>
-              <a:buChar char="•"/>
-            </a:pPr>
-            <a:endParaRPr lang="en-US" sz="2000" dirty="0">
-              <a:latin typeface="+mj-lt"/>
-            </a:endParaRPr>
-          </a:p>
-          <a:p>
-            <a:pPr marL="342900" indent="-342900" eaLnBrk="1" hangingPunct="1">
-              <a:buFont typeface="Arial" panose="020B0604020202020204" pitchFamily="34" charset="0"/>
-              <a:buChar char="•"/>
-            </a:pPr>
-            <a:endParaRPr lang="en-US" sz="2000" dirty="0">
-              <a:latin typeface="+mj-lt"/>
-            </a:endParaRPr>
-          </a:p>
-          <a:p>
-            <a:pPr marL="342900" indent="-342900" eaLnBrk="1" hangingPunct="1">
-              <a:buFont typeface="Arial" panose="020B0604020202020204" pitchFamily="34" charset="0"/>
-              <a:buChar char="•"/>
-            </a:pPr>
-            <a:endParaRPr lang="en-US" sz="2000" dirty="0">
-              <a:latin typeface="+mj-lt"/>
-            </a:endParaRPr>
-          </a:p>
-          <a:p>
-            <a:pPr marL="342900" indent="-342900" eaLnBrk="1" hangingPunct="1">
-              <a:buFont typeface="Arial" panose="020B0604020202020204" pitchFamily="34" charset="0"/>
-              <a:buChar char="•"/>
-            </a:pPr>
-            <a:endParaRPr lang="en-US" sz="2000" dirty="0">
-              <a:latin typeface="+mj-lt"/>
-            </a:endParaRPr>
-          </a:p>
-          <a:p>
-            <a:pPr marL="342900" indent="-342900" eaLnBrk="1" hangingPunct="1">
-              <a:buFont typeface="Arial" panose="020B0604020202020204" pitchFamily="34" charset="0"/>
-              <a:buChar char="•"/>
-            </a:pPr>
-            <a:endParaRPr lang="en-US" sz="2000" dirty="0">
-              <a:latin typeface="+mj-lt"/>
-            </a:endParaRPr>
-          </a:p>
-        </p:txBody>
-      </p:sp>
-      <p:pic>
-        <p:nvPicPr>
-          <p:cNvPr id="1026" name="Picture 2" descr="K-mean center attack success rate.png">
-            <a:extLst>
-              <a:ext uri="{FF2B5EF4-FFF2-40B4-BE49-F238E27FC236}">
-                <a16:creationId xmlns="" xmlns:a16="http://schemas.microsoft.com/office/drawing/2014/main" id="{255D51AD-28C3-4E52-B2FD-0A20AD600D10}"/>
-              </a:ext>
-            </a:extLst>
-          </p:cNvPr>
-          <p:cNvPicPr>
-            <a:picLocks noChangeAspect="1" noChangeArrowheads="1"/>
-          </p:cNvPicPr>
-          <p:nvPr/>
-        </p:nvPicPr>
-        <p:blipFill>
-          <a:blip r:embed="rId3">
-            <a:extLst>
-              <a:ext uri="{28A0092B-C50C-407E-A947-70E740481C1C}">
-                <a14:useLocalDpi xmlns:a14="http://schemas.microsoft.com/office/drawing/2010/main" val="0"/>
-              </a:ext>
-            </a:extLst>
-          </a:blip>
-          <a:srcRect/>
-          <a:stretch>
-            <a:fillRect/>
-          </a:stretch>
-        </p:blipFill>
-        <p:spPr bwMode="auto">
-          <a:xfrm>
-            <a:off x="21800242" y="6182064"/>
-            <a:ext cx="5303520" cy="3977640"/>
-          </a:xfrm>
-          <a:prstGeom prst="rect">
-            <a:avLst/>
-          </a:prstGeom>
-          <a:noFill/>
-          <a:extLst>
-            <a:ext uri="{909E8E84-426E-40DD-AFC4-6F175D3DCCD1}">
-              <a14:hiddenFill xmlns:a14="http://schemas.microsoft.com/office/drawing/2010/main">
-                <a:solidFill>
-                  <a:srgbClr val="FFFFFF"/>
-                </a:solidFill>
-              </a14:hiddenFill>
-            </a:ext>
-          </a:extLst>
-        </p:spPr>
-      </p:pic>
-      <p:pic>
-        <p:nvPicPr>
-          <p:cNvPr id="1028" name="Picture 4" descr="K cluster Gaussian attack success rate.png">
-            <a:extLst>
-              <a:ext uri="{FF2B5EF4-FFF2-40B4-BE49-F238E27FC236}">
-                <a16:creationId xmlns="" xmlns:a16="http://schemas.microsoft.com/office/drawing/2014/main" id="{DF6C01D2-3451-4044-A5E5-DBF262E84660}"/>
-              </a:ext>
-            </a:extLst>
-          </p:cNvPr>
-          <p:cNvPicPr>
-            <a:picLocks noChangeAspect="1" noChangeArrowheads="1"/>
-          </p:cNvPicPr>
-          <p:nvPr/>
-        </p:nvPicPr>
-        <p:blipFill>
-          <a:blip r:embed="rId4">
-            <a:extLst>
-              <a:ext uri="{28A0092B-C50C-407E-A947-70E740481C1C}">
-                <a14:useLocalDpi xmlns:a14="http://schemas.microsoft.com/office/drawing/2010/main" val="0"/>
-              </a:ext>
-            </a:extLst>
-          </a:blip>
-          <a:srcRect/>
-          <a:stretch>
-            <a:fillRect/>
-          </a:stretch>
-        </p:blipFill>
-        <p:spPr bwMode="auto">
-          <a:xfrm>
-            <a:off x="26662958" y="6182063"/>
-            <a:ext cx="5303520" cy="3977640"/>
-          </a:xfrm>
-          <a:prstGeom prst="rect">
-            <a:avLst/>
-          </a:prstGeom>
-          <a:noFill/>
-          <a:extLst>
-            <a:ext uri="{909E8E84-426E-40DD-AFC4-6F175D3DCCD1}">
-              <a14:hiddenFill xmlns:a14="http://schemas.microsoft.com/office/drawing/2010/main">
-                <a:solidFill>
-                  <a:srgbClr val="FFFFFF"/>
-                </a:solidFill>
-              </a14:hiddenFill>
-            </a:ext>
-          </a:extLst>
-        </p:spPr>
-      </p:pic>
-      <p:pic>
-        <p:nvPicPr>
-          <p:cNvPr id="7" name="Picture 6"/>
-          <p:cNvPicPr>
-            <a:picLocks noChangeAspect="1"/>
-          </p:cNvPicPr>
-          <p:nvPr/>
-        </p:nvPicPr>
-        <p:blipFill>
-          <a:blip r:embed="rId5">
-            <a:extLst>
-              <a:ext uri="{28A0092B-C50C-407E-A947-70E740481C1C}">
-                <a14:useLocalDpi xmlns:a14="http://schemas.microsoft.com/office/drawing/2010/main" val="0"/>
-              </a:ext>
-            </a:extLst>
-          </a:blip>
-          <a:stretch>
-            <a:fillRect/>
-          </a:stretch>
-        </p:blipFill>
-        <p:spPr>
-          <a:xfrm>
-            <a:off x="11841035" y="14490777"/>
-            <a:ext cx="4674504" cy="4164463"/>
-          </a:xfrm>
-          <a:prstGeom prst="rect">
-            <a:avLst/>
-          </a:prstGeom>
-        </p:spPr>
-      </p:pic>
-      <p:sp>
-        <p:nvSpPr>
-          <p:cNvPr id="8" name="TextBox 7"/>
-          <p:cNvSpPr txBox="1"/>
-          <p:nvPr/>
-        </p:nvSpPr>
-        <p:spPr>
-          <a:xfrm>
-            <a:off x="16720764" y="14996160"/>
-            <a:ext cx="4218996" cy="3342453"/>
-          </a:xfrm>
-          <a:prstGeom prst="rect">
-            <a:avLst/>
-          </a:prstGeom>
-          <a:noFill/>
-        </p:spPr>
-        <p:txBody>
-          <a:bodyPr wrap="square" rtlCol="0">
-            <a:spAutoFit/>
-          </a:bodyPr>
-          <a:lstStyle/>
-          <a:p>
-            <a:r>
-              <a:rPr lang="en-US" sz="1920" b="1" dirty="0"/>
-              <a:t>Figure 3. </a:t>
-            </a:r>
-            <a:r>
-              <a:rPr lang="en-US" sz="1920" dirty="0"/>
-              <a:t>Pragmatically, we construct Bayesian models that are not naïve, hence do not make an independence assumption between feature variables. This is a 71x71 Pearson correlation matrix (using all user data). </a:t>
-            </a:r>
-          </a:p>
-          <a:p>
-            <a:endParaRPr lang="en-US" sz="1920" dirty="0"/>
-          </a:p>
-          <a:p>
-            <a:r>
-              <a:rPr lang="en-US" sz="1920" dirty="0">
-                <a:solidFill>
-                  <a:srgbClr val="00B050"/>
-                </a:solidFill>
-              </a:rPr>
-              <a:t>Green tint </a:t>
-            </a:r>
-            <a:r>
-              <a:rPr lang="en-US" sz="1920" dirty="0"/>
-              <a:t>is higher correlation, and </a:t>
-            </a:r>
-            <a:r>
-              <a:rPr lang="en-US" sz="1920" dirty="0">
-                <a:solidFill>
-                  <a:srgbClr val="FF0000"/>
-                </a:solidFill>
-              </a:rPr>
-              <a:t>red tint </a:t>
-            </a:r>
-            <a:r>
-              <a:rPr lang="en-US" sz="1920" dirty="0"/>
-              <a:t>is lower correlation. Even visually, we begin to parse correlated and uncorrelated features. </a:t>
-            </a:r>
-          </a:p>
-        </p:txBody>
-      </p:sp>
-      <p:sp>
-        <p:nvSpPr>
-          <p:cNvPr id="45" name="Text Box 180">
-            <a:extLst>
-              <a:ext uri="{FF2B5EF4-FFF2-40B4-BE49-F238E27FC236}">
-                <a16:creationId xmlns="" xmlns:a16="http://schemas.microsoft.com/office/drawing/2014/main" id="{B5035870-ADA2-4595-8A86-153C0D15B18F}"/>
-              </a:ext>
-            </a:extLst>
-          </p:cNvPr>
-          <p:cNvSpPr txBox="1">
-            <a:spLocks noChangeArrowheads="1"/>
-          </p:cNvSpPr>
-          <p:nvPr/>
-        </p:nvSpPr>
-        <p:spPr bwMode="auto">
-          <a:xfrm>
-            <a:off x="22530533" y="10277536"/>
-            <a:ext cx="8705654" cy="935847"/>
-          </a:xfrm>
-          <a:prstGeom prst="rect">
-            <a:avLst/>
-          </a:prstGeom>
-          <a:noFill/>
-          <a:ln>
-            <a:noFill/>
-          </a:ln>
-          <a:effectLst/>
-          <a:extLst>
-            <a:ext uri="{909E8E84-426E-40DD-AFC4-6F175D3DCCD1}">
-              <a14:hiddenFill xmlns:a14="http://schemas.microsoft.com/office/drawing/2010/main">
-                <a:solidFill>
-                  <a:schemeClr val="accent1"/>
-                </a:solidFill>
-              </a14:hiddenFill>
-            </a:ext>
-            <a:ext uri="{91240B29-F687-4F45-9708-019B960494DF}">
-              <a14:hiddenLine xmlns:a14="http://schemas.microsoft.com/office/drawing/2010/main" w="9525">
-                <a:solidFill>
-                  <a:schemeClr val="tx1"/>
-                </a:solidFill>
-                <a:miter lim="800000"/>
-                <a:headEnd/>
-                <a:tailEnd/>
-              </a14:hiddenLine>
-            </a:ext>
-            <a:ext uri="{AF507438-7753-43E0-B8FC-AC1667EBCBE1}">
-              <a14:hiddenEffects xmlns:a14="http://schemas.microsoft.com/office/drawing/2010/main">
-                <a:effectLst>
-                  <a:outerShdw dist="35921" dir="2700000" algn="ctr" rotWithShape="0">
-                    <a:schemeClr val="bg2"/>
-                  </a:outerShdw>
-                </a:effectLst>
-              </a14:hiddenEffects>
-            </a:ext>
-          </a:extLst>
-        </p:spPr>
-        <p:txBody>
-          <a:bodyPr wrap="square" lIns="48971" tIns="24486" rIns="48971" bIns="24486">
-            <a:spAutoFit/>
-          </a:bodyPr>
-          <a:lstStyle>
-            <a:lvl1pPr defTabSz="4389438" eaLnBrk="0" hangingPunct="0">
-              <a:defRPr sz="2200">
-                <a:solidFill>
-                  <a:schemeClr val="tx1"/>
-                </a:solidFill>
-                <a:latin typeface="Arial" charset="0"/>
-              </a:defRPr>
-            </a:lvl1pPr>
-            <a:lvl2pPr marL="742950" indent="-285750" defTabSz="4389438" eaLnBrk="0" hangingPunct="0">
-              <a:defRPr sz="2200">
-                <a:solidFill>
-                  <a:schemeClr val="tx1"/>
-                </a:solidFill>
-                <a:latin typeface="Arial" charset="0"/>
-              </a:defRPr>
-            </a:lvl2pPr>
-            <a:lvl3pPr marL="1143000" indent="-228600" defTabSz="4389438" eaLnBrk="0" hangingPunct="0">
-              <a:defRPr sz="2200">
-                <a:solidFill>
-                  <a:schemeClr val="tx1"/>
-                </a:solidFill>
-                <a:latin typeface="Arial" charset="0"/>
-              </a:defRPr>
-            </a:lvl3pPr>
-            <a:lvl4pPr marL="1600200" indent="-228600" defTabSz="4389438" eaLnBrk="0" hangingPunct="0">
-              <a:defRPr sz="2200">
-                <a:solidFill>
-                  <a:schemeClr val="tx1"/>
-                </a:solidFill>
-                <a:latin typeface="Arial" charset="0"/>
-              </a:defRPr>
-            </a:lvl4pPr>
-            <a:lvl5pPr marL="2057400" indent="-228600" defTabSz="4389438" eaLnBrk="0" hangingPunct="0">
-              <a:defRPr sz="2200">
-                <a:solidFill>
-                  <a:schemeClr val="tx1"/>
-                </a:solidFill>
-                <a:latin typeface="Arial" charset="0"/>
-              </a:defRPr>
-            </a:lvl5pPr>
-            <a:lvl6pPr marL="2514600" indent="-228600" defTabSz="4389438" eaLnBrk="0" fontAlgn="base" hangingPunct="0">
-              <a:spcBef>
-                <a:spcPct val="0"/>
-              </a:spcBef>
-              <a:spcAft>
-                <a:spcPct val="0"/>
-              </a:spcAft>
-              <a:defRPr sz="2200">
-                <a:solidFill>
-                  <a:schemeClr val="tx1"/>
-                </a:solidFill>
-                <a:latin typeface="Arial" charset="0"/>
-              </a:defRPr>
-            </a:lvl6pPr>
-            <a:lvl7pPr marL="2971800" indent="-228600" defTabSz="4389438" eaLnBrk="0" fontAlgn="base" hangingPunct="0">
-              <a:spcBef>
-                <a:spcPct val="0"/>
-              </a:spcBef>
-              <a:spcAft>
-                <a:spcPct val="0"/>
-              </a:spcAft>
-              <a:defRPr sz="2200">
-                <a:solidFill>
-                  <a:schemeClr val="tx1"/>
-                </a:solidFill>
-                <a:latin typeface="Arial" charset="0"/>
-              </a:defRPr>
-            </a:lvl7pPr>
-            <a:lvl8pPr marL="3429000" indent="-228600" defTabSz="4389438" eaLnBrk="0" fontAlgn="base" hangingPunct="0">
-              <a:spcBef>
-                <a:spcPct val="0"/>
-              </a:spcBef>
-              <a:spcAft>
-                <a:spcPct val="0"/>
-              </a:spcAft>
-              <a:defRPr sz="2200">
-                <a:solidFill>
-                  <a:schemeClr val="tx1"/>
-                </a:solidFill>
-                <a:latin typeface="Arial" charset="0"/>
-              </a:defRPr>
-            </a:lvl8pPr>
-            <a:lvl9pPr marL="3886200" indent="-228600" defTabSz="4389438" eaLnBrk="0" fontAlgn="base" hangingPunct="0">
-              <a:spcBef>
-                <a:spcPct val="0"/>
-              </a:spcBef>
-              <a:spcAft>
-                <a:spcPct val="0"/>
-              </a:spcAft>
-              <a:defRPr sz="2200">
-                <a:solidFill>
-                  <a:schemeClr val="tx1"/>
-                </a:solidFill>
-                <a:latin typeface="Arial" charset="0"/>
-              </a:defRPr>
-            </a:lvl9pPr>
-          </a:lstStyle>
-          <a:p>
-            <a:pPr algn="ctr" eaLnBrk="1" hangingPunct="1"/>
-            <a:r>
-              <a:rPr lang="en-US" sz="1920" b="1" dirty="0">
-                <a:latin typeface="Calibri" pitchFamily="34" charset="0"/>
-              </a:rPr>
-              <a:t>Figures 4-5.</a:t>
-            </a:r>
-            <a:r>
-              <a:rPr lang="en-US" sz="1920" dirty="0">
-                <a:latin typeface="Calibri" pitchFamily="34" charset="0"/>
-              </a:rPr>
-              <a:t> Adversarial success rate charts for different </a:t>
-            </a:r>
-            <a:r>
-              <a:rPr lang="en-US" sz="1920" i="1" dirty="0">
-                <a:latin typeface="Calibri" pitchFamily="34" charset="0"/>
-              </a:rPr>
-              <a:t>k</a:t>
-            </a:r>
-            <a:r>
-              <a:rPr lang="en-US" sz="1920" dirty="0">
-                <a:latin typeface="Calibri" pitchFamily="34" charset="0"/>
-              </a:rPr>
-              <a:t> and across five discriminatory classifier models (logistic regression, 1-layer ANN, 3-layer DNN, 5-layer DNN, and 10-layer DNN). </a:t>
-            </a:r>
-            <a:r>
-              <a:rPr lang="en-US" sz="1920" b="1" dirty="0">
-                <a:latin typeface="Calibri" pitchFamily="34" charset="0"/>
-              </a:rPr>
-              <a:t>Future work: </a:t>
-            </a:r>
-            <a:r>
-              <a:rPr lang="en-US" sz="1920" dirty="0">
-                <a:latin typeface="Calibri" pitchFamily="34" charset="0"/>
-              </a:rPr>
-              <a:t>Other evaluation metrics for “spoof success”</a:t>
-            </a:r>
-          </a:p>
-        </p:txBody>
-      </p:sp>
-      <p:sp>
-        <p:nvSpPr>
-          <p:cNvPr id="47" name="Text Box 180">
-            <a:extLst>
-              <a:ext uri="{FF2B5EF4-FFF2-40B4-BE49-F238E27FC236}">
-                <a16:creationId xmlns="" xmlns:a16="http://schemas.microsoft.com/office/drawing/2014/main" id="{B68CCE3C-71F5-47D9-BF5F-CCAFD9C77C0F}"/>
-              </a:ext>
-            </a:extLst>
-          </p:cNvPr>
-          <p:cNvSpPr txBox="1">
-            <a:spLocks noChangeArrowheads="1"/>
-          </p:cNvSpPr>
-          <p:nvPr/>
-        </p:nvSpPr>
-        <p:spPr bwMode="auto">
-          <a:xfrm>
-            <a:off x="22711746" y="13398898"/>
-            <a:ext cx="8705654" cy="344916"/>
-          </a:xfrm>
-          <a:prstGeom prst="rect">
-            <a:avLst/>
-          </a:prstGeom>
-          <a:noFill/>
-          <a:ln>
-            <a:noFill/>
-          </a:ln>
-          <a:effectLst/>
-          <a:extLst>
-            <a:ext uri="{909E8E84-426E-40DD-AFC4-6F175D3DCCD1}">
-              <a14:hiddenFill xmlns:a14="http://schemas.microsoft.com/office/drawing/2010/main">
-                <a:solidFill>
-                  <a:schemeClr val="accent1"/>
-                </a:solidFill>
-              </a14:hiddenFill>
-            </a:ext>
-            <a:ext uri="{91240B29-F687-4F45-9708-019B960494DF}">
-              <a14:hiddenLine xmlns:a14="http://schemas.microsoft.com/office/drawing/2010/main" w="9525">
-                <a:solidFill>
-                  <a:schemeClr val="tx1"/>
-                </a:solidFill>
-                <a:miter lim="800000"/>
-                <a:headEnd/>
-                <a:tailEnd/>
-              </a14:hiddenLine>
-            </a:ext>
-            <a:ext uri="{AF507438-7753-43E0-B8FC-AC1667EBCBE1}">
-              <a14:hiddenEffects xmlns:a14="http://schemas.microsoft.com/office/drawing/2010/main">
-                <a:effectLst>
-                  <a:outerShdw dist="35921" dir="2700000" algn="ctr" rotWithShape="0">
-                    <a:schemeClr val="bg2"/>
-                  </a:outerShdw>
-                </a:effectLst>
-              </a14:hiddenEffects>
-            </a:ext>
-          </a:extLst>
-        </p:spPr>
-        <p:txBody>
-          <a:bodyPr wrap="square" lIns="48971" tIns="24486" rIns="48971" bIns="24486">
-            <a:spAutoFit/>
-          </a:bodyPr>
-          <a:lstStyle>
-            <a:lvl1pPr defTabSz="4389438" eaLnBrk="0" hangingPunct="0">
-              <a:defRPr sz="2200">
-                <a:solidFill>
-                  <a:schemeClr val="tx1"/>
-                </a:solidFill>
-                <a:latin typeface="Arial" charset="0"/>
-              </a:defRPr>
-            </a:lvl1pPr>
-            <a:lvl2pPr marL="742950" indent="-285750" defTabSz="4389438" eaLnBrk="0" hangingPunct="0">
-              <a:defRPr sz="2200">
-                <a:solidFill>
-                  <a:schemeClr val="tx1"/>
-                </a:solidFill>
-                <a:latin typeface="Arial" charset="0"/>
-              </a:defRPr>
-            </a:lvl2pPr>
-            <a:lvl3pPr marL="1143000" indent="-228600" defTabSz="4389438" eaLnBrk="0" hangingPunct="0">
-              <a:defRPr sz="2200">
-                <a:solidFill>
-                  <a:schemeClr val="tx1"/>
-                </a:solidFill>
-                <a:latin typeface="Arial" charset="0"/>
-              </a:defRPr>
-            </a:lvl3pPr>
-            <a:lvl4pPr marL="1600200" indent="-228600" defTabSz="4389438" eaLnBrk="0" hangingPunct="0">
-              <a:defRPr sz="2200">
-                <a:solidFill>
-                  <a:schemeClr val="tx1"/>
-                </a:solidFill>
-                <a:latin typeface="Arial" charset="0"/>
-              </a:defRPr>
-            </a:lvl4pPr>
-            <a:lvl5pPr marL="2057400" indent="-228600" defTabSz="4389438" eaLnBrk="0" hangingPunct="0">
-              <a:defRPr sz="2200">
-                <a:solidFill>
-                  <a:schemeClr val="tx1"/>
-                </a:solidFill>
-                <a:latin typeface="Arial" charset="0"/>
-              </a:defRPr>
-            </a:lvl5pPr>
-            <a:lvl6pPr marL="2514600" indent="-228600" defTabSz="4389438" eaLnBrk="0" fontAlgn="base" hangingPunct="0">
-              <a:spcBef>
-                <a:spcPct val="0"/>
-              </a:spcBef>
-              <a:spcAft>
-                <a:spcPct val="0"/>
-              </a:spcAft>
-              <a:defRPr sz="2200">
-                <a:solidFill>
-                  <a:schemeClr val="tx1"/>
-                </a:solidFill>
-                <a:latin typeface="Arial" charset="0"/>
-              </a:defRPr>
-            </a:lvl6pPr>
-            <a:lvl7pPr marL="2971800" indent="-228600" defTabSz="4389438" eaLnBrk="0" fontAlgn="base" hangingPunct="0">
-              <a:spcBef>
-                <a:spcPct val="0"/>
-              </a:spcBef>
-              <a:spcAft>
-                <a:spcPct val="0"/>
-              </a:spcAft>
-              <a:defRPr sz="2200">
-                <a:solidFill>
-                  <a:schemeClr val="tx1"/>
-                </a:solidFill>
-                <a:latin typeface="Arial" charset="0"/>
-              </a:defRPr>
-            </a:lvl7pPr>
-            <a:lvl8pPr marL="3429000" indent="-228600" defTabSz="4389438" eaLnBrk="0" fontAlgn="base" hangingPunct="0">
-              <a:spcBef>
-                <a:spcPct val="0"/>
-              </a:spcBef>
-              <a:spcAft>
-                <a:spcPct val="0"/>
-              </a:spcAft>
-              <a:defRPr sz="2200">
-                <a:solidFill>
-                  <a:schemeClr val="tx1"/>
-                </a:solidFill>
-                <a:latin typeface="Arial" charset="0"/>
-              </a:defRPr>
-            </a:lvl8pPr>
-            <a:lvl9pPr marL="3886200" indent="-228600" defTabSz="4389438" eaLnBrk="0" fontAlgn="base" hangingPunct="0">
-              <a:spcBef>
-                <a:spcPct val="0"/>
-              </a:spcBef>
-              <a:spcAft>
-                <a:spcPct val="0"/>
-              </a:spcAft>
-              <a:defRPr sz="2200">
-                <a:solidFill>
-                  <a:schemeClr val="tx1"/>
-                </a:solidFill>
-                <a:latin typeface="Arial" charset="0"/>
-              </a:defRPr>
-            </a:lvl9pPr>
-          </a:lstStyle>
-          <a:p>
-            <a:pPr algn="ctr" eaLnBrk="1" hangingPunct="1"/>
-            <a:r>
-              <a:rPr lang="en-US" sz="1920" b="1" dirty="0">
-                <a:latin typeface="Calibri" pitchFamily="34" charset="0"/>
-              </a:rPr>
-              <a:t>Table 2.</a:t>
-            </a:r>
-            <a:r>
-              <a:rPr lang="en-US" sz="1920" dirty="0">
-                <a:latin typeface="Calibri" pitchFamily="34" charset="0"/>
-              </a:rPr>
-              <a:t> Table of maximum success rates, across all attack methods and </a:t>
-            </a:r>
-            <a:r>
-              <a:rPr lang="en-US" sz="1920" i="1" dirty="0">
-                <a:latin typeface="Calibri" pitchFamily="34" charset="0"/>
-              </a:rPr>
-              <a:t>k </a:t>
-            </a:r>
-            <a:r>
-              <a:rPr lang="en-US" sz="1920" dirty="0">
-                <a:latin typeface="Calibri" pitchFamily="34" charset="0"/>
-              </a:rPr>
-              <a:t>values.</a:t>
-            </a:r>
-            <a:endParaRPr lang="en-US" sz="1920" b="1" dirty="0">
-              <a:latin typeface="Calibri" pitchFamily="34" charset="0"/>
             </a:endParaRPr>
           </a:p>
         </p:txBody>
@@ -6634,963 +4874,6 @@
           </a:p>
         </p:txBody>
       </p:sp>
-      <p:graphicFrame>
-        <p:nvGraphicFramePr>
-          <p:cNvPr id="46" name="Content Placeholder 114" descr="Sample table with 4 columns, 7 rows." title="Sample Table">
-            <a:extLst>
-              <a:ext uri="{FF2B5EF4-FFF2-40B4-BE49-F238E27FC236}">
-                <a16:creationId xmlns="" xmlns:a16="http://schemas.microsoft.com/office/drawing/2014/main" id="{60CBE95C-D1AC-4C3F-BFC0-D21F55A094E3}"/>
-              </a:ext>
-            </a:extLst>
-          </p:cNvPr>
-          <p:cNvGraphicFramePr>
-            <a:graphicFrameLocks/>
-          </p:cNvGraphicFramePr>
-          <p:nvPr>
-            <p:extLst>
-              <p:ext uri="{D42A27DB-BD31-4B8C-83A1-F6EECF244321}">
-                <p14:modId xmlns:p14="http://schemas.microsoft.com/office/powerpoint/2010/main" val="412037718"/>
-              </p:ext>
-            </p:extLst>
-          </p:nvPr>
-        </p:nvGraphicFramePr>
-        <p:xfrm>
-          <a:off x="22128483" y="11391422"/>
-          <a:ext cx="9509759" cy="1987659"/>
-        </p:xfrm>
-        <a:graphic>
-          <a:graphicData uri="http://schemas.openxmlformats.org/drawingml/2006/table">
-            <a:tbl>
-              <a:tblPr firstRow="1" bandRow="1">
-                <a:tableStyleId>{F5AB1C69-6EDB-4FF4-983F-18BD219EF322}</a:tableStyleId>
-              </a:tblPr>
-              <a:tblGrid>
-                <a:gridCol w="2673749">
-                  <a:extLst>
-                    <a:ext uri="{9D8B030D-6E8A-4147-A177-3AD203B41FA5}">
-                      <a16:colId xmlns="" xmlns:a16="http://schemas.microsoft.com/office/drawing/2014/main" val="20000"/>
-                    </a:ext>
-                  </a:extLst>
-                </a:gridCol>
-                <a:gridCol w="1367202">
-                  <a:extLst>
-                    <a:ext uri="{9D8B030D-6E8A-4147-A177-3AD203B41FA5}">
-                      <a16:colId xmlns="" xmlns:a16="http://schemas.microsoft.com/office/drawing/2014/main" val="20001"/>
-                    </a:ext>
-                  </a:extLst>
-                </a:gridCol>
-                <a:gridCol w="1367202">
-                  <a:extLst>
-                    <a:ext uri="{9D8B030D-6E8A-4147-A177-3AD203B41FA5}">
-                      <a16:colId xmlns="" xmlns:a16="http://schemas.microsoft.com/office/drawing/2014/main" val="20002"/>
-                    </a:ext>
-                  </a:extLst>
-                </a:gridCol>
-                <a:gridCol w="1367202">
-                  <a:extLst>
-                    <a:ext uri="{9D8B030D-6E8A-4147-A177-3AD203B41FA5}">
-                      <a16:colId xmlns="" xmlns:a16="http://schemas.microsoft.com/office/drawing/2014/main" val="20003"/>
-                    </a:ext>
-                  </a:extLst>
-                </a:gridCol>
-                <a:gridCol w="1367202">
-                  <a:extLst>
-                    <a:ext uri="{9D8B030D-6E8A-4147-A177-3AD203B41FA5}">
-                      <a16:colId xmlns="" xmlns:a16="http://schemas.microsoft.com/office/drawing/2014/main" val="886844001"/>
-                    </a:ext>
-                  </a:extLst>
-                </a:gridCol>
-                <a:gridCol w="1367202">
-                  <a:extLst>
-                    <a:ext uri="{9D8B030D-6E8A-4147-A177-3AD203B41FA5}">
-                      <a16:colId xmlns="" xmlns:a16="http://schemas.microsoft.com/office/drawing/2014/main" val="1355434412"/>
-                    </a:ext>
-                  </a:extLst>
-                </a:gridCol>
-              </a:tblGrid>
-              <a:tr h="777242">
-                <a:tc>
-                  <a:txBody>
-                    <a:bodyPr/>
-                    <a:lstStyle/>
-                    <a:p>
-                      <a:pPr algn="ctr"/>
-                      <a:r>
-                        <a:rPr lang="en-US" sz="2400" dirty="0"/>
-                        <a:t>Attack</a:t>
-                      </a:r>
-                    </a:p>
-                  </a:txBody>
-                  <a:tcPr marT="22861" marB="22861" anchor="ctr">
-                    <a:lnB w="12700" cap="flat" cmpd="sng" algn="ctr">
-                      <a:solidFill>
-                        <a:schemeClr val="tx1"/>
-                      </a:solidFill>
-                      <a:prstDash val="solid"/>
-                      <a:round/>
-                      <a:headEnd type="none" w="med" len="med"/>
-                      <a:tailEnd type="none" w="med" len="med"/>
-                    </a:lnB>
-                    <a:solidFill>
-                      <a:srgbClr val="FF0000"/>
-                    </a:solidFill>
-                  </a:tcPr>
-                </a:tc>
-                <a:tc>
-                  <a:txBody>
-                    <a:bodyPr/>
-                    <a:lstStyle/>
-                    <a:p>
-                      <a:pPr algn="ctr"/>
-                      <a:r>
-                        <a:rPr lang="en-US" sz="2400" dirty="0"/>
-                        <a:t>v. Logistic</a:t>
-                      </a:r>
-                    </a:p>
-                  </a:txBody>
-                  <a:tcPr marT="22861" marB="22861" anchor="ctr">
-                    <a:lnB w="12700" cap="flat" cmpd="sng" algn="ctr">
-                      <a:solidFill>
-                        <a:schemeClr val="tx1"/>
-                      </a:solidFill>
-                      <a:prstDash val="solid"/>
-                      <a:round/>
-                      <a:headEnd type="none" w="med" len="med"/>
-                      <a:tailEnd type="none" w="med" len="med"/>
-                    </a:lnB>
-                    <a:solidFill>
-                      <a:schemeClr val="tx1"/>
-                    </a:solidFill>
-                  </a:tcPr>
-                </a:tc>
-                <a:tc>
-                  <a:txBody>
-                    <a:bodyPr/>
-                    <a:lstStyle/>
-                    <a:p>
-                      <a:pPr algn="ctr"/>
-                      <a:r>
-                        <a:rPr lang="en-US" sz="2400" dirty="0"/>
-                        <a:t>v. 1-ANN</a:t>
-                      </a:r>
-                    </a:p>
-                  </a:txBody>
-                  <a:tcPr marT="22861" marB="22861" anchor="ctr">
-                    <a:lnB w="12700" cap="flat" cmpd="sng" algn="ctr">
-                      <a:solidFill>
-                        <a:schemeClr val="tx1"/>
-                      </a:solidFill>
-                      <a:prstDash val="solid"/>
-                      <a:round/>
-                      <a:headEnd type="none" w="med" len="med"/>
-                      <a:tailEnd type="none" w="med" len="med"/>
-                    </a:lnB>
-                    <a:solidFill>
-                      <a:schemeClr val="tx1"/>
-                    </a:solidFill>
-                  </a:tcPr>
-                </a:tc>
-                <a:tc>
-                  <a:txBody>
-                    <a:bodyPr/>
-                    <a:lstStyle/>
-                    <a:p>
-                      <a:pPr algn="ctr"/>
-                      <a:r>
-                        <a:rPr lang="en-US" sz="2400" dirty="0"/>
-                        <a:t>v. 3-DNN</a:t>
-                      </a:r>
-                    </a:p>
-                  </a:txBody>
-                  <a:tcPr marT="22861" marB="22861" anchor="ctr">
-                    <a:lnB w="12700" cap="flat" cmpd="sng" algn="ctr">
-                      <a:solidFill>
-                        <a:schemeClr val="tx1"/>
-                      </a:solidFill>
-                      <a:prstDash val="solid"/>
-                      <a:round/>
-                      <a:headEnd type="none" w="med" len="med"/>
-                      <a:tailEnd type="none" w="med" len="med"/>
-                    </a:lnB>
-                    <a:solidFill>
-                      <a:schemeClr val="tx1"/>
-                    </a:solidFill>
-                  </a:tcPr>
-                </a:tc>
-                <a:tc>
-                  <a:txBody>
-                    <a:bodyPr/>
-                    <a:lstStyle/>
-                    <a:p>
-                      <a:pPr algn="ctr"/>
-                      <a:r>
-                        <a:rPr lang="en-US" sz="2400" dirty="0"/>
-                        <a:t>v. 5-DNN</a:t>
-                      </a:r>
-                    </a:p>
-                  </a:txBody>
-                  <a:tcPr marT="22861" marB="22861" anchor="ctr">
-                    <a:lnB w="12700" cap="flat" cmpd="sng" algn="ctr">
-                      <a:solidFill>
-                        <a:schemeClr val="tx1"/>
-                      </a:solidFill>
-                      <a:prstDash val="solid"/>
-                      <a:round/>
-                      <a:headEnd type="none" w="med" len="med"/>
-                      <a:tailEnd type="none" w="med" len="med"/>
-                    </a:lnB>
-                    <a:solidFill>
-                      <a:schemeClr val="tx1"/>
-                    </a:solidFill>
-                  </a:tcPr>
-                </a:tc>
-                <a:tc>
-                  <a:txBody>
-                    <a:bodyPr/>
-                    <a:lstStyle/>
-                    <a:p>
-                      <a:pPr algn="ctr"/>
-                      <a:r>
-                        <a:rPr lang="en-US" sz="2400" dirty="0"/>
-                        <a:t>v. 10-DNN</a:t>
-                      </a:r>
-                    </a:p>
-                  </a:txBody>
-                  <a:tcPr marT="22861" marB="22861" anchor="ctr">
-                    <a:lnB w="12700" cap="flat" cmpd="sng" algn="ctr">
-                      <a:solidFill>
-                        <a:schemeClr val="tx1"/>
-                      </a:solidFill>
-                      <a:prstDash val="solid"/>
-                      <a:round/>
-                      <a:headEnd type="none" w="med" len="med"/>
-                      <a:tailEnd type="none" w="med" len="med"/>
-                    </a:lnB>
-                    <a:solidFill>
-                      <a:schemeClr val="tx1"/>
-                    </a:solidFill>
-                  </a:tcPr>
-                </a:tc>
-                <a:extLst>
-                  <a:ext uri="{0D108BD9-81ED-4DB2-BD59-A6C34878D82A}">
-                    <a16:rowId xmlns="" xmlns:a16="http://schemas.microsoft.com/office/drawing/2014/main" val="10000"/>
-                  </a:ext>
-                </a:extLst>
-              </a:tr>
-              <a:tr h="433175">
-                <a:tc>
-                  <a:txBody>
-                    <a:bodyPr/>
-                    <a:lstStyle/>
-                    <a:p>
-                      <a:pPr algn="ctr"/>
-                      <a:r>
-                        <a:rPr lang="en-US" sz="2400" i="1" dirty="0"/>
-                        <a:t>k</a:t>
-                      </a:r>
-                      <a:r>
-                        <a:rPr lang="en-US" sz="2400" i="0" dirty="0"/>
-                        <a:t>-means </a:t>
-                      </a:r>
-                      <a:r>
-                        <a:rPr lang="en-US" sz="2400" i="0" dirty="0" smtClean="0"/>
-                        <a:t>center</a:t>
-                      </a:r>
-                      <a:endParaRPr lang="en-US" sz="2400" i="1" dirty="0"/>
-                    </a:p>
-                  </a:txBody>
-                  <a:tcPr marT="22861" marB="22861" anchor="ctr">
-                    <a:lnL w="12700" cap="flat" cmpd="sng" algn="ctr">
-                      <a:solidFill>
-                        <a:schemeClr val="tx1"/>
-                      </a:solidFill>
-                      <a:prstDash val="solid"/>
-                      <a:round/>
-                      <a:headEnd type="none" w="med" len="med"/>
-                      <a:tailEnd type="none" w="med" len="med"/>
-                    </a:lnL>
-                    <a:lnR w="12700" cap="flat" cmpd="sng" algn="ctr">
-                      <a:solidFill>
-                        <a:schemeClr val="tx1"/>
-                      </a:solidFill>
-                      <a:prstDash val="solid"/>
-                      <a:round/>
-                      <a:headEnd type="none" w="med" len="med"/>
-                      <a:tailEnd type="none" w="med" len="med"/>
-                    </a:lnR>
-                    <a:lnT w="12700" cap="flat" cmpd="sng" algn="ctr">
-                      <a:solidFill>
-                        <a:schemeClr val="tx1"/>
-                      </a:solidFill>
-                      <a:prstDash val="solid"/>
-                      <a:round/>
-                      <a:headEnd type="none" w="med" len="med"/>
-                      <a:tailEnd type="none" w="med" len="med"/>
-                    </a:lnT>
-                    <a:lnB w="12700" cap="flat" cmpd="sng" algn="ctr">
-                      <a:solidFill>
-                        <a:schemeClr val="tx1"/>
-                      </a:solidFill>
-                      <a:prstDash val="solid"/>
-                      <a:round/>
-                      <a:headEnd type="none" w="med" len="med"/>
-                      <a:tailEnd type="none" w="med" len="med"/>
-                    </a:lnB>
-                    <a:solidFill>
-                      <a:schemeClr val="bg1"/>
-                    </a:solidFill>
-                  </a:tcPr>
-                </a:tc>
-                <a:tc>
-                  <a:txBody>
-                    <a:bodyPr/>
-                    <a:lstStyle/>
-                    <a:p>
-                      <a:pPr algn="ctr"/>
-                      <a:r>
-                        <a:rPr lang="en-US" sz="2400" dirty="0"/>
-                        <a:t>20%</a:t>
-                      </a:r>
-                    </a:p>
-                  </a:txBody>
-                  <a:tcPr marT="22861" marB="22861" anchor="ctr">
-                    <a:lnL w="12700" cap="flat" cmpd="sng" algn="ctr">
-                      <a:solidFill>
-                        <a:schemeClr val="tx1"/>
-                      </a:solidFill>
-                      <a:prstDash val="solid"/>
-                      <a:round/>
-                      <a:headEnd type="none" w="med" len="med"/>
-                      <a:tailEnd type="none" w="med" len="med"/>
-                    </a:lnL>
-                    <a:lnR w="12700" cap="flat" cmpd="sng" algn="ctr">
-                      <a:solidFill>
-                        <a:schemeClr val="tx1"/>
-                      </a:solidFill>
-                      <a:prstDash val="solid"/>
-                      <a:round/>
-                      <a:headEnd type="none" w="med" len="med"/>
-                      <a:tailEnd type="none" w="med" len="med"/>
-                    </a:lnR>
-                    <a:lnT w="12700" cap="flat" cmpd="sng" algn="ctr">
-                      <a:solidFill>
-                        <a:schemeClr val="tx1"/>
-                      </a:solidFill>
-                      <a:prstDash val="solid"/>
-                      <a:round/>
-                      <a:headEnd type="none" w="med" len="med"/>
-                      <a:tailEnd type="none" w="med" len="med"/>
-                    </a:lnT>
-                    <a:lnB w="12700" cap="flat" cmpd="sng" algn="ctr">
-                      <a:solidFill>
-                        <a:schemeClr val="tx1"/>
-                      </a:solidFill>
-                      <a:prstDash val="solid"/>
-                      <a:round/>
-                      <a:headEnd type="none" w="med" len="med"/>
-                      <a:tailEnd type="none" w="med" len="med"/>
-                    </a:lnB>
-                    <a:solidFill>
-                      <a:schemeClr val="bg1"/>
-                    </a:solidFill>
-                  </a:tcPr>
-                </a:tc>
-                <a:tc>
-                  <a:txBody>
-                    <a:bodyPr/>
-                    <a:lstStyle/>
-                    <a:p>
-                      <a:pPr algn="ctr"/>
-                      <a:r>
-                        <a:rPr lang="en-US" sz="2400" dirty="0"/>
-                        <a:t>39%</a:t>
-                      </a:r>
-                    </a:p>
-                  </a:txBody>
-                  <a:tcPr marT="22861" marB="22861" anchor="ctr">
-                    <a:lnL w="12700" cap="flat" cmpd="sng" algn="ctr">
-                      <a:solidFill>
-                        <a:schemeClr val="tx1"/>
-                      </a:solidFill>
-                      <a:prstDash val="solid"/>
-                      <a:round/>
-                      <a:headEnd type="none" w="med" len="med"/>
-                      <a:tailEnd type="none" w="med" len="med"/>
-                    </a:lnL>
-                    <a:lnR w="12700" cap="flat" cmpd="sng" algn="ctr">
-                      <a:solidFill>
-                        <a:schemeClr val="tx1"/>
-                      </a:solidFill>
-                      <a:prstDash val="solid"/>
-                      <a:round/>
-                      <a:headEnd type="none" w="med" len="med"/>
-                      <a:tailEnd type="none" w="med" len="med"/>
-                    </a:lnR>
-                    <a:lnT w="12700" cap="flat" cmpd="sng" algn="ctr">
-                      <a:solidFill>
-                        <a:schemeClr val="tx1"/>
-                      </a:solidFill>
-                      <a:prstDash val="solid"/>
-                      <a:round/>
-                      <a:headEnd type="none" w="med" len="med"/>
-                      <a:tailEnd type="none" w="med" len="med"/>
-                    </a:lnT>
-                    <a:lnB w="12700" cap="flat" cmpd="sng" algn="ctr">
-                      <a:solidFill>
-                        <a:schemeClr val="tx1"/>
-                      </a:solidFill>
-                      <a:prstDash val="solid"/>
-                      <a:round/>
-                      <a:headEnd type="none" w="med" len="med"/>
-                      <a:tailEnd type="none" w="med" len="med"/>
-                    </a:lnB>
-                    <a:solidFill>
-                      <a:schemeClr val="bg1"/>
-                    </a:solidFill>
-                  </a:tcPr>
-                </a:tc>
-                <a:tc>
-                  <a:txBody>
-                    <a:bodyPr/>
-                    <a:lstStyle/>
-                    <a:p>
-                      <a:pPr algn="ctr"/>
-                      <a:r>
-                        <a:rPr lang="en-US" sz="2400" dirty="0"/>
-                        <a:t>60%</a:t>
-                      </a:r>
-                    </a:p>
-                  </a:txBody>
-                  <a:tcPr marT="22861" marB="22861" anchor="ctr">
-                    <a:lnL w="12700" cap="flat" cmpd="sng" algn="ctr">
-                      <a:solidFill>
-                        <a:schemeClr val="tx1"/>
-                      </a:solidFill>
-                      <a:prstDash val="solid"/>
-                      <a:round/>
-                      <a:headEnd type="none" w="med" len="med"/>
-                      <a:tailEnd type="none" w="med" len="med"/>
-                    </a:lnL>
-                    <a:lnR w="12700" cap="flat" cmpd="sng" algn="ctr">
-                      <a:solidFill>
-                        <a:schemeClr val="tx1"/>
-                      </a:solidFill>
-                      <a:prstDash val="solid"/>
-                      <a:round/>
-                      <a:headEnd type="none" w="med" len="med"/>
-                      <a:tailEnd type="none" w="med" len="med"/>
-                    </a:lnR>
-                    <a:lnT w="12700" cap="flat" cmpd="sng" algn="ctr">
-                      <a:solidFill>
-                        <a:schemeClr val="tx1"/>
-                      </a:solidFill>
-                      <a:prstDash val="solid"/>
-                      <a:round/>
-                      <a:headEnd type="none" w="med" len="med"/>
-                      <a:tailEnd type="none" w="med" len="med"/>
-                    </a:lnT>
-                    <a:lnB w="12700" cap="flat" cmpd="sng" algn="ctr">
-                      <a:solidFill>
-                        <a:schemeClr val="tx1"/>
-                      </a:solidFill>
-                      <a:prstDash val="solid"/>
-                      <a:round/>
-                      <a:headEnd type="none" w="med" len="med"/>
-                      <a:tailEnd type="none" w="med" len="med"/>
-                    </a:lnB>
-                    <a:solidFill>
-                      <a:schemeClr val="bg1"/>
-                    </a:solidFill>
-                  </a:tcPr>
-                </a:tc>
-                <a:tc>
-                  <a:txBody>
-                    <a:bodyPr/>
-                    <a:lstStyle/>
-                    <a:p>
-                      <a:pPr algn="ctr"/>
-                      <a:r>
-                        <a:rPr lang="en-US" sz="2400" b="1" dirty="0"/>
-                        <a:t>77%</a:t>
-                      </a:r>
-                    </a:p>
-                  </a:txBody>
-                  <a:tcPr marT="22861" marB="22861" anchor="ctr">
-                    <a:lnL w="12700" cap="flat" cmpd="sng" algn="ctr">
-                      <a:solidFill>
-                        <a:schemeClr val="tx1"/>
-                      </a:solidFill>
-                      <a:prstDash val="solid"/>
-                      <a:round/>
-                      <a:headEnd type="none" w="med" len="med"/>
-                      <a:tailEnd type="none" w="med" len="med"/>
-                    </a:lnL>
-                    <a:lnR w="12700" cap="flat" cmpd="sng" algn="ctr">
-                      <a:solidFill>
-                        <a:schemeClr val="tx1"/>
-                      </a:solidFill>
-                      <a:prstDash val="solid"/>
-                      <a:round/>
-                      <a:headEnd type="none" w="med" len="med"/>
-                      <a:tailEnd type="none" w="med" len="med"/>
-                    </a:lnR>
-                    <a:lnT w="12700" cap="flat" cmpd="sng" algn="ctr">
-                      <a:solidFill>
-                        <a:schemeClr val="tx1"/>
-                      </a:solidFill>
-                      <a:prstDash val="solid"/>
-                      <a:round/>
-                      <a:headEnd type="none" w="med" len="med"/>
-                      <a:tailEnd type="none" w="med" len="med"/>
-                    </a:lnT>
-                    <a:lnB w="12700" cap="flat" cmpd="sng" algn="ctr">
-                      <a:solidFill>
-                        <a:schemeClr val="tx1"/>
-                      </a:solidFill>
-                      <a:prstDash val="solid"/>
-                      <a:round/>
-                      <a:headEnd type="none" w="med" len="med"/>
-                      <a:tailEnd type="none" w="med" len="med"/>
-                    </a:lnB>
-                    <a:solidFill>
-                      <a:schemeClr val="bg1"/>
-                    </a:solidFill>
-                  </a:tcPr>
-                </a:tc>
-                <a:tc>
-                  <a:txBody>
-                    <a:bodyPr/>
-                    <a:lstStyle/>
-                    <a:p>
-                      <a:pPr algn="ctr"/>
-                      <a:r>
-                        <a:rPr lang="en-US" sz="2400" dirty="0"/>
-                        <a:t>59%</a:t>
-                      </a:r>
-                    </a:p>
-                  </a:txBody>
-                  <a:tcPr marT="22861" marB="22861" anchor="ctr">
-                    <a:lnL w="12700" cap="flat" cmpd="sng" algn="ctr">
-                      <a:solidFill>
-                        <a:schemeClr val="tx1"/>
-                      </a:solidFill>
-                      <a:prstDash val="solid"/>
-                      <a:round/>
-                      <a:headEnd type="none" w="med" len="med"/>
-                      <a:tailEnd type="none" w="med" len="med"/>
-                    </a:lnL>
-                    <a:lnR w="12700" cap="flat" cmpd="sng" algn="ctr">
-                      <a:solidFill>
-                        <a:schemeClr val="tx1"/>
-                      </a:solidFill>
-                      <a:prstDash val="solid"/>
-                      <a:round/>
-                      <a:headEnd type="none" w="med" len="med"/>
-                      <a:tailEnd type="none" w="med" len="med"/>
-                    </a:lnR>
-                    <a:lnT w="12700" cap="flat" cmpd="sng" algn="ctr">
-                      <a:solidFill>
-                        <a:schemeClr val="tx1"/>
-                      </a:solidFill>
-                      <a:prstDash val="solid"/>
-                      <a:round/>
-                      <a:headEnd type="none" w="med" len="med"/>
-                      <a:tailEnd type="none" w="med" len="med"/>
-                    </a:lnT>
-                    <a:lnB w="12700" cap="flat" cmpd="sng" algn="ctr">
-                      <a:solidFill>
-                        <a:schemeClr val="tx1"/>
-                      </a:solidFill>
-                      <a:prstDash val="solid"/>
-                      <a:round/>
-                      <a:headEnd type="none" w="med" len="med"/>
-                      <a:tailEnd type="none" w="med" len="med"/>
-                    </a:lnB>
-                    <a:solidFill>
-                      <a:schemeClr val="bg1"/>
-                    </a:solidFill>
-                  </a:tcPr>
-                </a:tc>
-                <a:extLst>
-                  <a:ext uri="{0D108BD9-81ED-4DB2-BD59-A6C34878D82A}">
-                    <a16:rowId xmlns="" xmlns:a16="http://schemas.microsoft.com/office/drawing/2014/main" val="10001"/>
-                  </a:ext>
-                </a:extLst>
-              </a:tr>
-              <a:tr h="777242">
-                <a:tc>
-                  <a:txBody>
-                    <a:bodyPr/>
-                    <a:lstStyle/>
-                    <a:p>
-                      <a:pPr algn="ctr"/>
-                      <a:r>
-                        <a:rPr lang="en-US" sz="2400" i="1" dirty="0" smtClean="0"/>
-                        <a:t>k-</a:t>
-                      </a:r>
-                      <a:r>
-                        <a:rPr lang="en-US" sz="2400" i="0" dirty="0" smtClean="0"/>
-                        <a:t>cluster </a:t>
-                      </a:r>
-                      <a:r>
-                        <a:rPr lang="en-US" sz="2400" i="0" smtClean="0"/>
-                        <a:t>Gaussian samples</a:t>
-                      </a:r>
-                      <a:endParaRPr lang="en-US" sz="2400" i="0" dirty="0"/>
-                    </a:p>
-                  </a:txBody>
-                  <a:tcPr marT="22861" marB="22861" anchor="ctr">
-                    <a:lnL w="12700" cap="flat" cmpd="sng" algn="ctr">
-                      <a:solidFill>
-                        <a:schemeClr val="tx1"/>
-                      </a:solidFill>
-                      <a:prstDash val="solid"/>
-                      <a:round/>
-                      <a:headEnd type="none" w="med" len="med"/>
-                      <a:tailEnd type="none" w="med" len="med"/>
-                    </a:lnL>
-                    <a:lnR w="12700" cap="flat" cmpd="sng" algn="ctr">
-                      <a:solidFill>
-                        <a:schemeClr val="tx1"/>
-                      </a:solidFill>
-                      <a:prstDash val="solid"/>
-                      <a:round/>
-                      <a:headEnd type="none" w="med" len="med"/>
-                      <a:tailEnd type="none" w="med" len="med"/>
-                    </a:lnR>
-                    <a:lnT w="12700" cap="flat" cmpd="sng" algn="ctr">
-                      <a:solidFill>
-                        <a:schemeClr val="tx1"/>
-                      </a:solidFill>
-                      <a:prstDash val="solid"/>
-                      <a:round/>
-                      <a:headEnd type="none" w="med" len="med"/>
-                      <a:tailEnd type="none" w="med" len="med"/>
-                    </a:lnT>
-                    <a:lnB w="12700" cap="flat" cmpd="sng" algn="ctr">
-                      <a:solidFill>
-                        <a:schemeClr val="tx1"/>
-                      </a:solidFill>
-                      <a:prstDash val="solid"/>
-                      <a:round/>
-                      <a:headEnd type="none" w="med" len="med"/>
-                      <a:tailEnd type="none" w="med" len="med"/>
-                    </a:lnB>
-                    <a:solidFill>
-                      <a:schemeClr val="bg1"/>
-                    </a:solidFill>
-                  </a:tcPr>
-                </a:tc>
-                <a:tc>
-                  <a:txBody>
-                    <a:bodyPr/>
-                    <a:lstStyle/>
-                    <a:p>
-                      <a:pPr algn="ctr"/>
-                      <a:r>
-                        <a:rPr lang="en-US" sz="2400" dirty="0"/>
-                        <a:t>20%</a:t>
-                      </a:r>
-                    </a:p>
-                  </a:txBody>
-                  <a:tcPr marT="22861" marB="22861" anchor="ctr">
-                    <a:lnL w="12700" cap="flat" cmpd="sng" algn="ctr">
-                      <a:solidFill>
-                        <a:schemeClr val="tx1"/>
-                      </a:solidFill>
-                      <a:prstDash val="solid"/>
-                      <a:round/>
-                      <a:headEnd type="none" w="med" len="med"/>
-                      <a:tailEnd type="none" w="med" len="med"/>
-                    </a:lnL>
-                    <a:lnR w="12700" cap="flat" cmpd="sng" algn="ctr">
-                      <a:solidFill>
-                        <a:schemeClr val="tx1"/>
-                      </a:solidFill>
-                      <a:prstDash val="solid"/>
-                      <a:round/>
-                      <a:headEnd type="none" w="med" len="med"/>
-                      <a:tailEnd type="none" w="med" len="med"/>
-                    </a:lnR>
-                    <a:lnT w="12700" cap="flat" cmpd="sng" algn="ctr">
-                      <a:solidFill>
-                        <a:schemeClr val="tx1"/>
-                      </a:solidFill>
-                      <a:prstDash val="solid"/>
-                      <a:round/>
-                      <a:headEnd type="none" w="med" len="med"/>
-                      <a:tailEnd type="none" w="med" len="med"/>
-                    </a:lnT>
-                    <a:lnB w="12700" cap="flat" cmpd="sng" algn="ctr">
-                      <a:solidFill>
-                        <a:schemeClr val="tx1"/>
-                      </a:solidFill>
-                      <a:prstDash val="solid"/>
-                      <a:round/>
-                      <a:headEnd type="none" w="med" len="med"/>
-                      <a:tailEnd type="none" w="med" len="med"/>
-                    </a:lnB>
-                    <a:solidFill>
-                      <a:schemeClr val="bg1"/>
-                    </a:solidFill>
-                  </a:tcPr>
-                </a:tc>
-                <a:tc>
-                  <a:txBody>
-                    <a:bodyPr/>
-                    <a:lstStyle/>
-                    <a:p>
-                      <a:pPr algn="ctr"/>
-                      <a:r>
-                        <a:rPr lang="en-US" sz="2400" dirty="0"/>
-                        <a:t>35%</a:t>
-                      </a:r>
-                    </a:p>
-                  </a:txBody>
-                  <a:tcPr marT="22861" marB="22861" anchor="ctr">
-                    <a:lnL w="12700" cap="flat" cmpd="sng" algn="ctr">
-                      <a:solidFill>
-                        <a:schemeClr val="tx1"/>
-                      </a:solidFill>
-                      <a:prstDash val="solid"/>
-                      <a:round/>
-                      <a:headEnd type="none" w="med" len="med"/>
-                      <a:tailEnd type="none" w="med" len="med"/>
-                    </a:lnL>
-                    <a:lnR w="12700" cap="flat" cmpd="sng" algn="ctr">
-                      <a:solidFill>
-                        <a:schemeClr val="tx1"/>
-                      </a:solidFill>
-                      <a:prstDash val="solid"/>
-                      <a:round/>
-                      <a:headEnd type="none" w="med" len="med"/>
-                      <a:tailEnd type="none" w="med" len="med"/>
-                    </a:lnR>
-                    <a:lnT w="12700" cap="flat" cmpd="sng" algn="ctr">
-                      <a:solidFill>
-                        <a:schemeClr val="tx1"/>
-                      </a:solidFill>
-                      <a:prstDash val="solid"/>
-                      <a:round/>
-                      <a:headEnd type="none" w="med" len="med"/>
-                      <a:tailEnd type="none" w="med" len="med"/>
-                    </a:lnT>
-                    <a:lnB w="12700" cap="flat" cmpd="sng" algn="ctr">
-                      <a:solidFill>
-                        <a:schemeClr val="tx1"/>
-                      </a:solidFill>
-                      <a:prstDash val="solid"/>
-                      <a:round/>
-                      <a:headEnd type="none" w="med" len="med"/>
-                      <a:tailEnd type="none" w="med" len="med"/>
-                    </a:lnB>
-                    <a:solidFill>
-                      <a:schemeClr val="bg1"/>
-                    </a:solidFill>
-                  </a:tcPr>
-                </a:tc>
-                <a:tc>
-                  <a:txBody>
-                    <a:bodyPr/>
-                    <a:lstStyle/>
-                    <a:p>
-                      <a:pPr algn="ctr"/>
-                      <a:r>
-                        <a:rPr lang="en-US" sz="2400" dirty="0"/>
-                        <a:t>49%</a:t>
-                      </a:r>
-                    </a:p>
-                  </a:txBody>
-                  <a:tcPr marT="22861" marB="22861" anchor="ctr">
-                    <a:lnL w="12700" cap="flat" cmpd="sng" algn="ctr">
-                      <a:solidFill>
-                        <a:schemeClr val="tx1"/>
-                      </a:solidFill>
-                      <a:prstDash val="solid"/>
-                      <a:round/>
-                      <a:headEnd type="none" w="med" len="med"/>
-                      <a:tailEnd type="none" w="med" len="med"/>
-                    </a:lnL>
-                    <a:lnR w="12700" cap="flat" cmpd="sng" algn="ctr">
-                      <a:solidFill>
-                        <a:schemeClr val="tx1"/>
-                      </a:solidFill>
-                      <a:prstDash val="solid"/>
-                      <a:round/>
-                      <a:headEnd type="none" w="med" len="med"/>
-                      <a:tailEnd type="none" w="med" len="med"/>
-                    </a:lnR>
-                    <a:lnT w="12700" cap="flat" cmpd="sng" algn="ctr">
-                      <a:solidFill>
-                        <a:schemeClr val="tx1"/>
-                      </a:solidFill>
-                      <a:prstDash val="solid"/>
-                      <a:round/>
-                      <a:headEnd type="none" w="med" len="med"/>
-                      <a:tailEnd type="none" w="med" len="med"/>
-                    </a:lnT>
-                    <a:lnB w="12700" cap="flat" cmpd="sng" algn="ctr">
-                      <a:solidFill>
-                        <a:schemeClr val="tx1"/>
-                      </a:solidFill>
-                      <a:prstDash val="solid"/>
-                      <a:round/>
-                      <a:headEnd type="none" w="med" len="med"/>
-                      <a:tailEnd type="none" w="med" len="med"/>
-                    </a:lnB>
-                    <a:solidFill>
-                      <a:schemeClr val="bg1"/>
-                    </a:solidFill>
-                  </a:tcPr>
-                </a:tc>
-                <a:tc>
-                  <a:txBody>
-                    <a:bodyPr/>
-                    <a:lstStyle/>
-                    <a:p>
-                      <a:pPr algn="ctr"/>
-                      <a:r>
-                        <a:rPr lang="en-US" sz="2400" b="1" dirty="0"/>
-                        <a:t>67%</a:t>
-                      </a:r>
-                    </a:p>
-                  </a:txBody>
-                  <a:tcPr marT="22861" marB="22861" anchor="ctr">
-                    <a:lnL w="12700" cap="flat" cmpd="sng" algn="ctr">
-                      <a:solidFill>
-                        <a:schemeClr val="tx1"/>
-                      </a:solidFill>
-                      <a:prstDash val="solid"/>
-                      <a:round/>
-                      <a:headEnd type="none" w="med" len="med"/>
-                      <a:tailEnd type="none" w="med" len="med"/>
-                    </a:lnL>
-                    <a:lnR w="12700" cap="flat" cmpd="sng" algn="ctr">
-                      <a:solidFill>
-                        <a:schemeClr val="tx1"/>
-                      </a:solidFill>
-                      <a:prstDash val="solid"/>
-                      <a:round/>
-                      <a:headEnd type="none" w="med" len="med"/>
-                      <a:tailEnd type="none" w="med" len="med"/>
-                    </a:lnR>
-                    <a:lnT w="12700" cap="flat" cmpd="sng" algn="ctr">
-                      <a:solidFill>
-                        <a:schemeClr val="tx1"/>
-                      </a:solidFill>
-                      <a:prstDash val="solid"/>
-                      <a:round/>
-                      <a:headEnd type="none" w="med" len="med"/>
-                      <a:tailEnd type="none" w="med" len="med"/>
-                    </a:lnT>
-                    <a:lnB w="12700" cap="flat" cmpd="sng" algn="ctr">
-                      <a:solidFill>
-                        <a:schemeClr val="tx1"/>
-                      </a:solidFill>
-                      <a:prstDash val="solid"/>
-                      <a:round/>
-                      <a:headEnd type="none" w="med" len="med"/>
-                      <a:tailEnd type="none" w="med" len="med"/>
-                    </a:lnB>
-                    <a:solidFill>
-                      <a:schemeClr val="bg1"/>
-                    </a:solidFill>
-                  </a:tcPr>
-                </a:tc>
-                <a:tc>
-                  <a:txBody>
-                    <a:bodyPr/>
-                    <a:lstStyle/>
-                    <a:p>
-                      <a:pPr algn="ctr"/>
-                      <a:r>
-                        <a:rPr lang="en-US" sz="2400" dirty="0"/>
-                        <a:t>42%</a:t>
-                      </a:r>
-                    </a:p>
-                  </a:txBody>
-                  <a:tcPr marT="22861" marB="22861" anchor="ctr">
-                    <a:lnL w="12700" cap="flat" cmpd="sng" algn="ctr">
-                      <a:solidFill>
-                        <a:schemeClr val="tx1"/>
-                      </a:solidFill>
-                      <a:prstDash val="solid"/>
-                      <a:round/>
-                      <a:headEnd type="none" w="med" len="med"/>
-                      <a:tailEnd type="none" w="med" len="med"/>
-                    </a:lnL>
-                    <a:lnR w="12700" cap="flat" cmpd="sng" algn="ctr">
-                      <a:solidFill>
-                        <a:schemeClr val="tx1"/>
-                      </a:solidFill>
-                      <a:prstDash val="solid"/>
-                      <a:round/>
-                      <a:headEnd type="none" w="med" len="med"/>
-                      <a:tailEnd type="none" w="med" len="med"/>
-                    </a:lnR>
-                    <a:lnT w="12700" cap="flat" cmpd="sng" algn="ctr">
-                      <a:solidFill>
-                        <a:schemeClr val="tx1"/>
-                      </a:solidFill>
-                      <a:prstDash val="solid"/>
-                      <a:round/>
-                      <a:headEnd type="none" w="med" len="med"/>
-                      <a:tailEnd type="none" w="med" len="med"/>
-                    </a:lnT>
-                    <a:lnB w="12700" cap="flat" cmpd="sng" algn="ctr">
-                      <a:solidFill>
-                        <a:schemeClr val="tx1"/>
-                      </a:solidFill>
-                      <a:prstDash val="solid"/>
-                      <a:round/>
-                      <a:headEnd type="none" w="med" len="med"/>
-                      <a:tailEnd type="none" w="med" len="med"/>
-                    </a:lnB>
-                    <a:solidFill>
-                      <a:schemeClr val="bg1"/>
-                    </a:solidFill>
-                  </a:tcPr>
-                </a:tc>
-                <a:extLst>
-                  <a:ext uri="{0D108BD9-81ED-4DB2-BD59-A6C34878D82A}">
-                    <a16:rowId xmlns="" xmlns:a16="http://schemas.microsoft.com/office/drawing/2014/main" val="10002"/>
-                  </a:ext>
-                </a:extLst>
-              </a:tr>
-            </a:tbl>
-          </a:graphicData>
-        </a:graphic>
-      </p:graphicFrame>
-      <p:pic>
-        <p:nvPicPr>
-          <p:cNvPr id="42" name="Picture 41"/>
-          <p:cNvPicPr>
-            <a:picLocks noChangeAspect="1"/>
-          </p:cNvPicPr>
-          <p:nvPr/>
-        </p:nvPicPr>
-        <p:blipFill>
-          <a:blip r:embed="rId6">
-            <a:extLst>
-              <a:ext uri="{28A0092B-C50C-407E-A947-70E740481C1C}">
-                <a14:useLocalDpi xmlns:a14="http://schemas.microsoft.com/office/drawing/2010/main" val="0"/>
-              </a:ext>
-            </a:extLst>
-          </a:blip>
-          <a:stretch>
-            <a:fillRect/>
-          </a:stretch>
-        </p:blipFill>
-        <p:spPr>
-          <a:xfrm>
-            <a:off x="14178287" y="8368958"/>
-            <a:ext cx="5294914" cy="2838432"/>
-          </a:xfrm>
-          <a:prstGeom prst="rect">
-            <a:avLst/>
-          </a:prstGeom>
-        </p:spPr>
-      </p:pic>
       <p:grpSp>
         <p:nvGrpSpPr>
           <p:cNvPr id="30" name="Group 29"/>
@@ -7633,28 +4916,28 @@
                   <a:gridCol w="731936">
                     <a:extLst>
                       <a:ext uri="{9D8B030D-6E8A-4147-A177-3AD203B41FA5}">
-                        <a16:colId xmlns:a16="http://schemas.microsoft.com/office/drawing/2014/main" xmlns="" val="20000"/>
+                        <a16:colId xmlns="" xmlns:a16="http://schemas.microsoft.com/office/drawing/2014/main" val="20000"/>
                       </a:ext>
                     </a:extLst>
                   </a:gridCol>
                   <a:gridCol w="600609">
                     <a:extLst>
                       <a:ext uri="{9D8B030D-6E8A-4147-A177-3AD203B41FA5}">
-                        <a16:colId xmlns:a16="http://schemas.microsoft.com/office/drawing/2014/main" xmlns="" val="20001"/>
+                        <a16:colId xmlns="" xmlns:a16="http://schemas.microsoft.com/office/drawing/2014/main" val="20001"/>
                       </a:ext>
                     </a:extLst>
                   </a:gridCol>
                   <a:gridCol w="501348">
                     <a:extLst>
                       <a:ext uri="{9D8B030D-6E8A-4147-A177-3AD203B41FA5}">
-                        <a16:colId xmlns:a16="http://schemas.microsoft.com/office/drawing/2014/main" xmlns="" val="20002"/>
+                        <a16:colId xmlns="" xmlns:a16="http://schemas.microsoft.com/office/drawing/2014/main" val="20002"/>
                       </a:ext>
                     </a:extLst>
                   </a:gridCol>
                   <a:gridCol w="1222015">
                     <a:extLst>
                       <a:ext uri="{9D8B030D-6E8A-4147-A177-3AD203B41FA5}">
-                        <a16:colId xmlns:a16="http://schemas.microsoft.com/office/drawing/2014/main" xmlns="" val="20003"/>
+                        <a16:colId xmlns="" xmlns:a16="http://schemas.microsoft.com/office/drawing/2014/main" val="20003"/>
                       </a:ext>
                     </a:extLst>
                   </a:gridCol>
@@ -7744,7 +5027,7 @@
                   </a:tc>
                   <a:extLst>
                     <a:ext uri="{0D108BD9-81ED-4DB2-BD59-A6C34878D82A}">
-                      <a16:rowId xmlns:a16="http://schemas.microsoft.com/office/drawing/2014/main" xmlns="" val="10000"/>
+                      <a16:rowId xmlns="" xmlns:a16="http://schemas.microsoft.com/office/drawing/2014/main" val="10000"/>
                     </a:ext>
                   </a:extLst>
                 </a:tr>
@@ -7809,7 +5092,7 @@
                   </a:tc>
                   <a:extLst>
                     <a:ext uri="{0D108BD9-81ED-4DB2-BD59-A6C34878D82A}">
-                      <a16:rowId xmlns:a16="http://schemas.microsoft.com/office/drawing/2014/main" xmlns="" val="10001"/>
+                      <a16:rowId xmlns="" xmlns:a16="http://schemas.microsoft.com/office/drawing/2014/main" val="10001"/>
                     </a:ext>
                   </a:extLst>
                 </a:tr>
@@ -7872,7 +5155,7 @@
                   </a:tc>
                   <a:extLst>
                     <a:ext uri="{0D108BD9-81ED-4DB2-BD59-A6C34878D82A}">
-                      <a16:rowId xmlns:a16="http://schemas.microsoft.com/office/drawing/2014/main" xmlns="" val="10002"/>
+                      <a16:rowId xmlns="" xmlns:a16="http://schemas.microsoft.com/office/drawing/2014/main" val="10002"/>
                     </a:ext>
                   </a:extLst>
                 </a:tr>
@@ -7935,7 +5218,7 @@
                   </a:tc>
                   <a:extLst>
                     <a:ext uri="{0D108BD9-81ED-4DB2-BD59-A6C34878D82A}">
-                      <a16:rowId xmlns:a16="http://schemas.microsoft.com/office/drawing/2014/main" xmlns="" val="10003"/>
+                      <a16:rowId xmlns="" xmlns:a16="http://schemas.microsoft.com/office/drawing/2014/main" val="10003"/>
                     </a:ext>
                   </a:extLst>
                 </a:tr>
@@ -8564,7 +5847,7 @@
             <p:nvPr/>
           </p:nvPicPr>
           <p:blipFill>
-            <a:blip r:embed="rId7">
+            <a:blip r:embed="rId2">
               <a:extLst>
                 <a:ext uri="{28A0092B-C50C-407E-A947-70E740481C1C}">
                   <a14:useLocalDpi xmlns:a14="http://schemas.microsoft.com/office/drawing/2010/main" val="0"/>
@@ -8757,175 +6040,6 @@
       </p:grpSp>
       <p:sp>
         <p:nvSpPr>
-          <p:cNvPr id="52" name="Text Box 180"/>
-          <p:cNvSpPr txBox="1">
-            <a:spLocks noChangeArrowheads="1"/>
-          </p:cNvSpPr>
-          <p:nvPr/>
-        </p:nvSpPr>
-        <p:spPr bwMode="auto">
-          <a:xfrm>
-            <a:off x="13943468" y="11170531"/>
-            <a:ext cx="5397856" cy="344916"/>
-          </a:xfrm>
-          <a:prstGeom prst="rect">
-            <a:avLst/>
-          </a:prstGeom>
-          <a:noFill/>
-          <a:ln>
-            <a:noFill/>
-          </a:ln>
-          <a:effectLst/>
-          <a:extLst>
-            <a:ext uri="{909E8E84-426E-40DD-AFC4-6F175D3DCCD1}">
-              <a14:hiddenFill xmlns:a14="http://schemas.microsoft.com/office/drawing/2010/main">
-                <a:solidFill>
-                  <a:schemeClr val="accent1"/>
-                </a:solidFill>
-              </a14:hiddenFill>
-            </a:ext>
-            <a:ext uri="{91240B29-F687-4F45-9708-019B960494DF}">
-              <a14:hiddenLine xmlns:a14="http://schemas.microsoft.com/office/drawing/2010/main" w="9525">
-                <a:solidFill>
-                  <a:schemeClr val="tx1"/>
-                </a:solidFill>
-                <a:miter lim="800000"/>
-                <a:headEnd/>
-                <a:tailEnd/>
-              </a14:hiddenLine>
-            </a:ext>
-            <a:ext uri="{AF507438-7753-43E0-B8FC-AC1667EBCBE1}">
-              <a14:hiddenEffects xmlns:a14="http://schemas.microsoft.com/office/drawing/2010/main">
-                <a:effectLst>
-                  <a:outerShdw dist="35921" dir="2700000" algn="ctr" rotWithShape="0">
-                    <a:schemeClr val="bg2"/>
-                  </a:outerShdw>
-                </a:effectLst>
-              </a14:hiddenEffects>
-            </a:ext>
-          </a:extLst>
-        </p:spPr>
-        <p:txBody>
-          <a:bodyPr wrap="square" lIns="48971" tIns="24486" rIns="48971" bIns="24486">
-            <a:spAutoFit/>
-          </a:bodyPr>
-          <a:lstStyle>
-            <a:lvl1pPr defTabSz="4389438" eaLnBrk="0" hangingPunct="0">
-              <a:defRPr sz="2200">
-                <a:solidFill>
-                  <a:schemeClr val="tx1"/>
-                </a:solidFill>
-                <a:latin typeface="Arial" charset="0"/>
-              </a:defRPr>
-            </a:lvl1pPr>
-            <a:lvl2pPr marL="742950" indent="-285750" defTabSz="4389438" eaLnBrk="0" hangingPunct="0">
-              <a:defRPr sz="2200">
-                <a:solidFill>
-                  <a:schemeClr val="tx1"/>
-                </a:solidFill>
-                <a:latin typeface="Arial" charset="0"/>
-              </a:defRPr>
-            </a:lvl2pPr>
-            <a:lvl3pPr marL="1143000" indent="-228600" defTabSz="4389438" eaLnBrk="0" hangingPunct="0">
-              <a:defRPr sz="2200">
-                <a:solidFill>
-                  <a:schemeClr val="tx1"/>
-                </a:solidFill>
-                <a:latin typeface="Arial" charset="0"/>
-              </a:defRPr>
-            </a:lvl3pPr>
-            <a:lvl4pPr marL="1600200" indent="-228600" defTabSz="4389438" eaLnBrk="0" hangingPunct="0">
-              <a:defRPr sz="2200">
-                <a:solidFill>
-                  <a:schemeClr val="tx1"/>
-                </a:solidFill>
-                <a:latin typeface="Arial" charset="0"/>
-              </a:defRPr>
-            </a:lvl4pPr>
-            <a:lvl5pPr marL="2057400" indent="-228600" defTabSz="4389438" eaLnBrk="0" hangingPunct="0">
-              <a:defRPr sz="2200">
-                <a:solidFill>
-                  <a:schemeClr val="tx1"/>
-                </a:solidFill>
-                <a:latin typeface="Arial" charset="0"/>
-              </a:defRPr>
-            </a:lvl5pPr>
-            <a:lvl6pPr marL="2514600" indent="-228600" defTabSz="4389438" eaLnBrk="0" fontAlgn="base" hangingPunct="0">
-              <a:spcBef>
-                <a:spcPct val="0"/>
-              </a:spcBef>
-              <a:spcAft>
-                <a:spcPct val="0"/>
-              </a:spcAft>
-              <a:defRPr sz="2200">
-                <a:solidFill>
-                  <a:schemeClr val="tx1"/>
-                </a:solidFill>
-                <a:latin typeface="Arial" charset="0"/>
-              </a:defRPr>
-            </a:lvl6pPr>
-            <a:lvl7pPr marL="2971800" indent="-228600" defTabSz="4389438" eaLnBrk="0" fontAlgn="base" hangingPunct="0">
-              <a:spcBef>
-                <a:spcPct val="0"/>
-              </a:spcBef>
-              <a:spcAft>
-                <a:spcPct val="0"/>
-              </a:spcAft>
-              <a:defRPr sz="2200">
-                <a:solidFill>
-                  <a:schemeClr val="tx1"/>
-                </a:solidFill>
-                <a:latin typeface="Arial" charset="0"/>
-              </a:defRPr>
-            </a:lvl7pPr>
-            <a:lvl8pPr marL="3429000" indent="-228600" defTabSz="4389438" eaLnBrk="0" fontAlgn="base" hangingPunct="0">
-              <a:spcBef>
-                <a:spcPct val="0"/>
-              </a:spcBef>
-              <a:spcAft>
-                <a:spcPct val="0"/>
-              </a:spcAft>
-              <a:defRPr sz="2200">
-                <a:solidFill>
-                  <a:schemeClr val="tx1"/>
-                </a:solidFill>
-                <a:latin typeface="Arial" charset="0"/>
-              </a:defRPr>
-            </a:lvl8pPr>
-            <a:lvl9pPr marL="3886200" indent="-228600" defTabSz="4389438" eaLnBrk="0" fontAlgn="base" hangingPunct="0">
-              <a:spcBef>
-                <a:spcPct val="0"/>
-              </a:spcBef>
-              <a:spcAft>
-                <a:spcPct val="0"/>
-              </a:spcAft>
-              <a:defRPr sz="2200">
-                <a:solidFill>
-                  <a:schemeClr val="tx1"/>
-                </a:solidFill>
-                <a:latin typeface="Arial" charset="0"/>
-              </a:defRPr>
-            </a:lvl9pPr>
-          </a:lstStyle>
-          <a:p>
-            <a:pPr algn="ctr" eaLnBrk="1" hangingPunct="1"/>
-            <a:r>
-              <a:rPr lang="en-US" sz="1920" b="1" dirty="0">
-                <a:latin typeface="Calibri" pitchFamily="34" charset="0"/>
-              </a:rPr>
-              <a:t>Figure 2.</a:t>
-            </a:r>
-            <a:r>
-              <a:rPr lang="en-US" sz="1920" dirty="0">
-                <a:latin typeface="Calibri" pitchFamily="34" charset="0"/>
-              </a:rPr>
-              <a:t> Attacks on User Verification Classifier.</a:t>
-            </a:r>
-          </a:p>
-        </p:txBody>
-      </p:sp>
-      <p:sp>
-        <p:nvSpPr>
           <p:cNvPr id="12" name="Text Box 191"/>
           <p:cNvSpPr txBox="1">
             <a:spLocks noChangeArrowheads="1"/>
@@ -8935,7 +6049,7 @@
         <p:spPr bwMode="auto">
           <a:xfrm>
             <a:off x="21945600" y="3657602"/>
-            <a:ext cx="9875520" cy="10046647"/>
+            <a:ext cx="9875520" cy="505573"/>
           </a:xfrm>
           <a:prstGeom prst="rect">
             <a:avLst/>
@@ -9057,297 +6171,63 @@
               <a:buFont typeface="Arial" panose="020B0604020202020204" pitchFamily="34" charset="0"/>
               <a:buChar char="•"/>
             </a:pPr>
-            <a:r>
-              <a:rPr lang="en-US" sz="2000" dirty="0">
-                <a:latin typeface="Calibri" pitchFamily="34" charset="0"/>
-              </a:rPr>
-              <a:t>Intuitively, our </a:t>
-            </a:r>
-            <a:r>
-              <a:rPr lang="en-US" sz="2000" i="1" dirty="0">
-                <a:latin typeface="Calibri" pitchFamily="34" charset="0"/>
-              </a:rPr>
-              <a:t>k</a:t>
-            </a:r>
-            <a:r>
-              <a:rPr lang="en-US" sz="2000" dirty="0">
-                <a:latin typeface="Calibri" pitchFamily="34" charset="0"/>
-              </a:rPr>
-              <a:t>-means attacks performed best with higher </a:t>
-            </a:r>
-            <a:r>
-              <a:rPr lang="en-US" sz="2000" i="1" dirty="0">
-                <a:latin typeface="Calibri" pitchFamily="34" charset="0"/>
-              </a:rPr>
-              <a:t>k </a:t>
-            </a:r>
-            <a:r>
-              <a:rPr lang="en-US" sz="2000" dirty="0">
-                <a:latin typeface="Calibri" pitchFamily="34" charset="0"/>
-              </a:rPr>
-              <a:t>(until 32-64 range with cluster method), reaching </a:t>
-            </a:r>
-            <a:r>
-              <a:rPr lang="en-US" sz="2000" b="1" dirty="0">
-                <a:latin typeface="Calibri" pitchFamily="34" charset="0"/>
-              </a:rPr>
-              <a:t>77% success rate </a:t>
-            </a:r>
-            <a:r>
-              <a:rPr lang="en-US" sz="2000" dirty="0">
-                <a:latin typeface="Calibri" pitchFamily="34" charset="0"/>
-              </a:rPr>
-              <a:t>(undetected spoof) against a 5-layer deep neural net. Also intuitively, using our multivariate Gaussian distribution model to introduce humanistic perturbations and augment the number of generated adversarial examples, we achieve a lower maximum </a:t>
-            </a:r>
-            <a:r>
-              <a:rPr lang="en-US" sz="2000" b="1" dirty="0">
-                <a:latin typeface="Calibri" pitchFamily="34" charset="0"/>
-              </a:rPr>
-              <a:t>67% success rate</a:t>
-            </a:r>
-            <a:r>
-              <a:rPr lang="en-US" sz="2000" dirty="0">
-                <a:latin typeface="Calibri" pitchFamily="34" charset="0"/>
-              </a:rPr>
-              <a:t>. </a:t>
-            </a:r>
-          </a:p>
-          <a:p>
-            <a:pPr marL="342900" indent="-342900" eaLnBrk="1" hangingPunct="1">
-              <a:buFont typeface="Arial" panose="020B0604020202020204" pitchFamily="34" charset="0"/>
-              <a:buChar char="•"/>
-            </a:pPr>
-            <a:r>
-              <a:rPr lang="en-US" sz="2000" dirty="0">
-                <a:latin typeface="Calibri" pitchFamily="34" charset="0"/>
-              </a:rPr>
-              <a:t>Secondarily, and less intuitively, based on the adversarial success rate metric of model robustness, we find that </a:t>
-            </a:r>
-            <a:r>
-              <a:rPr lang="en-US" sz="2000" b="1" dirty="0">
-                <a:latin typeface="Calibri" pitchFamily="34" charset="0"/>
-              </a:rPr>
-              <a:t>logistic regression</a:t>
-            </a:r>
-            <a:r>
-              <a:rPr lang="en-US" sz="2000" dirty="0">
-                <a:latin typeface="Calibri" pitchFamily="34" charset="0"/>
-              </a:rPr>
-              <a:t> is most resilient to our attacks (maximum success rate 20%), compared to the artificial neural net and deep neural nets.</a:t>
-            </a:r>
-          </a:p>
-          <a:p>
-            <a:pPr marL="342900" indent="-342900" eaLnBrk="1" hangingPunct="1">
-              <a:buFont typeface="Arial" panose="020B0604020202020204" pitchFamily="34" charset="0"/>
-              <a:buChar char="•"/>
-            </a:pPr>
             <a:endParaRPr lang="en-US" sz="2000" dirty="0">
               <a:latin typeface="Calibri" pitchFamily="34" charset="0"/>
             </a:endParaRPr>
           </a:p>
-          <a:p>
-            <a:pPr marL="342900" indent="-342900" eaLnBrk="1" hangingPunct="1">
-              <a:buFont typeface="Arial" panose="020B0604020202020204" pitchFamily="34" charset="0"/>
-              <a:buChar char="•"/>
-            </a:pPr>
-            <a:endParaRPr lang="en-US" sz="2000" dirty="0">
-              <a:latin typeface="Calibri" pitchFamily="34" charset="0"/>
-            </a:endParaRPr>
-          </a:p>
-          <a:p>
-            <a:pPr marL="342900" indent="-342900" eaLnBrk="1" hangingPunct="1">
-              <a:buFont typeface="Arial" panose="020B0604020202020204" pitchFamily="34" charset="0"/>
-              <a:buChar char="•"/>
-            </a:pPr>
-            <a:endParaRPr lang="en-US" sz="2000" dirty="0">
-              <a:latin typeface="Calibri" pitchFamily="34" charset="0"/>
-            </a:endParaRPr>
-          </a:p>
-          <a:p>
-            <a:pPr marL="342900" indent="-342900" eaLnBrk="1" hangingPunct="1">
-              <a:buFont typeface="Arial" panose="020B0604020202020204" pitchFamily="34" charset="0"/>
-              <a:buChar char="•"/>
-            </a:pPr>
-            <a:endParaRPr lang="en-US" sz="2000" dirty="0">
-              <a:latin typeface="Calibri" pitchFamily="34" charset="0"/>
-            </a:endParaRPr>
-          </a:p>
-          <a:p>
-            <a:pPr marL="342900" indent="-342900" eaLnBrk="1" hangingPunct="1">
-              <a:buFont typeface="Arial" panose="020B0604020202020204" pitchFamily="34" charset="0"/>
-              <a:buChar char="•"/>
-            </a:pPr>
-            <a:endParaRPr lang="en-US" sz="2000" dirty="0">
-              <a:latin typeface="Calibri" pitchFamily="34" charset="0"/>
-            </a:endParaRPr>
-          </a:p>
-          <a:p>
-            <a:pPr marL="342900" indent="-342900" eaLnBrk="1" hangingPunct="1">
-              <a:buFont typeface="Arial" panose="020B0604020202020204" pitchFamily="34" charset="0"/>
-              <a:buChar char="•"/>
-            </a:pPr>
-            <a:endParaRPr lang="en-US" sz="2000" dirty="0">
-              <a:latin typeface="Calibri" pitchFamily="34" charset="0"/>
-            </a:endParaRPr>
-          </a:p>
-          <a:p>
-            <a:pPr marL="342900" indent="-342900" eaLnBrk="1" hangingPunct="1">
-              <a:buFont typeface="Arial" panose="020B0604020202020204" pitchFamily="34" charset="0"/>
-              <a:buChar char="•"/>
-            </a:pPr>
-            <a:endParaRPr lang="en-US" sz="2000" dirty="0">
-              <a:latin typeface="Calibri" pitchFamily="34" charset="0"/>
-            </a:endParaRPr>
-          </a:p>
-          <a:p>
-            <a:pPr marL="342900" indent="-342900" eaLnBrk="1" hangingPunct="1">
-              <a:buFont typeface="Arial" panose="020B0604020202020204" pitchFamily="34" charset="0"/>
-              <a:buChar char="•"/>
-            </a:pPr>
-            <a:endParaRPr lang="en-US" sz="2000" dirty="0">
-              <a:latin typeface="Calibri" pitchFamily="34" charset="0"/>
-            </a:endParaRPr>
-          </a:p>
-          <a:p>
-            <a:pPr marL="342900" indent="-342900" eaLnBrk="1" hangingPunct="1">
-              <a:buFont typeface="Arial" panose="020B0604020202020204" pitchFamily="34" charset="0"/>
-              <a:buChar char="•"/>
-            </a:pPr>
-            <a:endParaRPr lang="en-US" sz="2000" dirty="0">
-              <a:latin typeface="Calibri" pitchFamily="34" charset="0"/>
-            </a:endParaRPr>
-          </a:p>
-          <a:p>
-            <a:pPr marL="342900" indent="-342900" eaLnBrk="1" hangingPunct="1">
-              <a:buFont typeface="Arial" panose="020B0604020202020204" pitchFamily="34" charset="0"/>
-              <a:buChar char="•"/>
-            </a:pPr>
-            <a:endParaRPr lang="en-US" sz="2000" dirty="0">
-              <a:latin typeface="Calibri" pitchFamily="34" charset="0"/>
-            </a:endParaRPr>
-          </a:p>
-          <a:p>
-            <a:pPr marL="342900" indent="-342900" eaLnBrk="1" hangingPunct="1">
-              <a:buFont typeface="Arial" panose="020B0604020202020204" pitchFamily="34" charset="0"/>
-              <a:buChar char="•"/>
-            </a:pPr>
-            <a:endParaRPr lang="en-US" sz="2000" dirty="0">
-              <a:latin typeface="Calibri" pitchFamily="34" charset="0"/>
-            </a:endParaRPr>
-          </a:p>
-          <a:p>
-            <a:pPr marL="342900" indent="-342900" eaLnBrk="1" hangingPunct="1">
-              <a:buFont typeface="Arial" panose="020B0604020202020204" pitchFamily="34" charset="0"/>
-              <a:buChar char="•"/>
-            </a:pPr>
-            <a:endParaRPr lang="en-US" sz="2000" dirty="0">
-              <a:latin typeface="Calibri" pitchFamily="34" charset="0"/>
-            </a:endParaRPr>
-          </a:p>
-          <a:p>
-            <a:pPr marL="342900" indent="-342900" eaLnBrk="1" hangingPunct="1">
-              <a:buFont typeface="Arial" panose="020B0604020202020204" pitchFamily="34" charset="0"/>
-              <a:buChar char="•"/>
-            </a:pPr>
-            <a:endParaRPr lang="en-US" sz="2000" dirty="0">
-              <a:latin typeface="Calibri" pitchFamily="34" charset="0"/>
-            </a:endParaRPr>
-          </a:p>
-          <a:p>
-            <a:pPr marL="342900" indent="-342900" eaLnBrk="1" hangingPunct="1">
-              <a:buFont typeface="Arial" panose="020B0604020202020204" pitchFamily="34" charset="0"/>
-              <a:buChar char="•"/>
-            </a:pPr>
-            <a:endParaRPr lang="en-US" sz="2000" dirty="0">
-              <a:latin typeface="Calibri" pitchFamily="34" charset="0"/>
-            </a:endParaRPr>
-          </a:p>
-          <a:p>
-            <a:pPr marL="342900" indent="-342900" eaLnBrk="1" hangingPunct="1">
-              <a:buFont typeface="Arial" panose="020B0604020202020204" pitchFamily="34" charset="0"/>
-              <a:buChar char="•"/>
-            </a:pPr>
-            <a:endParaRPr lang="en-US" sz="2000" dirty="0">
-              <a:latin typeface="Calibri" pitchFamily="34" charset="0"/>
-            </a:endParaRPr>
-          </a:p>
-          <a:p>
-            <a:pPr marL="342900" indent="-342900" eaLnBrk="1" hangingPunct="1">
-              <a:buFont typeface="Arial" panose="020B0604020202020204" pitchFamily="34" charset="0"/>
-              <a:buChar char="•"/>
-            </a:pPr>
-            <a:endParaRPr lang="en-US" sz="2000" dirty="0">
-              <a:latin typeface="Calibri" pitchFamily="34" charset="0"/>
-            </a:endParaRPr>
-          </a:p>
-          <a:p>
-            <a:pPr marL="342900" indent="-342900" eaLnBrk="1" hangingPunct="1">
-              <a:buFont typeface="Arial" panose="020B0604020202020204" pitchFamily="34" charset="0"/>
-              <a:buChar char="•"/>
-            </a:pPr>
-            <a:endParaRPr lang="en-US" sz="2000" dirty="0">
-              <a:latin typeface="Calibri" pitchFamily="34" charset="0"/>
-            </a:endParaRPr>
-          </a:p>
-          <a:p>
-            <a:pPr marL="342900" indent="-342900" eaLnBrk="1" hangingPunct="1">
-              <a:buFont typeface="Arial" panose="020B0604020202020204" pitchFamily="34" charset="0"/>
-              <a:buChar char="•"/>
-            </a:pPr>
-            <a:endParaRPr lang="en-US" sz="2000" dirty="0">
-              <a:latin typeface="Calibri" pitchFamily="34" charset="0"/>
-            </a:endParaRPr>
-          </a:p>
-          <a:p>
-            <a:pPr marL="342900" indent="-342900" eaLnBrk="1" hangingPunct="1">
-              <a:buFont typeface="Arial" panose="020B0604020202020204" pitchFamily="34" charset="0"/>
-              <a:buChar char="•"/>
-            </a:pPr>
-            <a:endParaRPr lang="en-US" sz="2000" dirty="0">
-              <a:latin typeface="Calibri" pitchFamily="34" charset="0"/>
-            </a:endParaRPr>
-          </a:p>
-          <a:p>
-            <a:pPr marL="342900" indent="-342900" eaLnBrk="1" hangingPunct="1">
-              <a:buFont typeface="Arial" panose="020B0604020202020204" pitchFamily="34" charset="0"/>
-              <a:buChar char="•"/>
-            </a:pPr>
-            <a:endParaRPr lang="en-US" sz="2000" dirty="0">
-              <a:latin typeface="Calibri" pitchFamily="34" charset="0"/>
-            </a:endParaRPr>
-          </a:p>
-          <a:p>
-            <a:pPr marL="342900" indent="-342900" eaLnBrk="1" hangingPunct="1">
-              <a:buFont typeface="Arial" panose="020B0604020202020204" pitchFamily="34" charset="0"/>
-              <a:buChar char="•"/>
-            </a:pPr>
-            <a:endParaRPr lang="en-US" sz="2000" dirty="0">
-              <a:latin typeface="Calibri" pitchFamily="34" charset="0"/>
-            </a:endParaRPr>
-          </a:p>
-          <a:p>
-            <a:pPr marL="342900" indent="-342900" eaLnBrk="1" hangingPunct="1">
-              <a:buFont typeface="Arial" panose="020B0604020202020204" pitchFamily="34" charset="0"/>
-              <a:buChar char="•"/>
-            </a:pPr>
-            <a:endParaRPr lang="en-US" sz="2000" dirty="0">
-              <a:latin typeface="Calibri" pitchFamily="34" charset="0"/>
-            </a:endParaRPr>
-          </a:p>
-          <a:p>
-            <a:pPr eaLnBrk="1" hangingPunct="1"/>
-            <a:endParaRPr lang="en-US" sz="2000" dirty="0">
-              <a:latin typeface="Calibri" pitchFamily="34" charset="0"/>
-            </a:endParaRPr>
-          </a:p>
-          <a:p>
-            <a:pPr eaLnBrk="1" hangingPunct="1"/>
-            <a:r>
-              <a:rPr lang="en-US" sz="2000" dirty="0">
-                <a:latin typeface="Calibri" pitchFamily="34" charset="0"/>
-              </a:rPr>
-              <a:t> </a:t>
-            </a:r>
+        </p:txBody>
+      </p:sp>
+      <p:pic>
+        <p:nvPicPr>
+          <p:cNvPr id="3" name="Picture 2"/>
+          <p:cNvPicPr>
+            <a:picLocks noChangeAspect="1"/>
+          </p:cNvPicPr>
+          <p:nvPr/>
+        </p:nvPicPr>
+        <p:blipFill>
+          <a:blip r:embed="rId3"/>
+          <a:stretch>
+            <a:fillRect/>
+          </a:stretch>
+        </p:blipFill>
+        <p:spPr>
+          <a:xfrm>
+            <a:off x="12573000" y="13585613"/>
+            <a:ext cx="7391400" cy="745311"/>
+          </a:xfrm>
+          <a:prstGeom prst="rect">
+            <a:avLst/>
+          </a:prstGeom>
+        </p:spPr>
+      </p:pic>
+      <p:sp>
+        <p:nvSpPr>
+          <p:cNvPr id="6" name="TextBox 5"/>
+          <p:cNvSpPr txBox="1"/>
+          <p:nvPr/>
+        </p:nvSpPr>
+        <p:spPr>
+          <a:xfrm>
+            <a:off x="12496800" y="14338555"/>
+            <a:ext cx="7666266" cy="338554"/>
+          </a:xfrm>
+          <a:prstGeom prst="rect">
+            <a:avLst/>
+          </a:prstGeom>
+          <a:noFill/>
+        </p:spPr>
+        <p:txBody>
+          <a:bodyPr wrap="none" rtlCol="0">
+            <a:spAutoFit/>
+          </a:bodyPr>
+          <a:lstStyle/>
+          <a:p>
+            <a:r>
+              <a:rPr lang="en-US" sz="1600" dirty="0" smtClean="0"/>
+              <a:t>Table 1. Deep Neural Net models and their average validation accuracy of 10 training trials</a:t>
+            </a:r>
+            <a:endParaRPr lang="en-US" sz="1600" dirty="0"/>
           </a:p>
         </p:txBody>
       </p:sp>

--- a/229poster.pptx
+++ b/229poster.pptx
@@ -138,10 +138,6 @@
     </p:ext>
   </p:extLst>
 </p:presentation>
-</file>
-
-<file path=ppt/revisionInfo.xml><?xml version="1.0" encoding="utf-8"?>
-<p1510:revInfo xmlns:a="http://schemas.openxmlformats.org/drawingml/2006/main" xmlns:r="http://schemas.openxmlformats.org/officeDocument/2006/relationships" xmlns:p1510="http://schemas.microsoft.com/office/powerpoint/2015/10/main"/>
 </file>
 
 <file path=ppt/handoutMasters/handoutMaster1.xml><?xml version="1.0" encoding="utf-8"?>
@@ -2634,38 +2630,15 @@
           <a:p>
             <a:pPr algn="ctr" eaLnBrk="1" hangingPunct="1"/>
             <a:r>
-              <a:rPr lang="en-US" sz="4800" b="1" dirty="0" smtClean="0">
-                <a:solidFill>
-                  <a:schemeClr val="accent3">
-                    <a:lumMod val="20000"/>
-                    <a:lumOff val="80000"/>
-                  </a:schemeClr>
-                </a:solidFill>
-                <a:latin typeface="+mn-lt"/>
-              </a:rPr>
-              <a:t>Supervised Learning Methods for Biometric Authentication </a:t>
-            </a:r>
-            <a:r>
-              <a:rPr lang="en-US" sz="4800" b="1" smtClean="0">
-                <a:solidFill>
-                  <a:schemeClr val="accent3">
-                    <a:lumMod val="20000"/>
-                    <a:lumOff val="80000"/>
-                  </a:schemeClr>
-                </a:solidFill>
-                <a:latin typeface="+mn-lt"/>
-              </a:rPr>
-              <a:t>on Mobile Devices</a:t>
-            </a:r>
-            <a:endParaRPr lang="en-US" sz="4800" b="1" dirty="0">
-              <a:solidFill>
-                <a:schemeClr val="accent3">
-                  <a:lumMod val="20000"/>
-                  <a:lumOff val="80000"/>
-                </a:schemeClr>
-              </a:solidFill>
-              <a:latin typeface="+mn-lt"/>
-            </a:endParaRPr>
+              <a:rPr lang="en-US" sz="4800" b="1" dirty="0">
+                <a:solidFill>
+                  <a:schemeClr val="bg1"/>
+                </a:solidFill>
+                <a:latin typeface="Arial" panose="020B0604020202020204" pitchFamily="34" charset="0"/>
+                <a:cs typeface="Arial" panose="020B0604020202020204" pitchFamily="34" charset="0"/>
+              </a:rPr>
+              <a:t>Supervised Learning Methods for Biometric Authentication on Mobile Devices</a:t>
+            </a:r>
           </a:p>
         </p:txBody>
       </p:sp>
@@ -2826,7 +2799,8 @@
                 <a:solidFill>
                   <a:schemeClr val="bg1"/>
                 </a:solidFill>
-                <a:latin typeface="+mn-lt"/>
+                <a:latin typeface="Arial" panose="020B0604020202020204" pitchFamily="34" charset="0"/>
+                <a:cs typeface="Arial" panose="020B0604020202020204" pitchFamily="34" charset="0"/>
               </a:rPr>
               <a:t>Valerie Ding</a:t>
             </a:r>
@@ -2835,7 +2809,8 @@
                 <a:solidFill>
                   <a:schemeClr val="bg1"/>
                 </a:solidFill>
-                <a:latin typeface="+mn-lt"/>
+                <a:latin typeface="Arial" panose="020B0604020202020204" pitchFamily="34" charset="0"/>
+                <a:cs typeface="Arial" panose="020B0604020202020204" pitchFamily="34" charset="0"/>
               </a:rPr>
               <a:t>1</a:t>
             </a:r>
@@ -2844,7 +2819,8 @@
                 <a:solidFill>
                   <a:schemeClr val="bg1"/>
                 </a:solidFill>
-                <a:latin typeface="+mn-lt"/>
+                <a:latin typeface="Arial" panose="020B0604020202020204" pitchFamily="34" charset="0"/>
+                <a:cs typeface="Arial" panose="020B0604020202020204" pitchFamily="34" charset="0"/>
               </a:rPr>
               <a:t>, Stephanie Dong</a:t>
             </a:r>
@@ -2853,7 +2829,8 @@
                 <a:solidFill>
                   <a:schemeClr val="bg1"/>
                 </a:solidFill>
-                <a:latin typeface="+mn-lt"/>
+                <a:latin typeface="Arial" panose="020B0604020202020204" pitchFamily="34" charset="0"/>
+                <a:cs typeface="Arial" panose="020B0604020202020204" pitchFamily="34" charset="0"/>
               </a:rPr>
               <a:t>2</a:t>
             </a:r>
@@ -2862,7 +2839,8 @@
                 <a:solidFill>
                   <a:schemeClr val="bg1"/>
                 </a:solidFill>
-                <a:latin typeface="+mn-lt"/>
+                <a:latin typeface="Arial" panose="020B0604020202020204" pitchFamily="34" charset="0"/>
+                <a:cs typeface="Arial" panose="020B0604020202020204" pitchFamily="34" charset="0"/>
               </a:rPr>
               <a:t>, Jonathan Li</a:t>
             </a:r>
@@ -2871,7 +2849,8 @@
                 <a:solidFill>
                   <a:schemeClr val="bg1"/>
                 </a:solidFill>
-                <a:latin typeface="+mn-lt"/>
+                <a:latin typeface="Arial" panose="020B0604020202020204" pitchFamily="34" charset="0"/>
+                <a:cs typeface="Arial" panose="020B0604020202020204" pitchFamily="34" charset="0"/>
               </a:rPr>
               <a:t>3</a:t>
             </a:r>
@@ -2883,7 +2862,8 @@
                 <a:solidFill>
                   <a:schemeClr val="bg1"/>
                 </a:solidFill>
-                <a:latin typeface="+mn-lt"/>
+                <a:latin typeface="Arial" panose="020B0604020202020204" pitchFamily="34" charset="0"/>
+                <a:cs typeface="Arial" panose="020B0604020202020204" pitchFamily="34" charset="0"/>
               </a:rPr>
               <a:t>Department of Computer Science, Stanford University</a:t>
             </a:r>
@@ -2895,7 +2875,8 @@
                 <a:solidFill>
                   <a:schemeClr val="bg1"/>
                 </a:solidFill>
-                <a:latin typeface="+mj-lt"/>
+                <a:latin typeface="Arial" panose="020B0604020202020204" pitchFamily="34" charset="0"/>
+                <a:cs typeface="Arial" panose="020B0604020202020204" pitchFamily="34" charset="0"/>
               </a:rPr>
               <a:t>1</a:t>
             </a:r>
@@ -2904,7 +2885,8 @@
                 <a:solidFill>
                   <a:schemeClr val="bg1"/>
                 </a:solidFill>
-                <a:latin typeface="+mj-lt"/>
+                <a:latin typeface="Arial" panose="020B0604020202020204" pitchFamily="34" charset="0"/>
+                <a:cs typeface="Arial" panose="020B0604020202020204" pitchFamily="34" charset="0"/>
               </a:rPr>
               <a:t>dingv@stanford.edu, </a:t>
             </a:r>
@@ -2913,7 +2895,8 @@
                 <a:solidFill>
                   <a:schemeClr val="bg1"/>
                 </a:solidFill>
-                <a:latin typeface="+mj-lt"/>
+                <a:latin typeface="Arial" panose="020B0604020202020204" pitchFamily="34" charset="0"/>
+                <a:cs typeface="Arial" panose="020B0604020202020204" pitchFamily="34" charset="0"/>
               </a:rPr>
               <a:t>2</a:t>
             </a:r>
@@ -2922,7 +2905,8 @@
                 <a:solidFill>
                   <a:schemeClr val="bg1"/>
                 </a:solidFill>
-                <a:latin typeface="+mj-lt"/>
+                <a:latin typeface="Arial" panose="020B0604020202020204" pitchFamily="34" charset="0"/>
+                <a:cs typeface="Arial" panose="020B0604020202020204" pitchFamily="34" charset="0"/>
               </a:rPr>
               <a:t>sxdong11@stanford.edu, </a:t>
             </a:r>
@@ -2931,7 +2915,8 @@
                 <a:solidFill>
                   <a:schemeClr val="bg1"/>
                 </a:solidFill>
-                <a:latin typeface="+mj-lt"/>
+                <a:latin typeface="Arial" panose="020B0604020202020204" pitchFamily="34" charset="0"/>
+                <a:cs typeface="Arial" panose="020B0604020202020204" pitchFamily="34" charset="0"/>
               </a:rPr>
               <a:t>3</a:t>
             </a:r>
@@ -2940,7 +2925,8 @@
                 <a:solidFill>
                   <a:schemeClr val="bg1"/>
                 </a:solidFill>
-                <a:latin typeface="+mj-lt"/>
+                <a:latin typeface="Arial" panose="020B0604020202020204" pitchFamily="34" charset="0"/>
+                <a:cs typeface="Arial" panose="020B0604020202020204" pitchFamily="34" charset="0"/>
               </a:rPr>
               <a:t>johnnyli@stanford.edu</a:t>
             </a:r>
@@ -3053,7 +3039,7 @@
         <p:spPr bwMode="auto">
           <a:xfrm>
             <a:off x="1097280" y="3657600"/>
-            <a:ext cx="9875520" cy="813350"/>
+            <a:ext cx="9875520" cy="1428903"/>
           </a:xfrm>
           <a:prstGeom prst="rect">
             <a:avLst/>
@@ -3178,13 +3164,102 @@
               <a:buChar char="•"/>
             </a:pPr>
             <a:r>
+              <a:rPr lang="en-US" sz="2000" dirty="0">
+                <a:latin typeface="Arial" panose="020B0604020202020204" pitchFamily="34" charset="0"/>
+                <a:cs typeface="Arial" panose="020B0604020202020204" pitchFamily="34" charset="0"/>
+              </a:rPr>
+              <a:t>We develop </a:t>
+            </a:r>
+            <a:r>
+              <a:rPr lang="en-US" sz="2000" b="1" dirty="0" smtClean="0">
+                <a:latin typeface="Arial" panose="020B0604020202020204" pitchFamily="34" charset="0"/>
+                <a:cs typeface="Arial" panose="020B0604020202020204" pitchFamily="34" charset="0"/>
+              </a:rPr>
+              <a:t>logistic regression </a:t>
+            </a:r>
+            <a:r>
               <a:rPr lang="en-US" sz="2000" dirty="0" smtClean="0">
-                <a:latin typeface="Calibri" pitchFamily="34" charset="0"/>
-              </a:rPr>
-              <a:t>We develop logistic regression and deep neural network classifiers to verify users based on typing pattern.</a:t>
+                <a:latin typeface="Arial" panose="020B0604020202020204" pitchFamily="34" charset="0"/>
+                <a:cs typeface="Arial" panose="020B0604020202020204" pitchFamily="34" charset="0"/>
+              </a:rPr>
+              <a:t>models and </a:t>
+            </a:r>
+            <a:r>
+              <a:rPr lang="en-US" sz="2000" b="1" dirty="0" smtClean="0">
+                <a:latin typeface="Arial" panose="020B0604020202020204" pitchFamily="34" charset="0"/>
+                <a:cs typeface="Arial" panose="020B0604020202020204" pitchFamily="34" charset="0"/>
+              </a:rPr>
+              <a:t>deep </a:t>
+            </a:r>
+            <a:r>
+              <a:rPr lang="en-US" sz="2000" b="1" dirty="0">
+                <a:latin typeface="Arial" panose="020B0604020202020204" pitchFamily="34" charset="0"/>
+                <a:cs typeface="Arial" panose="020B0604020202020204" pitchFamily="34" charset="0"/>
+              </a:rPr>
+              <a:t>neural </a:t>
+            </a:r>
+            <a:r>
+              <a:rPr lang="en-US" sz="2000" b="1" dirty="0" smtClean="0">
+                <a:latin typeface="Arial" panose="020B0604020202020204" pitchFamily="34" charset="0"/>
+                <a:cs typeface="Arial" panose="020B0604020202020204" pitchFamily="34" charset="0"/>
+              </a:rPr>
+              <a:t>networks</a:t>
+            </a:r>
+            <a:r>
+              <a:rPr lang="en-US" sz="2000" dirty="0">
+                <a:latin typeface="Arial" panose="020B0604020202020204" pitchFamily="34" charset="0"/>
+                <a:cs typeface="Arial" panose="020B0604020202020204" pitchFamily="34" charset="0"/>
+              </a:rPr>
+              <a:t> </a:t>
+            </a:r>
+            <a:r>
+              <a:rPr lang="en-US" sz="2000" dirty="0" smtClean="0">
+                <a:latin typeface="Arial" panose="020B0604020202020204" pitchFamily="34" charset="0"/>
+                <a:cs typeface="Arial" panose="020B0604020202020204" pitchFamily="34" charset="0"/>
+              </a:rPr>
+              <a:t>to classify mobile device users based on biometric typing pattern data. </a:t>
+            </a:r>
+            <a:endParaRPr lang="en-US" sz="2000" dirty="0" smtClean="0">
+              <a:latin typeface="Arial" panose="020B0604020202020204" pitchFamily="34" charset="0"/>
+              <a:cs typeface="Arial" panose="020B0604020202020204" pitchFamily="34" charset="0"/>
+            </a:endParaRPr>
+          </a:p>
+          <a:p>
+            <a:pPr marL="342900" indent="-342900" eaLnBrk="1" hangingPunct="1">
+              <a:buFont typeface="Arial" panose="020B0604020202020204" pitchFamily="34" charset="0"/>
+              <a:buChar char="•"/>
+            </a:pPr>
+            <a:r>
+              <a:rPr lang="en-US" sz="2000" dirty="0" smtClean="0">
+                <a:latin typeface="Arial" panose="020B0604020202020204" pitchFamily="34" charset="0"/>
+                <a:cs typeface="Arial" panose="020B0604020202020204" pitchFamily="34" charset="0"/>
+              </a:rPr>
+              <a:t>We present a secure, space-efficient, extensible framework for </a:t>
+            </a:r>
+            <a:r>
+              <a:rPr lang="en-US" sz="2000" b="1" dirty="0" smtClean="0">
+                <a:latin typeface="Arial" panose="020B0604020202020204" pitchFamily="34" charset="0"/>
+                <a:cs typeface="Arial" panose="020B0604020202020204" pitchFamily="34" charset="0"/>
+              </a:rPr>
+              <a:t>real-time biometric fraud detection</a:t>
+            </a:r>
+            <a:r>
+              <a:rPr lang="en-US" sz="2000" dirty="0">
+                <a:latin typeface="Arial" panose="020B0604020202020204" pitchFamily="34" charset="0"/>
+                <a:cs typeface="Arial" panose="020B0604020202020204" pitchFamily="34" charset="0"/>
+              </a:rPr>
+              <a:t> </a:t>
+            </a:r>
+            <a:r>
+              <a:rPr lang="en-US" sz="2000" dirty="0" smtClean="0">
+                <a:latin typeface="Arial" panose="020B0604020202020204" pitchFamily="34" charset="0"/>
+                <a:cs typeface="Arial" panose="020B0604020202020204" pitchFamily="34" charset="0"/>
+              </a:rPr>
+              <a:t>on mobile devices. </a:t>
             </a:r>
             <a:endParaRPr lang="en-US" sz="2000" dirty="0">
-              <a:latin typeface="Calibri" pitchFamily="34" charset="0"/>
+              <a:latin typeface="Arial" panose="020B0604020202020204" pitchFamily="34" charset="0"/>
+              <a:cs typeface="Arial" panose="020B0604020202020204" pitchFamily="34" charset="0"/>
             </a:endParaRPr>
           </a:p>
         </p:txBody>
@@ -3239,6 +3314,8 @@
                     <a:lumOff val="80000"/>
                   </a:schemeClr>
                 </a:solidFill>
+                <a:latin typeface="Arial" panose="020B0604020202020204" pitchFamily="34" charset="0"/>
+                <a:cs typeface="Arial" panose="020B0604020202020204" pitchFamily="34" charset="0"/>
               </a:rPr>
               <a:t>Abstract</a:t>
             </a:r>
@@ -3253,7 +3330,7 @@
         </p:nvSpPr>
         <p:spPr>
           <a:xfrm>
-            <a:off x="1097280" y="6897880"/>
+            <a:off x="1097280" y="5410200"/>
             <a:ext cx="9875520" cy="457200"/>
           </a:xfrm>
           <a:prstGeom prst="rect">
@@ -3295,6 +3372,8 @@
                     <a:lumOff val="80000"/>
                   </a:schemeClr>
                 </a:solidFill>
+                <a:latin typeface="Arial" panose="020B0604020202020204" pitchFamily="34" charset="0"/>
+                <a:cs typeface="Arial" panose="020B0604020202020204" pitchFamily="34" charset="0"/>
               </a:rPr>
               <a:t>Introduction</a:t>
             </a:r>
@@ -3312,7 +3391,7 @@
         <p:spPr bwMode="auto">
           <a:xfrm>
             <a:off x="11521440" y="3657601"/>
-            <a:ext cx="9875520" cy="12816636"/>
+            <a:ext cx="9875520" cy="13124413"/>
           </a:xfrm>
           <a:prstGeom prst="rect">
             <a:avLst/>
@@ -3437,82 +3516,44 @@
               <a:buChar char="•"/>
             </a:pPr>
             <a:r>
-              <a:rPr lang="en-US" sz="2000" b="1" dirty="0"/>
-              <a:t>Logistic regression with cross entropy loss and no </a:t>
-            </a:r>
-            <a:r>
-              <a:rPr lang="en-US" sz="2000" b="1" dirty="0" smtClean="0"/>
-              <a:t>resampling</a:t>
-            </a:r>
-          </a:p>
-          <a:p>
-            <a:r>
-              <a:rPr lang="en-US" sz="2000" dirty="0"/>
-              <a:t>We trained a logistic regression model optimized using cross entropy loss. For this preliminary </a:t>
-            </a:r>
-            <a:r>
-              <a:rPr lang="en-US" sz="2000" dirty="0" smtClean="0"/>
-              <a:t>stage, we </a:t>
-            </a:r>
-            <a:r>
-              <a:rPr lang="en-US" sz="2000" dirty="0"/>
-              <a:t>pulled from a subset of the dataset. We generated </a:t>
-            </a:r>
-            <a:r>
-              <a:rPr lang="en-US" sz="2000" dirty="0" smtClean="0"/>
-              <a:t>concatenated </a:t>
-            </a:r>
-            <a:r>
-              <a:rPr lang="en-US" sz="2000" dirty="0"/>
-              <a:t>vectors for the first 10 </a:t>
-            </a:r>
-            <a:r>
-              <a:rPr lang="en-US" sz="2000" dirty="0" smtClean="0"/>
-              <a:t>examples each </a:t>
-            </a:r>
-            <a:r>
-              <a:rPr lang="en-US" sz="2000" dirty="0"/>
-              <a:t>of the first 10 users </a:t>
-            </a:r>
-            <a:r>
-              <a:rPr lang="en-US" sz="2000" dirty="0" smtClean="0"/>
-              <a:t>and performed </a:t>
-            </a:r>
-            <a:r>
-              <a:rPr lang="en-US" sz="2000" dirty="0"/>
-              <a:t>our data preprocessing method on the data subset with </a:t>
-            </a:r>
-            <a:r>
-              <a:rPr lang="en-US" sz="2000" dirty="0" smtClean="0"/>
-              <a:t>no under- </a:t>
-            </a:r>
-            <a:r>
-              <a:rPr lang="en-US" sz="2000" dirty="0"/>
-              <a:t>or over-sampling. With 70%-30% train-validation split, we achieved 89.6% accuracy with 0%</a:t>
-            </a:r>
-          </a:p>
-          <a:p>
-            <a:r>
-              <a:rPr lang="en-US" sz="2000" dirty="0"/>
-              <a:t>precision, 0% recall, and 100% specificity. Upon inspection, the model consistently predicted the </a:t>
-            </a:r>
-            <a:r>
-              <a:rPr lang="en-US" sz="2000" dirty="0" smtClean="0"/>
-              <a:t>0 label </a:t>
-            </a:r>
-            <a:r>
-              <a:rPr lang="en-US" sz="2000" dirty="0"/>
-              <a:t>for every single validation example. We hypothesized that the disproportionate prediction </a:t>
-            </a:r>
-            <a:r>
-              <a:rPr lang="en-US" sz="2000" dirty="0" smtClean="0"/>
-              <a:t>of label </a:t>
-            </a:r>
-            <a:r>
-              <a:rPr lang="en-US" sz="2000" dirty="0"/>
-              <a:t>0 was due to heavily unbalanced data, with a significant majority class 0.</a:t>
-            </a:r>
-            <a:endParaRPr lang="en-US" sz="2000" dirty="0" smtClean="0"/>
+              <a:rPr lang="en-US" sz="2000" b="1" dirty="0">
+                <a:latin typeface="Arial" panose="020B0604020202020204" pitchFamily="34" charset="0"/>
+                <a:cs typeface="Arial" panose="020B0604020202020204" pitchFamily="34" charset="0"/>
+              </a:rPr>
+              <a:t>Logistic regression with cross entropy loss and no resampling</a:t>
+            </a:r>
+          </a:p>
+          <a:p>
+            <a:r>
+              <a:rPr lang="en-US" sz="2000" dirty="0">
+                <a:latin typeface="Arial" panose="020B0604020202020204" pitchFamily="34" charset="0"/>
+                <a:cs typeface="Arial" panose="020B0604020202020204" pitchFamily="34" charset="0"/>
+              </a:rPr>
+              <a:t>We trained a logistic regression model optimized using cross entropy loss. For this preliminary stage, we pulled from a subset of the dataset. We generated concatenated vectors for the first 10 examples each of the first 10 users and performed our data preprocessing method on the data subset with no under- or over-sampling. With 70%-30% train-validation split, we achieved </a:t>
+            </a:r>
+            <a:r>
+              <a:rPr lang="en-US" sz="2000" b="1" dirty="0">
+                <a:latin typeface="Arial" panose="020B0604020202020204" pitchFamily="34" charset="0"/>
+                <a:cs typeface="Arial" panose="020B0604020202020204" pitchFamily="34" charset="0"/>
+              </a:rPr>
+              <a:t>89.6% accuracy </a:t>
+            </a:r>
+            <a:r>
+              <a:rPr lang="en-US" sz="2000" dirty="0">
+                <a:latin typeface="Arial" panose="020B0604020202020204" pitchFamily="34" charset="0"/>
+                <a:cs typeface="Arial" panose="020B0604020202020204" pitchFamily="34" charset="0"/>
+              </a:rPr>
+              <a:t>with 0%</a:t>
+            </a:r>
+          </a:p>
+          <a:p>
+            <a:r>
+              <a:rPr lang="en-US" sz="2000" dirty="0">
+                <a:latin typeface="Arial" panose="020B0604020202020204" pitchFamily="34" charset="0"/>
+                <a:cs typeface="Arial" panose="020B0604020202020204" pitchFamily="34" charset="0"/>
+              </a:rPr>
+              <a:t>precision, 0% recall, and 100% specificity. Upon inspection, the model consistently predicted the 0 label for every single validation example. We hypothesized that the disproportionate prediction of label 0 was due to heavily unbalanced data, with a significant majority class 0.</a:t>
+            </a:r>
           </a:p>
           <a:p>
             <a:pPr marL="342900" indent="-342900" eaLnBrk="1" hangingPunct="1">
@@ -3520,93 +3561,60 @@
               <a:buChar char="•"/>
             </a:pPr>
             <a:r>
-              <a:rPr lang="en-US" sz="2000" b="1" dirty="0"/>
+              <a:rPr lang="en-US" sz="2000" b="1" dirty="0">
+                <a:latin typeface="Arial" panose="020B0604020202020204" pitchFamily="34" charset="0"/>
+                <a:cs typeface="Arial" panose="020B0604020202020204" pitchFamily="34" charset="0"/>
+              </a:rPr>
               <a:t>Logistic regression with cross entropy loss and 50-50 </a:t>
             </a:r>
             <a:r>
-              <a:rPr lang="en-US" sz="2000" b="1" dirty="0" err="1" smtClean="0"/>
+              <a:rPr lang="en-US" sz="2000" b="1" dirty="0" err="1">
+                <a:latin typeface="Arial" panose="020B0604020202020204" pitchFamily="34" charset="0"/>
+                <a:cs typeface="Arial" panose="020B0604020202020204" pitchFamily="34" charset="0"/>
+              </a:rPr>
               <a:t>undersampling</a:t>
             </a:r>
-            <a:endParaRPr lang="en-US" sz="2000" b="1" dirty="0" smtClean="0"/>
-          </a:p>
-          <a:p>
-            <a:r>
-              <a:rPr lang="en-US" sz="2000" dirty="0"/>
-              <a:t>In our next attempt, we used resampling techniques to balance the majority and minority class </a:t>
-            </a:r>
-            <a:r>
-              <a:rPr lang="en-US" sz="2000" dirty="0" smtClean="0"/>
-              <a:t>to parity</a:t>
-            </a:r>
-            <a:r>
-              <a:rPr lang="en-US" sz="2000" dirty="0"/>
-              <a:t>. With 50-50 </a:t>
-            </a:r>
-            <a:r>
-              <a:rPr lang="en-US" sz="2000" dirty="0" err="1"/>
+            <a:endParaRPr lang="en-US" sz="2000" b="1" dirty="0">
+              <a:latin typeface="Arial" panose="020B0604020202020204" pitchFamily="34" charset="0"/>
+              <a:cs typeface="Arial" panose="020B0604020202020204" pitchFamily="34" charset="0"/>
+            </a:endParaRPr>
+          </a:p>
+          <a:p>
+            <a:r>
+              <a:rPr lang="en-US" sz="2000" dirty="0">
+                <a:latin typeface="Arial" panose="020B0604020202020204" pitchFamily="34" charset="0"/>
+                <a:cs typeface="Arial" panose="020B0604020202020204" pitchFamily="34" charset="0"/>
+              </a:rPr>
+              <a:t>In our next attempt, we used resampling techniques to balance the majority and minority class to parity. With 50-50 </a:t>
+            </a:r>
+            <a:r>
+              <a:rPr lang="en-US" sz="2000" dirty="0" err="1">
+                <a:latin typeface="Arial" panose="020B0604020202020204" pitchFamily="34" charset="0"/>
+                <a:cs typeface="Arial" panose="020B0604020202020204" pitchFamily="34" charset="0"/>
+              </a:rPr>
               <a:t>undersampling</a:t>
             </a:r>
             <a:r>
-              <a:rPr lang="en-US" sz="2000" dirty="0"/>
+              <a:rPr lang="en-US" sz="2000" dirty="0">
+                <a:latin typeface="Arial" panose="020B0604020202020204" pitchFamily="34" charset="0"/>
+                <a:cs typeface="Arial" panose="020B0604020202020204" pitchFamily="34" charset="0"/>
+              </a:rPr>
               <a:t> using random </a:t>
             </a:r>
             <a:r>
-              <a:rPr lang="en-US" sz="2000" dirty="0" err="1"/>
+              <a:rPr lang="en-US" sz="2000" dirty="0" err="1">
+                <a:latin typeface="Arial" panose="020B0604020202020204" pitchFamily="34" charset="0"/>
+                <a:cs typeface="Arial" panose="020B0604020202020204" pitchFamily="34" charset="0"/>
+              </a:rPr>
               <a:t>undersampling</a:t>
             </a:r>
             <a:r>
-              <a:rPr lang="en-US" sz="2000" dirty="0"/>
-              <a:t> of the majority class, and </a:t>
-            </a:r>
-            <a:r>
-              <a:rPr lang="en-US" sz="2000" dirty="0" smtClean="0"/>
-              <a:t>using our </a:t>
-            </a:r>
-            <a:r>
-              <a:rPr lang="en-US" sz="2000" dirty="0"/>
-              <a:t>entire post-processed dataset of 8 million comparative examples, we achieved 50.0% </a:t>
-            </a:r>
-            <a:r>
-              <a:rPr lang="en-US" sz="2000" dirty="0" smtClean="0"/>
-              <a:t>accuracy, 50.0</a:t>
-            </a:r>
-            <a:r>
-              <a:rPr lang="en-US" sz="2000" dirty="0"/>
-              <a:t>% precision, 100% recall, and 00.02% specificity. This means 50% likelihood of </a:t>
-            </a:r>
-            <a:r>
-              <a:rPr lang="en-US" sz="2000" dirty="0" smtClean="0"/>
-              <a:t>predicting same </a:t>
-            </a:r>
-            <a:r>
-              <a:rPr lang="en-US" sz="2000" dirty="0"/>
-              <a:t>user when the user was in fact different. This is not more effective than a random guess, </a:t>
-            </a:r>
-            <a:r>
-              <a:rPr lang="en-US" sz="2000" dirty="0" smtClean="0"/>
-              <a:t>so the </a:t>
-            </a:r>
-            <a:r>
-              <a:rPr lang="en-US" sz="2000" dirty="0"/>
-              <a:t>challenge will be lowering the false positive count, as it is more important, from a security </a:t>
-            </a:r>
-            <a:r>
-              <a:rPr lang="en-US" sz="2000" dirty="0" smtClean="0"/>
-              <a:t>point of </a:t>
-            </a:r>
-            <a:r>
-              <a:rPr lang="en-US" sz="2000" dirty="0"/>
-              <a:t>view, to minimize false positives (predict same user, but actually different) than false </a:t>
-            </a:r>
-            <a:r>
-              <a:rPr lang="en-US" sz="2000" dirty="0" smtClean="0"/>
-              <a:t>negatives (predict </a:t>
-            </a:r>
-            <a:r>
-              <a:rPr lang="en-US" sz="2000" dirty="0"/>
-              <a:t>different user, but actually same).</a:t>
-            </a:r>
-            <a:endParaRPr lang="en-US" sz="2000" dirty="0" smtClean="0"/>
+              <a:rPr lang="en-US" sz="2000" dirty="0">
+                <a:latin typeface="Arial" panose="020B0604020202020204" pitchFamily="34" charset="0"/>
+                <a:cs typeface="Arial" panose="020B0604020202020204" pitchFamily="34" charset="0"/>
+              </a:rPr>
+              <a:t> of the majority class, and using our entire post-processed dataset of 8 million comparative examples, we achieved 50.0% accuracy, 50.0% precision, 100% recall, and 00.02% specificity. This means 50% likelihood of predicting same user when the user was in fact different. This is not more effective than a random guess, so the challenge will be lowering the false positive count, as it is more important, from a security point of view, to minimize false positives (predict same user, but actually different) than false negatives (predict different user, but actually same).</a:t>
+            </a:r>
           </a:p>
           <a:p>
             <a:pPr marL="342900" indent="-342900" eaLnBrk="1" hangingPunct="1">
@@ -3614,149 +3622,127 @@
               <a:buChar char="•"/>
             </a:pPr>
             <a:r>
-              <a:rPr lang="en-US" sz="2000" b="1" dirty="0"/>
+              <a:rPr lang="en-US" sz="2000" b="1" dirty="0">
+                <a:latin typeface="Arial" panose="020B0604020202020204" pitchFamily="34" charset="0"/>
+                <a:cs typeface="Arial" panose="020B0604020202020204" pitchFamily="34" charset="0"/>
+              </a:rPr>
               <a:t>Fully Connected Deep Neural Nets with cross entropy loss and 50-50 </a:t>
             </a:r>
             <a:r>
-              <a:rPr lang="en-US" sz="2000" b="1" dirty="0" err="1" smtClean="0"/>
+              <a:rPr lang="en-US" sz="2000" b="1" dirty="0" err="1">
+                <a:latin typeface="Arial" panose="020B0604020202020204" pitchFamily="34" charset="0"/>
+                <a:cs typeface="Arial" panose="020B0604020202020204" pitchFamily="34" charset="0"/>
+              </a:rPr>
               <a:t>undersampling</a:t>
             </a:r>
-            <a:endParaRPr lang="en-US" sz="2000" b="1" dirty="0" smtClean="0"/>
-          </a:p>
-          <a:p>
-            <a:r>
-              <a:rPr lang="en-US" sz="2000" dirty="0"/>
-              <a:t>From the results in the section above, we hypothesized a single logistic unit could not </a:t>
-            </a:r>
-            <a:r>
-              <a:rPr lang="en-US" sz="2000" dirty="0" smtClean="0"/>
-              <a:t>represent enough </a:t>
-            </a:r>
-            <a:r>
-              <a:rPr lang="en-US" sz="2000" dirty="0"/>
-              <a:t>complexity to capture the relationship between the 142 features of our input. Hence, </a:t>
-            </a:r>
-            <a:r>
-              <a:rPr lang="en-US" sz="2000" dirty="0" smtClean="0"/>
-              <a:t>we trained </a:t>
-            </a:r>
-            <a:r>
-              <a:rPr lang="en-US" sz="2000" dirty="0"/>
-              <a:t>a variety of fully connect deep neural networks and compared their validation </a:t>
-            </a:r>
-            <a:r>
-              <a:rPr lang="en-US" sz="2000" dirty="0" smtClean="0"/>
-              <a:t>accuracy. Deep </a:t>
-            </a:r>
-            <a:r>
-              <a:rPr lang="en-US" sz="2000" dirty="0"/>
-              <a:t>neural nets ranging from 1 hidden layer to 5 hidden layers, with 10 neurons per hidden </a:t>
-            </a:r>
-            <a:r>
-              <a:rPr lang="en-US" sz="2000" dirty="0" smtClean="0"/>
-              <a:t>layer, with </a:t>
-            </a:r>
-            <a:r>
-              <a:rPr lang="en-US" sz="2000" dirty="0" err="1"/>
+            <a:endParaRPr lang="en-US" sz="2000" b="1" dirty="0">
+              <a:latin typeface="Arial" panose="020B0604020202020204" pitchFamily="34" charset="0"/>
+              <a:cs typeface="Arial" panose="020B0604020202020204" pitchFamily="34" charset="0"/>
+            </a:endParaRPr>
+          </a:p>
+          <a:p>
+            <a:r>
+              <a:rPr lang="en-US" sz="2000" dirty="0">
+                <a:latin typeface="Arial" panose="020B0604020202020204" pitchFamily="34" charset="0"/>
+                <a:cs typeface="Arial" panose="020B0604020202020204" pitchFamily="34" charset="0"/>
+              </a:rPr>
+              <a:t>From the results in the section above, we hypothesized a single logistic unit could not represent enough complexity to capture the relationship between the 142 features of our input. Hence, we trained a variety of fully connect deep neural networks and compared their validation accuracy. Deep neural nets ranging from 1 hidden layer to 5 hidden layers, with 10 neurons per hidden layer, with </a:t>
+            </a:r>
+            <a:r>
+              <a:rPr lang="en-US" sz="2000" dirty="0" err="1">
+                <a:latin typeface="Arial" panose="020B0604020202020204" pitchFamily="34" charset="0"/>
+                <a:cs typeface="Arial" panose="020B0604020202020204" pitchFamily="34" charset="0"/>
+              </a:rPr>
               <a:t>relu</a:t>
             </a:r>
             <a:r>
-              <a:rPr lang="en-US" sz="2000" dirty="0"/>
+              <a:rPr lang="en-US" sz="2000" dirty="0">
+                <a:latin typeface="Arial" panose="020B0604020202020204" pitchFamily="34" charset="0"/>
+                <a:cs typeface="Arial" panose="020B0604020202020204" pitchFamily="34" charset="0"/>
+              </a:rPr>
               <a:t> activation, and sigmoid activation on the output layer. The loss function remained </a:t>
             </a:r>
             <a:r>
-              <a:rPr lang="en-US" sz="2000" dirty="0" err="1" smtClean="0"/>
+              <a:rPr lang="en-US" sz="2000" dirty="0" err="1">
+                <a:latin typeface="Arial" panose="020B0604020202020204" pitchFamily="34" charset="0"/>
+                <a:cs typeface="Arial" panose="020B0604020202020204" pitchFamily="34" charset="0"/>
+              </a:rPr>
               <a:t>crossentropy</a:t>
             </a:r>
             <a:r>
-              <a:rPr lang="en-US" sz="2000" dirty="0" smtClean="0"/>
-              <a:t>. We </a:t>
-            </a:r>
-            <a:r>
-              <a:rPr lang="en-US" sz="2000" dirty="0"/>
-              <a:t>trained each DNN model for 25 epochs from randomly initialized weights and </a:t>
-            </a:r>
-            <a:r>
-              <a:rPr lang="en-US" sz="2000" dirty="0" smtClean="0"/>
-              <a:t>measured their </a:t>
-            </a:r>
-            <a:r>
-              <a:rPr lang="en-US" sz="2000" dirty="0"/>
-              <a:t>validation accuracy. This was repeated 10 times for each DNN model, and the </a:t>
-            </a:r>
-            <a:r>
-              <a:rPr lang="en-US" sz="2000" dirty="0" smtClean="0"/>
-              <a:t> average of validation </a:t>
-            </a:r>
-            <a:r>
-              <a:rPr lang="en-US" sz="2000" dirty="0"/>
-              <a:t>accuracy of 10 trials was recorded as a benchmark of how each additional layer </a:t>
-            </a:r>
-            <a:r>
-              <a:rPr lang="en-US" sz="2000" dirty="0" smtClean="0"/>
-              <a:t>improve the </a:t>
-            </a:r>
-            <a:r>
-              <a:rPr lang="en-US" sz="2000" dirty="0"/>
-              <a:t>performance of the model.</a:t>
-            </a:r>
-          </a:p>
-          <a:p>
-            <a:endParaRPr lang="en-US" sz="2000" dirty="0" smtClean="0"/>
-          </a:p>
-          <a:p>
-            <a:endParaRPr lang="en-US" sz="2000" dirty="0"/>
-          </a:p>
-          <a:p>
-            <a:endParaRPr lang="en-US" sz="2000" dirty="0" smtClean="0"/>
-          </a:p>
-          <a:p>
-            <a:endParaRPr lang="en-US" sz="2000" dirty="0"/>
-          </a:p>
-          <a:p>
-            <a:r>
-              <a:rPr lang="en-US" sz="2000" dirty="0" smtClean="0"/>
-              <a:t>From </a:t>
-            </a:r>
-            <a:r>
-              <a:rPr lang="en-US" sz="2000" dirty="0"/>
-              <a:t>this investigation, we conclude with 10 </a:t>
-            </a:r>
-            <a:r>
-              <a:rPr lang="en-US" sz="2000" dirty="0" err="1"/>
+              <a:rPr lang="en-US" sz="2000" dirty="0">
+                <a:latin typeface="Arial" panose="020B0604020202020204" pitchFamily="34" charset="0"/>
+                <a:cs typeface="Arial" panose="020B0604020202020204" pitchFamily="34" charset="0"/>
+              </a:rPr>
+              <a:t>. We trained each DNN model for 25 epochs from randomly initialized weights and measured their validation accuracy. This was repeated 10 times for each DNN model, and the  average of validation accuracy of 10 trials was recorded as a benchmark of how each additional layer improve the performance of the model</a:t>
+            </a:r>
+            <a:r>
+              <a:rPr lang="en-US" sz="2000" dirty="0" smtClean="0">
+                <a:latin typeface="Arial" panose="020B0604020202020204" pitchFamily="34" charset="0"/>
+                <a:cs typeface="Arial" panose="020B0604020202020204" pitchFamily="34" charset="0"/>
+              </a:rPr>
+              <a:t>.</a:t>
+            </a:r>
+          </a:p>
+          <a:p>
+            <a:endParaRPr lang="en-US" sz="2000" dirty="0">
+              <a:latin typeface="Arial" panose="020B0604020202020204" pitchFamily="34" charset="0"/>
+              <a:cs typeface="Arial" panose="020B0604020202020204" pitchFamily="34" charset="0"/>
+            </a:endParaRPr>
+          </a:p>
+          <a:p>
+            <a:endParaRPr lang="en-US" sz="2000" dirty="0">
+              <a:latin typeface="Arial" panose="020B0604020202020204" pitchFamily="34" charset="0"/>
+              <a:cs typeface="Arial" panose="020B0604020202020204" pitchFamily="34" charset="0"/>
+            </a:endParaRPr>
+          </a:p>
+          <a:p>
+            <a:endParaRPr lang="en-US" sz="2000" dirty="0">
+              <a:latin typeface="Arial" panose="020B0604020202020204" pitchFamily="34" charset="0"/>
+              <a:cs typeface="Arial" panose="020B0604020202020204" pitchFamily="34" charset="0"/>
+            </a:endParaRPr>
+          </a:p>
+          <a:p>
+            <a:endParaRPr lang="en-US" sz="2000" dirty="0">
+              <a:latin typeface="Arial" panose="020B0604020202020204" pitchFamily="34" charset="0"/>
+              <a:cs typeface="Arial" panose="020B0604020202020204" pitchFamily="34" charset="0"/>
+            </a:endParaRPr>
+          </a:p>
+          <a:p>
+            <a:endParaRPr lang="en-US" sz="2000" dirty="0">
+              <a:latin typeface="Arial" panose="020B0604020202020204" pitchFamily="34" charset="0"/>
+              <a:cs typeface="Arial" panose="020B0604020202020204" pitchFamily="34" charset="0"/>
+            </a:endParaRPr>
+          </a:p>
+          <a:p>
+            <a:r>
+              <a:rPr lang="en-US" sz="2000" dirty="0">
+                <a:latin typeface="Arial" panose="020B0604020202020204" pitchFamily="34" charset="0"/>
+                <a:cs typeface="Arial" panose="020B0604020202020204" pitchFamily="34" charset="0"/>
+              </a:rPr>
+              <a:t>From this investigation, we conclude with 10 </a:t>
+            </a:r>
+            <a:r>
+              <a:rPr lang="en-US" sz="2000" dirty="0" err="1">
+                <a:latin typeface="Arial" panose="020B0604020202020204" pitchFamily="34" charset="0"/>
+                <a:cs typeface="Arial" panose="020B0604020202020204" pitchFamily="34" charset="0"/>
+              </a:rPr>
               <a:t>ReLU</a:t>
             </a:r>
             <a:r>
-              <a:rPr lang="en-US" sz="2000" dirty="0"/>
-              <a:t> activated neurons per hidden layer, the 3 </a:t>
-            </a:r>
-            <a:r>
-              <a:rPr lang="en-US" sz="2000" dirty="0" smtClean="0"/>
-              <a:t>hidden layer </a:t>
-            </a:r>
-            <a:r>
-              <a:rPr lang="en-US" sz="2000" dirty="0"/>
-              <a:t>model achieves the best accuracy vs. training speed trade-off. Hence, we retrained that </a:t>
-            </a:r>
-            <a:r>
-              <a:rPr lang="en-US" sz="2000" dirty="0" smtClean="0"/>
-              <a:t>model for </a:t>
-            </a:r>
-            <a:r>
-              <a:rPr lang="en-US" sz="2000" dirty="0"/>
-              <a:t>100 epochs, and produced the following validation results: 79.8% accuracy, 81.7% </a:t>
-            </a:r>
-            <a:r>
-              <a:rPr lang="en-US" sz="2000" dirty="0" smtClean="0"/>
-              <a:t>precision, 76.8</a:t>
-            </a:r>
-            <a:r>
-              <a:rPr lang="en-US" sz="2000" dirty="0"/>
-              <a:t>% recall, and 95.1% specificity.</a:t>
-            </a:r>
-            <a:endParaRPr lang="en-US" sz="2000" dirty="0">
-              <a:latin typeface="Calibri" pitchFamily="34" charset="0"/>
-            </a:endParaRPr>
+              <a:rPr lang="en-US" sz="2000" dirty="0">
+                <a:latin typeface="Arial" panose="020B0604020202020204" pitchFamily="34" charset="0"/>
+                <a:cs typeface="Arial" panose="020B0604020202020204" pitchFamily="34" charset="0"/>
+              </a:rPr>
+              <a:t> activated neurons per hidden layer, the 3 hidden layer model achieves the best accuracy vs. training speed trade-off. Hence, we retrained that model for 100 epochs, and produced the following validation results: </a:t>
+            </a:r>
+            <a:r>
+              <a:rPr lang="en-US" sz="2000" b="1" dirty="0">
+                <a:latin typeface="Arial" panose="020B0604020202020204" pitchFamily="34" charset="0"/>
+                <a:cs typeface="Arial" panose="020B0604020202020204" pitchFamily="34" charset="0"/>
+              </a:rPr>
+              <a:t>79.8% accuracy, 81.7% precision, 76.8% recall, and 95.1% specificity.</a:t>
+            </a:r>
           </a:p>
         </p:txBody>
       </p:sp>
@@ -3803,16 +3789,28 @@
           <a:p>
             <a:pPr algn="ctr"/>
             <a:r>
-              <a:rPr lang="en-US" sz="3200" b="1" dirty="0">
+              <a:rPr lang="en-US" sz="3200" b="1" dirty="0" smtClean="0">
                 <a:solidFill>
                   <a:schemeClr val="accent3">
                     <a:lumMod val="20000"/>
                     <a:lumOff val="80000"/>
                   </a:schemeClr>
                 </a:solidFill>
-              </a:rPr>
-              <a:t>Methods and Models</a:t>
-            </a:r>
+                <a:latin typeface="Arial" panose="020B0604020202020204" pitchFamily="34" charset="0"/>
+                <a:cs typeface="Arial" panose="020B0604020202020204" pitchFamily="34" charset="0"/>
+              </a:rPr>
+              <a:t>Methods</a:t>
+            </a:r>
+            <a:endParaRPr lang="en-US" sz="3200" b="1" dirty="0">
+              <a:solidFill>
+                <a:schemeClr val="accent3">
+                  <a:lumMod val="20000"/>
+                  <a:lumOff val="80000"/>
+                </a:schemeClr>
+              </a:solidFill>
+              <a:latin typeface="Arial" panose="020B0604020202020204" pitchFamily="34" charset="0"/>
+              <a:cs typeface="Arial" panose="020B0604020202020204" pitchFamily="34" charset="0"/>
+            </a:endParaRPr>
           </a:p>
         </p:txBody>
       </p:sp>
@@ -3866,6 +3864,8 @@
                     <a:lumOff val="80000"/>
                   </a:schemeClr>
                 </a:solidFill>
+                <a:latin typeface="Arial" panose="020B0604020202020204" pitchFamily="34" charset="0"/>
+                <a:cs typeface="Arial" panose="020B0604020202020204" pitchFamily="34" charset="0"/>
               </a:rPr>
               <a:t>Results</a:t>
             </a:r>
@@ -4063,6 +4063,8 @@
                     <a:lumOff val="80000"/>
                   </a:schemeClr>
                 </a:solidFill>
+                <a:latin typeface="Arial" panose="020B0604020202020204" pitchFamily="34" charset="0"/>
+                <a:cs typeface="Arial" panose="020B0604020202020204" pitchFamily="34" charset="0"/>
               </a:rPr>
               <a:t>Conclusions</a:t>
             </a:r>
@@ -4079,8 +4081,8 @@
         </p:nvSpPr>
         <p:spPr bwMode="auto">
           <a:xfrm>
-            <a:off x="1097280" y="7355083"/>
-            <a:ext cx="9875520" cy="1736680"/>
+            <a:off x="1097280" y="5867403"/>
+            <a:ext cx="9875520" cy="4198892"/>
           </a:xfrm>
           <a:prstGeom prst="rect">
             <a:avLst/>
@@ -4205,16 +4207,53 @@
               <a:buChar char="•"/>
             </a:pPr>
             <a:r>
-              <a:rPr lang="en-US" sz="2000" dirty="0"/>
-              <a:t>Keystroke pattern and dynamics classification is an important application of machine learning to computer security and authentication. The massive increase in popularity and computing power of mobile devices in the last ten years has spurred significant interest in biometric-focused authentication models for </a:t>
-            </a:r>
-            <a:r>
-              <a:rPr lang="en-US" sz="2000" b="1" dirty="0"/>
-              <a:t>mobile devices</a:t>
-            </a:r>
-            <a:r>
-              <a:rPr lang="en-US" sz="2000" dirty="0" smtClean="0"/>
-              <a:t>.</a:t>
+              <a:rPr lang="en-US" sz="2000" dirty="0">
+                <a:latin typeface="Arial" panose="020B0604020202020204" pitchFamily="34" charset="0"/>
+                <a:cs typeface="Arial" panose="020B0604020202020204" pitchFamily="34" charset="0"/>
+              </a:rPr>
+              <a:t>Keystroke pattern and dynamics classification is an important application of machine learning to computer security and authentication. The massive increase in popularity and </a:t>
+            </a:r>
+            <a:r>
+              <a:rPr lang="en-US" sz="2000" b="1" dirty="0">
+                <a:latin typeface="Arial" panose="020B0604020202020204" pitchFamily="34" charset="0"/>
+                <a:cs typeface="Arial" panose="020B0604020202020204" pitchFamily="34" charset="0"/>
+              </a:rPr>
+              <a:t>computing power of mobile devices</a:t>
+            </a:r>
+            <a:r>
+              <a:rPr lang="en-US" sz="2000" dirty="0">
+                <a:latin typeface="Arial" panose="020B0604020202020204" pitchFamily="34" charset="0"/>
+                <a:cs typeface="Arial" panose="020B0604020202020204" pitchFamily="34" charset="0"/>
+              </a:rPr>
+              <a:t> in the last ten years has spurred significant interest in </a:t>
+            </a:r>
+            <a:r>
+              <a:rPr lang="en-US" sz="2000" dirty="0" smtClean="0">
+                <a:latin typeface="Arial" panose="020B0604020202020204" pitchFamily="34" charset="0"/>
+                <a:cs typeface="Arial" panose="020B0604020202020204" pitchFamily="34" charset="0"/>
+              </a:rPr>
+              <a:t>biometric authentication </a:t>
+            </a:r>
+            <a:r>
+              <a:rPr lang="en-US" sz="2000" dirty="0">
+                <a:latin typeface="Arial" panose="020B0604020202020204" pitchFamily="34" charset="0"/>
+                <a:cs typeface="Arial" panose="020B0604020202020204" pitchFamily="34" charset="0"/>
+              </a:rPr>
+              <a:t>models for </a:t>
+            </a:r>
+            <a:r>
+              <a:rPr lang="en-US" sz="2000" dirty="0" smtClean="0">
+                <a:latin typeface="Arial" panose="020B0604020202020204" pitchFamily="34" charset="0"/>
+                <a:cs typeface="Arial" panose="020B0604020202020204" pitchFamily="34" charset="0"/>
+              </a:rPr>
+              <a:t>mobile </a:t>
+            </a:r>
+            <a:r>
+              <a:rPr lang="en-US" sz="2000" dirty="0">
+                <a:latin typeface="Arial" panose="020B0604020202020204" pitchFamily="34" charset="0"/>
+                <a:cs typeface="Arial" panose="020B0604020202020204" pitchFamily="34" charset="0"/>
+              </a:rPr>
+              <a:t>devices.</a:t>
             </a:r>
           </a:p>
           <a:p>
@@ -4223,10 +4262,82 @@
               <a:buChar char="•"/>
             </a:pPr>
             <a:r>
-              <a:rPr lang="en-US" sz="2000" dirty="0"/>
-              <a:t>W</a:t>
-            </a:r>
-            <a:endParaRPr lang="en-US" sz="2000" dirty="0"/>
+              <a:rPr lang="en-US" sz="2000" dirty="0">
+                <a:latin typeface="Arial" panose="020B0604020202020204" pitchFamily="34" charset="0"/>
+                <a:cs typeface="Arial" panose="020B0604020202020204" pitchFamily="34" charset="0"/>
+              </a:rPr>
+              <a:t>Existing literature emphasizes need for more nuanced </a:t>
+            </a:r>
+            <a:r>
+              <a:rPr lang="en-US" sz="2000" b="1" dirty="0">
+                <a:latin typeface="Arial" panose="020B0604020202020204" pitchFamily="34" charset="0"/>
+                <a:cs typeface="Arial" panose="020B0604020202020204" pitchFamily="34" charset="0"/>
+              </a:rPr>
+              <a:t>security protocols </a:t>
+            </a:r>
+            <a:r>
+              <a:rPr lang="en-US" sz="2000" dirty="0">
+                <a:latin typeface="Arial" panose="020B0604020202020204" pitchFamily="34" charset="0"/>
+                <a:cs typeface="Arial" panose="020B0604020202020204" pitchFamily="34" charset="0"/>
+              </a:rPr>
+              <a:t>in personal devices. As mobile devices store increasingly valuable and confidential information, learning classifiers to detect fraud is becoming ever more applicable and important. </a:t>
+            </a:r>
+            <a:endParaRPr lang="en-US" sz="2000" dirty="0" smtClean="0">
+              <a:latin typeface="Arial" panose="020B0604020202020204" pitchFamily="34" charset="0"/>
+              <a:cs typeface="Arial" panose="020B0604020202020204" pitchFamily="34" charset="0"/>
+            </a:endParaRPr>
+          </a:p>
+          <a:p>
+            <a:pPr marL="285750" indent="-285750" eaLnBrk="1" hangingPunct="1">
+              <a:buFont typeface="Arial" panose="020B0604020202020204" pitchFamily="34" charset="0"/>
+              <a:buChar char="•"/>
+            </a:pPr>
+            <a:r>
+              <a:rPr lang="en-US" sz="2000" dirty="0" smtClean="0">
+                <a:latin typeface="Arial" panose="020B0604020202020204" pitchFamily="34" charset="0"/>
+                <a:cs typeface="Arial" panose="020B0604020202020204" pitchFamily="34" charset="0"/>
+              </a:rPr>
+              <a:t>At </a:t>
+            </a:r>
+            <a:r>
+              <a:rPr lang="en-US" sz="2000" dirty="0">
+                <a:latin typeface="Arial" panose="020B0604020202020204" pitchFamily="34" charset="0"/>
+                <a:cs typeface="Arial" panose="020B0604020202020204" pitchFamily="34" charset="0"/>
+              </a:rPr>
+              <a:t>the same time, a general, space-efficient, and real-time framework is required to be viable in practice. To this end, we develop fraud detection algorithms that use real-time keystroke dynamics data, and propose a </a:t>
+            </a:r>
+            <a:r>
+              <a:rPr lang="en-US" sz="2000" b="1" dirty="0">
+                <a:latin typeface="Arial" panose="020B0604020202020204" pitchFamily="34" charset="0"/>
+                <a:cs typeface="Arial" panose="020B0604020202020204" pitchFamily="34" charset="0"/>
+              </a:rPr>
+              <a:t>space-efficient </a:t>
+            </a:r>
+            <a:r>
+              <a:rPr lang="en-US" sz="2000" b="1" dirty="0" smtClean="0">
+                <a:latin typeface="Arial" panose="020B0604020202020204" pitchFamily="34" charset="0"/>
+                <a:cs typeface="Arial" panose="020B0604020202020204" pitchFamily="34" charset="0"/>
+              </a:rPr>
+              <a:t>real-time authentication framework</a:t>
+            </a:r>
+            <a:r>
+              <a:rPr lang="en-US" sz="2000" dirty="0" smtClean="0">
+                <a:latin typeface="Arial" panose="020B0604020202020204" pitchFamily="34" charset="0"/>
+                <a:cs typeface="Arial" panose="020B0604020202020204" pitchFamily="34" charset="0"/>
+              </a:rPr>
+              <a:t> </a:t>
+            </a:r>
+            <a:r>
+              <a:rPr lang="en-US" sz="2000" dirty="0">
+                <a:latin typeface="Arial" panose="020B0604020202020204" pitchFamily="34" charset="0"/>
+                <a:cs typeface="Arial" panose="020B0604020202020204" pitchFamily="34" charset="0"/>
+              </a:rPr>
+              <a:t>that can be integrated into native software across all mobile devices. </a:t>
+            </a:r>
+            <a:endParaRPr lang="en-US" sz="2000" dirty="0">
+              <a:latin typeface="Arial" panose="020B0604020202020204" pitchFamily="34" charset="0"/>
+              <a:cs typeface="Arial" panose="020B0604020202020204" pitchFamily="34" charset="0"/>
+            </a:endParaRPr>
           </a:p>
         </p:txBody>
       </p:sp>
@@ -4238,7 +4349,7 @@
         </p:nvSpPr>
         <p:spPr>
           <a:xfrm>
-            <a:off x="1097280" y="10865441"/>
+            <a:off x="1097280" y="10363200"/>
             <a:ext cx="9875520" cy="457200"/>
           </a:xfrm>
           <a:prstGeom prst="rect">
@@ -4280,9 +4391,34 @@
                     <a:lumOff val="80000"/>
                   </a:schemeClr>
                 </a:solidFill>
-              </a:rPr>
-              <a:t>Data and Classifiers</a:t>
-            </a:r>
+                <a:latin typeface="Arial" panose="020B0604020202020204" pitchFamily="34" charset="0"/>
+                <a:cs typeface="Arial" panose="020B0604020202020204" pitchFamily="34" charset="0"/>
+              </a:rPr>
+              <a:t>Data </a:t>
+            </a:r>
+            <a:r>
+              <a:rPr lang="en-US" sz="3200" b="1" dirty="0" smtClean="0">
+                <a:solidFill>
+                  <a:schemeClr val="accent3">
+                    <a:lumMod val="20000"/>
+                    <a:lumOff val="80000"/>
+                  </a:schemeClr>
+                </a:solidFill>
+                <a:latin typeface="Arial" panose="020B0604020202020204" pitchFamily="34" charset="0"/>
+                <a:cs typeface="Arial" panose="020B0604020202020204" pitchFamily="34" charset="0"/>
+              </a:rPr>
+              <a:t>and Classification Task</a:t>
+            </a:r>
+            <a:endParaRPr lang="en-US" sz="3200" b="1" dirty="0">
+              <a:solidFill>
+                <a:schemeClr val="accent3">
+                  <a:lumMod val="20000"/>
+                  <a:lumOff val="80000"/>
+                </a:schemeClr>
+              </a:solidFill>
+              <a:latin typeface="Arial" panose="020B0604020202020204" pitchFamily="34" charset="0"/>
+              <a:cs typeface="Arial" panose="020B0604020202020204" pitchFamily="34" charset="0"/>
+            </a:endParaRPr>
           </a:p>
         </p:txBody>
       </p:sp>
@@ -4296,8 +4432,8 @@
         </p:nvSpPr>
         <p:spPr bwMode="auto">
           <a:xfrm>
-            <a:off x="1097280" y="11322644"/>
-            <a:ext cx="9875520" cy="7584434"/>
+            <a:off x="1097280" y="10820403"/>
+            <a:ext cx="9875520" cy="7892211"/>
           </a:xfrm>
           <a:prstGeom prst="rect">
             <a:avLst/>
@@ -4422,34 +4558,12 @@
               <a:buChar char="•"/>
             </a:pPr>
             <a:r>
-              <a:rPr lang="en-US" sz="2000" dirty="0" smtClean="0">
-                <a:latin typeface="+mn-lt"/>
-              </a:rPr>
-              <a:t>The MEU-Mobile KSD (Keystroke Dynamics) Data Set from the UCI Machine Learning Repository contains 51 records for each of 56 subjects - 2856 records total - of haptic, momentum, and timing features measured of a common sequence (</a:t>
-            </a:r>
-            <a:r>
-              <a:rPr lang="en-US" sz="2000" dirty="0" smtClean="0">
-                <a:latin typeface="Courier New" panose="02070309020205020404" pitchFamily="49" charset="0"/>
-                <a:cs typeface="Courier New" panose="02070309020205020404" pitchFamily="49" charset="0"/>
-              </a:rPr>
-              <a:t>.tie5Roanl</a:t>
-            </a:r>
-            <a:r>
-              <a:rPr lang="en-US" sz="2000" dirty="0" smtClean="0">
-                <a:latin typeface="+mn-lt"/>
-              </a:rPr>
-              <a:t>) typed on a Nexus 7 mobile device. There are 71 features monitored, characterized by the attributes </a:t>
-            </a:r>
-            <a:r>
-              <a:rPr lang="en-US" sz="2000" dirty="0" smtClean="0">
-                <a:latin typeface="Courier New" panose="02070309020205020404" pitchFamily="49" charset="0"/>
-                <a:cs typeface="Courier New" panose="02070309020205020404" pitchFamily="49" charset="0"/>
-              </a:rPr>
-              <a:t>Hold, Up-Down, Down-Down, Pressure, Finger-Area, Average Hold, Average Pressure, Average Area.</a:t>
-            </a:r>
-            <a:endParaRPr lang="en-US" sz="2000" dirty="0" smtClean="0">
-              <a:latin typeface="+mj-lt"/>
-            </a:endParaRPr>
+              <a:rPr lang="en-US" sz="2000" dirty="0">
+                <a:latin typeface="Arial" panose="020B0604020202020204" pitchFamily="34" charset="0"/>
+                <a:cs typeface="Arial" panose="020B0604020202020204" pitchFamily="34" charset="0"/>
+              </a:rPr>
+              <a:t>The MEU-Mobile KSD (Keystroke Dynamics) Data Set from the UCI Machine Learning Repository contains 51 records for each of 56 subjects - 2856 records total - of haptic, momentum, and timing features measured of a common sequence (.tie5Roanl) typed on a Nexus 7 mobile device. There are 71 features monitored, characterized by the attributes Hold, Up-Down, Down-Down, Pressure, Finger-Area, Average Hold, Average Pressure, Average Area.</a:t>
+            </a:r>
           </a:p>
           <a:p>
             <a:pPr marL="342900" indent="-342900" eaLnBrk="1" hangingPunct="1">
@@ -4457,8 +4571,9 @@
               <a:buChar char="•"/>
             </a:pPr>
             <a:r>
-              <a:rPr lang="en-US" sz="2000" dirty="0" smtClean="0">
-                <a:latin typeface="+mj-lt"/>
+              <a:rPr lang="en-US" sz="2000" dirty="0">
+                <a:latin typeface="Arial" panose="020B0604020202020204" pitchFamily="34" charset="0"/>
+                <a:cs typeface="Arial" panose="020B0604020202020204" pitchFamily="34" charset="0"/>
               </a:rPr>
               <a:t>We trained a variety of binary classifiers  to detect if the concatenation the feature vectors of two data-points, forming a vector 142 features, was typed by the same user or not. This allowed us to train one model and have it generalize user verification to any new users not from the training dataset, as long as we one at least one keystroke record for any new users.</a:t>
             </a:r>
@@ -4469,119 +4584,61 @@
               <a:buChar char="•"/>
             </a:pPr>
             <a:r>
+              <a:rPr lang="en-US" sz="2000" dirty="0">
+                <a:latin typeface="Arial" panose="020B0604020202020204" pitchFamily="34" charset="0"/>
+                <a:cs typeface="Arial" panose="020B0604020202020204" pitchFamily="34" charset="0"/>
+              </a:rPr>
+              <a:t>As part of data processing we implemented a flexible </a:t>
+            </a:r>
+            <a:r>
+              <a:rPr lang="en-US" sz="2000" b="1" dirty="0">
+                <a:latin typeface="Arial" panose="020B0604020202020204" pitchFamily="34" charset="0"/>
+                <a:cs typeface="Arial" panose="020B0604020202020204" pitchFamily="34" charset="0"/>
+              </a:rPr>
+              <a:t>resampling framework </a:t>
+            </a:r>
+            <a:r>
+              <a:rPr lang="en-US" sz="2000" dirty="0">
+                <a:latin typeface="Arial" panose="020B0604020202020204" pitchFamily="34" charset="0"/>
+                <a:cs typeface="Arial" panose="020B0604020202020204" pitchFamily="34" charset="0"/>
+              </a:rPr>
+              <a:t>that can utilize a variety of </a:t>
+            </a:r>
+            <a:r>
+              <a:rPr lang="en-US" sz="2000" dirty="0" err="1">
+                <a:latin typeface="Arial" panose="020B0604020202020204" pitchFamily="34" charset="0"/>
+                <a:cs typeface="Arial" panose="020B0604020202020204" pitchFamily="34" charset="0"/>
+              </a:rPr>
+              <a:t>undersampling</a:t>
+            </a:r>
+            <a:r>
+              <a:rPr lang="en-US" sz="2000" dirty="0">
+                <a:latin typeface="Arial" panose="020B0604020202020204" pitchFamily="34" charset="0"/>
+                <a:cs typeface="Arial" panose="020B0604020202020204" pitchFamily="34" charset="0"/>
+              </a:rPr>
+              <a:t> and oversampling methods to </a:t>
+            </a:r>
+            <a:r>
+              <a:rPr lang="en-US" sz="2000" dirty="0" err="1">
+                <a:latin typeface="Arial" panose="020B0604020202020204" pitchFamily="34" charset="0"/>
+                <a:cs typeface="Arial" panose="020B0604020202020204" pitchFamily="34" charset="0"/>
+              </a:rPr>
+              <a:t>undersample</a:t>
+            </a:r>
+            <a:r>
+              <a:rPr lang="en-US" sz="2000" dirty="0">
+                <a:latin typeface="Arial" panose="020B0604020202020204" pitchFamily="34" charset="0"/>
+                <a:cs typeface="Arial" panose="020B0604020202020204" pitchFamily="34" charset="0"/>
+              </a:rPr>
+              <a:t> the majority class and oversample the minority class as necessary. This ensures parity between labels of different user and same user in the training data</a:t>
+            </a:r>
+            <a:r>
               <a:rPr lang="en-US" sz="2000" dirty="0" smtClean="0">
-                <a:latin typeface="+mj-lt"/>
-              </a:rPr>
-              <a:t>As part of data processing we implemented a flexible </a:t>
-            </a:r>
-            <a:r>
-              <a:rPr lang="en-US" sz="2000" b="1" dirty="0" smtClean="0">
-                <a:latin typeface="+mj-lt"/>
-              </a:rPr>
-              <a:t>resampling framework </a:t>
-            </a:r>
-            <a:r>
-              <a:rPr lang="en-US" sz="2000" dirty="0" smtClean="0">
-                <a:latin typeface="+mj-lt"/>
-              </a:rPr>
-              <a:t>that can utilize a variety of </a:t>
-            </a:r>
-            <a:r>
-              <a:rPr lang="en-US" sz="2000" dirty="0" err="1" smtClean="0">
-                <a:latin typeface="+mj-lt"/>
-              </a:rPr>
-              <a:t>undersampling</a:t>
-            </a:r>
-            <a:r>
-              <a:rPr lang="en-US" sz="2000" dirty="0" smtClean="0">
-                <a:latin typeface="+mj-lt"/>
-              </a:rPr>
-              <a:t> and oversampling methods to </a:t>
-            </a:r>
-            <a:r>
-              <a:rPr lang="en-US" sz="2000" dirty="0" err="1" smtClean="0">
-                <a:latin typeface="+mj-lt"/>
-              </a:rPr>
-              <a:t>undersample</a:t>
-            </a:r>
-            <a:r>
-              <a:rPr lang="en-US" sz="2000" dirty="0" smtClean="0">
-                <a:latin typeface="+mj-lt"/>
-              </a:rPr>
-              <a:t> the majority class and oversample the minority class as necessary. This ensures parity between labels of different user and same user in the training data.</a:t>
-            </a:r>
-          </a:p>
-          <a:p>
-            <a:pPr marL="342900" indent="-342900" eaLnBrk="1" hangingPunct="1">
-              <a:buFont typeface="Arial" panose="020B0604020202020204" pitchFamily="34" charset="0"/>
-              <a:buChar char="•"/>
-            </a:pPr>
-            <a:endParaRPr lang="en-US" sz="2000" dirty="0" smtClean="0">
-              <a:latin typeface="+mj-lt"/>
-            </a:endParaRPr>
-          </a:p>
-          <a:p>
-            <a:pPr marL="342900" indent="-342900" eaLnBrk="1" hangingPunct="1">
-              <a:buFont typeface="Arial" panose="020B0604020202020204" pitchFamily="34" charset="0"/>
-              <a:buChar char="•"/>
-            </a:pPr>
-            <a:endParaRPr lang="en-US" sz="2000" dirty="0" smtClean="0">
-              <a:latin typeface="+mj-lt"/>
-            </a:endParaRPr>
-          </a:p>
-          <a:p>
-            <a:pPr marL="342900" indent="-342900" eaLnBrk="1" hangingPunct="1">
-              <a:buFont typeface="Arial" panose="020B0604020202020204" pitchFamily="34" charset="0"/>
-              <a:buChar char="•"/>
-            </a:pPr>
-            <a:endParaRPr lang="en-US" sz="2000" dirty="0" smtClean="0">
-              <a:latin typeface="+mj-lt"/>
-            </a:endParaRPr>
-          </a:p>
-          <a:p>
-            <a:pPr marL="342900" indent="-342900" eaLnBrk="1" hangingPunct="1">
-              <a:buFont typeface="Arial" panose="020B0604020202020204" pitchFamily="34" charset="0"/>
-              <a:buChar char="•"/>
-            </a:pPr>
-            <a:endParaRPr lang="en-US" sz="2000" dirty="0" smtClean="0">
-              <a:latin typeface="+mj-lt"/>
-            </a:endParaRPr>
-          </a:p>
-          <a:p>
-            <a:pPr marL="342900" indent="-342900" eaLnBrk="1" hangingPunct="1">
-              <a:buFont typeface="Arial" panose="020B0604020202020204" pitchFamily="34" charset="0"/>
-              <a:buChar char="•"/>
-            </a:pPr>
-            <a:endParaRPr lang="en-US" sz="2000" dirty="0" smtClean="0">
-              <a:latin typeface="+mj-lt"/>
-            </a:endParaRPr>
-          </a:p>
-          <a:p>
-            <a:pPr marL="342900" indent="-342900" eaLnBrk="1" hangingPunct="1">
-              <a:buFont typeface="Arial" panose="020B0604020202020204" pitchFamily="34" charset="0"/>
-              <a:buChar char="•"/>
-            </a:pPr>
-            <a:endParaRPr lang="en-US" sz="2000" dirty="0" smtClean="0">
-              <a:latin typeface="+mj-lt"/>
-            </a:endParaRPr>
-          </a:p>
-          <a:p>
-            <a:pPr marL="342900" indent="-342900" eaLnBrk="1" hangingPunct="1">
-              <a:buFont typeface="Arial" panose="020B0604020202020204" pitchFamily="34" charset="0"/>
-              <a:buChar char="•"/>
-            </a:pPr>
-            <a:endParaRPr lang="en-US" sz="2000" dirty="0" smtClean="0">
-              <a:latin typeface="+mj-lt"/>
-            </a:endParaRPr>
-          </a:p>
-          <a:p>
-            <a:pPr marL="342900" indent="-342900" eaLnBrk="1" hangingPunct="1">
-              <a:buFont typeface="Arial" panose="020B0604020202020204" pitchFamily="34" charset="0"/>
-              <a:buChar char="•"/>
-            </a:pPr>
-            <a:endParaRPr lang="en-US" sz="2000" dirty="0" smtClean="0">
-              <a:latin typeface="+mj-lt"/>
-            </a:endParaRPr>
+                <a:latin typeface="Arial" panose="020B0604020202020204" pitchFamily="34" charset="0"/>
+                <a:cs typeface="Arial" panose="020B0604020202020204" pitchFamily="34" charset="0"/>
+              </a:rPr>
+              <a:t>.</a:t>
+            </a:r>
           </a:p>
           <a:p>
             <a:pPr marL="342900" indent="-342900" eaLnBrk="1" hangingPunct="1">
@@ -4589,7 +4646,98 @@
               <a:buChar char="•"/>
             </a:pPr>
             <a:endParaRPr lang="en-US" sz="2000" dirty="0">
-              <a:latin typeface="+mj-lt"/>
+              <a:latin typeface="Arial" panose="020B0604020202020204" pitchFamily="34" charset="0"/>
+              <a:cs typeface="Arial" panose="020B0604020202020204" pitchFamily="34" charset="0"/>
+            </a:endParaRPr>
+          </a:p>
+          <a:p>
+            <a:pPr marL="342900" indent="-342900" eaLnBrk="1" hangingPunct="1">
+              <a:buFont typeface="Arial" panose="020B0604020202020204" pitchFamily="34" charset="0"/>
+              <a:buChar char="•"/>
+            </a:pPr>
+            <a:endParaRPr lang="en-US" sz="2000" dirty="0">
+              <a:latin typeface="Arial" panose="020B0604020202020204" pitchFamily="34" charset="0"/>
+              <a:cs typeface="Arial" panose="020B0604020202020204" pitchFamily="34" charset="0"/>
+            </a:endParaRPr>
+          </a:p>
+          <a:p>
+            <a:pPr marL="342900" indent="-342900" eaLnBrk="1" hangingPunct="1">
+              <a:buFont typeface="Arial" panose="020B0604020202020204" pitchFamily="34" charset="0"/>
+              <a:buChar char="•"/>
+            </a:pPr>
+            <a:endParaRPr lang="en-US" sz="2000" dirty="0">
+              <a:latin typeface="Arial" panose="020B0604020202020204" pitchFamily="34" charset="0"/>
+              <a:cs typeface="Arial" panose="020B0604020202020204" pitchFamily="34" charset="0"/>
+            </a:endParaRPr>
+          </a:p>
+          <a:p>
+            <a:pPr marL="342900" indent="-342900" eaLnBrk="1" hangingPunct="1">
+              <a:buFont typeface="Arial" panose="020B0604020202020204" pitchFamily="34" charset="0"/>
+              <a:buChar char="•"/>
+            </a:pPr>
+            <a:endParaRPr lang="en-US" sz="2000" dirty="0">
+              <a:latin typeface="Arial" panose="020B0604020202020204" pitchFamily="34" charset="0"/>
+              <a:cs typeface="Arial" panose="020B0604020202020204" pitchFamily="34" charset="0"/>
+            </a:endParaRPr>
+          </a:p>
+          <a:p>
+            <a:pPr marL="342900" indent="-342900" eaLnBrk="1" hangingPunct="1">
+              <a:buFont typeface="Arial" panose="020B0604020202020204" pitchFamily="34" charset="0"/>
+              <a:buChar char="•"/>
+            </a:pPr>
+            <a:endParaRPr lang="en-US" sz="2000" dirty="0">
+              <a:latin typeface="Arial" panose="020B0604020202020204" pitchFamily="34" charset="0"/>
+              <a:cs typeface="Arial" panose="020B0604020202020204" pitchFamily="34" charset="0"/>
+            </a:endParaRPr>
+          </a:p>
+          <a:p>
+            <a:pPr marL="342900" indent="-342900" eaLnBrk="1" hangingPunct="1">
+              <a:buFont typeface="Arial" panose="020B0604020202020204" pitchFamily="34" charset="0"/>
+              <a:buChar char="•"/>
+            </a:pPr>
+            <a:endParaRPr lang="en-US" sz="2000" dirty="0">
+              <a:latin typeface="Arial" panose="020B0604020202020204" pitchFamily="34" charset="0"/>
+              <a:cs typeface="Arial" panose="020B0604020202020204" pitchFamily="34" charset="0"/>
+            </a:endParaRPr>
+          </a:p>
+          <a:p>
+            <a:pPr marL="342900" indent="-342900" eaLnBrk="1" hangingPunct="1">
+              <a:buFont typeface="Arial" panose="020B0604020202020204" pitchFamily="34" charset="0"/>
+              <a:buChar char="•"/>
+            </a:pPr>
+            <a:endParaRPr lang="en-US" sz="2000" dirty="0">
+              <a:latin typeface="Arial" panose="020B0604020202020204" pitchFamily="34" charset="0"/>
+              <a:cs typeface="Arial" panose="020B0604020202020204" pitchFamily="34" charset="0"/>
+            </a:endParaRPr>
+          </a:p>
+          <a:p>
+            <a:pPr marL="342900" indent="-342900" eaLnBrk="1" hangingPunct="1">
+              <a:buFont typeface="Arial" panose="020B0604020202020204" pitchFamily="34" charset="0"/>
+              <a:buChar char="•"/>
+            </a:pPr>
+            <a:endParaRPr lang="en-US" sz="2000" dirty="0">
+              <a:latin typeface="Arial" panose="020B0604020202020204" pitchFamily="34" charset="0"/>
+              <a:cs typeface="Arial" panose="020B0604020202020204" pitchFamily="34" charset="0"/>
+            </a:endParaRPr>
+          </a:p>
+          <a:p>
+            <a:pPr marL="342900" indent="-342900" eaLnBrk="1" hangingPunct="1">
+              <a:buFont typeface="Arial" panose="020B0604020202020204" pitchFamily="34" charset="0"/>
+              <a:buChar char="•"/>
+            </a:pPr>
+            <a:endParaRPr lang="en-US" sz="2000" dirty="0">
+              <a:latin typeface="Arial" panose="020B0604020202020204" pitchFamily="34" charset="0"/>
+              <a:cs typeface="Arial" panose="020B0604020202020204" pitchFamily="34" charset="0"/>
+            </a:endParaRPr>
+          </a:p>
+          <a:p>
+            <a:pPr marL="342900" indent="-342900" eaLnBrk="1" hangingPunct="1">
+              <a:buFont typeface="Arial" panose="020B0604020202020204" pitchFamily="34" charset="0"/>
+              <a:buChar char="•"/>
+            </a:pPr>
+            <a:endParaRPr lang="en-US" sz="2000" dirty="0">
+              <a:latin typeface="Arial" panose="020B0604020202020204" pitchFamily="34" charset="0"/>
+              <a:cs typeface="Arial" panose="020B0604020202020204" pitchFamily="34" charset="0"/>
             </a:endParaRPr>
           </a:p>
         </p:txBody>
@@ -4876,359 +5024,1070 @@
       </p:sp>
       <p:grpSp>
         <p:nvGrpSpPr>
-          <p:cNvPr id="30" name="Group 29"/>
+          <p:cNvPr id="7" name="Group 6"/>
           <p:cNvGrpSpPr/>
           <p:nvPr/>
         </p:nvGrpSpPr>
         <p:grpSpPr>
           <a:xfrm>
-            <a:off x="1082532" y="16084498"/>
-            <a:ext cx="4197989" cy="2772886"/>
-            <a:chOff x="604211" y="13280688"/>
-            <a:chExt cx="8134245" cy="2458595"/>
+            <a:off x="959898" y="15796680"/>
+            <a:ext cx="5064159" cy="2521672"/>
+            <a:chOff x="929418" y="15689790"/>
+            <a:chExt cx="5064159" cy="2521672"/>
           </a:xfrm>
         </p:grpSpPr>
-        <p:graphicFrame>
-          <p:nvGraphicFramePr>
-            <p:cNvPr id="31" name="Content Placeholder 114" descr="Sample table with 4 columns, 7 rows." title="Sample Table"/>
-            <p:cNvGraphicFramePr>
-              <a:graphicFrameLocks/>
-            </p:cNvGraphicFramePr>
-            <p:nvPr>
-              <p:extLst>
-                <p:ext uri="{D42A27DB-BD31-4B8C-83A1-F6EECF244321}">
-                  <p14:modId xmlns:p14="http://schemas.microsoft.com/office/powerpoint/2010/main" val="1765043231"/>
-                </p:ext>
-              </p:extLst>
-            </p:nvPr>
-          </p:nvGraphicFramePr>
-          <p:xfrm>
-            <a:off x="2666846" y="14107021"/>
-            <a:ext cx="5921289" cy="1032612"/>
-          </p:xfrm>
-          <a:graphic>
-            <a:graphicData uri="http://schemas.openxmlformats.org/drawingml/2006/table">
-              <a:tbl>
-                <a:tblPr firstRow="1" bandRow="1">
-                  <a:tableStyleId>{F5AB1C69-6EDB-4FF4-983F-18BD219EF322}</a:tableStyleId>
-                </a:tblPr>
-                <a:tblGrid>
-                  <a:gridCol w="731936">
+        <p:grpSp>
+          <p:nvGrpSpPr>
+            <p:cNvPr id="30" name="Group 29"/>
+            <p:cNvGrpSpPr/>
+            <p:nvPr/>
+          </p:nvGrpSpPr>
+          <p:grpSpPr>
+            <a:xfrm>
+              <a:off x="929418" y="15689790"/>
+              <a:ext cx="5064159" cy="2521672"/>
+              <a:chOff x="-453356" y="13331973"/>
+              <a:chExt cx="9812582" cy="2235855"/>
+            </a:xfrm>
+          </p:grpSpPr>
+          <p:graphicFrame>
+            <p:nvGraphicFramePr>
+              <p:cNvPr id="31" name="Content Placeholder 114" descr="Sample table with 4 columns, 7 rows." title="Sample Table"/>
+              <p:cNvGraphicFramePr>
+                <a:graphicFrameLocks/>
+              </p:cNvGraphicFramePr>
+              <p:nvPr>
+                <p:extLst>
+                  <p:ext uri="{D42A27DB-BD31-4B8C-83A1-F6EECF244321}">
+                    <p14:modId xmlns:p14="http://schemas.microsoft.com/office/powerpoint/2010/main" val="3254531791"/>
+                  </p:ext>
+                </p:extLst>
+              </p:nvPr>
+            </p:nvGraphicFramePr>
+            <p:xfrm>
+              <a:off x="2666846" y="14107021"/>
+              <a:ext cx="6692380" cy="1032613"/>
+            </p:xfrm>
+            <a:graphic>
+              <a:graphicData uri="http://schemas.openxmlformats.org/drawingml/2006/table">
+                <a:tbl>
+                  <a:tblPr firstRow="1" bandRow="1">
+                    <a:tableStyleId>{F5AB1C69-6EDB-4FF4-983F-18BD219EF322}</a:tableStyleId>
+                  </a:tblPr>
+                  <a:tblGrid>
+                    <a:gridCol w="827251">
+                      <a:extLst>
+                        <a:ext uri="{9D8B030D-6E8A-4147-A177-3AD203B41FA5}">
+                          <a16:colId xmlns:a16="http://schemas.microsoft.com/office/drawing/2014/main" xmlns="" val="20000"/>
+                        </a:ext>
+                      </a:extLst>
+                    </a:gridCol>
+                    <a:gridCol w="678823">
+                      <a:extLst>
+                        <a:ext uri="{9D8B030D-6E8A-4147-A177-3AD203B41FA5}">
+                          <a16:colId xmlns:a16="http://schemas.microsoft.com/office/drawing/2014/main" xmlns="" val="20001"/>
+                        </a:ext>
+                      </a:extLst>
+                    </a:gridCol>
+                    <a:gridCol w="566635">
+                      <a:extLst>
+                        <a:ext uri="{9D8B030D-6E8A-4147-A177-3AD203B41FA5}">
+                          <a16:colId xmlns:a16="http://schemas.microsoft.com/office/drawing/2014/main" xmlns="" val="20002"/>
+                        </a:ext>
+                      </a:extLst>
+                    </a:gridCol>
+                    <a:gridCol w="1381150">
+                      <a:extLst>
+                        <a:ext uri="{9D8B030D-6E8A-4147-A177-3AD203B41FA5}">
+                          <a16:colId xmlns:a16="http://schemas.microsoft.com/office/drawing/2014/main" xmlns="" val="20003"/>
+                        </a:ext>
+                      </a:extLst>
+                    </a:gridCol>
+                  </a:tblGrid>
+                  <a:tr h="221928">
+                    <a:tc>
+                      <a:txBody>
+                        <a:bodyPr/>
+                        <a:lstStyle/>
+                        <a:p>
+                          <a:pPr algn="ctr"/>
+                          <a:r>
+                            <a:rPr lang="en-US" sz="1400" dirty="0">
+                              <a:latin typeface="Arial" panose="020B0604020202020204" pitchFamily="34" charset="0"/>
+                              <a:cs typeface="Arial" panose="020B0604020202020204" pitchFamily="34" charset="0"/>
+                            </a:rPr>
+                            <a:t>Subject</a:t>
+                          </a:r>
+                        </a:p>
+                      </a:txBody>
+                      <a:tcPr marL="76200" marR="76200" marT="19051" marB="19051" anchor="ctr">
+                        <a:solidFill>
+                          <a:schemeClr val="accent1">
+                            <a:lumMod val="75000"/>
+                          </a:schemeClr>
+                        </a:solidFill>
+                      </a:tcPr>
+                    </a:tc>
+                    <a:tc>
+                      <a:txBody>
+                        <a:bodyPr/>
+                        <a:lstStyle/>
+                        <a:p>
+                          <a:pPr algn="ctr"/>
+                          <a:r>
+                            <a:rPr lang="en-US" sz="1400" dirty="0">
+                              <a:latin typeface="Arial" panose="020B0604020202020204" pitchFamily="34" charset="0"/>
+                              <a:cs typeface="Arial" panose="020B0604020202020204" pitchFamily="34" charset="0"/>
+                            </a:rPr>
+                            <a:t>Hold .</a:t>
+                          </a:r>
+                        </a:p>
+                      </a:txBody>
+                      <a:tcPr marL="76200" marR="76200" marT="19051" marB="19051" anchor="ctr">
+                        <a:solidFill>
+                          <a:schemeClr val="accent1">
+                            <a:lumMod val="75000"/>
+                          </a:schemeClr>
+                        </a:solidFill>
+                      </a:tcPr>
+                    </a:tc>
+                    <a:tc>
+                      <a:txBody>
+                        <a:bodyPr/>
+                        <a:lstStyle/>
+                        <a:p>
+                          <a:pPr algn="ctr"/>
+                          <a:r>
+                            <a:rPr lang="en-US" sz="1400" dirty="0">
+                              <a:latin typeface="Arial" panose="020B0604020202020204" pitchFamily="34" charset="0"/>
+                              <a:cs typeface="Arial" panose="020B0604020202020204" pitchFamily="34" charset="0"/>
+                            </a:rPr>
+                            <a:t>...</a:t>
+                          </a:r>
+                        </a:p>
+                      </a:txBody>
+                      <a:tcPr marL="76200" marR="76200" marT="19051" marB="19051" anchor="ctr">
+                        <a:solidFill>
+                          <a:schemeClr val="accent1">
+                            <a:lumMod val="75000"/>
+                          </a:schemeClr>
+                        </a:solidFill>
+                      </a:tcPr>
+                    </a:tc>
+                    <a:tc>
+                      <a:txBody>
+                        <a:bodyPr/>
+                        <a:lstStyle/>
+                        <a:p>
+                          <a:pPr algn="ctr"/>
+                          <a:r>
+                            <a:rPr lang="en-US" sz="1400" dirty="0" err="1">
+                              <a:latin typeface="Arial" panose="020B0604020202020204" pitchFamily="34" charset="0"/>
+                              <a:cs typeface="Arial" panose="020B0604020202020204" pitchFamily="34" charset="0"/>
+                            </a:rPr>
+                            <a:t>AvA</a:t>
+                          </a:r>
+                          <a:endParaRPr lang="en-US" sz="1400" dirty="0">
+                            <a:latin typeface="Arial" panose="020B0604020202020204" pitchFamily="34" charset="0"/>
+                            <a:cs typeface="Arial" panose="020B0604020202020204" pitchFamily="34" charset="0"/>
+                          </a:endParaRPr>
+                        </a:p>
+                      </a:txBody>
+                      <a:tcPr marL="76200" marR="76200" marT="19051" marB="19051" anchor="ctr">
+                        <a:solidFill>
+                          <a:schemeClr val="accent1">
+                            <a:lumMod val="75000"/>
+                          </a:schemeClr>
+                        </a:solidFill>
+                      </a:tcPr>
+                    </a:tc>
                     <a:extLst>
-                      <a:ext uri="{9D8B030D-6E8A-4147-A177-3AD203B41FA5}">
-                        <a16:colId xmlns="" xmlns:a16="http://schemas.microsoft.com/office/drawing/2014/main" val="20000"/>
+                      <a:ext uri="{0D108BD9-81ED-4DB2-BD59-A6C34878D82A}">
+                        <a16:rowId xmlns:a16="http://schemas.microsoft.com/office/drawing/2014/main" xmlns="" val="10000"/>
                       </a:ext>
                     </a:extLst>
-                  </a:gridCol>
-                  <a:gridCol w="600609">
+                  </a:tr>
+                  <a:tr h="410229">
+                    <a:tc>
+                      <a:txBody>
+                        <a:bodyPr/>
+                        <a:lstStyle/>
+                        <a:p>
+                          <a:pPr algn="ctr"/>
+                          <a:r>
+                            <a:rPr lang="en-US" sz="1400" dirty="0">
+                              <a:latin typeface="Arial" panose="020B0604020202020204" pitchFamily="34" charset="0"/>
+                              <a:cs typeface="Arial" panose="020B0604020202020204" pitchFamily="34" charset="0"/>
+                            </a:rPr>
+                            <a:t>1</a:t>
+                          </a:r>
+                        </a:p>
+                      </a:txBody>
+                      <a:tcPr marL="76200" marR="76200" marT="19051" marB="19051" anchor="ctr"/>
+                    </a:tc>
+                    <a:tc>
+                      <a:txBody>
+                        <a:bodyPr/>
+                        <a:lstStyle/>
+                        <a:p>
+                          <a:pPr algn="ctr"/>
+                          <a:r>
+                            <a:rPr lang="en-US" sz="1400" dirty="0">
+                              <a:latin typeface="Arial" panose="020B0604020202020204" pitchFamily="34" charset="0"/>
+                              <a:cs typeface="Arial" panose="020B0604020202020204" pitchFamily="34" charset="0"/>
+                            </a:rPr>
+                            <a:t>89</a:t>
+                          </a:r>
+                        </a:p>
+                      </a:txBody>
+                      <a:tcPr marL="76200" marR="76200" marT="19051" marB="19051" anchor="ctr"/>
+                    </a:tc>
+                    <a:tc>
+                      <a:txBody>
+                        <a:bodyPr/>
+                        <a:lstStyle/>
+                        <a:p>
+                          <a:pPr algn="ctr"/>
+                          <a:r>
+                            <a:rPr lang="en-US" sz="1400" dirty="0">
+                              <a:latin typeface="Arial" panose="020B0604020202020204" pitchFamily="34" charset="0"/>
+                              <a:cs typeface="Arial" panose="020B0604020202020204" pitchFamily="34" charset="0"/>
+                            </a:rPr>
+                            <a:t>…</a:t>
+                          </a:r>
+                        </a:p>
+                      </a:txBody>
+                      <a:tcPr marL="76200" marR="76200" marT="19051" marB="19051" anchor="ctr"/>
+                    </a:tc>
+                    <a:tc>
+                      <a:txBody>
+                        <a:bodyPr/>
+                        <a:lstStyle/>
+                        <a:p>
+                          <a:pPr algn="ctr"/>
+                          <a:r>
+                            <a:rPr lang="en-US" sz="1400" dirty="0">
+                              <a:latin typeface="Arial" panose="020B0604020202020204" pitchFamily="34" charset="0"/>
+                              <a:cs typeface="Arial" panose="020B0604020202020204" pitchFamily="34" charset="0"/>
+                            </a:rPr>
+                            <a:t>0.2880184</a:t>
+                          </a:r>
+                        </a:p>
+                      </a:txBody>
+                      <a:tcPr marL="76200" marR="76200" marT="19051" marB="19051" anchor="ctr"/>
+                    </a:tc>
                     <a:extLst>
-                      <a:ext uri="{9D8B030D-6E8A-4147-A177-3AD203B41FA5}">
-                        <a16:colId xmlns="" xmlns:a16="http://schemas.microsoft.com/office/drawing/2014/main" val="20001"/>
+                      <a:ext uri="{0D108BD9-81ED-4DB2-BD59-A6C34878D82A}">
+                        <a16:rowId xmlns:a16="http://schemas.microsoft.com/office/drawing/2014/main" xmlns="" val="10001"/>
                       </a:ext>
                     </a:extLst>
-                  </a:gridCol>
-                  <a:gridCol w="501348">
+                  </a:tr>
+                  <a:tr h="221928">
+                    <a:tc>
+                      <a:txBody>
+                        <a:bodyPr/>
+                        <a:lstStyle/>
+                        <a:p>
+                          <a:pPr algn="ctr"/>
+                          <a:r>
+                            <a:rPr lang="en-US" sz="1400" dirty="0">
+                              <a:latin typeface="Arial" panose="020B0604020202020204" pitchFamily="34" charset="0"/>
+                              <a:cs typeface="Arial" panose="020B0604020202020204" pitchFamily="34" charset="0"/>
+                            </a:rPr>
+                            <a:t>…</a:t>
+                          </a:r>
+                        </a:p>
+                      </a:txBody>
+                      <a:tcPr marL="76200" marR="76200" marT="19051" marB="19051" anchor="ctr"/>
+                    </a:tc>
+                    <a:tc>
+                      <a:txBody>
+                        <a:bodyPr/>
+                        <a:lstStyle/>
+                        <a:p>
+                          <a:pPr algn="ctr"/>
+                          <a:r>
+                            <a:rPr lang="en-US" sz="1400" dirty="0">
+                              <a:latin typeface="Arial" panose="020B0604020202020204" pitchFamily="34" charset="0"/>
+                              <a:cs typeface="Arial" panose="020B0604020202020204" pitchFamily="34" charset="0"/>
+                            </a:rPr>
+                            <a:t>…</a:t>
+                          </a:r>
+                        </a:p>
+                      </a:txBody>
+                      <a:tcPr marL="76200" marR="76200" marT="19051" marB="19051" anchor="ctr"/>
+                    </a:tc>
+                    <a:tc>
+                      <a:txBody>
+                        <a:bodyPr/>
+                        <a:lstStyle/>
+                        <a:p>
+                          <a:pPr algn="ctr"/>
+                          <a:r>
+                            <a:rPr lang="en-US" sz="1400" dirty="0">
+                              <a:latin typeface="Arial" panose="020B0604020202020204" pitchFamily="34" charset="0"/>
+                              <a:cs typeface="Arial" panose="020B0604020202020204" pitchFamily="34" charset="0"/>
+                            </a:rPr>
+                            <a:t>…</a:t>
+                          </a:r>
+                        </a:p>
+                      </a:txBody>
+                      <a:tcPr marL="76200" marR="76200" marT="19051" marB="19051" anchor="ctr"/>
+                    </a:tc>
+                    <a:tc>
+                      <a:txBody>
+                        <a:bodyPr/>
+                        <a:lstStyle/>
+                        <a:p>
+                          <a:pPr algn="ctr"/>
+                          <a:r>
+                            <a:rPr lang="en-US" sz="1400" dirty="0">
+                              <a:latin typeface="Arial" panose="020B0604020202020204" pitchFamily="34" charset="0"/>
+                              <a:cs typeface="Arial" panose="020B0604020202020204" pitchFamily="34" charset="0"/>
+                            </a:rPr>
+                            <a:t>…</a:t>
+                          </a:r>
+                        </a:p>
+                      </a:txBody>
+                      <a:tcPr marL="76200" marR="76200" marT="19051" marB="19051" anchor="ctr"/>
+                    </a:tc>
                     <a:extLst>
-                      <a:ext uri="{9D8B030D-6E8A-4147-A177-3AD203B41FA5}">
-                        <a16:colId xmlns="" xmlns:a16="http://schemas.microsoft.com/office/drawing/2014/main" val="20002"/>
+                      <a:ext uri="{0D108BD9-81ED-4DB2-BD59-A6C34878D82A}">
+                        <a16:rowId xmlns:a16="http://schemas.microsoft.com/office/drawing/2014/main" xmlns="" val="10002"/>
                       </a:ext>
                     </a:extLst>
-                  </a:gridCol>
-                  <a:gridCol w="1222015">
+                  </a:tr>
+                  <a:tr h="221928">
+                    <a:tc>
+                      <a:txBody>
+                        <a:bodyPr/>
+                        <a:lstStyle/>
+                        <a:p>
+                          <a:pPr algn="ctr"/>
+                          <a:r>
+                            <a:rPr lang="en-US" sz="1400" dirty="0">
+                              <a:latin typeface="Arial" panose="020B0604020202020204" pitchFamily="34" charset="0"/>
+                              <a:cs typeface="Arial" panose="020B0604020202020204" pitchFamily="34" charset="0"/>
+                            </a:rPr>
+                            <a:t>56</a:t>
+                          </a:r>
+                        </a:p>
+                      </a:txBody>
+                      <a:tcPr marL="76200" marR="76200" marT="19051" marB="19051" anchor="ctr"/>
+                    </a:tc>
+                    <a:tc>
+                      <a:txBody>
+                        <a:bodyPr/>
+                        <a:lstStyle/>
+                        <a:p>
+                          <a:pPr algn="ctr"/>
+                          <a:r>
+                            <a:rPr lang="en-US" sz="1400" dirty="0">
+                              <a:latin typeface="Arial" panose="020B0604020202020204" pitchFamily="34" charset="0"/>
+                              <a:cs typeface="Arial" panose="020B0604020202020204" pitchFamily="34" charset="0"/>
+                            </a:rPr>
+                            <a:t>80</a:t>
+                          </a:r>
+                        </a:p>
+                      </a:txBody>
+                      <a:tcPr marL="76200" marR="76200" marT="19051" marB="19051" anchor="ctr"/>
+                    </a:tc>
+                    <a:tc>
+                      <a:txBody>
+                        <a:bodyPr/>
+                        <a:lstStyle/>
+                        <a:p>
+                          <a:pPr algn="ctr"/>
+                          <a:r>
+                            <a:rPr lang="en-US" sz="1400" dirty="0">
+                              <a:latin typeface="Arial" panose="020B0604020202020204" pitchFamily="34" charset="0"/>
+                              <a:cs typeface="Arial" panose="020B0604020202020204" pitchFamily="34" charset="0"/>
+                            </a:rPr>
+                            <a:t>…</a:t>
+                          </a:r>
+                        </a:p>
+                      </a:txBody>
+                      <a:tcPr marL="76200" marR="76200" marT="19051" marB="19051" anchor="ctr"/>
+                    </a:tc>
+                    <a:tc>
+                      <a:txBody>
+                        <a:bodyPr/>
+                        <a:lstStyle/>
+                        <a:p>
+                          <a:pPr algn="ctr"/>
+                          <a:r>
+                            <a:rPr lang="en-US" sz="1400" dirty="0">
+                              <a:latin typeface="Arial" panose="020B0604020202020204" pitchFamily="34" charset="0"/>
+                              <a:cs typeface="Arial" panose="020B0604020202020204" pitchFamily="34" charset="0"/>
+                            </a:rPr>
+                            <a:t>0.260369</a:t>
+                          </a:r>
+                        </a:p>
+                      </a:txBody>
+                      <a:tcPr marL="76200" marR="76200" marT="19051" marB="19051" anchor="ctr"/>
+                    </a:tc>
                     <a:extLst>
-                      <a:ext uri="{9D8B030D-6E8A-4147-A177-3AD203B41FA5}">
-                        <a16:colId xmlns="" xmlns:a16="http://schemas.microsoft.com/office/drawing/2014/main" val="20003"/>
+                      <a:ext uri="{0D108BD9-81ED-4DB2-BD59-A6C34878D82A}">
+                        <a16:rowId xmlns:a16="http://schemas.microsoft.com/office/drawing/2014/main" xmlns="" val="10003"/>
                       </a:ext>
                     </a:extLst>
-                  </a:gridCol>
-                </a:tblGrid>
-                <a:tr h="221928">
-                  <a:tc>
-                    <a:txBody>
-                      <a:bodyPr/>
-                      <a:lstStyle/>
-                      <a:p>
-                        <a:pPr algn="ctr"/>
-                        <a:r>
-                          <a:rPr lang="en-US" sz="1400" dirty="0" smtClean="0"/>
-                          <a:t>Subject</a:t>
-                        </a:r>
-                        <a:endParaRPr lang="en-US" sz="1400" dirty="0"/>
-                      </a:p>
-                    </a:txBody>
-                    <a:tcPr marL="76200" marR="76200" marT="19051" marB="19051" anchor="ctr">
-                      <a:solidFill>
-                        <a:schemeClr val="accent1">
-                          <a:lumMod val="75000"/>
-                        </a:schemeClr>
-                      </a:solidFill>
-                    </a:tcPr>
-                  </a:tc>
-                  <a:tc>
-                    <a:txBody>
-                      <a:bodyPr/>
-                      <a:lstStyle/>
-                      <a:p>
-                        <a:pPr algn="ctr"/>
-                        <a:r>
-                          <a:rPr lang="en-US" sz="1400" dirty="0"/>
-                          <a:t>Hold .</a:t>
-                        </a:r>
-                      </a:p>
-                    </a:txBody>
-                    <a:tcPr marL="76200" marR="76200" marT="19051" marB="19051" anchor="ctr">
-                      <a:solidFill>
-                        <a:schemeClr val="accent1">
-                          <a:lumMod val="75000"/>
-                        </a:schemeClr>
-                      </a:solidFill>
-                    </a:tcPr>
-                  </a:tc>
-                  <a:tc>
-                    <a:txBody>
-                      <a:bodyPr/>
-                      <a:lstStyle/>
-                      <a:p>
-                        <a:pPr algn="ctr"/>
-                        <a:r>
-                          <a:rPr lang="en-US" sz="1400" dirty="0"/>
-                          <a:t>...</a:t>
-                        </a:r>
-                      </a:p>
-                    </a:txBody>
-                    <a:tcPr marL="76200" marR="76200" marT="19051" marB="19051" anchor="ctr">
-                      <a:solidFill>
-                        <a:schemeClr val="accent1">
-                          <a:lumMod val="75000"/>
-                        </a:schemeClr>
-                      </a:solidFill>
-                    </a:tcPr>
-                  </a:tc>
-                  <a:tc>
-                    <a:txBody>
-                      <a:bodyPr/>
-                      <a:lstStyle/>
-                      <a:p>
-                        <a:pPr algn="ctr"/>
-                        <a:r>
-                          <a:rPr lang="en-US" sz="1400" dirty="0" err="1"/>
-                          <a:t>AvA</a:t>
-                        </a:r>
-                        <a:endParaRPr lang="en-US" sz="1400" dirty="0"/>
-                      </a:p>
-                    </a:txBody>
-                    <a:tcPr marL="76200" marR="76200" marT="19051" marB="19051" anchor="ctr">
-                      <a:solidFill>
-                        <a:schemeClr val="accent1">
-                          <a:lumMod val="75000"/>
-                        </a:schemeClr>
-                      </a:solidFill>
-                    </a:tcPr>
-                  </a:tc>
-                  <a:extLst>
-                    <a:ext uri="{0D108BD9-81ED-4DB2-BD59-A6C34878D82A}">
-                      <a16:rowId xmlns="" xmlns:a16="http://schemas.microsoft.com/office/drawing/2014/main" val="10000"/>
-                    </a:ext>
-                  </a:extLst>
-                </a:tr>
-                <a:tr h="410229">
-                  <a:tc>
-                    <a:txBody>
-                      <a:bodyPr/>
-                      <a:lstStyle/>
-                      <a:p>
-                        <a:pPr algn="ctr"/>
-                        <a:r>
-                          <a:rPr lang="en-US" sz="1400" dirty="0"/>
-                          <a:t>1</a:t>
-                        </a:r>
-                      </a:p>
-                    </a:txBody>
-                    <a:tcPr marL="76200" marR="76200" marT="19051" marB="19051" anchor="ctr"/>
-                  </a:tc>
-                  <a:tc>
-                    <a:txBody>
-                      <a:bodyPr/>
-                      <a:lstStyle/>
-                      <a:p>
-                        <a:pPr algn="ctr"/>
-                        <a:r>
-                          <a:rPr lang="en-US" sz="1400" dirty="0" smtClean="0"/>
-                          <a:t>89</a:t>
-                        </a:r>
-                        <a:endParaRPr lang="en-US" sz="1400" dirty="0"/>
-                      </a:p>
-                    </a:txBody>
-                    <a:tcPr marL="76200" marR="76200" marT="19051" marB="19051" anchor="ctr"/>
-                  </a:tc>
-                  <a:tc>
-                    <a:txBody>
-                      <a:bodyPr/>
-                      <a:lstStyle/>
-                      <a:p>
-                        <a:pPr algn="ctr"/>
-                        <a:r>
-                          <a:rPr lang="en-US" sz="1400" dirty="0"/>
-                          <a:t>…</a:t>
-                        </a:r>
-                      </a:p>
-                    </a:txBody>
-                    <a:tcPr marL="76200" marR="76200" marT="19051" marB="19051" anchor="ctr"/>
-                  </a:tc>
-                  <a:tc>
-                    <a:txBody>
-                      <a:bodyPr/>
-                      <a:lstStyle/>
-                      <a:p>
-                        <a:pPr algn="ctr"/>
-                        <a:r>
-                          <a:rPr lang="en-US" sz="1400" dirty="0" smtClean="0"/>
-                          <a:t>0.2880184</a:t>
-                        </a:r>
-                        <a:endParaRPr lang="en-US" sz="1400" dirty="0"/>
-                      </a:p>
-                    </a:txBody>
-                    <a:tcPr marL="76200" marR="76200" marT="19051" marB="19051" anchor="ctr"/>
-                  </a:tc>
-                  <a:extLst>
-                    <a:ext uri="{0D108BD9-81ED-4DB2-BD59-A6C34878D82A}">
-                      <a16:rowId xmlns="" xmlns:a16="http://schemas.microsoft.com/office/drawing/2014/main" val="10001"/>
-                    </a:ext>
-                  </a:extLst>
-                </a:tr>
-                <a:tr h="221928">
-                  <a:tc>
-                    <a:txBody>
-                      <a:bodyPr/>
-                      <a:lstStyle/>
-                      <a:p>
-                        <a:pPr algn="ctr"/>
-                        <a:r>
-                          <a:rPr lang="en-US" sz="1400" dirty="0"/>
-                          <a:t>…</a:t>
-                        </a:r>
-                      </a:p>
-                    </a:txBody>
-                    <a:tcPr marL="76200" marR="76200" marT="19051" marB="19051" anchor="ctr"/>
-                  </a:tc>
-                  <a:tc>
-                    <a:txBody>
-                      <a:bodyPr/>
-                      <a:lstStyle/>
-                      <a:p>
-                        <a:pPr algn="ctr"/>
-                        <a:r>
-                          <a:rPr lang="en-US" sz="1400" dirty="0"/>
-                          <a:t>…</a:t>
-                        </a:r>
-                      </a:p>
-                    </a:txBody>
-                    <a:tcPr marL="76200" marR="76200" marT="19051" marB="19051" anchor="ctr"/>
-                  </a:tc>
-                  <a:tc>
-                    <a:txBody>
-                      <a:bodyPr/>
-                      <a:lstStyle/>
-                      <a:p>
-                        <a:pPr algn="ctr"/>
-                        <a:r>
-                          <a:rPr lang="en-US" sz="1400" dirty="0"/>
-                          <a:t>…</a:t>
-                        </a:r>
-                      </a:p>
-                    </a:txBody>
-                    <a:tcPr marL="76200" marR="76200" marT="19051" marB="19051" anchor="ctr"/>
-                  </a:tc>
-                  <a:tc>
-                    <a:txBody>
-                      <a:bodyPr/>
-                      <a:lstStyle/>
-                      <a:p>
-                        <a:pPr algn="ctr"/>
-                        <a:r>
-                          <a:rPr lang="en-US" sz="1400" dirty="0"/>
-                          <a:t>…</a:t>
-                        </a:r>
-                      </a:p>
-                    </a:txBody>
-                    <a:tcPr marL="76200" marR="76200" marT="19051" marB="19051" anchor="ctr"/>
-                  </a:tc>
-                  <a:extLst>
-                    <a:ext uri="{0D108BD9-81ED-4DB2-BD59-A6C34878D82A}">
-                      <a16:rowId xmlns="" xmlns:a16="http://schemas.microsoft.com/office/drawing/2014/main" val="10002"/>
-                    </a:ext>
-                  </a:extLst>
-                </a:tr>
-                <a:tr h="221928">
-                  <a:tc>
-                    <a:txBody>
-                      <a:bodyPr/>
-                      <a:lstStyle/>
-                      <a:p>
-                        <a:pPr algn="ctr"/>
-                        <a:r>
-                          <a:rPr lang="en-US" sz="1400" dirty="0"/>
-                          <a:t>56</a:t>
-                        </a:r>
-                      </a:p>
-                    </a:txBody>
-                    <a:tcPr marL="76200" marR="76200" marT="19051" marB="19051" anchor="ctr"/>
-                  </a:tc>
-                  <a:tc>
-                    <a:txBody>
-                      <a:bodyPr/>
-                      <a:lstStyle/>
-                      <a:p>
-                        <a:pPr algn="ctr"/>
-                        <a:r>
-                          <a:rPr lang="en-US" sz="1400" dirty="0"/>
-                          <a:t>80</a:t>
-                        </a:r>
-                      </a:p>
-                    </a:txBody>
-                    <a:tcPr marL="76200" marR="76200" marT="19051" marB="19051" anchor="ctr"/>
-                  </a:tc>
-                  <a:tc>
-                    <a:txBody>
-                      <a:bodyPr/>
-                      <a:lstStyle/>
-                      <a:p>
-                        <a:pPr algn="ctr"/>
-                        <a:r>
-                          <a:rPr lang="en-US" sz="1400" dirty="0"/>
-                          <a:t>…</a:t>
-                        </a:r>
-                      </a:p>
-                    </a:txBody>
-                    <a:tcPr marL="76200" marR="76200" marT="19051" marB="19051" anchor="ctr"/>
-                  </a:tc>
-                  <a:tc>
-                    <a:txBody>
-                      <a:bodyPr/>
-                      <a:lstStyle/>
-                      <a:p>
-                        <a:pPr algn="ctr"/>
-                        <a:r>
-                          <a:rPr lang="en-US" sz="1400" dirty="0"/>
-                          <a:t>0.260369</a:t>
-                        </a:r>
-                      </a:p>
-                    </a:txBody>
-                    <a:tcPr marL="76200" marR="76200" marT="19051" marB="19051" anchor="ctr"/>
-                  </a:tc>
-                  <a:extLst>
-                    <a:ext uri="{0D108BD9-81ED-4DB2-BD59-A6C34878D82A}">
-                      <a16:rowId xmlns="" xmlns:a16="http://schemas.microsoft.com/office/drawing/2014/main" val="10003"/>
-                    </a:ext>
-                  </a:extLst>
-                </a:tr>
-              </a:tbl>
-            </a:graphicData>
-          </a:graphic>
-        </p:graphicFrame>
+                  </a:tr>
+                </a:tbl>
+              </a:graphicData>
+            </a:graphic>
+          </p:graphicFrame>
+          <p:sp>
+            <p:nvSpPr>
+              <p:cNvPr id="37" name="Text Box 180"/>
+              <p:cNvSpPr txBox="1">
+                <a:spLocks noChangeArrowheads="1"/>
+              </p:cNvSpPr>
+              <p:nvPr/>
+            </p:nvSpPr>
+            <p:spPr bwMode="auto">
+              <a:xfrm>
+                <a:off x="1601862" y="15262006"/>
+                <a:ext cx="7254714" cy="305822"/>
+              </a:xfrm>
+              <a:prstGeom prst="rect">
+                <a:avLst/>
+              </a:prstGeom>
+              <a:noFill/>
+              <a:ln>
+                <a:noFill/>
+              </a:ln>
+              <a:effectLst/>
+              <a:extLst>
+                <a:ext uri="{909E8E84-426E-40DD-AFC4-6F175D3DCCD1}">
+                  <a14:hiddenFill xmlns:a14="http://schemas.microsoft.com/office/drawing/2010/main">
+                    <a:solidFill>
+                      <a:schemeClr val="accent1"/>
+                    </a:solidFill>
+                  </a14:hiddenFill>
+                </a:ext>
+                <a:ext uri="{91240B29-F687-4F45-9708-019B960494DF}">
+                  <a14:hiddenLine xmlns:a14="http://schemas.microsoft.com/office/drawing/2010/main" w="9525">
+                    <a:solidFill>
+                      <a:schemeClr val="tx1"/>
+                    </a:solidFill>
+                    <a:miter lim="800000"/>
+                    <a:headEnd/>
+                    <a:tailEnd/>
+                  </a14:hiddenLine>
+                </a:ext>
+                <a:ext uri="{AF507438-7753-43E0-B8FC-AC1667EBCBE1}">
+                  <a14:hiddenEffects xmlns:a14="http://schemas.microsoft.com/office/drawing/2010/main">
+                    <a:effectLst>
+                      <a:outerShdw dist="35921" dir="2700000" algn="ctr" rotWithShape="0">
+                        <a:schemeClr val="bg2"/>
+                      </a:outerShdw>
+                    </a:effectLst>
+                  </a14:hiddenEffects>
+                </a:ext>
+              </a:extLst>
+            </p:spPr>
+            <p:txBody>
+              <a:bodyPr wrap="square" lIns="48971" tIns="24486" rIns="48971" bIns="24486">
+                <a:spAutoFit/>
+              </a:bodyPr>
+              <a:lstStyle>
+                <a:lvl1pPr defTabSz="4389438" eaLnBrk="0" hangingPunct="0">
+                  <a:defRPr sz="2200">
+                    <a:solidFill>
+                      <a:schemeClr val="tx1"/>
+                    </a:solidFill>
+                    <a:latin typeface="Arial" charset="0"/>
+                  </a:defRPr>
+                </a:lvl1pPr>
+                <a:lvl2pPr marL="742950" indent="-285750" defTabSz="4389438" eaLnBrk="0" hangingPunct="0">
+                  <a:defRPr sz="2200">
+                    <a:solidFill>
+                      <a:schemeClr val="tx1"/>
+                    </a:solidFill>
+                    <a:latin typeface="Arial" charset="0"/>
+                  </a:defRPr>
+                </a:lvl2pPr>
+                <a:lvl3pPr marL="1143000" indent="-228600" defTabSz="4389438" eaLnBrk="0" hangingPunct="0">
+                  <a:defRPr sz="2200">
+                    <a:solidFill>
+                      <a:schemeClr val="tx1"/>
+                    </a:solidFill>
+                    <a:latin typeface="Arial" charset="0"/>
+                  </a:defRPr>
+                </a:lvl3pPr>
+                <a:lvl4pPr marL="1600200" indent="-228600" defTabSz="4389438" eaLnBrk="0" hangingPunct="0">
+                  <a:defRPr sz="2200">
+                    <a:solidFill>
+                      <a:schemeClr val="tx1"/>
+                    </a:solidFill>
+                    <a:latin typeface="Arial" charset="0"/>
+                  </a:defRPr>
+                </a:lvl4pPr>
+                <a:lvl5pPr marL="2057400" indent="-228600" defTabSz="4389438" eaLnBrk="0" hangingPunct="0">
+                  <a:defRPr sz="2200">
+                    <a:solidFill>
+                      <a:schemeClr val="tx1"/>
+                    </a:solidFill>
+                    <a:latin typeface="Arial" charset="0"/>
+                  </a:defRPr>
+                </a:lvl5pPr>
+                <a:lvl6pPr marL="2514600" indent="-228600" defTabSz="4389438" eaLnBrk="0" fontAlgn="base" hangingPunct="0">
+                  <a:spcBef>
+                    <a:spcPct val="0"/>
+                  </a:spcBef>
+                  <a:spcAft>
+                    <a:spcPct val="0"/>
+                  </a:spcAft>
+                  <a:defRPr sz="2200">
+                    <a:solidFill>
+                      <a:schemeClr val="tx1"/>
+                    </a:solidFill>
+                    <a:latin typeface="Arial" charset="0"/>
+                  </a:defRPr>
+                </a:lvl6pPr>
+                <a:lvl7pPr marL="2971800" indent="-228600" defTabSz="4389438" eaLnBrk="0" fontAlgn="base" hangingPunct="0">
+                  <a:spcBef>
+                    <a:spcPct val="0"/>
+                  </a:spcBef>
+                  <a:spcAft>
+                    <a:spcPct val="0"/>
+                  </a:spcAft>
+                  <a:defRPr sz="2200">
+                    <a:solidFill>
+                      <a:schemeClr val="tx1"/>
+                    </a:solidFill>
+                    <a:latin typeface="Arial" charset="0"/>
+                  </a:defRPr>
+                </a:lvl7pPr>
+                <a:lvl8pPr marL="3429000" indent="-228600" defTabSz="4389438" eaLnBrk="0" fontAlgn="base" hangingPunct="0">
+                  <a:spcBef>
+                    <a:spcPct val="0"/>
+                  </a:spcBef>
+                  <a:spcAft>
+                    <a:spcPct val="0"/>
+                  </a:spcAft>
+                  <a:defRPr sz="2200">
+                    <a:solidFill>
+                      <a:schemeClr val="tx1"/>
+                    </a:solidFill>
+                    <a:latin typeface="Arial" charset="0"/>
+                  </a:defRPr>
+                </a:lvl8pPr>
+                <a:lvl9pPr marL="3886200" indent="-228600" defTabSz="4389438" eaLnBrk="0" fontAlgn="base" hangingPunct="0">
+                  <a:spcBef>
+                    <a:spcPct val="0"/>
+                  </a:spcBef>
+                  <a:spcAft>
+                    <a:spcPct val="0"/>
+                  </a:spcAft>
+                  <a:defRPr sz="2200">
+                    <a:solidFill>
+                      <a:schemeClr val="tx1"/>
+                    </a:solidFill>
+                    <a:latin typeface="Arial" charset="0"/>
+                  </a:defRPr>
+                </a:lvl9pPr>
+              </a:lstStyle>
+              <a:p>
+                <a:pPr algn="ctr" eaLnBrk="1" hangingPunct="1"/>
+                <a:r>
+                  <a:rPr lang="en-US" sz="1920" b="1" dirty="0">
+                    <a:latin typeface="Arial" panose="020B0604020202020204" pitchFamily="34" charset="0"/>
+                    <a:cs typeface="Arial" panose="020B0604020202020204" pitchFamily="34" charset="0"/>
+                  </a:rPr>
+                  <a:t>Table 1.</a:t>
+                </a:r>
+                <a:r>
+                  <a:rPr lang="en-US" sz="1920" dirty="0">
+                    <a:latin typeface="Arial" panose="020B0604020202020204" pitchFamily="34" charset="0"/>
+                    <a:cs typeface="Arial" panose="020B0604020202020204" pitchFamily="34" charset="0"/>
+                  </a:rPr>
+                  <a:t> Feature vector format.</a:t>
+                </a:r>
+              </a:p>
+            </p:txBody>
+          </p:sp>
+          <p:sp>
+            <p:nvSpPr>
+              <p:cNvPr id="41" name="Text Box 180"/>
+              <p:cNvSpPr txBox="1">
+                <a:spLocks noChangeArrowheads="1"/>
+              </p:cNvSpPr>
+              <p:nvPr/>
+            </p:nvSpPr>
+            <p:spPr bwMode="auto">
+              <a:xfrm>
+                <a:off x="-453356" y="14448181"/>
+                <a:ext cx="2765843" cy="633292"/>
+              </a:xfrm>
+              <a:prstGeom prst="rect">
+                <a:avLst/>
+              </a:prstGeom>
+              <a:noFill/>
+              <a:ln>
+                <a:noFill/>
+              </a:ln>
+              <a:effectLst/>
+              <a:extLst>
+                <a:ext uri="{909E8E84-426E-40DD-AFC4-6F175D3DCCD1}">
+                  <a14:hiddenFill xmlns:a14="http://schemas.microsoft.com/office/drawing/2010/main">
+                    <a:solidFill>
+                      <a:schemeClr val="accent1"/>
+                    </a:solidFill>
+                  </a14:hiddenFill>
+                </a:ext>
+                <a:ext uri="{91240B29-F687-4F45-9708-019B960494DF}">
+                  <a14:hiddenLine xmlns:a14="http://schemas.microsoft.com/office/drawing/2010/main" w="9525">
+                    <a:solidFill>
+                      <a:schemeClr val="tx1"/>
+                    </a:solidFill>
+                    <a:miter lim="800000"/>
+                    <a:headEnd/>
+                    <a:tailEnd/>
+                  </a14:hiddenLine>
+                </a:ext>
+                <a:ext uri="{AF507438-7753-43E0-B8FC-AC1667EBCBE1}">
+                  <a14:hiddenEffects xmlns:a14="http://schemas.microsoft.com/office/drawing/2010/main">
+                    <a:effectLst>
+                      <a:outerShdw dist="35921" dir="2700000" algn="ctr" rotWithShape="0">
+                        <a:schemeClr val="bg2"/>
+                      </a:outerShdw>
+                    </a:effectLst>
+                  </a14:hiddenEffects>
+                </a:ext>
+              </a:extLst>
+            </p:spPr>
+            <p:txBody>
+              <a:bodyPr wrap="square" lIns="48971" tIns="24486" rIns="48971" bIns="24486">
+                <a:spAutoFit/>
+              </a:bodyPr>
+              <a:lstStyle>
+                <a:lvl1pPr defTabSz="4389438" eaLnBrk="0" hangingPunct="0">
+                  <a:defRPr sz="2200">
+                    <a:solidFill>
+                      <a:schemeClr val="tx1"/>
+                    </a:solidFill>
+                    <a:latin typeface="Arial" charset="0"/>
+                  </a:defRPr>
+                </a:lvl1pPr>
+                <a:lvl2pPr marL="742950" indent="-285750" defTabSz="4389438" eaLnBrk="0" hangingPunct="0">
+                  <a:defRPr sz="2200">
+                    <a:solidFill>
+                      <a:schemeClr val="tx1"/>
+                    </a:solidFill>
+                    <a:latin typeface="Arial" charset="0"/>
+                  </a:defRPr>
+                </a:lvl2pPr>
+                <a:lvl3pPr marL="1143000" indent="-228600" defTabSz="4389438" eaLnBrk="0" hangingPunct="0">
+                  <a:defRPr sz="2200">
+                    <a:solidFill>
+                      <a:schemeClr val="tx1"/>
+                    </a:solidFill>
+                    <a:latin typeface="Arial" charset="0"/>
+                  </a:defRPr>
+                </a:lvl3pPr>
+                <a:lvl4pPr marL="1600200" indent="-228600" defTabSz="4389438" eaLnBrk="0" hangingPunct="0">
+                  <a:defRPr sz="2200">
+                    <a:solidFill>
+                      <a:schemeClr val="tx1"/>
+                    </a:solidFill>
+                    <a:latin typeface="Arial" charset="0"/>
+                  </a:defRPr>
+                </a:lvl4pPr>
+                <a:lvl5pPr marL="2057400" indent="-228600" defTabSz="4389438" eaLnBrk="0" hangingPunct="0">
+                  <a:defRPr sz="2200">
+                    <a:solidFill>
+                      <a:schemeClr val="tx1"/>
+                    </a:solidFill>
+                    <a:latin typeface="Arial" charset="0"/>
+                  </a:defRPr>
+                </a:lvl5pPr>
+                <a:lvl6pPr marL="2514600" indent="-228600" defTabSz="4389438" eaLnBrk="0" fontAlgn="base" hangingPunct="0">
+                  <a:spcBef>
+                    <a:spcPct val="0"/>
+                  </a:spcBef>
+                  <a:spcAft>
+                    <a:spcPct val="0"/>
+                  </a:spcAft>
+                  <a:defRPr sz="2200">
+                    <a:solidFill>
+                      <a:schemeClr val="tx1"/>
+                    </a:solidFill>
+                    <a:latin typeface="Arial" charset="0"/>
+                  </a:defRPr>
+                </a:lvl6pPr>
+                <a:lvl7pPr marL="2971800" indent="-228600" defTabSz="4389438" eaLnBrk="0" fontAlgn="base" hangingPunct="0">
+                  <a:spcBef>
+                    <a:spcPct val="0"/>
+                  </a:spcBef>
+                  <a:spcAft>
+                    <a:spcPct val="0"/>
+                  </a:spcAft>
+                  <a:defRPr sz="2200">
+                    <a:solidFill>
+                      <a:schemeClr val="tx1"/>
+                    </a:solidFill>
+                    <a:latin typeface="Arial" charset="0"/>
+                  </a:defRPr>
+                </a:lvl7pPr>
+                <a:lvl8pPr marL="3429000" indent="-228600" defTabSz="4389438" eaLnBrk="0" fontAlgn="base" hangingPunct="0">
+                  <a:spcBef>
+                    <a:spcPct val="0"/>
+                  </a:spcBef>
+                  <a:spcAft>
+                    <a:spcPct val="0"/>
+                  </a:spcAft>
+                  <a:defRPr sz="2200">
+                    <a:solidFill>
+                      <a:schemeClr val="tx1"/>
+                    </a:solidFill>
+                    <a:latin typeface="Arial" charset="0"/>
+                  </a:defRPr>
+                </a:lvl8pPr>
+                <a:lvl9pPr marL="3886200" indent="-228600" defTabSz="4389438" eaLnBrk="0" fontAlgn="base" hangingPunct="0">
+                  <a:spcBef>
+                    <a:spcPct val="0"/>
+                  </a:spcBef>
+                  <a:spcAft>
+                    <a:spcPct val="0"/>
+                  </a:spcAft>
+                  <a:defRPr sz="2200">
+                    <a:solidFill>
+                      <a:schemeClr val="tx1"/>
+                    </a:solidFill>
+                    <a:latin typeface="Arial" charset="0"/>
+                  </a:defRPr>
+                </a:lvl9pPr>
+              </a:lstStyle>
+              <a:p>
+                <a:pPr algn="ctr" eaLnBrk="1" hangingPunct="1"/>
+                <a:r>
+                  <a:rPr lang="en-US" sz="1440" dirty="0">
+                    <a:latin typeface="Arial" panose="020B0604020202020204" pitchFamily="34" charset="0"/>
+                    <a:cs typeface="Arial" panose="020B0604020202020204" pitchFamily="34" charset="0"/>
+                  </a:rPr>
+                  <a:t>56 subjects</a:t>
+                </a:r>
+              </a:p>
+              <a:p>
+                <a:pPr algn="ctr" eaLnBrk="1" hangingPunct="1"/>
+                <a:r>
+                  <a:rPr lang="en-US" sz="1440" dirty="0">
+                    <a:latin typeface="Arial" panose="020B0604020202020204" pitchFamily="34" charset="0"/>
+                    <a:cs typeface="Arial" panose="020B0604020202020204" pitchFamily="34" charset="0"/>
+                  </a:rPr>
+                  <a:t>51 records/</a:t>
+                </a:r>
+              </a:p>
+              <a:p>
+                <a:pPr algn="ctr" eaLnBrk="1" hangingPunct="1"/>
+                <a:r>
+                  <a:rPr lang="en-US" sz="1440" dirty="0">
+                    <a:latin typeface="Arial" panose="020B0604020202020204" pitchFamily="34" charset="0"/>
+                    <a:cs typeface="Arial" panose="020B0604020202020204" pitchFamily="34" charset="0"/>
+                  </a:rPr>
+                  <a:t>subject</a:t>
+                </a:r>
+              </a:p>
+            </p:txBody>
+          </p:sp>
+          <p:sp>
+            <p:nvSpPr>
+              <p:cNvPr id="43" name="Left Brace 42"/>
+              <p:cNvSpPr/>
+              <p:nvPr/>
+            </p:nvSpPr>
+            <p:spPr>
+              <a:xfrm rot="5400000">
+                <a:off x="6716138" y="11417417"/>
+                <a:ext cx="316911" cy="4969262"/>
+              </a:xfrm>
+              <a:prstGeom prst="leftBrace">
+                <a:avLst>
+                  <a:gd name="adj1" fmla="val 53021"/>
+                  <a:gd name="adj2" fmla="val 50000"/>
+                </a:avLst>
+              </a:prstGeom>
+              <a:ln w="38100"/>
+            </p:spPr>
+            <p:style>
+              <a:lnRef idx="1">
+                <a:schemeClr val="dk1"/>
+              </a:lnRef>
+              <a:fillRef idx="0">
+                <a:schemeClr val="dk1"/>
+              </a:fillRef>
+              <a:effectRef idx="0">
+                <a:schemeClr val="dk1"/>
+              </a:effectRef>
+              <a:fontRef idx="minor">
+                <a:schemeClr val="tx1"/>
+              </a:fontRef>
+            </p:style>
+            <p:txBody>
+              <a:bodyPr rtlCol="0" anchor="ctr"/>
+              <a:lstStyle/>
+              <a:p>
+                <a:pPr algn="ctr"/>
+                <a:endParaRPr lang="en-US" sz="5520"/>
+              </a:p>
+            </p:txBody>
+          </p:sp>
+          <p:sp>
+            <p:nvSpPr>
+              <p:cNvPr id="44" name="Text Box 180"/>
+              <p:cNvSpPr txBox="1">
+                <a:spLocks noChangeArrowheads="1"/>
+              </p:cNvSpPr>
+              <p:nvPr/>
+            </p:nvSpPr>
+            <p:spPr bwMode="auto">
+              <a:xfrm>
+                <a:off x="5858362" y="13331973"/>
+                <a:ext cx="2032462" cy="240327"/>
+              </a:xfrm>
+              <a:prstGeom prst="rect">
+                <a:avLst/>
+              </a:prstGeom>
+              <a:noFill/>
+              <a:ln>
+                <a:noFill/>
+              </a:ln>
+              <a:effectLst/>
+              <a:extLst>
+                <a:ext uri="{909E8E84-426E-40DD-AFC4-6F175D3DCCD1}">
+                  <a14:hiddenFill xmlns:a14="http://schemas.microsoft.com/office/drawing/2010/main">
+                    <a:solidFill>
+                      <a:schemeClr val="accent1"/>
+                    </a:solidFill>
+                  </a14:hiddenFill>
+                </a:ext>
+                <a:ext uri="{91240B29-F687-4F45-9708-019B960494DF}">
+                  <a14:hiddenLine xmlns:a14="http://schemas.microsoft.com/office/drawing/2010/main" w="9525">
+                    <a:solidFill>
+                      <a:schemeClr val="tx1"/>
+                    </a:solidFill>
+                    <a:miter lim="800000"/>
+                    <a:headEnd/>
+                    <a:tailEnd/>
+                  </a14:hiddenLine>
+                </a:ext>
+                <a:ext uri="{AF507438-7753-43E0-B8FC-AC1667EBCBE1}">
+                  <a14:hiddenEffects xmlns:a14="http://schemas.microsoft.com/office/drawing/2010/main">
+                    <a:effectLst>
+                      <a:outerShdw dist="35921" dir="2700000" algn="ctr" rotWithShape="0">
+                        <a:schemeClr val="bg2"/>
+                      </a:outerShdw>
+                    </a:effectLst>
+                  </a14:hiddenEffects>
+                </a:ext>
+              </a:extLst>
+            </p:spPr>
+            <p:txBody>
+              <a:bodyPr wrap="square" lIns="48971" tIns="24486" rIns="48971" bIns="24486">
+                <a:spAutoFit/>
+              </a:bodyPr>
+              <a:lstStyle>
+                <a:lvl1pPr defTabSz="4389438" eaLnBrk="0" hangingPunct="0">
+                  <a:defRPr sz="2200">
+                    <a:solidFill>
+                      <a:schemeClr val="tx1"/>
+                    </a:solidFill>
+                    <a:latin typeface="Arial" charset="0"/>
+                  </a:defRPr>
+                </a:lvl1pPr>
+                <a:lvl2pPr marL="742950" indent="-285750" defTabSz="4389438" eaLnBrk="0" hangingPunct="0">
+                  <a:defRPr sz="2200">
+                    <a:solidFill>
+                      <a:schemeClr val="tx1"/>
+                    </a:solidFill>
+                    <a:latin typeface="Arial" charset="0"/>
+                  </a:defRPr>
+                </a:lvl2pPr>
+                <a:lvl3pPr marL="1143000" indent="-228600" defTabSz="4389438" eaLnBrk="0" hangingPunct="0">
+                  <a:defRPr sz="2200">
+                    <a:solidFill>
+                      <a:schemeClr val="tx1"/>
+                    </a:solidFill>
+                    <a:latin typeface="Arial" charset="0"/>
+                  </a:defRPr>
+                </a:lvl3pPr>
+                <a:lvl4pPr marL="1600200" indent="-228600" defTabSz="4389438" eaLnBrk="0" hangingPunct="0">
+                  <a:defRPr sz="2200">
+                    <a:solidFill>
+                      <a:schemeClr val="tx1"/>
+                    </a:solidFill>
+                    <a:latin typeface="Arial" charset="0"/>
+                  </a:defRPr>
+                </a:lvl4pPr>
+                <a:lvl5pPr marL="2057400" indent="-228600" defTabSz="4389438" eaLnBrk="0" hangingPunct="0">
+                  <a:defRPr sz="2200">
+                    <a:solidFill>
+                      <a:schemeClr val="tx1"/>
+                    </a:solidFill>
+                    <a:latin typeface="Arial" charset="0"/>
+                  </a:defRPr>
+                </a:lvl5pPr>
+                <a:lvl6pPr marL="2514600" indent="-228600" defTabSz="4389438" eaLnBrk="0" fontAlgn="base" hangingPunct="0">
+                  <a:spcBef>
+                    <a:spcPct val="0"/>
+                  </a:spcBef>
+                  <a:spcAft>
+                    <a:spcPct val="0"/>
+                  </a:spcAft>
+                  <a:defRPr sz="2200">
+                    <a:solidFill>
+                      <a:schemeClr val="tx1"/>
+                    </a:solidFill>
+                    <a:latin typeface="Arial" charset="0"/>
+                  </a:defRPr>
+                </a:lvl6pPr>
+                <a:lvl7pPr marL="2971800" indent="-228600" defTabSz="4389438" eaLnBrk="0" fontAlgn="base" hangingPunct="0">
+                  <a:spcBef>
+                    <a:spcPct val="0"/>
+                  </a:spcBef>
+                  <a:spcAft>
+                    <a:spcPct val="0"/>
+                  </a:spcAft>
+                  <a:defRPr sz="2200">
+                    <a:solidFill>
+                      <a:schemeClr val="tx1"/>
+                    </a:solidFill>
+                    <a:latin typeface="Arial" charset="0"/>
+                  </a:defRPr>
+                </a:lvl7pPr>
+                <a:lvl8pPr marL="3429000" indent="-228600" defTabSz="4389438" eaLnBrk="0" fontAlgn="base" hangingPunct="0">
+                  <a:spcBef>
+                    <a:spcPct val="0"/>
+                  </a:spcBef>
+                  <a:spcAft>
+                    <a:spcPct val="0"/>
+                  </a:spcAft>
+                  <a:defRPr sz="2200">
+                    <a:solidFill>
+                      <a:schemeClr val="tx1"/>
+                    </a:solidFill>
+                    <a:latin typeface="Arial" charset="0"/>
+                  </a:defRPr>
+                </a:lvl8pPr>
+                <a:lvl9pPr marL="3886200" indent="-228600" defTabSz="4389438" eaLnBrk="0" fontAlgn="base" hangingPunct="0">
+                  <a:spcBef>
+                    <a:spcPct val="0"/>
+                  </a:spcBef>
+                  <a:spcAft>
+                    <a:spcPct val="0"/>
+                  </a:spcAft>
+                  <a:defRPr sz="2200">
+                    <a:solidFill>
+                      <a:schemeClr val="tx1"/>
+                    </a:solidFill>
+                    <a:latin typeface="Arial" charset="0"/>
+                  </a:defRPr>
+                </a:lvl9pPr>
+              </a:lstStyle>
+              <a:p>
+                <a:pPr algn="ctr" eaLnBrk="1" hangingPunct="1"/>
+                <a:r>
+                  <a:rPr lang="en-US" sz="1440" dirty="0">
+                    <a:latin typeface="Arial" panose="020B0604020202020204" pitchFamily="34" charset="0"/>
+                    <a:cs typeface="Arial" panose="020B0604020202020204" pitchFamily="34" charset="0"/>
+                  </a:rPr>
+                  <a:t>71 features</a:t>
+                </a:r>
+              </a:p>
+            </p:txBody>
+          </p:sp>
+        </p:grpSp>
         <p:sp>
           <p:nvSpPr>
-            <p:cNvPr id="37" name="Text Box 180"/>
+            <p:cNvPr id="49" name="Left Brace 48"/>
+            <p:cNvSpPr/>
+            <p:nvPr/>
+          </p:nvSpPr>
+          <p:spPr>
+            <a:xfrm>
+              <a:off x="2297001" y="16842991"/>
+              <a:ext cx="100193" cy="885538"/>
+            </a:xfrm>
+            <a:prstGeom prst="leftBrace">
+              <a:avLst>
+                <a:gd name="adj1" fmla="val 53021"/>
+                <a:gd name="adj2" fmla="val 50000"/>
+              </a:avLst>
+            </a:prstGeom>
+            <a:ln w="38100"/>
+          </p:spPr>
+          <p:style>
+            <a:lnRef idx="1">
+              <a:schemeClr val="dk1"/>
+            </a:lnRef>
+            <a:fillRef idx="0">
+              <a:schemeClr val="dk1"/>
+            </a:fillRef>
+            <a:effectRef idx="0">
+              <a:schemeClr val="dk1"/>
+            </a:effectRef>
+            <a:fontRef idx="minor">
+              <a:schemeClr val="tx1"/>
+            </a:fontRef>
+          </p:style>
+          <p:txBody>
+            <a:bodyPr rtlCol="0" anchor="ctr"/>
+            <a:lstStyle/>
+            <a:p>
+              <a:pPr algn="ctr"/>
+              <a:endParaRPr lang="en-US" sz="5520"/>
+            </a:p>
+          </p:txBody>
+        </p:sp>
+      </p:grpSp>
+      <p:grpSp>
+        <p:nvGrpSpPr>
+          <p:cNvPr id="2" name="Group 1"/>
+          <p:cNvGrpSpPr/>
+          <p:nvPr/>
+        </p:nvGrpSpPr>
+        <p:grpSpPr>
+          <a:xfrm>
+            <a:off x="6024057" y="15620506"/>
+            <a:ext cx="4796343" cy="2842946"/>
+            <a:chOff x="4994647" y="13373456"/>
+            <a:chExt cx="3996953" cy="2369122"/>
+          </a:xfrm>
+        </p:grpSpPr>
+        <p:pic>
+          <p:nvPicPr>
+            <p:cNvPr id="18" name="Picture 17"/>
+            <p:cNvPicPr>
+              <a:picLocks noChangeAspect="1"/>
+            </p:cNvPicPr>
+            <p:nvPr/>
+          </p:nvPicPr>
+          <p:blipFill>
+            <a:blip r:embed="rId2">
+              <a:extLst>
+                <a:ext uri="{28A0092B-C50C-407E-A947-70E740481C1C}">
+                  <a14:useLocalDpi xmlns:a14="http://schemas.microsoft.com/office/drawing/2010/main" val="0"/>
+                </a:ext>
+              </a:extLst>
+            </a:blip>
+            <a:stretch>
+              <a:fillRect/>
+            </a:stretch>
+          </p:blipFill>
+          <p:spPr>
+            <a:xfrm>
+              <a:off x="5147048" y="13373456"/>
+              <a:ext cx="3844552" cy="2086106"/>
+            </a:xfrm>
+            <a:prstGeom prst="rect">
+              <a:avLst/>
+            </a:prstGeom>
+          </p:spPr>
+        </p:pic>
+        <p:sp>
+          <p:nvSpPr>
+            <p:cNvPr id="50" name="Text Box 180"/>
             <p:cNvSpPr txBox="1">
               <a:spLocks noChangeArrowheads="1"/>
             </p:cNvSpPr>
@@ -5236,8 +6095,8 @@
           </p:nvSpPr>
           <p:spPr bwMode="auto">
             <a:xfrm>
-              <a:off x="1447799" y="15433461"/>
-              <a:ext cx="7254714" cy="305822"/>
+              <a:off x="4994647" y="15455148"/>
+              <a:ext cx="3729791" cy="287430"/>
             </a:xfrm>
             <a:prstGeom prst="rect">
               <a:avLst/>
@@ -5382,655 +6241,15 @@
               <a:pPr algn="ctr" eaLnBrk="1" hangingPunct="1"/>
               <a:r>
                 <a:rPr lang="en-US" sz="1920" b="1" dirty="0">
-                  <a:latin typeface="Calibri" pitchFamily="34" charset="0"/>
-                </a:rPr>
-                <a:t>Table 1.</a:t>
-              </a:r>
-              <a:r>
-                <a:rPr lang="en-US" sz="1920" dirty="0">
-                  <a:latin typeface="Calibri" pitchFamily="34" charset="0"/>
-                </a:rPr>
-                <a:t> Feature vector format.</a:t>
-              </a:r>
-            </a:p>
-          </p:txBody>
-        </p:sp>
-        <p:sp>
-          <p:nvSpPr>
-            <p:cNvPr id="41" name="Text Box 180"/>
-            <p:cNvSpPr txBox="1">
-              <a:spLocks noChangeArrowheads="1"/>
-            </p:cNvSpPr>
-            <p:nvPr/>
-          </p:nvSpPr>
-          <p:spPr bwMode="auto">
-            <a:xfrm>
-              <a:off x="604211" y="14351486"/>
-              <a:ext cx="1679176" cy="1026256"/>
-            </a:xfrm>
-            <a:prstGeom prst="rect">
-              <a:avLst/>
-            </a:prstGeom>
-            <a:noFill/>
-            <a:ln>
-              <a:noFill/>
-            </a:ln>
-            <a:effectLst/>
-            <a:extLst>
-              <a:ext uri="{909E8E84-426E-40DD-AFC4-6F175D3DCCD1}">
-                <a14:hiddenFill xmlns:a14="http://schemas.microsoft.com/office/drawing/2010/main">
-                  <a:solidFill>
-                    <a:schemeClr val="accent1"/>
-                  </a:solidFill>
-                </a14:hiddenFill>
-              </a:ext>
-              <a:ext uri="{91240B29-F687-4F45-9708-019B960494DF}">
-                <a14:hiddenLine xmlns:a14="http://schemas.microsoft.com/office/drawing/2010/main" w="9525">
-                  <a:solidFill>
-                    <a:schemeClr val="tx1"/>
-                  </a:solidFill>
-                  <a:miter lim="800000"/>
-                  <a:headEnd/>
-                  <a:tailEnd/>
-                </a14:hiddenLine>
-              </a:ext>
-              <a:ext uri="{AF507438-7753-43E0-B8FC-AC1667EBCBE1}">
-                <a14:hiddenEffects xmlns:a14="http://schemas.microsoft.com/office/drawing/2010/main">
-                  <a:effectLst>
-                    <a:outerShdw dist="35921" dir="2700000" algn="ctr" rotWithShape="0">
-                      <a:schemeClr val="bg2"/>
-                    </a:outerShdw>
-                  </a:effectLst>
-                </a14:hiddenEffects>
-              </a:ext>
-            </a:extLst>
-          </p:spPr>
-          <p:txBody>
-            <a:bodyPr wrap="square" lIns="48971" tIns="24486" rIns="48971" bIns="24486">
-              <a:spAutoFit/>
-            </a:bodyPr>
-            <a:lstStyle>
-              <a:lvl1pPr defTabSz="4389438" eaLnBrk="0" hangingPunct="0">
-                <a:defRPr sz="2200">
-                  <a:solidFill>
-                    <a:schemeClr val="tx1"/>
-                  </a:solidFill>
-                  <a:latin typeface="Arial" charset="0"/>
-                </a:defRPr>
-              </a:lvl1pPr>
-              <a:lvl2pPr marL="742950" indent="-285750" defTabSz="4389438" eaLnBrk="0" hangingPunct="0">
-                <a:defRPr sz="2200">
-                  <a:solidFill>
-                    <a:schemeClr val="tx1"/>
-                  </a:solidFill>
-                  <a:latin typeface="Arial" charset="0"/>
-                </a:defRPr>
-              </a:lvl2pPr>
-              <a:lvl3pPr marL="1143000" indent="-228600" defTabSz="4389438" eaLnBrk="0" hangingPunct="0">
-                <a:defRPr sz="2200">
-                  <a:solidFill>
-                    <a:schemeClr val="tx1"/>
-                  </a:solidFill>
-                  <a:latin typeface="Arial" charset="0"/>
-                </a:defRPr>
-              </a:lvl3pPr>
-              <a:lvl4pPr marL="1600200" indent="-228600" defTabSz="4389438" eaLnBrk="0" hangingPunct="0">
-                <a:defRPr sz="2200">
-                  <a:solidFill>
-                    <a:schemeClr val="tx1"/>
-                  </a:solidFill>
-                  <a:latin typeface="Arial" charset="0"/>
-                </a:defRPr>
-              </a:lvl4pPr>
-              <a:lvl5pPr marL="2057400" indent="-228600" defTabSz="4389438" eaLnBrk="0" hangingPunct="0">
-                <a:defRPr sz="2200">
-                  <a:solidFill>
-                    <a:schemeClr val="tx1"/>
-                  </a:solidFill>
-                  <a:latin typeface="Arial" charset="0"/>
-                </a:defRPr>
-              </a:lvl5pPr>
-              <a:lvl6pPr marL="2514600" indent="-228600" defTabSz="4389438" eaLnBrk="0" fontAlgn="base" hangingPunct="0">
-                <a:spcBef>
-                  <a:spcPct val="0"/>
-                </a:spcBef>
-                <a:spcAft>
-                  <a:spcPct val="0"/>
-                </a:spcAft>
-                <a:defRPr sz="2200">
-                  <a:solidFill>
-                    <a:schemeClr val="tx1"/>
-                  </a:solidFill>
-                  <a:latin typeface="Arial" charset="0"/>
-                </a:defRPr>
-              </a:lvl6pPr>
-              <a:lvl7pPr marL="2971800" indent="-228600" defTabSz="4389438" eaLnBrk="0" fontAlgn="base" hangingPunct="0">
-                <a:spcBef>
-                  <a:spcPct val="0"/>
-                </a:spcBef>
-                <a:spcAft>
-                  <a:spcPct val="0"/>
-                </a:spcAft>
-                <a:defRPr sz="2200">
-                  <a:solidFill>
-                    <a:schemeClr val="tx1"/>
-                  </a:solidFill>
-                  <a:latin typeface="Arial" charset="0"/>
-                </a:defRPr>
-              </a:lvl7pPr>
-              <a:lvl8pPr marL="3429000" indent="-228600" defTabSz="4389438" eaLnBrk="0" fontAlgn="base" hangingPunct="0">
-                <a:spcBef>
-                  <a:spcPct val="0"/>
-                </a:spcBef>
-                <a:spcAft>
-                  <a:spcPct val="0"/>
-                </a:spcAft>
-                <a:defRPr sz="2200">
-                  <a:solidFill>
-                    <a:schemeClr val="tx1"/>
-                  </a:solidFill>
-                  <a:latin typeface="Arial" charset="0"/>
-                </a:defRPr>
-              </a:lvl8pPr>
-              <a:lvl9pPr marL="3886200" indent="-228600" defTabSz="4389438" eaLnBrk="0" fontAlgn="base" hangingPunct="0">
-                <a:spcBef>
-                  <a:spcPct val="0"/>
-                </a:spcBef>
-                <a:spcAft>
-                  <a:spcPct val="0"/>
-                </a:spcAft>
-                <a:defRPr sz="2200">
-                  <a:solidFill>
-                    <a:schemeClr val="tx1"/>
-                  </a:solidFill>
-                  <a:latin typeface="Arial" charset="0"/>
-                </a:defRPr>
-              </a:lvl9pPr>
-            </a:lstStyle>
-            <a:p>
-              <a:pPr algn="ctr" eaLnBrk="1" hangingPunct="1"/>
-              <a:r>
-                <a:rPr lang="en-US" sz="1440" dirty="0">
-                  <a:latin typeface="Calibri" pitchFamily="34" charset="0"/>
-                </a:rPr>
-                <a:t>56 subjects</a:t>
-              </a:r>
-            </a:p>
-            <a:p>
-              <a:pPr algn="ctr" eaLnBrk="1" hangingPunct="1"/>
-              <a:r>
-                <a:rPr lang="en-US" sz="1440" dirty="0">
-                  <a:latin typeface="Calibri" pitchFamily="34" charset="0"/>
-                </a:rPr>
-                <a:t>51 records/</a:t>
-              </a:r>
-            </a:p>
-            <a:p>
-              <a:pPr algn="ctr" eaLnBrk="1" hangingPunct="1"/>
-              <a:r>
-                <a:rPr lang="en-US" sz="1440" dirty="0">
-                  <a:latin typeface="Calibri" pitchFamily="34" charset="0"/>
-                </a:rPr>
-                <a:t>subject</a:t>
-              </a:r>
-            </a:p>
-          </p:txBody>
-        </p:sp>
-        <p:sp>
-          <p:nvSpPr>
-            <p:cNvPr id="43" name="Left Brace 42"/>
-            <p:cNvSpPr/>
-            <p:nvPr/>
-          </p:nvSpPr>
-          <p:spPr>
-            <a:xfrm rot="5400000">
-              <a:off x="5991096" y="11301032"/>
-              <a:ext cx="304800" cy="5189920"/>
-            </a:xfrm>
-            <a:prstGeom prst="leftBrace">
-              <a:avLst>
-                <a:gd name="adj1" fmla="val 53021"/>
-                <a:gd name="adj2" fmla="val 50000"/>
-              </a:avLst>
-            </a:prstGeom>
-            <a:ln w="38100"/>
-          </p:spPr>
-          <p:style>
-            <a:lnRef idx="1">
-              <a:schemeClr val="dk1"/>
-            </a:lnRef>
-            <a:fillRef idx="0">
-              <a:schemeClr val="dk1"/>
-            </a:fillRef>
-            <a:effectRef idx="0">
-              <a:schemeClr val="dk1"/>
-            </a:effectRef>
-            <a:fontRef idx="minor">
-              <a:schemeClr val="tx1"/>
-            </a:fontRef>
-          </p:style>
-          <p:txBody>
-            <a:bodyPr rtlCol="0" anchor="ctr"/>
-            <a:lstStyle/>
-            <a:p>
-              <a:pPr algn="ctr"/>
-              <a:endParaRPr lang="en-US" sz="5520"/>
-            </a:p>
-          </p:txBody>
-        </p:sp>
-        <p:sp>
-          <p:nvSpPr>
-            <p:cNvPr id="44" name="Text Box 180"/>
-            <p:cNvSpPr txBox="1">
-              <a:spLocks noChangeArrowheads="1"/>
-            </p:cNvSpPr>
-            <p:nvPr/>
-          </p:nvSpPr>
-          <p:spPr bwMode="auto">
-            <a:xfrm>
-              <a:off x="5303907" y="13280688"/>
-              <a:ext cx="1679176" cy="436809"/>
-            </a:xfrm>
-            <a:prstGeom prst="rect">
-              <a:avLst/>
-            </a:prstGeom>
-            <a:noFill/>
-            <a:ln>
-              <a:noFill/>
-            </a:ln>
-            <a:effectLst/>
-            <a:extLst>
-              <a:ext uri="{909E8E84-426E-40DD-AFC4-6F175D3DCCD1}">
-                <a14:hiddenFill xmlns:a14="http://schemas.microsoft.com/office/drawing/2010/main">
-                  <a:solidFill>
-                    <a:schemeClr val="accent1"/>
-                  </a:solidFill>
-                </a14:hiddenFill>
-              </a:ext>
-              <a:ext uri="{91240B29-F687-4F45-9708-019B960494DF}">
-                <a14:hiddenLine xmlns:a14="http://schemas.microsoft.com/office/drawing/2010/main" w="9525">
-                  <a:solidFill>
-                    <a:schemeClr val="tx1"/>
-                  </a:solidFill>
-                  <a:miter lim="800000"/>
-                  <a:headEnd/>
-                  <a:tailEnd/>
-                </a14:hiddenLine>
-              </a:ext>
-              <a:ext uri="{AF507438-7753-43E0-B8FC-AC1667EBCBE1}">
-                <a14:hiddenEffects xmlns:a14="http://schemas.microsoft.com/office/drawing/2010/main">
-                  <a:effectLst>
-                    <a:outerShdw dist="35921" dir="2700000" algn="ctr" rotWithShape="0">
-                      <a:schemeClr val="bg2"/>
-                    </a:outerShdw>
-                  </a:effectLst>
-                </a14:hiddenEffects>
-              </a:ext>
-            </a:extLst>
-          </p:spPr>
-          <p:txBody>
-            <a:bodyPr wrap="square" lIns="48971" tIns="24486" rIns="48971" bIns="24486">
-              <a:spAutoFit/>
-            </a:bodyPr>
-            <a:lstStyle>
-              <a:lvl1pPr defTabSz="4389438" eaLnBrk="0" hangingPunct="0">
-                <a:defRPr sz="2200">
-                  <a:solidFill>
-                    <a:schemeClr val="tx1"/>
-                  </a:solidFill>
-                  <a:latin typeface="Arial" charset="0"/>
-                </a:defRPr>
-              </a:lvl1pPr>
-              <a:lvl2pPr marL="742950" indent="-285750" defTabSz="4389438" eaLnBrk="0" hangingPunct="0">
-                <a:defRPr sz="2200">
-                  <a:solidFill>
-                    <a:schemeClr val="tx1"/>
-                  </a:solidFill>
-                  <a:latin typeface="Arial" charset="0"/>
-                </a:defRPr>
-              </a:lvl2pPr>
-              <a:lvl3pPr marL="1143000" indent="-228600" defTabSz="4389438" eaLnBrk="0" hangingPunct="0">
-                <a:defRPr sz="2200">
-                  <a:solidFill>
-                    <a:schemeClr val="tx1"/>
-                  </a:solidFill>
-                  <a:latin typeface="Arial" charset="0"/>
-                </a:defRPr>
-              </a:lvl3pPr>
-              <a:lvl4pPr marL="1600200" indent="-228600" defTabSz="4389438" eaLnBrk="0" hangingPunct="0">
-                <a:defRPr sz="2200">
-                  <a:solidFill>
-                    <a:schemeClr val="tx1"/>
-                  </a:solidFill>
-                  <a:latin typeface="Arial" charset="0"/>
-                </a:defRPr>
-              </a:lvl4pPr>
-              <a:lvl5pPr marL="2057400" indent="-228600" defTabSz="4389438" eaLnBrk="0" hangingPunct="0">
-                <a:defRPr sz="2200">
-                  <a:solidFill>
-                    <a:schemeClr val="tx1"/>
-                  </a:solidFill>
-                  <a:latin typeface="Arial" charset="0"/>
-                </a:defRPr>
-              </a:lvl5pPr>
-              <a:lvl6pPr marL="2514600" indent="-228600" defTabSz="4389438" eaLnBrk="0" fontAlgn="base" hangingPunct="0">
-                <a:spcBef>
-                  <a:spcPct val="0"/>
-                </a:spcBef>
-                <a:spcAft>
-                  <a:spcPct val="0"/>
-                </a:spcAft>
-                <a:defRPr sz="2200">
-                  <a:solidFill>
-                    <a:schemeClr val="tx1"/>
-                  </a:solidFill>
-                  <a:latin typeface="Arial" charset="0"/>
-                </a:defRPr>
-              </a:lvl6pPr>
-              <a:lvl7pPr marL="2971800" indent="-228600" defTabSz="4389438" eaLnBrk="0" fontAlgn="base" hangingPunct="0">
-                <a:spcBef>
-                  <a:spcPct val="0"/>
-                </a:spcBef>
-                <a:spcAft>
-                  <a:spcPct val="0"/>
-                </a:spcAft>
-                <a:defRPr sz="2200">
-                  <a:solidFill>
-                    <a:schemeClr val="tx1"/>
-                  </a:solidFill>
-                  <a:latin typeface="Arial" charset="0"/>
-                </a:defRPr>
-              </a:lvl7pPr>
-              <a:lvl8pPr marL="3429000" indent="-228600" defTabSz="4389438" eaLnBrk="0" fontAlgn="base" hangingPunct="0">
-                <a:spcBef>
-                  <a:spcPct val="0"/>
-                </a:spcBef>
-                <a:spcAft>
-                  <a:spcPct val="0"/>
-                </a:spcAft>
-                <a:defRPr sz="2200">
-                  <a:solidFill>
-                    <a:schemeClr val="tx1"/>
-                  </a:solidFill>
-                  <a:latin typeface="Arial" charset="0"/>
-                </a:defRPr>
-              </a:lvl8pPr>
-              <a:lvl9pPr marL="3886200" indent="-228600" defTabSz="4389438" eaLnBrk="0" fontAlgn="base" hangingPunct="0">
-                <a:spcBef>
-                  <a:spcPct val="0"/>
-                </a:spcBef>
-                <a:spcAft>
-                  <a:spcPct val="0"/>
-                </a:spcAft>
-                <a:defRPr sz="2200">
-                  <a:solidFill>
-                    <a:schemeClr val="tx1"/>
-                  </a:solidFill>
-                  <a:latin typeface="Arial" charset="0"/>
-                </a:defRPr>
-              </a:lvl9pPr>
-            </a:lstStyle>
-            <a:p>
-              <a:pPr algn="ctr" eaLnBrk="1" hangingPunct="1"/>
-              <a:r>
-                <a:rPr lang="en-US" sz="1440" dirty="0">
-                  <a:latin typeface="Calibri" pitchFamily="34" charset="0"/>
-                </a:rPr>
-                <a:t>71 features</a:t>
-              </a:r>
-            </a:p>
-          </p:txBody>
-        </p:sp>
-      </p:grpSp>
-      <p:sp>
-        <p:nvSpPr>
-          <p:cNvPr id="49" name="Left Brace 48"/>
-          <p:cNvSpPr/>
-          <p:nvPr/>
-        </p:nvSpPr>
-        <p:spPr>
-          <a:xfrm>
-            <a:off x="1937321" y="17439759"/>
-            <a:ext cx="170347" cy="764221"/>
-          </a:xfrm>
-          <a:prstGeom prst="leftBrace">
-            <a:avLst>
-              <a:gd name="adj1" fmla="val 53021"/>
-              <a:gd name="adj2" fmla="val 50000"/>
-            </a:avLst>
-          </a:prstGeom>
-          <a:ln w="38100"/>
-        </p:spPr>
-        <p:style>
-          <a:lnRef idx="1">
-            <a:schemeClr val="dk1"/>
-          </a:lnRef>
-          <a:fillRef idx="0">
-            <a:schemeClr val="dk1"/>
-          </a:fillRef>
-          <a:effectRef idx="0">
-            <a:schemeClr val="dk1"/>
-          </a:effectRef>
-          <a:fontRef idx="minor">
-            <a:schemeClr val="tx1"/>
-          </a:fontRef>
-        </p:style>
-        <p:txBody>
-          <a:bodyPr rtlCol="0" anchor="ctr"/>
-          <a:lstStyle/>
-          <a:p>
-            <a:pPr algn="ctr"/>
-            <a:endParaRPr lang="en-US" sz="5520"/>
-          </a:p>
-        </p:txBody>
-      </p:sp>
-      <p:grpSp>
-        <p:nvGrpSpPr>
-          <p:cNvPr id="2" name="Group 1"/>
-          <p:cNvGrpSpPr/>
-          <p:nvPr/>
-        </p:nvGrpSpPr>
-        <p:grpSpPr>
-          <a:xfrm>
-            <a:off x="5993578" y="15993694"/>
-            <a:ext cx="4796342" cy="2842946"/>
-            <a:chOff x="4994648" y="13373456"/>
-            <a:chExt cx="3996952" cy="2369122"/>
-          </a:xfrm>
-        </p:grpSpPr>
-        <p:pic>
-          <p:nvPicPr>
-            <p:cNvPr id="18" name="Picture 17"/>
-            <p:cNvPicPr>
-              <a:picLocks noChangeAspect="1"/>
-            </p:cNvPicPr>
-            <p:nvPr/>
-          </p:nvPicPr>
-          <p:blipFill>
-            <a:blip r:embed="rId2">
-              <a:extLst>
-                <a:ext uri="{28A0092B-C50C-407E-A947-70E740481C1C}">
-                  <a14:useLocalDpi xmlns:a14="http://schemas.microsoft.com/office/drawing/2010/main" val="0"/>
-                </a:ext>
-              </a:extLst>
-            </a:blip>
-            <a:stretch>
-              <a:fillRect/>
-            </a:stretch>
-          </p:blipFill>
-          <p:spPr>
-            <a:xfrm>
-              <a:off x="5147048" y="13373456"/>
-              <a:ext cx="3844552" cy="2086106"/>
-            </a:xfrm>
-            <a:prstGeom prst="rect">
-              <a:avLst/>
-            </a:prstGeom>
-          </p:spPr>
-        </p:pic>
-        <p:sp>
-          <p:nvSpPr>
-            <p:cNvPr id="50" name="Text Box 180"/>
-            <p:cNvSpPr txBox="1">
-              <a:spLocks noChangeArrowheads="1"/>
-            </p:cNvSpPr>
-            <p:nvPr/>
-          </p:nvSpPr>
-          <p:spPr bwMode="auto">
-            <a:xfrm>
-              <a:off x="4994648" y="15455148"/>
-              <a:ext cx="3120060" cy="287430"/>
-            </a:xfrm>
-            <a:prstGeom prst="rect">
-              <a:avLst/>
-            </a:prstGeom>
-            <a:noFill/>
-            <a:ln>
-              <a:noFill/>
-            </a:ln>
-            <a:effectLst/>
-            <a:extLst>
-              <a:ext uri="{909E8E84-426E-40DD-AFC4-6F175D3DCCD1}">
-                <a14:hiddenFill xmlns:a14="http://schemas.microsoft.com/office/drawing/2010/main">
-                  <a:solidFill>
-                    <a:schemeClr val="accent1"/>
-                  </a:solidFill>
-                </a14:hiddenFill>
-              </a:ext>
-              <a:ext uri="{91240B29-F687-4F45-9708-019B960494DF}">
-                <a14:hiddenLine xmlns:a14="http://schemas.microsoft.com/office/drawing/2010/main" w="9525">
-                  <a:solidFill>
-                    <a:schemeClr val="tx1"/>
-                  </a:solidFill>
-                  <a:miter lim="800000"/>
-                  <a:headEnd/>
-                  <a:tailEnd/>
-                </a14:hiddenLine>
-              </a:ext>
-              <a:ext uri="{AF507438-7753-43E0-B8FC-AC1667EBCBE1}">
-                <a14:hiddenEffects xmlns:a14="http://schemas.microsoft.com/office/drawing/2010/main">
-                  <a:effectLst>
-                    <a:outerShdw dist="35921" dir="2700000" algn="ctr" rotWithShape="0">
-                      <a:schemeClr val="bg2"/>
-                    </a:outerShdw>
-                  </a:effectLst>
-                </a14:hiddenEffects>
-              </a:ext>
-            </a:extLst>
-          </p:spPr>
-          <p:txBody>
-            <a:bodyPr wrap="square" lIns="48971" tIns="24486" rIns="48971" bIns="24486">
-              <a:spAutoFit/>
-            </a:bodyPr>
-            <a:lstStyle>
-              <a:lvl1pPr defTabSz="4389438" eaLnBrk="0" hangingPunct="0">
-                <a:defRPr sz="2200">
-                  <a:solidFill>
-                    <a:schemeClr val="tx1"/>
-                  </a:solidFill>
-                  <a:latin typeface="Arial" charset="0"/>
-                </a:defRPr>
-              </a:lvl1pPr>
-              <a:lvl2pPr marL="742950" indent="-285750" defTabSz="4389438" eaLnBrk="0" hangingPunct="0">
-                <a:defRPr sz="2200">
-                  <a:solidFill>
-                    <a:schemeClr val="tx1"/>
-                  </a:solidFill>
-                  <a:latin typeface="Arial" charset="0"/>
-                </a:defRPr>
-              </a:lvl2pPr>
-              <a:lvl3pPr marL="1143000" indent="-228600" defTabSz="4389438" eaLnBrk="0" hangingPunct="0">
-                <a:defRPr sz="2200">
-                  <a:solidFill>
-                    <a:schemeClr val="tx1"/>
-                  </a:solidFill>
-                  <a:latin typeface="Arial" charset="0"/>
-                </a:defRPr>
-              </a:lvl3pPr>
-              <a:lvl4pPr marL="1600200" indent="-228600" defTabSz="4389438" eaLnBrk="0" hangingPunct="0">
-                <a:defRPr sz="2200">
-                  <a:solidFill>
-                    <a:schemeClr val="tx1"/>
-                  </a:solidFill>
-                  <a:latin typeface="Arial" charset="0"/>
-                </a:defRPr>
-              </a:lvl4pPr>
-              <a:lvl5pPr marL="2057400" indent="-228600" defTabSz="4389438" eaLnBrk="0" hangingPunct="0">
-                <a:defRPr sz="2200">
-                  <a:solidFill>
-                    <a:schemeClr val="tx1"/>
-                  </a:solidFill>
-                  <a:latin typeface="Arial" charset="0"/>
-                </a:defRPr>
-              </a:lvl5pPr>
-              <a:lvl6pPr marL="2514600" indent="-228600" defTabSz="4389438" eaLnBrk="0" fontAlgn="base" hangingPunct="0">
-                <a:spcBef>
-                  <a:spcPct val="0"/>
-                </a:spcBef>
-                <a:spcAft>
-                  <a:spcPct val="0"/>
-                </a:spcAft>
-                <a:defRPr sz="2200">
-                  <a:solidFill>
-                    <a:schemeClr val="tx1"/>
-                  </a:solidFill>
-                  <a:latin typeface="Arial" charset="0"/>
-                </a:defRPr>
-              </a:lvl6pPr>
-              <a:lvl7pPr marL="2971800" indent="-228600" defTabSz="4389438" eaLnBrk="0" fontAlgn="base" hangingPunct="0">
-                <a:spcBef>
-                  <a:spcPct val="0"/>
-                </a:spcBef>
-                <a:spcAft>
-                  <a:spcPct val="0"/>
-                </a:spcAft>
-                <a:defRPr sz="2200">
-                  <a:solidFill>
-                    <a:schemeClr val="tx1"/>
-                  </a:solidFill>
-                  <a:latin typeface="Arial" charset="0"/>
-                </a:defRPr>
-              </a:lvl7pPr>
-              <a:lvl8pPr marL="3429000" indent="-228600" defTabSz="4389438" eaLnBrk="0" fontAlgn="base" hangingPunct="0">
-                <a:spcBef>
-                  <a:spcPct val="0"/>
-                </a:spcBef>
-                <a:spcAft>
-                  <a:spcPct val="0"/>
-                </a:spcAft>
-                <a:defRPr sz="2200">
-                  <a:solidFill>
-                    <a:schemeClr val="tx1"/>
-                  </a:solidFill>
-                  <a:latin typeface="Arial" charset="0"/>
-                </a:defRPr>
-              </a:lvl8pPr>
-              <a:lvl9pPr marL="3886200" indent="-228600" defTabSz="4389438" eaLnBrk="0" fontAlgn="base" hangingPunct="0">
-                <a:spcBef>
-                  <a:spcPct val="0"/>
-                </a:spcBef>
-                <a:spcAft>
-                  <a:spcPct val="0"/>
-                </a:spcAft>
-                <a:defRPr sz="2200">
-                  <a:solidFill>
-                    <a:schemeClr val="tx1"/>
-                  </a:solidFill>
-                  <a:latin typeface="Arial" charset="0"/>
-                </a:defRPr>
-              </a:lvl9pPr>
-            </a:lstStyle>
-            <a:p>
-              <a:pPr algn="ctr" eaLnBrk="1" hangingPunct="1"/>
-              <a:r>
-                <a:rPr lang="en-US" sz="1920" b="1" dirty="0">
-                  <a:latin typeface="Calibri" pitchFamily="34" charset="0"/>
+                  <a:latin typeface="Arial" panose="020B0604020202020204" pitchFamily="34" charset="0"/>
+                  <a:cs typeface="Arial" panose="020B0604020202020204" pitchFamily="34" charset="0"/>
                 </a:rPr>
                 <a:t>Figure 1.</a:t>
               </a:r>
               <a:r>
                 <a:rPr lang="en-US" sz="1920" dirty="0">
-                  <a:latin typeface="Calibri" pitchFamily="34" charset="0"/>
+                  <a:latin typeface="Arial" panose="020B0604020202020204" pitchFamily="34" charset="0"/>
+                  <a:cs typeface="Arial" panose="020B0604020202020204" pitchFamily="34" charset="0"/>
                 </a:rPr>
                 <a:t> User Verification Classifier.</a:t>
               </a:r>
@@ -6177,30 +6396,6 @@
           </a:p>
         </p:txBody>
       </p:sp>
-      <p:pic>
-        <p:nvPicPr>
-          <p:cNvPr id="3" name="Picture 2"/>
-          <p:cNvPicPr>
-            <a:picLocks noChangeAspect="1"/>
-          </p:cNvPicPr>
-          <p:nvPr/>
-        </p:nvPicPr>
-        <p:blipFill>
-          <a:blip r:embed="rId3"/>
-          <a:stretch>
-            <a:fillRect/>
-          </a:stretch>
-        </p:blipFill>
-        <p:spPr>
-          <a:xfrm>
-            <a:off x="12573000" y="13585613"/>
-            <a:ext cx="7391400" cy="745311"/>
-          </a:xfrm>
-          <a:prstGeom prst="rect">
-            <a:avLst/>
-          </a:prstGeom>
-        </p:spPr>
-      </p:pic>
       <p:sp>
         <p:nvSpPr>
           <p:cNvPr id="6" name="TextBox 5"/>
@@ -6209,8 +6404,8 @@
         </p:nvSpPr>
         <p:spPr>
           <a:xfrm>
-            <a:off x="12496800" y="14338555"/>
-            <a:ext cx="7666266" cy="338554"/>
+            <a:off x="12420777" y="14517823"/>
+            <a:ext cx="8393323" cy="338554"/>
           </a:xfrm>
           <a:prstGeom prst="rect">
             <a:avLst/>
@@ -6224,13 +6419,371 @@
           <a:lstStyle/>
           <a:p>
             <a:r>
-              <a:rPr lang="en-US" sz="1600" dirty="0" smtClean="0"/>
-              <a:t>Table 1. Deep Neural Net models and their average validation accuracy of 10 training trials</a:t>
-            </a:r>
-            <a:endParaRPr lang="en-US" sz="1600" dirty="0"/>
+              <a:rPr lang="en-US" sz="1600" b="1" dirty="0">
+                <a:latin typeface="Arial" panose="020B0604020202020204" pitchFamily="34" charset="0"/>
+                <a:cs typeface="Arial" panose="020B0604020202020204" pitchFamily="34" charset="0"/>
+              </a:rPr>
+              <a:t>Table </a:t>
+            </a:r>
+            <a:r>
+              <a:rPr lang="en-US" sz="1600" b="1" dirty="0" smtClean="0">
+                <a:latin typeface="Arial" panose="020B0604020202020204" pitchFamily="34" charset="0"/>
+                <a:cs typeface="Arial" panose="020B0604020202020204" pitchFamily="34" charset="0"/>
+              </a:rPr>
+              <a:t>2. </a:t>
+            </a:r>
+            <a:r>
+              <a:rPr lang="en-US" sz="1600" dirty="0">
+                <a:latin typeface="Arial" panose="020B0604020202020204" pitchFamily="34" charset="0"/>
+                <a:cs typeface="Arial" panose="020B0604020202020204" pitchFamily="34" charset="0"/>
+              </a:rPr>
+              <a:t>Deep Neural Net models and their average validation accuracy of 10 training trials</a:t>
+            </a:r>
           </a:p>
         </p:txBody>
       </p:sp>
+      <p:graphicFrame>
+        <p:nvGraphicFramePr>
+          <p:cNvPr id="8" name="Table 7"/>
+          <p:cNvGraphicFramePr>
+            <a:graphicFrameLocks noGrp="1"/>
+          </p:cNvGraphicFramePr>
+          <p:nvPr>
+            <p:extLst>
+              <p:ext uri="{D42A27DB-BD31-4B8C-83A1-F6EECF244321}">
+                <p14:modId xmlns:p14="http://schemas.microsoft.com/office/powerpoint/2010/main" val="3223709280"/>
+              </p:ext>
+            </p:extLst>
+          </p:nvPr>
+        </p:nvGraphicFramePr>
+        <p:xfrm>
+          <a:off x="12685272" y="13678473"/>
+          <a:ext cx="7864332" cy="839349"/>
+        </p:xfrm>
+        <a:graphic>
+          <a:graphicData uri="http://schemas.openxmlformats.org/drawingml/2006/table">
+            <a:tbl>
+              <a:tblPr firstRow="1" bandRow="1">
+                <a:tableStyleId>{F5AB1C69-6EDB-4FF4-983F-18BD219EF322}</a:tableStyleId>
+              </a:tblPr>
+              <a:tblGrid>
+                <a:gridCol w="1857375"/>
+                <a:gridCol w="704850"/>
+                <a:gridCol w="704850"/>
+                <a:gridCol w="1532419"/>
+                <a:gridCol w="1532419"/>
+                <a:gridCol w="1532419"/>
+              </a:tblGrid>
+              <a:tr h="429120">
+                <a:tc>
+                  <a:txBody>
+                    <a:bodyPr/>
+                    <a:lstStyle/>
+                    <a:p>
+                      <a:pPr algn="ctr"/>
+                      <a:r>
+                        <a:rPr lang="en-US" sz="1400" dirty="0" smtClean="0">
+                          <a:latin typeface="Arial" panose="020B0604020202020204" pitchFamily="34" charset="0"/>
+                          <a:cs typeface="Arial" panose="020B0604020202020204" pitchFamily="34" charset="0"/>
+                        </a:rPr>
+                        <a:t>DNN</a:t>
+                      </a:r>
+                      <a:r>
+                        <a:rPr lang="en-US" sz="1400" baseline="0" dirty="0" smtClean="0">
+                          <a:latin typeface="Arial" panose="020B0604020202020204" pitchFamily="34" charset="0"/>
+                          <a:cs typeface="Arial" panose="020B0604020202020204" pitchFamily="34" charset="0"/>
+                        </a:rPr>
+                        <a:t> Hidden Layers</a:t>
+                      </a:r>
+                      <a:endParaRPr lang="en-US" sz="1400" dirty="0">
+                        <a:latin typeface="Arial" panose="020B0604020202020204" pitchFamily="34" charset="0"/>
+                        <a:cs typeface="Arial" panose="020B0604020202020204" pitchFamily="34" charset="0"/>
+                      </a:endParaRPr>
+                    </a:p>
+                  </a:txBody>
+                  <a:tcPr marL="76200" marR="76200" marT="19051" marB="19051" anchor="ctr">
+                    <a:solidFill>
+                      <a:schemeClr val="accent1">
+                        <a:lumMod val="75000"/>
+                      </a:schemeClr>
+                    </a:solidFill>
+                  </a:tcPr>
+                </a:tc>
+                <a:tc>
+                  <a:txBody>
+                    <a:bodyPr/>
+                    <a:lstStyle/>
+                    <a:p>
+                      <a:pPr algn="ctr"/>
+                      <a:r>
+                        <a:rPr lang="en-US" sz="1400" dirty="0" smtClean="0">
+                          <a:latin typeface="Arial" panose="020B0604020202020204" pitchFamily="34" charset="0"/>
+                          <a:cs typeface="Arial" panose="020B0604020202020204" pitchFamily="34" charset="0"/>
+                        </a:rPr>
+                        <a:t>1</a:t>
+                      </a:r>
+                      <a:endParaRPr lang="en-US" sz="1400" dirty="0">
+                        <a:latin typeface="Arial" panose="020B0604020202020204" pitchFamily="34" charset="0"/>
+                        <a:cs typeface="Arial" panose="020B0604020202020204" pitchFamily="34" charset="0"/>
+                      </a:endParaRPr>
+                    </a:p>
+                  </a:txBody>
+                  <a:tcPr marL="76200" marR="76200" marT="19051" marB="19051" anchor="ctr">
+                    <a:solidFill>
+                      <a:schemeClr val="accent1">
+                        <a:lumMod val="75000"/>
+                      </a:schemeClr>
+                    </a:solidFill>
+                  </a:tcPr>
+                </a:tc>
+                <a:tc>
+                  <a:txBody>
+                    <a:bodyPr/>
+                    <a:lstStyle/>
+                    <a:p>
+                      <a:pPr algn="ctr"/>
+                      <a:r>
+                        <a:rPr lang="en-US" sz="1400" dirty="0" smtClean="0">
+                          <a:latin typeface="Arial" panose="020B0604020202020204" pitchFamily="34" charset="0"/>
+                          <a:cs typeface="Arial" panose="020B0604020202020204" pitchFamily="34" charset="0"/>
+                        </a:rPr>
+                        <a:t>2</a:t>
+                      </a:r>
+                      <a:endParaRPr lang="en-US" sz="1400" dirty="0">
+                        <a:latin typeface="Arial" panose="020B0604020202020204" pitchFamily="34" charset="0"/>
+                        <a:cs typeface="Arial" panose="020B0604020202020204" pitchFamily="34" charset="0"/>
+                      </a:endParaRPr>
+                    </a:p>
+                  </a:txBody>
+                  <a:tcPr marL="76200" marR="76200" marT="19051" marB="19051" anchor="ctr">
+                    <a:solidFill>
+                      <a:schemeClr val="accent1">
+                        <a:lumMod val="75000"/>
+                      </a:schemeClr>
+                    </a:solidFill>
+                  </a:tcPr>
+                </a:tc>
+                <a:tc>
+                  <a:txBody>
+                    <a:bodyPr/>
+                    <a:lstStyle/>
+                    <a:p>
+                      <a:pPr algn="ctr"/>
+                      <a:r>
+                        <a:rPr lang="en-US" sz="1400" dirty="0" smtClean="0">
+                          <a:latin typeface="Arial" panose="020B0604020202020204" pitchFamily="34" charset="0"/>
+                          <a:cs typeface="Arial" panose="020B0604020202020204" pitchFamily="34" charset="0"/>
+                        </a:rPr>
+                        <a:t>3</a:t>
+                      </a:r>
+                      <a:endParaRPr lang="en-US" sz="1400" dirty="0">
+                        <a:latin typeface="Arial" panose="020B0604020202020204" pitchFamily="34" charset="0"/>
+                        <a:cs typeface="Arial" panose="020B0604020202020204" pitchFamily="34" charset="0"/>
+                      </a:endParaRPr>
+                    </a:p>
+                  </a:txBody>
+                  <a:tcPr marL="76200" marR="76200" marT="19051" marB="19051" anchor="ctr">
+                    <a:solidFill>
+                      <a:schemeClr val="accent1">
+                        <a:lumMod val="75000"/>
+                      </a:schemeClr>
+                    </a:solidFill>
+                  </a:tcPr>
+                </a:tc>
+                <a:tc>
+                  <a:txBody>
+                    <a:bodyPr/>
+                    <a:lstStyle/>
+                    <a:p>
+                      <a:pPr algn="ctr"/>
+                      <a:r>
+                        <a:rPr lang="en-US" sz="1400" dirty="0" smtClean="0">
+                          <a:latin typeface="Arial" panose="020B0604020202020204" pitchFamily="34" charset="0"/>
+                          <a:cs typeface="Arial" panose="020B0604020202020204" pitchFamily="34" charset="0"/>
+                        </a:rPr>
+                        <a:t>4</a:t>
+                      </a:r>
+                      <a:endParaRPr lang="en-US" sz="1400" dirty="0">
+                        <a:latin typeface="Arial" panose="020B0604020202020204" pitchFamily="34" charset="0"/>
+                        <a:cs typeface="Arial" panose="020B0604020202020204" pitchFamily="34" charset="0"/>
+                      </a:endParaRPr>
+                    </a:p>
+                  </a:txBody>
+                  <a:tcPr marL="76200" marR="76200" marT="19051" marB="19051" anchor="ctr">
+                    <a:solidFill>
+                      <a:schemeClr val="accent1">
+                        <a:lumMod val="75000"/>
+                      </a:schemeClr>
+                    </a:solidFill>
+                  </a:tcPr>
+                </a:tc>
+                <a:tc>
+                  <a:txBody>
+                    <a:bodyPr/>
+                    <a:lstStyle/>
+                    <a:p>
+                      <a:pPr algn="ctr"/>
+                      <a:r>
+                        <a:rPr lang="en-US" sz="1400" dirty="0" smtClean="0">
+                          <a:latin typeface="Arial" panose="020B0604020202020204" pitchFamily="34" charset="0"/>
+                          <a:cs typeface="Arial" panose="020B0604020202020204" pitchFamily="34" charset="0"/>
+                        </a:rPr>
+                        <a:t>5</a:t>
+                      </a:r>
+                      <a:endParaRPr lang="en-US" sz="1400" dirty="0">
+                        <a:latin typeface="Arial" panose="020B0604020202020204" pitchFamily="34" charset="0"/>
+                        <a:cs typeface="Arial" panose="020B0604020202020204" pitchFamily="34" charset="0"/>
+                      </a:endParaRPr>
+                    </a:p>
+                  </a:txBody>
+                  <a:tcPr marL="76200" marR="76200" marT="19051" marB="19051" anchor="ctr">
+                    <a:solidFill>
+                      <a:schemeClr val="accent1">
+                        <a:lumMod val="75000"/>
+                      </a:schemeClr>
+                    </a:solidFill>
+                  </a:tcPr>
+                </a:tc>
+              </a:tr>
+              <a:tr h="410229">
+                <a:tc>
+                  <a:txBody>
+                    <a:bodyPr/>
+                    <a:lstStyle/>
+                    <a:p>
+                      <a:pPr algn="ctr"/>
+                      <a:r>
+                        <a:rPr lang="en-US" sz="1400" dirty="0" smtClean="0">
+                          <a:latin typeface="Arial" panose="020B0604020202020204" pitchFamily="34" charset="0"/>
+                          <a:cs typeface="Arial" panose="020B0604020202020204" pitchFamily="34" charset="0"/>
+                        </a:rPr>
+                        <a:t>Average</a:t>
+                      </a:r>
+                      <a:r>
+                        <a:rPr lang="en-US" sz="1400" baseline="0" dirty="0" smtClean="0">
+                          <a:latin typeface="Arial" panose="020B0604020202020204" pitchFamily="34" charset="0"/>
+                          <a:cs typeface="Arial" panose="020B0604020202020204" pitchFamily="34" charset="0"/>
+                        </a:rPr>
+                        <a:t> Accuracy</a:t>
+                      </a:r>
+                      <a:endParaRPr lang="en-US" sz="1400" dirty="0">
+                        <a:latin typeface="Arial" panose="020B0604020202020204" pitchFamily="34" charset="0"/>
+                        <a:cs typeface="Arial" panose="020B0604020202020204" pitchFamily="34" charset="0"/>
+                      </a:endParaRPr>
+                    </a:p>
+                  </a:txBody>
+                  <a:tcPr marL="76200" marR="76200" marT="19051" marB="19051" anchor="ctr"/>
+                </a:tc>
+                <a:tc>
+                  <a:txBody>
+                    <a:bodyPr/>
+                    <a:lstStyle/>
+                    <a:p>
+                      <a:pPr algn="ctr"/>
+                      <a:r>
+                        <a:rPr lang="en-US" sz="1400" dirty="0" smtClean="0">
+                          <a:latin typeface="Arial" panose="020B0604020202020204" pitchFamily="34" charset="0"/>
+                          <a:cs typeface="Arial" panose="020B0604020202020204" pitchFamily="34" charset="0"/>
+                        </a:rPr>
+                        <a:t>50.0%</a:t>
+                      </a:r>
+                      <a:endParaRPr lang="en-US" sz="1400" dirty="0">
+                        <a:latin typeface="Arial" panose="020B0604020202020204" pitchFamily="34" charset="0"/>
+                        <a:cs typeface="Arial" panose="020B0604020202020204" pitchFamily="34" charset="0"/>
+                      </a:endParaRPr>
+                    </a:p>
+                  </a:txBody>
+                  <a:tcPr marL="76200" marR="76200" marT="19051" marB="19051" anchor="ctr"/>
+                </a:tc>
+                <a:tc>
+                  <a:txBody>
+                    <a:bodyPr/>
+                    <a:lstStyle/>
+                    <a:p>
+                      <a:pPr algn="ctr"/>
+                      <a:r>
+                        <a:rPr lang="en-US" sz="1400" dirty="0" smtClean="0">
+                          <a:latin typeface="Arial" panose="020B0604020202020204" pitchFamily="34" charset="0"/>
+                          <a:cs typeface="Arial" panose="020B0604020202020204" pitchFamily="34" charset="0"/>
+                        </a:rPr>
+                        <a:t>52.6%</a:t>
+                      </a:r>
+                      <a:endParaRPr lang="en-US" sz="1400" dirty="0">
+                        <a:latin typeface="Arial" panose="020B0604020202020204" pitchFamily="34" charset="0"/>
+                        <a:cs typeface="Arial" panose="020B0604020202020204" pitchFamily="34" charset="0"/>
+                      </a:endParaRPr>
+                    </a:p>
+                  </a:txBody>
+                  <a:tcPr marL="76200" marR="76200" marT="19051" marB="19051" anchor="ctr"/>
+                </a:tc>
+                <a:tc>
+                  <a:txBody>
+                    <a:bodyPr/>
+                    <a:lstStyle/>
+                    <a:p>
+                      <a:pPr algn="ctr"/>
+                      <a:r>
+                        <a:rPr lang="en-US" sz="1400" dirty="0" smtClean="0">
+                          <a:latin typeface="Arial" panose="020B0604020202020204" pitchFamily="34" charset="0"/>
+                          <a:cs typeface="Arial" panose="020B0604020202020204" pitchFamily="34" charset="0"/>
+                        </a:rPr>
+                        <a:t>69.7%</a:t>
+                      </a:r>
+                      <a:endParaRPr lang="en-US" sz="1400" dirty="0">
+                        <a:latin typeface="Arial" panose="020B0604020202020204" pitchFamily="34" charset="0"/>
+                        <a:cs typeface="Arial" panose="020B0604020202020204" pitchFamily="34" charset="0"/>
+                      </a:endParaRPr>
+                    </a:p>
+                  </a:txBody>
+                  <a:tcPr marL="76200" marR="76200" marT="19051" marB="19051" anchor="ctr"/>
+                </a:tc>
+                <a:tc>
+                  <a:txBody>
+                    <a:bodyPr/>
+                    <a:lstStyle/>
+                    <a:p>
+                      <a:pPr algn="ctr"/>
+                      <a:r>
+                        <a:rPr lang="en-US" sz="1400" dirty="0" smtClean="0">
+                          <a:latin typeface="Arial" panose="020B0604020202020204" pitchFamily="34" charset="0"/>
+                          <a:cs typeface="Arial" panose="020B0604020202020204" pitchFamily="34" charset="0"/>
+                        </a:rPr>
+                        <a:t>69.7%</a:t>
+                      </a:r>
+                      <a:endParaRPr lang="en-US" sz="1400" dirty="0">
+                        <a:latin typeface="Arial" panose="020B0604020202020204" pitchFamily="34" charset="0"/>
+                        <a:cs typeface="Arial" panose="020B0604020202020204" pitchFamily="34" charset="0"/>
+                      </a:endParaRPr>
+                    </a:p>
+                  </a:txBody>
+                  <a:tcPr marL="76200" marR="76200" marT="19051" marB="19051" anchor="ctr"/>
+                </a:tc>
+                <a:tc>
+                  <a:txBody>
+                    <a:bodyPr/>
+                    <a:lstStyle/>
+                    <a:p>
+                      <a:pPr algn="ctr"/>
+                      <a:r>
+                        <a:rPr lang="en-US" sz="1400" dirty="0" smtClean="0">
+                          <a:latin typeface="Arial" panose="020B0604020202020204" pitchFamily="34" charset="0"/>
+                          <a:cs typeface="Arial" panose="020B0604020202020204" pitchFamily="34" charset="0"/>
+                        </a:rPr>
+                        <a:t>64.9%</a:t>
+                      </a:r>
+                      <a:endParaRPr lang="en-US" sz="1400" dirty="0">
+                        <a:latin typeface="Arial" panose="020B0604020202020204" pitchFamily="34" charset="0"/>
+                        <a:cs typeface="Arial" panose="020B0604020202020204" pitchFamily="34" charset="0"/>
+                      </a:endParaRPr>
+                    </a:p>
+                  </a:txBody>
+                  <a:tcPr marL="76200" marR="76200" marT="19051" marB="19051" anchor="ctr"/>
+                </a:tc>
+              </a:tr>
+            </a:tbl>
+          </a:graphicData>
+        </a:graphic>
+      </p:graphicFrame>
     </p:spTree>
     <p:extLst>
       <p:ext uri="{BB962C8B-B14F-4D97-AF65-F5344CB8AC3E}">
@@ -6241,13 +6794,6 @@
   <p:clrMapOvr>
     <a:masterClrMapping/>
   </p:clrMapOvr>
-  <p:timing>
-    <p:tnLst>
-      <p:par>
-        <p:cTn id="1" dur="indefinite" restart="never" nodeType="tmRoot"/>
-      </p:par>
-    </p:tnLst>
-  </p:timing>
 </p:sld>
 </file>
 

--- a/229poster.pptx
+++ b/229poster.pptx
@@ -3219,10 +3219,6 @@
               </a:rPr>
               <a:t>to classify mobile device users based on biometric typing pattern data. </a:t>
             </a:r>
-            <a:endParaRPr lang="en-US" sz="2000" dirty="0" smtClean="0">
-              <a:latin typeface="Arial" panose="020B0604020202020204" pitchFamily="34" charset="0"/>
-              <a:cs typeface="Arial" panose="020B0604020202020204" pitchFamily="34" charset="0"/>
-            </a:endParaRPr>
           </a:p>
           <a:p>
             <a:pPr marL="342900" indent="-342900" eaLnBrk="1" hangingPunct="1">
@@ -3391,7 +3387,7 @@
         <p:spPr bwMode="auto">
           <a:xfrm>
             <a:off x="11521440" y="3657601"/>
-            <a:ext cx="9875520" cy="13124413"/>
+            <a:ext cx="9875520" cy="11585530"/>
           </a:xfrm>
           <a:prstGeom prst="rect">
             <a:avLst/>
@@ -3713,36 +3709,6 @@
               <a:latin typeface="Arial" panose="020B0604020202020204" pitchFamily="34" charset="0"/>
               <a:cs typeface="Arial" panose="020B0604020202020204" pitchFamily="34" charset="0"/>
             </a:endParaRPr>
-          </a:p>
-          <a:p>
-            <a:r>
-              <a:rPr lang="en-US" sz="2000" dirty="0">
-                <a:latin typeface="Arial" panose="020B0604020202020204" pitchFamily="34" charset="0"/>
-                <a:cs typeface="Arial" panose="020B0604020202020204" pitchFamily="34" charset="0"/>
-              </a:rPr>
-              <a:t>From this investigation, we conclude with 10 </a:t>
-            </a:r>
-            <a:r>
-              <a:rPr lang="en-US" sz="2000" dirty="0" err="1">
-                <a:latin typeface="Arial" panose="020B0604020202020204" pitchFamily="34" charset="0"/>
-                <a:cs typeface="Arial" panose="020B0604020202020204" pitchFamily="34" charset="0"/>
-              </a:rPr>
-              <a:t>ReLU</a:t>
-            </a:r>
-            <a:r>
-              <a:rPr lang="en-US" sz="2000" dirty="0">
-                <a:latin typeface="Arial" panose="020B0604020202020204" pitchFamily="34" charset="0"/>
-                <a:cs typeface="Arial" panose="020B0604020202020204" pitchFamily="34" charset="0"/>
-              </a:rPr>
-              <a:t> activated neurons per hidden layer, the 3 hidden layer model achieves the best accuracy vs. training speed trade-off. Hence, we retrained that model for 100 epochs, and produced the following validation results: </a:t>
-            </a:r>
-            <a:r>
-              <a:rPr lang="en-US" sz="2000" b="1" dirty="0">
-                <a:latin typeface="Arial" panose="020B0604020202020204" pitchFamily="34" charset="0"/>
-                <a:cs typeface="Arial" panose="020B0604020202020204" pitchFamily="34" charset="0"/>
-              </a:rPr>
-              <a:t>79.8% accuracy, 81.7% precision, 76.8% recall, and 95.1% specificity.</a:t>
-            </a:r>
           </a:p>
         </p:txBody>
       </p:sp>
@@ -3883,7 +3849,7 @@
         <p:spPr bwMode="auto">
           <a:xfrm>
             <a:off x="21945600" y="14415471"/>
-            <a:ext cx="9875520" cy="505573"/>
+            <a:ext cx="9875520" cy="1428903"/>
           </a:xfrm>
           <a:prstGeom prst="rect">
             <a:avLst/>
@@ -4007,7 +3973,34 @@
               <a:buFont typeface="Arial" panose="020B0604020202020204" pitchFamily="34" charset="0"/>
               <a:buChar char="•"/>
             </a:pPr>
-            <a:endParaRPr lang="en-US" sz="2000" b="1" dirty="0">
+            <a:r>
+              <a:rPr lang="en-US" sz="2000" dirty="0" smtClean="0">
+                <a:latin typeface="Calibri" pitchFamily="34" charset="0"/>
+              </a:rPr>
+              <a:t>We were able to build a classifier for user verification on mobile devices with 80% accuracy.</a:t>
+            </a:r>
+          </a:p>
+          <a:p>
+            <a:pPr marL="342900" indent="-342900" eaLnBrk="1" hangingPunct="1">
+              <a:buFont typeface="Arial" panose="020B0604020202020204" pitchFamily="34" charset="0"/>
+              <a:buChar char="•"/>
+            </a:pPr>
+            <a:r>
+              <a:rPr lang="en-US" sz="2000" dirty="0" smtClean="0">
+                <a:latin typeface="Calibri" pitchFamily="34" charset="0"/>
+              </a:rPr>
+              <a:t>This has potential applications</a:t>
+            </a:r>
+            <a:endParaRPr lang="en-US" sz="2000" dirty="0" smtClean="0">
+              <a:latin typeface="Calibri" pitchFamily="34" charset="0"/>
+            </a:endParaRPr>
+          </a:p>
+          <a:p>
+            <a:pPr marL="342900" indent="-342900" eaLnBrk="1" hangingPunct="1">
+              <a:buFont typeface="Arial" panose="020B0604020202020204" pitchFamily="34" charset="0"/>
+              <a:buChar char="•"/>
+            </a:pPr>
+            <a:endParaRPr lang="en-US" sz="2000" dirty="0">
               <a:latin typeface="Calibri" pitchFamily="34" charset="0"/>
             </a:endParaRPr>
           </a:p>
@@ -4334,10 +4327,6 @@
               </a:rPr>
               <a:t>that can be integrated into native software across all mobile devices. </a:t>
             </a:r>
-            <a:endParaRPr lang="en-US" sz="2000" dirty="0">
-              <a:latin typeface="Arial" panose="020B0604020202020204" pitchFamily="34" charset="0"/>
-              <a:cs typeface="Arial" panose="020B0604020202020204" pitchFamily="34" charset="0"/>
-            </a:endParaRPr>
           </a:p>
         </p:txBody>
       </p:sp>
@@ -5078,28 +5067,28 @@
                     <a:gridCol w="827251">
                       <a:extLst>
                         <a:ext uri="{9D8B030D-6E8A-4147-A177-3AD203B41FA5}">
-                          <a16:colId xmlns:a16="http://schemas.microsoft.com/office/drawing/2014/main" xmlns="" val="20000"/>
+                          <a16:colId xmlns="" xmlns:a16="http://schemas.microsoft.com/office/drawing/2014/main" val="20000"/>
                         </a:ext>
                       </a:extLst>
                     </a:gridCol>
                     <a:gridCol w="678823">
                       <a:extLst>
                         <a:ext uri="{9D8B030D-6E8A-4147-A177-3AD203B41FA5}">
-                          <a16:colId xmlns:a16="http://schemas.microsoft.com/office/drawing/2014/main" xmlns="" val="20001"/>
+                          <a16:colId xmlns="" xmlns:a16="http://schemas.microsoft.com/office/drawing/2014/main" val="20001"/>
                         </a:ext>
                       </a:extLst>
                     </a:gridCol>
                     <a:gridCol w="566635">
                       <a:extLst>
                         <a:ext uri="{9D8B030D-6E8A-4147-A177-3AD203B41FA5}">
-                          <a16:colId xmlns:a16="http://schemas.microsoft.com/office/drawing/2014/main" xmlns="" val="20002"/>
+                          <a16:colId xmlns="" xmlns:a16="http://schemas.microsoft.com/office/drawing/2014/main" val="20002"/>
                         </a:ext>
                       </a:extLst>
                     </a:gridCol>
                     <a:gridCol w="1381150">
                       <a:extLst>
                         <a:ext uri="{9D8B030D-6E8A-4147-A177-3AD203B41FA5}">
-                          <a16:colId xmlns:a16="http://schemas.microsoft.com/office/drawing/2014/main" xmlns="" val="20003"/>
+                          <a16:colId xmlns="" xmlns:a16="http://schemas.microsoft.com/office/drawing/2014/main" val="20003"/>
                         </a:ext>
                       </a:extLst>
                     </a:gridCol>
@@ -5203,7 +5192,7 @@
                     </a:tc>
                     <a:extLst>
                       <a:ext uri="{0D108BD9-81ED-4DB2-BD59-A6C34878D82A}">
-                        <a16:rowId xmlns:a16="http://schemas.microsoft.com/office/drawing/2014/main" xmlns="" val="10000"/>
+                        <a16:rowId xmlns="" xmlns:a16="http://schemas.microsoft.com/office/drawing/2014/main" val="10000"/>
                       </a:ext>
                     </a:extLst>
                   </a:tr>
@@ -5278,7 +5267,7 @@
                     </a:tc>
                     <a:extLst>
                       <a:ext uri="{0D108BD9-81ED-4DB2-BD59-A6C34878D82A}">
-                        <a16:rowId xmlns:a16="http://schemas.microsoft.com/office/drawing/2014/main" xmlns="" val="10001"/>
+                        <a16:rowId xmlns="" xmlns:a16="http://schemas.microsoft.com/office/drawing/2014/main" val="10001"/>
                       </a:ext>
                     </a:extLst>
                   </a:tr>
@@ -5353,7 +5342,7 @@
                     </a:tc>
                     <a:extLst>
                       <a:ext uri="{0D108BD9-81ED-4DB2-BD59-A6C34878D82A}">
-                        <a16:rowId xmlns:a16="http://schemas.microsoft.com/office/drawing/2014/main" xmlns="" val="10002"/>
+                        <a16:rowId xmlns="" xmlns:a16="http://schemas.microsoft.com/office/drawing/2014/main" val="10002"/>
                       </a:ext>
                     </a:extLst>
                   </a:tr>
@@ -5428,7 +5417,7 @@
                     </a:tc>
                     <a:extLst>
                       <a:ext uri="{0D108BD9-81ED-4DB2-BD59-A6C34878D82A}">
-                        <a16:rowId xmlns:a16="http://schemas.microsoft.com/office/drawing/2014/main" xmlns="" val="10003"/>
+                        <a16:rowId xmlns="" xmlns:a16="http://schemas.microsoft.com/office/drawing/2014/main" val="10003"/>
                       </a:ext>
                     </a:extLst>
                   </a:tr>
@@ -6268,7 +6257,7 @@
         <p:spPr bwMode="auto">
           <a:xfrm>
             <a:off x="21945600" y="3657602"/>
-            <a:ext cx="9875520" cy="505573"/>
+            <a:ext cx="9875520" cy="10662200"/>
           </a:xfrm>
           <a:prstGeom prst="rect">
             <a:avLst/>
@@ -6390,7 +6379,290 @@
               <a:buFont typeface="Arial" panose="020B0604020202020204" pitchFamily="34" charset="0"/>
               <a:buChar char="•"/>
             </a:pPr>
+            <a:r>
+              <a:rPr lang="en-US" sz="2000" dirty="0">
+                <a:latin typeface="Arial" panose="020B0604020202020204" pitchFamily="34" charset="0"/>
+                <a:cs typeface="Arial" panose="020B0604020202020204" pitchFamily="34" charset="0"/>
+              </a:rPr>
+              <a:t>From this investigation, we conclude with 10 </a:t>
+            </a:r>
+            <a:r>
+              <a:rPr lang="en-US" sz="2000" dirty="0" err="1">
+                <a:latin typeface="Arial" panose="020B0604020202020204" pitchFamily="34" charset="0"/>
+                <a:cs typeface="Arial" panose="020B0604020202020204" pitchFamily="34" charset="0"/>
+              </a:rPr>
+              <a:t>ReLU</a:t>
+            </a:r>
+            <a:r>
+              <a:rPr lang="en-US" sz="2000" dirty="0">
+                <a:latin typeface="Arial" panose="020B0604020202020204" pitchFamily="34" charset="0"/>
+                <a:cs typeface="Arial" panose="020B0604020202020204" pitchFamily="34" charset="0"/>
+              </a:rPr>
+              <a:t> activated neurons per hidden layer, the 3 hidden layer model achieves the best accuracy vs. training speed trade-off. Hence, we retrained that model for 100 epochs, and produced the following validation results: </a:t>
+            </a:r>
+            <a:r>
+              <a:rPr lang="en-US" sz="2000" b="1" dirty="0">
+                <a:latin typeface="Arial" panose="020B0604020202020204" pitchFamily="34" charset="0"/>
+                <a:cs typeface="Arial" panose="020B0604020202020204" pitchFamily="34" charset="0"/>
+              </a:rPr>
+              <a:t>79.8% accuracy, 81.7% precision, 76.8% recall, and 95.1% specificity.</a:t>
+            </a:r>
+          </a:p>
+          <a:p>
+            <a:pPr marL="342900" indent="-342900" eaLnBrk="1" hangingPunct="1">
+              <a:buFont typeface="Arial" panose="020B0604020202020204" pitchFamily="34" charset="0"/>
+              <a:buChar char="•"/>
+            </a:pPr>
+            <a:endParaRPr lang="en-US" sz="2000" dirty="0" smtClean="0">
+              <a:latin typeface="Calibri" pitchFamily="34" charset="0"/>
+            </a:endParaRPr>
+          </a:p>
+          <a:p>
+            <a:pPr marL="342900" indent="-342900" eaLnBrk="1" hangingPunct="1">
+              <a:buFont typeface="Arial" panose="020B0604020202020204" pitchFamily="34" charset="0"/>
+              <a:buChar char="•"/>
+            </a:pPr>
             <a:endParaRPr lang="en-US" sz="2000" dirty="0">
+              <a:latin typeface="Calibri" pitchFamily="34" charset="0"/>
+            </a:endParaRPr>
+          </a:p>
+          <a:p>
+            <a:pPr marL="342900" indent="-342900" eaLnBrk="1" hangingPunct="1">
+              <a:buFont typeface="Arial" panose="020B0604020202020204" pitchFamily="34" charset="0"/>
+              <a:buChar char="•"/>
+            </a:pPr>
+            <a:endParaRPr lang="en-US" sz="2000" dirty="0" smtClean="0">
+              <a:latin typeface="Calibri" pitchFamily="34" charset="0"/>
+            </a:endParaRPr>
+          </a:p>
+          <a:p>
+            <a:pPr marL="342900" indent="-342900" eaLnBrk="1" hangingPunct="1">
+              <a:buFont typeface="Arial" panose="020B0604020202020204" pitchFamily="34" charset="0"/>
+              <a:buChar char="•"/>
+            </a:pPr>
+            <a:endParaRPr lang="en-US" sz="2000" dirty="0">
+              <a:latin typeface="Calibri" pitchFamily="34" charset="0"/>
+            </a:endParaRPr>
+          </a:p>
+          <a:p>
+            <a:pPr marL="342900" indent="-342900" eaLnBrk="1" hangingPunct="1">
+              <a:buFont typeface="Arial" panose="020B0604020202020204" pitchFamily="34" charset="0"/>
+              <a:buChar char="•"/>
+            </a:pPr>
+            <a:endParaRPr lang="en-US" sz="2000" dirty="0" smtClean="0">
+              <a:latin typeface="Calibri" pitchFamily="34" charset="0"/>
+            </a:endParaRPr>
+          </a:p>
+          <a:p>
+            <a:pPr marL="342900" indent="-342900" eaLnBrk="1" hangingPunct="1">
+              <a:buFont typeface="Arial" panose="020B0604020202020204" pitchFamily="34" charset="0"/>
+              <a:buChar char="•"/>
+            </a:pPr>
+            <a:endParaRPr lang="en-US" sz="2000" dirty="0">
+              <a:latin typeface="Calibri" pitchFamily="34" charset="0"/>
+            </a:endParaRPr>
+          </a:p>
+          <a:p>
+            <a:pPr marL="342900" indent="-342900" eaLnBrk="1" hangingPunct="1">
+              <a:buFont typeface="Arial" panose="020B0604020202020204" pitchFamily="34" charset="0"/>
+              <a:buChar char="•"/>
+            </a:pPr>
+            <a:endParaRPr lang="en-US" sz="2000" dirty="0" smtClean="0">
+              <a:latin typeface="Calibri" pitchFamily="34" charset="0"/>
+            </a:endParaRPr>
+          </a:p>
+          <a:p>
+            <a:pPr marL="342900" indent="-342900" eaLnBrk="1" hangingPunct="1">
+              <a:buFont typeface="Arial" panose="020B0604020202020204" pitchFamily="34" charset="0"/>
+              <a:buChar char="•"/>
+            </a:pPr>
+            <a:endParaRPr lang="en-US" sz="2000" dirty="0">
+              <a:latin typeface="Calibri" pitchFamily="34" charset="0"/>
+            </a:endParaRPr>
+          </a:p>
+          <a:p>
+            <a:pPr marL="342900" indent="-342900" eaLnBrk="1" hangingPunct="1">
+              <a:buFont typeface="Arial" panose="020B0604020202020204" pitchFamily="34" charset="0"/>
+              <a:buChar char="•"/>
+            </a:pPr>
+            <a:endParaRPr lang="en-US" sz="2000" dirty="0" smtClean="0">
+              <a:latin typeface="Calibri" pitchFamily="34" charset="0"/>
+            </a:endParaRPr>
+          </a:p>
+          <a:p>
+            <a:pPr marL="342900" indent="-342900" eaLnBrk="1" hangingPunct="1">
+              <a:buFont typeface="Arial" panose="020B0604020202020204" pitchFamily="34" charset="0"/>
+              <a:buChar char="•"/>
+            </a:pPr>
+            <a:endParaRPr lang="en-US" sz="2000" dirty="0">
+              <a:latin typeface="Calibri" pitchFamily="34" charset="0"/>
+            </a:endParaRPr>
+          </a:p>
+          <a:p>
+            <a:pPr marL="342900" indent="-342900" eaLnBrk="1" hangingPunct="1">
+              <a:buFont typeface="Arial" panose="020B0604020202020204" pitchFamily="34" charset="0"/>
+              <a:buChar char="•"/>
+            </a:pPr>
+            <a:endParaRPr lang="en-US" sz="2000" dirty="0" smtClean="0">
+              <a:latin typeface="Calibri" pitchFamily="34" charset="0"/>
+            </a:endParaRPr>
+          </a:p>
+          <a:p>
+            <a:pPr marL="342900" indent="-342900" eaLnBrk="1" hangingPunct="1">
+              <a:buFont typeface="Arial" panose="020B0604020202020204" pitchFamily="34" charset="0"/>
+              <a:buChar char="•"/>
+            </a:pPr>
+            <a:endParaRPr lang="en-US" sz="2000" dirty="0">
+              <a:latin typeface="Calibri" pitchFamily="34" charset="0"/>
+            </a:endParaRPr>
+          </a:p>
+          <a:p>
+            <a:pPr marL="342900" indent="-342900" eaLnBrk="1" hangingPunct="1">
+              <a:buFont typeface="Arial" panose="020B0604020202020204" pitchFamily="34" charset="0"/>
+              <a:buChar char="•"/>
+            </a:pPr>
+            <a:endParaRPr lang="en-US" sz="2000" dirty="0" smtClean="0">
+              <a:latin typeface="Calibri" pitchFamily="34" charset="0"/>
+            </a:endParaRPr>
+          </a:p>
+          <a:p>
+            <a:pPr marL="342900" indent="-342900" eaLnBrk="1" hangingPunct="1">
+              <a:buFont typeface="Arial" panose="020B0604020202020204" pitchFamily="34" charset="0"/>
+              <a:buChar char="•"/>
+            </a:pPr>
+            <a:endParaRPr lang="en-US" sz="2000" dirty="0">
+              <a:latin typeface="Calibri" pitchFamily="34" charset="0"/>
+            </a:endParaRPr>
+          </a:p>
+          <a:p>
+            <a:pPr marL="342900" indent="-342900" eaLnBrk="1" hangingPunct="1">
+              <a:buFont typeface="Arial" panose="020B0604020202020204" pitchFamily="34" charset="0"/>
+              <a:buChar char="•"/>
+            </a:pPr>
+            <a:endParaRPr lang="en-US" sz="2000" dirty="0" smtClean="0">
+              <a:latin typeface="Calibri" pitchFamily="34" charset="0"/>
+            </a:endParaRPr>
+          </a:p>
+          <a:p>
+            <a:pPr marL="342900" indent="-342900" eaLnBrk="1" hangingPunct="1">
+              <a:buFont typeface="Arial" panose="020B0604020202020204" pitchFamily="34" charset="0"/>
+              <a:buChar char="•"/>
+            </a:pPr>
+            <a:endParaRPr lang="en-US" sz="2000" dirty="0">
+              <a:latin typeface="Calibri" pitchFamily="34" charset="0"/>
+            </a:endParaRPr>
+          </a:p>
+          <a:p>
+            <a:pPr marL="342900" indent="-342900" eaLnBrk="1" hangingPunct="1">
+              <a:buFont typeface="Arial" panose="020B0604020202020204" pitchFamily="34" charset="0"/>
+              <a:buChar char="•"/>
+            </a:pPr>
+            <a:endParaRPr lang="en-US" sz="2000" dirty="0" smtClean="0">
+              <a:latin typeface="Calibri" pitchFamily="34" charset="0"/>
+            </a:endParaRPr>
+          </a:p>
+          <a:p>
+            <a:pPr marL="342900" indent="-342900" eaLnBrk="1" hangingPunct="1">
+              <a:buFont typeface="Arial" panose="020B0604020202020204" pitchFamily="34" charset="0"/>
+              <a:buChar char="•"/>
+            </a:pPr>
+            <a:endParaRPr lang="en-US" sz="2000" dirty="0">
+              <a:latin typeface="Calibri" pitchFamily="34" charset="0"/>
+            </a:endParaRPr>
+          </a:p>
+          <a:p>
+            <a:pPr marL="342900" indent="-342900" eaLnBrk="1" hangingPunct="1">
+              <a:buFont typeface="Arial" panose="020B0604020202020204" pitchFamily="34" charset="0"/>
+              <a:buChar char="•"/>
+            </a:pPr>
+            <a:endParaRPr lang="en-US" sz="2000" dirty="0" smtClean="0">
+              <a:latin typeface="Calibri" pitchFamily="34" charset="0"/>
+            </a:endParaRPr>
+          </a:p>
+          <a:p>
+            <a:pPr marL="342900" indent="-342900" eaLnBrk="1" hangingPunct="1">
+              <a:buFont typeface="Arial" panose="020B0604020202020204" pitchFamily="34" charset="0"/>
+              <a:buChar char="•"/>
+            </a:pPr>
+            <a:endParaRPr lang="en-US" sz="2000" dirty="0">
+              <a:latin typeface="Calibri" pitchFamily="34" charset="0"/>
+            </a:endParaRPr>
+          </a:p>
+          <a:p>
+            <a:pPr marL="342900" indent="-342900" eaLnBrk="1" hangingPunct="1">
+              <a:buFont typeface="Arial" panose="020B0604020202020204" pitchFamily="34" charset="0"/>
+              <a:buChar char="•"/>
+            </a:pPr>
+            <a:endParaRPr lang="en-US" sz="2000" dirty="0" smtClean="0">
+              <a:latin typeface="Calibri" pitchFamily="34" charset="0"/>
+            </a:endParaRPr>
+          </a:p>
+          <a:p>
+            <a:pPr marL="342900" indent="-342900" eaLnBrk="1" hangingPunct="1">
+              <a:buFont typeface="Arial" panose="020B0604020202020204" pitchFamily="34" charset="0"/>
+              <a:buChar char="•"/>
+            </a:pPr>
+            <a:endParaRPr lang="en-US" sz="2000" dirty="0">
+              <a:latin typeface="Calibri" pitchFamily="34" charset="0"/>
+            </a:endParaRPr>
+          </a:p>
+          <a:p>
+            <a:pPr marL="342900" indent="-342900" eaLnBrk="1" hangingPunct="1">
+              <a:buFont typeface="Arial" panose="020B0604020202020204" pitchFamily="34" charset="0"/>
+              <a:buChar char="•"/>
+            </a:pPr>
+            <a:endParaRPr lang="en-US" sz="2000" dirty="0" smtClean="0">
+              <a:latin typeface="Calibri" pitchFamily="34" charset="0"/>
+            </a:endParaRPr>
+          </a:p>
+          <a:p>
+            <a:pPr marL="342900" indent="-342900" eaLnBrk="1" hangingPunct="1">
+              <a:buFont typeface="Arial" panose="020B0604020202020204" pitchFamily="34" charset="0"/>
+              <a:buChar char="•"/>
+            </a:pPr>
+            <a:endParaRPr lang="en-US" sz="2000" dirty="0">
+              <a:latin typeface="Calibri" pitchFamily="34" charset="0"/>
+            </a:endParaRPr>
+          </a:p>
+          <a:p>
+            <a:pPr marL="342900" indent="-342900" eaLnBrk="1" hangingPunct="1">
+              <a:buFont typeface="Arial" panose="020B0604020202020204" pitchFamily="34" charset="0"/>
+              <a:buChar char="•"/>
+            </a:pPr>
+            <a:endParaRPr lang="en-US" sz="2000" dirty="0" smtClean="0">
+              <a:latin typeface="Calibri" pitchFamily="34" charset="0"/>
+            </a:endParaRPr>
+          </a:p>
+          <a:p>
+            <a:pPr marL="342900" indent="-342900" eaLnBrk="1" hangingPunct="1">
+              <a:buFont typeface="Arial" panose="020B0604020202020204" pitchFamily="34" charset="0"/>
+              <a:buChar char="•"/>
+            </a:pPr>
+            <a:endParaRPr lang="en-US" sz="2000" dirty="0">
+              <a:latin typeface="Calibri" pitchFamily="34" charset="0"/>
+            </a:endParaRPr>
+          </a:p>
+          <a:p>
+            <a:pPr marL="342900" indent="-342900" eaLnBrk="1" hangingPunct="1">
+              <a:buFont typeface="Arial" panose="020B0604020202020204" pitchFamily="34" charset="0"/>
+              <a:buChar char="•"/>
+            </a:pPr>
+            <a:endParaRPr lang="en-US" sz="2000" dirty="0" smtClean="0">
+              <a:latin typeface="Calibri" pitchFamily="34" charset="0"/>
+            </a:endParaRPr>
+          </a:p>
+          <a:p>
+            <a:pPr marL="342900" indent="-342900" eaLnBrk="1" hangingPunct="1">
+              <a:buFont typeface="Arial" panose="020B0604020202020204" pitchFamily="34" charset="0"/>
+              <a:buChar char="•"/>
+            </a:pPr>
+            <a:endParaRPr lang="en-US" sz="2000" dirty="0">
+              <a:latin typeface="Calibri" pitchFamily="34" charset="0"/>
+            </a:endParaRPr>
+          </a:p>
+          <a:p>
+            <a:pPr eaLnBrk="1" hangingPunct="1"/>
+            <a:endParaRPr lang="en-US" sz="2000" dirty="0" smtClean="0">
               <a:latin typeface="Calibri" pitchFamily="34" charset="0"/>
             </a:endParaRPr>
           </a:p>
@@ -6784,6 +7056,66 @@
           </a:graphicData>
         </a:graphic>
       </p:graphicFrame>
+      <p:pic>
+        <p:nvPicPr>
+          <p:cNvPr id="3" name="Picture 2"/>
+          <p:cNvPicPr>
+            <a:picLocks noChangeAspect="1"/>
+          </p:cNvPicPr>
+          <p:nvPr/>
+        </p:nvPicPr>
+        <p:blipFill>
+          <a:blip r:embed="rId3">
+            <a:extLst>
+              <a:ext uri="{28A0092B-C50C-407E-A947-70E740481C1C}">
+                <a14:useLocalDpi xmlns:a14="http://schemas.microsoft.com/office/drawing/2010/main" val="0"/>
+              </a:ext>
+            </a:extLst>
+          </a:blip>
+          <a:stretch>
+            <a:fillRect/>
+          </a:stretch>
+        </p:blipFill>
+        <p:spPr>
+          <a:xfrm>
+            <a:off x="21960840" y="5410200"/>
+            <a:ext cx="4937760" cy="3703320"/>
+          </a:xfrm>
+          <a:prstGeom prst="rect">
+            <a:avLst/>
+          </a:prstGeom>
+        </p:spPr>
+      </p:pic>
+      <p:pic>
+        <p:nvPicPr>
+          <p:cNvPr id="9" name="Picture 8"/>
+          <p:cNvPicPr>
+            <a:picLocks noChangeAspect="1"/>
+          </p:cNvPicPr>
+          <p:nvPr/>
+        </p:nvPicPr>
+        <p:blipFill>
+          <a:blip r:embed="rId4">
+            <a:extLst>
+              <a:ext uri="{28A0092B-C50C-407E-A947-70E740481C1C}">
+                <a14:useLocalDpi xmlns:a14="http://schemas.microsoft.com/office/drawing/2010/main" val="0"/>
+              </a:ext>
+            </a:extLst>
+          </a:blip>
+          <a:stretch>
+            <a:fillRect/>
+          </a:stretch>
+        </p:blipFill>
+        <p:spPr>
+          <a:xfrm>
+            <a:off x="26873836" y="5410200"/>
+            <a:ext cx="4937760" cy="3703320"/>
+          </a:xfrm>
+          <a:prstGeom prst="rect">
+            <a:avLst/>
+          </a:prstGeom>
+        </p:spPr>
+      </p:pic>
     </p:spTree>
     <p:extLst>
       <p:ext uri="{BB962C8B-B14F-4D97-AF65-F5344CB8AC3E}">

--- a/229poster.pptx
+++ b/229poster.pptx
@@ -222,7 +222,7 @@
           <a:p>
             <a:fld id="{FF66CDD7-09B6-4BB3-9069-2B95837CCCB2}" type="datetimeFigureOut">
               <a:rPr lang="en-US" smtClean="0"/>
-              <a:t>12/10/2017</a:t>
+              <a:t>12/11/2017</a:t>
             </a:fld>
             <a:endParaRPr lang="en-US"/>
           </a:p>
@@ -1898,7 +1898,7 @@
           <a:p>
             <a:fld id="{985D6BDF-9D0E-4E2B-85B8-D8F4790360C9}" type="datetimeFigureOut">
               <a:rPr lang="en-US" smtClean="0"/>
-              <a:t>12/10/2017</a:t>
+              <a:t>12/11/2017</a:t>
             </a:fld>
             <a:endParaRPr lang="en-US" dirty="0"/>
           </a:p>
@@ -2109,7 +2109,7 @@
           <a:p>
             <a:fld id="{985D6BDF-9D0E-4E2B-85B8-D8F4790360C9}" type="datetimeFigureOut">
               <a:rPr lang="en-US" smtClean="0"/>
-              <a:t>12/10/2017</a:t>
+              <a:t>12/11/2017</a:t>
             </a:fld>
             <a:endParaRPr lang="en-US" dirty="0"/>
           </a:p>
@@ -3849,7 +3849,7 @@
         <p:spPr bwMode="auto">
           <a:xfrm>
             <a:off x="21945600" y="14415471"/>
-            <a:ext cx="9875520" cy="1428903"/>
+            <a:ext cx="9875520" cy="4506669"/>
           </a:xfrm>
           <a:prstGeom prst="rect">
             <a:avLst/>
@@ -3977,8 +3977,29 @@
               <a:rPr lang="en-US" sz="2000" dirty="0" smtClean="0">
                 <a:latin typeface="Calibri" pitchFamily="34" charset="0"/>
               </a:rPr>
-              <a:t>We were able to build a classifier for user verification on mobile devices with 80% accuracy.</a:t>
-            </a:r>
+              <a:t>We were able to build a classifier for user verification on mobile devices with </a:t>
+            </a:r>
+            <a:r>
+              <a:rPr lang="en-US" sz="2000" dirty="0" smtClean="0">
+                <a:latin typeface="Calibri" pitchFamily="34" charset="0"/>
+              </a:rPr>
+              <a:t>79.8% </a:t>
+            </a:r>
+            <a:r>
+              <a:rPr lang="en-US" sz="2000" dirty="0" smtClean="0">
+                <a:latin typeface="Calibri" pitchFamily="34" charset="0"/>
+              </a:rPr>
+              <a:t>accuracy</a:t>
+            </a:r>
+            <a:r>
+              <a:rPr lang="en-US" sz="2000" dirty="0" smtClean="0">
+                <a:latin typeface="Calibri" pitchFamily="34" charset="0"/>
+              </a:rPr>
+              <a:t>. This means that 79.8% of the time, our classifier was able to successfully differentiate between two user inputs.</a:t>
+            </a:r>
+            <a:endParaRPr lang="en-US" sz="2000" dirty="0" smtClean="0">
+              <a:latin typeface="Calibri" pitchFamily="34" charset="0"/>
+            </a:endParaRPr>
           </a:p>
           <a:p>
             <a:pPr marL="342900" indent="-342900" eaLnBrk="1" hangingPunct="1">
@@ -3989,17 +4010,44 @@
               <a:rPr lang="en-US" sz="2000" dirty="0" smtClean="0">
                 <a:latin typeface="Calibri" pitchFamily="34" charset="0"/>
               </a:rPr>
-              <a:t>This has potential applications</a:t>
-            </a:r>
-            <a:endParaRPr lang="en-US" sz="2000" dirty="0" smtClean="0">
-              <a:latin typeface="Calibri" pitchFamily="34" charset="0"/>
-            </a:endParaRPr>
-          </a:p>
-          <a:p>
-            <a:pPr marL="342900" indent="-342900" eaLnBrk="1" hangingPunct="1">
-              <a:buFont typeface="Arial" panose="020B0604020202020204" pitchFamily="34" charset="0"/>
-              <a:buChar char="•"/>
-            </a:pPr>
+              <a:t>We described a classifier that allows for user differentiation training on mobile devices based on the </a:t>
+            </a:r>
+            <a:r>
+              <a:rPr lang="en-US" sz="2000" dirty="0" err="1" smtClean="0">
+                <a:latin typeface="Calibri" pitchFamily="34" charset="0"/>
+              </a:rPr>
+              <a:t>featurization</a:t>
+            </a:r>
+            <a:r>
+              <a:rPr lang="en-US" sz="2000" dirty="0" smtClean="0">
+                <a:latin typeface="Calibri" pitchFamily="34" charset="0"/>
+              </a:rPr>
+              <a:t> of user typing patterns. </a:t>
+            </a:r>
+            <a:r>
+              <a:rPr lang="en-US" sz="2000" dirty="0" smtClean="0">
+                <a:latin typeface="Calibri" pitchFamily="34" charset="0"/>
+              </a:rPr>
+              <a:t>In application, this classifier can further enhance device security by adding another layer of verification. By installing this classifier onto a mobile device and training it on a user’s </a:t>
+            </a:r>
+            <a:r>
+              <a:rPr lang="en-US" sz="2000" dirty="0" err="1" smtClean="0">
+                <a:latin typeface="Calibri" pitchFamily="34" charset="0"/>
+              </a:rPr>
+              <a:t>featurized</a:t>
+            </a:r>
+            <a:r>
+              <a:rPr lang="en-US" sz="2000" dirty="0" smtClean="0">
+                <a:latin typeface="Calibri" pitchFamily="34" charset="0"/>
+              </a:rPr>
+              <a:t> password input, we can ensure that even if a password’s content is typed in properly, it must be typed in with the learned cadence of the original user in order to be verified. This will effectively proof every mobile device from brute force password attacks by adding an unknown amount of additional features the attacker must account for. Additionally, this has the ability to continually verify the authenticity of the user based on their typing patterns as they use the mobile device, hardening against device takeover by ensuring that only the primary user has access to </a:t>
+            </a:r>
+            <a:r>
+              <a:rPr lang="en-US" sz="2000" smtClean="0">
+                <a:latin typeface="Calibri" pitchFamily="34" charset="0"/>
+              </a:rPr>
+              <a:t>the phone.</a:t>
+            </a:r>
             <a:endParaRPr lang="en-US" sz="2000" dirty="0">
               <a:latin typeface="Calibri" pitchFamily="34" charset="0"/>
             </a:endParaRPr>
@@ -4805,95 +4853,103 @@
             </a:r>
             <a:r>
               <a:rPr lang="en-US" sz="1440" dirty="0"/>
-              <a:t>, 2006.</a:t>
-            </a:r>
-          </a:p>
-          <a:p>
+              <a:t>, 2006</a:t>
+            </a:r>
+            <a:r>
+              <a:rPr lang="en-US" sz="1440" dirty="0" smtClean="0"/>
+              <a:t>.</a:t>
+            </a:r>
+          </a:p>
+          <a:p>
+            <a:r>
+              <a:rPr lang="en-US" sz="1440" dirty="0" smtClean="0"/>
+              <a:t>[4] L.J.P. van der </a:t>
+            </a:r>
+            <a:r>
+              <a:rPr lang="en-US" sz="1440" dirty="0" err="1" smtClean="0"/>
+              <a:t>Maaten</a:t>
+            </a:r>
+            <a:r>
+              <a:rPr lang="en-US" sz="1440" dirty="0" smtClean="0"/>
+              <a:t>. Accelerating t-SNE using Tree-Based Algorithms. </a:t>
+            </a:r>
+            <a:r>
+              <a:rPr lang="en-US" sz="1440" i="1" dirty="0" smtClean="0"/>
+              <a:t>Journal of Machine Learning Research</a:t>
+            </a:r>
+            <a:r>
+              <a:rPr lang="en-US" sz="1440" dirty="0" smtClean="0"/>
+              <a:t>, 2014.</a:t>
+            </a:r>
+          </a:p>
+          <a:p>
+            <a:r>
+              <a:rPr lang="en-US" sz="1440" dirty="0" smtClean="0"/>
+              <a:t>[5] A. </a:t>
+            </a:r>
+            <a:r>
+              <a:rPr lang="en-US" sz="1440" dirty="0" err="1" smtClean="0"/>
+              <a:t>Fawzi</a:t>
+            </a:r>
+            <a:r>
+              <a:rPr lang="en-US" sz="1440" dirty="0" smtClean="0"/>
+              <a:t>, S. </a:t>
+            </a:r>
+            <a:r>
+              <a:rPr lang="en-US" sz="1440" dirty="0" err="1" smtClean="0"/>
+              <a:t>Moosavi-Dezfooli</a:t>
+            </a:r>
+            <a:r>
+              <a:rPr lang="en-US" sz="1440" dirty="0" smtClean="0"/>
+              <a:t>, P. </a:t>
+            </a:r>
+            <a:r>
+              <a:rPr lang="en-US" sz="1440" dirty="0" err="1" smtClean="0"/>
+              <a:t>Frossard</a:t>
+            </a:r>
+            <a:r>
+              <a:rPr lang="en-US" sz="1440" dirty="0" smtClean="0"/>
+              <a:t>. Robustness of classifiers: from adversarial to random noise. </a:t>
+            </a:r>
+            <a:r>
+              <a:rPr lang="en-US" sz="1440" i="1" dirty="0" smtClean="0"/>
+              <a:t>NIPS</a:t>
+            </a:r>
+            <a:r>
+              <a:rPr lang="en-US" sz="1440" dirty="0" smtClean="0"/>
+              <a:t>, 2016.</a:t>
+            </a:r>
+          </a:p>
+          <a:p>
+            <a:r>
+              <a:rPr lang="en-US" sz="1440" dirty="0" smtClean="0"/>
+              <a:t>[6] C. </a:t>
+            </a:r>
+            <a:r>
+              <a:rPr lang="en-US" sz="1440" dirty="0" err="1" smtClean="0"/>
+              <a:t>Dwork</a:t>
+            </a:r>
+            <a:r>
+              <a:rPr lang="en-US" sz="1440" dirty="0" smtClean="0"/>
+              <a:t>, A. Roth. Differential privacy. </a:t>
+            </a:r>
+            <a:r>
+              <a:rPr lang="en-US" sz="1440" i="1" dirty="0" smtClean="0"/>
+              <a:t>Foundations and Trends in Computer Science</a:t>
+            </a:r>
+            <a:r>
+              <a:rPr lang="en-US" sz="1440" dirty="0" smtClean="0"/>
+              <a:t>, 2014.</a:t>
+            </a:r>
+          </a:p>
+          <a:p>
+            <a:r>
+              <a:rPr lang="en-US" sz="1440" dirty="0" smtClean="0"/>
+              <a:t>[</a:t>
+            </a:r>
             <a:r>
               <a:rPr lang="en-US" sz="1440" dirty="0"/>
-              <a:t>[4] L.J.P. van der </a:t>
-            </a:r>
-            <a:r>
-              <a:rPr lang="en-US" sz="1440" dirty="0" err="1"/>
-              <a:t>Maaten</a:t>
-            </a:r>
-            <a:r>
-              <a:rPr lang="en-US" sz="1440" dirty="0"/>
-              <a:t>. Accelerating t-SNE using Tree-Based Algorithms. </a:t>
-            </a:r>
-            <a:r>
-              <a:rPr lang="en-US" sz="1440" i="1" dirty="0"/>
-              <a:t>Journal of Machine Learning Research</a:t>
-            </a:r>
-            <a:r>
-              <a:rPr lang="en-US" sz="1440" dirty="0"/>
-              <a:t>, 2014.</a:t>
-            </a:r>
-          </a:p>
-          <a:p>
-            <a:r>
-              <a:rPr lang="en-US" sz="1440" dirty="0"/>
-              <a:t>[5] A. </a:t>
-            </a:r>
-            <a:r>
-              <a:rPr lang="en-US" sz="1440" dirty="0" err="1"/>
-              <a:t>Fawzi</a:t>
-            </a:r>
-            <a:r>
-              <a:rPr lang="en-US" sz="1440" dirty="0"/>
-              <a:t>, S. </a:t>
-            </a:r>
-            <a:r>
-              <a:rPr lang="en-US" sz="1440" dirty="0" err="1"/>
-              <a:t>Moosavi-Dezfooli</a:t>
-            </a:r>
-            <a:r>
-              <a:rPr lang="en-US" sz="1440" dirty="0"/>
-              <a:t>, P. </a:t>
-            </a:r>
-            <a:r>
-              <a:rPr lang="en-US" sz="1440" dirty="0" err="1"/>
-              <a:t>Frossard</a:t>
-            </a:r>
-            <a:r>
-              <a:rPr lang="en-US" sz="1440" dirty="0"/>
-              <a:t>. Robustness of classifiers: from adversarial to random noise. </a:t>
-            </a:r>
-            <a:r>
-              <a:rPr lang="en-US" sz="1440" i="1" dirty="0"/>
-              <a:t>NIPS</a:t>
-            </a:r>
-            <a:r>
-              <a:rPr lang="en-US" sz="1440" dirty="0"/>
-              <a:t>, 2016.</a:t>
-            </a:r>
-          </a:p>
-          <a:p>
-            <a:r>
-              <a:rPr lang="en-US" sz="1440" dirty="0"/>
-              <a:t>[6] C. </a:t>
-            </a:r>
-            <a:r>
-              <a:rPr lang="en-US" sz="1440" dirty="0" err="1"/>
-              <a:t>Dwork</a:t>
-            </a:r>
-            <a:r>
-              <a:rPr lang="en-US" sz="1440" dirty="0"/>
-              <a:t>, A. Roth. Differential privacy. </a:t>
-            </a:r>
-            <a:r>
-              <a:rPr lang="en-US" sz="1440" i="1" dirty="0"/>
-              <a:t>Foundations and Trends in Computer Science</a:t>
-            </a:r>
-            <a:r>
-              <a:rPr lang="en-US" sz="1440" dirty="0"/>
-              <a:t>, 2014.</a:t>
-            </a:r>
-          </a:p>
-          <a:p>
-            <a:r>
-              <a:rPr lang="en-US" sz="1440" dirty="0"/>
-              <a:t>[7] Y. Gal, Z. </a:t>
+              <a:t>7] Y. Gal, Z. </a:t>
             </a:r>
             <a:r>
               <a:rPr lang="en-US" sz="1440" dirty="0" err="1"/>
@@ -5067,28 +5123,28 @@
                     <a:gridCol w="827251">
                       <a:extLst>
                         <a:ext uri="{9D8B030D-6E8A-4147-A177-3AD203B41FA5}">
-                          <a16:colId xmlns="" xmlns:a16="http://schemas.microsoft.com/office/drawing/2014/main" val="20000"/>
+                          <a16:colId xmlns:a16="http://schemas.microsoft.com/office/drawing/2014/main" xmlns="" val="20000"/>
                         </a:ext>
                       </a:extLst>
                     </a:gridCol>
                     <a:gridCol w="678823">
                       <a:extLst>
                         <a:ext uri="{9D8B030D-6E8A-4147-A177-3AD203B41FA5}">
-                          <a16:colId xmlns="" xmlns:a16="http://schemas.microsoft.com/office/drawing/2014/main" val="20001"/>
+                          <a16:colId xmlns:a16="http://schemas.microsoft.com/office/drawing/2014/main" xmlns="" val="20001"/>
                         </a:ext>
                       </a:extLst>
                     </a:gridCol>
                     <a:gridCol w="566635">
                       <a:extLst>
                         <a:ext uri="{9D8B030D-6E8A-4147-A177-3AD203B41FA5}">
-                          <a16:colId xmlns="" xmlns:a16="http://schemas.microsoft.com/office/drawing/2014/main" val="20002"/>
+                          <a16:colId xmlns:a16="http://schemas.microsoft.com/office/drawing/2014/main" xmlns="" val="20002"/>
                         </a:ext>
                       </a:extLst>
                     </a:gridCol>
                     <a:gridCol w="1381150">
                       <a:extLst>
                         <a:ext uri="{9D8B030D-6E8A-4147-A177-3AD203B41FA5}">
-                          <a16:colId xmlns="" xmlns:a16="http://schemas.microsoft.com/office/drawing/2014/main" val="20003"/>
+                          <a16:colId xmlns:a16="http://schemas.microsoft.com/office/drawing/2014/main" xmlns="" val="20003"/>
                         </a:ext>
                       </a:extLst>
                     </a:gridCol>
@@ -5192,7 +5248,7 @@
                     </a:tc>
                     <a:extLst>
                       <a:ext uri="{0D108BD9-81ED-4DB2-BD59-A6C34878D82A}">
-                        <a16:rowId xmlns="" xmlns:a16="http://schemas.microsoft.com/office/drawing/2014/main" val="10000"/>
+                        <a16:rowId xmlns:a16="http://schemas.microsoft.com/office/drawing/2014/main" xmlns="" val="10000"/>
                       </a:ext>
                     </a:extLst>
                   </a:tr>
@@ -5267,7 +5323,7 @@
                     </a:tc>
                     <a:extLst>
                       <a:ext uri="{0D108BD9-81ED-4DB2-BD59-A6C34878D82A}">
-                        <a16:rowId xmlns="" xmlns:a16="http://schemas.microsoft.com/office/drawing/2014/main" val="10001"/>
+                        <a16:rowId xmlns:a16="http://schemas.microsoft.com/office/drawing/2014/main" xmlns="" val="10001"/>
                       </a:ext>
                     </a:extLst>
                   </a:tr>
@@ -5342,7 +5398,7 @@
                     </a:tc>
                     <a:extLst>
                       <a:ext uri="{0D108BD9-81ED-4DB2-BD59-A6C34878D82A}">
-                        <a16:rowId xmlns="" xmlns:a16="http://schemas.microsoft.com/office/drawing/2014/main" val="10002"/>
+                        <a16:rowId xmlns:a16="http://schemas.microsoft.com/office/drawing/2014/main" xmlns="" val="10002"/>
                       </a:ext>
                     </a:extLst>
                   </a:tr>
@@ -5417,7 +5473,7 @@
                     </a:tc>
                     <a:extLst>
                       <a:ext uri="{0D108BD9-81ED-4DB2-BD59-A6C34878D82A}">
-                        <a16:rowId xmlns="" xmlns:a16="http://schemas.microsoft.com/office/drawing/2014/main" val="10003"/>
+                        <a16:rowId xmlns:a16="http://schemas.microsoft.com/office/drawing/2014/main" xmlns="" val="10003"/>
                       </a:ext>
                     </a:extLst>
                   </a:tr>
@@ -6257,7 +6313,7 @@
         <p:spPr bwMode="auto">
           <a:xfrm>
             <a:off x="21945600" y="3657602"/>
-            <a:ext cx="9875520" cy="10662200"/>
+            <a:ext cx="9875520" cy="10046647"/>
           </a:xfrm>
           <a:prstGeom prst="rect">
             <a:avLst/>
@@ -6616,28 +6672,7 @@
             </a:endParaRPr>
           </a:p>
           <a:p>
-            <a:pPr marL="342900" indent="-342900" eaLnBrk="1" hangingPunct="1">
-              <a:buFont typeface="Arial" panose="020B0604020202020204" pitchFamily="34" charset="0"/>
-              <a:buChar char="•"/>
-            </a:pPr>
-            <a:endParaRPr lang="en-US" sz="2000" dirty="0">
-              <a:latin typeface="Calibri" pitchFamily="34" charset="0"/>
-            </a:endParaRPr>
-          </a:p>
-          <a:p>
-            <a:pPr marL="342900" indent="-342900" eaLnBrk="1" hangingPunct="1">
-              <a:buFont typeface="Arial" panose="020B0604020202020204" pitchFamily="34" charset="0"/>
-              <a:buChar char="•"/>
-            </a:pPr>
-            <a:endParaRPr lang="en-US" sz="2000" dirty="0" smtClean="0">
-              <a:latin typeface="Calibri" pitchFamily="34" charset="0"/>
-            </a:endParaRPr>
-          </a:p>
-          <a:p>
-            <a:pPr marL="342900" indent="-342900" eaLnBrk="1" hangingPunct="1">
-              <a:buFont typeface="Arial" panose="020B0604020202020204" pitchFamily="34" charset="0"/>
-              <a:buChar char="•"/>
-            </a:pPr>
+            <a:pPr eaLnBrk="1" hangingPunct="1"/>
             <a:endParaRPr lang="en-US" sz="2000" dirty="0">
               <a:latin typeface="Calibri" pitchFamily="34" charset="0"/>
             </a:endParaRPr>

--- a/229poster.pptx
+++ b/229poster.pptx
@@ -2942,7 +2942,7 @@
         <p:spPr>
           <a:xfrm>
             <a:off x="1280163" y="20025361"/>
-            <a:ext cx="8057455" cy="1588333"/>
+            <a:ext cx="8057455" cy="1896110"/>
           </a:xfrm>
           <a:prstGeom prst="rect">
             <a:avLst/>
@@ -2961,39 +2961,66 @@
           <a:lstStyle/>
           <a:p>
             <a:r>
-              <a:rPr lang="en-US" sz="2000" dirty="0"/>
+              <a:rPr lang="en-US" sz="2000" dirty="0">
+                <a:latin typeface="Arial" panose="020B0604020202020204" pitchFamily="34" charset="0"/>
+                <a:cs typeface="Arial" panose="020B0604020202020204" pitchFamily="34" charset="0"/>
+              </a:rPr>
               <a:t>We would like to thank our mentor Steve </a:t>
             </a:r>
             <a:r>
-              <a:rPr lang="en-US" sz="2000" dirty="0" err="1"/>
+              <a:rPr lang="en-US" sz="2000" dirty="0" err="1">
+                <a:latin typeface="Arial" panose="020B0604020202020204" pitchFamily="34" charset="0"/>
+                <a:cs typeface="Arial" panose="020B0604020202020204" pitchFamily="34" charset="0"/>
+              </a:rPr>
               <a:t>Mussmann</a:t>
             </a:r>
             <a:r>
-              <a:rPr lang="en-US" sz="2000" dirty="0"/>
+              <a:rPr lang="en-US" sz="2000" dirty="0">
+                <a:latin typeface="Arial" panose="020B0604020202020204" pitchFamily="34" charset="0"/>
+                <a:cs typeface="Arial" panose="020B0604020202020204" pitchFamily="34" charset="0"/>
+              </a:rPr>
               <a:t> for extensive discussion and feedback. We would also like to thank Christopher Sauer, Alisha </a:t>
             </a:r>
             <a:r>
-              <a:rPr lang="en-US" sz="2000" dirty="0" err="1"/>
+              <a:rPr lang="en-US" sz="2000" dirty="0" err="1">
+                <a:latin typeface="Arial" panose="020B0604020202020204" pitchFamily="34" charset="0"/>
+                <a:cs typeface="Arial" panose="020B0604020202020204" pitchFamily="34" charset="0"/>
+              </a:rPr>
               <a:t>Rege</a:t>
             </a:r>
             <a:r>
-              <a:rPr lang="en-US" sz="2000" dirty="0"/>
+              <a:rPr lang="en-US" sz="2000" dirty="0">
+                <a:latin typeface="Arial" panose="020B0604020202020204" pitchFamily="34" charset="0"/>
+                <a:cs typeface="Arial" panose="020B0604020202020204" pitchFamily="34" charset="0"/>
+              </a:rPr>
               <a:t>, and Prof. Dan </a:t>
             </a:r>
             <a:r>
-              <a:rPr lang="en-US" sz="2000" dirty="0" err="1"/>
+              <a:rPr lang="en-US" sz="2000" dirty="0" err="1">
+                <a:latin typeface="Arial" panose="020B0604020202020204" pitchFamily="34" charset="0"/>
+                <a:cs typeface="Arial" panose="020B0604020202020204" pitchFamily="34" charset="0"/>
+              </a:rPr>
               <a:t>Boneh</a:t>
             </a:r>
             <a:r>
-              <a:rPr lang="en-US" sz="2000" dirty="0"/>
+              <a:rPr lang="en-US" sz="2000" dirty="0">
+                <a:latin typeface="Arial" panose="020B0604020202020204" pitchFamily="34" charset="0"/>
+                <a:cs typeface="Arial" panose="020B0604020202020204" pitchFamily="34" charset="0"/>
+              </a:rPr>
               <a:t> for advice on data and methods. Finally, we thank Prof. Percy Liang and Prof. Stefano </a:t>
             </a:r>
             <a:r>
-              <a:rPr lang="en-US" sz="2000" dirty="0" err="1"/>
+              <a:rPr lang="en-US" sz="2000" dirty="0" err="1">
+                <a:latin typeface="Arial" panose="020B0604020202020204" pitchFamily="34" charset="0"/>
+                <a:cs typeface="Arial" panose="020B0604020202020204" pitchFamily="34" charset="0"/>
+              </a:rPr>
               <a:t>Ermon</a:t>
             </a:r>
             <a:r>
-              <a:rPr lang="en-US" sz="2000" dirty="0"/>
+              <a:rPr lang="en-US" sz="2000" dirty="0">
+                <a:latin typeface="Arial" panose="020B0604020202020204" pitchFamily="34" charset="0"/>
+                <a:cs typeface="Arial" panose="020B0604020202020204" pitchFamily="34" charset="0"/>
+              </a:rPr>
               <a:t> for valuable insight on paradigms of artificial intelligence, especially adversarial systems and Bayesian networks. </a:t>
             </a:r>
           </a:p>
@@ -3008,7 +3035,7 @@
         <p:spPr>
           <a:xfrm>
             <a:off x="1280161" y="19431002"/>
-            <a:ext cx="3245786" cy="541893"/>
+            <a:ext cx="3718479" cy="541893"/>
           </a:xfrm>
           <a:prstGeom prst="rect">
             <a:avLst/>
@@ -3022,7 +3049,10 @@
           <a:lstStyle/>
           <a:p>
             <a:r>
-              <a:rPr lang="en-US" sz="3200" b="1" dirty="0"/>
+              <a:rPr lang="en-US" sz="3200" b="1" dirty="0">
+                <a:latin typeface="Arial" panose="020B0604020202020204" pitchFamily="34" charset="0"/>
+                <a:cs typeface="Arial" panose="020B0604020202020204" pitchFamily="34" charset="0"/>
+              </a:rPr>
               <a:t>Acknowledgments</a:t>
             </a:r>
           </a:p>
@@ -3849,7 +3879,7 @@
         <p:spPr bwMode="auto">
           <a:xfrm>
             <a:off x="21945600" y="14415471"/>
-            <a:ext cx="9875520" cy="4506669"/>
+            <a:ext cx="9875520" cy="4814445"/>
           </a:xfrm>
           <a:prstGeom prst="rect">
             <a:avLst/>
@@ -3975,31 +4005,11 @@
             </a:pPr>
             <a:r>
               <a:rPr lang="en-US" sz="2000" dirty="0" smtClean="0">
-                <a:latin typeface="Calibri" pitchFamily="34" charset="0"/>
-              </a:rPr>
-              <a:t>We were able to build a classifier for user verification on mobile devices with </a:t>
-            </a:r>
-            <a:r>
-              <a:rPr lang="en-US" sz="2000" dirty="0" smtClean="0">
-                <a:latin typeface="Calibri" pitchFamily="34" charset="0"/>
-              </a:rPr>
-              <a:t>79.8% </a:t>
-            </a:r>
-            <a:r>
-              <a:rPr lang="en-US" sz="2000" dirty="0" smtClean="0">
-                <a:latin typeface="Calibri" pitchFamily="34" charset="0"/>
-              </a:rPr>
-              <a:t>accuracy</a:t>
-            </a:r>
-            <a:r>
-              <a:rPr lang="en-US" sz="2000" dirty="0" smtClean="0">
-                <a:latin typeface="Calibri" pitchFamily="34" charset="0"/>
-              </a:rPr>
-              <a:t>. This means that 79.8% of the time, our classifier was able to successfully differentiate between two user inputs.</a:t>
-            </a:r>
-            <a:endParaRPr lang="en-US" sz="2000" dirty="0" smtClean="0">
-              <a:latin typeface="Calibri" pitchFamily="34" charset="0"/>
-            </a:endParaRPr>
+                <a:latin typeface="Arial" panose="020B0604020202020204" pitchFamily="34" charset="0"/>
+                <a:cs typeface="Arial" panose="020B0604020202020204" pitchFamily="34" charset="0"/>
+              </a:rPr>
+              <a:t>We were able to build a classifier for user verification on mobile devices with 79.8% accuracy. This means that 79.8% of the time, our classifier was able to successfully differentiate between two user inputs.</a:t>
+            </a:r>
           </a:p>
           <a:p>
             <a:pPr marL="342900" indent="-342900" eaLnBrk="1" hangingPunct="1">
@@ -4008,48 +4018,42 @@
             </a:pPr>
             <a:r>
               <a:rPr lang="en-US" sz="2000" dirty="0" smtClean="0">
-                <a:latin typeface="Calibri" pitchFamily="34" charset="0"/>
+                <a:latin typeface="Arial" panose="020B0604020202020204" pitchFamily="34" charset="0"/>
+                <a:cs typeface="Arial" panose="020B0604020202020204" pitchFamily="34" charset="0"/>
               </a:rPr>
               <a:t>We described a classifier that allows for user differentiation training on mobile devices based on the </a:t>
             </a:r>
             <a:r>
               <a:rPr lang="en-US" sz="2000" dirty="0" err="1" smtClean="0">
-                <a:latin typeface="Calibri" pitchFamily="34" charset="0"/>
+                <a:latin typeface="Arial" panose="020B0604020202020204" pitchFamily="34" charset="0"/>
+                <a:cs typeface="Arial" panose="020B0604020202020204" pitchFamily="34" charset="0"/>
               </a:rPr>
               <a:t>featurization</a:t>
             </a:r>
             <a:r>
               <a:rPr lang="en-US" sz="2000" dirty="0" smtClean="0">
-                <a:latin typeface="Calibri" pitchFamily="34" charset="0"/>
-              </a:rPr>
-              <a:t> of user typing patterns. </a:t>
+                <a:latin typeface="Arial" panose="020B0604020202020204" pitchFamily="34" charset="0"/>
+                <a:cs typeface="Arial" panose="020B0604020202020204" pitchFamily="34" charset="0"/>
+              </a:rPr>
+              <a:t> of user typing patterns. In application, this classifier can further enhance device security by adding another layer of verification. By installing this classifier onto a mobile device and training it on a user’s </a:t>
+            </a:r>
+            <a:r>
+              <a:rPr lang="en-US" sz="2000" dirty="0" err="1" smtClean="0">
+                <a:latin typeface="Arial" panose="020B0604020202020204" pitchFamily="34" charset="0"/>
+                <a:cs typeface="Arial" panose="020B0604020202020204" pitchFamily="34" charset="0"/>
+              </a:rPr>
+              <a:t>featurized</a:t>
             </a:r>
             <a:r>
               <a:rPr lang="en-US" sz="2000" dirty="0" smtClean="0">
-                <a:latin typeface="Calibri" pitchFamily="34" charset="0"/>
-              </a:rPr>
-              <a:t>In application, this classifier can further enhance device security by adding another layer of verification. By installing this classifier onto a mobile device and training it on a user’s </a:t>
-            </a:r>
-            <a:r>
-              <a:rPr lang="en-US" sz="2000" dirty="0" err="1" smtClean="0">
-                <a:latin typeface="Calibri" pitchFamily="34" charset="0"/>
-              </a:rPr>
-              <a:t>featurized</a:t>
-            </a:r>
-            <a:r>
-              <a:rPr lang="en-US" sz="2000" dirty="0" smtClean="0">
-                <a:latin typeface="Calibri" pitchFamily="34" charset="0"/>
-              </a:rPr>
-              <a:t> password input, we can ensure that even if a password’s content is typed in properly, it must be typed in with the learned cadence of the original user in order to be verified. This will effectively proof every mobile device from brute force password attacks by adding an unknown amount of additional features the attacker must account for. Additionally, this has the ability to continually verify the authenticity of the user based on their typing patterns as they use the mobile device, hardening against device takeover by ensuring that only the primary user has access to </a:t>
-            </a:r>
-            <a:r>
-              <a:rPr lang="en-US" sz="2000" smtClean="0">
-                <a:latin typeface="Calibri" pitchFamily="34" charset="0"/>
-              </a:rPr>
-              <a:t>the phone.</a:t>
+                <a:latin typeface="Arial" panose="020B0604020202020204" pitchFamily="34" charset="0"/>
+                <a:cs typeface="Arial" panose="020B0604020202020204" pitchFamily="34" charset="0"/>
+              </a:rPr>
+              <a:t> password input, we can ensure that even if a password’s content is typed in properly, it must be typed in with the learned cadence of the original user in order to be verified. This will effectively proof every mobile device from brute force password attacks by adding an unknown amount of additional features the attacker must account for. Additionally, this has the ability to continually verify the authenticity of the user based on their typing patterns as they use the mobile device, hardening against device takeover by ensuring that only the primary user has access to the phone.</a:t>
             </a:r>
             <a:endParaRPr lang="en-US" sz="2000" dirty="0">
-              <a:latin typeface="Calibri" pitchFamily="34" charset="0"/>
+              <a:latin typeface="Arial" panose="020B0604020202020204" pitchFamily="34" charset="0"/>
+              <a:cs typeface="Arial" panose="020B0604020202020204" pitchFamily="34" charset="0"/>
             </a:endParaRPr>
           </a:p>
         </p:txBody>
@@ -4802,237 +4806,399 @@
           <a:lstStyle/>
           <a:p>
             <a:r>
-              <a:rPr lang="en-US" sz="1440" dirty="0"/>
+              <a:rPr lang="en-US" sz="1440" dirty="0">
+                <a:latin typeface="Arial" panose="020B0604020202020204" pitchFamily="34" charset="0"/>
+                <a:cs typeface="Arial" panose="020B0604020202020204" pitchFamily="34" charset="0"/>
+              </a:rPr>
               <a:t>[1] N. Al-</a:t>
             </a:r>
             <a:r>
-              <a:rPr lang="en-US" sz="1440" dirty="0" err="1"/>
+              <a:rPr lang="en-US" sz="1440" dirty="0" err="1">
+                <a:latin typeface="Arial" panose="020B0604020202020204" pitchFamily="34" charset="0"/>
+                <a:cs typeface="Arial" panose="020B0604020202020204" pitchFamily="34" charset="0"/>
+              </a:rPr>
               <a:t>Obaidi</a:t>
             </a:r>
             <a:r>
-              <a:rPr lang="en-US" sz="1440" dirty="0"/>
+              <a:rPr lang="en-US" sz="1440" dirty="0">
+                <a:latin typeface="Arial" panose="020B0604020202020204" pitchFamily="34" charset="0"/>
+                <a:cs typeface="Arial" panose="020B0604020202020204" pitchFamily="34" charset="0"/>
+              </a:rPr>
               <a:t>. MEU-Mobile KSD Data Set. UCI Machine Learning Repository, 2016.</a:t>
             </a:r>
           </a:p>
           <a:p>
             <a:r>
-              <a:rPr lang="en-US" sz="1440" dirty="0"/>
+              <a:rPr lang="en-US" sz="1440" dirty="0">
+                <a:latin typeface="Arial" panose="020B0604020202020204" pitchFamily="34" charset="0"/>
+                <a:cs typeface="Arial" panose="020B0604020202020204" pitchFamily="34" charset="0"/>
+              </a:rPr>
               <a:t>[2] I. de </a:t>
             </a:r>
             <a:r>
-              <a:rPr lang="en-US" sz="1440" dirty="0" err="1"/>
+              <a:rPr lang="en-US" sz="1440" dirty="0" err="1">
+                <a:latin typeface="Arial" panose="020B0604020202020204" pitchFamily="34" charset="0"/>
+                <a:cs typeface="Arial" panose="020B0604020202020204" pitchFamily="34" charset="0"/>
+              </a:rPr>
               <a:t>Mendizabal</a:t>
             </a:r>
             <a:r>
-              <a:rPr lang="en-US" sz="1440" dirty="0"/>
+              <a:rPr lang="en-US" sz="1440" dirty="0">
+                <a:latin typeface="Arial" panose="020B0604020202020204" pitchFamily="34" charset="0"/>
+                <a:cs typeface="Arial" panose="020B0604020202020204" pitchFamily="34" charset="0"/>
+              </a:rPr>
               <a:t>-Vazquez, D. de Santos-Sierra, J. Guerra-Casanova, and C. Sanchez-Avila. Supervised classification methods applied to</a:t>
             </a:r>
           </a:p>
           <a:p>
             <a:r>
-              <a:rPr lang="en-US" sz="1440" dirty="0"/>
+              <a:rPr lang="en-US" sz="1440" dirty="0">
+                <a:latin typeface="Arial" panose="020B0604020202020204" pitchFamily="34" charset="0"/>
+                <a:cs typeface="Arial" panose="020B0604020202020204" pitchFamily="34" charset="0"/>
+              </a:rPr>
               <a:t>Keystroke Dynamics through Mobile Devices. </a:t>
             </a:r>
             <a:r>
-              <a:rPr lang="en-US" sz="1440" i="1" dirty="0"/>
+              <a:rPr lang="en-US" sz="1440" i="1" dirty="0">
+                <a:latin typeface="Arial" panose="020B0604020202020204" pitchFamily="34" charset="0"/>
+                <a:cs typeface="Arial" panose="020B0604020202020204" pitchFamily="34" charset="0"/>
+              </a:rPr>
               <a:t>ICCST</a:t>
             </a:r>
             <a:r>
-              <a:rPr lang="en-US" sz="1440" dirty="0"/>
+              <a:rPr lang="en-US" sz="1440" dirty="0">
+                <a:latin typeface="Arial" panose="020B0604020202020204" pitchFamily="34" charset="0"/>
+                <a:cs typeface="Arial" panose="020B0604020202020204" pitchFamily="34" charset="0"/>
+              </a:rPr>
               <a:t>, 2014.</a:t>
             </a:r>
           </a:p>
           <a:p>
             <a:r>
-              <a:rPr lang="en-US" sz="1440" dirty="0"/>
+              <a:rPr lang="en-US" sz="1440" dirty="0">
+                <a:latin typeface="Arial" panose="020B0604020202020204" pitchFamily="34" charset="0"/>
+                <a:cs typeface="Arial" panose="020B0604020202020204" pitchFamily="34" charset="0"/>
+              </a:rPr>
               <a:t>[3] T. Cho. Pattern Classification Methods for Keystroke Analysis. </a:t>
             </a:r>
             <a:r>
-              <a:rPr lang="en-US" sz="1440" i="1" dirty="0"/>
+              <a:rPr lang="en-US" sz="1440" i="1" dirty="0">
+                <a:latin typeface="Arial" panose="020B0604020202020204" pitchFamily="34" charset="0"/>
+                <a:cs typeface="Arial" panose="020B0604020202020204" pitchFamily="34" charset="0"/>
+              </a:rPr>
               <a:t>SICE-ICASE</a:t>
             </a:r>
             <a:r>
-              <a:rPr lang="en-US" sz="1440" dirty="0"/>
+              <a:rPr lang="en-US" sz="1440" dirty="0">
+                <a:latin typeface="Arial" panose="020B0604020202020204" pitchFamily="34" charset="0"/>
+                <a:cs typeface="Arial" panose="020B0604020202020204" pitchFamily="34" charset="0"/>
+              </a:rPr>
               <a:t>, 2006</a:t>
             </a:r>
             <a:r>
-              <a:rPr lang="en-US" sz="1440" dirty="0" smtClean="0"/>
+              <a:rPr lang="en-US" sz="1440" dirty="0" smtClean="0">
+                <a:latin typeface="Arial" panose="020B0604020202020204" pitchFamily="34" charset="0"/>
+                <a:cs typeface="Arial" panose="020B0604020202020204" pitchFamily="34" charset="0"/>
+              </a:rPr>
               <a:t>.</a:t>
             </a:r>
           </a:p>
           <a:p>
             <a:r>
-              <a:rPr lang="en-US" sz="1440" dirty="0" smtClean="0"/>
+              <a:rPr lang="en-US" sz="1440" dirty="0" smtClean="0">
+                <a:latin typeface="Arial" panose="020B0604020202020204" pitchFamily="34" charset="0"/>
+                <a:cs typeface="Arial" panose="020B0604020202020204" pitchFamily="34" charset="0"/>
+              </a:rPr>
               <a:t>[4] L.J.P. van der </a:t>
             </a:r>
             <a:r>
-              <a:rPr lang="en-US" sz="1440" dirty="0" err="1" smtClean="0"/>
+              <a:rPr lang="en-US" sz="1440" dirty="0" err="1" smtClean="0">
+                <a:latin typeface="Arial" panose="020B0604020202020204" pitchFamily="34" charset="0"/>
+                <a:cs typeface="Arial" panose="020B0604020202020204" pitchFamily="34" charset="0"/>
+              </a:rPr>
               <a:t>Maaten</a:t>
             </a:r>
             <a:r>
-              <a:rPr lang="en-US" sz="1440" dirty="0" smtClean="0"/>
+              <a:rPr lang="en-US" sz="1440" dirty="0" smtClean="0">
+                <a:latin typeface="Arial" panose="020B0604020202020204" pitchFamily="34" charset="0"/>
+                <a:cs typeface="Arial" panose="020B0604020202020204" pitchFamily="34" charset="0"/>
+              </a:rPr>
               <a:t>. Accelerating t-SNE using Tree-Based Algorithms. </a:t>
             </a:r>
             <a:r>
-              <a:rPr lang="en-US" sz="1440" i="1" dirty="0" smtClean="0"/>
+              <a:rPr lang="en-US" sz="1440" i="1" dirty="0" smtClean="0">
+                <a:latin typeface="Arial" panose="020B0604020202020204" pitchFamily="34" charset="0"/>
+                <a:cs typeface="Arial" panose="020B0604020202020204" pitchFamily="34" charset="0"/>
+              </a:rPr>
               <a:t>Journal of Machine Learning Research</a:t>
             </a:r>
             <a:r>
-              <a:rPr lang="en-US" sz="1440" dirty="0" smtClean="0"/>
+              <a:rPr lang="en-US" sz="1440" dirty="0" smtClean="0">
+                <a:latin typeface="Arial" panose="020B0604020202020204" pitchFamily="34" charset="0"/>
+                <a:cs typeface="Arial" panose="020B0604020202020204" pitchFamily="34" charset="0"/>
+              </a:rPr>
               <a:t>, 2014.</a:t>
             </a:r>
           </a:p>
           <a:p>
             <a:r>
-              <a:rPr lang="en-US" sz="1440" dirty="0" smtClean="0"/>
+              <a:rPr lang="en-US" sz="1440" dirty="0" smtClean="0">
+                <a:latin typeface="Arial" panose="020B0604020202020204" pitchFamily="34" charset="0"/>
+                <a:cs typeface="Arial" panose="020B0604020202020204" pitchFamily="34" charset="0"/>
+              </a:rPr>
               <a:t>[5] A. </a:t>
             </a:r>
             <a:r>
-              <a:rPr lang="en-US" sz="1440" dirty="0" err="1" smtClean="0"/>
+              <a:rPr lang="en-US" sz="1440" dirty="0" err="1" smtClean="0">
+                <a:latin typeface="Arial" panose="020B0604020202020204" pitchFamily="34" charset="0"/>
+                <a:cs typeface="Arial" panose="020B0604020202020204" pitchFamily="34" charset="0"/>
+              </a:rPr>
               <a:t>Fawzi</a:t>
             </a:r>
             <a:r>
-              <a:rPr lang="en-US" sz="1440" dirty="0" smtClean="0"/>
+              <a:rPr lang="en-US" sz="1440" dirty="0" smtClean="0">
+                <a:latin typeface="Arial" panose="020B0604020202020204" pitchFamily="34" charset="0"/>
+                <a:cs typeface="Arial" panose="020B0604020202020204" pitchFamily="34" charset="0"/>
+              </a:rPr>
               <a:t>, S. </a:t>
             </a:r>
             <a:r>
-              <a:rPr lang="en-US" sz="1440" dirty="0" err="1" smtClean="0"/>
+              <a:rPr lang="en-US" sz="1440" dirty="0" err="1" smtClean="0">
+                <a:latin typeface="Arial" panose="020B0604020202020204" pitchFamily="34" charset="0"/>
+                <a:cs typeface="Arial" panose="020B0604020202020204" pitchFamily="34" charset="0"/>
+              </a:rPr>
               <a:t>Moosavi-Dezfooli</a:t>
             </a:r>
             <a:r>
-              <a:rPr lang="en-US" sz="1440" dirty="0" smtClean="0"/>
+              <a:rPr lang="en-US" sz="1440" dirty="0" smtClean="0">
+                <a:latin typeface="Arial" panose="020B0604020202020204" pitchFamily="34" charset="0"/>
+                <a:cs typeface="Arial" panose="020B0604020202020204" pitchFamily="34" charset="0"/>
+              </a:rPr>
               <a:t>, P. </a:t>
             </a:r>
             <a:r>
-              <a:rPr lang="en-US" sz="1440" dirty="0" err="1" smtClean="0"/>
+              <a:rPr lang="en-US" sz="1440" dirty="0" err="1" smtClean="0">
+                <a:latin typeface="Arial" panose="020B0604020202020204" pitchFamily="34" charset="0"/>
+                <a:cs typeface="Arial" panose="020B0604020202020204" pitchFamily="34" charset="0"/>
+              </a:rPr>
               <a:t>Frossard</a:t>
             </a:r>
             <a:r>
-              <a:rPr lang="en-US" sz="1440" dirty="0" smtClean="0"/>
+              <a:rPr lang="en-US" sz="1440" dirty="0" smtClean="0">
+                <a:latin typeface="Arial" panose="020B0604020202020204" pitchFamily="34" charset="0"/>
+                <a:cs typeface="Arial" panose="020B0604020202020204" pitchFamily="34" charset="0"/>
+              </a:rPr>
               <a:t>. Robustness of classifiers: from adversarial to random noise. </a:t>
             </a:r>
             <a:r>
-              <a:rPr lang="en-US" sz="1440" i="1" dirty="0" smtClean="0"/>
+              <a:rPr lang="en-US" sz="1440" i="1" dirty="0" smtClean="0">
+                <a:latin typeface="Arial" panose="020B0604020202020204" pitchFamily="34" charset="0"/>
+                <a:cs typeface="Arial" panose="020B0604020202020204" pitchFamily="34" charset="0"/>
+              </a:rPr>
               <a:t>NIPS</a:t>
             </a:r>
             <a:r>
-              <a:rPr lang="en-US" sz="1440" dirty="0" smtClean="0"/>
+              <a:rPr lang="en-US" sz="1440" dirty="0" smtClean="0">
+                <a:latin typeface="Arial" panose="020B0604020202020204" pitchFamily="34" charset="0"/>
+                <a:cs typeface="Arial" panose="020B0604020202020204" pitchFamily="34" charset="0"/>
+              </a:rPr>
               <a:t>, 2016.</a:t>
             </a:r>
           </a:p>
           <a:p>
             <a:r>
-              <a:rPr lang="en-US" sz="1440" dirty="0" smtClean="0"/>
+              <a:rPr lang="en-US" sz="1440" dirty="0" smtClean="0">
+                <a:latin typeface="Arial" panose="020B0604020202020204" pitchFamily="34" charset="0"/>
+                <a:cs typeface="Arial" panose="020B0604020202020204" pitchFamily="34" charset="0"/>
+              </a:rPr>
               <a:t>[6] C. </a:t>
             </a:r>
             <a:r>
-              <a:rPr lang="en-US" sz="1440" dirty="0" err="1" smtClean="0"/>
+              <a:rPr lang="en-US" sz="1440" dirty="0" err="1" smtClean="0">
+                <a:latin typeface="Arial" panose="020B0604020202020204" pitchFamily="34" charset="0"/>
+                <a:cs typeface="Arial" panose="020B0604020202020204" pitchFamily="34" charset="0"/>
+              </a:rPr>
               <a:t>Dwork</a:t>
             </a:r>
             <a:r>
-              <a:rPr lang="en-US" sz="1440" dirty="0" smtClean="0"/>
+              <a:rPr lang="en-US" sz="1440" dirty="0" smtClean="0">
+                <a:latin typeface="Arial" panose="020B0604020202020204" pitchFamily="34" charset="0"/>
+                <a:cs typeface="Arial" panose="020B0604020202020204" pitchFamily="34" charset="0"/>
+              </a:rPr>
               <a:t>, A. Roth. Differential privacy. </a:t>
             </a:r>
             <a:r>
-              <a:rPr lang="en-US" sz="1440" i="1" dirty="0" smtClean="0"/>
+              <a:rPr lang="en-US" sz="1440" i="1" dirty="0" smtClean="0">
+                <a:latin typeface="Arial" panose="020B0604020202020204" pitchFamily="34" charset="0"/>
+                <a:cs typeface="Arial" panose="020B0604020202020204" pitchFamily="34" charset="0"/>
+              </a:rPr>
               <a:t>Foundations and Trends in Computer Science</a:t>
             </a:r>
             <a:r>
-              <a:rPr lang="en-US" sz="1440" dirty="0" smtClean="0"/>
+              <a:rPr lang="en-US" sz="1440" dirty="0" smtClean="0">
+                <a:latin typeface="Arial" panose="020B0604020202020204" pitchFamily="34" charset="0"/>
+                <a:cs typeface="Arial" panose="020B0604020202020204" pitchFamily="34" charset="0"/>
+              </a:rPr>
               <a:t>, 2014.</a:t>
             </a:r>
           </a:p>
           <a:p>
             <a:r>
-              <a:rPr lang="en-US" sz="1440" dirty="0" smtClean="0"/>
+              <a:rPr lang="en-US" sz="1440" dirty="0" smtClean="0">
+                <a:latin typeface="Arial" panose="020B0604020202020204" pitchFamily="34" charset="0"/>
+                <a:cs typeface="Arial" panose="020B0604020202020204" pitchFamily="34" charset="0"/>
+              </a:rPr>
               <a:t>[</a:t>
             </a:r>
             <a:r>
-              <a:rPr lang="en-US" sz="1440" dirty="0"/>
+              <a:rPr lang="en-US" sz="1440" dirty="0">
+                <a:latin typeface="Arial" panose="020B0604020202020204" pitchFamily="34" charset="0"/>
+                <a:cs typeface="Arial" panose="020B0604020202020204" pitchFamily="34" charset="0"/>
+              </a:rPr>
               <a:t>7] Y. Gal, Z. </a:t>
             </a:r>
             <a:r>
-              <a:rPr lang="en-US" sz="1440" dirty="0" err="1"/>
+              <a:rPr lang="en-US" sz="1440" dirty="0" err="1">
+                <a:latin typeface="Arial" panose="020B0604020202020204" pitchFamily="34" charset="0"/>
+                <a:cs typeface="Arial" panose="020B0604020202020204" pitchFamily="34" charset="0"/>
+              </a:rPr>
               <a:t>Ghahramani</a:t>
             </a:r>
             <a:r>
-              <a:rPr lang="en-US" sz="1440" dirty="0"/>
+              <a:rPr lang="en-US" sz="1440" dirty="0">
+                <a:latin typeface="Arial" panose="020B0604020202020204" pitchFamily="34" charset="0"/>
+                <a:cs typeface="Arial" panose="020B0604020202020204" pitchFamily="34" charset="0"/>
+              </a:rPr>
               <a:t>. Bayesian Convolutional Neural Networks with Bernoulli Approximate </a:t>
             </a:r>
             <a:r>
-              <a:rPr lang="en-US" sz="1440" dirty="0" err="1"/>
+              <a:rPr lang="en-US" sz="1440" dirty="0" err="1">
+                <a:latin typeface="Arial" panose="020B0604020202020204" pitchFamily="34" charset="0"/>
+                <a:cs typeface="Arial" panose="020B0604020202020204" pitchFamily="34" charset="0"/>
+              </a:rPr>
               <a:t>Variational</a:t>
             </a:r>
             <a:r>
-              <a:rPr lang="en-US" sz="1440" dirty="0"/>
+              <a:rPr lang="en-US" sz="1440" dirty="0">
+                <a:latin typeface="Arial" panose="020B0604020202020204" pitchFamily="34" charset="0"/>
+                <a:cs typeface="Arial" panose="020B0604020202020204" pitchFamily="34" charset="0"/>
+              </a:rPr>
               <a:t> Inference. </a:t>
             </a:r>
             <a:r>
-              <a:rPr lang="en-US" sz="1440" i="1" dirty="0"/>
+              <a:rPr lang="en-US" sz="1440" i="1" dirty="0">
+                <a:latin typeface="Arial" panose="020B0604020202020204" pitchFamily="34" charset="0"/>
+                <a:cs typeface="Arial" panose="020B0604020202020204" pitchFamily="34" charset="0"/>
+              </a:rPr>
               <a:t>arXiv:1506.02158</a:t>
             </a:r>
             <a:r>
-              <a:rPr lang="en-US" sz="1440" dirty="0"/>
+              <a:rPr lang="en-US" sz="1440" dirty="0">
+                <a:latin typeface="Arial" panose="020B0604020202020204" pitchFamily="34" charset="0"/>
+                <a:cs typeface="Arial" panose="020B0604020202020204" pitchFamily="34" charset="0"/>
+              </a:rPr>
               <a:t>, 2016. </a:t>
             </a:r>
           </a:p>
           <a:p>
             <a:r>
-              <a:rPr lang="en-US" sz="1440" dirty="0"/>
+              <a:rPr lang="en-US" sz="1440" dirty="0">
+                <a:latin typeface="Arial" panose="020B0604020202020204" pitchFamily="34" charset="0"/>
+                <a:cs typeface="Arial" panose="020B0604020202020204" pitchFamily="34" charset="0"/>
+              </a:rPr>
               <a:t>[8] P.S. </a:t>
             </a:r>
             <a:r>
-              <a:rPr lang="en-US" sz="1440" dirty="0" err="1"/>
+              <a:rPr lang="en-US" sz="1440" dirty="0" err="1">
+                <a:latin typeface="Arial" panose="020B0604020202020204" pitchFamily="34" charset="0"/>
+                <a:cs typeface="Arial" panose="020B0604020202020204" pitchFamily="34" charset="0"/>
+              </a:rPr>
               <a:t>Teh</a:t>
             </a:r>
             <a:r>
-              <a:rPr lang="en-US" sz="1440" dirty="0"/>
+              <a:rPr lang="en-US" sz="1440" dirty="0">
+                <a:latin typeface="Arial" panose="020B0604020202020204" pitchFamily="34" charset="0"/>
+                <a:cs typeface="Arial" panose="020B0604020202020204" pitchFamily="34" charset="0"/>
+              </a:rPr>
               <a:t>, N. Zhang, A.B.J. Teoh, K. Chen. A survey on touch dynamics authentication in mobile devices. </a:t>
             </a:r>
             <a:r>
-              <a:rPr lang="en-US" sz="1440" i="1" dirty="0"/>
+              <a:rPr lang="en-US" sz="1440" i="1" dirty="0">
+                <a:latin typeface="Arial" panose="020B0604020202020204" pitchFamily="34" charset="0"/>
+                <a:cs typeface="Arial" panose="020B0604020202020204" pitchFamily="34" charset="0"/>
+              </a:rPr>
               <a:t>Computers &amp; Security</a:t>
             </a:r>
             <a:r>
-              <a:rPr lang="en-US" sz="1440" dirty="0"/>
+              <a:rPr lang="en-US" sz="1440" dirty="0">
+                <a:latin typeface="Arial" panose="020B0604020202020204" pitchFamily="34" charset="0"/>
+                <a:cs typeface="Arial" panose="020B0604020202020204" pitchFamily="34" charset="0"/>
+              </a:rPr>
               <a:t>,</a:t>
             </a:r>
             <a:r>
-              <a:rPr lang="en-US" sz="1440" i="1" dirty="0"/>
+              <a:rPr lang="en-US" sz="1440" i="1" dirty="0">
+                <a:latin typeface="Arial" panose="020B0604020202020204" pitchFamily="34" charset="0"/>
+                <a:cs typeface="Arial" panose="020B0604020202020204" pitchFamily="34" charset="0"/>
+              </a:rPr>
               <a:t> </a:t>
             </a:r>
             <a:r>
-              <a:rPr lang="en-US" sz="1440" dirty="0"/>
+              <a:rPr lang="en-US" sz="1440" dirty="0">
+                <a:latin typeface="Arial" panose="020B0604020202020204" pitchFamily="34" charset="0"/>
+                <a:cs typeface="Arial" panose="020B0604020202020204" pitchFamily="34" charset="0"/>
+              </a:rPr>
               <a:t>2016.</a:t>
             </a:r>
           </a:p>
           <a:p>
             <a:r>
-              <a:rPr lang="en-US" sz="1440" dirty="0"/>
+              <a:rPr lang="en-US" sz="1440" dirty="0">
+                <a:latin typeface="Arial" panose="020B0604020202020204" pitchFamily="34" charset="0"/>
+                <a:cs typeface="Arial" panose="020B0604020202020204" pitchFamily="34" charset="0"/>
+              </a:rPr>
               <a:t>[9] H. Bae, S. Monti, M. Montano, M.H. Steinberg, T.T. </a:t>
             </a:r>
             <a:r>
-              <a:rPr lang="en-US" sz="1440" dirty="0" err="1"/>
+              <a:rPr lang="en-US" sz="1440" dirty="0" err="1">
+                <a:latin typeface="Arial" panose="020B0604020202020204" pitchFamily="34" charset="0"/>
+                <a:cs typeface="Arial" panose="020B0604020202020204" pitchFamily="34" charset="0"/>
+              </a:rPr>
               <a:t>Perls</a:t>
             </a:r>
             <a:r>
-              <a:rPr lang="en-US" sz="1440" dirty="0"/>
+              <a:rPr lang="en-US" sz="1440" dirty="0">
+                <a:latin typeface="Arial" panose="020B0604020202020204" pitchFamily="34" charset="0"/>
+                <a:cs typeface="Arial" panose="020B0604020202020204" pitchFamily="34" charset="0"/>
+              </a:rPr>
               <a:t>, P. </a:t>
             </a:r>
             <a:r>
-              <a:rPr lang="en-US" sz="1440" dirty="0" err="1"/>
+              <a:rPr lang="en-US" sz="1440" dirty="0" err="1">
+                <a:latin typeface="Arial" panose="020B0604020202020204" pitchFamily="34" charset="0"/>
+                <a:cs typeface="Arial" panose="020B0604020202020204" pitchFamily="34" charset="0"/>
+              </a:rPr>
               <a:t>Sebastiani</a:t>
             </a:r>
             <a:r>
-              <a:rPr lang="en-US" sz="1440" dirty="0"/>
+              <a:rPr lang="en-US" sz="1440" dirty="0">
+                <a:latin typeface="Arial" panose="020B0604020202020204" pitchFamily="34" charset="0"/>
+                <a:cs typeface="Arial" panose="020B0604020202020204" pitchFamily="34" charset="0"/>
+              </a:rPr>
               <a:t>. Learning Bayesian Networks from Correlated Data. </a:t>
             </a:r>
             <a:r>
-              <a:rPr lang="en-US" sz="1440" i="1" dirty="0"/>
+              <a:rPr lang="en-US" sz="1440" i="1" dirty="0">
+                <a:latin typeface="Arial" panose="020B0604020202020204" pitchFamily="34" charset="0"/>
+                <a:cs typeface="Arial" panose="020B0604020202020204" pitchFamily="34" charset="0"/>
+              </a:rPr>
               <a:t>Nature Scientific Reports, </a:t>
             </a:r>
             <a:r>
-              <a:rPr lang="en-US" sz="1440" dirty="0"/>
+              <a:rPr lang="en-US" sz="1440" dirty="0">
+                <a:latin typeface="Arial" panose="020B0604020202020204" pitchFamily="34" charset="0"/>
+                <a:cs typeface="Arial" panose="020B0604020202020204" pitchFamily="34" charset="0"/>
+              </a:rPr>
               <a:t>2016.</a:t>
             </a:r>
           </a:p>
@@ -5047,7 +5213,7 @@
         <p:spPr>
           <a:xfrm>
             <a:off x="10256519" y="19431002"/>
-            <a:ext cx="1966333" cy="541893"/>
+            <a:ext cx="2307837" cy="541893"/>
           </a:xfrm>
           <a:prstGeom prst="rect">
             <a:avLst/>
@@ -5061,7 +5227,10 @@
           <a:lstStyle/>
           <a:p>
             <a:r>
-              <a:rPr lang="en-US" sz="3200" b="1" dirty="0"/>
+              <a:rPr lang="en-US" sz="3200" b="1" dirty="0">
+                <a:latin typeface="Arial" panose="020B0604020202020204" pitchFamily="34" charset="0"/>
+                <a:cs typeface="Arial" panose="020B0604020202020204" pitchFamily="34" charset="0"/>
+              </a:rPr>
               <a:t>References</a:t>
             </a:r>
           </a:p>
@@ -5123,28 +5292,28 @@
                     <a:gridCol w="827251">
                       <a:extLst>
                         <a:ext uri="{9D8B030D-6E8A-4147-A177-3AD203B41FA5}">
-                          <a16:colId xmlns:a16="http://schemas.microsoft.com/office/drawing/2014/main" xmlns="" val="20000"/>
+                          <a16:colId xmlns="" xmlns:a16="http://schemas.microsoft.com/office/drawing/2014/main" val="20000"/>
                         </a:ext>
                       </a:extLst>
                     </a:gridCol>
                     <a:gridCol w="678823">
                       <a:extLst>
                         <a:ext uri="{9D8B030D-6E8A-4147-A177-3AD203B41FA5}">
-                          <a16:colId xmlns:a16="http://schemas.microsoft.com/office/drawing/2014/main" xmlns="" val="20001"/>
+                          <a16:colId xmlns="" xmlns:a16="http://schemas.microsoft.com/office/drawing/2014/main" val="20001"/>
                         </a:ext>
                       </a:extLst>
                     </a:gridCol>
                     <a:gridCol w="566635">
                       <a:extLst>
                         <a:ext uri="{9D8B030D-6E8A-4147-A177-3AD203B41FA5}">
-                          <a16:colId xmlns:a16="http://schemas.microsoft.com/office/drawing/2014/main" xmlns="" val="20002"/>
+                          <a16:colId xmlns="" xmlns:a16="http://schemas.microsoft.com/office/drawing/2014/main" val="20002"/>
                         </a:ext>
                       </a:extLst>
                     </a:gridCol>
                     <a:gridCol w="1381150">
                       <a:extLst>
                         <a:ext uri="{9D8B030D-6E8A-4147-A177-3AD203B41FA5}">
-                          <a16:colId xmlns:a16="http://schemas.microsoft.com/office/drawing/2014/main" xmlns="" val="20003"/>
+                          <a16:colId xmlns="" xmlns:a16="http://schemas.microsoft.com/office/drawing/2014/main" val="20003"/>
                         </a:ext>
                       </a:extLst>
                     </a:gridCol>
@@ -5248,7 +5417,7 @@
                     </a:tc>
                     <a:extLst>
                       <a:ext uri="{0D108BD9-81ED-4DB2-BD59-A6C34878D82A}">
-                        <a16:rowId xmlns:a16="http://schemas.microsoft.com/office/drawing/2014/main" xmlns="" val="10000"/>
+                        <a16:rowId xmlns="" xmlns:a16="http://schemas.microsoft.com/office/drawing/2014/main" val="10000"/>
                       </a:ext>
                     </a:extLst>
                   </a:tr>
@@ -5323,7 +5492,7 @@
                     </a:tc>
                     <a:extLst>
                       <a:ext uri="{0D108BD9-81ED-4DB2-BD59-A6C34878D82A}">
-                        <a16:rowId xmlns:a16="http://schemas.microsoft.com/office/drawing/2014/main" xmlns="" val="10001"/>
+                        <a16:rowId xmlns="" xmlns:a16="http://schemas.microsoft.com/office/drawing/2014/main" val="10001"/>
                       </a:ext>
                     </a:extLst>
                   </a:tr>
@@ -5398,7 +5567,7 @@
                     </a:tc>
                     <a:extLst>
                       <a:ext uri="{0D108BD9-81ED-4DB2-BD59-A6C34878D82A}">
-                        <a16:rowId xmlns:a16="http://schemas.microsoft.com/office/drawing/2014/main" xmlns="" val="10002"/>
+                        <a16:rowId xmlns="" xmlns:a16="http://schemas.microsoft.com/office/drawing/2014/main" val="10002"/>
                       </a:ext>
                     </a:extLst>
                   </a:tr>
@@ -5473,7 +5642,7 @@
                     </a:tc>
                     <a:extLst>
                       <a:ext uri="{0D108BD9-81ED-4DB2-BD59-A6C34878D82A}">
-                        <a16:rowId xmlns:a16="http://schemas.microsoft.com/office/drawing/2014/main" xmlns="" val="10003"/>
+                        <a16:rowId xmlns="" xmlns:a16="http://schemas.microsoft.com/office/drawing/2014/main" val="10003"/>
                       </a:ext>
                     </a:extLst>
                   </a:tr>

--- a/229poster.pptx
+++ b/229poster.pptx
@@ -2,7 +2,7 @@
 <file path=ppt/presentation.xml><?xml version="1.0" encoding="utf-8"?>
 <p:presentation xmlns:a="http://schemas.openxmlformats.org/drawingml/2006/main" xmlns:r="http://schemas.openxmlformats.org/officeDocument/2006/relationships" xmlns:p="http://schemas.openxmlformats.org/presentationml/2006/main" saveSubsetFonts="1">
   <p:sldMasterIdLst>
-    <p:sldMasterId id="2147483648" r:id="rId1"/>
+    <p:sldMasterId id="2147483872" r:id="rId1"/>
   </p:sldMasterIdLst>
   <p:handoutMasterIdLst>
     <p:handoutMasterId r:id="rId3"/>
@@ -222,7 +222,7 @@
           <a:p>
             <a:fld id="{FF66CDD7-09B6-4BB3-9069-2B95837CCCB2}" type="datetimeFigureOut">
               <a:rPr lang="en-US" smtClean="0"/>
-              <a:t>12/11/2017</a:t>
+              <a:t>12/11/17</a:t>
             </a:fld>
             <a:endParaRPr lang="en-US"/>
           </a:p>
@@ -306,8 +306,744 @@
 </file>
 
 <file path=ppt/slideLayouts/slideLayout1.xml><?xml version="1.0" encoding="utf-8"?>
-<p:sldLayout xmlns:a="http://schemas.openxmlformats.org/drawingml/2006/main" xmlns:r="http://schemas.openxmlformats.org/officeDocument/2006/relationships" xmlns:p="http://schemas.openxmlformats.org/presentationml/2006/main" preserve="1" userDrawn="1">
+<p:sldLayout xmlns:a="http://schemas.openxmlformats.org/drawingml/2006/main" xmlns:r="http://schemas.openxmlformats.org/officeDocument/2006/relationships" xmlns:p="http://schemas.openxmlformats.org/presentationml/2006/main" showMasterSp="0" type="title" preserve="1">
   <p:cSld name="Title Slide">
+    <p:spTree>
+      <p:nvGrpSpPr>
+        <p:cNvPr id="1" name=""/>
+        <p:cNvGrpSpPr/>
+        <p:nvPr/>
+      </p:nvGrpSpPr>
+      <p:grpSpPr>
+        <a:xfrm>
+          <a:off x="0" y="0"/>
+          <a:ext cx="0" cy="0"/>
+          <a:chOff x="0" y="0"/>
+          <a:chExt cx="0" cy="0"/>
+        </a:xfrm>
+      </p:grpSpPr>
+      <p:sp>
+        <p:nvSpPr>
+          <p:cNvPr id="7" name="Rectangle 6"/>
+          <p:cNvSpPr/>
+          <p:nvPr/>
+        </p:nvSpPr>
+        <p:spPr>
+          <a:xfrm>
+            <a:off x="8577" y="20482560"/>
+            <a:ext cx="32909828" cy="1463040"/>
+          </a:xfrm>
+          <a:prstGeom prst="rect">
+            <a:avLst/>
+          </a:prstGeom>
+          <a:solidFill>
+            <a:schemeClr val="accent2"/>
+          </a:solidFill>
+          <a:ln>
+            <a:noFill/>
+          </a:ln>
+        </p:spPr>
+        <p:style>
+          <a:lnRef idx="2">
+            <a:schemeClr val="accent1">
+              <a:shade val="50000"/>
+            </a:schemeClr>
+          </a:lnRef>
+          <a:fillRef idx="1">
+            <a:schemeClr val="accent1"/>
+          </a:fillRef>
+          <a:effectRef idx="0">
+            <a:schemeClr val="accent1"/>
+          </a:effectRef>
+          <a:fontRef idx="minor">
+            <a:schemeClr val="lt1"/>
+          </a:fontRef>
+        </p:style>
+      </p:sp>
+      <p:sp>
+        <p:nvSpPr>
+          <p:cNvPr id="8" name="Rectangle 7"/>
+          <p:cNvSpPr/>
+          <p:nvPr/>
+        </p:nvSpPr>
+        <p:spPr>
+          <a:xfrm>
+            <a:off x="45" y="20269811"/>
+            <a:ext cx="32909828" cy="204826"/>
+          </a:xfrm>
+          <a:prstGeom prst="rect">
+            <a:avLst/>
+          </a:prstGeom>
+          <a:solidFill>
+            <a:schemeClr val="accent1"/>
+          </a:solidFill>
+          <a:ln>
+            <a:noFill/>
+          </a:ln>
+        </p:spPr>
+        <p:style>
+          <a:lnRef idx="2">
+            <a:schemeClr val="accent1">
+              <a:shade val="50000"/>
+            </a:schemeClr>
+          </a:lnRef>
+          <a:fillRef idx="1">
+            <a:schemeClr val="accent1"/>
+          </a:fillRef>
+          <a:effectRef idx="0">
+            <a:schemeClr val="accent1"/>
+          </a:effectRef>
+          <a:fontRef idx="minor">
+            <a:schemeClr val="lt1"/>
+          </a:fontRef>
+        </p:style>
+      </p:sp>
+      <p:sp>
+        <p:nvSpPr>
+          <p:cNvPr id="2" name="Title 1"/>
+          <p:cNvSpPr>
+            <a:spLocks noGrp="1"/>
+          </p:cNvSpPr>
+          <p:nvPr>
+            <p:ph type="ctrTitle"/>
+          </p:nvPr>
+        </p:nvSpPr>
+        <p:spPr>
+          <a:xfrm>
+            <a:off x="2962656" y="2428646"/>
+            <a:ext cx="27157680" cy="11411712"/>
+          </a:xfrm>
+        </p:spPr>
+        <p:txBody>
+          <a:bodyPr anchor="b">
+            <a:normAutofit/>
+          </a:bodyPr>
+          <a:lstStyle>
+            <a:lvl1pPr algn="l">
+              <a:lnSpc>
+                <a:spcPct val="85000"/>
+              </a:lnSpc>
+              <a:defRPr sz="25600" spc="-160" baseline="0">
+                <a:solidFill>
+                  <a:schemeClr val="tx1">
+                    <a:lumMod val="85000"/>
+                    <a:lumOff val="15000"/>
+                  </a:schemeClr>
+                </a:solidFill>
+              </a:defRPr>
+            </a:lvl1pPr>
+          </a:lstStyle>
+          <a:p>
+            <a:r>
+              <a:rPr lang="en-US" smtClean="0"/>
+              <a:t>Click to edit Master title style</a:t>
+            </a:r>
+            <a:endParaRPr lang="en-US" dirty="0"/>
+          </a:p>
+        </p:txBody>
+      </p:sp>
+      <p:sp>
+        <p:nvSpPr>
+          <p:cNvPr id="3" name="Subtitle 2"/>
+          <p:cNvSpPr>
+            <a:spLocks noGrp="1"/>
+          </p:cNvSpPr>
+          <p:nvPr>
+            <p:ph type="subTitle" idx="1"/>
+          </p:nvPr>
+        </p:nvSpPr>
+        <p:spPr>
+          <a:xfrm>
+            <a:off x="2970137" y="14257987"/>
+            <a:ext cx="27157680" cy="3657600"/>
+          </a:xfrm>
+        </p:spPr>
+        <p:txBody>
+          <a:bodyPr lIns="91440" rIns="91440">
+            <a:normAutofit/>
+          </a:bodyPr>
+          <a:lstStyle>
+            <a:lvl1pPr marL="0" indent="0" algn="l">
+              <a:buNone/>
+              <a:defRPr sz="7680" cap="all" spc="640" baseline="0">
+                <a:solidFill>
+                  <a:schemeClr val="tx2"/>
+                </a:solidFill>
+                <a:latin typeface="+mj-lt"/>
+              </a:defRPr>
+            </a:lvl1pPr>
+            <a:lvl2pPr marL="1463040" indent="0" algn="ctr">
+              <a:buNone/>
+              <a:defRPr sz="7680"/>
+            </a:lvl2pPr>
+            <a:lvl3pPr marL="2926080" indent="0" algn="ctr">
+              <a:buNone/>
+              <a:defRPr sz="7680"/>
+            </a:lvl3pPr>
+            <a:lvl4pPr marL="4389120" indent="0" algn="ctr">
+              <a:buNone/>
+              <a:defRPr sz="6400"/>
+            </a:lvl4pPr>
+            <a:lvl5pPr marL="5852160" indent="0" algn="ctr">
+              <a:buNone/>
+              <a:defRPr sz="6400"/>
+            </a:lvl5pPr>
+            <a:lvl6pPr marL="7315200" indent="0" algn="ctr">
+              <a:buNone/>
+              <a:defRPr sz="6400"/>
+            </a:lvl6pPr>
+            <a:lvl7pPr marL="8778240" indent="0" algn="ctr">
+              <a:buNone/>
+              <a:defRPr sz="6400"/>
+            </a:lvl7pPr>
+            <a:lvl8pPr marL="10241280" indent="0" algn="ctr">
+              <a:buNone/>
+              <a:defRPr sz="6400"/>
+            </a:lvl8pPr>
+            <a:lvl9pPr marL="11704320" indent="0" algn="ctr">
+              <a:buNone/>
+              <a:defRPr sz="6400"/>
+            </a:lvl9pPr>
+          </a:lstStyle>
+          <a:p>
+            <a:r>
+              <a:rPr lang="en-US" smtClean="0"/>
+              <a:t>Click to edit Master subtitle style</a:t>
+            </a:r>
+            <a:endParaRPr lang="en-US" dirty="0"/>
+          </a:p>
+        </p:txBody>
+      </p:sp>
+      <p:sp>
+        <p:nvSpPr>
+          <p:cNvPr id="4" name="Date Placeholder 3"/>
+          <p:cNvSpPr>
+            <a:spLocks noGrp="1"/>
+          </p:cNvSpPr>
+          <p:nvPr>
+            <p:ph type="dt" sz="half" idx="10"/>
+          </p:nvPr>
+        </p:nvSpPr>
+        <p:spPr/>
+        <p:txBody>
+          <a:bodyPr/>
+          <a:lstStyle/>
+          <a:p>
+            <a:fld id="{985D6BDF-9D0E-4E2B-85B8-D8F4790360C9}" type="datetimeFigureOut">
+              <a:rPr lang="en-US" smtClean="0"/>
+              <a:t>12/11/17</a:t>
+            </a:fld>
+            <a:endParaRPr lang="en-US" dirty="0"/>
+          </a:p>
+        </p:txBody>
+      </p:sp>
+      <p:sp>
+        <p:nvSpPr>
+          <p:cNvPr id="5" name="Footer Placeholder 4"/>
+          <p:cNvSpPr>
+            <a:spLocks noGrp="1"/>
+          </p:cNvSpPr>
+          <p:nvPr>
+            <p:ph type="ftr" sz="quarter" idx="11"/>
+          </p:nvPr>
+        </p:nvSpPr>
+        <p:spPr/>
+        <p:txBody>
+          <a:bodyPr/>
+          <a:lstStyle/>
+          <a:p>
+            <a:endParaRPr lang="en-US" dirty="0"/>
+          </a:p>
+        </p:txBody>
+      </p:sp>
+      <p:sp>
+        <p:nvSpPr>
+          <p:cNvPr id="6" name="Slide Number Placeholder 5"/>
+          <p:cNvSpPr>
+            <a:spLocks noGrp="1"/>
+          </p:cNvSpPr>
+          <p:nvPr>
+            <p:ph type="sldNum" sz="quarter" idx="12"/>
+          </p:nvPr>
+        </p:nvSpPr>
+        <p:spPr/>
+        <p:txBody>
+          <a:bodyPr/>
+          <a:lstStyle/>
+          <a:p>
+            <a:fld id="{FBB075EA-769C-4ECD-B48E-D6FCDC24F876}" type="slidenum">
+              <a:rPr lang="en-US" smtClean="0"/>
+              <a:t>‹#›</a:t>
+            </a:fld>
+            <a:endParaRPr lang="en-US" dirty="0"/>
+          </a:p>
+        </p:txBody>
+      </p:sp>
+      <p:cxnSp>
+        <p:nvCxnSpPr>
+          <p:cNvPr id="9" name="Straight Connector 8"/>
+          <p:cNvCxnSpPr/>
+          <p:nvPr/>
+        </p:nvCxnSpPr>
+        <p:spPr>
+          <a:xfrm>
+            <a:off x="3260678" y="13898880"/>
+            <a:ext cx="26663904" cy="0"/>
+          </a:xfrm>
+          <a:prstGeom prst="line">
+            <a:avLst/>
+          </a:prstGeom>
+          <a:ln w="6350">
+            <a:solidFill>
+              <a:schemeClr val="tx1">
+                <a:lumMod val="50000"/>
+                <a:lumOff val="50000"/>
+              </a:schemeClr>
+            </a:solidFill>
+          </a:ln>
+        </p:spPr>
+        <p:style>
+          <a:lnRef idx="1">
+            <a:schemeClr val="accent1"/>
+          </a:lnRef>
+          <a:fillRef idx="0">
+            <a:schemeClr val="accent1"/>
+          </a:fillRef>
+          <a:effectRef idx="0">
+            <a:schemeClr val="accent1"/>
+          </a:effectRef>
+          <a:fontRef idx="minor">
+            <a:schemeClr val="tx1"/>
+          </a:fontRef>
+        </p:style>
+      </p:cxnSp>
+    </p:spTree>
+  </p:cSld>
+  <p:clrMapOvr>
+    <a:masterClrMapping/>
+  </p:clrMapOvr>
+</p:sldLayout>
+</file>
+
+<file path=ppt/slideLayouts/slideLayout10.xml><?xml version="1.0" encoding="utf-8"?>
+<p:sldLayout xmlns:a="http://schemas.openxmlformats.org/drawingml/2006/main" xmlns:r="http://schemas.openxmlformats.org/officeDocument/2006/relationships" xmlns:p="http://schemas.openxmlformats.org/presentationml/2006/main" type="vertTx" preserve="1">
+  <p:cSld name="Title and Vertical Text">
+    <p:spTree>
+      <p:nvGrpSpPr>
+        <p:cNvPr id="1" name=""/>
+        <p:cNvGrpSpPr/>
+        <p:nvPr/>
+      </p:nvGrpSpPr>
+      <p:grpSpPr>
+        <a:xfrm>
+          <a:off x="0" y="0"/>
+          <a:ext cx="0" cy="0"/>
+          <a:chOff x="0" y="0"/>
+          <a:chExt cx="0" cy="0"/>
+        </a:xfrm>
+      </p:grpSpPr>
+      <p:sp>
+        <p:nvSpPr>
+          <p:cNvPr id="2" name="Title 1"/>
+          <p:cNvSpPr>
+            <a:spLocks noGrp="1"/>
+          </p:cNvSpPr>
+          <p:nvPr>
+            <p:ph type="title"/>
+          </p:nvPr>
+        </p:nvSpPr>
+        <p:spPr/>
+        <p:txBody>
+          <a:bodyPr/>
+          <a:lstStyle/>
+          <a:p>
+            <a:r>
+              <a:rPr lang="en-US" smtClean="0"/>
+              <a:t>Click to edit Master title style</a:t>
+            </a:r>
+            <a:endParaRPr lang="en-US" dirty="0"/>
+          </a:p>
+        </p:txBody>
+      </p:sp>
+      <p:sp>
+        <p:nvSpPr>
+          <p:cNvPr id="3" name="Vertical Text Placeholder 2"/>
+          <p:cNvSpPr>
+            <a:spLocks noGrp="1"/>
+          </p:cNvSpPr>
+          <p:nvPr>
+            <p:ph type="body" orient="vert" idx="1"/>
+          </p:nvPr>
+        </p:nvSpPr>
+        <p:spPr/>
+        <p:txBody>
+          <a:bodyPr vert="eaVert" lIns="45720" tIns="0" rIns="45720" bIns="0"/>
+          <a:lstStyle/>
+          <a:p>
+            <a:pPr lvl="0"/>
+            <a:r>
+              <a:rPr lang="en-US" smtClean="0"/>
+              <a:t>Click to edit Master text styles</a:t>
+            </a:r>
+          </a:p>
+          <a:p>
+            <a:pPr lvl="1"/>
+            <a:r>
+              <a:rPr lang="en-US" smtClean="0"/>
+              <a:t>Second level</a:t>
+            </a:r>
+          </a:p>
+          <a:p>
+            <a:pPr lvl="2"/>
+            <a:r>
+              <a:rPr lang="en-US" smtClean="0"/>
+              <a:t>Third level</a:t>
+            </a:r>
+          </a:p>
+          <a:p>
+            <a:pPr lvl="3"/>
+            <a:r>
+              <a:rPr lang="en-US" smtClean="0"/>
+              <a:t>Fourth level</a:t>
+            </a:r>
+          </a:p>
+          <a:p>
+            <a:pPr lvl="4"/>
+            <a:r>
+              <a:rPr lang="en-US" smtClean="0"/>
+              <a:t>Fifth level</a:t>
+            </a:r>
+            <a:endParaRPr lang="en-US" dirty="0"/>
+          </a:p>
+        </p:txBody>
+      </p:sp>
+      <p:sp>
+        <p:nvSpPr>
+          <p:cNvPr id="4" name="Date Placeholder 3"/>
+          <p:cNvSpPr>
+            <a:spLocks noGrp="1"/>
+          </p:cNvSpPr>
+          <p:nvPr>
+            <p:ph type="dt" sz="half" idx="10"/>
+          </p:nvPr>
+        </p:nvSpPr>
+        <p:spPr/>
+        <p:txBody>
+          <a:bodyPr/>
+          <a:lstStyle/>
+          <a:p>
+            <a:fld id="{985D6BDF-9D0E-4E2B-85B8-D8F4790360C9}" type="datetimeFigureOut">
+              <a:rPr lang="en-US" smtClean="0"/>
+              <a:t>12/11/17</a:t>
+            </a:fld>
+            <a:endParaRPr lang="en-US" dirty="0"/>
+          </a:p>
+        </p:txBody>
+      </p:sp>
+      <p:sp>
+        <p:nvSpPr>
+          <p:cNvPr id="5" name="Footer Placeholder 4"/>
+          <p:cNvSpPr>
+            <a:spLocks noGrp="1"/>
+          </p:cNvSpPr>
+          <p:nvPr>
+            <p:ph type="ftr" sz="quarter" idx="11"/>
+          </p:nvPr>
+        </p:nvSpPr>
+        <p:spPr/>
+        <p:txBody>
+          <a:bodyPr/>
+          <a:lstStyle/>
+          <a:p>
+            <a:endParaRPr lang="en-US" dirty="0"/>
+          </a:p>
+        </p:txBody>
+      </p:sp>
+      <p:sp>
+        <p:nvSpPr>
+          <p:cNvPr id="6" name="Slide Number Placeholder 5"/>
+          <p:cNvSpPr>
+            <a:spLocks noGrp="1"/>
+          </p:cNvSpPr>
+          <p:nvPr>
+            <p:ph type="sldNum" sz="quarter" idx="12"/>
+          </p:nvPr>
+        </p:nvSpPr>
+        <p:spPr/>
+        <p:txBody>
+          <a:bodyPr/>
+          <a:lstStyle/>
+          <a:p>
+            <a:fld id="{FBB075EA-769C-4ECD-B48E-D6FCDC24F876}" type="slidenum">
+              <a:rPr lang="en-US" smtClean="0"/>
+              <a:t>‹#›</a:t>
+            </a:fld>
+            <a:endParaRPr lang="en-US" dirty="0"/>
+          </a:p>
+        </p:txBody>
+      </p:sp>
+    </p:spTree>
+  </p:cSld>
+  <p:clrMapOvr>
+    <a:masterClrMapping/>
+  </p:clrMapOvr>
+</p:sldLayout>
+</file>
+
+<file path=ppt/slideLayouts/slideLayout11.xml><?xml version="1.0" encoding="utf-8"?>
+<p:sldLayout xmlns:a="http://schemas.openxmlformats.org/drawingml/2006/main" xmlns:r="http://schemas.openxmlformats.org/officeDocument/2006/relationships" xmlns:p="http://schemas.openxmlformats.org/presentationml/2006/main" showMasterSp="0" type="vertTitleAndTx" preserve="1">
+  <p:cSld name="Vertical Title and Text">
+    <p:spTree>
+      <p:nvGrpSpPr>
+        <p:cNvPr id="1" name=""/>
+        <p:cNvGrpSpPr/>
+        <p:nvPr/>
+      </p:nvGrpSpPr>
+      <p:grpSpPr>
+        <a:xfrm>
+          <a:off x="0" y="0"/>
+          <a:ext cx="0" cy="0"/>
+          <a:chOff x="0" y="0"/>
+          <a:chExt cx="0" cy="0"/>
+        </a:xfrm>
+      </p:grpSpPr>
+      <p:sp>
+        <p:nvSpPr>
+          <p:cNvPr id="7" name="Rectangle 6"/>
+          <p:cNvSpPr/>
+          <p:nvPr/>
+        </p:nvSpPr>
+        <p:spPr>
+          <a:xfrm>
+            <a:off x="8577" y="20482560"/>
+            <a:ext cx="32909828" cy="1463040"/>
+          </a:xfrm>
+          <a:prstGeom prst="rect">
+            <a:avLst/>
+          </a:prstGeom>
+          <a:solidFill>
+            <a:schemeClr val="accent2"/>
+          </a:solidFill>
+          <a:ln>
+            <a:noFill/>
+          </a:ln>
+        </p:spPr>
+        <p:style>
+          <a:lnRef idx="2">
+            <a:schemeClr val="accent1">
+              <a:shade val="50000"/>
+            </a:schemeClr>
+          </a:lnRef>
+          <a:fillRef idx="1">
+            <a:schemeClr val="accent1"/>
+          </a:fillRef>
+          <a:effectRef idx="0">
+            <a:schemeClr val="accent1"/>
+          </a:effectRef>
+          <a:fontRef idx="minor">
+            <a:schemeClr val="lt1"/>
+          </a:fontRef>
+        </p:style>
+      </p:sp>
+      <p:sp>
+        <p:nvSpPr>
+          <p:cNvPr id="8" name="Rectangle 7"/>
+          <p:cNvSpPr/>
+          <p:nvPr/>
+        </p:nvSpPr>
+        <p:spPr>
+          <a:xfrm>
+            <a:off x="45" y="20269811"/>
+            <a:ext cx="32909828" cy="204826"/>
+          </a:xfrm>
+          <a:prstGeom prst="rect">
+            <a:avLst/>
+          </a:prstGeom>
+          <a:solidFill>
+            <a:schemeClr val="accent1"/>
+          </a:solidFill>
+          <a:ln>
+            <a:noFill/>
+          </a:ln>
+        </p:spPr>
+        <p:style>
+          <a:lnRef idx="2">
+            <a:schemeClr val="accent1">
+              <a:shade val="50000"/>
+            </a:schemeClr>
+          </a:lnRef>
+          <a:fillRef idx="1">
+            <a:schemeClr val="accent1"/>
+          </a:fillRef>
+          <a:effectRef idx="0">
+            <a:schemeClr val="accent1"/>
+          </a:effectRef>
+          <a:fontRef idx="minor">
+            <a:schemeClr val="lt1"/>
+          </a:fontRef>
+        </p:style>
+      </p:sp>
+      <p:sp>
+        <p:nvSpPr>
+          <p:cNvPr id="2" name="Vertical Title 1"/>
+          <p:cNvSpPr>
+            <a:spLocks noGrp="1"/>
+          </p:cNvSpPr>
+          <p:nvPr>
+            <p:ph type="title" orient="vert"/>
+          </p:nvPr>
+        </p:nvSpPr>
+        <p:spPr>
+          <a:xfrm>
+            <a:off x="23557232" y="1319366"/>
+            <a:ext cx="7098030" cy="18431674"/>
+          </a:xfrm>
+        </p:spPr>
+        <p:txBody>
+          <a:bodyPr vert="eaVert"/>
+          <a:lstStyle/>
+          <a:p>
+            <a:r>
+              <a:rPr lang="en-US" smtClean="0"/>
+              <a:t>Click to edit Master title style</a:t>
+            </a:r>
+            <a:endParaRPr lang="en-US" dirty="0"/>
+          </a:p>
+        </p:txBody>
+      </p:sp>
+      <p:sp>
+        <p:nvSpPr>
+          <p:cNvPr id="3" name="Vertical Text Placeholder 2"/>
+          <p:cNvSpPr>
+            <a:spLocks noGrp="1"/>
+          </p:cNvSpPr>
+          <p:nvPr>
+            <p:ph type="body" orient="vert" idx="1"/>
+          </p:nvPr>
+        </p:nvSpPr>
+        <p:spPr>
+          <a:xfrm>
+            <a:off x="2263142" y="1319366"/>
+            <a:ext cx="20882610" cy="18431674"/>
+          </a:xfrm>
+        </p:spPr>
+        <p:txBody>
+          <a:bodyPr vert="eaVert" lIns="45720" tIns="0" rIns="45720" bIns="0"/>
+          <a:lstStyle/>
+          <a:p>
+            <a:pPr lvl="0"/>
+            <a:r>
+              <a:rPr lang="en-US" smtClean="0"/>
+              <a:t>Click to edit Master text styles</a:t>
+            </a:r>
+          </a:p>
+          <a:p>
+            <a:pPr lvl="1"/>
+            <a:r>
+              <a:rPr lang="en-US" smtClean="0"/>
+              <a:t>Second level</a:t>
+            </a:r>
+          </a:p>
+          <a:p>
+            <a:pPr lvl="2"/>
+            <a:r>
+              <a:rPr lang="en-US" smtClean="0"/>
+              <a:t>Third level</a:t>
+            </a:r>
+          </a:p>
+          <a:p>
+            <a:pPr lvl="3"/>
+            <a:r>
+              <a:rPr lang="en-US" smtClean="0"/>
+              <a:t>Fourth level</a:t>
+            </a:r>
+          </a:p>
+          <a:p>
+            <a:pPr lvl="4"/>
+            <a:r>
+              <a:rPr lang="en-US" smtClean="0"/>
+              <a:t>Fifth level</a:t>
+            </a:r>
+            <a:endParaRPr lang="en-US" dirty="0"/>
+          </a:p>
+        </p:txBody>
+      </p:sp>
+      <p:sp>
+        <p:nvSpPr>
+          <p:cNvPr id="4" name="Date Placeholder 3"/>
+          <p:cNvSpPr>
+            <a:spLocks noGrp="1"/>
+          </p:cNvSpPr>
+          <p:nvPr>
+            <p:ph type="dt" sz="half" idx="10"/>
+          </p:nvPr>
+        </p:nvSpPr>
+        <p:spPr/>
+        <p:txBody>
+          <a:bodyPr/>
+          <a:lstStyle/>
+          <a:p>
+            <a:fld id="{985D6BDF-9D0E-4E2B-85B8-D8F4790360C9}" type="datetimeFigureOut">
+              <a:rPr lang="en-US" smtClean="0"/>
+              <a:t>12/11/17</a:t>
+            </a:fld>
+            <a:endParaRPr lang="en-US" dirty="0"/>
+          </a:p>
+        </p:txBody>
+      </p:sp>
+      <p:sp>
+        <p:nvSpPr>
+          <p:cNvPr id="5" name="Footer Placeholder 4"/>
+          <p:cNvSpPr>
+            <a:spLocks noGrp="1"/>
+          </p:cNvSpPr>
+          <p:nvPr>
+            <p:ph type="ftr" sz="quarter" idx="11"/>
+          </p:nvPr>
+        </p:nvSpPr>
+        <p:spPr/>
+        <p:txBody>
+          <a:bodyPr/>
+          <a:lstStyle/>
+          <a:p>
+            <a:endParaRPr lang="en-US" dirty="0"/>
+          </a:p>
+        </p:txBody>
+      </p:sp>
+      <p:sp>
+        <p:nvSpPr>
+          <p:cNvPr id="6" name="Slide Number Placeholder 5"/>
+          <p:cNvSpPr>
+            <a:spLocks noGrp="1"/>
+          </p:cNvSpPr>
+          <p:nvPr>
+            <p:ph type="sldNum" sz="quarter" idx="12"/>
+          </p:nvPr>
+        </p:nvSpPr>
+        <p:spPr/>
+        <p:txBody>
+          <a:bodyPr/>
+          <a:lstStyle/>
+          <a:p>
+            <a:fld id="{FBB075EA-769C-4ECD-B48E-D6FCDC24F876}" type="slidenum">
+              <a:rPr lang="en-US" smtClean="0"/>
+              <a:t>‹#›</a:t>
+            </a:fld>
+            <a:endParaRPr lang="en-US" dirty="0"/>
+          </a:p>
+        </p:txBody>
+      </p:sp>
+    </p:spTree>
+  </p:cSld>
+  <p:clrMapOvr>
+    <a:masterClrMapping/>
+  </p:clrMapOvr>
+</p:sldLayout>
+</file>
+
+<file path=ppt/slideLayouts/slideLayout12.xml><?xml version="1.0" encoding="utf-8"?>
+<p:sldLayout xmlns:a="http://schemas.openxmlformats.org/drawingml/2006/main" xmlns:r="http://schemas.openxmlformats.org/officeDocument/2006/relationships" xmlns:p="http://schemas.openxmlformats.org/presentationml/2006/main" userDrawn="1">
+  <p:cSld name="1_Title Slide">
     <p:spTree>
       <p:nvGrpSpPr>
         <p:cNvPr id="1" name=""/>
@@ -1781,7 +2517,7 @@
     </p:spTree>
     <p:extLst>
       <p:ext uri="{BB962C8B-B14F-4D97-AF65-F5344CB8AC3E}">
-        <p14:creationId xmlns:p14="http://schemas.microsoft.com/office/powerpoint/2010/main" val="3812944807"/>
+        <p14:creationId xmlns:p14="http://schemas.microsoft.com/office/powerpoint/2010/main" val="1815419500"/>
       </p:ext>
     </p:extLst>
   </p:cSld>
@@ -1824,9 +2560,10 @@
           <a:lstStyle/>
           <a:p>
             <a:r>
-              <a:rPr lang="en-US"/>
+              <a:rPr lang="en-US" smtClean="0"/>
               <a:t>Click to edit Master title style</a:t>
             </a:r>
+            <a:endParaRPr lang="en-US" dirty="0"/>
           </a:p>
         </p:txBody>
       </p:sp>
@@ -1847,37 +2584,38 @@
           <a:p>
             <a:pPr lvl="0"/>
             <a:r>
-              <a:rPr lang="en-US"/>
+              <a:rPr lang="en-US" smtClean="0"/>
               <a:t>Click to edit Master text styles</a:t>
             </a:r>
           </a:p>
           <a:p>
             <a:pPr lvl="1"/>
             <a:r>
-              <a:rPr lang="en-US"/>
+              <a:rPr lang="en-US" smtClean="0"/>
               <a:t>Second level</a:t>
             </a:r>
           </a:p>
           <a:p>
             <a:pPr lvl="2"/>
             <a:r>
-              <a:rPr lang="en-US"/>
+              <a:rPr lang="en-US" smtClean="0"/>
               <a:t>Third level</a:t>
             </a:r>
           </a:p>
           <a:p>
             <a:pPr lvl="3"/>
             <a:r>
-              <a:rPr lang="en-US"/>
+              <a:rPr lang="en-US" smtClean="0"/>
               <a:t>Fourth level</a:t>
             </a:r>
           </a:p>
           <a:p>
             <a:pPr lvl="4"/>
             <a:r>
-              <a:rPr lang="en-US"/>
+              <a:rPr lang="en-US" smtClean="0"/>
               <a:t>Fifth level</a:t>
             </a:r>
+            <a:endParaRPr lang="en-US" dirty="0"/>
           </a:p>
         </p:txBody>
       </p:sp>
@@ -1898,7 +2636,7 @@
           <a:p>
             <a:fld id="{985D6BDF-9D0E-4E2B-85B8-D8F4790360C9}" type="datetimeFigureOut">
               <a:rPr lang="en-US" smtClean="0"/>
-              <a:t>12/11/2017</a:t>
+              <a:t>12/11/17</a:t>
             </a:fld>
             <a:endParaRPr lang="en-US" dirty="0"/>
           </a:p>
@@ -1947,11 +2685,1988 @@
         </p:txBody>
       </p:sp>
     </p:spTree>
-    <p:extLst>
-      <p:ext uri="{BB962C8B-B14F-4D97-AF65-F5344CB8AC3E}">
-        <p14:creationId xmlns:p14="http://schemas.microsoft.com/office/powerpoint/2010/main" val="2931665100"/>
-      </p:ext>
-    </p:extLst>
+  </p:cSld>
+  <p:clrMapOvr>
+    <a:masterClrMapping/>
+  </p:clrMapOvr>
+</p:sldLayout>
+</file>
+
+<file path=ppt/slideLayouts/slideLayout3.xml><?xml version="1.0" encoding="utf-8"?>
+<p:sldLayout xmlns:a="http://schemas.openxmlformats.org/drawingml/2006/main" xmlns:r="http://schemas.openxmlformats.org/officeDocument/2006/relationships" xmlns:p="http://schemas.openxmlformats.org/presentationml/2006/main" showMasterSp="0" type="secHead" preserve="1">
+  <p:cSld name="Section Header">
+    <p:bg>
+      <p:bgPr>
+        <a:solidFill>
+          <a:schemeClr val="bg1"/>
+        </a:solidFill>
+        <a:effectLst/>
+      </p:bgPr>
+    </p:bg>
+    <p:spTree>
+      <p:nvGrpSpPr>
+        <p:cNvPr id="1" name=""/>
+        <p:cNvGrpSpPr/>
+        <p:nvPr/>
+      </p:nvGrpSpPr>
+      <p:grpSpPr>
+        <a:xfrm>
+          <a:off x="0" y="0"/>
+          <a:ext cx="0" cy="0"/>
+          <a:chOff x="0" y="0"/>
+          <a:chExt cx="0" cy="0"/>
+        </a:xfrm>
+      </p:grpSpPr>
+      <p:sp>
+        <p:nvSpPr>
+          <p:cNvPr id="7" name="Rectangle 6"/>
+          <p:cNvSpPr/>
+          <p:nvPr/>
+        </p:nvSpPr>
+        <p:spPr>
+          <a:xfrm>
+            <a:off x="8577" y="20482560"/>
+            <a:ext cx="32909828" cy="1463040"/>
+          </a:xfrm>
+          <a:prstGeom prst="rect">
+            <a:avLst/>
+          </a:prstGeom>
+          <a:solidFill>
+            <a:schemeClr val="accent2"/>
+          </a:solidFill>
+          <a:ln>
+            <a:noFill/>
+          </a:ln>
+        </p:spPr>
+        <p:style>
+          <a:lnRef idx="2">
+            <a:schemeClr val="accent1">
+              <a:shade val="50000"/>
+            </a:schemeClr>
+          </a:lnRef>
+          <a:fillRef idx="1">
+            <a:schemeClr val="accent1"/>
+          </a:fillRef>
+          <a:effectRef idx="0">
+            <a:schemeClr val="accent1"/>
+          </a:effectRef>
+          <a:fontRef idx="minor">
+            <a:schemeClr val="lt1"/>
+          </a:fontRef>
+        </p:style>
+      </p:sp>
+      <p:sp>
+        <p:nvSpPr>
+          <p:cNvPr id="8" name="Rectangle 7"/>
+          <p:cNvSpPr/>
+          <p:nvPr/>
+        </p:nvSpPr>
+        <p:spPr>
+          <a:xfrm>
+            <a:off x="45" y="20269811"/>
+            <a:ext cx="32909828" cy="204826"/>
+          </a:xfrm>
+          <a:prstGeom prst="rect">
+            <a:avLst/>
+          </a:prstGeom>
+          <a:solidFill>
+            <a:schemeClr val="accent1"/>
+          </a:solidFill>
+          <a:ln>
+            <a:noFill/>
+          </a:ln>
+        </p:spPr>
+        <p:style>
+          <a:lnRef idx="2">
+            <a:schemeClr val="accent1">
+              <a:shade val="50000"/>
+            </a:schemeClr>
+          </a:lnRef>
+          <a:fillRef idx="1">
+            <a:schemeClr val="accent1"/>
+          </a:fillRef>
+          <a:effectRef idx="0">
+            <a:schemeClr val="accent1"/>
+          </a:effectRef>
+          <a:fontRef idx="minor">
+            <a:schemeClr val="lt1"/>
+          </a:fontRef>
+        </p:style>
+      </p:sp>
+      <p:sp>
+        <p:nvSpPr>
+          <p:cNvPr id="2" name="Title 1"/>
+          <p:cNvSpPr>
+            <a:spLocks noGrp="1"/>
+          </p:cNvSpPr>
+          <p:nvPr>
+            <p:ph type="title"/>
+          </p:nvPr>
+        </p:nvSpPr>
+        <p:spPr>
+          <a:xfrm>
+            <a:off x="2962656" y="2428646"/>
+            <a:ext cx="27157680" cy="11411712"/>
+          </a:xfrm>
+        </p:spPr>
+        <p:txBody>
+          <a:bodyPr anchor="b" anchorCtr="0">
+            <a:normAutofit/>
+          </a:bodyPr>
+          <a:lstStyle>
+            <a:lvl1pPr>
+              <a:lnSpc>
+                <a:spcPct val="85000"/>
+              </a:lnSpc>
+              <a:defRPr sz="25600" b="0">
+                <a:solidFill>
+                  <a:schemeClr val="tx1">
+                    <a:lumMod val="85000"/>
+                    <a:lumOff val="15000"/>
+                  </a:schemeClr>
+                </a:solidFill>
+              </a:defRPr>
+            </a:lvl1pPr>
+          </a:lstStyle>
+          <a:p>
+            <a:r>
+              <a:rPr lang="en-US" smtClean="0"/>
+              <a:t>Click to edit Master title style</a:t>
+            </a:r>
+            <a:endParaRPr lang="en-US" dirty="0"/>
+          </a:p>
+        </p:txBody>
+      </p:sp>
+      <p:sp>
+        <p:nvSpPr>
+          <p:cNvPr id="3" name="Text Placeholder 2"/>
+          <p:cNvSpPr>
+            <a:spLocks noGrp="1"/>
+          </p:cNvSpPr>
+          <p:nvPr>
+            <p:ph type="body" idx="1"/>
+          </p:nvPr>
+        </p:nvSpPr>
+        <p:spPr>
+          <a:xfrm>
+            <a:off x="2962656" y="14250010"/>
+            <a:ext cx="27157680" cy="3657600"/>
+          </a:xfrm>
+        </p:spPr>
+        <p:txBody>
+          <a:bodyPr lIns="91440" rIns="91440" anchor="t" anchorCtr="0">
+            <a:normAutofit/>
+          </a:bodyPr>
+          <a:lstStyle>
+            <a:lvl1pPr marL="0" indent="0">
+              <a:buNone/>
+              <a:defRPr sz="7680" cap="all" spc="640" baseline="0">
+                <a:solidFill>
+                  <a:schemeClr val="tx2"/>
+                </a:solidFill>
+                <a:latin typeface="+mj-lt"/>
+              </a:defRPr>
+            </a:lvl1pPr>
+            <a:lvl2pPr marL="1463040" indent="0">
+              <a:buNone/>
+              <a:defRPr sz="5760">
+                <a:solidFill>
+                  <a:schemeClr val="tx1">
+                    <a:tint val="75000"/>
+                  </a:schemeClr>
+                </a:solidFill>
+              </a:defRPr>
+            </a:lvl2pPr>
+            <a:lvl3pPr marL="2926080" indent="0">
+              <a:buNone/>
+              <a:defRPr sz="5120">
+                <a:solidFill>
+                  <a:schemeClr val="tx1">
+                    <a:tint val="75000"/>
+                  </a:schemeClr>
+                </a:solidFill>
+              </a:defRPr>
+            </a:lvl3pPr>
+            <a:lvl4pPr marL="4389120" indent="0">
+              <a:buNone/>
+              <a:defRPr sz="4480">
+                <a:solidFill>
+                  <a:schemeClr val="tx1">
+                    <a:tint val="75000"/>
+                  </a:schemeClr>
+                </a:solidFill>
+              </a:defRPr>
+            </a:lvl4pPr>
+            <a:lvl5pPr marL="5852160" indent="0">
+              <a:buNone/>
+              <a:defRPr sz="4480">
+                <a:solidFill>
+                  <a:schemeClr val="tx1">
+                    <a:tint val="75000"/>
+                  </a:schemeClr>
+                </a:solidFill>
+              </a:defRPr>
+            </a:lvl5pPr>
+            <a:lvl6pPr marL="7315200" indent="0">
+              <a:buNone/>
+              <a:defRPr sz="4480">
+                <a:solidFill>
+                  <a:schemeClr val="tx1">
+                    <a:tint val="75000"/>
+                  </a:schemeClr>
+                </a:solidFill>
+              </a:defRPr>
+            </a:lvl6pPr>
+            <a:lvl7pPr marL="8778240" indent="0">
+              <a:buNone/>
+              <a:defRPr sz="4480">
+                <a:solidFill>
+                  <a:schemeClr val="tx1">
+                    <a:tint val="75000"/>
+                  </a:schemeClr>
+                </a:solidFill>
+              </a:defRPr>
+            </a:lvl7pPr>
+            <a:lvl8pPr marL="10241280" indent="0">
+              <a:buNone/>
+              <a:defRPr sz="4480">
+                <a:solidFill>
+                  <a:schemeClr val="tx1">
+                    <a:tint val="75000"/>
+                  </a:schemeClr>
+                </a:solidFill>
+              </a:defRPr>
+            </a:lvl8pPr>
+            <a:lvl9pPr marL="11704320" indent="0">
+              <a:buNone/>
+              <a:defRPr sz="4480">
+                <a:solidFill>
+                  <a:schemeClr val="tx1">
+                    <a:tint val="75000"/>
+                  </a:schemeClr>
+                </a:solidFill>
+              </a:defRPr>
+            </a:lvl9pPr>
+          </a:lstStyle>
+          <a:p>
+            <a:pPr lvl="0"/>
+            <a:r>
+              <a:rPr lang="en-US" smtClean="0"/>
+              <a:t>Click to edit Master text styles</a:t>
+            </a:r>
+          </a:p>
+        </p:txBody>
+      </p:sp>
+      <p:sp>
+        <p:nvSpPr>
+          <p:cNvPr id="4" name="Date Placeholder 3"/>
+          <p:cNvSpPr>
+            <a:spLocks noGrp="1"/>
+          </p:cNvSpPr>
+          <p:nvPr>
+            <p:ph type="dt" sz="half" idx="10"/>
+          </p:nvPr>
+        </p:nvSpPr>
+        <p:spPr/>
+        <p:txBody>
+          <a:bodyPr/>
+          <a:lstStyle/>
+          <a:p>
+            <a:fld id="{985D6BDF-9D0E-4E2B-85B8-D8F4790360C9}" type="datetimeFigureOut">
+              <a:rPr lang="en-US" smtClean="0"/>
+              <a:t>12/11/17</a:t>
+            </a:fld>
+            <a:endParaRPr lang="en-US" dirty="0"/>
+          </a:p>
+        </p:txBody>
+      </p:sp>
+      <p:sp>
+        <p:nvSpPr>
+          <p:cNvPr id="5" name="Footer Placeholder 4"/>
+          <p:cNvSpPr>
+            <a:spLocks noGrp="1"/>
+          </p:cNvSpPr>
+          <p:nvPr>
+            <p:ph type="ftr" sz="quarter" idx="11"/>
+          </p:nvPr>
+        </p:nvSpPr>
+        <p:spPr/>
+        <p:txBody>
+          <a:bodyPr/>
+          <a:lstStyle/>
+          <a:p>
+            <a:endParaRPr lang="en-US" dirty="0"/>
+          </a:p>
+        </p:txBody>
+      </p:sp>
+      <p:sp>
+        <p:nvSpPr>
+          <p:cNvPr id="6" name="Slide Number Placeholder 5"/>
+          <p:cNvSpPr>
+            <a:spLocks noGrp="1"/>
+          </p:cNvSpPr>
+          <p:nvPr>
+            <p:ph type="sldNum" sz="quarter" idx="12"/>
+          </p:nvPr>
+        </p:nvSpPr>
+        <p:spPr/>
+        <p:txBody>
+          <a:bodyPr/>
+          <a:lstStyle/>
+          <a:p>
+            <a:fld id="{FBB075EA-769C-4ECD-B48E-D6FCDC24F876}" type="slidenum">
+              <a:rPr lang="en-US" smtClean="0"/>
+              <a:t>‹#›</a:t>
+            </a:fld>
+            <a:endParaRPr lang="en-US" dirty="0"/>
+          </a:p>
+        </p:txBody>
+      </p:sp>
+      <p:cxnSp>
+        <p:nvCxnSpPr>
+          <p:cNvPr id="9" name="Straight Connector 8"/>
+          <p:cNvCxnSpPr/>
+          <p:nvPr/>
+        </p:nvCxnSpPr>
+        <p:spPr>
+          <a:xfrm>
+            <a:off x="3260678" y="13898880"/>
+            <a:ext cx="26663904" cy="0"/>
+          </a:xfrm>
+          <a:prstGeom prst="line">
+            <a:avLst/>
+          </a:prstGeom>
+          <a:ln w="6350">
+            <a:solidFill>
+              <a:schemeClr val="tx1">
+                <a:lumMod val="50000"/>
+                <a:lumOff val="50000"/>
+              </a:schemeClr>
+            </a:solidFill>
+          </a:ln>
+        </p:spPr>
+        <p:style>
+          <a:lnRef idx="1">
+            <a:schemeClr val="accent1"/>
+          </a:lnRef>
+          <a:fillRef idx="0">
+            <a:schemeClr val="accent1"/>
+          </a:fillRef>
+          <a:effectRef idx="0">
+            <a:schemeClr val="accent1"/>
+          </a:effectRef>
+          <a:fontRef idx="minor">
+            <a:schemeClr val="tx1"/>
+          </a:fontRef>
+        </p:style>
+      </p:cxnSp>
+    </p:spTree>
+  </p:cSld>
+  <p:clrMapOvr>
+    <a:masterClrMapping/>
+  </p:clrMapOvr>
+</p:sldLayout>
+</file>
+
+<file path=ppt/slideLayouts/slideLayout4.xml><?xml version="1.0" encoding="utf-8"?>
+<p:sldLayout xmlns:a="http://schemas.openxmlformats.org/drawingml/2006/main" xmlns:r="http://schemas.openxmlformats.org/officeDocument/2006/relationships" xmlns:p="http://schemas.openxmlformats.org/presentationml/2006/main" type="twoObj" preserve="1">
+  <p:cSld name="Two Content">
+    <p:spTree>
+      <p:nvGrpSpPr>
+        <p:cNvPr id="1" name=""/>
+        <p:cNvGrpSpPr/>
+        <p:nvPr/>
+      </p:nvGrpSpPr>
+      <p:grpSpPr>
+        <a:xfrm>
+          <a:off x="0" y="0"/>
+          <a:ext cx="0" cy="0"/>
+          <a:chOff x="0" y="0"/>
+          <a:chExt cx="0" cy="0"/>
+        </a:xfrm>
+      </p:grpSpPr>
+      <p:sp>
+        <p:nvSpPr>
+          <p:cNvPr id="8" name="Title 7"/>
+          <p:cNvSpPr>
+            <a:spLocks noGrp="1"/>
+          </p:cNvSpPr>
+          <p:nvPr>
+            <p:ph type="title"/>
+          </p:nvPr>
+        </p:nvSpPr>
+        <p:spPr>
+          <a:xfrm>
+            <a:off x="2962656" y="917135"/>
+            <a:ext cx="27157680" cy="4642422"/>
+          </a:xfrm>
+        </p:spPr>
+        <p:txBody>
+          <a:bodyPr/>
+          <a:lstStyle/>
+          <a:p>
+            <a:r>
+              <a:rPr lang="en-US" smtClean="0"/>
+              <a:t>Click to edit Master title style</a:t>
+            </a:r>
+            <a:endParaRPr lang="en-US" dirty="0"/>
+          </a:p>
+        </p:txBody>
+      </p:sp>
+      <p:sp>
+        <p:nvSpPr>
+          <p:cNvPr id="3" name="Content Placeholder 2"/>
+          <p:cNvSpPr>
+            <a:spLocks noGrp="1"/>
+          </p:cNvSpPr>
+          <p:nvPr>
+            <p:ph sz="half" idx="1"/>
+          </p:nvPr>
+        </p:nvSpPr>
+        <p:spPr>
+          <a:xfrm>
+            <a:off x="2962656" y="5906349"/>
+            <a:ext cx="13331952" cy="12874752"/>
+          </a:xfrm>
+        </p:spPr>
+        <p:txBody>
+          <a:bodyPr/>
+          <a:lstStyle/>
+          <a:p>
+            <a:pPr lvl="0"/>
+            <a:r>
+              <a:rPr lang="en-US" smtClean="0"/>
+              <a:t>Click to edit Master text styles</a:t>
+            </a:r>
+          </a:p>
+          <a:p>
+            <a:pPr lvl="1"/>
+            <a:r>
+              <a:rPr lang="en-US" smtClean="0"/>
+              <a:t>Second level</a:t>
+            </a:r>
+          </a:p>
+          <a:p>
+            <a:pPr lvl="2"/>
+            <a:r>
+              <a:rPr lang="en-US" smtClean="0"/>
+              <a:t>Third level</a:t>
+            </a:r>
+          </a:p>
+          <a:p>
+            <a:pPr lvl="3"/>
+            <a:r>
+              <a:rPr lang="en-US" smtClean="0"/>
+              <a:t>Fourth level</a:t>
+            </a:r>
+          </a:p>
+          <a:p>
+            <a:pPr lvl="4"/>
+            <a:r>
+              <a:rPr lang="en-US" smtClean="0"/>
+              <a:t>Fifth level</a:t>
+            </a:r>
+            <a:endParaRPr lang="en-US" dirty="0"/>
+          </a:p>
+        </p:txBody>
+      </p:sp>
+      <p:sp>
+        <p:nvSpPr>
+          <p:cNvPr id="4" name="Content Placeholder 3"/>
+          <p:cNvSpPr>
+            <a:spLocks noGrp="1"/>
+          </p:cNvSpPr>
+          <p:nvPr>
+            <p:ph sz="half" idx="2"/>
+          </p:nvPr>
+        </p:nvSpPr>
+        <p:spPr>
+          <a:xfrm>
+            <a:off x="16788384" y="5906352"/>
+            <a:ext cx="13331952" cy="12874752"/>
+          </a:xfrm>
+        </p:spPr>
+        <p:txBody>
+          <a:bodyPr/>
+          <a:lstStyle/>
+          <a:p>
+            <a:pPr lvl="0"/>
+            <a:r>
+              <a:rPr lang="en-US" smtClean="0"/>
+              <a:t>Click to edit Master text styles</a:t>
+            </a:r>
+          </a:p>
+          <a:p>
+            <a:pPr lvl="1"/>
+            <a:r>
+              <a:rPr lang="en-US" smtClean="0"/>
+              <a:t>Second level</a:t>
+            </a:r>
+          </a:p>
+          <a:p>
+            <a:pPr lvl="2"/>
+            <a:r>
+              <a:rPr lang="en-US" smtClean="0"/>
+              <a:t>Third level</a:t>
+            </a:r>
+          </a:p>
+          <a:p>
+            <a:pPr lvl="3"/>
+            <a:r>
+              <a:rPr lang="en-US" smtClean="0"/>
+              <a:t>Fourth level</a:t>
+            </a:r>
+          </a:p>
+          <a:p>
+            <a:pPr lvl="4"/>
+            <a:r>
+              <a:rPr lang="en-US" smtClean="0"/>
+              <a:t>Fifth level</a:t>
+            </a:r>
+            <a:endParaRPr lang="en-US" dirty="0"/>
+          </a:p>
+        </p:txBody>
+      </p:sp>
+      <p:sp>
+        <p:nvSpPr>
+          <p:cNvPr id="5" name="Date Placeholder 4"/>
+          <p:cNvSpPr>
+            <a:spLocks noGrp="1"/>
+          </p:cNvSpPr>
+          <p:nvPr>
+            <p:ph type="dt" sz="half" idx="10"/>
+          </p:nvPr>
+        </p:nvSpPr>
+        <p:spPr/>
+        <p:txBody>
+          <a:bodyPr/>
+          <a:lstStyle/>
+          <a:p>
+            <a:fld id="{985D6BDF-9D0E-4E2B-85B8-D8F4790360C9}" type="datetimeFigureOut">
+              <a:rPr lang="en-US" smtClean="0"/>
+              <a:t>12/11/17</a:t>
+            </a:fld>
+            <a:endParaRPr lang="en-US" dirty="0"/>
+          </a:p>
+        </p:txBody>
+      </p:sp>
+      <p:sp>
+        <p:nvSpPr>
+          <p:cNvPr id="6" name="Footer Placeholder 5"/>
+          <p:cNvSpPr>
+            <a:spLocks noGrp="1"/>
+          </p:cNvSpPr>
+          <p:nvPr>
+            <p:ph type="ftr" sz="quarter" idx="11"/>
+          </p:nvPr>
+        </p:nvSpPr>
+        <p:spPr/>
+        <p:txBody>
+          <a:bodyPr/>
+          <a:lstStyle/>
+          <a:p>
+            <a:endParaRPr lang="en-US" dirty="0"/>
+          </a:p>
+        </p:txBody>
+      </p:sp>
+      <p:sp>
+        <p:nvSpPr>
+          <p:cNvPr id="7" name="Slide Number Placeholder 6"/>
+          <p:cNvSpPr>
+            <a:spLocks noGrp="1"/>
+          </p:cNvSpPr>
+          <p:nvPr>
+            <p:ph type="sldNum" sz="quarter" idx="12"/>
+          </p:nvPr>
+        </p:nvSpPr>
+        <p:spPr/>
+        <p:txBody>
+          <a:bodyPr/>
+          <a:lstStyle/>
+          <a:p>
+            <a:fld id="{FBB075EA-769C-4ECD-B48E-D6FCDC24F876}" type="slidenum">
+              <a:rPr lang="en-US" smtClean="0"/>
+              <a:t>‹#›</a:t>
+            </a:fld>
+            <a:endParaRPr lang="en-US" dirty="0"/>
+          </a:p>
+        </p:txBody>
+      </p:sp>
+    </p:spTree>
+  </p:cSld>
+  <p:clrMapOvr>
+    <a:masterClrMapping/>
+  </p:clrMapOvr>
+</p:sldLayout>
+</file>
+
+<file path=ppt/slideLayouts/slideLayout5.xml><?xml version="1.0" encoding="utf-8"?>
+<p:sldLayout xmlns:a="http://schemas.openxmlformats.org/drawingml/2006/main" xmlns:r="http://schemas.openxmlformats.org/officeDocument/2006/relationships" xmlns:p="http://schemas.openxmlformats.org/presentationml/2006/main" type="twoTxTwoObj" preserve="1">
+  <p:cSld name="Comparison">
+    <p:spTree>
+      <p:nvGrpSpPr>
+        <p:cNvPr id="1" name=""/>
+        <p:cNvGrpSpPr/>
+        <p:nvPr/>
+      </p:nvGrpSpPr>
+      <p:grpSpPr>
+        <a:xfrm>
+          <a:off x="0" y="0"/>
+          <a:ext cx="0" cy="0"/>
+          <a:chOff x="0" y="0"/>
+          <a:chExt cx="0" cy="0"/>
+        </a:xfrm>
+      </p:grpSpPr>
+      <p:sp>
+        <p:nvSpPr>
+          <p:cNvPr id="10" name="Title 9"/>
+          <p:cNvSpPr>
+            <a:spLocks noGrp="1"/>
+          </p:cNvSpPr>
+          <p:nvPr>
+            <p:ph type="title"/>
+          </p:nvPr>
+        </p:nvSpPr>
+        <p:spPr>
+          <a:xfrm>
+            <a:off x="2962656" y="917135"/>
+            <a:ext cx="27157680" cy="4642422"/>
+          </a:xfrm>
+        </p:spPr>
+        <p:txBody>
+          <a:bodyPr/>
+          <a:lstStyle/>
+          <a:p>
+            <a:r>
+              <a:rPr lang="en-US" smtClean="0"/>
+              <a:t>Click to edit Master title style</a:t>
+            </a:r>
+            <a:endParaRPr lang="en-US" dirty="0"/>
+          </a:p>
+        </p:txBody>
+      </p:sp>
+      <p:sp>
+        <p:nvSpPr>
+          <p:cNvPr id="3" name="Text Placeholder 2"/>
+          <p:cNvSpPr>
+            <a:spLocks noGrp="1"/>
+          </p:cNvSpPr>
+          <p:nvPr>
+            <p:ph type="body" idx="1"/>
+          </p:nvPr>
+        </p:nvSpPr>
+        <p:spPr>
+          <a:xfrm>
+            <a:off x="2962656" y="5907367"/>
+            <a:ext cx="13331952" cy="2356102"/>
+          </a:xfrm>
+        </p:spPr>
+        <p:txBody>
+          <a:bodyPr lIns="91440" rIns="91440" anchor="ctr">
+            <a:normAutofit/>
+          </a:bodyPr>
+          <a:lstStyle>
+            <a:lvl1pPr marL="0" indent="0">
+              <a:buNone/>
+              <a:defRPr sz="6400" b="0" cap="all" baseline="0">
+                <a:solidFill>
+                  <a:schemeClr val="tx2"/>
+                </a:solidFill>
+              </a:defRPr>
+            </a:lvl1pPr>
+            <a:lvl2pPr marL="1463040" indent="0">
+              <a:buNone/>
+              <a:defRPr sz="6400" b="1"/>
+            </a:lvl2pPr>
+            <a:lvl3pPr marL="2926080" indent="0">
+              <a:buNone/>
+              <a:defRPr sz="5760" b="1"/>
+            </a:lvl3pPr>
+            <a:lvl4pPr marL="4389120" indent="0">
+              <a:buNone/>
+              <a:defRPr sz="5120" b="1"/>
+            </a:lvl4pPr>
+            <a:lvl5pPr marL="5852160" indent="0">
+              <a:buNone/>
+              <a:defRPr sz="5120" b="1"/>
+            </a:lvl5pPr>
+            <a:lvl6pPr marL="7315200" indent="0">
+              <a:buNone/>
+              <a:defRPr sz="5120" b="1"/>
+            </a:lvl6pPr>
+            <a:lvl7pPr marL="8778240" indent="0">
+              <a:buNone/>
+              <a:defRPr sz="5120" b="1"/>
+            </a:lvl7pPr>
+            <a:lvl8pPr marL="10241280" indent="0">
+              <a:buNone/>
+              <a:defRPr sz="5120" b="1"/>
+            </a:lvl8pPr>
+            <a:lvl9pPr marL="11704320" indent="0">
+              <a:buNone/>
+              <a:defRPr sz="5120" b="1"/>
+            </a:lvl9pPr>
+          </a:lstStyle>
+          <a:p>
+            <a:pPr lvl="0"/>
+            <a:r>
+              <a:rPr lang="en-US" smtClean="0"/>
+              <a:t>Click to edit Master text styles</a:t>
+            </a:r>
+          </a:p>
+        </p:txBody>
+      </p:sp>
+      <p:sp>
+        <p:nvSpPr>
+          <p:cNvPr id="4" name="Content Placeholder 3"/>
+          <p:cNvSpPr>
+            <a:spLocks noGrp="1"/>
+          </p:cNvSpPr>
+          <p:nvPr>
+            <p:ph sz="half" idx="2"/>
+          </p:nvPr>
+        </p:nvSpPr>
+        <p:spPr>
+          <a:xfrm>
+            <a:off x="2962656" y="8263469"/>
+            <a:ext cx="13331952" cy="10810240"/>
+          </a:xfrm>
+        </p:spPr>
+        <p:txBody>
+          <a:bodyPr/>
+          <a:lstStyle/>
+          <a:p>
+            <a:pPr lvl="0"/>
+            <a:r>
+              <a:rPr lang="en-US" smtClean="0"/>
+              <a:t>Click to edit Master text styles</a:t>
+            </a:r>
+          </a:p>
+          <a:p>
+            <a:pPr lvl="1"/>
+            <a:r>
+              <a:rPr lang="en-US" smtClean="0"/>
+              <a:t>Second level</a:t>
+            </a:r>
+          </a:p>
+          <a:p>
+            <a:pPr lvl="2"/>
+            <a:r>
+              <a:rPr lang="en-US" smtClean="0"/>
+              <a:t>Third level</a:t>
+            </a:r>
+          </a:p>
+          <a:p>
+            <a:pPr lvl="3"/>
+            <a:r>
+              <a:rPr lang="en-US" smtClean="0"/>
+              <a:t>Fourth level</a:t>
+            </a:r>
+          </a:p>
+          <a:p>
+            <a:pPr lvl="4"/>
+            <a:r>
+              <a:rPr lang="en-US" smtClean="0"/>
+              <a:t>Fifth level</a:t>
+            </a:r>
+            <a:endParaRPr lang="en-US" dirty="0"/>
+          </a:p>
+        </p:txBody>
+      </p:sp>
+      <p:sp>
+        <p:nvSpPr>
+          <p:cNvPr id="5" name="Text Placeholder 4"/>
+          <p:cNvSpPr>
+            <a:spLocks noGrp="1"/>
+          </p:cNvSpPr>
+          <p:nvPr>
+            <p:ph type="body" sz="quarter" idx="3"/>
+          </p:nvPr>
+        </p:nvSpPr>
+        <p:spPr>
+          <a:xfrm>
+            <a:off x="16788384" y="5907367"/>
+            <a:ext cx="13331952" cy="2356102"/>
+          </a:xfrm>
+        </p:spPr>
+        <p:txBody>
+          <a:bodyPr lIns="91440" rIns="91440" anchor="ctr">
+            <a:normAutofit/>
+          </a:bodyPr>
+          <a:lstStyle>
+            <a:lvl1pPr marL="0" indent="0">
+              <a:buNone/>
+              <a:defRPr sz="6400" b="0" cap="all" baseline="0">
+                <a:solidFill>
+                  <a:schemeClr val="tx2"/>
+                </a:solidFill>
+              </a:defRPr>
+            </a:lvl1pPr>
+            <a:lvl2pPr marL="1463040" indent="0">
+              <a:buNone/>
+              <a:defRPr sz="6400" b="1"/>
+            </a:lvl2pPr>
+            <a:lvl3pPr marL="2926080" indent="0">
+              <a:buNone/>
+              <a:defRPr sz="5760" b="1"/>
+            </a:lvl3pPr>
+            <a:lvl4pPr marL="4389120" indent="0">
+              <a:buNone/>
+              <a:defRPr sz="5120" b="1"/>
+            </a:lvl4pPr>
+            <a:lvl5pPr marL="5852160" indent="0">
+              <a:buNone/>
+              <a:defRPr sz="5120" b="1"/>
+            </a:lvl5pPr>
+            <a:lvl6pPr marL="7315200" indent="0">
+              <a:buNone/>
+              <a:defRPr sz="5120" b="1"/>
+            </a:lvl6pPr>
+            <a:lvl7pPr marL="8778240" indent="0">
+              <a:buNone/>
+              <a:defRPr sz="5120" b="1"/>
+            </a:lvl7pPr>
+            <a:lvl8pPr marL="10241280" indent="0">
+              <a:buNone/>
+              <a:defRPr sz="5120" b="1"/>
+            </a:lvl8pPr>
+            <a:lvl9pPr marL="11704320" indent="0">
+              <a:buNone/>
+              <a:defRPr sz="5120" b="1"/>
+            </a:lvl9pPr>
+          </a:lstStyle>
+          <a:p>
+            <a:pPr lvl="0"/>
+            <a:r>
+              <a:rPr lang="en-US" smtClean="0"/>
+              <a:t>Click to edit Master text styles</a:t>
+            </a:r>
+          </a:p>
+        </p:txBody>
+      </p:sp>
+      <p:sp>
+        <p:nvSpPr>
+          <p:cNvPr id="6" name="Content Placeholder 5"/>
+          <p:cNvSpPr>
+            <a:spLocks noGrp="1"/>
+          </p:cNvSpPr>
+          <p:nvPr>
+            <p:ph sz="quarter" idx="4"/>
+          </p:nvPr>
+        </p:nvSpPr>
+        <p:spPr>
+          <a:xfrm>
+            <a:off x="16788384" y="8263469"/>
+            <a:ext cx="13331952" cy="10810240"/>
+          </a:xfrm>
+        </p:spPr>
+        <p:txBody>
+          <a:bodyPr/>
+          <a:lstStyle/>
+          <a:p>
+            <a:pPr lvl="0"/>
+            <a:r>
+              <a:rPr lang="en-US" smtClean="0"/>
+              <a:t>Click to edit Master text styles</a:t>
+            </a:r>
+          </a:p>
+          <a:p>
+            <a:pPr lvl="1"/>
+            <a:r>
+              <a:rPr lang="en-US" smtClean="0"/>
+              <a:t>Second level</a:t>
+            </a:r>
+          </a:p>
+          <a:p>
+            <a:pPr lvl="2"/>
+            <a:r>
+              <a:rPr lang="en-US" smtClean="0"/>
+              <a:t>Third level</a:t>
+            </a:r>
+          </a:p>
+          <a:p>
+            <a:pPr lvl="3"/>
+            <a:r>
+              <a:rPr lang="en-US" smtClean="0"/>
+              <a:t>Fourth level</a:t>
+            </a:r>
+          </a:p>
+          <a:p>
+            <a:pPr lvl="4"/>
+            <a:r>
+              <a:rPr lang="en-US" smtClean="0"/>
+              <a:t>Fifth level</a:t>
+            </a:r>
+            <a:endParaRPr lang="en-US" dirty="0"/>
+          </a:p>
+        </p:txBody>
+      </p:sp>
+      <p:sp>
+        <p:nvSpPr>
+          <p:cNvPr id="7" name="Date Placeholder 6"/>
+          <p:cNvSpPr>
+            <a:spLocks noGrp="1"/>
+          </p:cNvSpPr>
+          <p:nvPr>
+            <p:ph type="dt" sz="half" idx="10"/>
+          </p:nvPr>
+        </p:nvSpPr>
+        <p:spPr/>
+        <p:txBody>
+          <a:bodyPr/>
+          <a:lstStyle/>
+          <a:p>
+            <a:fld id="{985D6BDF-9D0E-4E2B-85B8-D8F4790360C9}" type="datetimeFigureOut">
+              <a:rPr lang="en-US" smtClean="0"/>
+              <a:t>12/11/17</a:t>
+            </a:fld>
+            <a:endParaRPr lang="en-US" dirty="0"/>
+          </a:p>
+        </p:txBody>
+      </p:sp>
+      <p:sp>
+        <p:nvSpPr>
+          <p:cNvPr id="8" name="Footer Placeholder 7"/>
+          <p:cNvSpPr>
+            <a:spLocks noGrp="1"/>
+          </p:cNvSpPr>
+          <p:nvPr>
+            <p:ph type="ftr" sz="quarter" idx="11"/>
+          </p:nvPr>
+        </p:nvSpPr>
+        <p:spPr/>
+        <p:txBody>
+          <a:bodyPr/>
+          <a:lstStyle/>
+          <a:p>
+            <a:endParaRPr lang="en-US" dirty="0"/>
+          </a:p>
+        </p:txBody>
+      </p:sp>
+      <p:sp>
+        <p:nvSpPr>
+          <p:cNvPr id="9" name="Slide Number Placeholder 8"/>
+          <p:cNvSpPr>
+            <a:spLocks noGrp="1"/>
+          </p:cNvSpPr>
+          <p:nvPr>
+            <p:ph type="sldNum" sz="quarter" idx="12"/>
+          </p:nvPr>
+        </p:nvSpPr>
+        <p:spPr/>
+        <p:txBody>
+          <a:bodyPr/>
+          <a:lstStyle/>
+          <a:p>
+            <a:fld id="{FBB075EA-769C-4ECD-B48E-D6FCDC24F876}" type="slidenum">
+              <a:rPr lang="en-US" smtClean="0"/>
+              <a:t>‹#›</a:t>
+            </a:fld>
+            <a:endParaRPr lang="en-US" dirty="0"/>
+          </a:p>
+        </p:txBody>
+      </p:sp>
+    </p:spTree>
+  </p:cSld>
+  <p:clrMapOvr>
+    <a:masterClrMapping/>
+  </p:clrMapOvr>
+</p:sldLayout>
+</file>
+
+<file path=ppt/slideLayouts/slideLayout6.xml><?xml version="1.0" encoding="utf-8"?>
+<p:sldLayout xmlns:a="http://schemas.openxmlformats.org/drawingml/2006/main" xmlns:r="http://schemas.openxmlformats.org/officeDocument/2006/relationships" xmlns:p="http://schemas.openxmlformats.org/presentationml/2006/main" type="titleOnly" preserve="1">
+  <p:cSld name="Title Only">
+    <p:spTree>
+      <p:nvGrpSpPr>
+        <p:cNvPr id="1" name=""/>
+        <p:cNvGrpSpPr/>
+        <p:nvPr/>
+      </p:nvGrpSpPr>
+      <p:grpSpPr>
+        <a:xfrm>
+          <a:off x="0" y="0"/>
+          <a:ext cx="0" cy="0"/>
+          <a:chOff x="0" y="0"/>
+          <a:chExt cx="0" cy="0"/>
+        </a:xfrm>
+      </p:grpSpPr>
+      <p:sp>
+        <p:nvSpPr>
+          <p:cNvPr id="2" name="Title 1"/>
+          <p:cNvSpPr>
+            <a:spLocks noGrp="1"/>
+          </p:cNvSpPr>
+          <p:nvPr>
+            <p:ph type="title"/>
+          </p:nvPr>
+        </p:nvSpPr>
+        <p:spPr/>
+        <p:txBody>
+          <a:bodyPr/>
+          <a:lstStyle/>
+          <a:p>
+            <a:r>
+              <a:rPr lang="en-US" smtClean="0"/>
+              <a:t>Click to edit Master title style</a:t>
+            </a:r>
+            <a:endParaRPr lang="en-US" dirty="0"/>
+          </a:p>
+        </p:txBody>
+      </p:sp>
+      <p:sp>
+        <p:nvSpPr>
+          <p:cNvPr id="3" name="Date Placeholder 2"/>
+          <p:cNvSpPr>
+            <a:spLocks noGrp="1"/>
+          </p:cNvSpPr>
+          <p:nvPr>
+            <p:ph type="dt" sz="half" idx="10"/>
+          </p:nvPr>
+        </p:nvSpPr>
+        <p:spPr/>
+        <p:txBody>
+          <a:bodyPr/>
+          <a:lstStyle/>
+          <a:p>
+            <a:fld id="{985D6BDF-9D0E-4E2B-85B8-D8F4790360C9}" type="datetimeFigureOut">
+              <a:rPr lang="en-US" smtClean="0"/>
+              <a:t>12/11/17</a:t>
+            </a:fld>
+            <a:endParaRPr lang="en-US" dirty="0"/>
+          </a:p>
+        </p:txBody>
+      </p:sp>
+      <p:sp>
+        <p:nvSpPr>
+          <p:cNvPr id="4" name="Footer Placeholder 3"/>
+          <p:cNvSpPr>
+            <a:spLocks noGrp="1"/>
+          </p:cNvSpPr>
+          <p:nvPr>
+            <p:ph type="ftr" sz="quarter" idx="11"/>
+          </p:nvPr>
+        </p:nvSpPr>
+        <p:spPr/>
+        <p:txBody>
+          <a:bodyPr/>
+          <a:lstStyle/>
+          <a:p>
+            <a:endParaRPr lang="en-US" dirty="0"/>
+          </a:p>
+        </p:txBody>
+      </p:sp>
+      <p:sp>
+        <p:nvSpPr>
+          <p:cNvPr id="5" name="Slide Number Placeholder 4"/>
+          <p:cNvSpPr>
+            <a:spLocks noGrp="1"/>
+          </p:cNvSpPr>
+          <p:nvPr>
+            <p:ph type="sldNum" sz="quarter" idx="12"/>
+          </p:nvPr>
+        </p:nvSpPr>
+        <p:spPr/>
+        <p:txBody>
+          <a:bodyPr/>
+          <a:lstStyle/>
+          <a:p>
+            <a:fld id="{FBB075EA-769C-4ECD-B48E-D6FCDC24F876}" type="slidenum">
+              <a:rPr lang="en-US" smtClean="0"/>
+              <a:t>‹#›</a:t>
+            </a:fld>
+            <a:endParaRPr lang="en-US" dirty="0"/>
+          </a:p>
+        </p:txBody>
+      </p:sp>
+    </p:spTree>
+  </p:cSld>
+  <p:clrMapOvr>
+    <a:masterClrMapping/>
+  </p:clrMapOvr>
+</p:sldLayout>
+</file>
+
+<file path=ppt/slideLayouts/slideLayout7.xml><?xml version="1.0" encoding="utf-8"?>
+<p:sldLayout xmlns:a="http://schemas.openxmlformats.org/drawingml/2006/main" xmlns:r="http://schemas.openxmlformats.org/officeDocument/2006/relationships" xmlns:p="http://schemas.openxmlformats.org/presentationml/2006/main" showMasterSp="0" type="blank" preserve="1">
+  <p:cSld name="Blank">
+    <p:spTree>
+      <p:nvGrpSpPr>
+        <p:cNvPr id="1" name=""/>
+        <p:cNvGrpSpPr/>
+        <p:nvPr/>
+      </p:nvGrpSpPr>
+      <p:grpSpPr>
+        <a:xfrm>
+          <a:off x="0" y="0"/>
+          <a:ext cx="0" cy="0"/>
+          <a:chOff x="0" y="0"/>
+          <a:chExt cx="0" cy="0"/>
+        </a:xfrm>
+      </p:grpSpPr>
+      <p:sp>
+        <p:nvSpPr>
+          <p:cNvPr id="5" name="Rectangle 4"/>
+          <p:cNvSpPr/>
+          <p:nvPr/>
+        </p:nvSpPr>
+        <p:spPr>
+          <a:xfrm>
+            <a:off x="8577" y="20482560"/>
+            <a:ext cx="32909828" cy="1463040"/>
+          </a:xfrm>
+          <a:prstGeom prst="rect">
+            <a:avLst/>
+          </a:prstGeom>
+          <a:solidFill>
+            <a:schemeClr val="accent2"/>
+          </a:solidFill>
+          <a:ln>
+            <a:noFill/>
+          </a:ln>
+        </p:spPr>
+        <p:style>
+          <a:lnRef idx="2">
+            <a:schemeClr val="accent1">
+              <a:shade val="50000"/>
+            </a:schemeClr>
+          </a:lnRef>
+          <a:fillRef idx="1">
+            <a:schemeClr val="accent1"/>
+          </a:fillRef>
+          <a:effectRef idx="0">
+            <a:schemeClr val="accent1"/>
+          </a:effectRef>
+          <a:fontRef idx="minor">
+            <a:schemeClr val="lt1"/>
+          </a:fontRef>
+        </p:style>
+      </p:sp>
+      <p:sp>
+        <p:nvSpPr>
+          <p:cNvPr id="6" name="Rectangle 5"/>
+          <p:cNvSpPr/>
+          <p:nvPr/>
+        </p:nvSpPr>
+        <p:spPr>
+          <a:xfrm>
+            <a:off x="45" y="20269811"/>
+            <a:ext cx="32909828" cy="204826"/>
+          </a:xfrm>
+          <a:prstGeom prst="rect">
+            <a:avLst/>
+          </a:prstGeom>
+          <a:solidFill>
+            <a:schemeClr val="accent1"/>
+          </a:solidFill>
+          <a:ln>
+            <a:noFill/>
+          </a:ln>
+        </p:spPr>
+        <p:style>
+          <a:lnRef idx="2">
+            <a:schemeClr val="accent1">
+              <a:shade val="50000"/>
+            </a:schemeClr>
+          </a:lnRef>
+          <a:fillRef idx="1">
+            <a:schemeClr val="accent1"/>
+          </a:fillRef>
+          <a:effectRef idx="0">
+            <a:schemeClr val="accent1"/>
+          </a:effectRef>
+          <a:fontRef idx="minor">
+            <a:schemeClr val="lt1"/>
+          </a:fontRef>
+        </p:style>
+      </p:sp>
+      <p:sp>
+        <p:nvSpPr>
+          <p:cNvPr id="7" name="Date Placeholder 6"/>
+          <p:cNvSpPr>
+            <a:spLocks noGrp="1"/>
+          </p:cNvSpPr>
+          <p:nvPr>
+            <p:ph type="dt" sz="half" idx="10"/>
+          </p:nvPr>
+        </p:nvSpPr>
+        <p:spPr/>
+        <p:txBody>
+          <a:bodyPr/>
+          <a:lstStyle/>
+          <a:p>
+            <a:fld id="{985D6BDF-9D0E-4E2B-85B8-D8F4790360C9}" type="datetimeFigureOut">
+              <a:rPr lang="en-US" smtClean="0"/>
+              <a:t>12/11/17</a:t>
+            </a:fld>
+            <a:endParaRPr lang="en-US" dirty="0"/>
+          </a:p>
+        </p:txBody>
+      </p:sp>
+      <p:sp>
+        <p:nvSpPr>
+          <p:cNvPr id="8" name="Footer Placeholder 7"/>
+          <p:cNvSpPr>
+            <a:spLocks noGrp="1"/>
+          </p:cNvSpPr>
+          <p:nvPr>
+            <p:ph type="ftr" sz="quarter" idx="11"/>
+          </p:nvPr>
+        </p:nvSpPr>
+        <p:spPr/>
+        <p:txBody>
+          <a:bodyPr/>
+          <a:lstStyle>
+            <a:lvl1pPr>
+              <a:defRPr>
+                <a:solidFill>
+                  <a:srgbClr val="FFFFFF"/>
+                </a:solidFill>
+              </a:defRPr>
+            </a:lvl1pPr>
+          </a:lstStyle>
+          <a:p>
+            <a:endParaRPr lang="en-US" dirty="0"/>
+          </a:p>
+        </p:txBody>
+      </p:sp>
+      <p:sp>
+        <p:nvSpPr>
+          <p:cNvPr id="9" name="Slide Number Placeholder 8"/>
+          <p:cNvSpPr>
+            <a:spLocks noGrp="1"/>
+          </p:cNvSpPr>
+          <p:nvPr>
+            <p:ph type="sldNum" sz="quarter" idx="12"/>
+          </p:nvPr>
+        </p:nvSpPr>
+        <p:spPr/>
+        <p:txBody>
+          <a:bodyPr/>
+          <a:lstStyle/>
+          <a:p>
+            <a:fld id="{FBB075EA-769C-4ECD-B48E-D6FCDC24F876}" type="slidenum">
+              <a:rPr lang="en-US" smtClean="0"/>
+              <a:t>‹#›</a:t>
+            </a:fld>
+            <a:endParaRPr lang="en-US" dirty="0"/>
+          </a:p>
+        </p:txBody>
+      </p:sp>
+    </p:spTree>
+  </p:cSld>
+  <p:clrMapOvr>
+    <a:masterClrMapping/>
+  </p:clrMapOvr>
+</p:sldLayout>
+</file>
+
+<file path=ppt/slideLayouts/slideLayout8.xml><?xml version="1.0" encoding="utf-8"?>
+<p:sldLayout xmlns:a="http://schemas.openxmlformats.org/drawingml/2006/main" xmlns:r="http://schemas.openxmlformats.org/officeDocument/2006/relationships" xmlns:p="http://schemas.openxmlformats.org/presentationml/2006/main" showMasterSp="0" type="objTx" preserve="1">
+  <p:cSld name="Content with Caption">
+    <p:spTree>
+      <p:nvGrpSpPr>
+        <p:cNvPr id="1" name=""/>
+        <p:cNvGrpSpPr/>
+        <p:nvPr/>
+      </p:nvGrpSpPr>
+      <p:grpSpPr>
+        <a:xfrm>
+          <a:off x="0" y="0"/>
+          <a:ext cx="0" cy="0"/>
+          <a:chOff x="0" y="0"/>
+          <a:chExt cx="0" cy="0"/>
+        </a:xfrm>
+      </p:grpSpPr>
+      <p:sp>
+        <p:nvSpPr>
+          <p:cNvPr id="8" name="Rectangle 7"/>
+          <p:cNvSpPr/>
+          <p:nvPr/>
+        </p:nvSpPr>
+        <p:spPr>
+          <a:xfrm>
+            <a:off x="49" y="0"/>
+            <a:ext cx="10937135" cy="21945600"/>
+          </a:xfrm>
+          <a:prstGeom prst="rect">
+            <a:avLst/>
+          </a:prstGeom>
+          <a:solidFill>
+            <a:schemeClr val="accent2"/>
+          </a:solidFill>
+          <a:ln>
+            <a:noFill/>
+          </a:ln>
+        </p:spPr>
+        <p:style>
+          <a:lnRef idx="2">
+            <a:schemeClr val="accent1">
+              <a:shade val="50000"/>
+            </a:schemeClr>
+          </a:lnRef>
+          <a:fillRef idx="1">
+            <a:schemeClr val="accent1"/>
+          </a:fillRef>
+          <a:effectRef idx="0">
+            <a:schemeClr val="accent1"/>
+          </a:effectRef>
+          <a:fontRef idx="minor">
+            <a:schemeClr val="lt1"/>
+          </a:fontRef>
+        </p:style>
+      </p:sp>
+      <p:sp>
+        <p:nvSpPr>
+          <p:cNvPr id="9" name="Rectangle 8"/>
+          <p:cNvSpPr/>
+          <p:nvPr/>
+        </p:nvSpPr>
+        <p:spPr>
+          <a:xfrm>
+            <a:off x="10908191" y="0"/>
+            <a:ext cx="172822" cy="21945600"/>
+          </a:xfrm>
+          <a:prstGeom prst="rect">
+            <a:avLst/>
+          </a:prstGeom>
+          <a:solidFill>
+            <a:schemeClr val="accent1"/>
+          </a:solidFill>
+          <a:ln>
+            <a:noFill/>
+          </a:ln>
+        </p:spPr>
+        <p:style>
+          <a:lnRef idx="2">
+            <a:schemeClr val="accent1">
+              <a:shade val="50000"/>
+            </a:schemeClr>
+          </a:lnRef>
+          <a:fillRef idx="1">
+            <a:schemeClr val="accent1"/>
+          </a:fillRef>
+          <a:effectRef idx="0">
+            <a:schemeClr val="accent1"/>
+          </a:effectRef>
+          <a:fontRef idx="minor">
+            <a:schemeClr val="lt1"/>
+          </a:fontRef>
+        </p:style>
+      </p:sp>
+      <p:sp>
+        <p:nvSpPr>
+          <p:cNvPr id="2" name="Title 1"/>
+          <p:cNvSpPr>
+            <a:spLocks noGrp="1"/>
+          </p:cNvSpPr>
+          <p:nvPr>
+            <p:ph type="title"/>
+          </p:nvPr>
+        </p:nvSpPr>
+        <p:spPr>
+          <a:xfrm>
+            <a:off x="1234440" y="1901949"/>
+            <a:ext cx="8641080" cy="7315200"/>
+          </a:xfrm>
+        </p:spPr>
+        <p:txBody>
+          <a:bodyPr anchor="b">
+            <a:normAutofit/>
+          </a:bodyPr>
+          <a:lstStyle>
+            <a:lvl1pPr>
+              <a:defRPr sz="11520" b="0">
+                <a:solidFill>
+                  <a:srgbClr val="FFFFFF"/>
+                </a:solidFill>
+              </a:defRPr>
+            </a:lvl1pPr>
+          </a:lstStyle>
+          <a:p>
+            <a:r>
+              <a:rPr lang="en-US" smtClean="0"/>
+              <a:t>Click to edit Master title style</a:t>
+            </a:r>
+            <a:endParaRPr lang="en-US" dirty="0"/>
+          </a:p>
+        </p:txBody>
+      </p:sp>
+      <p:sp>
+        <p:nvSpPr>
+          <p:cNvPr id="3" name="Content Placeholder 2"/>
+          <p:cNvSpPr>
+            <a:spLocks noGrp="1"/>
+          </p:cNvSpPr>
+          <p:nvPr>
+            <p:ph idx="1"/>
+          </p:nvPr>
+        </p:nvSpPr>
+        <p:spPr>
+          <a:xfrm>
+            <a:off x="12961620" y="2340864"/>
+            <a:ext cx="17529048" cy="16824960"/>
+          </a:xfrm>
+        </p:spPr>
+        <p:txBody>
+          <a:bodyPr/>
+          <a:lstStyle/>
+          <a:p>
+            <a:pPr lvl="0"/>
+            <a:r>
+              <a:rPr lang="en-US" smtClean="0"/>
+              <a:t>Click to edit Master text styles</a:t>
+            </a:r>
+          </a:p>
+          <a:p>
+            <a:pPr lvl="1"/>
+            <a:r>
+              <a:rPr lang="en-US" smtClean="0"/>
+              <a:t>Second level</a:t>
+            </a:r>
+          </a:p>
+          <a:p>
+            <a:pPr lvl="2"/>
+            <a:r>
+              <a:rPr lang="en-US" smtClean="0"/>
+              <a:t>Third level</a:t>
+            </a:r>
+          </a:p>
+          <a:p>
+            <a:pPr lvl="3"/>
+            <a:r>
+              <a:rPr lang="en-US" smtClean="0"/>
+              <a:t>Fourth level</a:t>
+            </a:r>
+          </a:p>
+          <a:p>
+            <a:pPr lvl="4"/>
+            <a:r>
+              <a:rPr lang="en-US" smtClean="0"/>
+              <a:t>Fifth level</a:t>
+            </a:r>
+            <a:endParaRPr lang="en-US" dirty="0"/>
+          </a:p>
+        </p:txBody>
+      </p:sp>
+      <p:sp>
+        <p:nvSpPr>
+          <p:cNvPr id="4" name="Text Placeholder 3"/>
+          <p:cNvSpPr>
+            <a:spLocks noGrp="1"/>
+          </p:cNvSpPr>
+          <p:nvPr>
+            <p:ph type="body" sz="half" idx="2"/>
+          </p:nvPr>
+        </p:nvSpPr>
+        <p:spPr>
+          <a:xfrm>
+            <a:off x="1234440" y="9363456"/>
+            <a:ext cx="8641080" cy="10813197"/>
+          </a:xfrm>
+        </p:spPr>
+        <p:txBody>
+          <a:bodyPr lIns="91440" rIns="91440">
+            <a:normAutofit/>
+          </a:bodyPr>
+          <a:lstStyle>
+            <a:lvl1pPr marL="0" indent="0">
+              <a:buNone/>
+              <a:defRPr sz="4800">
+                <a:solidFill>
+                  <a:srgbClr val="FFFFFF"/>
+                </a:solidFill>
+              </a:defRPr>
+            </a:lvl1pPr>
+            <a:lvl2pPr marL="1463040" indent="0">
+              <a:buNone/>
+              <a:defRPr sz="3840"/>
+            </a:lvl2pPr>
+            <a:lvl3pPr marL="2926080" indent="0">
+              <a:buNone/>
+              <a:defRPr sz="3200"/>
+            </a:lvl3pPr>
+            <a:lvl4pPr marL="4389120" indent="0">
+              <a:buNone/>
+              <a:defRPr sz="2880"/>
+            </a:lvl4pPr>
+            <a:lvl5pPr marL="5852160" indent="0">
+              <a:buNone/>
+              <a:defRPr sz="2880"/>
+            </a:lvl5pPr>
+            <a:lvl6pPr marL="7315200" indent="0">
+              <a:buNone/>
+              <a:defRPr sz="2880"/>
+            </a:lvl6pPr>
+            <a:lvl7pPr marL="8778240" indent="0">
+              <a:buNone/>
+              <a:defRPr sz="2880"/>
+            </a:lvl7pPr>
+            <a:lvl8pPr marL="10241280" indent="0">
+              <a:buNone/>
+              <a:defRPr sz="2880"/>
+            </a:lvl8pPr>
+            <a:lvl9pPr marL="11704320" indent="0">
+              <a:buNone/>
+              <a:defRPr sz="2880"/>
+            </a:lvl9pPr>
+          </a:lstStyle>
+          <a:p>
+            <a:pPr lvl="0"/>
+            <a:r>
+              <a:rPr lang="en-US" smtClean="0"/>
+              <a:t>Click to edit Master text styles</a:t>
+            </a:r>
+          </a:p>
+        </p:txBody>
+      </p:sp>
+      <p:sp>
+        <p:nvSpPr>
+          <p:cNvPr id="5" name="Date Placeholder 4"/>
+          <p:cNvSpPr>
+            <a:spLocks noGrp="1"/>
+          </p:cNvSpPr>
+          <p:nvPr>
+            <p:ph type="dt" sz="half" idx="10"/>
+          </p:nvPr>
+        </p:nvSpPr>
+        <p:spPr>
+          <a:xfrm>
+            <a:off x="1256884" y="20671317"/>
+            <a:ext cx="7069979" cy="1168400"/>
+          </a:xfrm>
+        </p:spPr>
+        <p:txBody>
+          <a:bodyPr/>
+          <a:lstStyle>
+            <a:lvl1pPr algn="l">
+              <a:defRPr/>
+            </a:lvl1pPr>
+          </a:lstStyle>
+          <a:p>
+            <a:fld id="{985D6BDF-9D0E-4E2B-85B8-D8F4790360C9}" type="datetimeFigureOut">
+              <a:rPr lang="en-US" smtClean="0"/>
+              <a:t>12/11/17</a:t>
+            </a:fld>
+            <a:endParaRPr lang="en-US" dirty="0"/>
+          </a:p>
+        </p:txBody>
+      </p:sp>
+      <p:sp>
+        <p:nvSpPr>
+          <p:cNvPr id="6" name="Footer Placeholder 5"/>
+          <p:cNvSpPr>
+            <a:spLocks noGrp="1"/>
+          </p:cNvSpPr>
+          <p:nvPr>
+            <p:ph type="ftr" sz="quarter" idx="11"/>
+          </p:nvPr>
+        </p:nvSpPr>
+        <p:spPr>
+          <a:xfrm>
+            <a:off x="12961620" y="20671317"/>
+            <a:ext cx="12550140" cy="1168400"/>
+          </a:xfrm>
+        </p:spPr>
+        <p:txBody>
+          <a:bodyPr/>
+          <a:lstStyle>
+            <a:lvl1pPr algn="l">
+              <a:defRPr>
+                <a:solidFill>
+                  <a:schemeClr val="tx2"/>
+                </a:solidFill>
+              </a:defRPr>
+            </a:lvl1pPr>
+          </a:lstStyle>
+          <a:p>
+            <a:endParaRPr lang="en-US" dirty="0"/>
+          </a:p>
+        </p:txBody>
+      </p:sp>
+      <p:sp>
+        <p:nvSpPr>
+          <p:cNvPr id="7" name="Slide Number Placeholder 6"/>
+          <p:cNvSpPr>
+            <a:spLocks noGrp="1"/>
+          </p:cNvSpPr>
+          <p:nvPr>
+            <p:ph type="sldNum" sz="quarter" idx="12"/>
+          </p:nvPr>
+        </p:nvSpPr>
+        <p:spPr/>
+        <p:txBody>
+          <a:bodyPr/>
+          <a:lstStyle>
+            <a:lvl1pPr>
+              <a:defRPr>
+                <a:solidFill>
+                  <a:schemeClr val="tx2"/>
+                </a:solidFill>
+              </a:defRPr>
+            </a:lvl1pPr>
+          </a:lstStyle>
+          <a:p>
+            <a:fld id="{FBB075EA-769C-4ECD-B48E-D6FCDC24F876}" type="slidenum">
+              <a:rPr lang="en-US" smtClean="0"/>
+              <a:t>‹#›</a:t>
+            </a:fld>
+            <a:endParaRPr lang="en-US" dirty="0"/>
+          </a:p>
+        </p:txBody>
+      </p:sp>
+    </p:spTree>
+  </p:cSld>
+  <p:clrMapOvr>
+    <a:masterClrMapping/>
+  </p:clrMapOvr>
+</p:sldLayout>
+</file>
+
+<file path=ppt/slideLayouts/slideLayout9.xml><?xml version="1.0" encoding="utf-8"?>
+<p:sldLayout xmlns:a="http://schemas.openxmlformats.org/drawingml/2006/main" xmlns:r="http://schemas.openxmlformats.org/officeDocument/2006/relationships" xmlns:p="http://schemas.openxmlformats.org/presentationml/2006/main" showMasterSp="0" type="picTx" preserve="1">
+  <p:cSld name="Picture with Caption">
+    <p:spTree>
+      <p:nvGrpSpPr>
+        <p:cNvPr id="1" name=""/>
+        <p:cNvGrpSpPr/>
+        <p:nvPr/>
+      </p:nvGrpSpPr>
+      <p:grpSpPr>
+        <a:xfrm>
+          <a:off x="0" y="0"/>
+          <a:ext cx="0" cy="0"/>
+          <a:chOff x="0" y="0"/>
+          <a:chExt cx="0" cy="0"/>
+        </a:xfrm>
+      </p:grpSpPr>
+      <p:sp>
+        <p:nvSpPr>
+          <p:cNvPr id="8" name="Rectangle 7"/>
+          <p:cNvSpPr/>
+          <p:nvPr/>
+        </p:nvSpPr>
+        <p:spPr>
+          <a:xfrm>
+            <a:off x="2" y="15849600"/>
+            <a:ext cx="32909828" cy="6096000"/>
+          </a:xfrm>
+          <a:prstGeom prst="rect">
+            <a:avLst/>
+          </a:prstGeom>
+          <a:solidFill>
+            <a:schemeClr val="accent2"/>
+          </a:solidFill>
+          <a:ln>
+            <a:noFill/>
+          </a:ln>
+        </p:spPr>
+        <p:style>
+          <a:lnRef idx="2">
+            <a:schemeClr val="accent1">
+              <a:shade val="50000"/>
+            </a:schemeClr>
+          </a:lnRef>
+          <a:fillRef idx="1">
+            <a:schemeClr val="accent1"/>
+          </a:fillRef>
+          <a:effectRef idx="0">
+            <a:schemeClr val="accent1"/>
+          </a:effectRef>
+          <a:fontRef idx="minor">
+            <a:schemeClr val="lt1"/>
+          </a:fontRef>
+        </p:style>
+      </p:sp>
+      <p:sp>
+        <p:nvSpPr>
+          <p:cNvPr id="9" name="Rectangle 8"/>
+          <p:cNvSpPr/>
+          <p:nvPr/>
+        </p:nvSpPr>
+        <p:spPr>
+          <a:xfrm>
+            <a:off x="45" y="15728243"/>
+            <a:ext cx="32909828" cy="204826"/>
+          </a:xfrm>
+          <a:prstGeom prst="rect">
+            <a:avLst/>
+          </a:prstGeom>
+          <a:solidFill>
+            <a:schemeClr val="accent1"/>
+          </a:solidFill>
+          <a:ln>
+            <a:noFill/>
+          </a:ln>
+        </p:spPr>
+        <p:style>
+          <a:lnRef idx="2">
+            <a:schemeClr val="accent1">
+              <a:shade val="50000"/>
+            </a:schemeClr>
+          </a:lnRef>
+          <a:fillRef idx="1">
+            <a:schemeClr val="accent1"/>
+          </a:fillRef>
+          <a:effectRef idx="0">
+            <a:schemeClr val="accent1"/>
+          </a:effectRef>
+          <a:fontRef idx="minor">
+            <a:schemeClr val="lt1"/>
+          </a:fontRef>
+        </p:style>
+      </p:sp>
+      <p:sp>
+        <p:nvSpPr>
+          <p:cNvPr id="2" name="Title 1"/>
+          <p:cNvSpPr>
+            <a:spLocks noGrp="1"/>
+          </p:cNvSpPr>
+          <p:nvPr>
+            <p:ph type="title"/>
+          </p:nvPr>
+        </p:nvSpPr>
+        <p:spPr>
+          <a:xfrm>
+            <a:off x="2962656" y="16239744"/>
+            <a:ext cx="27306842" cy="2633472"/>
+          </a:xfrm>
+        </p:spPr>
+        <p:txBody>
+          <a:bodyPr tIns="0" bIns="0" anchor="b">
+            <a:noAutofit/>
+          </a:bodyPr>
+          <a:lstStyle>
+            <a:lvl1pPr>
+              <a:defRPr sz="11520" b="0">
+                <a:solidFill>
+                  <a:srgbClr val="FFFFFF"/>
+                </a:solidFill>
+              </a:defRPr>
+            </a:lvl1pPr>
+          </a:lstStyle>
+          <a:p>
+            <a:r>
+              <a:rPr lang="en-US" smtClean="0"/>
+              <a:t>Click to edit Master title style</a:t>
+            </a:r>
+            <a:endParaRPr lang="en-US" dirty="0"/>
+          </a:p>
+        </p:txBody>
+      </p:sp>
+      <p:sp>
+        <p:nvSpPr>
+          <p:cNvPr id="3" name="Picture Placeholder 2"/>
+          <p:cNvSpPr>
+            <a:spLocks noGrp="1" noChangeAspect="1"/>
+          </p:cNvSpPr>
+          <p:nvPr>
+            <p:ph type="pic" idx="1"/>
+          </p:nvPr>
+        </p:nvSpPr>
+        <p:spPr>
+          <a:xfrm>
+            <a:off x="45" y="0"/>
+            <a:ext cx="32918360" cy="15728243"/>
+          </a:xfrm>
+          <a:solidFill>
+            <a:schemeClr val="bg2">
+              <a:lumMod val="90000"/>
+            </a:schemeClr>
+          </a:solidFill>
+        </p:spPr>
+        <p:txBody>
+          <a:bodyPr lIns="457200" tIns="457200" anchor="t"/>
+          <a:lstStyle>
+            <a:lvl1pPr marL="0" indent="0">
+              <a:buNone/>
+              <a:defRPr sz="10240"/>
+            </a:lvl1pPr>
+            <a:lvl2pPr marL="1463040" indent="0">
+              <a:buNone/>
+              <a:defRPr sz="8960"/>
+            </a:lvl2pPr>
+            <a:lvl3pPr marL="2926080" indent="0">
+              <a:buNone/>
+              <a:defRPr sz="7680"/>
+            </a:lvl3pPr>
+            <a:lvl4pPr marL="4389120" indent="0">
+              <a:buNone/>
+              <a:defRPr sz="6400"/>
+            </a:lvl4pPr>
+            <a:lvl5pPr marL="5852160" indent="0">
+              <a:buNone/>
+              <a:defRPr sz="6400"/>
+            </a:lvl5pPr>
+            <a:lvl6pPr marL="7315200" indent="0">
+              <a:buNone/>
+              <a:defRPr sz="6400"/>
+            </a:lvl6pPr>
+            <a:lvl7pPr marL="8778240" indent="0">
+              <a:buNone/>
+              <a:defRPr sz="6400"/>
+            </a:lvl7pPr>
+            <a:lvl8pPr marL="10241280" indent="0">
+              <a:buNone/>
+              <a:defRPr sz="6400"/>
+            </a:lvl8pPr>
+            <a:lvl9pPr marL="11704320" indent="0">
+              <a:buNone/>
+              <a:defRPr sz="6400"/>
+            </a:lvl9pPr>
+          </a:lstStyle>
+          <a:p>
+            <a:r>
+              <a:rPr lang="en-US" smtClean="0"/>
+              <a:t>Drag picture to placeholder or click icon to add</a:t>
+            </a:r>
+            <a:endParaRPr lang="en-US" dirty="0"/>
+          </a:p>
+        </p:txBody>
+      </p:sp>
+      <p:sp>
+        <p:nvSpPr>
+          <p:cNvPr id="4" name="Text Placeholder 3"/>
+          <p:cNvSpPr>
+            <a:spLocks noGrp="1"/>
+          </p:cNvSpPr>
+          <p:nvPr>
+            <p:ph type="body" sz="half" idx="2"/>
+          </p:nvPr>
+        </p:nvSpPr>
+        <p:spPr>
+          <a:xfrm>
+            <a:off x="2962656" y="18902477"/>
+            <a:ext cx="27322272" cy="1901952"/>
+          </a:xfrm>
+        </p:spPr>
+        <p:txBody>
+          <a:bodyPr lIns="91440" tIns="0" rIns="91440" bIns="0">
+            <a:normAutofit/>
+          </a:bodyPr>
+          <a:lstStyle>
+            <a:lvl1pPr marL="0" indent="0">
+              <a:spcBef>
+                <a:spcPts val="0"/>
+              </a:spcBef>
+              <a:spcAft>
+                <a:spcPts val="1920"/>
+              </a:spcAft>
+              <a:buNone/>
+              <a:defRPr sz="4800">
+                <a:solidFill>
+                  <a:srgbClr val="FFFFFF"/>
+                </a:solidFill>
+              </a:defRPr>
+            </a:lvl1pPr>
+            <a:lvl2pPr marL="1463040" indent="0">
+              <a:buNone/>
+              <a:defRPr sz="3840"/>
+            </a:lvl2pPr>
+            <a:lvl3pPr marL="2926080" indent="0">
+              <a:buNone/>
+              <a:defRPr sz="3200"/>
+            </a:lvl3pPr>
+            <a:lvl4pPr marL="4389120" indent="0">
+              <a:buNone/>
+              <a:defRPr sz="2880"/>
+            </a:lvl4pPr>
+            <a:lvl5pPr marL="5852160" indent="0">
+              <a:buNone/>
+              <a:defRPr sz="2880"/>
+            </a:lvl5pPr>
+            <a:lvl6pPr marL="7315200" indent="0">
+              <a:buNone/>
+              <a:defRPr sz="2880"/>
+            </a:lvl6pPr>
+            <a:lvl7pPr marL="8778240" indent="0">
+              <a:buNone/>
+              <a:defRPr sz="2880"/>
+            </a:lvl7pPr>
+            <a:lvl8pPr marL="10241280" indent="0">
+              <a:buNone/>
+              <a:defRPr sz="2880"/>
+            </a:lvl8pPr>
+            <a:lvl9pPr marL="11704320" indent="0">
+              <a:buNone/>
+              <a:defRPr sz="2880"/>
+            </a:lvl9pPr>
+          </a:lstStyle>
+          <a:p>
+            <a:pPr lvl="0"/>
+            <a:r>
+              <a:rPr lang="en-US" smtClean="0"/>
+              <a:t>Click to edit Master text styles</a:t>
+            </a:r>
+          </a:p>
+        </p:txBody>
+      </p:sp>
+      <p:sp>
+        <p:nvSpPr>
+          <p:cNvPr id="5" name="Date Placeholder 4"/>
+          <p:cNvSpPr>
+            <a:spLocks noGrp="1"/>
+          </p:cNvSpPr>
+          <p:nvPr>
+            <p:ph type="dt" sz="half" idx="10"/>
+          </p:nvPr>
+        </p:nvSpPr>
+        <p:spPr/>
+        <p:txBody>
+          <a:bodyPr/>
+          <a:lstStyle/>
+          <a:p>
+            <a:fld id="{985D6BDF-9D0E-4E2B-85B8-D8F4790360C9}" type="datetimeFigureOut">
+              <a:rPr lang="en-US" smtClean="0"/>
+              <a:t>12/11/17</a:t>
+            </a:fld>
+            <a:endParaRPr lang="en-US" dirty="0"/>
+          </a:p>
+        </p:txBody>
+      </p:sp>
+      <p:sp>
+        <p:nvSpPr>
+          <p:cNvPr id="6" name="Footer Placeholder 5"/>
+          <p:cNvSpPr>
+            <a:spLocks noGrp="1"/>
+          </p:cNvSpPr>
+          <p:nvPr>
+            <p:ph type="ftr" sz="quarter" idx="11"/>
+          </p:nvPr>
+        </p:nvSpPr>
+        <p:spPr/>
+        <p:txBody>
+          <a:bodyPr/>
+          <a:lstStyle/>
+          <a:p>
+            <a:endParaRPr lang="en-US"/>
+          </a:p>
+        </p:txBody>
+      </p:sp>
+      <p:sp>
+        <p:nvSpPr>
+          <p:cNvPr id="7" name="Slide Number Placeholder 6"/>
+          <p:cNvSpPr>
+            <a:spLocks noGrp="1"/>
+          </p:cNvSpPr>
+          <p:nvPr>
+            <p:ph type="sldNum" sz="quarter" idx="12"/>
+          </p:nvPr>
+        </p:nvSpPr>
+        <p:spPr/>
+        <p:txBody>
+          <a:bodyPr/>
+          <a:lstStyle/>
+          <a:p>
+            <a:fld id="{FBB075EA-769C-4ECD-B48E-D6FCDC24F876}" type="slidenum">
+              <a:rPr lang="en-US" smtClean="0"/>
+              <a:t>‹#›</a:t>
+            </a:fld>
+            <a:endParaRPr lang="en-US" dirty="0"/>
+          </a:p>
+        </p:txBody>
+      </p:sp>
+    </p:spTree>
   </p:cSld>
   <p:clrMapOvr>
     <a:masterClrMapping/>
@@ -1983,6 +4698,82 @@
       </p:grpSpPr>
       <p:sp>
         <p:nvSpPr>
+          <p:cNvPr id="7" name="Rectangle 6"/>
+          <p:cNvSpPr/>
+          <p:nvPr/>
+        </p:nvSpPr>
+        <p:spPr>
+          <a:xfrm>
+            <a:off x="2" y="20482560"/>
+            <a:ext cx="32918404" cy="1463040"/>
+          </a:xfrm>
+          <a:prstGeom prst="rect">
+            <a:avLst/>
+          </a:prstGeom>
+          <a:solidFill>
+            <a:schemeClr val="accent2"/>
+          </a:solidFill>
+          <a:ln>
+            <a:noFill/>
+          </a:ln>
+        </p:spPr>
+        <p:style>
+          <a:lnRef idx="2">
+            <a:schemeClr val="accent1">
+              <a:shade val="50000"/>
+            </a:schemeClr>
+          </a:lnRef>
+          <a:fillRef idx="1">
+            <a:schemeClr val="accent1"/>
+          </a:fillRef>
+          <a:effectRef idx="0">
+            <a:schemeClr val="accent1"/>
+          </a:effectRef>
+          <a:fontRef idx="minor">
+            <a:schemeClr val="lt1"/>
+          </a:fontRef>
+        </p:style>
+      </p:sp>
+      <p:sp>
+        <p:nvSpPr>
+          <p:cNvPr id="9" name="Rectangle 8"/>
+          <p:cNvSpPr/>
+          <p:nvPr/>
+        </p:nvSpPr>
+        <p:spPr>
+          <a:xfrm>
+            <a:off x="2" y="20269810"/>
+            <a:ext cx="32918404" cy="211197"/>
+          </a:xfrm>
+          <a:prstGeom prst="rect">
+            <a:avLst/>
+          </a:prstGeom>
+          <a:solidFill>
+            <a:schemeClr val="accent1"/>
+          </a:solidFill>
+          <a:ln>
+            <a:noFill/>
+          </a:ln>
+        </p:spPr>
+        <p:style>
+          <a:lnRef idx="2">
+            <a:schemeClr val="accent1">
+              <a:shade val="50000"/>
+            </a:schemeClr>
+          </a:lnRef>
+          <a:fillRef idx="1">
+            <a:schemeClr val="accent1"/>
+          </a:fillRef>
+          <a:effectRef idx="0">
+            <a:schemeClr val="accent1"/>
+          </a:effectRef>
+          <a:fontRef idx="minor">
+            <a:schemeClr val="lt1"/>
+          </a:fontRef>
+        </p:style>
+      </p:sp>
+      <p:sp>
+        <p:nvSpPr>
           <p:cNvPr id="2" name="Title Placeholder 1"/>
           <p:cNvSpPr>
             <a:spLocks noGrp="1"/>
@@ -1993,23 +4784,24 @@
         </p:nvSpPr>
         <p:spPr>
           <a:xfrm>
-            <a:off x="1645920" y="878842"/>
-            <a:ext cx="29626560" cy="3657600"/>
+            <a:off x="2962656" y="917135"/>
+            <a:ext cx="27157680" cy="4642422"/>
           </a:xfrm>
           <a:prstGeom prst="rect">
             <a:avLst/>
           </a:prstGeom>
         </p:spPr>
         <p:txBody>
-          <a:bodyPr vert="horz" lIns="235061" tIns="117531" rIns="235061" bIns="117531" rtlCol="0" anchor="ctr">
+          <a:bodyPr vert="horz" lIns="91440" tIns="45720" rIns="91440" bIns="45720" rtlCol="0" anchor="b">
             <a:normAutofit/>
           </a:bodyPr>
           <a:lstStyle/>
           <a:p>
             <a:r>
-              <a:rPr lang="en-US" dirty="0"/>
+              <a:rPr lang="en-US" smtClean="0"/>
               <a:t>Click to edit Master title style</a:t>
             </a:r>
+            <a:endParaRPr lang="en-US" dirty="0"/>
           </a:p>
         </p:txBody>
       </p:sp>
@@ -2025,52 +4817,53 @@
         </p:nvSpPr>
         <p:spPr>
           <a:xfrm>
-            <a:off x="1645920" y="5120644"/>
-            <a:ext cx="29626560" cy="14483082"/>
+            <a:off x="2962654" y="5906349"/>
+            <a:ext cx="27157684" cy="12874752"/>
           </a:xfrm>
           <a:prstGeom prst="rect">
             <a:avLst/>
           </a:prstGeom>
         </p:spPr>
         <p:txBody>
-          <a:bodyPr vert="horz" lIns="235061" tIns="117531" rIns="235061" bIns="117531" rtlCol="0">
+          <a:bodyPr vert="horz" lIns="0" tIns="45720" rIns="0" bIns="45720" rtlCol="0">
             <a:normAutofit/>
           </a:bodyPr>
           <a:lstStyle/>
           <a:p>
             <a:pPr lvl="0"/>
             <a:r>
-              <a:rPr lang="en-US" dirty="0"/>
+              <a:rPr lang="en-US" smtClean="0"/>
               <a:t>Click to edit Master text styles</a:t>
             </a:r>
           </a:p>
           <a:p>
             <a:pPr lvl="1"/>
             <a:r>
-              <a:rPr lang="en-US" dirty="0"/>
+              <a:rPr lang="en-US" smtClean="0"/>
               <a:t>Second level</a:t>
             </a:r>
           </a:p>
           <a:p>
             <a:pPr lvl="2"/>
             <a:r>
-              <a:rPr lang="en-US" dirty="0"/>
+              <a:rPr lang="en-US" smtClean="0"/>
               <a:t>Third level</a:t>
             </a:r>
           </a:p>
           <a:p>
             <a:pPr lvl="3"/>
             <a:r>
-              <a:rPr lang="en-US" dirty="0"/>
+              <a:rPr lang="en-US" smtClean="0"/>
               <a:t>Fourth level</a:t>
             </a:r>
           </a:p>
           <a:p>
             <a:pPr lvl="4"/>
             <a:r>
-              <a:rPr lang="en-US" dirty="0"/>
+              <a:rPr lang="en-US" smtClean="0"/>
               <a:t>Fifth level</a:t>
             </a:r>
+            <a:endParaRPr lang="en-US" dirty="0"/>
           </a:p>
         </p:txBody>
       </p:sp>
@@ -2086,22 +4879,20 @@
         </p:nvSpPr>
         <p:spPr>
           <a:xfrm>
-            <a:off x="1645920" y="20340322"/>
-            <a:ext cx="7680960" cy="1168400"/>
+            <a:off x="2962661" y="20671317"/>
+            <a:ext cx="6675131" cy="1168400"/>
           </a:xfrm>
           <a:prstGeom prst="rect">
             <a:avLst/>
           </a:prstGeom>
         </p:spPr>
         <p:txBody>
-          <a:bodyPr vert="horz" lIns="235061" tIns="117531" rIns="235061" bIns="117531" rtlCol="0" anchor="ctr"/>
+          <a:bodyPr vert="horz" lIns="91440" tIns="45720" rIns="91440" bIns="45720" rtlCol="0" anchor="ctr"/>
           <a:lstStyle>
             <a:lvl1pPr algn="l">
-              <a:defRPr sz="3200">
-                <a:solidFill>
-                  <a:schemeClr val="tx1">
-                    <a:tint val="75000"/>
-                  </a:schemeClr>
+              <a:defRPr sz="2880">
+                <a:solidFill>
+                  <a:srgbClr val="FFFFFF"/>
                 </a:solidFill>
               </a:defRPr>
             </a:lvl1pPr>
@@ -2109,7 +4900,7 @@
           <a:p>
             <a:fld id="{985D6BDF-9D0E-4E2B-85B8-D8F4790360C9}" type="datetimeFigureOut">
               <a:rPr lang="en-US" smtClean="0"/>
-              <a:t>12/11/2017</a:t>
+              <a:t>12/11/17</a:t>
             </a:fld>
             <a:endParaRPr lang="en-US" dirty="0"/>
           </a:p>
@@ -2127,22 +4918,20 @@
         </p:nvSpPr>
         <p:spPr>
           <a:xfrm>
-            <a:off x="11247120" y="20340322"/>
-            <a:ext cx="10424160" cy="1168400"/>
+            <a:off x="9952702" y="20671317"/>
+            <a:ext cx="13021571" cy="1168400"/>
           </a:xfrm>
           <a:prstGeom prst="rect">
             <a:avLst/>
           </a:prstGeom>
         </p:spPr>
         <p:txBody>
-          <a:bodyPr vert="horz" lIns="235061" tIns="117531" rIns="235061" bIns="117531" rtlCol="0" anchor="ctr"/>
+          <a:bodyPr vert="horz" lIns="91440" tIns="45720" rIns="91440" bIns="45720" rtlCol="0" anchor="ctr"/>
           <a:lstStyle>
             <a:lvl1pPr algn="ctr">
-              <a:defRPr sz="3200">
-                <a:solidFill>
-                  <a:schemeClr val="tx1">
-                    <a:tint val="75000"/>
-                  </a:schemeClr>
+              <a:defRPr sz="2880" cap="all" baseline="0">
+                <a:solidFill>
+                  <a:srgbClr val="FFFFFF"/>
                 </a:solidFill>
               </a:defRPr>
             </a:lvl1pPr>
@@ -2164,22 +4953,20 @@
         </p:nvSpPr>
         <p:spPr>
           <a:xfrm>
-            <a:off x="23591520" y="20340322"/>
-            <a:ext cx="7680960" cy="1168400"/>
+            <a:off x="26731240" y="20671317"/>
+            <a:ext cx="3542468" cy="1168400"/>
           </a:xfrm>
           <a:prstGeom prst="rect">
             <a:avLst/>
           </a:prstGeom>
         </p:spPr>
         <p:txBody>
-          <a:bodyPr vert="horz" lIns="235061" tIns="117531" rIns="235061" bIns="117531" rtlCol="0" anchor="ctr"/>
+          <a:bodyPr vert="horz" lIns="91440" tIns="45720" rIns="91440" bIns="45720" rtlCol="0" anchor="ctr"/>
           <a:lstStyle>
             <a:lvl1pPr algn="r">
-              <a:defRPr sz="3200">
-                <a:solidFill>
-                  <a:schemeClr val="tx1">
-                    <a:tint val="75000"/>
-                  </a:schemeClr>
+              <a:defRPr sz="3360">
+                <a:solidFill>
+                  <a:srgbClr val="FFFFFF"/>
                 </a:solidFill>
               </a:defRPr>
             </a:lvl1pPr>
@@ -2193,28 +4980,82 @@
           </a:p>
         </p:txBody>
       </p:sp>
+      <p:cxnSp>
+        <p:nvCxnSpPr>
+          <p:cNvPr id="10" name="Straight Connector 9"/>
+          <p:cNvCxnSpPr/>
+          <p:nvPr/>
+        </p:nvCxnSpPr>
+        <p:spPr>
+          <a:xfrm>
+            <a:off x="3222536" y="5561104"/>
+            <a:ext cx="26910792" cy="0"/>
+          </a:xfrm>
+          <a:prstGeom prst="line">
+            <a:avLst/>
+          </a:prstGeom>
+          <a:ln w="6350">
+            <a:solidFill>
+              <a:schemeClr val="tx1">
+                <a:lumMod val="50000"/>
+                <a:lumOff val="50000"/>
+              </a:schemeClr>
+            </a:solidFill>
+          </a:ln>
+        </p:spPr>
+        <p:style>
+          <a:lnRef idx="1">
+            <a:schemeClr val="accent1"/>
+          </a:lnRef>
+          <a:fillRef idx="0">
+            <a:schemeClr val="accent1"/>
+          </a:fillRef>
+          <a:effectRef idx="0">
+            <a:schemeClr val="accent1"/>
+          </a:effectRef>
+          <a:fontRef idx="minor">
+            <a:schemeClr val="tx1"/>
+          </a:fontRef>
+        </p:style>
+      </p:cxnSp>
     </p:spTree>
     <p:extLst>
       <p:ext uri="{BB962C8B-B14F-4D97-AF65-F5344CB8AC3E}">
-        <p14:creationId xmlns:p14="http://schemas.microsoft.com/office/powerpoint/2010/main" val="72322184"/>
+        <p14:creationId xmlns:p14="http://schemas.microsoft.com/office/powerpoint/2010/main" val="924163572"/>
       </p:ext>
     </p:extLst>
   </p:cSld>
   <p:clrMap bg1="lt1" tx1="dk1" bg2="lt2" tx2="dk2" accent1="accent1" accent2="accent2" accent3="accent3" accent4="accent4" accent5="accent5" accent6="accent6" hlink="hlink" folHlink="folHlink"/>
   <p:sldLayoutIdLst>
-    <p:sldLayoutId id="2147483649" r:id="rId1"/>
-    <p:sldLayoutId id="2147483650" r:id="rId2"/>
+    <p:sldLayoutId id="2147483873" r:id="rId1"/>
+    <p:sldLayoutId id="2147483874" r:id="rId2"/>
+    <p:sldLayoutId id="2147483875" r:id="rId3"/>
+    <p:sldLayoutId id="2147483876" r:id="rId4"/>
+    <p:sldLayoutId id="2147483877" r:id="rId5"/>
+    <p:sldLayoutId id="2147483878" r:id="rId6"/>
+    <p:sldLayoutId id="2147483879" r:id="rId7"/>
+    <p:sldLayoutId id="2147483880" r:id="rId8"/>
+    <p:sldLayoutId id="2147483881" r:id="rId9"/>
+    <p:sldLayoutId id="2147483882" r:id="rId10"/>
+    <p:sldLayoutId id="2147483883" r:id="rId11"/>
+    <p:sldLayoutId id="2147483884" r:id="rId12"/>
   </p:sldLayoutIdLst>
   <p:txStyles>
     <p:titleStyle>
-      <a:lvl1pPr algn="ctr" defTabSz="2350512" rtl="0" eaLnBrk="1" latinLnBrk="0" hangingPunct="1">
+      <a:lvl1pPr algn="l" defTabSz="2926080" rtl="0" eaLnBrk="1" latinLnBrk="0" hangingPunct="1">
+        <a:lnSpc>
+          <a:spcPct val="85000"/>
+        </a:lnSpc>
         <a:spcBef>
           <a:spcPct val="0"/>
         </a:spcBef>
         <a:buNone/>
-        <a:defRPr sz="4200" kern="1200">
+        <a:defRPr sz="15360" kern="1200" spc="-160" baseline="0">
           <a:solidFill>
-            <a:schemeClr val="tx1"/>
+            <a:schemeClr val="tx1">
+              <a:lumMod val="75000"/>
+              <a:lumOff val="25000"/>
+            </a:schemeClr>
           </a:solidFill>
           <a:latin typeface="+mj-lt"/>
           <a:ea typeface="+mj-ea"/>
@@ -2223,135 +5064,244 @@
       </a:lvl1pPr>
     </p:titleStyle>
     <p:bodyStyle>
-      <a:lvl1pPr marL="244846" indent="-244846" algn="l" defTabSz="2350512" rtl="0" eaLnBrk="1" latinLnBrk="0" hangingPunct="1">
+      <a:lvl1pPr marL="292608" indent="-292608" algn="l" defTabSz="2926080" rtl="0" eaLnBrk="1" latinLnBrk="0" hangingPunct="1">
+        <a:lnSpc>
+          <a:spcPct val="90000"/>
+        </a:lnSpc>
         <a:spcBef>
-          <a:spcPct val="20000"/>
+          <a:spcPts val="3840"/>
         </a:spcBef>
-        <a:buFont typeface="Arial" pitchFamily="34" charset="0"/>
-        <a:buChar char="•"/>
-        <a:defRPr sz="1900" kern="1200">
+        <a:spcAft>
+          <a:spcPts val="640"/>
+        </a:spcAft>
+        <a:buClr>
+          <a:schemeClr val="accent1"/>
+        </a:buClr>
+        <a:buSzPct val="100000"/>
+        <a:buFont typeface="Calibri" panose="020F0502020204030204" pitchFamily="34" charset="0"/>
+        <a:buChar char=" "/>
+        <a:defRPr sz="6400" kern="1200">
           <a:solidFill>
-            <a:schemeClr val="tx1"/>
+            <a:schemeClr val="tx1">
+              <a:lumMod val="75000"/>
+              <a:lumOff val="25000"/>
+            </a:schemeClr>
           </a:solidFill>
           <a:latin typeface="+mn-lt"/>
           <a:ea typeface="+mn-ea"/>
           <a:cs typeface="+mn-cs"/>
         </a:defRPr>
       </a:lvl1pPr>
-      <a:lvl2pPr marL="489690" indent="-244846" algn="l" defTabSz="2350512" rtl="0" eaLnBrk="1" latinLnBrk="0" hangingPunct="1">
+      <a:lvl2pPr marL="1228954" indent="-585216" algn="l" defTabSz="2926080" rtl="0" eaLnBrk="1" latinLnBrk="0" hangingPunct="1">
+        <a:lnSpc>
+          <a:spcPct val="90000"/>
+        </a:lnSpc>
         <a:spcBef>
-          <a:spcPct val="20000"/>
+          <a:spcPts val="640"/>
         </a:spcBef>
-        <a:buFont typeface="Arial" pitchFamily="34" charset="0"/>
-        <a:buChar char="–"/>
-        <a:defRPr sz="1900" kern="1200">
+        <a:spcAft>
+          <a:spcPts val="1280"/>
+        </a:spcAft>
+        <a:buClr>
+          <a:schemeClr val="accent1"/>
+        </a:buClr>
+        <a:buFont typeface="Calibri" pitchFamily="34" charset="0"/>
+        <a:buChar char="◦"/>
+        <a:defRPr sz="5760" kern="1200">
           <a:solidFill>
-            <a:schemeClr val="tx1"/>
+            <a:schemeClr val="tx1">
+              <a:lumMod val="75000"/>
+              <a:lumOff val="25000"/>
+            </a:schemeClr>
           </a:solidFill>
           <a:latin typeface="+mn-lt"/>
           <a:ea typeface="+mn-ea"/>
           <a:cs typeface="+mn-cs"/>
         </a:defRPr>
       </a:lvl2pPr>
-      <a:lvl3pPr marL="734536" indent="-244846" algn="l" defTabSz="2350512" rtl="0" eaLnBrk="1" latinLnBrk="0" hangingPunct="1">
+      <a:lvl3pPr marL="1814170" indent="-585216" algn="l" defTabSz="2926080" rtl="0" eaLnBrk="1" latinLnBrk="0" hangingPunct="1">
+        <a:lnSpc>
+          <a:spcPct val="90000"/>
+        </a:lnSpc>
         <a:spcBef>
-          <a:spcPct val="20000"/>
+          <a:spcPts val="640"/>
         </a:spcBef>
-        <a:buFont typeface="Arial" pitchFamily="34" charset="0"/>
-        <a:buChar char="•"/>
-        <a:defRPr sz="1900" kern="1200">
+        <a:spcAft>
+          <a:spcPts val="1280"/>
+        </a:spcAft>
+        <a:buClr>
+          <a:schemeClr val="accent1"/>
+        </a:buClr>
+        <a:buFont typeface="Calibri" pitchFamily="34" charset="0"/>
+        <a:buChar char="◦"/>
+        <a:defRPr sz="4480" kern="1200">
           <a:solidFill>
-            <a:schemeClr val="tx1"/>
+            <a:schemeClr val="tx1">
+              <a:lumMod val="75000"/>
+              <a:lumOff val="25000"/>
+            </a:schemeClr>
           </a:solidFill>
           <a:latin typeface="+mn-lt"/>
           <a:ea typeface="+mn-ea"/>
           <a:cs typeface="+mn-cs"/>
         </a:defRPr>
       </a:lvl3pPr>
-      <a:lvl4pPr marL="979380" indent="-244846" algn="l" defTabSz="2350512" rtl="0" eaLnBrk="1" latinLnBrk="0" hangingPunct="1">
+      <a:lvl4pPr marL="2399386" indent="-585216" algn="l" defTabSz="2926080" rtl="0" eaLnBrk="1" latinLnBrk="0" hangingPunct="1">
+        <a:lnSpc>
+          <a:spcPct val="90000"/>
+        </a:lnSpc>
         <a:spcBef>
-          <a:spcPct val="20000"/>
+          <a:spcPts val="640"/>
         </a:spcBef>
-        <a:buFont typeface="Arial" pitchFamily="34" charset="0"/>
-        <a:buChar char="–"/>
-        <a:defRPr sz="1900" kern="1200">
+        <a:spcAft>
+          <a:spcPts val="1280"/>
+        </a:spcAft>
+        <a:buClr>
+          <a:schemeClr val="accent1"/>
+        </a:buClr>
+        <a:buFont typeface="Calibri" pitchFamily="34" charset="0"/>
+        <a:buChar char="◦"/>
+        <a:defRPr sz="4480" kern="1200">
           <a:solidFill>
-            <a:schemeClr val="tx1"/>
+            <a:schemeClr val="tx1">
+              <a:lumMod val="75000"/>
+              <a:lumOff val="25000"/>
+            </a:schemeClr>
           </a:solidFill>
           <a:latin typeface="+mn-lt"/>
           <a:ea typeface="+mn-ea"/>
           <a:cs typeface="+mn-cs"/>
         </a:defRPr>
       </a:lvl4pPr>
-      <a:lvl5pPr marL="1224226" indent="-244846" algn="l" defTabSz="2350512" rtl="0" eaLnBrk="1" latinLnBrk="0" hangingPunct="1">
+      <a:lvl5pPr marL="2984602" indent="-585216" algn="l" defTabSz="2926080" rtl="0" eaLnBrk="1" latinLnBrk="0" hangingPunct="1">
+        <a:lnSpc>
+          <a:spcPct val="90000"/>
+        </a:lnSpc>
         <a:spcBef>
-          <a:spcPct val="20000"/>
+          <a:spcPts val="640"/>
         </a:spcBef>
-        <a:buFont typeface="Arial" pitchFamily="34" charset="0"/>
-        <a:buChar char="»"/>
-        <a:defRPr sz="1900" kern="1200">
+        <a:spcAft>
+          <a:spcPts val="1280"/>
+        </a:spcAft>
+        <a:buClr>
+          <a:schemeClr val="accent1"/>
+        </a:buClr>
+        <a:buFont typeface="Calibri" pitchFamily="34" charset="0"/>
+        <a:buChar char="◦"/>
+        <a:defRPr sz="4480" kern="1200">
           <a:solidFill>
-            <a:schemeClr val="tx1"/>
+            <a:schemeClr val="tx1">
+              <a:lumMod val="75000"/>
+              <a:lumOff val="25000"/>
+            </a:schemeClr>
           </a:solidFill>
           <a:latin typeface="+mn-lt"/>
           <a:ea typeface="+mn-ea"/>
           <a:cs typeface="+mn-cs"/>
         </a:defRPr>
       </a:lvl5pPr>
-      <a:lvl6pPr marL="6463910" indent="-587628" algn="l" defTabSz="2350512" rtl="0" eaLnBrk="1" latinLnBrk="0" hangingPunct="1">
+      <a:lvl6pPr marL="3520000" indent="-731520" algn="l" defTabSz="2926080" rtl="0" eaLnBrk="1" latinLnBrk="0" hangingPunct="1">
+        <a:lnSpc>
+          <a:spcPct val="90000"/>
+        </a:lnSpc>
         <a:spcBef>
-          <a:spcPct val="20000"/>
+          <a:spcPts val="640"/>
         </a:spcBef>
-        <a:buFont typeface="Arial" pitchFamily="34" charset="0"/>
-        <a:buChar char="•"/>
-        <a:defRPr sz="5200" kern="1200">
+        <a:spcAft>
+          <a:spcPts val="1280"/>
+        </a:spcAft>
+        <a:buClr>
+          <a:schemeClr val="accent1"/>
+        </a:buClr>
+        <a:buFont typeface="Calibri" pitchFamily="34" charset="0"/>
+        <a:buChar char="◦"/>
+        <a:defRPr sz="4480" kern="1200">
           <a:solidFill>
-            <a:schemeClr val="tx1"/>
+            <a:schemeClr val="tx1">
+              <a:lumMod val="75000"/>
+              <a:lumOff val="25000"/>
+            </a:schemeClr>
           </a:solidFill>
           <a:latin typeface="+mn-lt"/>
           <a:ea typeface="+mn-ea"/>
           <a:cs typeface="+mn-cs"/>
         </a:defRPr>
       </a:lvl6pPr>
-      <a:lvl7pPr marL="7639166" indent="-587628" algn="l" defTabSz="2350512" rtl="0" eaLnBrk="1" latinLnBrk="0" hangingPunct="1">
+      <a:lvl7pPr marL="4160000" indent="-731520" algn="l" defTabSz="2926080" rtl="0" eaLnBrk="1" latinLnBrk="0" hangingPunct="1">
+        <a:lnSpc>
+          <a:spcPct val="90000"/>
+        </a:lnSpc>
         <a:spcBef>
-          <a:spcPct val="20000"/>
+          <a:spcPts val="640"/>
         </a:spcBef>
-        <a:buFont typeface="Arial" pitchFamily="34" charset="0"/>
-        <a:buChar char="•"/>
-        <a:defRPr sz="5200" kern="1200">
+        <a:spcAft>
+          <a:spcPts val="1280"/>
+        </a:spcAft>
+        <a:buClr>
+          <a:schemeClr val="accent1"/>
+        </a:buClr>
+        <a:buFont typeface="Calibri" pitchFamily="34" charset="0"/>
+        <a:buChar char="◦"/>
+        <a:defRPr sz="4480" kern="1200">
           <a:solidFill>
-            <a:schemeClr val="tx1"/>
+            <a:schemeClr val="tx1">
+              <a:lumMod val="75000"/>
+              <a:lumOff val="25000"/>
+            </a:schemeClr>
           </a:solidFill>
           <a:latin typeface="+mn-lt"/>
           <a:ea typeface="+mn-ea"/>
           <a:cs typeface="+mn-cs"/>
         </a:defRPr>
       </a:lvl7pPr>
-      <a:lvl8pPr marL="8814424" indent="-587628" algn="l" defTabSz="2350512" rtl="0" eaLnBrk="1" latinLnBrk="0" hangingPunct="1">
+      <a:lvl8pPr marL="4800000" indent="-731520" algn="l" defTabSz="2926080" rtl="0" eaLnBrk="1" latinLnBrk="0" hangingPunct="1">
+        <a:lnSpc>
+          <a:spcPct val="90000"/>
+        </a:lnSpc>
         <a:spcBef>
-          <a:spcPct val="20000"/>
+          <a:spcPts val="640"/>
         </a:spcBef>
-        <a:buFont typeface="Arial" pitchFamily="34" charset="0"/>
-        <a:buChar char="•"/>
-        <a:defRPr sz="5200" kern="1200">
+        <a:spcAft>
+          <a:spcPts val="1280"/>
+        </a:spcAft>
+        <a:buClr>
+          <a:schemeClr val="accent1"/>
+        </a:buClr>
+        <a:buFont typeface="Calibri" pitchFamily="34" charset="0"/>
+        <a:buChar char="◦"/>
+        <a:defRPr sz="4480" kern="1200">
           <a:solidFill>
-            <a:schemeClr val="tx1"/>
+            <a:schemeClr val="tx1">
+              <a:lumMod val="75000"/>
+              <a:lumOff val="25000"/>
+            </a:schemeClr>
           </a:solidFill>
           <a:latin typeface="+mn-lt"/>
           <a:ea typeface="+mn-ea"/>
           <a:cs typeface="+mn-cs"/>
         </a:defRPr>
       </a:lvl8pPr>
-      <a:lvl9pPr marL="9989678" indent="-587628" algn="l" defTabSz="2350512" rtl="0" eaLnBrk="1" latinLnBrk="0" hangingPunct="1">
+      <a:lvl9pPr marL="5440000" indent="-731520" algn="l" defTabSz="2926080" rtl="0" eaLnBrk="1" latinLnBrk="0" hangingPunct="1">
+        <a:lnSpc>
+          <a:spcPct val="90000"/>
+        </a:lnSpc>
         <a:spcBef>
-          <a:spcPct val="20000"/>
+          <a:spcPts val="640"/>
         </a:spcBef>
-        <a:buFont typeface="Arial" pitchFamily="34" charset="0"/>
-        <a:buChar char="•"/>
-        <a:defRPr sz="5200" kern="1200">
+        <a:spcAft>
+          <a:spcPts val="1280"/>
+        </a:spcAft>
+        <a:buClr>
+          <a:schemeClr val="accent1"/>
+        </a:buClr>
+        <a:buFont typeface="Calibri" pitchFamily="34" charset="0"/>
+        <a:buChar char="◦"/>
+        <a:defRPr sz="4480" kern="1200">
           <a:solidFill>
-            <a:schemeClr val="tx1"/>
+            <a:schemeClr val="tx1">
+              <a:lumMod val="75000"/>
+              <a:lumOff val="25000"/>
+            </a:schemeClr>
           </a:solidFill>
           <a:latin typeface="+mn-lt"/>
           <a:ea typeface="+mn-ea"/>
@@ -2363,8 +5313,8 @@
       <a:defPPr>
         <a:defRPr lang="en-US"/>
       </a:defPPr>
-      <a:lvl1pPr marL="0" algn="l" defTabSz="2350512" rtl="0" eaLnBrk="1" latinLnBrk="0" hangingPunct="1">
-        <a:defRPr sz="4600" kern="1200">
+      <a:lvl1pPr marL="0" algn="l" defTabSz="2926080" rtl="0" eaLnBrk="1" latinLnBrk="0" hangingPunct="1">
+        <a:defRPr sz="5760" kern="1200">
           <a:solidFill>
             <a:schemeClr val="tx1"/>
           </a:solidFill>
@@ -2373,8 +5323,8 @@
           <a:cs typeface="+mn-cs"/>
         </a:defRPr>
       </a:lvl1pPr>
-      <a:lvl2pPr marL="1175257" algn="l" defTabSz="2350512" rtl="0" eaLnBrk="1" latinLnBrk="0" hangingPunct="1">
-        <a:defRPr sz="4600" kern="1200">
+      <a:lvl2pPr marL="1463040" algn="l" defTabSz="2926080" rtl="0" eaLnBrk="1" latinLnBrk="0" hangingPunct="1">
+        <a:defRPr sz="5760" kern="1200">
           <a:solidFill>
             <a:schemeClr val="tx1"/>
           </a:solidFill>
@@ -2383,8 +5333,8 @@
           <a:cs typeface="+mn-cs"/>
         </a:defRPr>
       </a:lvl2pPr>
-      <a:lvl3pPr marL="2350512" algn="l" defTabSz="2350512" rtl="0" eaLnBrk="1" latinLnBrk="0" hangingPunct="1">
-        <a:defRPr sz="4600" kern="1200">
+      <a:lvl3pPr marL="2926080" algn="l" defTabSz="2926080" rtl="0" eaLnBrk="1" latinLnBrk="0" hangingPunct="1">
+        <a:defRPr sz="5760" kern="1200">
           <a:solidFill>
             <a:schemeClr val="tx1"/>
           </a:solidFill>
@@ -2393,8 +5343,8 @@
           <a:cs typeface="+mn-cs"/>
         </a:defRPr>
       </a:lvl3pPr>
-      <a:lvl4pPr marL="3525770" algn="l" defTabSz="2350512" rtl="0" eaLnBrk="1" latinLnBrk="0" hangingPunct="1">
-        <a:defRPr sz="4600" kern="1200">
+      <a:lvl4pPr marL="4389120" algn="l" defTabSz="2926080" rtl="0" eaLnBrk="1" latinLnBrk="0" hangingPunct="1">
+        <a:defRPr sz="5760" kern="1200">
           <a:solidFill>
             <a:schemeClr val="tx1"/>
           </a:solidFill>
@@ -2403,8 +5353,8 @@
           <a:cs typeface="+mn-cs"/>
         </a:defRPr>
       </a:lvl4pPr>
-      <a:lvl5pPr marL="4701026" algn="l" defTabSz="2350512" rtl="0" eaLnBrk="1" latinLnBrk="0" hangingPunct="1">
-        <a:defRPr sz="4600" kern="1200">
+      <a:lvl5pPr marL="5852160" algn="l" defTabSz="2926080" rtl="0" eaLnBrk="1" latinLnBrk="0" hangingPunct="1">
+        <a:defRPr sz="5760" kern="1200">
           <a:solidFill>
             <a:schemeClr val="tx1"/>
           </a:solidFill>
@@ -2413,8 +5363,8 @@
           <a:cs typeface="+mn-cs"/>
         </a:defRPr>
       </a:lvl5pPr>
-      <a:lvl6pPr marL="5876282" algn="l" defTabSz="2350512" rtl="0" eaLnBrk="1" latinLnBrk="0" hangingPunct="1">
-        <a:defRPr sz="4600" kern="1200">
+      <a:lvl6pPr marL="7315200" algn="l" defTabSz="2926080" rtl="0" eaLnBrk="1" latinLnBrk="0" hangingPunct="1">
+        <a:defRPr sz="5760" kern="1200">
           <a:solidFill>
             <a:schemeClr val="tx1"/>
           </a:solidFill>
@@ -2423,8 +5373,8 @@
           <a:cs typeface="+mn-cs"/>
         </a:defRPr>
       </a:lvl6pPr>
-      <a:lvl7pPr marL="7051537" algn="l" defTabSz="2350512" rtl="0" eaLnBrk="1" latinLnBrk="0" hangingPunct="1">
-        <a:defRPr sz="4600" kern="1200">
+      <a:lvl7pPr marL="8778240" algn="l" defTabSz="2926080" rtl="0" eaLnBrk="1" latinLnBrk="0" hangingPunct="1">
+        <a:defRPr sz="5760" kern="1200">
           <a:solidFill>
             <a:schemeClr val="tx1"/>
           </a:solidFill>
@@ -2433,8 +5383,8 @@
           <a:cs typeface="+mn-cs"/>
         </a:defRPr>
       </a:lvl7pPr>
-      <a:lvl8pPr marL="8226794" algn="l" defTabSz="2350512" rtl="0" eaLnBrk="1" latinLnBrk="0" hangingPunct="1">
-        <a:defRPr sz="4600" kern="1200">
+      <a:lvl8pPr marL="10241280" algn="l" defTabSz="2926080" rtl="0" eaLnBrk="1" latinLnBrk="0" hangingPunct="1">
+        <a:defRPr sz="5760" kern="1200">
           <a:solidFill>
             <a:schemeClr val="tx1"/>
           </a:solidFill>
@@ -2443,8 +5393,8 @@
           <a:cs typeface="+mn-cs"/>
         </a:defRPr>
       </a:lvl8pPr>
-      <a:lvl9pPr marL="9402052" algn="l" defTabSz="2350512" rtl="0" eaLnBrk="1" latinLnBrk="0" hangingPunct="1">
-        <a:defRPr sz="4600" kern="1200">
+      <a:lvl9pPr marL="11704320" algn="l" defTabSz="2926080" rtl="0" eaLnBrk="1" latinLnBrk="0" hangingPunct="1">
+        <a:defRPr sz="5760" kern="1200">
           <a:solidFill>
             <a:schemeClr val="tx1"/>
           </a:solidFill>
@@ -3417,7 +6367,7 @@
         <p:spPr bwMode="auto">
           <a:xfrm>
             <a:off x="11521440" y="3657601"/>
-            <a:ext cx="9875520" cy="11585530"/>
+            <a:ext cx="9875520" cy="14971072"/>
           </a:xfrm>
           <a:prstGeom prst="rect">
             <a:avLst/>
@@ -3578,8 +6528,21 @@
                 <a:latin typeface="Arial" panose="020B0604020202020204" pitchFamily="34" charset="0"/>
                 <a:cs typeface="Arial" panose="020B0604020202020204" pitchFamily="34" charset="0"/>
               </a:rPr>
-              <a:t>precision, 0% recall, and 100% specificity. Upon inspection, the model consistently predicted the 0 label for every single validation example. We hypothesized that the disproportionate prediction of label 0 was due to heavily unbalanced data, with a significant majority class 0.</a:t>
-            </a:r>
+              <a:t>precision, 0% recall, and 100% specificity. Upon inspection, the model consistently predicted the 0 label for every single validation example. We hypothesized that the disproportionate prediction of label 0 was due to heavily unbalanced data, with a significant majority class 0</a:t>
+            </a:r>
+            <a:r>
+              <a:rPr lang="en-US" sz="2000" dirty="0" smtClean="0">
+                <a:latin typeface="Arial" panose="020B0604020202020204" pitchFamily="34" charset="0"/>
+                <a:cs typeface="Arial" panose="020B0604020202020204" pitchFamily="34" charset="0"/>
+              </a:rPr>
+              <a:t>.</a:t>
+            </a:r>
+          </a:p>
+          <a:p>
+            <a:endParaRPr lang="en-US" sz="2000" dirty="0">
+              <a:latin typeface="Arial" panose="020B0604020202020204" pitchFamily="34" charset="0"/>
+              <a:cs typeface="Arial" panose="020B0604020202020204" pitchFamily="34" charset="0"/>
+            </a:endParaRPr>
           </a:p>
           <a:p>
             <a:pPr marL="342900" indent="-342900" eaLnBrk="1" hangingPunct="1">
@@ -3639,8 +6602,21 @@
                 <a:latin typeface="Arial" panose="020B0604020202020204" pitchFamily="34" charset="0"/>
                 <a:cs typeface="Arial" panose="020B0604020202020204" pitchFamily="34" charset="0"/>
               </a:rPr>
-              <a:t> of the majority class, and using our entire post-processed dataset of 8 million comparative examples, we achieved 50.0% accuracy, 50.0% precision, 100% recall, and 00.02% specificity. This means 50% likelihood of predicting same user when the user was in fact different. This is not more effective than a random guess, so the challenge will be lowering the false positive count, as it is more important, from a security point of view, to minimize false positives (predict same user, but actually different) than false negatives (predict different user, but actually same).</a:t>
-            </a:r>
+              <a:t> of the majority class, and using our entire post-processed dataset of 8 million comparative examples, we achieved 50.0% accuracy, 50.0% precision, 100% recall, and 00.02% specificity. This means 50% likelihood of predicting same user when the user was in fact different. This is not more effective than a random guess, so the challenge will be lowering the false positive count, as it is more important, from a security point of view, to minimize false positives (predict same user, but actually different) than false negatives (predict different user, but actually same</a:t>
+            </a:r>
+            <a:r>
+              <a:rPr lang="en-US" sz="2000" dirty="0" smtClean="0">
+                <a:latin typeface="Arial" panose="020B0604020202020204" pitchFamily="34" charset="0"/>
+                <a:cs typeface="Arial" panose="020B0604020202020204" pitchFamily="34" charset="0"/>
+              </a:rPr>
+              <a:t>).</a:t>
+            </a:r>
+          </a:p>
+          <a:p>
+            <a:endParaRPr lang="en-US" sz="2000" dirty="0">
+              <a:latin typeface="Arial" panose="020B0604020202020204" pitchFamily="34" charset="0"/>
+              <a:cs typeface="Arial" panose="020B0604020202020204" pitchFamily="34" charset="0"/>
+            </a:endParaRPr>
           </a:p>
           <a:p>
             <a:pPr marL="342900" indent="-342900" eaLnBrk="1" hangingPunct="1">
@@ -3735,7 +6711,61 @@
             </a:endParaRPr>
           </a:p>
           <a:p>
+            <a:endParaRPr lang="en-US" sz="2000" dirty="0" smtClean="0">
+              <a:latin typeface="Arial" panose="020B0604020202020204" pitchFamily="34" charset="0"/>
+              <a:cs typeface="Arial" panose="020B0604020202020204" pitchFamily="34" charset="0"/>
+            </a:endParaRPr>
+          </a:p>
+          <a:p>
             <a:endParaRPr lang="en-US" sz="2000" dirty="0">
+              <a:latin typeface="Arial" panose="020B0604020202020204" pitchFamily="34" charset="0"/>
+              <a:cs typeface="Arial" panose="020B0604020202020204" pitchFamily="34" charset="0"/>
+            </a:endParaRPr>
+          </a:p>
+          <a:p>
+            <a:endParaRPr lang="en-US" sz="2000" dirty="0" smtClean="0">
+              <a:latin typeface="Arial" panose="020B0604020202020204" pitchFamily="34" charset="0"/>
+              <a:cs typeface="Arial" panose="020B0604020202020204" pitchFamily="34" charset="0"/>
+            </a:endParaRPr>
+          </a:p>
+          <a:p>
+            <a:endParaRPr lang="en-US" sz="2000" dirty="0">
+              <a:latin typeface="Arial" panose="020B0604020202020204" pitchFamily="34" charset="0"/>
+              <a:cs typeface="Arial" panose="020B0604020202020204" pitchFamily="34" charset="0"/>
+            </a:endParaRPr>
+          </a:p>
+          <a:p>
+            <a:endParaRPr lang="en-US" sz="2000" dirty="0" smtClean="0">
+              <a:latin typeface="Arial" panose="020B0604020202020204" pitchFamily="34" charset="0"/>
+              <a:cs typeface="Arial" panose="020B0604020202020204" pitchFamily="34" charset="0"/>
+            </a:endParaRPr>
+          </a:p>
+          <a:p>
+            <a:endParaRPr lang="en-US" sz="2000" dirty="0">
+              <a:latin typeface="Arial" panose="020B0604020202020204" pitchFamily="34" charset="0"/>
+              <a:cs typeface="Arial" panose="020B0604020202020204" pitchFamily="34" charset="0"/>
+            </a:endParaRPr>
+          </a:p>
+          <a:p>
+            <a:endParaRPr lang="en-US" sz="2000" dirty="0" smtClean="0">
+              <a:latin typeface="Arial" panose="020B0604020202020204" pitchFamily="34" charset="0"/>
+              <a:cs typeface="Arial" panose="020B0604020202020204" pitchFamily="34" charset="0"/>
+            </a:endParaRPr>
+          </a:p>
+          <a:p>
+            <a:endParaRPr lang="en-US" sz="2000" dirty="0">
+              <a:latin typeface="Arial" panose="020B0604020202020204" pitchFamily="34" charset="0"/>
+              <a:cs typeface="Arial" panose="020B0604020202020204" pitchFamily="34" charset="0"/>
+            </a:endParaRPr>
+          </a:p>
+          <a:p>
+            <a:endParaRPr lang="en-US" sz="2000" dirty="0" smtClean="0">
+              <a:latin typeface="Arial" panose="020B0604020202020204" pitchFamily="34" charset="0"/>
+              <a:cs typeface="Arial" panose="020B0604020202020204" pitchFamily="34" charset="0"/>
+            </a:endParaRPr>
+          </a:p>
+          <a:p>
+            <a:endParaRPr lang="en-US" sz="2000" dirty="0" smtClean="0">
               <a:latin typeface="Arial" panose="020B0604020202020204" pitchFamily="34" charset="0"/>
               <a:cs typeface="Arial" panose="020B0604020202020204" pitchFamily="34" charset="0"/>
             </a:endParaRPr>
@@ -3878,7 +6908,7 @@
         </p:nvSpPr>
         <p:spPr bwMode="auto">
           <a:xfrm>
-            <a:off x="21945600" y="14415471"/>
+            <a:off x="21960840" y="13921206"/>
             <a:ext cx="9875520" cy="4814445"/>
           </a:xfrm>
           <a:prstGeom prst="rect">
@@ -4066,7 +7096,7 @@
         </p:nvSpPr>
         <p:spPr>
           <a:xfrm>
-            <a:off x="21945600" y="13958269"/>
+            <a:off x="21960840" y="13464004"/>
             <a:ext cx="9875520" cy="457200"/>
           </a:xfrm>
           <a:prstGeom prst="rect">
@@ -4603,7 +7633,22 @@
                 <a:latin typeface="Arial" panose="020B0604020202020204" pitchFamily="34" charset="0"/>
                 <a:cs typeface="Arial" panose="020B0604020202020204" pitchFamily="34" charset="0"/>
               </a:rPr>
-              <a:t>The MEU-Mobile KSD (Keystroke Dynamics) Data Set from the UCI Machine Learning Repository contains 51 records for each of 56 subjects - 2856 records total - of haptic, momentum, and timing features measured of a common sequence (.tie5Roanl) typed on a Nexus 7 mobile device. There are 71 features monitored, characterized by the attributes Hold, Up-Down, Down-Down, Pressure, Finger-Area, Average Hold, Average Pressure, Average Area.</a:t>
+              <a:t>The MEU-Mobile KSD (Keystroke Dynamics) Data Set from the UCI Machine Learning Repository contains 51 records for each of 56 subjects - 2856 records total - of haptic, momentum, and timing features measured of a common sequence (.tie5Roanl) typed on a Nexus 7 mobile device. There are 71 features monitored, characterized by the attributes </a:t>
+            </a:r>
+            <a:r>
+              <a:rPr lang="en-US" sz="2000" dirty="0">
+                <a:latin typeface="Andale Mono" charset="0"/>
+                <a:ea typeface="Andale Mono" charset="0"/>
+                <a:cs typeface="Andale Mono" charset="0"/>
+              </a:rPr>
+              <a:t>Hold, Up-Down, Down-Down, Pressure, Finger-Area, Average Hold, Average Pressure, Average Area</a:t>
+            </a:r>
+            <a:r>
+              <a:rPr lang="en-US" sz="2000" dirty="0">
+                <a:latin typeface="Arial" panose="020B0604020202020204" pitchFamily="34" charset="0"/>
+                <a:cs typeface="Arial" panose="020B0604020202020204" pitchFamily="34" charset="0"/>
+              </a:rPr>
+              <a:t>.</a:t>
             </a:r>
           </a:p>
           <a:p>
@@ -5244,10 +8289,10 @@
         </p:nvGrpSpPr>
         <p:grpSpPr>
           <a:xfrm>
-            <a:off x="959898" y="15796680"/>
-            <a:ext cx="5064159" cy="2521672"/>
-            <a:chOff x="929418" y="15689790"/>
-            <a:chExt cx="5064159" cy="2521672"/>
+            <a:off x="959898" y="15796677"/>
+            <a:ext cx="5064159" cy="2666774"/>
+            <a:chOff x="929418" y="15689787"/>
+            <a:chExt cx="5064159" cy="2666774"/>
           </a:xfrm>
         </p:grpSpPr>
         <p:grpSp>
@@ -5258,10 +8303,10 @@
           </p:nvGrpSpPr>
           <p:grpSpPr>
             <a:xfrm>
-              <a:off x="929418" y="15689790"/>
-              <a:ext cx="5064159" cy="2521672"/>
+              <a:off x="929418" y="15689787"/>
+              <a:ext cx="5064159" cy="2666774"/>
               <a:chOff x="-453356" y="13331973"/>
-              <a:chExt cx="9812582" cy="2235855"/>
+              <a:chExt cx="9812582" cy="2364511"/>
             </a:xfrm>
           </p:grpSpPr>
           <p:graphicFrame>
@@ -5292,28 +8337,28 @@
                     <a:gridCol w="827251">
                       <a:extLst>
                         <a:ext uri="{9D8B030D-6E8A-4147-A177-3AD203B41FA5}">
-                          <a16:colId xmlns="" xmlns:a16="http://schemas.microsoft.com/office/drawing/2014/main" val="20000"/>
+                          <a16:colId xmlns:a16="http://schemas.microsoft.com/office/drawing/2014/main" xmlns="" val="20000"/>
                         </a:ext>
                       </a:extLst>
                     </a:gridCol>
                     <a:gridCol w="678823">
                       <a:extLst>
                         <a:ext uri="{9D8B030D-6E8A-4147-A177-3AD203B41FA5}">
-                          <a16:colId xmlns="" xmlns:a16="http://schemas.microsoft.com/office/drawing/2014/main" val="20001"/>
+                          <a16:colId xmlns:a16="http://schemas.microsoft.com/office/drawing/2014/main" xmlns="" val="20001"/>
                         </a:ext>
                       </a:extLst>
                     </a:gridCol>
                     <a:gridCol w="566635">
                       <a:extLst>
                         <a:ext uri="{9D8B030D-6E8A-4147-A177-3AD203B41FA5}">
-                          <a16:colId xmlns="" xmlns:a16="http://schemas.microsoft.com/office/drawing/2014/main" val="20002"/>
+                          <a16:colId xmlns:a16="http://schemas.microsoft.com/office/drawing/2014/main" xmlns="" val="20002"/>
                         </a:ext>
                       </a:extLst>
                     </a:gridCol>
                     <a:gridCol w="1381150">
                       <a:extLst>
                         <a:ext uri="{9D8B030D-6E8A-4147-A177-3AD203B41FA5}">
-                          <a16:colId xmlns="" xmlns:a16="http://schemas.microsoft.com/office/drawing/2014/main" val="20003"/>
+                          <a16:colId xmlns:a16="http://schemas.microsoft.com/office/drawing/2014/main" xmlns="" val="20003"/>
                         </a:ext>
                       </a:extLst>
                     </a:gridCol>
@@ -5417,7 +8462,7 @@
                     </a:tc>
                     <a:extLst>
                       <a:ext uri="{0D108BD9-81ED-4DB2-BD59-A6C34878D82A}">
-                        <a16:rowId xmlns="" xmlns:a16="http://schemas.microsoft.com/office/drawing/2014/main" val="10000"/>
+                        <a16:rowId xmlns:a16="http://schemas.microsoft.com/office/drawing/2014/main" xmlns="" val="10000"/>
                       </a:ext>
                     </a:extLst>
                   </a:tr>
@@ -5492,7 +8537,7 @@
                     </a:tc>
                     <a:extLst>
                       <a:ext uri="{0D108BD9-81ED-4DB2-BD59-A6C34878D82A}">
-                        <a16:rowId xmlns="" xmlns:a16="http://schemas.microsoft.com/office/drawing/2014/main" val="10001"/>
+                        <a16:rowId xmlns:a16="http://schemas.microsoft.com/office/drawing/2014/main" xmlns="" val="10001"/>
                       </a:ext>
                     </a:extLst>
                   </a:tr>
@@ -5567,7 +8612,7 @@
                     </a:tc>
                     <a:extLst>
                       <a:ext uri="{0D108BD9-81ED-4DB2-BD59-A6C34878D82A}">
-                        <a16:rowId xmlns="" xmlns:a16="http://schemas.microsoft.com/office/drawing/2014/main" val="10002"/>
+                        <a16:rowId xmlns:a16="http://schemas.microsoft.com/office/drawing/2014/main" xmlns="" val="10002"/>
                       </a:ext>
                     </a:extLst>
                   </a:tr>
@@ -5642,7 +8687,7 @@
                     </a:tc>
                     <a:extLst>
                       <a:ext uri="{0D108BD9-81ED-4DB2-BD59-A6C34878D82A}">
-                        <a16:rowId xmlns="" xmlns:a16="http://schemas.microsoft.com/office/drawing/2014/main" val="10003"/>
+                        <a16:rowId xmlns:a16="http://schemas.microsoft.com/office/drawing/2014/main" xmlns="" val="10003"/>
                       </a:ext>
                     </a:extLst>
                   </a:tr>
@@ -5660,7 +8705,7 @@
             </p:nvSpPr>
             <p:spPr bwMode="auto">
               <a:xfrm>
-                <a:off x="1601862" y="15262006"/>
+                <a:off x="167203" y="15390662"/>
                 <a:ext cx="7254714" cy="305822"/>
               </a:xfrm>
               <a:prstGeom prst="rect">
@@ -6482,7 +9527,7 @@
         <p:spPr bwMode="auto">
           <a:xfrm>
             <a:off x="21945600" y="3657602"/>
-            <a:ext cx="9875520" cy="10046647"/>
+            <a:ext cx="9875520" cy="9431094"/>
           </a:xfrm>
           <a:prstGeom prst="rect">
             <a:avLst/>
@@ -6855,21 +9900,6 @@
               <a:latin typeface="Calibri" pitchFamily="34" charset="0"/>
             </a:endParaRPr>
           </a:p>
-          <a:p>
-            <a:pPr marL="342900" indent="-342900" eaLnBrk="1" hangingPunct="1">
-              <a:buFont typeface="Arial" panose="020B0604020202020204" pitchFamily="34" charset="0"/>
-              <a:buChar char="•"/>
-            </a:pPr>
-            <a:endParaRPr lang="en-US" sz="2000" dirty="0">
-              <a:latin typeface="Calibri" pitchFamily="34" charset="0"/>
-            </a:endParaRPr>
-          </a:p>
-          <a:p>
-            <a:pPr eaLnBrk="1" hangingPunct="1"/>
-            <a:endParaRPr lang="en-US" sz="2000" dirty="0" smtClean="0">
-              <a:latin typeface="Calibri" pitchFamily="34" charset="0"/>
-            </a:endParaRPr>
-          </a:p>
         </p:txBody>
       </p:sp>
       <p:sp>
@@ -6880,7 +9910,7 @@
         </p:nvSpPr>
         <p:spPr>
           <a:xfrm>
-            <a:off x="12420777" y="14517823"/>
+            <a:off x="22317458" y="12587653"/>
             <a:ext cx="8393323" cy="338554"/>
           </a:xfrm>
           <a:prstGeom prst="rect">
@@ -6920,68 +9950,61 @@
       </p:sp>
       <p:graphicFrame>
         <p:nvGraphicFramePr>
-          <p:cNvPr id="8" name="Table 7"/>
+          <p:cNvPr id="17" name="Table 16"/>
           <p:cNvGraphicFramePr>
             <a:graphicFrameLocks noGrp="1"/>
           </p:cNvGraphicFramePr>
           <p:nvPr>
             <p:extLst>
               <p:ext uri="{D42A27DB-BD31-4B8C-83A1-F6EECF244321}">
-                <p14:modId xmlns:p14="http://schemas.microsoft.com/office/powerpoint/2010/main" val="3223709280"/>
+                <p14:modId xmlns:p14="http://schemas.microsoft.com/office/powerpoint/2010/main" val="1630329943"/>
               </p:ext>
             </p:extLst>
           </p:nvPr>
         </p:nvGraphicFramePr>
         <p:xfrm>
-          <a:off x="12685272" y="13678473"/>
-          <a:ext cx="7864332" cy="839349"/>
+          <a:off x="22317458" y="6935173"/>
+          <a:ext cx="9090798" cy="5568711"/>
         </p:xfrm>
         <a:graphic>
           <a:graphicData uri="http://schemas.openxmlformats.org/drawingml/2006/table">
             <a:tbl>
               <a:tblPr firstRow="1" bandRow="1">
-                <a:tableStyleId>{F5AB1C69-6EDB-4FF4-983F-18BD219EF322}</a:tableStyleId>
+                <a:tableStyleId>{69012ECD-51FC-41F1-AA8D-1B2483CD663E}</a:tableStyleId>
               </a:tblPr>
               <a:tblGrid>
-                <a:gridCol w="1857375"/>
-                <a:gridCol w="704850"/>
-                <a:gridCol w="704850"/>
-                <a:gridCol w="1532419"/>
-                <a:gridCol w="1532419"/>
-                <a:gridCol w="1532419"/>
+                <a:gridCol w="1456942"/>
+                <a:gridCol w="1371600"/>
+                <a:gridCol w="1371600"/>
+                <a:gridCol w="1447800"/>
+                <a:gridCol w="1447800"/>
+                <a:gridCol w="1995056"/>
               </a:tblGrid>
-              <a:tr h="429120">
+              <a:tr h="637237">
                 <a:tc>
                   <a:txBody>
                     <a:bodyPr/>
                     <a:lstStyle/>
                     <a:p>
-                      <a:pPr algn="ctr"/>
-                      <a:r>
-                        <a:rPr lang="en-US" sz="1400" dirty="0" smtClean="0">
-                          <a:latin typeface="Arial" panose="020B0604020202020204" pitchFamily="34" charset="0"/>
-                          <a:cs typeface="Arial" panose="020B0604020202020204" pitchFamily="34" charset="0"/>
-                        </a:rPr>
-                        <a:t>DNN</a:t>
-                      </a:r>
-                      <a:r>
-                        <a:rPr lang="en-US" sz="1400" baseline="0" dirty="0" smtClean="0">
-                          <a:latin typeface="Arial" panose="020B0604020202020204" pitchFamily="34" charset="0"/>
-                          <a:cs typeface="Arial" panose="020B0604020202020204" pitchFamily="34" charset="0"/>
-                        </a:rPr>
-                        <a:t> Hidden Layers</a:t>
-                      </a:r>
-                      <a:endParaRPr lang="en-US" sz="1400" dirty="0">
-                        <a:latin typeface="Arial" panose="020B0604020202020204" pitchFamily="34" charset="0"/>
-                        <a:cs typeface="Arial" panose="020B0604020202020204" pitchFamily="34" charset="0"/>
+                      <a:pPr algn="ctr" fontAlgn="b">
+                        <a:lnSpc>
+                          <a:spcPct val="150000"/>
+                        </a:lnSpc>
+                      </a:pPr>
+                      <a:endParaRPr lang="en-US" sz="2000" b="0" i="0" u="none" strike="noStrike" dirty="0">
+                        <a:solidFill>
+                          <a:srgbClr val="000000"/>
+                        </a:solidFill>
+                        <a:effectLst/>
+                        <a:latin typeface="Arial" charset="0"/>
+                        <a:ea typeface="Arial" charset="0"/>
+                        <a:cs typeface="Arial" charset="0"/>
                       </a:endParaRPr>
                     </a:p>
                   </a:txBody>
-                  <a:tcPr marL="76200" marR="76200" marT="19051" marB="19051" anchor="ctr">
+                  <a:tcPr marL="12700" marR="12700" marT="12700" marB="0" anchor="ctr">
                     <a:solidFill>
-                      <a:schemeClr val="accent1">
-                        <a:lumMod val="75000"/>
-                      </a:schemeClr>
+                      <a:schemeClr val="accent2"/>
                     </a:solidFill>
                   </a:tcPr>
                 </a:tc>
@@ -6990,25 +10013,34 @@
                     <a:bodyPr/>
                     <a:lstStyle/>
                     <a:p>
-                      <a:pPr algn="ctr"/>
+                      <a:pPr algn="ctr" fontAlgn="b">
+                        <a:lnSpc>
+                          <a:spcPct val="150000"/>
+                        </a:lnSpc>
+                      </a:pPr>
                       <a:r>
-                        <a:rPr lang="en-US" sz="1400" dirty="0" smtClean="0">
-                          <a:latin typeface="Arial" panose="020B0604020202020204" pitchFamily="34" charset="0"/>
-                          <a:cs typeface="Arial" panose="020B0604020202020204" pitchFamily="34" charset="0"/>
+                        <a:rPr lang="en-US" sz="2000" u="none" strike="noStrike" dirty="0">
+                          <a:effectLst/>
+                          <a:latin typeface="Arial" charset="0"/>
+                          <a:ea typeface="Arial" charset="0"/>
+                          <a:cs typeface="Arial" charset="0"/>
                         </a:rPr>
-                        <a:t>1</a:t>
+                        <a:t>Loss</a:t>
                       </a:r>
-                      <a:endParaRPr lang="en-US" sz="1400" dirty="0">
-                        <a:latin typeface="Arial" panose="020B0604020202020204" pitchFamily="34" charset="0"/>
-                        <a:cs typeface="Arial" panose="020B0604020202020204" pitchFamily="34" charset="0"/>
+                      <a:endParaRPr lang="en-US" sz="2000" b="0" i="0" u="none" strike="noStrike" dirty="0">
+                        <a:solidFill>
+                          <a:srgbClr val="000000"/>
+                        </a:solidFill>
+                        <a:effectLst/>
+                        <a:latin typeface="Arial" charset="0"/>
+                        <a:ea typeface="Arial" charset="0"/>
+                        <a:cs typeface="Arial" charset="0"/>
                       </a:endParaRPr>
                     </a:p>
                   </a:txBody>
-                  <a:tcPr marL="76200" marR="76200" marT="19051" marB="19051" anchor="ctr">
+                  <a:tcPr marL="12700" marR="12700" marT="12700" marB="0" anchor="ctr">
                     <a:solidFill>
-                      <a:schemeClr val="accent1">
-                        <a:lumMod val="75000"/>
-                      </a:schemeClr>
+                      <a:schemeClr val="accent2"/>
                     </a:solidFill>
                   </a:tcPr>
                 </a:tc>
@@ -7017,25 +10049,34 @@
                     <a:bodyPr/>
                     <a:lstStyle/>
                     <a:p>
-                      <a:pPr algn="ctr"/>
+                      <a:pPr algn="ctr" fontAlgn="b">
+                        <a:lnSpc>
+                          <a:spcPct val="150000"/>
+                        </a:lnSpc>
+                      </a:pPr>
                       <a:r>
-                        <a:rPr lang="en-US" sz="1400" dirty="0" smtClean="0">
-                          <a:latin typeface="Arial" panose="020B0604020202020204" pitchFamily="34" charset="0"/>
-                          <a:cs typeface="Arial" panose="020B0604020202020204" pitchFamily="34" charset="0"/>
+                        <a:rPr lang="en-US" sz="2000" u="none" strike="noStrike" dirty="0">
+                          <a:effectLst/>
+                          <a:latin typeface="Arial" charset="0"/>
+                          <a:ea typeface="Arial" charset="0"/>
+                          <a:cs typeface="Arial" charset="0"/>
                         </a:rPr>
-                        <a:t>2</a:t>
+                        <a:t>Accuracy</a:t>
                       </a:r>
-                      <a:endParaRPr lang="en-US" sz="1400" dirty="0">
-                        <a:latin typeface="Arial" panose="020B0604020202020204" pitchFamily="34" charset="0"/>
-                        <a:cs typeface="Arial" panose="020B0604020202020204" pitchFamily="34" charset="0"/>
+                      <a:endParaRPr lang="en-US" sz="2000" b="0" i="0" u="none" strike="noStrike" dirty="0">
+                        <a:solidFill>
+                          <a:srgbClr val="000000"/>
+                        </a:solidFill>
+                        <a:effectLst/>
+                        <a:latin typeface="Arial" charset="0"/>
+                        <a:ea typeface="Arial" charset="0"/>
+                        <a:cs typeface="Arial" charset="0"/>
                       </a:endParaRPr>
                     </a:p>
                   </a:txBody>
-                  <a:tcPr marL="76200" marR="76200" marT="19051" marB="19051" anchor="ctr">
+                  <a:tcPr marL="12700" marR="12700" marT="12700" marB="0" anchor="ctr">
                     <a:solidFill>
-                      <a:schemeClr val="accent1">
-                        <a:lumMod val="75000"/>
-                      </a:schemeClr>
+                      <a:schemeClr val="accent2"/>
                     </a:solidFill>
                   </a:tcPr>
                 </a:tc>
@@ -7044,25 +10085,34 @@
                     <a:bodyPr/>
                     <a:lstStyle/>
                     <a:p>
-                      <a:pPr algn="ctr"/>
+                      <a:pPr algn="ctr" fontAlgn="b">
+                        <a:lnSpc>
+                          <a:spcPct val="150000"/>
+                        </a:lnSpc>
+                      </a:pPr>
                       <a:r>
-                        <a:rPr lang="en-US" sz="1400" dirty="0" smtClean="0">
-                          <a:latin typeface="Arial" panose="020B0604020202020204" pitchFamily="34" charset="0"/>
-                          <a:cs typeface="Arial" panose="020B0604020202020204" pitchFamily="34" charset="0"/>
+                        <a:rPr lang="en-US" sz="2000" u="none" strike="noStrike" dirty="0">
+                          <a:effectLst/>
+                          <a:latin typeface="Arial" charset="0"/>
+                          <a:ea typeface="Arial" charset="0"/>
+                          <a:cs typeface="Arial" charset="0"/>
                         </a:rPr>
-                        <a:t>3</a:t>
+                        <a:t>Recall</a:t>
                       </a:r>
-                      <a:endParaRPr lang="en-US" sz="1400" dirty="0">
-                        <a:latin typeface="Arial" panose="020B0604020202020204" pitchFamily="34" charset="0"/>
-                        <a:cs typeface="Arial" panose="020B0604020202020204" pitchFamily="34" charset="0"/>
+                      <a:endParaRPr lang="en-US" sz="2000" b="0" i="0" u="none" strike="noStrike" dirty="0">
+                        <a:solidFill>
+                          <a:srgbClr val="000000"/>
+                        </a:solidFill>
+                        <a:effectLst/>
+                        <a:latin typeface="Arial" charset="0"/>
+                        <a:ea typeface="Arial" charset="0"/>
+                        <a:cs typeface="Arial" charset="0"/>
                       </a:endParaRPr>
                     </a:p>
                   </a:txBody>
-                  <a:tcPr marL="76200" marR="76200" marT="19051" marB="19051" anchor="ctr">
+                  <a:tcPr marL="12700" marR="12700" marT="12700" marB="0" anchor="ctr">
                     <a:solidFill>
-                      <a:schemeClr val="accent1">
-                        <a:lumMod val="75000"/>
-                      </a:schemeClr>
+                      <a:schemeClr val="accent2"/>
                     </a:solidFill>
                   </a:tcPr>
                 </a:tc>
@@ -7071,25 +10121,34 @@
                     <a:bodyPr/>
                     <a:lstStyle/>
                     <a:p>
-                      <a:pPr algn="ctr"/>
+                      <a:pPr algn="ctr" fontAlgn="b">
+                        <a:lnSpc>
+                          <a:spcPct val="150000"/>
+                        </a:lnSpc>
+                      </a:pPr>
                       <a:r>
-                        <a:rPr lang="en-US" sz="1400" dirty="0" smtClean="0">
-                          <a:latin typeface="Arial" panose="020B0604020202020204" pitchFamily="34" charset="0"/>
-                          <a:cs typeface="Arial" panose="020B0604020202020204" pitchFamily="34" charset="0"/>
+                        <a:rPr lang="en-US" sz="2000" u="none" strike="noStrike" dirty="0">
+                          <a:effectLst/>
+                          <a:latin typeface="Arial" charset="0"/>
+                          <a:ea typeface="Arial" charset="0"/>
+                          <a:cs typeface="Arial" charset="0"/>
                         </a:rPr>
-                        <a:t>4</a:t>
+                        <a:t>Precision</a:t>
                       </a:r>
-                      <a:endParaRPr lang="en-US" sz="1400" dirty="0">
-                        <a:latin typeface="Arial" panose="020B0604020202020204" pitchFamily="34" charset="0"/>
-                        <a:cs typeface="Arial" panose="020B0604020202020204" pitchFamily="34" charset="0"/>
+                      <a:endParaRPr lang="en-US" sz="2000" b="0" i="0" u="none" strike="noStrike" dirty="0">
+                        <a:solidFill>
+                          <a:srgbClr val="000000"/>
+                        </a:solidFill>
+                        <a:effectLst/>
+                        <a:latin typeface="Arial" charset="0"/>
+                        <a:ea typeface="Arial" charset="0"/>
+                        <a:cs typeface="Arial" charset="0"/>
                       </a:endParaRPr>
                     </a:p>
                   </a:txBody>
-                  <a:tcPr marL="76200" marR="76200" marT="19051" marB="19051" anchor="ctr">
+                  <a:tcPr marL="12700" marR="12700" marT="12700" marB="0" anchor="ctr">
                     <a:solidFill>
-                      <a:schemeClr val="accent1">
-                        <a:lumMod val="75000"/>
-                      </a:schemeClr>
+                      <a:schemeClr val="accent2"/>
                     </a:solidFill>
                   </a:tcPr>
                 </a:tc>
@@ -7098,228 +10157,2370 @@
                     <a:bodyPr/>
                     <a:lstStyle/>
                     <a:p>
-                      <a:pPr algn="ctr"/>
+                      <a:pPr algn="ctr" fontAlgn="b">
+                        <a:lnSpc>
+                          <a:spcPct val="150000"/>
+                        </a:lnSpc>
+                      </a:pPr>
                       <a:r>
-                        <a:rPr lang="en-US" sz="1400" dirty="0" smtClean="0">
-                          <a:latin typeface="Arial" panose="020B0604020202020204" pitchFamily="34" charset="0"/>
-                          <a:cs typeface="Arial" panose="020B0604020202020204" pitchFamily="34" charset="0"/>
+                        <a:rPr lang="en-US" sz="2000" u="none" strike="noStrike" dirty="0">
+                          <a:effectLst/>
+                          <a:latin typeface="Arial" charset="0"/>
+                          <a:ea typeface="Arial" charset="0"/>
+                          <a:cs typeface="Arial" charset="0"/>
                         </a:rPr>
-                        <a:t>5</a:t>
+                        <a:t>False Negative Rate</a:t>
                       </a:r>
-                      <a:endParaRPr lang="en-US" sz="1400" dirty="0">
-                        <a:latin typeface="Arial" panose="020B0604020202020204" pitchFamily="34" charset="0"/>
-                        <a:cs typeface="Arial" panose="020B0604020202020204" pitchFamily="34" charset="0"/>
+                      <a:endParaRPr lang="en-US" sz="2000" b="0" i="0" u="none" strike="noStrike" dirty="0">
+                        <a:solidFill>
+                          <a:srgbClr val="000000"/>
+                        </a:solidFill>
+                        <a:effectLst/>
+                        <a:latin typeface="Arial" charset="0"/>
+                        <a:ea typeface="Arial" charset="0"/>
+                        <a:cs typeface="Arial" charset="0"/>
                       </a:endParaRPr>
                     </a:p>
                   </a:txBody>
-                  <a:tcPr marL="76200" marR="76200" marT="19051" marB="19051" anchor="ctr">
+                  <a:tcPr marL="12700" marR="12700" marT="12700" marB="0" anchor="ctr">
                     <a:solidFill>
-                      <a:schemeClr val="accent1">
-                        <a:lumMod val="75000"/>
-                      </a:schemeClr>
+                      <a:schemeClr val="accent2"/>
                     </a:solidFill>
                   </a:tcPr>
                 </a:tc>
               </a:tr>
-              <a:tr h="410229">
+              <a:tr h="393897">
                 <a:tc>
                   <a:txBody>
                     <a:bodyPr/>
                     <a:lstStyle/>
                     <a:p>
-                      <a:pPr algn="ctr"/>
+                      <a:pPr algn="ctr" fontAlgn="b">
+                        <a:lnSpc>
+                          <a:spcPct val="150000"/>
+                        </a:lnSpc>
+                      </a:pPr>
                       <a:r>
-                        <a:rPr lang="en-US" sz="1400" dirty="0" smtClean="0">
-                          <a:latin typeface="Arial" panose="020B0604020202020204" pitchFamily="34" charset="0"/>
-                          <a:cs typeface="Arial" panose="020B0604020202020204" pitchFamily="34" charset="0"/>
+                        <a:rPr lang="en-US" sz="2000" u="none" strike="noStrike">
+                          <a:effectLst/>
+                          <a:latin typeface="Arial" charset="0"/>
+                          <a:ea typeface="Arial" charset="0"/>
+                          <a:cs typeface="Arial" charset="0"/>
                         </a:rPr>
-                        <a:t>Average</a:t>
+                        <a:t>Logistic</a:t>
                       </a:r>
-                      <a:r>
-                        <a:rPr lang="en-US" sz="1400" baseline="0" dirty="0" smtClean="0">
-                          <a:latin typeface="Arial" panose="020B0604020202020204" pitchFamily="34" charset="0"/>
-                          <a:cs typeface="Arial" panose="020B0604020202020204" pitchFamily="34" charset="0"/>
-                        </a:rPr>
-                        <a:t> Accuracy</a:t>
-                      </a:r>
-                      <a:endParaRPr lang="en-US" sz="1400" dirty="0">
-                        <a:latin typeface="Arial" panose="020B0604020202020204" pitchFamily="34" charset="0"/>
-                        <a:cs typeface="Arial" panose="020B0604020202020204" pitchFamily="34" charset="0"/>
+                      <a:endParaRPr lang="en-US" sz="2000" b="0" i="0" u="none" strike="noStrike">
+                        <a:solidFill>
+                          <a:srgbClr val="000000"/>
+                        </a:solidFill>
+                        <a:effectLst/>
+                        <a:latin typeface="Arial" charset="0"/>
+                        <a:ea typeface="Arial" charset="0"/>
+                        <a:cs typeface="Arial" charset="0"/>
                       </a:endParaRPr>
                     </a:p>
                   </a:txBody>
-                  <a:tcPr marL="76200" marR="76200" marT="19051" marB="19051" anchor="ctr"/>
+                  <a:tcPr marL="12700" marR="12700" marT="12700" marB="0" anchor="ctr"/>
                 </a:tc>
                 <a:tc>
                   <a:txBody>
                     <a:bodyPr/>
                     <a:lstStyle/>
                     <a:p>
-                      <a:pPr algn="ctr"/>
+                      <a:pPr algn="ctr" fontAlgn="b">
+                        <a:lnSpc>
+                          <a:spcPct val="150000"/>
+                        </a:lnSpc>
+                      </a:pPr>
                       <a:r>
-                        <a:rPr lang="en-US" sz="1400" dirty="0" smtClean="0">
-                          <a:latin typeface="Arial" panose="020B0604020202020204" pitchFamily="34" charset="0"/>
-                          <a:cs typeface="Arial" panose="020B0604020202020204" pitchFamily="34" charset="0"/>
+                        <a:rPr lang="hr-HR" sz="2000" u="none" strike="noStrike" dirty="0">
+                          <a:effectLst/>
+                          <a:latin typeface="Arial" charset="0"/>
+                          <a:ea typeface="Arial" charset="0"/>
+                          <a:cs typeface="Arial" charset="0"/>
                         </a:rPr>
-                        <a:t>50.0%</a:t>
+                        <a:t>6.661</a:t>
                       </a:r>
-                      <a:endParaRPr lang="en-US" sz="1400" dirty="0">
-                        <a:latin typeface="Arial" panose="020B0604020202020204" pitchFamily="34" charset="0"/>
-                        <a:cs typeface="Arial" panose="020B0604020202020204" pitchFamily="34" charset="0"/>
+                      <a:endParaRPr lang="hr-HR" sz="2000" b="0" i="0" u="none" strike="noStrike" dirty="0">
+                        <a:solidFill>
+                          <a:srgbClr val="000000"/>
+                        </a:solidFill>
+                        <a:effectLst/>
+                        <a:latin typeface="Arial" charset="0"/>
+                        <a:ea typeface="Arial" charset="0"/>
+                        <a:cs typeface="Arial" charset="0"/>
                       </a:endParaRPr>
                     </a:p>
                   </a:txBody>
-                  <a:tcPr marL="76200" marR="76200" marT="19051" marB="19051" anchor="ctr"/>
+                  <a:tcPr marL="12700" marR="12700" marT="12700" marB="0" anchor="ctr"/>
                 </a:tc>
                 <a:tc>
                   <a:txBody>
                     <a:bodyPr/>
                     <a:lstStyle/>
                     <a:p>
-                      <a:pPr algn="ctr"/>
+                      <a:pPr algn="ctr" fontAlgn="b">
+                        <a:lnSpc>
+                          <a:spcPct val="150000"/>
+                        </a:lnSpc>
+                      </a:pPr>
                       <a:r>
-                        <a:rPr lang="en-US" sz="1400" dirty="0" smtClean="0">
-                          <a:latin typeface="Arial" panose="020B0604020202020204" pitchFamily="34" charset="0"/>
-                          <a:cs typeface="Arial" panose="020B0604020202020204" pitchFamily="34" charset="0"/>
+                        <a:rPr lang="mr-IN" sz="2000" u="none" strike="noStrike" dirty="0">
+                          <a:effectLst/>
+                          <a:latin typeface="Arial" charset="0"/>
+                          <a:ea typeface="Arial" charset="0"/>
+                          <a:cs typeface="Arial" charset="0"/>
                         </a:rPr>
-                        <a:t>52.6%</a:t>
+                        <a:t>58.12%</a:t>
                       </a:r>
-                      <a:endParaRPr lang="en-US" sz="1400" dirty="0">
-                        <a:latin typeface="Arial" panose="020B0604020202020204" pitchFamily="34" charset="0"/>
-                        <a:cs typeface="Arial" panose="020B0604020202020204" pitchFamily="34" charset="0"/>
+                      <a:endParaRPr lang="mr-IN" sz="2000" b="0" i="0" u="none" strike="noStrike" dirty="0">
+                        <a:solidFill>
+                          <a:srgbClr val="000000"/>
+                        </a:solidFill>
+                        <a:effectLst/>
+                        <a:latin typeface="Arial" charset="0"/>
+                        <a:ea typeface="Arial" charset="0"/>
+                        <a:cs typeface="Arial" charset="0"/>
                       </a:endParaRPr>
                     </a:p>
                   </a:txBody>
-                  <a:tcPr marL="76200" marR="76200" marT="19051" marB="19051" anchor="ctr"/>
+                  <a:tcPr marL="12700" marR="12700" marT="12700" marB="0" anchor="ctr"/>
                 </a:tc>
                 <a:tc>
                   <a:txBody>
                     <a:bodyPr/>
                     <a:lstStyle/>
                     <a:p>
-                      <a:pPr algn="ctr"/>
+                      <a:pPr algn="ctr" fontAlgn="b">
+                        <a:lnSpc>
+                          <a:spcPct val="150000"/>
+                        </a:lnSpc>
+                      </a:pPr>
                       <a:r>
-                        <a:rPr lang="en-US" sz="1400" dirty="0" smtClean="0">
-                          <a:latin typeface="Arial" panose="020B0604020202020204" pitchFamily="34" charset="0"/>
-                          <a:cs typeface="Arial" panose="020B0604020202020204" pitchFamily="34" charset="0"/>
+                        <a:rPr lang="mr-IN" sz="2000" u="none" strike="noStrike">
+                          <a:effectLst/>
+                          <a:latin typeface="Arial" charset="0"/>
+                          <a:ea typeface="Arial" charset="0"/>
+                          <a:cs typeface="Arial" charset="0"/>
                         </a:rPr>
-                        <a:t>69.7%</a:t>
+                        <a:t>23.88%</a:t>
                       </a:r>
-                      <a:endParaRPr lang="en-US" sz="1400" dirty="0">
-                        <a:latin typeface="Arial" panose="020B0604020202020204" pitchFamily="34" charset="0"/>
-                        <a:cs typeface="Arial" panose="020B0604020202020204" pitchFamily="34" charset="0"/>
+                      <a:endParaRPr lang="mr-IN" sz="2000" b="0" i="0" u="none" strike="noStrike">
+                        <a:solidFill>
+                          <a:srgbClr val="000000"/>
+                        </a:solidFill>
+                        <a:effectLst/>
+                        <a:latin typeface="Arial" charset="0"/>
+                        <a:ea typeface="Arial" charset="0"/>
+                        <a:cs typeface="Arial" charset="0"/>
                       </a:endParaRPr>
                     </a:p>
                   </a:txBody>
-                  <a:tcPr marL="76200" marR="76200" marT="19051" marB="19051" anchor="ctr"/>
+                  <a:tcPr marL="12700" marR="12700" marT="12700" marB="0" anchor="ctr"/>
                 </a:tc>
                 <a:tc>
                   <a:txBody>
                     <a:bodyPr/>
                     <a:lstStyle/>
                     <a:p>
-                      <a:pPr algn="ctr"/>
+                      <a:pPr algn="ctr" fontAlgn="b">
+                        <a:lnSpc>
+                          <a:spcPct val="150000"/>
+                        </a:lnSpc>
+                      </a:pPr>
                       <a:r>
-                        <a:rPr lang="en-US" sz="1400" dirty="0" smtClean="0">
-                          <a:latin typeface="Arial" panose="020B0604020202020204" pitchFamily="34" charset="0"/>
-                          <a:cs typeface="Arial" panose="020B0604020202020204" pitchFamily="34" charset="0"/>
+                        <a:rPr lang="mr-IN" sz="2000" u="none" strike="noStrike">
+                          <a:effectLst/>
+                          <a:latin typeface="Arial" charset="0"/>
+                          <a:ea typeface="Arial" charset="0"/>
+                          <a:cs typeface="Arial" charset="0"/>
                         </a:rPr>
-                        <a:t>69.7%</a:t>
+                        <a:t>78.18%</a:t>
                       </a:r>
-                      <a:endParaRPr lang="en-US" sz="1400" dirty="0">
-                        <a:latin typeface="Arial" panose="020B0604020202020204" pitchFamily="34" charset="0"/>
-                        <a:cs typeface="Arial" panose="020B0604020202020204" pitchFamily="34" charset="0"/>
+                      <a:endParaRPr lang="mr-IN" sz="2000" b="0" i="0" u="none" strike="noStrike">
+                        <a:solidFill>
+                          <a:srgbClr val="000000"/>
+                        </a:solidFill>
+                        <a:effectLst/>
+                        <a:latin typeface="Arial" charset="0"/>
+                        <a:ea typeface="Arial" charset="0"/>
+                        <a:cs typeface="Arial" charset="0"/>
                       </a:endParaRPr>
                     </a:p>
                   </a:txBody>
-                  <a:tcPr marL="76200" marR="76200" marT="19051" marB="19051" anchor="ctr"/>
+                  <a:tcPr marL="12700" marR="12700" marT="12700" marB="0" anchor="ctr"/>
                 </a:tc>
                 <a:tc>
                   <a:txBody>
                     <a:bodyPr/>
                     <a:lstStyle/>
                     <a:p>
-                      <a:pPr algn="ctr"/>
+                      <a:pPr algn="ctr" fontAlgn="b">
+                        <a:lnSpc>
+                          <a:spcPct val="150000"/>
+                        </a:lnSpc>
+                      </a:pPr>
                       <a:r>
-                        <a:rPr lang="en-US" sz="1400" dirty="0" smtClean="0">
-                          <a:latin typeface="Arial" panose="020B0604020202020204" pitchFamily="34" charset="0"/>
-                          <a:cs typeface="Arial" panose="020B0604020202020204" pitchFamily="34" charset="0"/>
+                        <a:rPr lang="mr-IN" sz="2000" u="none" strike="noStrike" dirty="0">
+                          <a:effectLst/>
+                          <a:latin typeface="Arial" charset="0"/>
+                          <a:ea typeface="Arial" charset="0"/>
+                          <a:cs typeface="Arial" charset="0"/>
                         </a:rPr>
-                        <a:t>64.9%</a:t>
+                        <a:t>76.12%</a:t>
                       </a:r>
-                      <a:endParaRPr lang="en-US" sz="1400" dirty="0">
-                        <a:latin typeface="Arial" panose="020B0604020202020204" pitchFamily="34" charset="0"/>
-                        <a:cs typeface="Arial" panose="020B0604020202020204" pitchFamily="34" charset="0"/>
+                      <a:endParaRPr lang="mr-IN" sz="2000" b="0" i="0" u="none" strike="noStrike" dirty="0">
+                        <a:solidFill>
+                          <a:srgbClr val="000000"/>
+                        </a:solidFill>
+                        <a:effectLst/>
+                        <a:latin typeface="Arial" charset="0"/>
+                        <a:ea typeface="Arial" charset="0"/>
+                        <a:cs typeface="Arial" charset="0"/>
                       </a:endParaRPr>
                     </a:p>
                   </a:txBody>
-                  <a:tcPr marL="76200" marR="76200" marT="19051" marB="19051" anchor="ctr"/>
+                  <a:tcPr marL="12700" marR="12700" marT="12700" marB="0" anchor="ctr"/>
+                </a:tc>
+              </a:tr>
+              <a:tr h="393897">
+                <a:tc>
+                  <a:txBody>
+                    <a:bodyPr/>
+                    <a:lstStyle/>
+                    <a:p>
+                      <a:pPr algn="ctr" fontAlgn="b">
+                        <a:lnSpc>
+                          <a:spcPct val="150000"/>
+                        </a:lnSpc>
+                      </a:pPr>
+                      <a:r>
+                        <a:rPr lang="en-US" sz="2000" u="none" strike="noStrike">
+                          <a:effectLst/>
+                          <a:latin typeface="Arial" charset="0"/>
+                          <a:ea typeface="Arial" charset="0"/>
+                          <a:cs typeface="Arial" charset="0"/>
+                        </a:rPr>
+                        <a:t>DeepNN 1</a:t>
+                      </a:r>
+                      <a:endParaRPr lang="en-US" sz="2000" b="0" i="0" u="none" strike="noStrike">
+                        <a:solidFill>
+                          <a:srgbClr val="000000"/>
+                        </a:solidFill>
+                        <a:effectLst/>
+                        <a:latin typeface="Arial" charset="0"/>
+                        <a:ea typeface="Arial" charset="0"/>
+                        <a:cs typeface="Arial" charset="0"/>
+                      </a:endParaRPr>
+                    </a:p>
+                  </a:txBody>
+                  <a:tcPr marL="12700" marR="12700" marT="12700" marB="0" anchor="ctr"/>
+                </a:tc>
+                <a:tc>
+                  <a:txBody>
+                    <a:bodyPr/>
+                    <a:lstStyle/>
+                    <a:p>
+                      <a:pPr algn="ctr" fontAlgn="b">
+                        <a:lnSpc>
+                          <a:spcPct val="150000"/>
+                        </a:lnSpc>
+                      </a:pPr>
+                      <a:r>
+                        <a:rPr lang="nb-NO" sz="2000" u="none" strike="noStrike" dirty="0">
+                          <a:effectLst/>
+                          <a:latin typeface="Arial" charset="0"/>
+                          <a:ea typeface="Arial" charset="0"/>
+                          <a:cs typeface="Arial" charset="0"/>
+                        </a:rPr>
+                        <a:t>0.690</a:t>
+                      </a:r>
+                      <a:endParaRPr lang="nb-NO" sz="2000" b="0" i="0" u="none" strike="noStrike" dirty="0">
+                        <a:solidFill>
+                          <a:srgbClr val="000000"/>
+                        </a:solidFill>
+                        <a:effectLst/>
+                        <a:latin typeface="Arial" charset="0"/>
+                        <a:ea typeface="Arial" charset="0"/>
+                        <a:cs typeface="Arial" charset="0"/>
+                      </a:endParaRPr>
+                    </a:p>
+                  </a:txBody>
+                  <a:tcPr marL="12700" marR="12700" marT="12700" marB="0" anchor="ctr"/>
+                </a:tc>
+                <a:tc>
+                  <a:txBody>
+                    <a:bodyPr/>
+                    <a:lstStyle/>
+                    <a:p>
+                      <a:pPr algn="ctr" fontAlgn="b">
+                        <a:lnSpc>
+                          <a:spcPct val="150000"/>
+                        </a:lnSpc>
+                      </a:pPr>
+                      <a:r>
+                        <a:rPr lang="mr-IN" sz="2000" u="none" strike="noStrike" dirty="0">
+                          <a:effectLst/>
+                          <a:latin typeface="Arial" charset="0"/>
+                          <a:ea typeface="Arial" charset="0"/>
+                          <a:cs typeface="Arial" charset="0"/>
+                        </a:rPr>
+                        <a:t>69.10%</a:t>
+                      </a:r>
+                      <a:endParaRPr lang="mr-IN" sz="2000" b="0" i="0" u="none" strike="noStrike" dirty="0">
+                        <a:solidFill>
+                          <a:srgbClr val="000000"/>
+                        </a:solidFill>
+                        <a:effectLst/>
+                        <a:latin typeface="Arial" charset="0"/>
+                        <a:ea typeface="Arial" charset="0"/>
+                        <a:cs typeface="Arial" charset="0"/>
+                      </a:endParaRPr>
+                    </a:p>
+                  </a:txBody>
+                  <a:tcPr marL="12700" marR="12700" marT="12700" marB="0" anchor="ctr"/>
+                </a:tc>
+                <a:tc>
+                  <a:txBody>
+                    <a:bodyPr/>
+                    <a:lstStyle/>
+                    <a:p>
+                      <a:pPr algn="ctr" fontAlgn="b">
+                        <a:lnSpc>
+                          <a:spcPct val="150000"/>
+                        </a:lnSpc>
+                      </a:pPr>
+                      <a:r>
+                        <a:rPr lang="mr-IN" sz="2000" u="none" strike="noStrike" dirty="0">
+                          <a:effectLst/>
+                          <a:latin typeface="Arial" charset="0"/>
+                          <a:ea typeface="Arial" charset="0"/>
+                          <a:cs typeface="Arial" charset="0"/>
+                        </a:rPr>
+                        <a:t>49.05%</a:t>
+                      </a:r>
+                      <a:endParaRPr lang="mr-IN" sz="2000" b="0" i="0" u="none" strike="noStrike" dirty="0">
+                        <a:solidFill>
+                          <a:srgbClr val="000000"/>
+                        </a:solidFill>
+                        <a:effectLst/>
+                        <a:latin typeface="Arial" charset="0"/>
+                        <a:ea typeface="Arial" charset="0"/>
+                        <a:cs typeface="Arial" charset="0"/>
+                      </a:endParaRPr>
+                    </a:p>
+                  </a:txBody>
+                  <a:tcPr marL="12700" marR="12700" marT="12700" marB="0" anchor="ctr"/>
+                </a:tc>
+                <a:tc>
+                  <a:txBody>
+                    <a:bodyPr/>
+                    <a:lstStyle/>
+                    <a:p>
+                      <a:pPr algn="ctr" fontAlgn="b">
+                        <a:lnSpc>
+                          <a:spcPct val="150000"/>
+                        </a:lnSpc>
+                      </a:pPr>
+                      <a:r>
+                        <a:rPr lang="mr-IN" sz="2000" u="none" strike="noStrike">
+                          <a:effectLst/>
+                          <a:latin typeface="Arial" charset="0"/>
+                          <a:ea typeface="Arial" charset="0"/>
+                          <a:cs typeface="Arial" charset="0"/>
+                        </a:rPr>
+                        <a:t>83.31%</a:t>
+                      </a:r>
+                      <a:endParaRPr lang="mr-IN" sz="2000" b="0" i="0" u="none" strike="noStrike">
+                        <a:solidFill>
+                          <a:srgbClr val="000000"/>
+                        </a:solidFill>
+                        <a:effectLst/>
+                        <a:latin typeface="Arial" charset="0"/>
+                        <a:ea typeface="Arial" charset="0"/>
+                        <a:cs typeface="Arial" charset="0"/>
+                      </a:endParaRPr>
+                    </a:p>
+                  </a:txBody>
+                  <a:tcPr marL="12700" marR="12700" marT="12700" marB="0" anchor="ctr"/>
+                </a:tc>
+                <a:tc>
+                  <a:txBody>
+                    <a:bodyPr/>
+                    <a:lstStyle/>
+                    <a:p>
+                      <a:pPr algn="ctr" fontAlgn="b">
+                        <a:lnSpc>
+                          <a:spcPct val="150000"/>
+                        </a:lnSpc>
+                      </a:pPr>
+                      <a:r>
+                        <a:rPr lang="mr-IN" sz="2000" u="none" strike="noStrike" dirty="0">
+                          <a:effectLst/>
+                          <a:latin typeface="Arial" charset="0"/>
+                          <a:ea typeface="Arial" charset="0"/>
+                          <a:cs typeface="Arial" charset="0"/>
+                        </a:rPr>
+                        <a:t>50.95%</a:t>
+                      </a:r>
+                      <a:endParaRPr lang="mr-IN" sz="2000" b="0" i="0" u="none" strike="noStrike" dirty="0">
+                        <a:solidFill>
+                          <a:srgbClr val="000000"/>
+                        </a:solidFill>
+                        <a:effectLst/>
+                        <a:latin typeface="Arial" charset="0"/>
+                        <a:ea typeface="Arial" charset="0"/>
+                        <a:cs typeface="Arial" charset="0"/>
+                      </a:endParaRPr>
+                    </a:p>
+                  </a:txBody>
+                  <a:tcPr marL="12700" marR="12700" marT="12700" marB="0" anchor="ctr"/>
+                </a:tc>
+              </a:tr>
+              <a:tr h="393897">
+                <a:tc>
+                  <a:txBody>
+                    <a:bodyPr/>
+                    <a:lstStyle/>
+                    <a:p>
+                      <a:pPr algn="ctr" fontAlgn="b">
+                        <a:lnSpc>
+                          <a:spcPct val="150000"/>
+                        </a:lnSpc>
+                      </a:pPr>
+                      <a:r>
+                        <a:rPr lang="en-US" sz="2000" u="none" strike="noStrike">
+                          <a:effectLst/>
+                          <a:latin typeface="Arial" charset="0"/>
+                          <a:ea typeface="Arial" charset="0"/>
+                          <a:cs typeface="Arial" charset="0"/>
+                        </a:rPr>
+                        <a:t>DeepNN 2</a:t>
+                      </a:r>
+                      <a:endParaRPr lang="en-US" sz="2000" b="0" i="0" u="none" strike="noStrike">
+                        <a:solidFill>
+                          <a:srgbClr val="000000"/>
+                        </a:solidFill>
+                        <a:effectLst/>
+                        <a:latin typeface="Arial" charset="0"/>
+                        <a:ea typeface="Arial" charset="0"/>
+                        <a:cs typeface="Arial" charset="0"/>
+                      </a:endParaRPr>
+                    </a:p>
+                  </a:txBody>
+                  <a:tcPr marL="12700" marR="12700" marT="12700" marB="0" anchor="ctr"/>
+                </a:tc>
+                <a:tc>
+                  <a:txBody>
+                    <a:bodyPr/>
+                    <a:lstStyle/>
+                    <a:p>
+                      <a:pPr algn="ctr" fontAlgn="b">
+                        <a:lnSpc>
+                          <a:spcPct val="150000"/>
+                        </a:lnSpc>
+                      </a:pPr>
+                      <a:r>
+                        <a:rPr lang="hr-HR" sz="2000" u="none" strike="noStrike" dirty="0">
+                          <a:effectLst/>
+                          <a:latin typeface="Arial" charset="0"/>
+                          <a:ea typeface="Arial" charset="0"/>
+                          <a:cs typeface="Arial" charset="0"/>
+                        </a:rPr>
+                        <a:t>7.905</a:t>
+                      </a:r>
+                      <a:endParaRPr lang="hr-HR" sz="2000" b="0" i="0" u="none" strike="noStrike" dirty="0">
+                        <a:solidFill>
+                          <a:srgbClr val="000000"/>
+                        </a:solidFill>
+                        <a:effectLst/>
+                        <a:latin typeface="Arial" charset="0"/>
+                        <a:ea typeface="Arial" charset="0"/>
+                        <a:cs typeface="Arial" charset="0"/>
+                      </a:endParaRPr>
+                    </a:p>
+                  </a:txBody>
+                  <a:tcPr marL="12700" marR="12700" marT="12700" marB="0" anchor="ctr"/>
+                </a:tc>
+                <a:tc>
+                  <a:txBody>
+                    <a:bodyPr/>
+                    <a:lstStyle/>
+                    <a:p>
+                      <a:pPr algn="ctr" fontAlgn="b">
+                        <a:lnSpc>
+                          <a:spcPct val="150000"/>
+                        </a:lnSpc>
+                      </a:pPr>
+                      <a:r>
+                        <a:rPr lang="mr-IN" sz="2000" u="none" strike="noStrike" dirty="0">
+                          <a:effectLst/>
+                          <a:latin typeface="Arial" charset="0"/>
+                          <a:ea typeface="Arial" charset="0"/>
+                          <a:cs typeface="Arial" charset="0"/>
+                        </a:rPr>
+                        <a:t>50.41%</a:t>
+                      </a:r>
+                      <a:endParaRPr lang="mr-IN" sz="2000" b="0" i="0" u="none" strike="noStrike" dirty="0">
+                        <a:solidFill>
+                          <a:srgbClr val="000000"/>
+                        </a:solidFill>
+                        <a:effectLst/>
+                        <a:latin typeface="Arial" charset="0"/>
+                        <a:ea typeface="Arial" charset="0"/>
+                        <a:cs typeface="Arial" charset="0"/>
+                      </a:endParaRPr>
+                    </a:p>
+                  </a:txBody>
+                  <a:tcPr marL="12700" marR="12700" marT="12700" marB="0" anchor="ctr"/>
+                </a:tc>
+                <a:tc>
+                  <a:txBody>
+                    <a:bodyPr/>
+                    <a:lstStyle/>
+                    <a:p>
+                      <a:pPr algn="ctr" fontAlgn="b">
+                        <a:lnSpc>
+                          <a:spcPct val="150000"/>
+                        </a:lnSpc>
+                      </a:pPr>
+                      <a:r>
+                        <a:rPr lang="mr-IN" sz="2000" u="none" strike="noStrike">
+                          <a:effectLst/>
+                          <a:latin typeface="Arial" charset="0"/>
+                          <a:ea typeface="Arial" charset="0"/>
+                          <a:cs typeface="Arial" charset="0"/>
+                        </a:rPr>
+                        <a:t>99.78%</a:t>
+                      </a:r>
+                      <a:endParaRPr lang="mr-IN" sz="2000" b="0" i="0" u="none" strike="noStrike">
+                        <a:solidFill>
+                          <a:srgbClr val="000000"/>
+                        </a:solidFill>
+                        <a:effectLst/>
+                        <a:latin typeface="Arial" charset="0"/>
+                        <a:ea typeface="Arial" charset="0"/>
+                        <a:cs typeface="Arial" charset="0"/>
+                      </a:endParaRPr>
+                    </a:p>
+                  </a:txBody>
+                  <a:tcPr marL="12700" marR="12700" marT="12700" marB="0" anchor="ctr"/>
+                </a:tc>
+                <a:tc>
+                  <a:txBody>
+                    <a:bodyPr/>
+                    <a:lstStyle/>
+                    <a:p>
+                      <a:pPr algn="ctr" fontAlgn="b">
+                        <a:lnSpc>
+                          <a:spcPct val="150000"/>
+                        </a:lnSpc>
+                      </a:pPr>
+                      <a:r>
+                        <a:rPr lang="mr-IN" sz="2000" u="none" strike="noStrike" dirty="0">
+                          <a:effectLst/>
+                          <a:latin typeface="Arial" charset="0"/>
+                          <a:ea typeface="Arial" charset="0"/>
+                          <a:cs typeface="Arial" charset="0"/>
+                        </a:rPr>
+                        <a:t>49.76%</a:t>
+                      </a:r>
+                      <a:endParaRPr lang="mr-IN" sz="2000" b="0" i="0" u="none" strike="noStrike" dirty="0">
+                        <a:solidFill>
+                          <a:srgbClr val="000000"/>
+                        </a:solidFill>
+                        <a:effectLst/>
+                        <a:latin typeface="Arial" charset="0"/>
+                        <a:ea typeface="Arial" charset="0"/>
+                        <a:cs typeface="Arial" charset="0"/>
+                      </a:endParaRPr>
+                    </a:p>
+                  </a:txBody>
+                  <a:tcPr marL="12700" marR="12700" marT="12700" marB="0" anchor="ctr"/>
+                </a:tc>
+                <a:tc>
+                  <a:txBody>
+                    <a:bodyPr/>
+                    <a:lstStyle/>
+                    <a:p>
+                      <a:pPr algn="ctr" fontAlgn="b">
+                        <a:lnSpc>
+                          <a:spcPct val="150000"/>
+                        </a:lnSpc>
+                      </a:pPr>
+                      <a:r>
+                        <a:rPr lang="mr-IN" sz="2000" u="none" strike="noStrike" dirty="0">
+                          <a:effectLst/>
+                          <a:latin typeface="Arial" charset="0"/>
+                          <a:ea typeface="Arial" charset="0"/>
+                          <a:cs typeface="Arial" charset="0"/>
+                        </a:rPr>
+                        <a:t>0.22%</a:t>
+                      </a:r>
+                      <a:endParaRPr lang="mr-IN" sz="2000" b="0" i="0" u="none" strike="noStrike" dirty="0">
+                        <a:solidFill>
+                          <a:srgbClr val="000000"/>
+                        </a:solidFill>
+                        <a:effectLst/>
+                        <a:latin typeface="Arial" charset="0"/>
+                        <a:ea typeface="Arial" charset="0"/>
+                        <a:cs typeface="Arial" charset="0"/>
+                      </a:endParaRPr>
+                    </a:p>
+                  </a:txBody>
+                  <a:tcPr marL="12700" marR="12700" marT="12700" marB="0" anchor="ctr"/>
+                </a:tc>
+              </a:tr>
+              <a:tr h="393897">
+                <a:tc>
+                  <a:txBody>
+                    <a:bodyPr/>
+                    <a:lstStyle/>
+                    <a:p>
+                      <a:pPr algn="ctr" fontAlgn="b">
+                        <a:lnSpc>
+                          <a:spcPct val="150000"/>
+                        </a:lnSpc>
+                      </a:pPr>
+                      <a:r>
+                        <a:rPr lang="en-US" sz="2000" u="none" strike="noStrike">
+                          <a:effectLst/>
+                          <a:latin typeface="Arial" charset="0"/>
+                          <a:ea typeface="Arial" charset="0"/>
+                          <a:cs typeface="Arial" charset="0"/>
+                        </a:rPr>
+                        <a:t>DeepNN 3</a:t>
+                      </a:r>
+                      <a:endParaRPr lang="en-US" sz="2000" b="0" i="0" u="none" strike="noStrike">
+                        <a:solidFill>
+                          <a:srgbClr val="000000"/>
+                        </a:solidFill>
+                        <a:effectLst/>
+                        <a:latin typeface="Arial" charset="0"/>
+                        <a:ea typeface="Arial" charset="0"/>
+                        <a:cs typeface="Arial" charset="0"/>
+                      </a:endParaRPr>
+                    </a:p>
+                  </a:txBody>
+                  <a:tcPr marL="12700" marR="12700" marT="12700" marB="0" anchor="ctr"/>
+                </a:tc>
+                <a:tc>
+                  <a:txBody>
+                    <a:bodyPr/>
+                    <a:lstStyle/>
+                    <a:p>
+                      <a:pPr algn="ctr" fontAlgn="b">
+                        <a:lnSpc>
+                          <a:spcPct val="150000"/>
+                        </a:lnSpc>
+                      </a:pPr>
+                      <a:r>
+                        <a:rPr lang="nb-NO" sz="2000" u="none" strike="noStrike">
+                          <a:effectLst/>
+                          <a:latin typeface="Arial" charset="0"/>
+                          <a:ea typeface="Arial" charset="0"/>
+                          <a:cs typeface="Arial" charset="0"/>
+                        </a:rPr>
+                        <a:t>0.536</a:t>
+                      </a:r>
+                      <a:endParaRPr lang="nb-NO" sz="2000" b="0" i="0" u="none" strike="noStrike">
+                        <a:solidFill>
+                          <a:srgbClr val="000000"/>
+                        </a:solidFill>
+                        <a:effectLst/>
+                        <a:latin typeface="Arial" charset="0"/>
+                        <a:ea typeface="Arial" charset="0"/>
+                        <a:cs typeface="Arial" charset="0"/>
+                      </a:endParaRPr>
+                    </a:p>
+                  </a:txBody>
+                  <a:tcPr marL="12700" marR="12700" marT="12700" marB="0" anchor="ctr"/>
+                </a:tc>
+                <a:tc>
+                  <a:txBody>
+                    <a:bodyPr/>
+                    <a:lstStyle/>
+                    <a:p>
+                      <a:pPr algn="ctr" fontAlgn="b">
+                        <a:lnSpc>
+                          <a:spcPct val="150000"/>
+                        </a:lnSpc>
+                      </a:pPr>
+                      <a:r>
+                        <a:rPr lang="mr-IN" sz="2000" u="none" strike="noStrike" dirty="0">
+                          <a:effectLst/>
+                          <a:latin typeface="Arial" charset="0"/>
+                          <a:ea typeface="Arial" charset="0"/>
+                          <a:cs typeface="Arial" charset="0"/>
+                        </a:rPr>
+                        <a:t>73.73%</a:t>
+                      </a:r>
+                      <a:endParaRPr lang="mr-IN" sz="2000" b="0" i="0" u="none" strike="noStrike" dirty="0">
+                        <a:solidFill>
+                          <a:srgbClr val="000000"/>
+                        </a:solidFill>
+                        <a:effectLst/>
+                        <a:latin typeface="Arial" charset="0"/>
+                        <a:ea typeface="Arial" charset="0"/>
+                        <a:cs typeface="Arial" charset="0"/>
+                      </a:endParaRPr>
+                    </a:p>
+                  </a:txBody>
+                  <a:tcPr marL="12700" marR="12700" marT="12700" marB="0" anchor="ctr"/>
+                </a:tc>
+                <a:tc>
+                  <a:txBody>
+                    <a:bodyPr/>
+                    <a:lstStyle/>
+                    <a:p>
+                      <a:pPr algn="ctr" fontAlgn="b">
+                        <a:lnSpc>
+                          <a:spcPct val="150000"/>
+                        </a:lnSpc>
+                      </a:pPr>
+                      <a:r>
+                        <a:rPr lang="mr-IN" sz="2000" u="none" strike="noStrike">
+                          <a:effectLst/>
+                          <a:latin typeface="Arial" charset="0"/>
+                          <a:ea typeface="Arial" charset="0"/>
+                          <a:cs typeface="Arial" charset="0"/>
+                        </a:rPr>
+                        <a:t>70.37%</a:t>
+                      </a:r>
+                      <a:endParaRPr lang="mr-IN" sz="2000" b="0" i="0" u="none" strike="noStrike">
+                        <a:solidFill>
+                          <a:srgbClr val="000000"/>
+                        </a:solidFill>
+                        <a:effectLst/>
+                        <a:latin typeface="Arial" charset="0"/>
+                        <a:ea typeface="Arial" charset="0"/>
+                        <a:cs typeface="Arial" charset="0"/>
+                      </a:endParaRPr>
+                    </a:p>
+                  </a:txBody>
+                  <a:tcPr marL="12700" marR="12700" marT="12700" marB="0" anchor="ctr"/>
+                </a:tc>
+                <a:tc>
+                  <a:txBody>
+                    <a:bodyPr/>
+                    <a:lstStyle/>
+                    <a:p>
+                      <a:pPr algn="ctr" fontAlgn="b">
+                        <a:lnSpc>
+                          <a:spcPct val="150000"/>
+                        </a:lnSpc>
+                      </a:pPr>
+                      <a:r>
+                        <a:rPr lang="mr-IN" sz="2000" u="none" strike="noStrike" dirty="0">
+                          <a:effectLst/>
+                          <a:latin typeface="Arial" charset="0"/>
+                          <a:ea typeface="Arial" charset="0"/>
+                          <a:cs typeface="Arial" charset="0"/>
+                        </a:rPr>
+                        <a:t>76.04%</a:t>
+                      </a:r>
+                      <a:endParaRPr lang="mr-IN" sz="2000" b="0" i="0" u="none" strike="noStrike" dirty="0">
+                        <a:solidFill>
+                          <a:srgbClr val="000000"/>
+                        </a:solidFill>
+                        <a:effectLst/>
+                        <a:latin typeface="Arial" charset="0"/>
+                        <a:ea typeface="Arial" charset="0"/>
+                        <a:cs typeface="Arial" charset="0"/>
+                      </a:endParaRPr>
+                    </a:p>
+                  </a:txBody>
+                  <a:tcPr marL="12700" marR="12700" marT="12700" marB="0" anchor="ctr"/>
+                </a:tc>
+                <a:tc>
+                  <a:txBody>
+                    <a:bodyPr/>
+                    <a:lstStyle/>
+                    <a:p>
+                      <a:pPr algn="ctr" fontAlgn="b">
+                        <a:lnSpc>
+                          <a:spcPct val="150000"/>
+                        </a:lnSpc>
+                      </a:pPr>
+                      <a:r>
+                        <a:rPr lang="mr-IN" sz="2000" u="none" strike="noStrike" dirty="0">
+                          <a:effectLst/>
+                          <a:latin typeface="Arial" charset="0"/>
+                          <a:ea typeface="Arial" charset="0"/>
+                          <a:cs typeface="Arial" charset="0"/>
+                        </a:rPr>
+                        <a:t>29.63%</a:t>
+                      </a:r>
+                      <a:endParaRPr lang="mr-IN" sz="2000" b="0" i="0" u="none" strike="noStrike" dirty="0">
+                        <a:solidFill>
+                          <a:srgbClr val="000000"/>
+                        </a:solidFill>
+                        <a:effectLst/>
+                        <a:latin typeface="Arial" charset="0"/>
+                        <a:ea typeface="Arial" charset="0"/>
+                        <a:cs typeface="Arial" charset="0"/>
+                      </a:endParaRPr>
+                    </a:p>
+                  </a:txBody>
+                  <a:tcPr marL="12700" marR="12700" marT="12700" marB="0" anchor="ctr"/>
+                </a:tc>
+              </a:tr>
+              <a:tr h="393897">
+                <a:tc>
+                  <a:txBody>
+                    <a:bodyPr/>
+                    <a:lstStyle/>
+                    <a:p>
+                      <a:pPr algn="ctr" fontAlgn="b">
+                        <a:lnSpc>
+                          <a:spcPct val="150000"/>
+                        </a:lnSpc>
+                      </a:pPr>
+                      <a:r>
+                        <a:rPr lang="en-US" sz="2000" u="none" strike="noStrike">
+                          <a:effectLst/>
+                          <a:latin typeface="Arial" charset="0"/>
+                          <a:ea typeface="Arial" charset="0"/>
+                          <a:cs typeface="Arial" charset="0"/>
+                        </a:rPr>
+                        <a:t>DeepNN 4</a:t>
+                      </a:r>
+                      <a:endParaRPr lang="en-US" sz="2000" b="0" i="0" u="none" strike="noStrike">
+                        <a:solidFill>
+                          <a:srgbClr val="000000"/>
+                        </a:solidFill>
+                        <a:effectLst/>
+                        <a:latin typeface="Arial" charset="0"/>
+                        <a:ea typeface="Arial" charset="0"/>
+                        <a:cs typeface="Arial" charset="0"/>
+                      </a:endParaRPr>
+                    </a:p>
+                  </a:txBody>
+                  <a:tcPr marL="12700" marR="12700" marT="12700" marB="0" anchor="ctr"/>
+                </a:tc>
+                <a:tc>
+                  <a:txBody>
+                    <a:bodyPr/>
+                    <a:lstStyle/>
+                    <a:p>
+                      <a:pPr algn="ctr" fontAlgn="b">
+                        <a:lnSpc>
+                          <a:spcPct val="150000"/>
+                        </a:lnSpc>
+                      </a:pPr>
+                      <a:r>
+                        <a:rPr lang="nb-NO" sz="2000" u="none" strike="noStrike">
+                          <a:effectLst/>
+                          <a:latin typeface="Arial" charset="0"/>
+                          <a:ea typeface="Arial" charset="0"/>
+                          <a:cs typeface="Arial" charset="0"/>
+                        </a:rPr>
+                        <a:t>0.695</a:t>
+                      </a:r>
+                      <a:endParaRPr lang="nb-NO" sz="2000" b="0" i="0" u="none" strike="noStrike">
+                        <a:solidFill>
+                          <a:srgbClr val="000000"/>
+                        </a:solidFill>
+                        <a:effectLst/>
+                        <a:latin typeface="Arial" charset="0"/>
+                        <a:ea typeface="Arial" charset="0"/>
+                        <a:cs typeface="Arial" charset="0"/>
+                      </a:endParaRPr>
+                    </a:p>
+                  </a:txBody>
+                  <a:tcPr marL="12700" marR="12700" marT="12700" marB="0" anchor="ctr"/>
+                </a:tc>
+                <a:tc>
+                  <a:txBody>
+                    <a:bodyPr/>
+                    <a:lstStyle/>
+                    <a:p>
+                      <a:pPr algn="ctr" fontAlgn="b">
+                        <a:lnSpc>
+                          <a:spcPct val="150000"/>
+                        </a:lnSpc>
+                      </a:pPr>
+                      <a:r>
+                        <a:rPr lang="mr-IN" sz="2000" u="none" strike="noStrike" dirty="0">
+                          <a:effectLst/>
+                          <a:latin typeface="Arial" charset="0"/>
+                          <a:ea typeface="Arial" charset="0"/>
+                          <a:cs typeface="Arial" charset="0"/>
+                        </a:rPr>
+                        <a:t>49.73%</a:t>
+                      </a:r>
+                      <a:endParaRPr lang="mr-IN" sz="2000" b="0" i="0" u="none" strike="noStrike" dirty="0">
+                        <a:solidFill>
+                          <a:srgbClr val="000000"/>
+                        </a:solidFill>
+                        <a:effectLst/>
+                        <a:latin typeface="Arial" charset="0"/>
+                        <a:ea typeface="Arial" charset="0"/>
+                        <a:cs typeface="Arial" charset="0"/>
+                      </a:endParaRPr>
+                    </a:p>
+                  </a:txBody>
+                  <a:tcPr marL="12700" marR="12700" marT="12700" marB="0" anchor="ctr"/>
+                </a:tc>
+                <a:tc>
+                  <a:txBody>
+                    <a:bodyPr/>
+                    <a:lstStyle/>
+                    <a:p>
+                      <a:pPr algn="ctr" fontAlgn="b">
+                        <a:lnSpc>
+                          <a:spcPct val="150000"/>
+                        </a:lnSpc>
+                      </a:pPr>
+                      <a:r>
+                        <a:rPr lang="mr-IN" sz="2000" u="none" strike="noStrike" dirty="0">
+                          <a:effectLst/>
+                          <a:latin typeface="Arial" charset="0"/>
+                          <a:ea typeface="Arial" charset="0"/>
+                          <a:cs typeface="Arial" charset="0"/>
+                        </a:rPr>
+                        <a:t>0.21%</a:t>
+                      </a:r>
+                      <a:endParaRPr lang="mr-IN" sz="2000" b="0" i="0" u="none" strike="noStrike" dirty="0">
+                        <a:solidFill>
+                          <a:srgbClr val="000000"/>
+                        </a:solidFill>
+                        <a:effectLst/>
+                        <a:latin typeface="Arial" charset="0"/>
+                        <a:ea typeface="Arial" charset="0"/>
+                        <a:cs typeface="Arial" charset="0"/>
+                      </a:endParaRPr>
+                    </a:p>
+                  </a:txBody>
+                  <a:tcPr marL="12700" marR="12700" marT="12700" marB="0" anchor="ctr"/>
+                </a:tc>
+                <a:tc>
+                  <a:txBody>
+                    <a:bodyPr/>
+                    <a:lstStyle/>
+                    <a:p>
+                      <a:pPr algn="ctr" fontAlgn="b">
+                        <a:lnSpc>
+                          <a:spcPct val="150000"/>
+                        </a:lnSpc>
+                      </a:pPr>
+                      <a:r>
+                        <a:rPr lang="mr-IN" sz="2000" u="none" strike="noStrike" dirty="0">
+                          <a:effectLst/>
+                          <a:latin typeface="Arial" charset="0"/>
+                          <a:ea typeface="Arial" charset="0"/>
+                          <a:cs typeface="Arial" charset="0"/>
+                        </a:rPr>
+                        <a:t>59.89%</a:t>
+                      </a:r>
+                      <a:endParaRPr lang="mr-IN" sz="2000" b="0" i="0" u="none" strike="noStrike" dirty="0">
+                        <a:solidFill>
+                          <a:srgbClr val="000000"/>
+                        </a:solidFill>
+                        <a:effectLst/>
+                        <a:latin typeface="Arial" charset="0"/>
+                        <a:ea typeface="Arial" charset="0"/>
+                        <a:cs typeface="Arial" charset="0"/>
+                      </a:endParaRPr>
+                    </a:p>
+                  </a:txBody>
+                  <a:tcPr marL="12700" marR="12700" marT="12700" marB="0" anchor="ctr"/>
+                </a:tc>
+                <a:tc>
+                  <a:txBody>
+                    <a:bodyPr/>
+                    <a:lstStyle/>
+                    <a:p>
+                      <a:pPr algn="ctr" fontAlgn="b">
+                        <a:lnSpc>
+                          <a:spcPct val="150000"/>
+                        </a:lnSpc>
+                      </a:pPr>
+                      <a:r>
+                        <a:rPr lang="mr-IN" sz="2000" u="none" strike="noStrike" dirty="0">
+                          <a:effectLst/>
+                          <a:latin typeface="Arial" charset="0"/>
+                          <a:ea typeface="Arial" charset="0"/>
+                          <a:cs typeface="Arial" charset="0"/>
+                        </a:rPr>
+                        <a:t>99.79%</a:t>
+                      </a:r>
+                      <a:endParaRPr lang="mr-IN" sz="2000" b="0" i="0" u="none" strike="noStrike" dirty="0">
+                        <a:solidFill>
+                          <a:srgbClr val="000000"/>
+                        </a:solidFill>
+                        <a:effectLst/>
+                        <a:latin typeface="Arial" charset="0"/>
+                        <a:ea typeface="Arial" charset="0"/>
+                        <a:cs typeface="Arial" charset="0"/>
+                      </a:endParaRPr>
+                    </a:p>
+                  </a:txBody>
+                  <a:tcPr marL="12700" marR="12700" marT="12700" marB="0" anchor="ctr"/>
+                </a:tc>
+              </a:tr>
+              <a:tr h="393897">
+                <a:tc>
+                  <a:txBody>
+                    <a:bodyPr/>
+                    <a:lstStyle/>
+                    <a:p>
+                      <a:pPr algn="ctr" fontAlgn="b">
+                        <a:lnSpc>
+                          <a:spcPct val="150000"/>
+                        </a:lnSpc>
+                      </a:pPr>
+                      <a:r>
+                        <a:rPr lang="en-US" sz="2000" u="none" strike="noStrike">
+                          <a:effectLst/>
+                          <a:latin typeface="Arial" charset="0"/>
+                          <a:ea typeface="Arial" charset="0"/>
+                          <a:cs typeface="Arial" charset="0"/>
+                        </a:rPr>
+                        <a:t>DeepNN 5</a:t>
+                      </a:r>
+                      <a:endParaRPr lang="en-US" sz="2000" b="0" i="0" u="none" strike="noStrike">
+                        <a:solidFill>
+                          <a:srgbClr val="000000"/>
+                        </a:solidFill>
+                        <a:effectLst/>
+                        <a:latin typeface="Arial" charset="0"/>
+                        <a:ea typeface="Arial" charset="0"/>
+                        <a:cs typeface="Arial" charset="0"/>
+                      </a:endParaRPr>
+                    </a:p>
+                  </a:txBody>
+                  <a:tcPr marL="12700" marR="12700" marT="12700" marB="0" anchor="ctr"/>
+                </a:tc>
+                <a:tc>
+                  <a:txBody>
+                    <a:bodyPr/>
+                    <a:lstStyle/>
+                    <a:p>
+                      <a:pPr algn="ctr" fontAlgn="b">
+                        <a:lnSpc>
+                          <a:spcPct val="150000"/>
+                        </a:lnSpc>
+                      </a:pPr>
+                      <a:r>
+                        <a:rPr lang="nb-NO" sz="2000" u="none" strike="noStrike">
+                          <a:effectLst/>
+                          <a:latin typeface="Arial" charset="0"/>
+                          <a:ea typeface="Arial" charset="0"/>
+                          <a:cs typeface="Arial" charset="0"/>
+                        </a:rPr>
+                        <a:t>0.531</a:t>
+                      </a:r>
+                      <a:endParaRPr lang="nb-NO" sz="2000" b="0" i="0" u="none" strike="noStrike">
+                        <a:solidFill>
+                          <a:srgbClr val="000000"/>
+                        </a:solidFill>
+                        <a:effectLst/>
+                        <a:latin typeface="Arial" charset="0"/>
+                        <a:ea typeface="Arial" charset="0"/>
+                        <a:cs typeface="Arial" charset="0"/>
+                      </a:endParaRPr>
+                    </a:p>
+                  </a:txBody>
+                  <a:tcPr marL="12700" marR="12700" marT="12700" marB="0" anchor="ctr"/>
+                </a:tc>
+                <a:tc>
+                  <a:txBody>
+                    <a:bodyPr/>
+                    <a:lstStyle/>
+                    <a:p>
+                      <a:pPr algn="ctr" fontAlgn="b">
+                        <a:lnSpc>
+                          <a:spcPct val="150000"/>
+                        </a:lnSpc>
+                      </a:pPr>
+                      <a:r>
+                        <a:rPr lang="mr-IN" sz="2000" u="none" strike="noStrike" dirty="0">
+                          <a:effectLst/>
+                          <a:latin typeface="Arial" charset="0"/>
+                          <a:ea typeface="Arial" charset="0"/>
+                          <a:cs typeface="Arial" charset="0"/>
+                        </a:rPr>
+                        <a:t>73.45%</a:t>
+                      </a:r>
+                      <a:endParaRPr lang="mr-IN" sz="2000" b="0" i="0" u="none" strike="noStrike" dirty="0">
+                        <a:solidFill>
+                          <a:srgbClr val="000000"/>
+                        </a:solidFill>
+                        <a:effectLst/>
+                        <a:latin typeface="Arial" charset="0"/>
+                        <a:ea typeface="Arial" charset="0"/>
+                        <a:cs typeface="Arial" charset="0"/>
+                      </a:endParaRPr>
+                    </a:p>
+                  </a:txBody>
+                  <a:tcPr marL="12700" marR="12700" marT="12700" marB="0" anchor="ctr"/>
+                </a:tc>
+                <a:tc>
+                  <a:txBody>
+                    <a:bodyPr/>
+                    <a:lstStyle/>
+                    <a:p>
+                      <a:pPr algn="ctr" fontAlgn="b">
+                        <a:lnSpc>
+                          <a:spcPct val="150000"/>
+                        </a:lnSpc>
+                      </a:pPr>
+                      <a:r>
+                        <a:rPr lang="mr-IN" sz="2000" u="none" strike="noStrike" dirty="0">
+                          <a:effectLst/>
+                          <a:latin typeface="Arial" charset="0"/>
+                          <a:ea typeface="Arial" charset="0"/>
+                          <a:cs typeface="Arial" charset="0"/>
+                        </a:rPr>
+                        <a:t>72.52%</a:t>
+                      </a:r>
+                      <a:endParaRPr lang="mr-IN" sz="2000" b="0" i="0" u="none" strike="noStrike" dirty="0">
+                        <a:solidFill>
+                          <a:srgbClr val="000000"/>
+                        </a:solidFill>
+                        <a:effectLst/>
+                        <a:latin typeface="Arial" charset="0"/>
+                        <a:ea typeface="Arial" charset="0"/>
+                        <a:cs typeface="Arial" charset="0"/>
+                      </a:endParaRPr>
+                    </a:p>
+                  </a:txBody>
+                  <a:tcPr marL="12700" marR="12700" marT="12700" marB="0" anchor="ctr"/>
+                </a:tc>
+                <a:tc>
+                  <a:txBody>
+                    <a:bodyPr/>
+                    <a:lstStyle/>
+                    <a:p>
+                      <a:pPr algn="ctr" fontAlgn="b">
+                        <a:lnSpc>
+                          <a:spcPct val="150000"/>
+                        </a:lnSpc>
+                      </a:pPr>
+                      <a:r>
+                        <a:rPr lang="mr-IN" sz="2000" u="none" strike="noStrike" dirty="0">
+                          <a:effectLst/>
+                          <a:latin typeface="Arial" charset="0"/>
+                          <a:ea typeface="Arial" charset="0"/>
+                          <a:cs typeface="Arial" charset="0"/>
+                        </a:rPr>
+                        <a:t>74.30%</a:t>
+                      </a:r>
+                      <a:endParaRPr lang="mr-IN" sz="2000" b="0" i="0" u="none" strike="noStrike" dirty="0">
+                        <a:solidFill>
+                          <a:srgbClr val="000000"/>
+                        </a:solidFill>
+                        <a:effectLst/>
+                        <a:latin typeface="Arial" charset="0"/>
+                        <a:ea typeface="Arial" charset="0"/>
+                        <a:cs typeface="Arial" charset="0"/>
+                      </a:endParaRPr>
+                    </a:p>
+                  </a:txBody>
+                  <a:tcPr marL="12700" marR="12700" marT="12700" marB="0" anchor="ctr"/>
+                </a:tc>
+                <a:tc>
+                  <a:txBody>
+                    <a:bodyPr/>
+                    <a:lstStyle/>
+                    <a:p>
+                      <a:pPr algn="ctr" fontAlgn="b">
+                        <a:lnSpc>
+                          <a:spcPct val="150000"/>
+                        </a:lnSpc>
+                      </a:pPr>
+                      <a:r>
+                        <a:rPr lang="mr-IN" sz="2000" u="none" strike="noStrike" dirty="0">
+                          <a:effectLst/>
+                          <a:latin typeface="Arial" charset="0"/>
+                          <a:ea typeface="Arial" charset="0"/>
+                          <a:cs typeface="Arial" charset="0"/>
+                        </a:rPr>
+                        <a:t>27.48%</a:t>
+                      </a:r>
+                      <a:endParaRPr lang="mr-IN" sz="2000" b="0" i="0" u="none" strike="noStrike" dirty="0">
+                        <a:solidFill>
+                          <a:srgbClr val="000000"/>
+                        </a:solidFill>
+                        <a:effectLst/>
+                        <a:latin typeface="Arial" charset="0"/>
+                        <a:ea typeface="Arial" charset="0"/>
+                        <a:cs typeface="Arial" charset="0"/>
+                      </a:endParaRPr>
+                    </a:p>
+                  </a:txBody>
+                  <a:tcPr marL="12700" marR="12700" marT="12700" marB="0" anchor="ctr"/>
+                </a:tc>
+              </a:tr>
+              <a:tr h="393897">
+                <a:tc>
+                  <a:txBody>
+                    <a:bodyPr/>
+                    <a:lstStyle/>
+                    <a:p>
+                      <a:pPr algn="ctr" fontAlgn="b">
+                        <a:lnSpc>
+                          <a:spcPct val="150000"/>
+                        </a:lnSpc>
+                      </a:pPr>
+                      <a:r>
+                        <a:rPr lang="en-US" sz="2000" u="none" strike="noStrike">
+                          <a:effectLst/>
+                          <a:latin typeface="Arial" charset="0"/>
+                          <a:ea typeface="Arial" charset="0"/>
+                          <a:cs typeface="Arial" charset="0"/>
+                        </a:rPr>
+                        <a:t>DeepNN 6</a:t>
+                      </a:r>
+                      <a:endParaRPr lang="en-US" sz="2000" b="0" i="0" u="none" strike="noStrike">
+                        <a:solidFill>
+                          <a:srgbClr val="000000"/>
+                        </a:solidFill>
+                        <a:effectLst/>
+                        <a:latin typeface="Arial" charset="0"/>
+                        <a:ea typeface="Arial" charset="0"/>
+                        <a:cs typeface="Arial" charset="0"/>
+                      </a:endParaRPr>
+                    </a:p>
+                  </a:txBody>
+                  <a:tcPr marL="12700" marR="12700" marT="12700" marB="0" anchor="ctr"/>
+                </a:tc>
+                <a:tc>
+                  <a:txBody>
+                    <a:bodyPr/>
+                    <a:lstStyle/>
+                    <a:p>
+                      <a:pPr algn="ctr" fontAlgn="b">
+                        <a:lnSpc>
+                          <a:spcPct val="150000"/>
+                        </a:lnSpc>
+                      </a:pPr>
+                      <a:r>
+                        <a:rPr lang="hr-HR" sz="2000" u="none" strike="noStrike">
+                          <a:effectLst/>
+                          <a:latin typeface="Arial" charset="0"/>
+                          <a:ea typeface="Arial" charset="0"/>
+                          <a:cs typeface="Arial" charset="0"/>
+                        </a:rPr>
+                        <a:t>0.409</a:t>
+                      </a:r>
+                      <a:endParaRPr lang="hr-HR" sz="2000" b="0" i="0" u="none" strike="noStrike">
+                        <a:solidFill>
+                          <a:srgbClr val="000000"/>
+                        </a:solidFill>
+                        <a:effectLst/>
+                        <a:latin typeface="Arial" charset="0"/>
+                        <a:ea typeface="Arial" charset="0"/>
+                        <a:cs typeface="Arial" charset="0"/>
+                      </a:endParaRPr>
+                    </a:p>
+                  </a:txBody>
+                  <a:tcPr marL="12700" marR="12700" marT="12700" marB="0" anchor="ctr"/>
+                </a:tc>
+                <a:tc>
+                  <a:txBody>
+                    <a:bodyPr/>
+                    <a:lstStyle/>
+                    <a:p>
+                      <a:pPr algn="ctr" fontAlgn="b">
+                        <a:lnSpc>
+                          <a:spcPct val="150000"/>
+                        </a:lnSpc>
+                      </a:pPr>
+                      <a:r>
+                        <a:rPr lang="mr-IN" sz="2000" u="none" strike="noStrike" dirty="0">
+                          <a:effectLst/>
+                          <a:latin typeface="Arial" charset="0"/>
+                          <a:ea typeface="Arial" charset="0"/>
+                          <a:cs typeface="Arial" charset="0"/>
+                        </a:rPr>
+                        <a:t>81.70%</a:t>
+                      </a:r>
+                      <a:endParaRPr lang="mr-IN" sz="2000" b="0" i="0" u="none" strike="noStrike" dirty="0">
+                        <a:solidFill>
+                          <a:srgbClr val="000000"/>
+                        </a:solidFill>
+                        <a:effectLst/>
+                        <a:latin typeface="Arial" charset="0"/>
+                        <a:ea typeface="Arial" charset="0"/>
+                        <a:cs typeface="Arial" charset="0"/>
+                      </a:endParaRPr>
+                    </a:p>
+                  </a:txBody>
+                  <a:tcPr marL="12700" marR="12700" marT="12700" marB="0" anchor="ctr"/>
+                </a:tc>
+                <a:tc>
+                  <a:txBody>
+                    <a:bodyPr/>
+                    <a:lstStyle/>
+                    <a:p>
+                      <a:pPr algn="ctr" fontAlgn="b">
+                        <a:lnSpc>
+                          <a:spcPct val="150000"/>
+                        </a:lnSpc>
+                      </a:pPr>
+                      <a:r>
+                        <a:rPr lang="mr-IN" sz="2000" u="none" strike="noStrike" dirty="0">
+                          <a:effectLst/>
+                          <a:latin typeface="Arial" charset="0"/>
+                          <a:ea typeface="Arial" charset="0"/>
+                          <a:cs typeface="Arial" charset="0"/>
+                        </a:rPr>
+                        <a:t>91.18%</a:t>
+                      </a:r>
+                      <a:endParaRPr lang="mr-IN" sz="2000" b="0" i="0" u="none" strike="noStrike" dirty="0">
+                        <a:solidFill>
+                          <a:srgbClr val="000000"/>
+                        </a:solidFill>
+                        <a:effectLst/>
+                        <a:latin typeface="Arial" charset="0"/>
+                        <a:ea typeface="Arial" charset="0"/>
+                        <a:cs typeface="Arial" charset="0"/>
+                      </a:endParaRPr>
+                    </a:p>
+                  </a:txBody>
+                  <a:tcPr marL="12700" marR="12700" marT="12700" marB="0" anchor="ctr"/>
+                </a:tc>
+                <a:tc>
+                  <a:txBody>
+                    <a:bodyPr/>
+                    <a:lstStyle/>
+                    <a:p>
+                      <a:pPr algn="ctr" fontAlgn="b">
+                        <a:lnSpc>
+                          <a:spcPct val="150000"/>
+                        </a:lnSpc>
+                      </a:pPr>
+                      <a:r>
+                        <a:rPr lang="mr-IN" sz="2000" u="none" strike="noStrike" dirty="0">
+                          <a:effectLst/>
+                          <a:latin typeface="Arial" charset="0"/>
+                          <a:ea typeface="Arial" charset="0"/>
+                          <a:cs typeface="Arial" charset="0"/>
+                        </a:rPr>
+                        <a:t>77.40%</a:t>
+                      </a:r>
+                      <a:endParaRPr lang="mr-IN" sz="2000" b="0" i="0" u="none" strike="noStrike" dirty="0">
+                        <a:solidFill>
+                          <a:srgbClr val="000000"/>
+                        </a:solidFill>
+                        <a:effectLst/>
+                        <a:latin typeface="Arial" charset="0"/>
+                        <a:ea typeface="Arial" charset="0"/>
+                        <a:cs typeface="Arial" charset="0"/>
+                      </a:endParaRPr>
+                    </a:p>
+                  </a:txBody>
+                  <a:tcPr marL="12700" marR="12700" marT="12700" marB="0" anchor="ctr"/>
+                </a:tc>
+                <a:tc>
+                  <a:txBody>
+                    <a:bodyPr/>
+                    <a:lstStyle/>
+                    <a:p>
+                      <a:pPr algn="ctr" fontAlgn="b">
+                        <a:lnSpc>
+                          <a:spcPct val="150000"/>
+                        </a:lnSpc>
+                      </a:pPr>
+                      <a:r>
+                        <a:rPr lang="mr-IN" sz="2000" u="none" strike="noStrike" dirty="0">
+                          <a:effectLst/>
+                          <a:latin typeface="Arial" charset="0"/>
+                          <a:ea typeface="Arial" charset="0"/>
+                          <a:cs typeface="Arial" charset="0"/>
+                        </a:rPr>
+                        <a:t>8.82%</a:t>
+                      </a:r>
+                      <a:endParaRPr lang="mr-IN" sz="2000" b="0" i="0" u="none" strike="noStrike" dirty="0">
+                        <a:solidFill>
+                          <a:srgbClr val="000000"/>
+                        </a:solidFill>
+                        <a:effectLst/>
+                        <a:latin typeface="Arial" charset="0"/>
+                        <a:ea typeface="Arial" charset="0"/>
+                        <a:cs typeface="Arial" charset="0"/>
+                      </a:endParaRPr>
+                    </a:p>
+                  </a:txBody>
+                  <a:tcPr marL="12700" marR="12700" marT="12700" marB="0" anchor="ctr"/>
+                </a:tc>
+              </a:tr>
+              <a:tr h="393897">
+                <a:tc>
+                  <a:txBody>
+                    <a:bodyPr/>
+                    <a:lstStyle/>
+                    <a:p>
+                      <a:pPr algn="ctr" fontAlgn="b">
+                        <a:lnSpc>
+                          <a:spcPct val="150000"/>
+                        </a:lnSpc>
+                      </a:pPr>
+                      <a:r>
+                        <a:rPr lang="en-US" sz="2000" u="none" strike="noStrike">
+                          <a:effectLst/>
+                          <a:latin typeface="Arial" charset="0"/>
+                          <a:ea typeface="Arial" charset="0"/>
+                          <a:cs typeface="Arial" charset="0"/>
+                        </a:rPr>
+                        <a:t>DeepNN 7</a:t>
+                      </a:r>
+                      <a:endParaRPr lang="en-US" sz="2000" b="0" i="0" u="none" strike="noStrike">
+                        <a:solidFill>
+                          <a:srgbClr val="000000"/>
+                        </a:solidFill>
+                        <a:effectLst/>
+                        <a:latin typeface="Arial" charset="0"/>
+                        <a:ea typeface="Arial" charset="0"/>
+                        <a:cs typeface="Arial" charset="0"/>
+                      </a:endParaRPr>
+                    </a:p>
+                  </a:txBody>
+                  <a:tcPr marL="12700" marR="12700" marT="12700" marB="0" anchor="ctr"/>
+                </a:tc>
+                <a:tc>
+                  <a:txBody>
+                    <a:bodyPr/>
+                    <a:lstStyle/>
+                    <a:p>
+                      <a:pPr algn="ctr" fontAlgn="b">
+                        <a:lnSpc>
+                          <a:spcPct val="150000"/>
+                        </a:lnSpc>
+                      </a:pPr>
+                      <a:r>
+                        <a:rPr lang="nb-NO" sz="2000" u="none" strike="noStrike">
+                          <a:effectLst/>
+                          <a:latin typeface="Arial" charset="0"/>
+                          <a:ea typeface="Arial" charset="0"/>
+                          <a:cs typeface="Arial" charset="0"/>
+                        </a:rPr>
+                        <a:t>0.484</a:t>
+                      </a:r>
+                      <a:endParaRPr lang="nb-NO" sz="2000" b="0" i="0" u="none" strike="noStrike">
+                        <a:solidFill>
+                          <a:srgbClr val="000000"/>
+                        </a:solidFill>
+                        <a:effectLst/>
+                        <a:latin typeface="Arial" charset="0"/>
+                        <a:ea typeface="Arial" charset="0"/>
+                        <a:cs typeface="Arial" charset="0"/>
+                      </a:endParaRPr>
+                    </a:p>
+                  </a:txBody>
+                  <a:tcPr marL="12700" marR="12700" marT="12700" marB="0" anchor="ctr"/>
+                </a:tc>
+                <a:tc>
+                  <a:txBody>
+                    <a:bodyPr/>
+                    <a:lstStyle/>
+                    <a:p>
+                      <a:pPr algn="ctr" fontAlgn="b">
+                        <a:lnSpc>
+                          <a:spcPct val="150000"/>
+                        </a:lnSpc>
+                      </a:pPr>
+                      <a:r>
+                        <a:rPr lang="mr-IN" sz="2000" u="none" strike="noStrike">
+                          <a:effectLst/>
+                          <a:latin typeface="Arial" charset="0"/>
+                          <a:ea typeface="Arial" charset="0"/>
+                          <a:cs typeface="Arial" charset="0"/>
+                        </a:rPr>
+                        <a:t>76.88%</a:t>
+                      </a:r>
+                      <a:endParaRPr lang="mr-IN" sz="2000" b="0" i="0" u="none" strike="noStrike">
+                        <a:solidFill>
+                          <a:srgbClr val="000000"/>
+                        </a:solidFill>
+                        <a:effectLst/>
+                        <a:latin typeface="Arial" charset="0"/>
+                        <a:ea typeface="Arial" charset="0"/>
+                        <a:cs typeface="Arial" charset="0"/>
+                      </a:endParaRPr>
+                    </a:p>
+                  </a:txBody>
+                  <a:tcPr marL="12700" marR="12700" marT="12700" marB="0" anchor="ctr"/>
+                </a:tc>
+                <a:tc>
+                  <a:txBody>
+                    <a:bodyPr/>
+                    <a:lstStyle/>
+                    <a:p>
+                      <a:pPr algn="ctr" fontAlgn="b">
+                        <a:lnSpc>
+                          <a:spcPct val="150000"/>
+                        </a:lnSpc>
+                      </a:pPr>
+                      <a:r>
+                        <a:rPr lang="mr-IN" sz="2000" u="none" strike="noStrike" dirty="0">
+                          <a:effectLst/>
+                          <a:latin typeface="Arial" charset="0"/>
+                          <a:ea typeface="Arial" charset="0"/>
+                          <a:cs typeface="Arial" charset="0"/>
+                        </a:rPr>
+                        <a:t>97.16%</a:t>
+                      </a:r>
+                      <a:endParaRPr lang="mr-IN" sz="2000" b="0" i="0" u="none" strike="noStrike" dirty="0">
+                        <a:solidFill>
+                          <a:srgbClr val="000000"/>
+                        </a:solidFill>
+                        <a:effectLst/>
+                        <a:latin typeface="Arial" charset="0"/>
+                        <a:ea typeface="Arial" charset="0"/>
+                        <a:cs typeface="Arial" charset="0"/>
+                      </a:endParaRPr>
+                    </a:p>
+                  </a:txBody>
+                  <a:tcPr marL="12700" marR="12700" marT="12700" marB="0" anchor="ctr"/>
+                </a:tc>
+                <a:tc>
+                  <a:txBody>
+                    <a:bodyPr/>
+                    <a:lstStyle/>
+                    <a:p>
+                      <a:pPr algn="ctr" fontAlgn="b">
+                        <a:lnSpc>
+                          <a:spcPct val="150000"/>
+                        </a:lnSpc>
+                      </a:pPr>
+                      <a:r>
+                        <a:rPr lang="mr-IN" sz="2000" u="none" strike="noStrike" dirty="0">
+                          <a:effectLst/>
+                          <a:latin typeface="Arial" charset="0"/>
+                          <a:ea typeface="Arial" charset="0"/>
+                          <a:cs typeface="Arial" charset="0"/>
+                        </a:rPr>
+                        <a:t>69.15%</a:t>
+                      </a:r>
+                      <a:endParaRPr lang="mr-IN" sz="2000" b="0" i="0" u="none" strike="noStrike" dirty="0">
+                        <a:solidFill>
+                          <a:srgbClr val="000000"/>
+                        </a:solidFill>
+                        <a:effectLst/>
+                        <a:latin typeface="Arial" charset="0"/>
+                        <a:ea typeface="Arial" charset="0"/>
+                        <a:cs typeface="Arial" charset="0"/>
+                      </a:endParaRPr>
+                    </a:p>
+                  </a:txBody>
+                  <a:tcPr marL="12700" marR="12700" marT="12700" marB="0" anchor="ctr"/>
+                </a:tc>
+                <a:tc>
+                  <a:txBody>
+                    <a:bodyPr/>
+                    <a:lstStyle/>
+                    <a:p>
+                      <a:pPr algn="ctr" fontAlgn="b">
+                        <a:lnSpc>
+                          <a:spcPct val="150000"/>
+                        </a:lnSpc>
+                      </a:pPr>
+                      <a:r>
+                        <a:rPr lang="mr-IN" sz="2000" u="none" strike="noStrike" dirty="0">
+                          <a:effectLst/>
+                          <a:latin typeface="Arial" charset="0"/>
+                          <a:ea typeface="Arial" charset="0"/>
+                          <a:cs typeface="Arial" charset="0"/>
+                        </a:rPr>
+                        <a:t>2.84%</a:t>
+                      </a:r>
+                      <a:endParaRPr lang="mr-IN" sz="2000" b="0" i="0" u="none" strike="noStrike" dirty="0">
+                        <a:solidFill>
+                          <a:srgbClr val="000000"/>
+                        </a:solidFill>
+                        <a:effectLst/>
+                        <a:latin typeface="Arial" charset="0"/>
+                        <a:ea typeface="Arial" charset="0"/>
+                        <a:cs typeface="Arial" charset="0"/>
+                      </a:endParaRPr>
+                    </a:p>
+                  </a:txBody>
+                  <a:tcPr marL="12700" marR="12700" marT="12700" marB="0" anchor="ctr"/>
+                </a:tc>
+              </a:tr>
+              <a:tr h="393897">
+                <a:tc>
+                  <a:txBody>
+                    <a:bodyPr/>
+                    <a:lstStyle/>
+                    <a:p>
+                      <a:pPr algn="ctr" fontAlgn="b">
+                        <a:lnSpc>
+                          <a:spcPct val="150000"/>
+                        </a:lnSpc>
+                      </a:pPr>
+                      <a:r>
+                        <a:rPr lang="en-US" sz="2000" u="none" strike="noStrike">
+                          <a:effectLst/>
+                          <a:latin typeface="Arial" charset="0"/>
+                          <a:ea typeface="Arial" charset="0"/>
+                          <a:cs typeface="Arial" charset="0"/>
+                        </a:rPr>
+                        <a:t>DeepNN 8</a:t>
+                      </a:r>
+                      <a:endParaRPr lang="en-US" sz="2000" b="0" i="0" u="none" strike="noStrike">
+                        <a:solidFill>
+                          <a:srgbClr val="000000"/>
+                        </a:solidFill>
+                        <a:effectLst/>
+                        <a:latin typeface="Arial" charset="0"/>
+                        <a:ea typeface="Arial" charset="0"/>
+                        <a:cs typeface="Arial" charset="0"/>
+                      </a:endParaRPr>
+                    </a:p>
+                  </a:txBody>
+                  <a:tcPr marL="12700" marR="12700" marT="12700" marB="0" anchor="ctr"/>
+                </a:tc>
+                <a:tc>
+                  <a:txBody>
+                    <a:bodyPr/>
+                    <a:lstStyle/>
+                    <a:p>
+                      <a:pPr algn="ctr" fontAlgn="b">
+                        <a:lnSpc>
+                          <a:spcPct val="150000"/>
+                        </a:lnSpc>
+                      </a:pPr>
+                      <a:r>
+                        <a:rPr lang="nb-NO" sz="2000" u="none" strike="noStrike">
+                          <a:effectLst/>
+                          <a:latin typeface="Arial" charset="0"/>
+                          <a:ea typeface="Arial" charset="0"/>
+                          <a:cs typeface="Arial" charset="0"/>
+                        </a:rPr>
+                        <a:t>0.527</a:t>
+                      </a:r>
+                      <a:endParaRPr lang="nb-NO" sz="2000" b="0" i="0" u="none" strike="noStrike">
+                        <a:solidFill>
+                          <a:srgbClr val="000000"/>
+                        </a:solidFill>
+                        <a:effectLst/>
+                        <a:latin typeface="Arial" charset="0"/>
+                        <a:ea typeface="Arial" charset="0"/>
+                        <a:cs typeface="Arial" charset="0"/>
+                      </a:endParaRPr>
+                    </a:p>
+                  </a:txBody>
+                  <a:tcPr marL="12700" marR="12700" marT="12700" marB="0" anchor="ctr"/>
+                </a:tc>
+                <a:tc>
+                  <a:txBody>
+                    <a:bodyPr/>
+                    <a:lstStyle/>
+                    <a:p>
+                      <a:pPr algn="ctr" fontAlgn="b">
+                        <a:lnSpc>
+                          <a:spcPct val="150000"/>
+                        </a:lnSpc>
+                      </a:pPr>
+                      <a:r>
+                        <a:rPr lang="mr-IN" sz="2000" u="none" strike="noStrike">
+                          <a:effectLst/>
+                          <a:latin typeface="Arial" charset="0"/>
+                          <a:ea typeface="Arial" charset="0"/>
+                          <a:cs typeface="Arial" charset="0"/>
+                        </a:rPr>
+                        <a:t>72.93%</a:t>
+                      </a:r>
+                      <a:endParaRPr lang="mr-IN" sz="2000" b="0" i="0" u="none" strike="noStrike">
+                        <a:solidFill>
+                          <a:srgbClr val="000000"/>
+                        </a:solidFill>
+                        <a:effectLst/>
+                        <a:latin typeface="Arial" charset="0"/>
+                        <a:ea typeface="Arial" charset="0"/>
+                        <a:cs typeface="Arial" charset="0"/>
+                      </a:endParaRPr>
+                    </a:p>
+                  </a:txBody>
+                  <a:tcPr marL="12700" marR="12700" marT="12700" marB="0" anchor="ctr"/>
+                </a:tc>
+                <a:tc>
+                  <a:txBody>
+                    <a:bodyPr/>
+                    <a:lstStyle/>
+                    <a:p>
+                      <a:pPr algn="ctr" fontAlgn="b">
+                        <a:lnSpc>
+                          <a:spcPct val="150000"/>
+                        </a:lnSpc>
+                      </a:pPr>
+                      <a:r>
+                        <a:rPr lang="mr-IN" sz="2000" u="none" strike="noStrike" dirty="0">
+                          <a:effectLst/>
+                          <a:latin typeface="Arial" charset="0"/>
+                          <a:ea typeface="Arial" charset="0"/>
+                          <a:cs typeface="Arial" charset="0"/>
+                        </a:rPr>
+                        <a:t>80.23%</a:t>
+                      </a:r>
+                      <a:endParaRPr lang="mr-IN" sz="2000" b="0" i="0" u="none" strike="noStrike" dirty="0">
+                        <a:solidFill>
+                          <a:srgbClr val="000000"/>
+                        </a:solidFill>
+                        <a:effectLst/>
+                        <a:latin typeface="Arial" charset="0"/>
+                        <a:ea typeface="Arial" charset="0"/>
+                        <a:cs typeface="Arial" charset="0"/>
+                      </a:endParaRPr>
+                    </a:p>
+                  </a:txBody>
+                  <a:tcPr marL="12700" marR="12700" marT="12700" marB="0" anchor="ctr"/>
+                </a:tc>
+                <a:tc>
+                  <a:txBody>
+                    <a:bodyPr/>
+                    <a:lstStyle/>
+                    <a:p>
+                      <a:pPr algn="ctr" fontAlgn="b">
+                        <a:lnSpc>
+                          <a:spcPct val="150000"/>
+                        </a:lnSpc>
+                      </a:pPr>
+                      <a:r>
+                        <a:rPr lang="mr-IN" sz="2000" u="none" strike="noStrike" dirty="0">
+                          <a:effectLst/>
+                          <a:latin typeface="Arial" charset="0"/>
+                          <a:ea typeface="Arial" charset="0"/>
+                          <a:cs typeface="Arial" charset="0"/>
+                        </a:rPr>
+                        <a:t>70.79%</a:t>
+                      </a:r>
+                      <a:endParaRPr lang="mr-IN" sz="2000" b="0" i="0" u="none" strike="noStrike" dirty="0">
+                        <a:solidFill>
+                          <a:srgbClr val="000000"/>
+                        </a:solidFill>
+                        <a:effectLst/>
+                        <a:latin typeface="Arial" charset="0"/>
+                        <a:ea typeface="Arial" charset="0"/>
+                        <a:cs typeface="Arial" charset="0"/>
+                      </a:endParaRPr>
+                    </a:p>
+                  </a:txBody>
+                  <a:tcPr marL="12700" marR="12700" marT="12700" marB="0" anchor="ctr"/>
+                </a:tc>
+                <a:tc>
+                  <a:txBody>
+                    <a:bodyPr/>
+                    <a:lstStyle/>
+                    <a:p>
+                      <a:pPr algn="ctr" fontAlgn="b">
+                        <a:lnSpc>
+                          <a:spcPct val="150000"/>
+                        </a:lnSpc>
+                      </a:pPr>
+                      <a:r>
+                        <a:rPr lang="mr-IN" sz="2000" u="none" strike="noStrike" dirty="0">
+                          <a:effectLst/>
+                          <a:latin typeface="Arial" charset="0"/>
+                          <a:ea typeface="Arial" charset="0"/>
+                          <a:cs typeface="Arial" charset="0"/>
+                        </a:rPr>
+                        <a:t>19.77%</a:t>
+                      </a:r>
+                      <a:endParaRPr lang="mr-IN" sz="2000" b="0" i="0" u="none" strike="noStrike" dirty="0">
+                        <a:solidFill>
+                          <a:srgbClr val="000000"/>
+                        </a:solidFill>
+                        <a:effectLst/>
+                        <a:latin typeface="Arial" charset="0"/>
+                        <a:ea typeface="Arial" charset="0"/>
+                        <a:cs typeface="Arial" charset="0"/>
+                      </a:endParaRPr>
+                    </a:p>
+                  </a:txBody>
+                  <a:tcPr marL="12700" marR="12700" marT="12700" marB="0" anchor="ctr"/>
+                </a:tc>
+              </a:tr>
+              <a:tr h="393897">
+                <a:tc>
+                  <a:txBody>
+                    <a:bodyPr/>
+                    <a:lstStyle/>
+                    <a:p>
+                      <a:pPr algn="ctr" fontAlgn="b">
+                        <a:lnSpc>
+                          <a:spcPct val="150000"/>
+                        </a:lnSpc>
+                      </a:pPr>
+                      <a:r>
+                        <a:rPr lang="en-US" sz="2000" u="none" strike="noStrike">
+                          <a:effectLst/>
+                          <a:latin typeface="Arial" charset="0"/>
+                          <a:ea typeface="Arial" charset="0"/>
+                          <a:cs typeface="Arial" charset="0"/>
+                        </a:rPr>
+                        <a:t>DeepNN 9</a:t>
+                      </a:r>
+                      <a:endParaRPr lang="en-US" sz="2000" b="0" i="0" u="none" strike="noStrike">
+                        <a:solidFill>
+                          <a:srgbClr val="000000"/>
+                        </a:solidFill>
+                        <a:effectLst/>
+                        <a:latin typeface="Arial" charset="0"/>
+                        <a:ea typeface="Arial" charset="0"/>
+                        <a:cs typeface="Arial" charset="0"/>
+                      </a:endParaRPr>
+                    </a:p>
+                  </a:txBody>
+                  <a:tcPr marL="12700" marR="12700" marT="12700" marB="0" anchor="ctr"/>
+                </a:tc>
+                <a:tc>
+                  <a:txBody>
+                    <a:bodyPr/>
+                    <a:lstStyle/>
+                    <a:p>
+                      <a:pPr algn="ctr" fontAlgn="b">
+                        <a:lnSpc>
+                          <a:spcPct val="150000"/>
+                        </a:lnSpc>
+                      </a:pPr>
+                      <a:r>
+                        <a:rPr lang="nb-NO" sz="2000" u="none" strike="noStrike">
+                          <a:effectLst/>
+                          <a:latin typeface="Arial" charset="0"/>
+                          <a:ea typeface="Arial" charset="0"/>
+                          <a:cs typeface="Arial" charset="0"/>
+                        </a:rPr>
+                        <a:t>0.425</a:t>
+                      </a:r>
+                      <a:endParaRPr lang="nb-NO" sz="2000" b="0" i="0" u="none" strike="noStrike">
+                        <a:solidFill>
+                          <a:srgbClr val="000000"/>
+                        </a:solidFill>
+                        <a:effectLst/>
+                        <a:latin typeface="Arial" charset="0"/>
+                        <a:ea typeface="Arial" charset="0"/>
+                        <a:cs typeface="Arial" charset="0"/>
+                      </a:endParaRPr>
+                    </a:p>
+                  </a:txBody>
+                  <a:tcPr marL="12700" marR="12700" marT="12700" marB="0" anchor="ctr"/>
+                </a:tc>
+                <a:tc>
+                  <a:txBody>
+                    <a:bodyPr/>
+                    <a:lstStyle/>
+                    <a:p>
+                      <a:pPr algn="ctr" fontAlgn="b">
+                        <a:lnSpc>
+                          <a:spcPct val="150000"/>
+                        </a:lnSpc>
+                      </a:pPr>
+                      <a:r>
+                        <a:rPr lang="mr-IN" sz="2000" u="none" strike="noStrike">
+                          <a:effectLst/>
+                          <a:latin typeface="Arial" charset="0"/>
+                          <a:ea typeface="Arial" charset="0"/>
+                          <a:cs typeface="Arial" charset="0"/>
+                        </a:rPr>
+                        <a:t>80.29%</a:t>
+                      </a:r>
+                      <a:endParaRPr lang="mr-IN" sz="2000" b="0" i="0" u="none" strike="noStrike">
+                        <a:solidFill>
+                          <a:srgbClr val="000000"/>
+                        </a:solidFill>
+                        <a:effectLst/>
+                        <a:latin typeface="Arial" charset="0"/>
+                        <a:ea typeface="Arial" charset="0"/>
+                        <a:cs typeface="Arial" charset="0"/>
+                      </a:endParaRPr>
+                    </a:p>
+                  </a:txBody>
+                  <a:tcPr marL="12700" marR="12700" marT="12700" marB="0" anchor="ctr"/>
+                </a:tc>
+                <a:tc>
+                  <a:txBody>
+                    <a:bodyPr/>
+                    <a:lstStyle/>
+                    <a:p>
+                      <a:pPr algn="ctr" fontAlgn="b">
+                        <a:lnSpc>
+                          <a:spcPct val="150000"/>
+                        </a:lnSpc>
+                      </a:pPr>
+                      <a:r>
+                        <a:rPr lang="mr-IN" sz="2000" u="none" strike="noStrike">
+                          <a:effectLst/>
+                          <a:latin typeface="Arial" charset="0"/>
+                          <a:ea typeface="Arial" charset="0"/>
+                          <a:cs typeface="Arial" charset="0"/>
+                        </a:rPr>
+                        <a:t>81.69%</a:t>
+                      </a:r>
+                      <a:endParaRPr lang="mr-IN" sz="2000" b="0" i="0" u="none" strike="noStrike">
+                        <a:solidFill>
+                          <a:srgbClr val="000000"/>
+                        </a:solidFill>
+                        <a:effectLst/>
+                        <a:latin typeface="Arial" charset="0"/>
+                        <a:ea typeface="Arial" charset="0"/>
+                        <a:cs typeface="Arial" charset="0"/>
+                      </a:endParaRPr>
+                    </a:p>
+                  </a:txBody>
+                  <a:tcPr marL="12700" marR="12700" marT="12700" marB="0" anchor="ctr"/>
+                </a:tc>
+                <a:tc>
+                  <a:txBody>
+                    <a:bodyPr/>
+                    <a:lstStyle/>
+                    <a:p>
+                      <a:pPr algn="ctr" fontAlgn="b">
+                        <a:lnSpc>
+                          <a:spcPct val="150000"/>
+                        </a:lnSpc>
+                      </a:pPr>
+                      <a:r>
+                        <a:rPr lang="mr-IN" sz="2000" u="none" strike="noStrike" dirty="0">
+                          <a:effectLst/>
+                          <a:latin typeface="Arial" charset="0"/>
+                          <a:ea typeface="Arial" charset="0"/>
+                          <a:cs typeface="Arial" charset="0"/>
+                        </a:rPr>
+                        <a:t>80.19%</a:t>
+                      </a:r>
+                      <a:endParaRPr lang="mr-IN" sz="2000" b="0" i="0" u="none" strike="noStrike" dirty="0">
+                        <a:solidFill>
+                          <a:srgbClr val="000000"/>
+                        </a:solidFill>
+                        <a:effectLst/>
+                        <a:latin typeface="Arial" charset="0"/>
+                        <a:ea typeface="Arial" charset="0"/>
+                        <a:cs typeface="Arial" charset="0"/>
+                      </a:endParaRPr>
+                    </a:p>
+                  </a:txBody>
+                  <a:tcPr marL="12700" marR="12700" marT="12700" marB="0" anchor="ctr"/>
+                </a:tc>
+                <a:tc>
+                  <a:txBody>
+                    <a:bodyPr/>
+                    <a:lstStyle/>
+                    <a:p>
+                      <a:pPr algn="ctr" fontAlgn="b">
+                        <a:lnSpc>
+                          <a:spcPct val="150000"/>
+                        </a:lnSpc>
+                      </a:pPr>
+                      <a:r>
+                        <a:rPr lang="mr-IN" sz="2000" u="none" strike="noStrike" dirty="0">
+                          <a:effectLst/>
+                          <a:latin typeface="Arial" charset="0"/>
+                          <a:ea typeface="Arial" charset="0"/>
+                          <a:cs typeface="Arial" charset="0"/>
+                        </a:rPr>
+                        <a:t>18.31%</a:t>
+                      </a:r>
+                      <a:endParaRPr lang="mr-IN" sz="2000" b="0" i="0" u="none" strike="noStrike" dirty="0">
+                        <a:solidFill>
+                          <a:srgbClr val="000000"/>
+                        </a:solidFill>
+                        <a:effectLst/>
+                        <a:latin typeface="Arial" charset="0"/>
+                        <a:ea typeface="Arial" charset="0"/>
+                        <a:cs typeface="Arial" charset="0"/>
+                      </a:endParaRPr>
+                    </a:p>
+                  </a:txBody>
+                  <a:tcPr marL="12700" marR="12700" marT="12700" marB="0" anchor="ctr"/>
+                </a:tc>
+              </a:tr>
+              <a:tr h="393897">
+                <a:tc>
+                  <a:txBody>
+                    <a:bodyPr/>
+                    <a:lstStyle/>
+                    <a:p>
+                      <a:pPr algn="ctr" fontAlgn="b">
+                        <a:lnSpc>
+                          <a:spcPct val="150000"/>
+                        </a:lnSpc>
+                      </a:pPr>
+                      <a:r>
+                        <a:rPr lang="en-US" sz="2000" u="none" strike="noStrike">
+                          <a:effectLst/>
+                          <a:latin typeface="Arial" charset="0"/>
+                          <a:ea typeface="Arial" charset="0"/>
+                          <a:cs typeface="Arial" charset="0"/>
+                        </a:rPr>
+                        <a:t>DeepNN 10</a:t>
+                      </a:r>
+                      <a:endParaRPr lang="en-US" sz="2000" b="0" i="0" u="none" strike="noStrike">
+                        <a:solidFill>
+                          <a:srgbClr val="000000"/>
+                        </a:solidFill>
+                        <a:effectLst/>
+                        <a:latin typeface="Arial" charset="0"/>
+                        <a:ea typeface="Arial" charset="0"/>
+                        <a:cs typeface="Arial" charset="0"/>
+                      </a:endParaRPr>
+                    </a:p>
+                  </a:txBody>
+                  <a:tcPr marL="12700" marR="12700" marT="12700" marB="0" anchor="ctr"/>
+                </a:tc>
+                <a:tc>
+                  <a:txBody>
+                    <a:bodyPr/>
+                    <a:lstStyle/>
+                    <a:p>
+                      <a:pPr algn="ctr" fontAlgn="b">
+                        <a:lnSpc>
+                          <a:spcPct val="150000"/>
+                        </a:lnSpc>
+                      </a:pPr>
+                      <a:r>
+                        <a:rPr lang="nb-NO" sz="2000" u="none" strike="noStrike">
+                          <a:effectLst/>
+                          <a:latin typeface="Arial" charset="0"/>
+                          <a:ea typeface="Arial" charset="0"/>
+                          <a:cs typeface="Arial" charset="0"/>
+                        </a:rPr>
+                        <a:t>0.450</a:t>
+                      </a:r>
+                      <a:endParaRPr lang="nb-NO" sz="2000" b="0" i="0" u="none" strike="noStrike">
+                        <a:solidFill>
+                          <a:srgbClr val="000000"/>
+                        </a:solidFill>
+                        <a:effectLst/>
+                        <a:latin typeface="Arial" charset="0"/>
+                        <a:ea typeface="Arial" charset="0"/>
+                        <a:cs typeface="Arial" charset="0"/>
+                      </a:endParaRPr>
+                    </a:p>
+                  </a:txBody>
+                  <a:tcPr marL="12700" marR="12700" marT="12700" marB="0" anchor="ctr"/>
+                </a:tc>
+                <a:tc>
+                  <a:txBody>
+                    <a:bodyPr/>
+                    <a:lstStyle/>
+                    <a:p>
+                      <a:pPr algn="ctr" fontAlgn="b">
+                        <a:lnSpc>
+                          <a:spcPct val="150000"/>
+                        </a:lnSpc>
+                      </a:pPr>
+                      <a:r>
+                        <a:rPr lang="mr-IN" sz="2000" u="none" strike="noStrike">
+                          <a:effectLst/>
+                          <a:latin typeface="Arial" charset="0"/>
+                          <a:ea typeface="Arial" charset="0"/>
+                          <a:cs typeface="Arial" charset="0"/>
+                        </a:rPr>
+                        <a:t>79.78%</a:t>
+                      </a:r>
+                      <a:endParaRPr lang="mr-IN" sz="2000" b="0" i="0" u="none" strike="noStrike">
+                        <a:solidFill>
+                          <a:srgbClr val="000000"/>
+                        </a:solidFill>
+                        <a:effectLst/>
+                        <a:latin typeface="Arial" charset="0"/>
+                        <a:ea typeface="Arial" charset="0"/>
+                        <a:cs typeface="Arial" charset="0"/>
+                      </a:endParaRPr>
+                    </a:p>
+                  </a:txBody>
+                  <a:tcPr marL="12700" marR="12700" marT="12700" marB="0" anchor="ctr"/>
+                </a:tc>
+                <a:tc>
+                  <a:txBody>
+                    <a:bodyPr/>
+                    <a:lstStyle/>
+                    <a:p>
+                      <a:pPr algn="ctr" fontAlgn="b">
+                        <a:lnSpc>
+                          <a:spcPct val="150000"/>
+                        </a:lnSpc>
+                      </a:pPr>
+                      <a:r>
+                        <a:rPr lang="mr-IN" sz="2000" u="none" strike="noStrike">
+                          <a:effectLst/>
+                          <a:latin typeface="Arial" charset="0"/>
+                          <a:ea typeface="Arial" charset="0"/>
+                          <a:cs typeface="Arial" charset="0"/>
+                        </a:rPr>
+                        <a:t>77.46%</a:t>
+                      </a:r>
+                      <a:endParaRPr lang="mr-IN" sz="2000" b="0" i="0" u="none" strike="noStrike">
+                        <a:solidFill>
+                          <a:srgbClr val="000000"/>
+                        </a:solidFill>
+                        <a:effectLst/>
+                        <a:latin typeface="Arial" charset="0"/>
+                        <a:ea typeface="Arial" charset="0"/>
+                        <a:cs typeface="Arial" charset="0"/>
+                      </a:endParaRPr>
+                    </a:p>
+                  </a:txBody>
+                  <a:tcPr marL="12700" marR="12700" marT="12700" marB="0" anchor="ctr"/>
+                </a:tc>
+                <a:tc>
+                  <a:txBody>
+                    <a:bodyPr/>
+                    <a:lstStyle/>
+                    <a:p>
+                      <a:pPr algn="ctr" fontAlgn="b">
+                        <a:lnSpc>
+                          <a:spcPct val="150000"/>
+                        </a:lnSpc>
+                      </a:pPr>
+                      <a:r>
+                        <a:rPr lang="mr-IN" sz="2000" u="none" strike="noStrike" dirty="0">
+                          <a:effectLst/>
+                          <a:latin typeface="Arial" charset="0"/>
+                          <a:ea typeface="Arial" charset="0"/>
+                          <a:cs typeface="Arial" charset="0"/>
+                        </a:rPr>
+                        <a:t>81.37%</a:t>
+                      </a:r>
+                      <a:endParaRPr lang="mr-IN" sz="2000" b="0" i="0" u="none" strike="noStrike" dirty="0">
+                        <a:solidFill>
+                          <a:srgbClr val="000000"/>
+                        </a:solidFill>
+                        <a:effectLst/>
+                        <a:latin typeface="Arial" charset="0"/>
+                        <a:ea typeface="Arial" charset="0"/>
+                        <a:cs typeface="Arial" charset="0"/>
+                      </a:endParaRPr>
+                    </a:p>
+                  </a:txBody>
+                  <a:tcPr marL="12700" marR="12700" marT="12700" marB="0" anchor="ctr"/>
+                </a:tc>
+                <a:tc>
+                  <a:txBody>
+                    <a:bodyPr/>
+                    <a:lstStyle/>
+                    <a:p>
+                      <a:pPr algn="ctr" fontAlgn="b">
+                        <a:lnSpc>
+                          <a:spcPct val="150000"/>
+                        </a:lnSpc>
+                      </a:pPr>
+                      <a:r>
+                        <a:rPr lang="mr-IN" sz="2000" u="none" strike="noStrike" dirty="0">
+                          <a:effectLst/>
+                          <a:latin typeface="Arial" charset="0"/>
+                          <a:ea typeface="Arial" charset="0"/>
+                          <a:cs typeface="Arial" charset="0"/>
+                        </a:rPr>
+                        <a:t>22.54%</a:t>
+                      </a:r>
+                      <a:endParaRPr lang="mr-IN" sz="2000" b="0" i="0" u="none" strike="noStrike" dirty="0">
+                        <a:solidFill>
+                          <a:srgbClr val="000000"/>
+                        </a:solidFill>
+                        <a:effectLst/>
+                        <a:latin typeface="Arial" charset="0"/>
+                        <a:ea typeface="Arial" charset="0"/>
+                        <a:cs typeface="Arial" charset="0"/>
+                      </a:endParaRPr>
+                    </a:p>
+                  </a:txBody>
+                  <a:tcPr marL="12700" marR="12700" marT="12700" marB="0" anchor="ctr"/>
+                </a:tc>
+              </a:tr>
+              <a:tr h="393897">
+                <a:tc>
+                  <a:txBody>
+                    <a:bodyPr/>
+                    <a:lstStyle/>
+                    <a:p>
+                      <a:pPr algn="ctr" fontAlgn="b">
+                        <a:lnSpc>
+                          <a:spcPct val="150000"/>
+                        </a:lnSpc>
+                      </a:pPr>
+                      <a:r>
+                        <a:rPr lang="en-US" sz="2000" u="none" strike="noStrike">
+                          <a:effectLst/>
+                          <a:latin typeface="Arial" charset="0"/>
+                          <a:ea typeface="Arial" charset="0"/>
+                          <a:cs typeface="Arial" charset="0"/>
+                        </a:rPr>
+                        <a:t>Triangle</a:t>
+                      </a:r>
+                      <a:endParaRPr lang="en-US" sz="2000" b="0" i="0" u="none" strike="noStrike">
+                        <a:solidFill>
+                          <a:srgbClr val="000000"/>
+                        </a:solidFill>
+                        <a:effectLst/>
+                        <a:latin typeface="Arial" charset="0"/>
+                        <a:ea typeface="Arial" charset="0"/>
+                        <a:cs typeface="Arial" charset="0"/>
+                      </a:endParaRPr>
+                    </a:p>
+                  </a:txBody>
+                  <a:tcPr marL="12700" marR="12700" marT="12700" marB="0" anchor="ctr"/>
+                </a:tc>
+                <a:tc>
+                  <a:txBody>
+                    <a:bodyPr/>
+                    <a:lstStyle/>
+                    <a:p>
+                      <a:pPr algn="ctr" fontAlgn="b">
+                        <a:lnSpc>
+                          <a:spcPct val="150000"/>
+                        </a:lnSpc>
+                      </a:pPr>
+                      <a:r>
+                        <a:rPr lang="nb-NO" sz="2000" u="none" strike="noStrike">
+                          <a:effectLst/>
+                          <a:latin typeface="Arial" charset="0"/>
+                          <a:ea typeface="Arial" charset="0"/>
+                          <a:cs typeface="Arial" charset="0"/>
+                        </a:rPr>
+                        <a:t>0.380</a:t>
+                      </a:r>
+                      <a:endParaRPr lang="nb-NO" sz="2000" b="0" i="0" u="none" strike="noStrike">
+                        <a:solidFill>
+                          <a:srgbClr val="000000"/>
+                        </a:solidFill>
+                        <a:effectLst/>
+                        <a:latin typeface="Arial" charset="0"/>
+                        <a:ea typeface="Arial" charset="0"/>
+                        <a:cs typeface="Arial" charset="0"/>
+                      </a:endParaRPr>
+                    </a:p>
+                  </a:txBody>
+                  <a:tcPr marL="12700" marR="12700" marT="12700" marB="0" anchor="ctr"/>
+                </a:tc>
+                <a:tc>
+                  <a:txBody>
+                    <a:bodyPr/>
+                    <a:lstStyle/>
+                    <a:p>
+                      <a:pPr algn="ctr" fontAlgn="b">
+                        <a:lnSpc>
+                          <a:spcPct val="150000"/>
+                        </a:lnSpc>
+                      </a:pPr>
+                      <a:r>
+                        <a:rPr lang="mr-IN" sz="2000" u="none" strike="noStrike">
+                          <a:effectLst/>
+                          <a:latin typeface="Arial" charset="0"/>
+                          <a:ea typeface="Arial" charset="0"/>
+                          <a:cs typeface="Arial" charset="0"/>
+                        </a:rPr>
+                        <a:t>84.28%</a:t>
+                      </a:r>
+                      <a:endParaRPr lang="mr-IN" sz="2000" b="0" i="0" u="none" strike="noStrike">
+                        <a:solidFill>
+                          <a:srgbClr val="000000"/>
+                        </a:solidFill>
+                        <a:effectLst/>
+                        <a:latin typeface="Arial" charset="0"/>
+                        <a:ea typeface="Arial" charset="0"/>
+                        <a:cs typeface="Arial" charset="0"/>
+                      </a:endParaRPr>
+                    </a:p>
+                  </a:txBody>
+                  <a:tcPr marL="12700" marR="12700" marT="12700" marB="0" anchor="ctr"/>
+                </a:tc>
+                <a:tc>
+                  <a:txBody>
+                    <a:bodyPr/>
+                    <a:lstStyle/>
+                    <a:p>
+                      <a:pPr algn="ctr" fontAlgn="b">
+                        <a:lnSpc>
+                          <a:spcPct val="150000"/>
+                        </a:lnSpc>
+                      </a:pPr>
+                      <a:r>
+                        <a:rPr lang="mr-IN" sz="2000" u="none" strike="noStrike">
+                          <a:effectLst/>
+                          <a:latin typeface="Arial" charset="0"/>
+                          <a:ea typeface="Arial" charset="0"/>
+                          <a:cs typeface="Arial" charset="0"/>
+                        </a:rPr>
+                        <a:t>89.76%</a:t>
+                      </a:r>
+                      <a:endParaRPr lang="mr-IN" sz="2000" b="0" i="0" u="none" strike="noStrike">
+                        <a:solidFill>
+                          <a:srgbClr val="000000"/>
+                        </a:solidFill>
+                        <a:effectLst/>
+                        <a:latin typeface="Arial" charset="0"/>
+                        <a:ea typeface="Arial" charset="0"/>
+                        <a:cs typeface="Arial" charset="0"/>
+                      </a:endParaRPr>
+                    </a:p>
+                  </a:txBody>
+                  <a:tcPr marL="12700" marR="12700" marT="12700" marB="0" anchor="ctr"/>
+                </a:tc>
+                <a:tc>
+                  <a:txBody>
+                    <a:bodyPr/>
+                    <a:lstStyle/>
+                    <a:p>
+                      <a:pPr algn="ctr" fontAlgn="b">
+                        <a:lnSpc>
+                          <a:spcPct val="150000"/>
+                        </a:lnSpc>
+                      </a:pPr>
+                      <a:r>
+                        <a:rPr lang="mr-IN" sz="2000" u="none" strike="noStrike">
+                          <a:effectLst/>
+                          <a:latin typeface="Arial" charset="0"/>
+                          <a:ea typeface="Arial" charset="0"/>
+                          <a:cs typeface="Arial" charset="0"/>
+                        </a:rPr>
+                        <a:t>81.14%</a:t>
+                      </a:r>
+                      <a:endParaRPr lang="mr-IN" sz="2000" b="0" i="0" u="none" strike="noStrike">
+                        <a:solidFill>
+                          <a:srgbClr val="000000"/>
+                        </a:solidFill>
+                        <a:effectLst/>
+                        <a:latin typeface="Arial" charset="0"/>
+                        <a:ea typeface="Arial" charset="0"/>
+                        <a:cs typeface="Arial" charset="0"/>
+                      </a:endParaRPr>
+                    </a:p>
+                  </a:txBody>
+                  <a:tcPr marL="12700" marR="12700" marT="12700" marB="0" anchor="ctr"/>
+                </a:tc>
+                <a:tc>
+                  <a:txBody>
+                    <a:bodyPr/>
+                    <a:lstStyle/>
+                    <a:p>
+                      <a:pPr algn="ctr" fontAlgn="b">
+                        <a:lnSpc>
+                          <a:spcPct val="150000"/>
+                        </a:lnSpc>
+                      </a:pPr>
+                      <a:r>
+                        <a:rPr lang="mr-IN" sz="2000" u="none" strike="noStrike" dirty="0">
+                          <a:effectLst/>
+                          <a:latin typeface="Arial" charset="0"/>
+                          <a:ea typeface="Arial" charset="0"/>
+                          <a:cs typeface="Arial" charset="0"/>
+                        </a:rPr>
+                        <a:t>10.24%</a:t>
+                      </a:r>
+                      <a:endParaRPr lang="mr-IN" sz="2000" b="0" i="0" u="none" strike="noStrike" dirty="0">
+                        <a:solidFill>
+                          <a:srgbClr val="000000"/>
+                        </a:solidFill>
+                        <a:effectLst/>
+                        <a:latin typeface="Arial" charset="0"/>
+                        <a:ea typeface="Arial" charset="0"/>
+                        <a:cs typeface="Arial" charset="0"/>
+                      </a:endParaRPr>
+                    </a:p>
+                  </a:txBody>
+                  <a:tcPr marL="12700" marR="12700" marT="12700" marB="0" anchor="ctr"/>
                 </a:tc>
               </a:tr>
             </a:tbl>
           </a:graphicData>
         </a:graphic>
       </p:graphicFrame>
-      <p:pic>
-        <p:nvPicPr>
-          <p:cNvPr id="3" name="Picture 2"/>
-          <p:cNvPicPr>
-            <a:picLocks noChangeAspect="1"/>
-          </p:cNvPicPr>
-          <p:nvPr/>
-        </p:nvPicPr>
-        <p:blipFill>
-          <a:blip r:embed="rId3">
-            <a:extLst>
-              <a:ext uri="{28A0092B-C50C-407E-A947-70E740481C1C}">
-                <a14:useLocalDpi xmlns:a14="http://schemas.microsoft.com/office/drawing/2010/main" val="0"/>
-              </a:ext>
-            </a:extLst>
-          </a:blip>
-          <a:stretch>
-            <a:fillRect/>
-          </a:stretch>
-        </p:blipFill>
-        <p:spPr>
-          <a:xfrm>
-            <a:off x="21960840" y="5410200"/>
-            <a:ext cx="4937760" cy="3703320"/>
-          </a:xfrm>
-          <a:prstGeom prst="rect">
-            <a:avLst/>
-          </a:prstGeom>
-        </p:spPr>
-      </p:pic>
-      <p:pic>
-        <p:nvPicPr>
-          <p:cNvPr id="9" name="Picture 8"/>
-          <p:cNvPicPr>
-            <a:picLocks noChangeAspect="1"/>
-          </p:cNvPicPr>
-          <p:nvPr/>
-        </p:nvPicPr>
-        <p:blipFill>
-          <a:blip r:embed="rId4">
-            <a:extLst>
-              <a:ext uri="{28A0092B-C50C-407E-A947-70E740481C1C}">
-                <a14:useLocalDpi xmlns:a14="http://schemas.microsoft.com/office/drawing/2010/main" val="0"/>
-              </a:ext>
-            </a:extLst>
-          </a:blip>
-          <a:stretch>
-            <a:fillRect/>
-          </a:stretch>
-        </p:blipFill>
-        <p:spPr>
-          <a:xfrm>
-            <a:off x="26873836" y="5410200"/>
-            <a:ext cx="4937760" cy="3703320"/>
-          </a:xfrm>
-          <a:prstGeom prst="rect">
-            <a:avLst/>
-          </a:prstGeom>
-        </p:spPr>
-      </p:pic>
     </p:spTree>
     <p:extLst>
       <p:ext uri="{BB962C8B-B14F-4D97-AF65-F5344CB8AC3E}">
@@ -7334,9 +12535,9 @@
 </file>
 
 <file path=ppt/theme/theme1.xml><?xml version="1.0" encoding="utf-8"?>
-<a:theme xmlns:a="http://schemas.openxmlformats.org/drawingml/2006/main" name="Office Theme">
+<a:theme xmlns:a="http://schemas.openxmlformats.org/drawingml/2006/main" name="Retrospect">
   <a:themeElements>
-    <a:clrScheme name="Office">
+    <a:clrScheme name="Retrospect">
       <a:dk1>
         <a:sysClr val="windowText" lastClr="000000"/>
       </a:dk1>
@@ -7344,39 +12545,39 @@
         <a:sysClr val="window" lastClr="FFFFFF"/>
       </a:lt1>
       <a:dk2>
-        <a:srgbClr val="1F497D"/>
+        <a:srgbClr val="696464"/>
       </a:dk2>
       <a:lt2>
-        <a:srgbClr val="EEECE1"/>
+        <a:srgbClr val="E9E5DC"/>
       </a:lt2>
       <a:accent1>
-        <a:srgbClr val="4F81BD"/>
+        <a:srgbClr val="D34817"/>
       </a:accent1>
       <a:accent2>
-        <a:srgbClr val="C0504D"/>
+        <a:srgbClr val="9B2D1F"/>
       </a:accent2>
       <a:accent3>
-        <a:srgbClr val="9BBB59"/>
+        <a:srgbClr val="A28E6A"/>
       </a:accent3>
       <a:accent4>
-        <a:srgbClr val="8064A2"/>
+        <a:srgbClr val="956251"/>
       </a:accent4>
       <a:accent5>
-        <a:srgbClr val="4BACC6"/>
+        <a:srgbClr val="918485"/>
       </a:accent5>
       <a:accent6>
-        <a:srgbClr val="F79646"/>
+        <a:srgbClr val="855D5D"/>
       </a:accent6>
       <a:hlink>
-        <a:srgbClr val="0000FF"/>
+        <a:srgbClr val="CC9900"/>
       </a:hlink>
       <a:folHlink>
-        <a:srgbClr val="800080"/>
+        <a:srgbClr val="96A9A9"/>
       </a:folHlink>
     </a:clrScheme>
-    <a:fontScheme name="Office">
+    <a:fontScheme name="Retrospect">
       <a:majorFont>
-        <a:latin typeface="Calibri"/>
+        <a:latin typeface="Calibri Light" panose="020F0302020204030204"/>
         <a:ea typeface=""/>
         <a:cs typeface=""/>
         <a:font script="Jpan" typeface="ＭＳ Ｐゴシック"/>
@@ -7411,7 +12612,7 @@
         <a:font script="Geor" typeface="Sylfaen"/>
       </a:majorFont>
       <a:minorFont>
-        <a:latin typeface="Calibri"/>
+        <a:latin typeface="Calibri" panose="020F0502020204030204"/>
         <a:ea typeface=""/>
         <a:cs typeface=""/>
         <a:font script="Jpan" typeface="ＭＳ Ｐゴシック"/>
@@ -7446,7 +12647,7 @@
         <a:font script="Geor" typeface="Sylfaen"/>
       </a:minorFont>
     </a:fontScheme>
-    <a:fmtScheme name="Office">
+    <a:fmtScheme name="Retrospect">
       <a:fillStyleLst>
         <a:solidFill>
           <a:schemeClr val="phClr"/>
@@ -7455,56 +12656,73 @@
           <a:gsLst>
             <a:gs pos="0">
               <a:schemeClr val="phClr">
-                <a:tint val="50000"/>
-                <a:satMod val="300000"/>
+                <a:tint val="65000"/>
+                <a:shade val="92000"/>
+                <a:satMod val="130000"/>
               </a:schemeClr>
             </a:gs>
-            <a:gs pos="35000">
+            <a:gs pos="45000">
               <a:schemeClr val="phClr">
-                <a:tint val="37000"/>
-                <a:satMod val="300000"/>
+                <a:tint val="60000"/>
+                <a:shade val="99000"/>
+                <a:satMod val="120000"/>
               </a:schemeClr>
             </a:gs>
             <a:gs pos="100000">
               <a:schemeClr val="phClr">
-                <a:tint val="15000"/>
-                <a:satMod val="350000"/>
+                <a:tint val="55000"/>
+                <a:satMod val="140000"/>
               </a:schemeClr>
             </a:gs>
           </a:gsLst>
-          <a:lin ang="16200000" scaled="1"/>
+          <a:path path="circle">
+            <a:fillToRect l="100000" t="100000" r="100000" b="100000"/>
+          </a:path>
         </a:gradFill>
         <a:gradFill rotWithShape="1">
           <a:gsLst>
             <a:gs pos="0">
               <a:schemeClr val="phClr">
-                <a:shade val="51000"/>
+                <a:shade val="85000"/>
                 <a:satMod val="130000"/>
               </a:schemeClr>
             </a:gs>
-            <a:gs pos="80000">
+            <a:gs pos="34000">
               <a:schemeClr val="phClr">
-                <a:shade val="93000"/>
+                <a:shade val="87000"/>
+                <a:satMod val="125000"/>
+              </a:schemeClr>
+            </a:gs>
+            <a:gs pos="70000">
+              <a:schemeClr val="phClr">
+                <a:tint val="100000"/>
+                <a:shade val="90000"/>
                 <a:satMod val="130000"/>
               </a:schemeClr>
             </a:gs>
             <a:gs pos="100000">
               <a:schemeClr val="phClr">
-                <a:shade val="94000"/>
-                <a:satMod val="135000"/>
+                <a:tint val="100000"/>
+                <a:shade val="100000"/>
+                <a:satMod val="110000"/>
               </a:schemeClr>
             </a:gs>
           </a:gsLst>
-          <a:lin ang="16200000" scaled="0"/>
+          <a:path path="circle">
+            <a:fillToRect l="100000" t="100000" r="100000" b="100000"/>
+          </a:path>
         </a:gradFill>
       </a:fillStyleLst>
       <a:lnStyleLst>
-        <a:ln w="9525" cap="flat" cmpd="sng" algn="ctr">
+        <a:ln w="12700" cap="flat" cmpd="sng" algn="ctr">
           <a:solidFill>
-            <a:schemeClr val="phClr">
-              <a:shade val="95000"/>
-              <a:satMod val="105000"/>
-            </a:schemeClr>
+            <a:schemeClr val="phClr"/>
+          </a:solidFill>
+          <a:prstDash val="solid"/>
+        </a:ln>
+        <a:ln w="15875" cap="flat" cmpd="sng" algn="ctr">
+          <a:solidFill>
+            <a:schemeClr val="phClr"/>
           </a:solidFill>
           <a:prstDash val="solid"/>
         </a:ln>
@@ -7514,37 +12732,25 @@
           </a:solidFill>
           <a:prstDash val="solid"/>
         </a:ln>
-        <a:ln w="38100" cap="flat" cmpd="sng" algn="ctr">
-          <a:solidFill>
-            <a:schemeClr val="phClr"/>
-          </a:solidFill>
-          <a:prstDash val="solid"/>
-        </a:ln>
       </a:lnStyleLst>
       <a:effectStyleLst>
         <a:effectStyle>
+          <a:effectLst/>
+        </a:effectStyle>
+        <a:effectStyle>
           <a:effectLst>
-            <a:outerShdw blurRad="40000" dist="20000" dir="5400000" rotWithShape="0">
+            <a:outerShdw blurRad="38100" dist="25400" dir="2700000" algn="br" rotWithShape="0">
               <a:srgbClr val="000000">
-                <a:alpha val="38000"/>
+                <a:alpha val="60000"/>
               </a:srgbClr>
             </a:outerShdw>
           </a:effectLst>
         </a:effectStyle>
         <a:effectStyle>
           <a:effectLst>
-            <a:outerShdw blurRad="40000" dist="23000" dir="5400000" rotWithShape="0">
+            <a:outerShdw blurRad="44450" dist="25400" dir="2700000" algn="br" rotWithShape="0">
               <a:srgbClr val="000000">
-                <a:alpha val="35000"/>
-              </a:srgbClr>
-            </a:outerShdw>
-          </a:effectLst>
-        </a:effectStyle>
-        <a:effectStyle>
-          <a:effectLst>
-            <a:outerShdw blurRad="40000" dist="23000" dir="5400000" rotWithShape="0">
-              <a:srgbClr val="000000">
-                <a:alpha val="35000"/>
+                <a:alpha val="60000"/>
               </a:srgbClr>
             </a:outerShdw>
           </a:effectLst>
@@ -7553,11 +12759,11 @@
               <a:rot lat="0" lon="0" rev="0"/>
             </a:camera>
             <a:lightRig rig="threePt" dir="t">
-              <a:rot lat="0" lon="0" rev="1200000"/>
+              <a:rot lat="0" lon="0" rev="19800000"/>
             </a:lightRig>
           </a:scene3d>
-          <a:sp3d>
-            <a:bevelT w="63500" h="25400"/>
+          <a:sp3d prstMaterial="flat">
+            <a:bevelT w="25400" h="31750"/>
           </a:sp3d>
         </a:effectStyle>
       </a:effectStyleLst>
@@ -7565,56 +12771,49 @@
         <a:solidFill>
           <a:schemeClr val="phClr"/>
         </a:solidFill>
+        <a:solidFill>
+          <a:schemeClr val="phClr">
+            <a:tint val="90000"/>
+            <a:shade val="97000"/>
+            <a:satMod val="130000"/>
+          </a:schemeClr>
+        </a:solidFill>
         <a:gradFill rotWithShape="1">
           <a:gsLst>
             <a:gs pos="0">
               <a:schemeClr val="phClr">
-                <a:tint val="40000"/>
-                <a:satMod val="350000"/>
+                <a:tint val="96000"/>
+                <a:shade val="99000"/>
+                <a:satMod val="140000"/>
               </a:schemeClr>
             </a:gs>
-            <a:gs pos="40000">
+            <a:gs pos="65000">
               <a:schemeClr val="phClr">
-                <a:tint val="45000"/>
-                <a:shade val="99000"/>
-                <a:satMod val="350000"/>
+                <a:tint val="100000"/>
+                <a:shade val="80000"/>
+                <a:satMod val="130000"/>
               </a:schemeClr>
             </a:gs>
             <a:gs pos="100000">
               <a:schemeClr val="phClr">
-                <a:shade val="20000"/>
-                <a:satMod val="255000"/>
+                <a:tint val="100000"/>
+                <a:shade val="48000"/>
+                <a:satMod val="120000"/>
               </a:schemeClr>
             </a:gs>
           </a:gsLst>
-          <a:path path="circle">
-            <a:fillToRect l="50000" t="-80000" r="50000" b="180000"/>
-          </a:path>
-        </a:gradFill>
-        <a:gradFill rotWithShape="1">
-          <a:gsLst>
-            <a:gs pos="0">
-              <a:schemeClr val="phClr">
-                <a:tint val="80000"/>
-                <a:satMod val="300000"/>
-              </a:schemeClr>
-            </a:gs>
-            <a:gs pos="100000">
-              <a:schemeClr val="phClr">
-                <a:shade val="30000"/>
-                <a:satMod val="200000"/>
-              </a:schemeClr>
-            </a:gs>
-          </a:gsLst>
-          <a:path path="circle">
-            <a:fillToRect l="50000" t="50000" r="50000" b="50000"/>
-          </a:path>
+          <a:lin ang="16200000" scaled="0"/>
         </a:gradFill>
       </a:bgFillStyleLst>
     </a:fmtScheme>
   </a:themeElements>
   <a:objectDefaults/>
   <a:extraClrSchemeLst/>
+  <a:extLst>
+    <a:ext uri="{05A4C25C-085E-4340-85A3-A5531E510DB2}">
+      <thm15:themeFamily xmlns:thm15="http://schemas.microsoft.com/office/thememl/2012/main" name="Retrospect" id="{5F128B03-DCCA-4EEB-AB3B-CF2899314A46}" vid="{02006FA4-1611-4B07-AF7F-85CF6D20EB3E}"/>
+    </a:ext>
+  </a:extLst>
 </a:theme>
 </file>
 

--- a/229poster.pptx
+++ b/229poster.pptx
@@ -2,7 +2,7 @@
 <file path=ppt/presentation.xml><?xml version="1.0" encoding="utf-8"?>
 <p:presentation xmlns:a="http://schemas.openxmlformats.org/drawingml/2006/main" xmlns:r="http://schemas.openxmlformats.org/officeDocument/2006/relationships" xmlns:p="http://schemas.openxmlformats.org/presentationml/2006/main" saveSubsetFonts="1">
   <p:sldMasterIdLst>
-    <p:sldMasterId id="2147483872" r:id="rId1"/>
+    <p:sldMasterId id="2147483885" r:id="rId1"/>
   </p:sldMasterIdLst>
   <p:handoutMasterIdLst>
     <p:handoutMasterId r:id="rId3"/>
@@ -222,7 +222,7 @@
           <a:p>
             <a:fld id="{FF66CDD7-09B6-4BB3-9069-2B95837CCCB2}" type="datetimeFigureOut">
               <a:rPr lang="en-US" smtClean="0"/>
-              <a:t>12/11/17</a:t>
+              <a:t>12/11/2017</a:t>
             </a:fld>
             <a:endParaRPr lang="en-US"/>
           </a:p>
@@ -306,7 +306,7 @@
 </file>
 
 <file path=ppt/slideLayouts/slideLayout1.xml><?xml version="1.0" encoding="utf-8"?>
-<p:sldLayout xmlns:a="http://schemas.openxmlformats.org/drawingml/2006/main" xmlns:r="http://schemas.openxmlformats.org/officeDocument/2006/relationships" xmlns:p="http://schemas.openxmlformats.org/presentationml/2006/main" showMasterSp="0" type="title" preserve="1">
+<p:sldLayout xmlns:a="http://schemas.openxmlformats.org/drawingml/2006/main" xmlns:r="http://schemas.openxmlformats.org/officeDocument/2006/relationships" xmlns:p="http://schemas.openxmlformats.org/presentationml/2006/main" type="title" preserve="1">
   <p:cSld name="Title Slide">
     <p:spTree>
       <p:nvGrpSpPr>
@@ -324,82 +324,6 @@
       </p:grpSpPr>
       <p:sp>
         <p:nvSpPr>
-          <p:cNvPr id="7" name="Rectangle 6"/>
-          <p:cNvSpPr/>
-          <p:nvPr/>
-        </p:nvSpPr>
-        <p:spPr>
-          <a:xfrm>
-            <a:off x="8577" y="20482560"/>
-            <a:ext cx="32909828" cy="1463040"/>
-          </a:xfrm>
-          <a:prstGeom prst="rect">
-            <a:avLst/>
-          </a:prstGeom>
-          <a:solidFill>
-            <a:schemeClr val="accent2"/>
-          </a:solidFill>
-          <a:ln>
-            <a:noFill/>
-          </a:ln>
-        </p:spPr>
-        <p:style>
-          <a:lnRef idx="2">
-            <a:schemeClr val="accent1">
-              <a:shade val="50000"/>
-            </a:schemeClr>
-          </a:lnRef>
-          <a:fillRef idx="1">
-            <a:schemeClr val="accent1"/>
-          </a:fillRef>
-          <a:effectRef idx="0">
-            <a:schemeClr val="accent1"/>
-          </a:effectRef>
-          <a:fontRef idx="minor">
-            <a:schemeClr val="lt1"/>
-          </a:fontRef>
-        </p:style>
-      </p:sp>
-      <p:sp>
-        <p:nvSpPr>
-          <p:cNvPr id="8" name="Rectangle 7"/>
-          <p:cNvSpPr/>
-          <p:nvPr/>
-        </p:nvSpPr>
-        <p:spPr>
-          <a:xfrm>
-            <a:off x="45" y="20269811"/>
-            <a:ext cx="32909828" cy="204826"/>
-          </a:xfrm>
-          <a:prstGeom prst="rect">
-            <a:avLst/>
-          </a:prstGeom>
-          <a:solidFill>
-            <a:schemeClr val="accent1"/>
-          </a:solidFill>
-          <a:ln>
-            <a:noFill/>
-          </a:ln>
-        </p:spPr>
-        <p:style>
-          <a:lnRef idx="2">
-            <a:schemeClr val="accent1">
-              <a:shade val="50000"/>
-            </a:schemeClr>
-          </a:lnRef>
-          <a:fillRef idx="1">
-            <a:schemeClr val="accent1"/>
-          </a:fillRef>
-          <a:effectRef idx="0">
-            <a:schemeClr val="accent1"/>
-          </a:effectRef>
-          <a:fontRef idx="minor">
-            <a:schemeClr val="lt1"/>
-          </a:fontRef>
-        </p:style>
-      </p:sp>
-      <p:sp>
-        <p:nvSpPr>
           <p:cNvPr id="2" name="Title 1"/>
           <p:cNvSpPr>
             <a:spLocks noGrp="1"/>
@@ -410,27 +334,15 @@
         </p:nvSpPr>
         <p:spPr>
           <a:xfrm>
-            <a:off x="2962656" y="2428646"/>
-            <a:ext cx="27157680" cy="11411712"/>
+            <a:off x="4114800" y="3591562"/>
+            <a:ext cx="24688800" cy="7640320"/>
           </a:xfrm>
         </p:spPr>
         <p:txBody>
-          <a:bodyPr anchor="b">
-            <a:normAutofit/>
-          </a:bodyPr>
+          <a:bodyPr anchor="b"/>
           <a:lstStyle>
-            <a:lvl1pPr algn="l">
-              <a:lnSpc>
-                <a:spcPct val="85000"/>
-              </a:lnSpc>
-              <a:defRPr sz="25600" spc="-160" baseline="0">
-                <a:solidFill>
-                  <a:schemeClr val="tx1">
-                    <a:lumMod val="85000"/>
-                    <a:lumOff val="15000"/>
-                  </a:schemeClr>
-                </a:solidFill>
-              </a:defRPr>
+            <a:lvl1pPr algn="ctr">
+              <a:defRPr sz="16200"/>
             </a:lvl1pPr>
           </a:lstStyle>
           <a:p>
@@ -438,7 +350,7 @@
               <a:rPr lang="en-US" smtClean="0"/>
               <a:t>Click to edit Master title style</a:t>
             </a:r>
-            <a:endParaRPr lang="en-US" dirty="0"/>
+            <a:endParaRPr lang="en-US"/>
           </a:p>
         </p:txBody>
       </p:sp>
@@ -454,55 +366,48 @@
         </p:nvSpPr>
         <p:spPr>
           <a:xfrm>
-            <a:off x="2970137" y="14257987"/>
-            <a:ext cx="27157680" cy="3657600"/>
+            <a:off x="4114800" y="11526522"/>
+            <a:ext cx="24688800" cy="5298438"/>
           </a:xfrm>
         </p:spPr>
         <p:txBody>
-          <a:bodyPr lIns="91440" rIns="91440">
-            <a:normAutofit/>
-          </a:bodyPr>
+          <a:bodyPr/>
           <a:lstStyle>
-            <a:lvl1pPr marL="0" indent="0" algn="l">
+            <a:lvl1pPr marL="0" indent="0" algn="ctr">
               <a:buNone/>
-              <a:defRPr sz="7680" cap="all" spc="640" baseline="0">
-                <a:solidFill>
-                  <a:schemeClr val="tx2"/>
-                </a:solidFill>
-                <a:latin typeface="+mj-lt"/>
-              </a:defRPr>
+              <a:defRPr sz="6480"/>
             </a:lvl1pPr>
-            <a:lvl2pPr marL="1463040" indent="0" algn="ctr">
+            <a:lvl2pPr marL="1234440" indent="0" algn="ctr">
               <a:buNone/>
-              <a:defRPr sz="7680"/>
+              <a:defRPr sz="5400"/>
             </a:lvl2pPr>
-            <a:lvl3pPr marL="2926080" indent="0" algn="ctr">
+            <a:lvl3pPr marL="2468880" indent="0" algn="ctr">
               <a:buNone/>
-              <a:defRPr sz="7680"/>
+              <a:defRPr sz="4860"/>
             </a:lvl3pPr>
-            <a:lvl4pPr marL="4389120" indent="0" algn="ctr">
+            <a:lvl4pPr marL="3703320" indent="0" algn="ctr">
               <a:buNone/>
-              <a:defRPr sz="6400"/>
+              <a:defRPr sz="4320"/>
             </a:lvl4pPr>
-            <a:lvl5pPr marL="5852160" indent="0" algn="ctr">
+            <a:lvl5pPr marL="4937760" indent="0" algn="ctr">
               <a:buNone/>
-              <a:defRPr sz="6400"/>
+              <a:defRPr sz="4320"/>
             </a:lvl5pPr>
-            <a:lvl6pPr marL="7315200" indent="0" algn="ctr">
+            <a:lvl6pPr marL="6172200" indent="0" algn="ctr">
               <a:buNone/>
-              <a:defRPr sz="6400"/>
+              <a:defRPr sz="4320"/>
             </a:lvl6pPr>
-            <a:lvl7pPr marL="8778240" indent="0" algn="ctr">
+            <a:lvl7pPr marL="7406640" indent="0" algn="ctr">
               <a:buNone/>
-              <a:defRPr sz="6400"/>
+              <a:defRPr sz="4320"/>
             </a:lvl7pPr>
-            <a:lvl8pPr marL="10241280" indent="0" algn="ctr">
+            <a:lvl8pPr marL="8641080" indent="0" algn="ctr">
               <a:buNone/>
-              <a:defRPr sz="6400"/>
+              <a:defRPr sz="4320"/>
             </a:lvl8pPr>
-            <a:lvl9pPr marL="11704320" indent="0" algn="ctr">
+            <a:lvl9pPr marL="9875520" indent="0" algn="ctr">
               <a:buNone/>
-              <a:defRPr sz="6400"/>
+              <a:defRPr sz="4320"/>
             </a:lvl9pPr>
           </a:lstStyle>
           <a:p>
@@ -510,7 +415,7 @@
               <a:rPr lang="en-US" smtClean="0"/>
               <a:t>Click to edit Master subtitle style</a:t>
             </a:r>
-            <a:endParaRPr lang="en-US" dirty="0"/>
+            <a:endParaRPr lang="en-US"/>
           </a:p>
         </p:txBody>
       </p:sp>
@@ -531,7 +436,7 @@
           <a:p>
             <a:fld id="{985D6BDF-9D0E-4E2B-85B8-D8F4790360C9}" type="datetimeFigureOut">
               <a:rPr lang="en-US" smtClean="0"/>
-              <a:t>12/11/17</a:t>
+              <a:t>12/11/2017</a:t>
             </a:fld>
             <a:endParaRPr lang="en-US" dirty="0"/>
           </a:p>
@@ -579,45 +484,12 @@
           </a:p>
         </p:txBody>
       </p:sp>
-      <p:cxnSp>
-        <p:nvCxnSpPr>
-          <p:cNvPr id="9" name="Straight Connector 8"/>
-          <p:cNvCxnSpPr/>
-          <p:nvPr/>
-        </p:nvCxnSpPr>
-        <p:spPr>
-          <a:xfrm>
-            <a:off x="3260678" y="13898880"/>
-            <a:ext cx="26663904" cy="0"/>
-          </a:xfrm>
-          <a:prstGeom prst="line">
-            <a:avLst/>
-          </a:prstGeom>
-          <a:ln w="6350">
-            <a:solidFill>
-              <a:schemeClr val="tx1">
-                <a:lumMod val="50000"/>
-                <a:lumOff val="50000"/>
-              </a:schemeClr>
-            </a:solidFill>
-          </a:ln>
-        </p:spPr>
-        <p:style>
-          <a:lnRef idx="1">
-            <a:schemeClr val="accent1"/>
-          </a:lnRef>
-          <a:fillRef idx="0">
-            <a:schemeClr val="accent1"/>
-          </a:fillRef>
-          <a:effectRef idx="0">
-            <a:schemeClr val="accent1"/>
-          </a:effectRef>
-          <a:fontRef idx="minor">
-            <a:schemeClr val="tx1"/>
-          </a:fontRef>
-        </p:style>
-      </p:cxnSp>
     </p:spTree>
+    <p:extLst>
+      <p:ext uri="{BB962C8B-B14F-4D97-AF65-F5344CB8AC3E}">
+        <p14:creationId xmlns:p14="http://schemas.microsoft.com/office/powerpoint/2010/main" val="262615857"/>
+      </p:ext>
+    </p:extLst>
   </p:cSld>
   <p:clrMapOvr>
     <a:masterClrMapping/>
@@ -661,7 +533,7 @@
               <a:rPr lang="en-US" smtClean="0"/>
               <a:t>Click to edit Master title style</a:t>
             </a:r>
-            <a:endParaRPr lang="en-US" dirty="0"/>
+            <a:endParaRPr lang="en-US"/>
           </a:p>
         </p:txBody>
       </p:sp>
@@ -677,7 +549,7 @@
         </p:nvSpPr>
         <p:spPr/>
         <p:txBody>
-          <a:bodyPr vert="eaVert" lIns="45720" tIns="0" rIns="45720" bIns="0"/>
+          <a:bodyPr vert="eaVert"/>
           <a:lstStyle/>
           <a:p>
             <a:pPr lvl="0"/>
@@ -713,7 +585,7 @@
               <a:rPr lang="en-US" smtClean="0"/>
               <a:t>Fifth level</a:t>
             </a:r>
-            <a:endParaRPr lang="en-US" dirty="0"/>
+            <a:endParaRPr lang="en-US"/>
           </a:p>
         </p:txBody>
       </p:sp>
@@ -734,7 +606,7 @@
           <a:p>
             <a:fld id="{985D6BDF-9D0E-4E2B-85B8-D8F4790360C9}" type="datetimeFigureOut">
               <a:rPr lang="en-US" smtClean="0"/>
-              <a:t>12/11/17</a:t>
+              <a:t>12/11/2017</a:t>
             </a:fld>
             <a:endParaRPr lang="en-US" dirty="0"/>
           </a:p>
@@ -783,6 +655,11 @@
         </p:txBody>
       </p:sp>
     </p:spTree>
+    <p:extLst>
+      <p:ext uri="{BB962C8B-B14F-4D97-AF65-F5344CB8AC3E}">
+        <p14:creationId xmlns:p14="http://schemas.microsoft.com/office/powerpoint/2010/main" val="1008694890"/>
+      </p:ext>
+    </p:extLst>
   </p:cSld>
   <p:clrMapOvr>
     <a:masterClrMapping/>
@@ -791,7 +668,7 @@
 </file>
 
 <file path=ppt/slideLayouts/slideLayout11.xml><?xml version="1.0" encoding="utf-8"?>
-<p:sldLayout xmlns:a="http://schemas.openxmlformats.org/drawingml/2006/main" xmlns:r="http://schemas.openxmlformats.org/officeDocument/2006/relationships" xmlns:p="http://schemas.openxmlformats.org/presentationml/2006/main" showMasterSp="0" type="vertTitleAndTx" preserve="1">
+<p:sldLayout xmlns:a="http://schemas.openxmlformats.org/drawingml/2006/main" xmlns:r="http://schemas.openxmlformats.org/officeDocument/2006/relationships" xmlns:p="http://schemas.openxmlformats.org/presentationml/2006/main" type="vertTitleAndTx" preserve="1">
   <p:cSld name="Vertical Title and Text">
     <p:spTree>
       <p:nvGrpSpPr>
@@ -809,82 +686,6 @@
       </p:grpSpPr>
       <p:sp>
         <p:nvSpPr>
-          <p:cNvPr id="7" name="Rectangle 6"/>
-          <p:cNvSpPr/>
-          <p:nvPr/>
-        </p:nvSpPr>
-        <p:spPr>
-          <a:xfrm>
-            <a:off x="8577" y="20482560"/>
-            <a:ext cx="32909828" cy="1463040"/>
-          </a:xfrm>
-          <a:prstGeom prst="rect">
-            <a:avLst/>
-          </a:prstGeom>
-          <a:solidFill>
-            <a:schemeClr val="accent2"/>
-          </a:solidFill>
-          <a:ln>
-            <a:noFill/>
-          </a:ln>
-        </p:spPr>
-        <p:style>
-          <a:lnRef idx="2">
-            <a:schemeClr val="accent1">
-              <a:shade val="50000"/>
-            </a:schemeClr>
-          </a:lnRef>
-          <a:fillRef idx="1">
-            <a:schemeClr val="accent1"/>
-          </a:fillRef>
-          <a:effectRef idx="0">
-            <a:schemeClr val="accent1"/>
-          </a:effectRef>
-          <a:fontRef idx="minor">
-            <a:schemeClr val="lt1"/>
-          </a:fontRef>
-        </p:style>
-      </p:sp>
-      <p:sp>
-        <p:nvSpPr>
-          <p:cNvPr id="8" name="Rectangle 7"/>
-          <p:cNvSpPr/>
-          <p:nvPr/>
-        </p:nvSpPr>
-        <p:spPr>
-          <a:xfrm>
-            <a:off x="45" y="20269811"/>
-            <a:ext cx="32909828" cy="204826"/>
-          </a:xfrm>
-          <a:prstGeom prst="rect">
-            <a:avLst/>
-          </a:prstGeom>
-          <a:solidFill>
-            <a:schemeClr val="accent1"/>
-          </a:solidFill>
-          <a:ln>
-            <a:noFill/>
-          </a:ln>
-        </p:spPr>
-        <p:style>
-          <a:lnRef idx="2">
-            <a:schemeClr val="accent1">
-              <a:shade val="50000"/>
-            </a:schemeClr>
-          </a:lnRef>
-          <a:fillRef idx="1">
-            <a:schemeClr val="accent1"/>
-          </a:fillRef>
-          <a:effectRef idx="0">
-            <a:schemeClr val="accent1"/>
-          </a:effectRef>
-          <a:fontRef idx="minor">
-            <a:schemeClr val="lt1"/>
-          </a:fontRef>
-        </p:style>
-      </p:sp>
-      <p:sp>
-        <p:nvSpPr>
           <p:cNvPr id="2" name="Vertical Title 1"/>
           <p:cNvSpPr>
             <a:spLocks noGrp="1"/>
@@ -895,8 +696,8 @@
         </p:nvSpPr>
         <p:spPr>
           <a:xfrm>
-            <a:off x="23557232" y="1319366"/>
-            <a:ext cx="7098030" cy="18431674"/>
+            <a:off x="23557230" y="1168400"/>
+            <a:ext cx="7098030" cy="18597882"/>
           </a:xfrm>
         </p:spPr>
         <p:txBody>
@@ -907,7 +708,7 @@
               <a:rPr lang="en-US" smtClean="0"/>
               <a:t>Click to edit Master title style</a:t>
             </a:r>
-            <a:endParaRPr lang="en-US" dirty="0"/>
+            <a:endParaRPr lang="en-US"/>
           </a:p>
         </p:txBody>
       </p:sp>
@@ -923,12 +724,12 @@
         </p:nvSpPr>
         <p:spPr>
           <a:xfrm>
-            <a:off x="2263142" y="1319366"/>
-            <a:ext cx="20882610" cy="18431674"/>
+            <a:off x="2263140" y="1168400"/>
+            <a:ext cx="20882610" cy="18597882"/>
           </a:xfrm>
         </p:spPr>
         <p:txBody>
-          <a:bodyPr vert="eaVert" lIns="45720" tIns="0" rIns="45720" bIns="0"/>
+          <a:bodyPr vert="eaVert"/>
           <a:lstStyle/>
           <a:p>
             <a:pPr lvl="0"/>
@@ -964,7 +765,7 @@
               <a:rPr lang="en-US" smtClean="0"/>
               <a:t>Fifth level</a:t>
             </a:r>
-            <a:endParaRPr lang="en-US" dirty="0"/>
+            <a:endParaRPr lang="en-US"/>
           </a:p>
         </p:txBody>
       </p:sp>
@@ -985,7 +786,7 @@
           <a:p>
             <a:fld id="{985D6BDF-9D0E-4E2B-85B8-D8F4790360C9}" type="datetimeFigureOut">
               <a:rPr lang="en-US" smtClean="0"/>
-              <a:t>12/11/17</a:t>
+              <a:t>12/11/2017</a:t>
             </a:fld>
             <a:endParaRPr lang="en-US" dirty="0"/>
           </a:p>
@@ -1034,6 +835,11 @@
         </p:txBody>
       </p:sp>
     </p:spTree>
+    <p:extLst>
+      <p:ext uri="{BB962C8B-B14F-4D97-AF65-F5344CB8AC3E}">
+        <p14:creationId xmlns:p14="http://schemas.microsoft.com/office/powerpoint/2010/main" val="2597514843"/>
+      </p:ext>
+    </p:extLst>
   </p:cSld>
   <p:clrMapOvr>
     <a:masterClrMapping/>
@@ -2517,7 +2323,7 @@
     </p:spTree>
     <p:extLst>
       <p:ext uri="{BB962C8B-B14F-4D97-AF65-F5344CB8AC3E}">
-        <p14:creationId xmlns:p14="http://schemas.microsoft.com/office/powerpoint/2010/main" val="1815419500"/>
+        <p14:creationId xmlns:p14="http://schemas.microsoft.com/office/powerpoint/2010/main" val="2134659764"/>
       </p:ext>
     </p:extLst>
   </p:cSld>
@@ -2563,7 +2369,7 @@
               <a:rPr lang="en-US" smtClean="0"/>
               <a:t>Click to edit Master title style</a:t>
             </a:r>
-            <a:endParaRPr lang="en-US" dirty="0"/>
+            <a:endParaRPr lang="en-US"/>
           </a:p>
         </p:txBody>
       </p:sp>
@@ -2615,7 +2421,7 @@
               <a:rPr lang="en-US" smtClean="0"/>
               <a:t>Fifth level</a:t>
             </a:r>
-            <a:endParaRPr lang="en-US" dirty="0"/>
+            <a:endParaRPr lang="en-US"/>
           </a:p>
         </p:txBody>
       </p:sp>
@@ -2636,7 +2442,7 @@
           <a:p>
             <a:fld id="{985D6BDF-9D0E-4E2B-85B8-D8F4790360C9}" type="datetimeFigureOut">
               <a:rPr lang="en-US" smtClean="0"/>
-              <a:t>12/11/17</a:t>
+              <a:t>12/11/2017</a:t>
             </a:fld>
             <a:endParaRPr lang="en-US" dirty="0"/>
           </a:p>
@@ -2685,6 +2491,11 @@
         </p:txBody>
       </p:sp>
     </p:spTree>
+    <p:extLst>
+      <p:ext uri="{BB962C8B-B14F-4D97-AF65-F5344CB8AC3E}">
+        <p14:creationId xmlns:p14="http://schemas.microsoft.com/office/powerpoint/2010/main" val="3434205263"/>
+      </p:ext>
+    </p:extLst>
   </p:cSld>
   <p:clrMapOvr>
     <a:masterClrMapping/>
@@ -2693,16 +2504,8 @@
 </file>
 
 <file path=ppt/slideLayouts/slideLayout3.xml><?xml version="1.0" encoding="utf-8"?>
-<p:sldLayout xmlns:a="http://schemas.openxmlformats.org/drawingml/2006/main" xmlns:r="http://schemas.openxmlformats.org/officeDocument/2006/relationships" xmlns:p="http://schemas.openxmlformats.org/presentationml/2006/main" showMasterSp="0" type="secHead" preserve="1">
+<p:sldLayout xmlns:a="http://schemas.openxmlformats.org/drawingml/2006/main" xmlns:r="http://schemas.openxmlformats.org/officeDocument/2006/relationships" xmlns:p="http://schemas.openxmlformats.org/presentationml/2006/main" type="secHead" preserve="1">
   <p:cSld name="Section Header">
-    <p:bg>
-      <p:bgPr>
-        <a:solidFill>
-          <a:schemeClr val="bg1"/>
-        </a:solidFill>
-        <a:effectLst/>
-      </p:bgPr>
-    </p:bg>
     <p:spTree>
       <p:nvGrpSpPr>
         <p:cNvPr id="1" name=""/>
@@ -2719,82 +2522,6 @@
       </p:grpSpPr>
       <p:sp>
         <p:nvSpPr>
-          <p:cNvPr id="7" name="Rectangle 6"/>
-          <p:cNvSpPr/>
-          <p:nvPr/>
-        </p:nvSpPr>
-        <p:spPr>
-          <a:xfrm>
-            <a:off x="8577" y="20482560"/>
-            <a:ext cx="32909828" cy="1463040"/>
-          </a:xfrm>
-          <a:prstGeom prst="rect">
-            <a:avLst/>
-          </a:prstGeom>
-          <a:solidFill>
-            <a:schemeClr val="accent2"/>
-          </a:solidFill>
-          <a:ln>
-            <a:noFill/>
-          </a:ln>
-        </p:spPr>
-        <p:style>
-          <a:lnRef idx="2">
-            <a:schemeClr val="accent1">
-              <a:shade val="50000"/>
-            </a:schemeClr>
-          </a:lnRef>
-          <a:fillRef idx="1">
-            <a:schemeClr val="accent1"/>
-          </a:fillRef>
-          <a:effectRef idx="0">
-            <a:schemeClr val="accent1"/>
-          </a:effectRef>
-          <a:fontRef idx="minor">
-            <a:schemeClr val="lt1"/>
-          </a:fontRef>
-        </p:style>
-      </p:sp>
-      <p:sp>
-        <p:nvSpPr>
-          <p:cNvPr id="8" name="Rectangle 7"/>
-          <p:cNvSpPr/>
-          <p:nvPr/>
-        </p:nvSpPr>
-        <p:spPr>
-          <a:xfrm>
-            <a:off x="45" y="20269811"/>
-            <a:ext cx="32909828" cy="204826"/>
-          </a:xfrm>
-          <a:prstGeom prst="rect">
-            <a:avLst/>
-          </a:prstGeom>
-          <a:solidFill>
-            <a:schemeClr val="accent1"/>
-          </a:solidFill>
-          <a:ln>
-            <a:noFill/>
-          </a:ln>
-        </p:spPr>
-        <p:style>
-          <a:lnRef idx="2">
-            <a:schemeClr val="accent1">
-              <a:shade val="50000"/>
-            </a:schemeClr>
-          </a:lnRef>
-          <a:fillRef idx="1">
-            <a:schemeClr val="accent1"/>
-          </a:fillRef>
-          <a:effectRef idx="0">
-            <a:schemeClr val="accent1"/>
-          </a:effectRef>
-          <a:fontRef idx="minor">
-            <a:schemeClr val="lt1"/>
-          </a:fontRef>
-        </p:style>
-      </p:sp>
-      <p:sp>
-        <p:nvSpPr>
           <p:cNvPr id="2" name="Title 1"/>
           <p:cNvSpPr>
             <a:spLocks noGrp="1"/>
@@ -2805,27 +2532,15 @@
         </p:nvSpPr>
         <p:spPr>
           <a:xfrm>
-            <a:off x="2962656" y="2428646"/>
-            <a:ext cx="27157680" cy="11411712"/>
+            <a:off x="2245995" y="5471163"/>
+            <a:ext cx="28392120" cy="9128758"/>
           </a:xfrm>
         </p:spPr>
         <p:txBody>
-          <a:bodyPr anchor="b" anchorCtr="0">
-            <a:normAutofit/>
-          </a:bodyPr>
+          <a:bodyPr anchor="b"/>
           <a:lstStyle>
             <a:lvl1pPr>
-              <a:lnSpc>
-                <a:spcPct val="85000"/>
-              </a:lnSpc>
-              <a:defRPr sz="25600" b="0">
-                <a:solidFill>
-                  <a:schemeClr val="tx1">
-                    <a:lumMod val="85000"/>
-                    <a:lumOff val="15000"/>
-                  </a:schemeClr>
-                </a:solidFill>
-              </a:defRPr>
+              <a:defRPr sz="16200"/>
             </a:lvl1pPr>
           </a:lstStyle>
           <a:p>
@@ -2833,7 +2548,7 @@
               <a:rPr lang="en-US" smtClean="0"/>
               <a:t>Click to edit Master title style</a:t>
             </a:r>
-            <a:endParaRPr lang="en-US" dirty="0"/>
+            <a:endParaRPr lang="en-US"/>
           </a:p>
         </p:txBody>
       </p:sp>
@@ -2849,97 +2564,96 @@
         </p:nvSpPr>
         <p:spPr>
           <a:xfrm>
-            <a:off x="2962656" y="14250010"/>
-            <a:ext cx="27157680" cy="3657600"/>
+            <a:off x="2245995" y="14686283"/>
+            <a:ext cx="28392120" cy="4800598"/>
           </a:xfrm>
         </p:spPr>
         <p:txBody>
-          <a:bodyPr lIns="91440" rIns="91440" anchor="t" anchorCtr="0">
-            <a:normAutofit/>
-          </a:bodyPr>
+          <a:bodyPr/>
           <a:lstStyle>
             <a:lvl1pPr marL="0" indent="0">
               <a:buNone/>
-              <a:defRPr sz="7680" cap="all" spc="640" baseline="0">
-                <a:solidFill>
-                  <a:schemeClr val="tx2"/>
-                </a:solidFill>
-                <a:latin typeface="+mj-lt"/>
-              </a:defRPr>
-            </a:lvl1pPr>
-            <a:lvl2pPr marL="1463040" indent="0">
-              <a:buNone/>
-              <a:defRPr sz="5760">
+              <a:defRPr sz="6480">
                 <a:solidFill>
                   <a:schemeClr val="tx1">
                     <a:tint val="75000"/>
                   </a:schemeClr>
                 </a:solidFill>
               </a:defRPr>
-            </a:lvl2pPr>
-            <a:lvl3pPr marL="2926080" indent="0">
+            </a:lvl1pPr>
+            <a:lvl2pPr marL="1234440" indent="0">
               <a:buNone/>
-              <a:defRPr sz="5120">
+              <a:defRPr sz="5400">
                 <a:solidFill>
                   <a:schemeClr val="tx1">
                     <a:tint val="75000"/>
                   </a:schemeClr>
                 </a:solidFill>
               </a:defRPr>
-            </a:lvl3pPr>
-            <a:lvl4pPr marL="4389120" indent="0">
+            </a:lvl2pPr>
+            <a:lvl3pPr marL="2468880" indent="0">
               <a:buNone/>
-              <a:defRPr sz="4480">
+              <a:defRPr sz="4860">
                 <a:solidFill>
                   <a:schemeClr val="tx1">
                     <a:tint val="75000"/>
                   </a:schemeClr>
                 </a:solidFill>
               </a:defRPr>
-            </a:lvl4pPr>
-            <a:lvl5pPr marL="5852160" indent="0">
+            </a:lvl3pPr>
+            <a:lvl4pPr marL="3703320" indent="0">
               <a:buNone/>
-              <a:defRPr sz="4480">
+              <a:defRPr sz="4320">
                 <a:solidFill>
                   <a:schemeClr val="tx1">
                     <a:tint val="75000"/>
                   </a:schemeClr>
                 </a:solidFill>
               </a:defRPr>
-            </a:lvl5pPr>
-            <a:lvl6pPr marL="7315200" indent="0">
+            </a:lvl4pPr>
+            <a:lvl5pPr marL="4937760" indent="0">
               <a:buNone/>
-              <a:defRPr sz="4480">
+              <a:defRPr sz="4320">
                 <a:solidFill>
                   <a:schemeClr val="tx1">
                     <a:tint val="75000"/>
                   </a:schemeClr>
                 </a:solidFill>
               </a:defRPr>
-            </a:lvl6pPr>
-            <a:lvl7pPr marL="8778240" indent="0">
+            </a:lvl5pPr>
+            <a:lvl6pPr marL="6172200" indent="0">
               <a:buNone/>
-              <a:defRPr sz="4480">
+              <a:defRPr sz="4320">
                 <a:solidFill>
                   <a:schemeClr val="tx1">
                     <a:tint val="75000"/>
                   </a:schemeClr>
                 </a:solidFill>
               </a:defRPr>
-            </a:lvl7pPr>
-            <a:lvl8pPr marL="10241280" indent="0">
+            </a:lvl6pPr>
+            <a:lvl7pPr marL="7406640" indent="0">
               <a:buNone/>
-              <a:defRPr sz="4480">
+              <a:defRPr sz="4320">
                 <a:solidFill>
                   <a:schemeClr val="tx1">
                     <a:tint val="75000"/>
                   </a:schemeClr>
                 </a:solidFill>
               </a:defRPr>
+            </a:lvl7pPr>
+            <a:lvl8pPr marL="8641080" indent="0">
+              <a:buNone/>
+              <a:defRPr sz="4320">
+                <a:solidFill>
+                  <a:schemeClr val="tx1">
+                    <a:tint val="75000"/>
+                  </a:schemeClr>
+                </a:solidFill>
+              </a:defRPr>
             </a:lvl8pPr>
-            <a:lvl9pPr marL="11704320" indent="0">
+            <a:lvl9pPr marL="9875520" indent="0">
               <a:buNone/>
-              <a:defRPr sz="4480">
+              <a:defRPr sz="4320">
                 <a:solidFill>
                   <a:schemeClr val="tx1">
                     <a:tint val="75000"/>
@@ -2974,7 +2688,7 @@
           <a:p>
             <a:fld id="{985D6BDF-9D0E-4E2B-85B8-D8F4790360C9}" type="datetimeFigureOut">
               <a:rPr lang="en-US" smtClean="0"/>
-              <a:t>12/11/17</a:t>
+              <a:t>12/11/2017</a:t>
             </a:fld>
             <a:endParaRPr lang="en-US" dirty="0"/>
           </a:p>
@@ -3022,45 +2736,12 @@
           </a:p>
         </p:txBody>
       </p:sp>
-      <p:cxnSp>
-        <p:nvCxnSpPr>
-          <p:cNvPr id="9" name="Straight Connector 8"/>
-          <p:cNvCxnSpPr/>
-          <p:nvPr/>
-        </p:nvCxnSpPr>
-        <p:spPr>
-          <a:xfrm>
-            <a:off x="3260678" y="13898880"/>
-            <a:ext cx="26663904" cy="0"/>
-          </a:xfrm>
-          <a:prstGeom prst="line">
-            <a:avLst/>
-          </a:prstGeom>
-          <a:ln w="6350">
-            <a:solidFill>
-              <a:schemeClr val="tx1">
-                <a:lumMod val="50000"/>
-                <a:lumOff val="50000"/>
-              </a:schemeClr>
-            </a:solidFill>
-          </a:ln>
-        </p:spPr>
-        <p:style>
-          <a:lnRef idx="1">
-            <a:schemeClr val="accent1"/>
-          </a:lnRef>
-          <a:fillRef idx="0">
-            <a:schemeClr val="accent1"/>
-          </a:fillRef>
-          <a:effectRef idx="0">
-            <a:schemeClr val="accent1"/>
-          </a:effectRef>
-          <a:fontRef idx="minor">
-            <a:schemeClr val="tx1"/>
-          </a:fontRef>
-        </p:style>
-      </p:cxnSp>
     </p:spTree>
+    <p:extLst>
+      <p:ext uri="{BB962C8B-B14F-4D97-AF65-F5344CB8AC3E}">
+        <p14:creationId xmlns:p14="http://schemas.microsoft.com/office/powerpoint/2010/main" val="142762766"/>
+      </p:ext>
+    </p:extLst>
   </p:cSld>
   <p:clrMapOvr>
     <a:masterClrMapping/>
@@ -3087,7 +2768,7 @@
       </p:grpSpPr>
       <p:sp>
         <p:nvSpPr>
-          <p:cNvPr id="8" name="Title 7"/>
+          <p:cNvPr id="2" name="Title 1"/>
           <p:cNvSpPr>
             <a:spLocks noGrp="1"/>
           </p:cNvSpPr>
@@ -3095,12 +2776,7 @@
             <p:ph type="title"/>
           </p:nvPr>
         </p:nvSpPr>
-        <p:spPr>
-          <a:xfrm>
-            <a:off x="2962656" y="917135"/>
-            <a:ext cx="27157680" cy="4642422"/>
-          </a:xfrm>
-        </p:spPr>
+        <p:spPr/>
         <p:txBody>
           <a:bodyPr/>
           <a:lstStyle/>
@@ -3109,7 +2785,7 @@
               <a:rPr lang="en-US" smtClean="0"/>
               <a:t>Click to edit Master title style</a:t>
             </a:r>
-            <a:endParaRPr lang="en-US" dirty="0"/>
+            <a:endParaRPr lang="en-US"/>
           </a:p>
         </p:txBody>
       </p:sp>
@@ -3125,8 +2801,8 @@
         </p:nvSpPr>
         <p:spPr>
           <a:xfrm>
-            <a:off x="2962656" y="5906349"/>
-            <a:ext cx="13331952" cy="12874752"/>
+            <a:off x="2263140" y="5842000"/>
+            <a:ext cx="13990320" cy="13924282"/>
           </a:xfrm>
         </p:spPr>
         <p:txBody>
@@ -3166,7 +2842,7 @@
               <a:rPr lang="en-US" smtClean="0"/>
               <a:t>Fifth level</a:t>
             </a:r>
-            <a:endParaRPr lang="en-US" dirty="0"/>
+            <a:endParaRPr lang="en-US"/>
           </a:p>
         </p:txBody>
       </p:sp>
@@ -3182,8 +2858,8 @@
         </p:nvSpPr>
         <p:spPr>
           <a:xfrm>
-            <a:off x="16788384" y="5906352"/>
-            <a:ext cx="13331952" cy="12874752"/>
+            <a:off x="16664940" y="5842000"/>
+            <a:ext cx="13990320" cy="13924282"/>
           </a:xfrm>
         </p:spPr>
         <p:txBody>
@@ -3223,7 +2899,7 @@
               <a:rPr lang="en-US" smtClean="0"/>
               <a:t>Fifth level</a:t>
             </a:r>
-            <a:endParaRPr lang="en-US" dirty="0"/>
+            <a:endParaRPr lang="en-US"/>
           </a:p>
         </p:txBody>
       </p:sp>
@@ -3244,7 +2920,7 @@
           <a:p>
             <a:fld id="{985D6BDF-9D0E-4E2B-85B8-D8F4790360C9}" type="datetimeFigureOut">
               <a:rPr lang="en-US" smtClean="0"/>
-              <a:t>12/11/17</a:t>
+              <a:t>12/11/2017</a:t>
             </a:fld>
             <a:endParaRPr lang="en-US" dirty="0"/>
           </a:p>
@@ -3293,6 +2969,11 @@
         </p:txBody>
       </p:sp>
     </p:spTree>
+    <p:extLst>
+      <p:ext uri="{BB962C8B-B14F-4D97-AF65-F5344CB8AC3E}">
+        <p14:creationId xmlns:p14="http://schemas.microsoft.com/office/powerpoint/2010/main" val="1801625961"/>
+      </p:ext>
+    </p:extLst>
   </p:cSld>
   <p:clrMapOvr>
     <a:masterClrMapping/>
@@ -3319,7 +3000,7 @@
       </p:grpSpPr>
       <p:sp>
         <p:nvSpPr>
-          <p:cNvPr id="10" name="Title 9"/>
+          <p:cNvPr id="2" name="Title 1"/>
           <p:cNvSpPr>
             <a:spLocks noGrp="1"/>
           </p:cNvSpPr>
@@ -3329,8 +3010,8 @@
         </p:nvSpPr>
         <p:spPr>
           <a:xfrm>
-            <a:off x="2962656" y="917135"/>
-            <a:ext cx="27157680" cy="4642422"/>
+            <a:off x="2267428" y="1168401"/>
+            <a:ext cx="28392120" cy="4241802"/>
           </a:xfrm>
         </p:spPr>
         <p:txBody>
@@ -3341,7 +3022,7 @@
               <a:rPr lang="en-US" smtClean="0"/>
               <a:t>Click to edit Master title style</a:t>
             </a:r>
-            <a:endParaRPr lang="en-US" dirty="0"/>
+            <a:endParaRPr lang="en-US"/>
           </a:p>
         </p:txBody>
       </p:sp>
@@ -3357,54 +3038,48 @@
         </p:nvSpPr>
         <p:spPr>
           <a:xfrm>
-            <a:off x="2962656" y="5907367"/>
-            <a:ext cx="13331952" cy="2356102"/>
+            <a:off x="2267429" y="5379722"/>
+            <a:ext cx="13926025" cy="2636518"/>
           </a:xfrm>
         </p:spPr>
         <p:txBody>
-          <a:bodyPr lIns="91440" rIns="91440" anchor="ctr">
-            <a:normAutofit/>
-          </a:bodyPr>
+          <a:bodyPr anchor="b"/>
           <a:lstStyle>
             <a:lvl1pPr marL="0" indent="0">
               <a:buNone/>
-              <a:defRPr sz="6400" b="0" cap="all" baseline="0">
-                <a:solidFill>
-                  <a:schemeClr val="tx2"/>
-                </a:solidFill>
-              </a:defRPr>
+              <a:defRPr sz="6480" b="1"/>
             </a:lvl1pPr>
-            <a:lvl2pPr marL="1463040" indent="0">
+            <a:lvl2pPr marL="1234440" indent="0">
               <a:buNone/>
-              <a:defRPr sz="6400" b="1"/>
+              <a:defRPr sz="5400" b="1"/>
             </a:lvl2pPr>
-            <a:lvl3pPr marL="2926080" indent="0">
+            <a:lvl3pPr marL="2468880" indent="0">
               <a:buNone/>
-              <a:defRPr sz="5760" b="1"/>
+              <a:defRPr sz="4860" b="1"/>
             </a:lvl3pPr>
-            <a:lvl4pPr marL="4389120" indent="0">
+            <a:lvl4pPr marL="3703320" indent="0">
               <a:buNone/>
-              <a:defRPr sz="5120" b="1"/>
+              <a:defRPr sz="4320" b="1"/>
             </a:lvl4pPr>
-            <a:lvl5pPr marL="5852160" indent="0">
+            <a:lvl5pPr marL="4937760" indent="0">
               <a:buNone/>
-              <a:defRPr sz="5120" b="1"/>
+              <a:defRPr sz="4320" b="1"/>
             </a:lvl5pPr>
-            <a:lvl6pPr marL="7315200" indent="0">
+            <a:lvl6pPr marL="6172200" indent="0">
               <a:buNone/>
-              <a:defRPr sz="5120" b="1"/>
+              <a:defRPr sz="4320" b="1"/>
             </a:lvl6pPr>
-            <a:lvl7pPr marL="8778240" indent="0">
+            <a:lvl7pPr marL="7406640" indent="0">
               <a:buNone/>
-              <a:defRPr sz="5120" b="1"/>
+              <a:defRPr sz="4320" b="1"/>
             </a:lvl7pPr>
-            <a:lvl8pPr marL="10241280" indent="0">
+            <a:lvl8pPr marL="8641080" indent="0">
               <a:buNone/>
-              <a:defRPr sz="5120" b="1"/>
+              <a:defRPr sz="4320" b="1"/>
             </a:lvl8pPr>
-            <a:lvl9pPr marL="11704320" indent="0">
+            <a:lvl9pPr marL="9875520" indent="0">
               <a:buNone/>
-              <a:defRPr sz="5120" b="1"/>
+              <a:defRPr sz="4320" b="1"/>
             </a:lvl9pPr>
           </a:lstStyle>
           <a:p>
@@ -3428,8 +3103,8 @@
         </p:nvSpPr>
         <p:spPr>
           <a:xfrm>
-            <a:off x="2962656" y="8263469"/>
-            <a:ext cx="13331952" cy="10810240"/>
+            <a:off x="2267429" y="8016240"/>
+            <a:ext cx="13926025" cy="11790682"/>
           </a:xfrm>
         </p:spPr>
         <p:txBody>
@@ -3469,7 +3144,7 @@
               <a:rPr lang="en-US" smtClean="0"/>
               <a:t>Fifth level</a:t>
             </a:r>
-            <a:endParaRPr lang="en-US" dirty="0"/>
+            <a:endParaRPr lang="en-US"/>
           </a:p>
         </p:txBody>
       </p:sp>
@@ -3485,54 +3160,48 @@
         </p:nvSpPr>
         <p:spPr>
           <a:xfrm>
-            <a:off x="16788384" y="5907367"/>
-            <a:ext cx="13331952" cy="2356102"/>
+            <a:off x="16664940" y="5379722"/>
+            <a:ext cx="13994608" cy="2636518"/>
           </a:xfrm>
         </p:spPr>
         <p:txBody>
-          <a:bodyPr lIns="91440" rIns="91440" anchor="ctr">
-            <a:normAutofit/>
-          </a:bodyPr>
+          <a:bodyPr anchor="b"/>
           <a:lstStyle>
             <a:lvl1pPr marL="0" indent="0">
               <a:buNone/>
-              <a:defRPr sz="6400" b="0" cap="all" baseline="0">
-                <a:solidFill>
-                  <a:schemeClr val="tx2"/>
-                </a:solidFill>
-              </a:defRPr>
+              <a:defRPr sz="6480" b="1"/>
             </a:lvl1pPr>
-            <a:lvl2pPr marL="1463040" indent="0">
+            <a:lvl2pPr marL="1234440" indent="0">
               <a:buNone/>
-              <a:defRPr sz="6400" b="1"/>
+              <a:defRPr sz="5400" b="1"/>
             </a:lvl2pPr>
-            <a:lvl3pPr marL="2926080" indent="0">
+            <a:lvl3pPr marL="2468880" indent="0">
               <a:buNone/>
-              <a:defRPr sz="5760" b="1"/>
+              <a:defRPr sz="4860" b="1"/>
             </a:lvl3pPr>
-            <a:lvl4pPr marL="4389120" indent="0">
+            <a:lvl4pPr marL="3703320" indent="0">
               <a:buNone/>
-              <a:defRPr sz="5120" b="1"/>
+              <a:defRPr sz="4320" b="1"/>
             </a:lvl4pPr>
-            <a:lvl5pPr marL="5852160" indent="0">
+            <a:lvl5pPr marL="4937760" indent="0">
               <a:buNone/>
-              <a:defRPr sz="5120" b="1"/>
+              <a:defRPr sz="4320" b="1"/>
             </a:lvl5pPr>
-            <a:lvl6pPr marL="7315200" indent="0">
+            <a:lvl6pPr marL="6172200" indent="0">
               <a:buNone/>
-              <a:defRPr sz="5120" b="1"/>
+              <a:defRPr sz="4320" b="1"/>
             </a:lvl6pPr>
-            <a:lvl7pPr marL="8778240" indent="0">
+            <a:lvl7pPr marL="7406640" indent="0">
               <a:buNone/>
-              <a:defRPr sz="5120" b="1"/>
+              <a:defRPr sz="4320" b="1"/>
             </a:lvl7pPr>
-            <a:lvl8pPr marL="10241280" indent="0">
+            <a:lvl8pPr marL="8641080" indent="0">
               <a:buNone/>
-              <a:defRPr sz="5120" b="1"/>
+              <a:defRPr sz="4320" b="1"/>
             </a:lvl8pPr>
-            <a:lvl9pPr marL="11704320" indent="0">
+            <a:lvl9pPr marL="9875520" indent="0">
               <a:buNone/>
-              <a:defRPr sz="5120" b="1"/>
+              <a:defRPr sz="4320" b="1"/>
             </a:lvl9pPr>
           </a:lstStyle>
           <a:p>
@@ -3556,8 +3225,8 @@
         </p:nvSpPr>
         <p:spPr>
           <a:xfrm>
-            <a:off x="16788384" y="8263469"/>
-            <a:ext cx="13331952" cy="10810240"/>
+            <a:off x="16664940" y="8016240"/>
+            <a:ext cx="13994608" cy="11790682"/>
           </a:xfrm>
         </p:spPr>
         <p:txBody>
@@ -3597,7 +3266,7 @@
               <a:rPr lang="en-US" smtClean="0"/>
               <a:t>Fifth level</a:t>
             </a:r>
-            <a:endParaRPr lang="en-US" dirty="0"/>
+            <a:endParaRPr lang="en-US"/>
           </a:p>
         </p:txBody>
       </p:sp>
@@ -3618,7 +3287,7 @@
           <a:p>
             <a:fld id="{985D6BDF-9D0E-4E2B-85B8-D8F4790360C9}" type="datetimeFigureOut">
               <a:rPr lang="en-US" smtClean="0"/>
-              <a:t>12/11/17</a:t>
+              <a:t>12/11/2017</a:t>
             </a:fld>
             <a:endParaRPr lang="en-US" dirty="0"/>
           </a:p>
@@ -3667,6 +3336,11 @@
         </p:txBody>
       </p:sp>
     </p:spTree>
+    <p:extLst>
+      <p:ext uri="{BB962C8B-B14F-4D97-AF65-F5344CB8AC3E}">
+        <p14:creationId xmlns:p14="http://schemas.microsoft.com/office/powerpoint/2010/main" val="3224571548"/>
+      </p:ext>
+    </p:extLst>
   </p:cSld>
   <p:clrMapOvr>
     <a:masterClrMapping/>
@@ -3710,7 +3384,7 @@
               <a:rPr lang="en-US" smtClean="0"/>
               <a:t>Click to edit Master title style</a:t>
             </a:r>
-            <a:endParaRPr lang="en-US" dirty="0"/>
+            <a:endParaRPr lang="en-US"/>
           </a:p>
         </p:txBody>
       </p:sp>
@@ -3731,7 +3405,7 @@
           <a:p>
             <a:fld id="{985D6BDF-9D0E-4E2B-85B8-D8F4790360C9}" type="datetimeFigureOut">
               <a:rPr lang="en-US" smtClean="0"/>
-              <a:t>12/11/17</a:t>
+              <a:t>12/11/2017</a:t>
             </a:fld>
             <a:endParaRPr lang="en-US" dirty="0"/>
           </a:p>
@@ -3780,6 +3454,11 @@
         </p:txBody>
       </p:sp>
     </p:spTree>
+    <p:extLst>
+      <p:ext uri="{BB962C8B-B14F-4D97-AF65-F5344CB8AC3E}">
+        <p14:creationId xmlns:p14="http://schemas.microsoft.com/office/powerpoint/2010/main" val="872955411"/>
+      </p:ext>
+    </p:extLst>
   </p:cSld>
   <p:clrMapOvr>
     <a:masterClrMapping/>
@@ -3788,7 +3467,7 @@
 </file>
 
 <file path=ppt/slideLayouts/slideLayout7.xml><?xml version="1.0" encoding="utf-8"?>
-<p:sldLayout xmlns:a="http://schemas.openxmlformats.org/drawingml/2006/main" xmlns:r="http://schemas.openxmlformats.org/officeDocument/2006/relationships" xmlns:p="http://schemas.openxmlformats.org/presentationml/2006/main" showMasterSp="0" type="blank" preserve="1">
+<p:sldLayout xmlns:a="http://schemas.openxmlformats.org/drawingml/2006/main" xmlns:r="http://schemas.openxmlformats.org/officeDocument/2006/relationships" xmlns:p="http://schemas.openxmlformats.org/presentationml/2006/main" type="blank" preserve="1">
   <p:cSld name="Blank">
     <p:spTree>
       <p:nvGrpSpPr>
@@ -3806,83 +3485,7 @@
       </p:grpSpPr>
       <p:sp>
         <p:nvSpPr>
-          <p:cNvPr id="5" name="Rectangle 4"/>
-          <p:cNvSpPr/>
-          <p:nvPr/>
-        </p:nvSpPr>
-        <p:spPr>
-          <a:xfrm>
-            <a:off x="8577" y="20482560"/>
-            <a:ext cx="32909828" cy="1463040"/>
-          </a:xfrm>
-          <a:prstGeom prst="rect">
-            <a:avLst/>
-          </a:prstGeom>
-          <a:solidFill>
-            <a:schemeClr val="accent2"/>
-          </a:solidFill>
-          <a:ln>
-            <a:noFill/>
-          </a:ln>
-        </p:spPr>
-        <p:style>
-          <a:lnRef idx="2">
-            <a:schemeClr val="accent1">
-              <a:shade val="50000"/>
-            </a:schemeClr>
-          </a:lnRef>
-          <a:fillRef idx="1">
-            <a:schemeClr val="accent1"/>
-          </a:fillRef>
-          <a:effectRef idx="0">
-            <a:schemeClr val="accent1"/>
-          </a:effectRef>
-          <a:fontRef idx="minor">
-            <a:schemeClr val="lt1"/>
-          </a:fontRef>
-        </p:style>
-      </p:sp>
-      <p:sp>
-        <p:nvSpPr>
-          <p:cNvPr id="6" name="Rectangle 5"/>
-          <p:cNvSpPr/>
-          <p:nvPr/>
-        </p:nvSpPr>
-        <p:spPr>
-          <a:xfrm>
-            <a:off x="45" y="20269811"/>
-            <a:ext cx="32909828" cy="204826"/>
-          </a:xfrm>
-          <a:prstGeom prst="rect">
-            <a:avLst/>
-          </a:prstGeom>
-          <a:solidFill>
-            <a:schemeClr val="accent1"/>
-          </a:solidFill>
-          <a:ln>
-            <a:noFill/>
-          </a:ln>
-        </p:spPr>
-        <p:style>
-          <a:lnRef idx="2">
-            <a:schemeClr val="accent1">
-              <a:shade val="50000"/>
-            </a:schemeClr>
-          </a:lnRef>
-          <a:fillRef idx="1">
-            <a:schemeClr val="accent1"/>
-          </a:fillRef>
-          <a:effectRef idx="0">
-            <a:schemeClr val="accent1"/>
-          </a:effectRef>
-          <a:fontRef idx="minor">
-            <a:schemeClr val="lt1"/>
-          </a:fontRef>
-        </p:style>
-      </p:sp>
-      <p:sp>
-        <p:nvSpPr>
-          <p:cNvPr id="7" name="Date Placeholder 6"/>
+          <p:cNvPr id="2" name="Date Placeholder 1"/>
           <p:cNvSpPr>
             <a:spLocks noGrp="1"/>
           </p:cNvSpPr>
@@ -3897,7 +3500,7 @@
           <a:p>
             <a:fld id="{985D6BDF-9D0E-4E2B-85B8-D8F4790360C9}" type="datetimeFigureOut">
               <a:rPr lang="en-US" smtClean="0"/>
-              <a:t>12/11/17</a:t>
+              <a:t>12/11/2017</a:t>
             </a:fld>
             <a:endParaRPr lang="en-US" dirty="0"/>
           </a:p>
@@ -3905,7 +3508,7 @@
       </p:sp>
       <p:sp>
         <p:nvSpPr>
-          <p:cNvPr id="8" name="Footer Placeholder 7"/>
+          <p:cNvPr id="3" name="Footer Placeholder 2"/>
           <p:cNvSpPr>
             <a:spLocks noGrp="1"/>
           </p:cNvSpPr>
@@ -3916,15 +3519,7 @@
         <p:spPr/>
         <p:txBody>
           <a:bodyPr/>
-          <a:lstStyle>
-            <a:lvl1pPr>
-              <a:defRPr>
-                <a:solidFill>
-                  <a:srgbClr val="FFFFFF"/>
-                </a:solidFill>
-              </a:defRPr>
-            </a:lvl1pPr>
-          </a:lstStyle>
+          <a:lstStyle/>
           <a:p>
             <a:endParaRPr lang="en-US" dirty="0"/>
           </a:p>
@@ -3932,7 +3527,7 @@
       </p:sp>
       <p:sp>
         <p:nvSpPr>
-          <p:cNvPr id="9" name="Slide Number Placeholder 8"/>
+          <p:cNvPr id="4" name="Slide Number Placeholder 3"/>
           <p:cNvSpPr>
             <a:spLocks noGrp="1"/>
           </p:cNvSpPr>
@@ -3954,6 +3549,11 @@
         </p:txBody>
       </p:sp>
     </p:spTree>
+    <p:extLst>
+      <p:ext uri="{BB962C8B-B14F-4D97-AF65-F5344CB8AC3E}">
+        <p14:creationId xmlns:p14="http://schemas.microsoft.com/office/powerpoint/2010/main" val="1984041993"/>
+      </p:ext>
+    </p:extLst>
   </p:cSld>
   <p:clrMapOvr>
     <a:masterClrMapping/>
@@ -3962,7 +3562,7 @@
 </file>
 
 <file path=ppt/slideLayouts/slideLayout8.xml><?xml version="1.0" encoding="utf-8"?>
-<p:sldLayout xmlns:a="http://schemas.openxmlformats.org/drawingml/2006/main" xmlns:r="http://schemas.openxmlformats.org/officeDocument/2006/relationships" xmlns:p="http://schemas.openxmlformats.org/presentationml/2006/main" showMasterSp="0" type="objTx" preserve="1">
+<p:sldLayout xmlns:a="http://schemas.openxmlformats.org/drawingml/2006/main" xmlns:r="http://schemas.openxmlformats.org/officeDocument/2006/relationships" xmlns:p="http://schemas.openxmlformats.org/presentationml/2006/main" type="objTx" preserve="1">
   <p:cSld name="Content with Caption">
     <p:spTree>
       <p:nvGrpSpPr>
@@ -3980,82 +3580,6 @@
       </p:grpSpPr>
       <p:sp>
         <p:nvSpPr>
-          <p:cNvPr id="8" name="Rectangle 7"/>
-          <p:cNvSpPr/>
-          <p:nvPr/>
-        </p:nvSpPr>
-        <p:spPr>
-          <a:xfrm>
-            <a:off x="49" y="0"/>
-            <a:ext cx="10937135" cy="21945600"/>
-          </a:xfrm>
-          <a:prstGeom prst="rect">
-            <a:avLst/>
-          </a:prstGeom>
-          <a:solidFill>
-            <a:schemeClr val="accent2"/>
-          </a:solidFill>
-          <a:ln>
-            <a:noFill/>
-          </a:ln>
-        </p:spPr>
-        <p:style>
-          <a:lnRef idx="2">
-            <a:schemeClr val="accent1">
-              <a:shade val="50000"/>
-            </a:schemeClr>
-          </a:lnRef>
-          <a:fillRef idx="1">
-            <a:schemeClr val="accent1"/>
-          </a:fillRef>
-          <a:effectRef idx="0">
-            <a:schemeClr val="accent1"/>
-          </a:effectRef>
-          <a:fontRef idx="minor">
-            <a:schemeClr val="lt1"/>
-          </a:fontRef>
-        </p:style>
-      </p:sp>
-      <p:sp>
-        <p:nvSpPr>
-          <p:cNvPr id="9" name="Rectangle 8"/>
-          <p:cNvSpPr/>
-          <p:nvPr/>
-        </p:nvSpPr>
-        <p:spPr>
-          <a:xfrm>
-            <a:off x="10908191" y="0"/>
-            <a:ext cx="172822" cy="21945600"/>
-          </a:xfrm>
-          <a:prstGeom prst="rect">
-            <a:avLst/>
-          </a:prstGeom>
-          <a:solidFill>
-            <a:schemeClr val="accent1"/>
-          </a:solidFill>
-          <a:ln>
-            <a:noFill/>
-          </a:ln>
-        </p:spPr>
-        <p:style>
-          <a:lnRef idx="2">
-            <a:schemeClr val="accent1">
-              <a:shade val="50000"/>
-            </a:schemeClr>
-          </a:lnRef>
-          <a:fillRef idx="1">
-            <a:schemeClr val="accent1"/>
-          </a:fillRef>
-          <a:effectRef idx="0">
-            <a:schemeClr val="accent1"/>
-          </a:effectRef>
-          <a:fontRef idx="minor">
-            <a:schemeClr val="lt1"/>
-          </a:fontRef>
-        </p:style>
-      </p:sp>
-      <p:sp>
-        <p:nvSpPr>
           <p:cNvPr id="2" name="Title 1"/>
           <p:cNvSpPr>
             <a:spLocks noGrp="1"/>
@@ -4066,21 +3590,15 @@
         </p:nvSpPr>
         <p:spPr>
           <a:xfrm>
-            <a:off x="1234440" y="1901949"/>
-            <a:ext cx="8641080" cy="7315200"/>
+            <a:off x="2267429" y="1463040"/>
+            <a:ext cx="10617040" cy="5120640"/>
           </a:xfrm>
         </p:spPr>
         <p:txBody>
-          <a:bodyPr anchor="b">
-            <a:normAutofit/>
-          </a:bodyPr>
+          <a:bodyPr anchor="b"/>
           <a:lstStyle>
             <a:lvl1pPr>
-              <a:defRPr sz="11520" b="0">
-                <a:solidFill>
-                  <a:srgbClr val="FFFFFF"/>
-                </a:solidFill>
-              </a:defRPr>
+              <a:defRPr sz="8640"/>
             </a:lvl1pPr>
           </a:lstStyle>
           <a:p>
@@ -4088,7 +3606,7 @@
               <a:rPr lang="en-US" smtClean="0"/>
               <a:t>Click to edit Master title style</a:t>
             </a:r>
-            <a:endParaRPr lang="en-US" dirty="0"/>
+            <a:endParaRPr lang="en-US"/>
           </a:p>
         </p:txBody>
       </p:sp>
@@ -4104,13 +3622,41 @@
         </p:nvSpPr>
         <p:spPr>
           <a:xfrm>
-            <a:off x="12961620" y="2340864"/>
-            <a:ext cx="17529048" cy="16824960"/>
+            <a:off x="13994608" y="3159762"/>
+            <a:ext cx="16664940" cy="15595600"/>
           </a:xfrm>
         </p:spPr>
         <p:txBody>
           <a:bodyPr/>
-          <a:lstStyle/>
+          <a:lstStyle>
+            <a:lvl1pPr>
+              <a:defRPr sz="8640"/>
+            </a:lvl1pPr>
+            <a:lvl2pPr>
+              <a:defRPr sz="7560"/>
+            </a:lvl2pPr>
+            <a:lvl3pPr>
+              <a:defRPr sz="6480"/>
+            </a:lvl3pPr>
+            <a:lvl4pPr>
+              <a:defRPr sz="5400"/>
+            </a:lvl4pPr>
+            <a:lvl5pPr>
+              <a:defRPr sz="5400"/>
+            </a:lvl5pPr>
+            <a:lvl6pPr>
+              <a:defRPr sz="5400"/>
+            </a:lvl6pPr>
+            <a:lvl7pPr>
+              <a:defRPr sz="5400"/>
+            </a:lvl7pPr>
+            <a:lvl8pPr>
+              <a:defRPr sz="5400"/>
+            </a:lvl8pPr>
+            <a:lvl9pPr>
+              <a:defRPr sz="5400"/>
+            </a:lvl9pPr>
+          </a:lstStyle>
           <a:p>
             <a:pPr lvl="0"/>
             <a:r>
@@ -4145,7 +3691,7 @@
               <a:rPr lang="en-US" smtClean="0"/>
               <a:t>Fifth level</a:t>
             </a:r>
-            <a:endParaRPr lang="en-US" dirty="0"/>
+            <a:endParaRPr lang="en-US"/>
           </a:p>
         </p:txBody>
       </p:sp>
@@ -4161,54 +3707,48 @@
         </p:nvSpPr>
         <p:spPr>
           <a:xfrm>
-            <a:off x="1234440" y="9363456"/>
-            <a:ext cx="8641080" cy="10813197"/>
+            <a:off x="2267429" y="6583680"/>
+            <a:ext cx="10617040" cy="12197082"/>
           </a:xfrm>
         </p:spPr>
         <p:txBody>
-          <a:bodyPr lIns="91440" rIns="91440">
-            <a:normAutofit/>
-          </a:bodyPr>
+          <a:bodyPr/>
           <a:lstStyle>
             <a:lvl1pPr marL="0" indent="0">
               <a:buNone/>
-              <a:defRPr sz="4800">
-                <a:solidFill>
-                  <a:srgbClr val="FFFFFF"/>
-                </a:solidFill>
-              </a:defRPr>
+              <a:defRPr sz="4320"/>
             </a:lvl1pPr>
-            <a:lvl2pPr marL="1463040" indent="0">
+            <a:lvl2pPr marL="1234440" indent="0">
               <a:buNone/>
-              <a:defRPr sz="3840"/>
+              <a:defRPr sz="3780"/>
             </a:lvl2pPr>
-            <a:lvl3pPr marL="2926080" indent="0">
+            <a:lvl3pPr marL="2468880" indent="0">
               <a:buNone/>
-              <a:defRPr sz="3200"/>
+              <a:defRPr sz="3240"/>
             </a:lvl3pPr>
-            <a:lvl4pPr marL="4389120" indent="0">
+            <a:lvl4pPr marL="3703320" indent="0">
               <a:buNone/>
-              <a:defRPr sz="2880"/>
+              <a:defRPr sz="2700"/>
             </a:lvl4pPr>
-            <a:lvl5pPr marL="5852160" indent="0">
+            <a:lvl5pPr marL="4937760" indent="0">
               <a:buNone/>
-              <a:defRPr sz="2880"/>
+              <a:defRPr sz="2700"/>
             </a:lvl5pPr>
-            <a:lvl6pPr marL="7315200" indent="0">
+            <a:lvl6pPr marL="6172200" indent="0">
               <a:buNone/>
-              <a:defRPr sz="2880"/>
+              <a:defRPr sz="2700"/>
             </a:lvl6pPr>
-            <a:lvl7pPr marL="8778240" indent="0">
+            <a:lvl7pPr marL="7406640" indent="0">
               <a:buNone/>
-              <a:defRPr sz="2880"/>
+              <a:defRPr sz="2700"/>
             </a:lvl7pPr>
-            <a:lvl8pPr marL="10241280" indent="0">
+            <a:lvl8pPr marL="8641080" indent="0">
               <a:buNone/>
-              <a:defRPr sz="2880"/>
+              <a:defRPr sz="2700"/>
             </a:lvl8pPr>
-            <a:lvl9pPr marL="11704320" indent="0">
+            <a:lvl9pPr marL="9875520" indent="0">
               <a:buNone/>
-              <a:defRPr sz="2880"/>
+              <a:defRPr sz="2700"/>
             </a:lvl9pPr>
           </a:lstStyle>
           <a:p>
@@ -4230,23 +3770,14 @@
             <p:ph type="dt" sz="half" idx="10"/>
           </p:nvPr>
         </p:nvSpPr>
-        <p:spPr>
-          <a:xfrm>
-            <a:off x="1256884" y="20671317"/>
-            <a:ext cx="7069979" cy="1168400"/>
-          </a:xfrm>
-        </p:spPr>
+        <p:spPr/>
         <p:txBody>
           <a:bodyPr/>
-          <a:lstStyle>
-            <a:lvl1pPr algn="l">
-              <a:defRPr/>
-            </a:lvl1pPr>
-          </a:lstStyle>
+          <a:lstStyle/>
           <a:p>
             <a:fld id="{985D6BDF-9D0E-4E2B-85B8-D8F4790360C9}" type="datetimeFigureOut">
               <a:rPr lang="en-US" smtClean="0"/>
-              <a:t>12/11/17</a:t>
+              <a:t>12/11/2017</a:t>
             </a:fld>
             <a:endParaRPr lang="en-US" dirty="0"/>
           </a:p>
@@ -4262,23 +3793,10 @@
             <p:ph type="ftr" sz="quarter" idx="11"/>
           </p:nvPr>
         </p:nvSpPr>
-        <p:spPr>
-          <a:xfrm>
-            <a:off x="12961620" y="20671317"/>
-            <a:ext cx="12550140" cy="1168400"/>
-          </a:xfrm>
-        </p:spPr>
+        <p:spPr/>
         <p:txBody>
           <a:bodyPr/>
-          <a:lstStyle>
-            <a:lvl1pPr algn="l">
-              <a:defRPr>
-                <a:solidFill>
-                  <a:schemeClr val="tx2"/>
-                </a:solidFill>
-              </a:defRPr>
-            </a:lvl1pPr>
-          </a:lstStyle>
+          <a:lstStyle/>
           <a:p>
             <a:endParaRPr lang="en-US" dirty="0"/>
           </a:p>
@@ -4297,15 +3815,7 @@
         <p:spPr/>
         <p:txBody>
           <a:bodyPr/>
-          <a:lstStyle>
-            <a:lvl1pPr>
-              <a:defRPr>
-                <a:solidFill>
-                  <a:schemeClr val="tx2"/>
-                </a:solidFill>
-              </a:defRPr>
-            </a:lvl1pPr>
-          </a:lstStyle>
+          <a:lstStyle/>
           <a:p>
             <a:fld id="{FBB075EA-769C-4ECD-B48E-D6FCDC24F876}" type="slidenum">
               <a:rPr lang="en-US" smtClean="0"/>
@@ -4316,6 +3826,11 @@
         </p:txBody>
       </p:sp>
     </p:spTree>
+    <p:extLst>
+      <p:ext uri="{BB962C8B-B14F-4D97-AF65-F5344CB8AC3E}">
+        <p14:creationId xmlns:p14="http://schemas.microsoft.com/office/powerpoint/2010/main" val="2170377191"/>
+      </p:ext>
+    </p:extLst>
   </p:cSld>
   <p:clrMapOvr>
     <a:masterClrMapping/>
@@ -4324,7 +3839,7 @@
 </file>
 
 <file path=ppt/slideLayouts/slideLayout9.xml><?xml version="1.0" encoding="utf-8"?>
-<p:sldLayout xmlns:a="http://schemas.openxmlformats.org/drawingml/2006/main" xmlns:r="http://schemas.openxmlformats.org/officeDocument/2006/relationships" xmlns:p="http://schemas.openxmlformats.org/presentationml/2006/main" showMasterSp="0" type="picTx" preserve="1">
+<p:sldLayout xmlns:a="http://schemas.openxmlformats.org/drawingml/2006/main" xmlns:r="http://schemas.openxmlformats.org/officeDocument/2006/relationships" xmlns:p="http://schemas.openxmlformats.org/presentationml/2006/main" type="picTx" preserve="1">
   <p:cSld name="Picture with Caption">
     <p:spTree>
       <p:nvGrpSpPr>
@@ -4342,82 +3857,6 @@
       </p:grpSpPr>
       <p:sp>
         <p:nvSpPr>
-          <p:cNvPr id="8" name="Rectangle 7"/>
-          <p:cNvSpPr/>
-          <p:nvPr/>
-        </p:nvSpPr>
-        <p:spPr>
-          <a:xfrm>
-            <a:off x="2" y="15849600"/>
-            <a:ext cx="32909828" cy="6096000"/>
-          </a:xfrm>
-          <a:prstGeom prst="rect">
-            <a:avLst/>
-          </a:prstGeom>
-          <a:solidFill>
-            <a:schemeClr val="accent2"/>
-          </a:solidFill>
-          <a:ln>
-            <a:noFill/>
-          </a:ln>
-        </p:spPr>
-        <p:style>
-          <a:lnRef idx="2">
-            <a:schemeClr val="accent1">
-              <a:shade val="50000"/>
-            </a:schemeClr>
-          </a:lnRef>
-          <a:fillRef idx="1">
-            <a:schemeClr val="accent1"/>
-          </a:fillRef>
-          <a:effectRef idx="0">
-            <a:schemeClr val="accent1"/>
-          </a:effectRef>
-          <a:fontRef idx="minor">
-            <a:schemeClr val="lt1"/>
-          </a:fontRef>
-        </p:style>
-      </p:sp>
-      <p:sp>
-        <p:nvSpPr>
-          <p:cNvPr id="9" name="Rectangle 8"/>
-          <p:cNvSpPr/>
-          <p:nvPr/>
-        </p:nvSpPr>
-        <p:spPr>
-          <a:xfrm>
-            <a:off x="45" y="15728243"/>
-            <a:ext cx="32909828" cy="204826"/>
-          </a:xfrm>
-          <a:prstGeom prst="rect">
-            <a:avLst/>
-          </a:prstGeom>
-          <a:solidFill>
-            <a:schemeClr val="accent1"/>
-          </a:solidFill>
-          <a:ln>
-            <a:noFill/>
-          </a:ln>
-        </p:spPr>
-        <p:style>
-          <a:lnRef idx="2">
-            <a:schemeClr val="accent1">
-              <a:shade val="50000"/>
-            </a:schemeClr>
-          </a:lnRef>
-          <a:fillRef idx="1">
-            <a:schemeClr val="accent1"/>
-          </a:fillRef>
-          <a:effectRef idx="0">
-            <a:schemeClr val="accent1"/>
-          </a:effectRef>
-          <a:fontRef idx="minor">
-            <a:schemeClr val="lt1"/>
-          </a:fontRef>
-        </p:style>
-      </p:sp>
-      <p:sp>
-        <p:nvSpPr>
           <p:cNvPr id="2" name="Title 1"/>
           <p:cNvSpPr>
             <a:spLocks noGrp="1"/>
@@ -4428,21 +3867,15 @@
         </p:nvSpPr>
         <p:spPr>
           <a:xfrm>
-            <a:off x="2962656" y="16239744"/>
-            <a:ext cx="27306842" cy="2633472"/>
+            <a:off x="2267429" y="1463040"/>
+            <a:ext cx="10617040" cy="5120640"/>
           </a:xfrm>
         </p:spPr>
         <p:txBody>
-          <a:bodyPr tIns="0" bIns="0" anchor="b">
-            <a:noAutofit/>
-          </a:bodyPr>
+          <a:bodyPr anchor="b"/>
           <a:lstStyle>
             <a:lvl1pPr>
-              <a:defRPr sz="11520" b="0">
-                <a:solidFill>
-                  <a:srgbClr val="FFFFFF"/>
-                </a:solidFill>
-              </a:defRPr>
+              <a:defRPr sz="8640"/>
             </a:lvl1pPr>
           </a:lstStyle>
           <a:p>
@@ -4450,7 +3883,7 @@
               <a:rPr lang="en-US" smtClean="0"/>
               <a:t>Click to edit Master title style</a:t>
             </a:r>
-            <a:endParaRPr lang="en-US" dirty="0"/>
+            <a:endParaRPr lang="en-US"/>
           </a:p>
         </p:txBody>
       </p:sp>
@@ -4458,7 +3891,7 @@
         <p:nvSpPr>
           <p:cNvPr id="3" name="Picture Placeholder 2"/>
           <p:cNvSpPr>
-            <a:spLocks noGrp="1" noChangeAspect="1"/>
+            <a:spLocks noGrp="1"/>
           </p:cNvSpPr>
           <p:nvPr>
             <p:ph type="pic" idx="1"/>
@@ -4466,61 +3899,52 @@
         </p:nvSpPr>
         <p:spPr>
           <a:xfrm>
-            <a:off x="45" y="0"/>
-            <a:ext cx="32918360" cy="15728243"/>
+            <a:off x="13994608" y="3159762"/>
+            <a:ext cx="16664940" cy="15595600"/>
           </a:xfrm>
-          <a:solidFill>
-            <a:schemeClr val="bg2">
-              <a:lumMod val="90000"/>
-            </a:schemeClr>
-          </a:solidFill>
         </p:spPr>
         <p:txBody>
-          <a:bodyPr lIns="457200" tIns="457200" anchor="t"/>
+          <a:bodyPr/>
           <a:lstStyle>
             <a:lvl1pPr marL="0" indent="0">
               <a:buNone/>
-              <a:defRPr sz="10240"/>
+              <a:defRPr sz="8640"/>
             </a:lvl1pPr>
-            <a:lvl2pPr marL="1463040" indent="0">
+            <a:lvl2pPr marL="1234440" indent="0">
               <a:buNone/>
-              <a:defRPr sz="8960"/>
+              <a:defRPr sz="7560"/>
             </a:lvl2pPr>
-            <a:lvl3pPr marL="2926080" indent="0">
+            <a:lvl3pPr marL="2468880" indent="0">
               <a:buNone/>
-              <a:defRPr sz="7680"/>
+              <a:defRPr sz="6480"/>
             </a:lvl3pPr>
-            <a:lvl4pPr marL="4389120" indent="0">
+            <a:lvl4pPr marL="3703320" indent="0">
               <a:buNone/>
-              <a:defRPr sz="6400"/>
+              <a:defRPr sz="5400"/>
             </a:lvl4pPr>
-            <a:lvl5pPr marL="5852160" indent="0">
+            <a:lvl5pPr marL="4937760" indent="0">
               <a:buNone/>
-              <a:defRPr sz="6400"/>
+              <a:defRPr sz="5400"/>
             </a:lvl5pPr>
-            <a:lvl6pPr marL="7315200" indent="0">
+            <a:lvl6pPr marL="6172200" indent="0">
               <a:buNone/>
-              <a:defRPr sz="6400"/>
+              <a:defRPr sz="5400"/>
             </a:lvl6pPr>
-            <a:lvl7pPr marL="8778240" indent="0">
+            <a:lvl7pPr marL="7406640" indent="0">
               <a:buNone/>
-              <a:defRPr sz="6400"/>
+              <a:defRPr sz="5400"/>
             </a:lvl7pPr>
-            <a:lvl8pPr marL="10241280" indent="0">
+            <a:lvl8pPr marL="8641080" indent="0">
               <a:buNone/>
-              <a:defRPr sz="6400"/>
+              <a:defRPr sz="5400"/>
             </a:lvl8pPr>
-            <a:lvl9pPr marL="11704320" indent="0">
+            <a:lvl9pPr marL="9875520" indent="0">
               <a:buNone/>
-              <a:defRPr sz="6400"/>
+              <a:defRPr sz="5400"/>
             </a:lvl9pPr>
           </a:lstStyle>
           <a:p>
-            <a:r>
-              <a:rPr lang="en-US" smtClean="0"/>
-              <a:t>Drag picture to placeholder or click icon to add</a:t>
-            </a:r>
-            <a:endParaRPr lang="en-US" dirty="0"/>
+            <a:endParaRPr lang="en-US"/>
           </a:p>
         </p:txBody>
       </p:sp>
@@ -4536,60 +3960,48 @@
         </p:nvSpPr>
         <p:spPr>
           <a:xfrm>
-            <a:off x="2962656" y="18902477"/>
-            <a:ext cx="27322272" cy="1901952"/>
+            <a:off x="2267429" y="6583680"/>
+            <a:ext cx="10617040" cy="12197082"/>
           </a:xfrm>
         </p:spPr>
         <p:txBody>
-          <a:bodyPr lIns="91440" tIns="0" rIns="91440" bIns="0">
-            <a:normAutofit/>
-          </a:bodyPr>
+          <a:bodyPr/>
           <a:lstStyle>
             <a:lvl1pPr marL="0" indent="0">
-              <a:spcBef>
-                <a:spcPts val="0"/>
-              </a:spcBef>
-              <a:spcAft>
-                <a:spcPts val="1920"/>
-              </a:spcAft>
               <a:buNone/>
-              <a:defRPr sz="4800">
-                <a:solidFill>
-                  <a:srgbClr val="FFFFFF"/>
-                </a:solidFill>
-              </a:defRPr>
+              <a:defRPr sz="4320"/>
             </a:lvl1pPr>
-            <a:lvl2pPr marL="1463040" indent="0">
+            <a:lvl2pPr marL="1234440" indent="0">
               <a:buNone/>
-              <a:defRPr sz="3840"/>
+              <a:defRPr sz="3780"/>
             </a:lvl2pPr>
-            <a:lvl3pPr marL="2926080" indent="0">
+            <a:lvl3pPr marL="2468880" indent="0">
               <a:buNone/>
-              <a:defRPr sz="3200"/>
+              <a:defRPr sz="3240"/>
             </a:lvl3pPr>
-            <a:lvl4pPr marL="4389120" indent="0">
+            <a:lvl4pPr marL="3703320" indent="0">
               <a:buNone/>
-              <a:defRPr sz="2880"/>
+              <a:defRPr sz="2700"/>
             </a:lvl4pPr>
-            <a:lvl5pPr marL="5852160" indent="0">
+            <a:lvl5pPr marL="4937760" indent="0">
               <a:buNone/>
-              <a:defRPr sz="2880"/>
+              <a:defRPr sz="2700"/>
             </a:lvl5pPr>
-            <a:lvl6pPr marL="7315200" indent="0">
+            <a:lvl6pPr marL="6172200" indent="0">
               <a:buNone/>
-              <a:defRPr sz="2880"/>
+              <a:defRPr sz="2700"/>
             </a:lvl6pPr>
-            <a:lvl7pPr marL="8778240" indent="0">
+            <a:lvl7pPr marL="7406640" indent="0">
               <a:buNone/>
-              <a:defRPr sz="2880"/>
+              <a:defRPr sz="2700"/>
             </a:lvl7pPr>
-            <a:lvl8pPr marL="10241280" indent="0">
+            <a:lvl8pPr marL="8641080" indent="0">
               <a:buNone/>
-              <a:defRPr sz="2880"/>
+              <a:defRPr sz="2700"/>
             </a:lvl8pPr>
-            <a:lvl9pPr marL="11704320" indent="0">
+            <a:lvl9pPr marL="9875520" indent="0">
               <a:buNone/>
-              <a:defRPr sz="2880"/>
+              <a:defRPr sz="2700"/>
             </a:lvl9pPr>
           </a:lstStyle>
           <a:p>
@@ -4618,7 +4030,7 @@
           <a:p>
             <a:fld id="{985D6BDF-9D0E-4E2B-85B8-D8F4790360C9}" type="datetimeFigureOut">
               <a:rPr lang="en-US" smtClean="0"/>
-              <a:t>12/11/17</a:t>
+              <a:t>12/11/2017</a:t>
             </a:fld>
             <a:endParaRPr lang="en-US" dirty="0"/>
           </a:p>
@@ -4667,6 +4079,11 @@
         </p:txBody>
       </p:sp>
     </p:spTree>
+    <p:extLst>
+      <p:ext uri="{BB962C8B-B14F-4D97-AF65-F5344CB8AC3E}">
+        <p14:creationId xmlns:p14="http://schemas.microsoft.com/office/powerpoint/2010/main" val="696821734"/>
+      </p:ext>
+    </p:extLst>
   </p:cSld>
   <p:clrMapOvr>
     <a:masterClrMapping/>
@@ -4698,82 +4115,6 @@
       </p:grpSpPr>
       <p:sp>
         <p:nvSpPr>
-          <p:cNvPr id="7" name="Rectangle 6"/>
-          <p:cNvSpPr/>
-          <p:nvPr/>
-        </p:nvSpPr>
-        <p:spPr>
-          <a:xfrm>
-            <a:off x="2" y="20482560"/>
-            <a:ext cx="32918404" cy="1463040"/>
-          </a:xfrm>
-          <a:prstGeom prst="rect">
-            <a:avLst/>
-          </a:prstGeom>
-          <a:solidFill>
-            <a:schemeClr val="accent2"/>
-          </a:solidFill>
-          <a:ln>
-            <a:noFill/>
-          </a:ln>
-        </p:spPr>
-        <p:style>
-          <a:lnRef idx="2">
-            <a:schemeClr val="accent1">
-              <a:shade val="50000"/>
-            </a:schemeClr>
-          </a:lnRef>
-          <a:fillRef idx="1">
-            <a:schemeClr val="accent1"/>
-          </a:fillRef>
-          <a:effectRef idx="0">
-            <a:schemeClr val="accent1"/>
-          </a:effectRef>
-          <a:fontRef idx="minor">
-            <a:schemeClr val="lt1"/>
-          </a:fontRef>
-        </p:style>
-      </p:sp>
-      <p:sp>
-        <p:nvSpPr>
-          <p:cNvPr id="9" name="Rectangle 8"/>
-          <p:cNvSpPr/>
-          <p:nvPr/>
-        </p:nvSpPr>
-        <p:spPr>
-          <a:xfrm>
-            <a:off x="2" y="20269810"/>
-            <a:ext cx="32918404" cy="211197"/>
-          </a:xfrm>
-          <a:prstGeom prst="rect">
-            <a:avLst/>
-          </a:prstGeom>
-          <a:solidFill>
-            <a:schemeClr val="accent1"/>
-          </a:solidFill>
-          <a:ln>
-            <a:noFill/>
-          </a:ln>
-        </p:spPr>
-        <p:style>
-          <a:lnRef idx="2">
-            <a:schemeClr val="accent1">
-              <a:shade val="50000"/>
-            </a:schemeClr>
-          </a:lnRef>
-          <a:fillRef idx="1">
-            <a:schemeClr val="accent1"/>
-          </a:fillRef>
-          <a:effectRef idx="0">
-            <a:schemeClr val="accent1"/>
-          </a:effectRef>
-          <a:fontRef idx="minor">
-            <a:schemeClr val="lt1"/>
-          </a:fontRef>
-        </p:style>
-      </p:sp>
-      <p:sp>
-        <p:nvSpPr>
           <p:cNvPr id="2" name="Title Placeholder 1"/>
           <p:cNvSpPr>
             <a:spLocks noGrp="1"/>
@@ -4784,15 +4125,15 @@
         </p:nvSpPr>
         <p:spPr>
           <a:xfrm>
-            <a:off x="2962656" y="917135"/>
-            <a:ext cx="27157680" cy="4642422"/>
+            <a:off x="2263140" y="1168401"/>
+            <a:ext cx="28392120" cy="4241802"/>
           </a:xfrm>
           <a:prstGeom prst="rect">
             <a:avLst/>
           </a:prstGeom>
         </p:spPr>
         <p:txBody>
-          <a:bodyPr vert="horz" lIns="91440" tIns="45720" rIns="91440" bIns="45720" rtlCol="0" anchor="b">
+          <a:bodyPr vert="horz" lIns="91440" tIns="45720" rIns="91440" bIns="45720" rtlCol="0" anchor="ctr">
             <a:normAutofit/>
           </a:bodyPr>
           <a:lstStyle/>
@@ -4801,7 +4142,7 @@
               <a:rPr lang="en-US" smtClean="0"/>
               <a:t>Click to edit Master title style</a:t>
             </a:r>
-            <a:endParaRPr lang="en-US" dirty="0"/>
+            <a:endParaRPr lang="en-US"/>
           </a:p>
         </p:txBody>
       </p:sp>
@@ -4817,15 +4158,15 @@
         </p:nvSpPr>
         <p:spPr>
           <a:xfrm>
-            <a:off x="2962654" y="5906349"/>
-            <a:ext cx="27157684" cy="12874752"/>
+            <a:off x="2263140" y="5842000"/>
+            <a:ext cx="28392120" cy="13924282"/>
           </a:xfrm>
           <a:prstGeom prst="rect">
             <a:avLst/>
           </a:prstGeom>
         </p:spPr>
         <p:txBody>
-          <a:bodyPr vert="horz" lIns="0" tIns="45720" rIns="0" bIns="45720" rtlCol="0">
+          <a:bodyPr vert="horz" lIns="91440" tIns="45720" rIns="91440" bIns="45720" rtlCol="0">
             <a:normAutofit/>
           </a:bodyPr>
           <a:lstStyle/>
@@ -4863,7 +4204,7 @@
               <a:rPr lang="en-US" smtClean="0"/>
               <a:t>Fifth level</a:t>
             </a:r>
-            <a:endParaRPr lang="en-US" dirty="0"/>
+            <a:endParaRPr lang="en-US"/>
           </a:p>
         </p:txBody>
       </p:sp>
@@ -4879,8 +4220,8 @@
         </p:nvSpPr>
         <p:spPr>
           <a:xfrm>
-            <a:off x="2962661" y="20671317"/>
-            <a:ext cx="6675131" cy="1168400"/>
+            <a:off x="2263140" y="20340322"/>
+            <a:ext cx="7406640" cy="1168400"/>
           </a:xfrm>
           <a:prstGeom prst="rect">
             <a:avLst/>
@@ -4890,9 +4231,11 @@
           <a:bodyPr vert="horz" lIns="91440" tIns="45720" rIns="91440" bIns="45720" rtlCol="0" anchor="ctr"/>
           <a:lstStyle>
             <a:lvl1pPr algn="l">
-              <a:defRPr sz="2880">
-                <a:solidFill>
-                  <a:srgbClr val="FFFFFF"/>
+              <a:defRPr sz="3240">
+                <a:solidFill>
+                  <a:schemeClr val="tx1">
+                    <a:tint val="75000"/>
+                  </a:schemeClr>
                 </a:solidFill>
               </a:defRPr>
             </a:lvl1pPr>
@@ -4900,7 +4243,7 @@
           <a:p>
             <a:fld id="{985D6BDF-9D0E-4E2B-85B8-D8F4790360C9}" type="datetimeFigureOut">
               <a:rPr lang="en-US" smtClean="0"/>
-              <a:t>12/11/17</a:t>
+              <a:t>12/11/2017</a:t>
             </a:fld>
             <a:endParaRPr lang="en-US" dirty="0"/>
           </a:p>
@@ -4918,8 +4261,8 @@
         </p:nvSpPr>
         <p:spPr>
           <a:xfrm>
-            <a:off x="9952702" y="20671317"/>
-            <a:ext cx="13021571" cy="1168400"/>
+            <a:off x="10904220" y="20340322"/>
+            <a:ext cx="11109960" cy="1168400"/>
           </a:xfrm>
           <a:prstGeom prst="rect">
             <a:avLst/>
@@ -4929,9 +4272,11 @@
           <a:bodyPr vert="horz" lIns="91440" tIns="45720" rIns="91440" bIns="45720" rtlCol="0" anchor="ctr"/>
           <a:lstStyle>
             <a:lvl1pPr algn="ctr">
-              <a:defRPr sz="2880" cap="all" baseline="0">
-                <a:solidFill>
-                  <a:srgbClr val="FFFFFF"/>
+              <a:defRPr sz="3240">
+                <a:solidFill>
+                  <a:schemeClr val="tx1">
+                    <a:tint val="75000"/>
+                  </a:schemeClr>
                 </a:solidFill>
               </a:defRPr>
             </a:lvl1pPr>
@@ -4953,8 +4298,8 @@
         </p:nvSpPr>
         <p:spPr>
           <a:xfrm>
-            <a:off x="26731240" y="20671317"/>
-            <a:ext cx="3542468" cy="1168400"/>
+            <a:off x="23248620" y="20340322"/>
+            <a:ext cx="7406640" cy="1168400"/>
           </a:xfrm>
           <a:prstGeom prst="rect">
             <a:avLst/>
@@ -4964,9 +4309,11 @@
           <a:bodyPr vert="horz" lIns="91440" tIns="45720" rIns="91440" bIns="45720" rtlCol="0" anchor="ctr"/>
           <a:lstStyle>
             <a:lvl1pPr algn="r">
-              <a:defRPr sz="3360">
-                <a:solidFill>
-                  <a:srgbClr val="FFFFFF"/>
+              <a:defRPr sz="3240">
+                <a:solidFill>
+                  <a:schemeClr val="tx1">
+                    <a:tint val="75000"/>
+                  </a:schemeClr>
                 </a:solidFill>
               </a:defRPr>
             </a:lvl1pPr>
@@ -4980,82 +4327,41 @@
           </a:p>
         </p:txBody>
       </p:sp>
-      <p:cxnSp>
-        <p:nvCxnSpPr>
-          <p:cNvPr id="10" name="Straight Connector 9"/>
-          <p:cNvCxnSpPr/>
-          <p:nvPr/>
-        </p:nvCxnSpPr>
-        <p:spPr>
-          <a:xfrm>
-            <a:off x="3222536" y="5561104"/>
-            <a:ext cx="26910792" cy="0"/>
-          </a:xfrm>
-          <a:prstGeom prst="line">
-            <a:avLst/>
-          </a:prstGeom>
-          <a:ln w="6350">
-            <a:solidFill>
-              <a:schemeClr val="tx1">
-                <a:lumMod val="50000"/>
-                <a:lumOff val="50000"/>
-              </a:schemeClr>
-            </a:solidFill>
-          </a:ln>
-        </p:spPr>
-        <p:style>
-          <a:lnRef idx="1">
-            <a:schemeClr val="accent1"/>
-          </a:lnRef>
-          <a:fillRef idx="0">
-            <a:schemeClr val="accent1"/>
-          </a:fillRef>
-          <a:effectRef idx="0">
-            <a:schemeClr val="accent1"/>
-          </a:effectRef>
-          <a:fontRef idx="minor">
-            <a:schemeClr val="tx1"/>
-          </a:fontRef>
-        </p:style>
-      </p:cxnSp>
     </p:spTree>
     <p:extLst>
       <p:ext uri="{BB962C8B-B14F-4D97-AF65-F5344CB8AC3E}">
-        <p14:creationId xmlns:p14="http://schemas.microsoft.com/office/powerpoint/2010/main" val="924163572"/>
+        <p14:creationId xmlns:p14="http://schemas.microsoft.com/office/powerpoint/2010/main" val="2277485526"/>
       </p:ext>
     </p:extLst>
   </p:cSld>
   <p:clrMap bg1="lt1" tx1="dk1" bg2="lt2" tx2="dk2" accent1="accent1" accent2="accent2" accent3="accent3" accent4="accent4" accent5="accent5" accent6="accent6" hlink="hlink" folHlink="folHlink"/>
   <p:sldLayoutIdLst>
-    <p:sldLayoutId id="2147483873" r:id="rId1"/>
-    <p:sldLayoutId id="2147483874" r:id="rId2"/>
-    <p:sldLayoutId id="2147483875" r:id="rId3"/>
-    <p:sldLayoutId id="2147483876" r:id="rId4"/>
-    <p:sldLayoutId id="2147483877" r:id="rId5"/>
-    <p:sldLayoutId id="2147483878" r:id="rId6"/>
-    <p:sldLayoutId id="2147483879" r:id="rId7"/>
-    <p:sldLayoutId id="2147483880" r:id="rId8"/>
-    <p:sldLayoutId id="2147483881" r:id="rId9"/>
-    <p:sldLayoutId id="2147483882" r:id="rId10"/>
-    <p:sldLayoutId id="2147483883" r:id="rId11"/>
-    <p:sldLayoutId id="2147483884" r:id="rId12"/>
+    <p:sldLayoutId id="2147483886" r:id="rId1"/>
+    <p:sldLayoutId id="2147483887" r:id="rId2"/>
+    <p:sldLayoutId id="2147483888" r:id="rId3"/>
+    <p:sldLayoutId id="2147483889" r:id="rId4"/>
+    <p:sldLayoutId id="2147483890" r:id="rId5"/>
+    <p:sldLayoutId id="2147483891" r:id="rId6"/>
+    <p:sldLayoutId id="2147483892" r:id="rId7"/>
+    <p:sldLayoutId id="2147483893" r:id="rId8"/>
+    <p:sldLayoutId id="2147483894" r:id="rId9"/>
+    <p:sldLayoutId id="2147483895" r:id="rId10"/>
+    <p:sldLayoutId id="2147483896" r:id="rId11"/>
+    <p:sldLayoutId id="2147483897" r:id="rId12"/>
   </p:sldLayoutIdLst>
   <p:txStyles>
     <p:titleStyle>
-      <a:lvl1pPr algn="l" defTabSz="2926080" rtl="0" eaLnBrk="1" latinLnBrk="0" hangingPunct="1">
+      <a:lvl1pPr algn="l" defTabSz="2468880" rtl="0" eaLnBrk="1" latinLnBrk="0" hangingPunct="1">
         <a:lnSpc>
-          <a:spcPct val="85000"/>
+          <a:spcPct val="90000"/>
         </a:lnSpc>
         <a:spcBef>
           <a:spcPct val="0"/>
         </a:spcBef>
         <a:buNone/>
-        <a:defRPr sz="15360" kern="1200" spc="-160" baseline="0">
+        <a:defRPr sz="11880" kern="1200">
           <a:solidFill>
-            <a:schemeClr val="tx1">
-              <a:lumMod val="75000"/>
-              <a:lumOff val="25000"/>
-            </a:schemeClr>
+            <a:schemeClr val="tx1"/>
           </a:solidFill>
           <a:latin typeface="+mj-lt"/>
           <a:ea typeface="+mj-ea"/>
@@ -5064,244 +4370,162 @@
       </a:lvl1pPr>
     </p:titleStyle>
     <p:bodyStyle>
-      <a:lvl1pPr marL="292608" indent="-292608" algn="l" defTabSz="2926080" rtl="0" eaLnBrk="1" latinLnBrk="0" hangingPunct="1">
+      <a:lvl1pPr marL="617220" indent="-617220" algn="l" defTabSz="2468880" rtl="0" eaLnBrk="1" latinLnBrk="0" hangingPunct="1">
         <a:lnSpc>
           <a:spcPct val="90000"/>
         </a:lnSpc>
         <a:spcBef>
-          <a:spcPts val="3840"/>
+          <a:spcPts val="2700"/>
         </a:spcBef>
-        <a:spcAft>
-          <a:spcPts val="640"/>
-        </a:spcAft>
-        <a:buClr>
-          <a:schemeClr val="accent1"/>
-        </a:buClr>
-        <a:buSzPct val="100000"/>
-        <a:buFont typeface="Calibri" panose="020F0502020204030204" pitchFamily="34" charset="0"/>
-        <a:buChar char=" "/>
-        <a:defRPr sz="6400" kern="1200">
+        <a:buFont typeface="Arial" panose="020B0604020202020204" pitchFamily="34" charset="0"/>
+        <a:buChar char="•"/>
+        <a:defRPr sz="7560" kern="1200">
           <a:solidFill>
-            <a:schemeClr val="tx1">
-              <a:lumMod val="75000"/>
-              <a:lumOff val="25000"/>
-            </a:schemeClr>
+            <a:schemeClr val="tx1"/>
           </a:solidFill>
           <a:latin typeface="+mn-lt"/>
           <a:ea typeface="+mn-ea"/>
           <a:cs typeface="+mn-cs"/>
         </a:defRPr>
       </a:lvl1pPr>
-      <a:lvl2pPr marL="1228954" indent="-585216" algn="l" defTabSz="2926080" rtl="0" eaLnBrk="1" latinLnBrk="0" hangingPunct="1">
+      <a:lvl2pPr marL="1851660" indent="-617220" algn="l" defTabSz="2468880" rtl="0" eaLnBrk="1" latinLnBrk="0" hangingPunct="1">
         <a:lnSpc>
           <a:spcPct val="90000"/>
         </a:lnSpc>
         <a:spcBef>
-          <a:spcPts val="640"/>
+          <a:spcPts val="1350"/>
         </a:spcBef>
-        <a:spcAft>
-          <a:spcPts val="1280"/>
-        </a:spcAft>
-        <a:buClr>
-          <a:schemeClr val="accent1"/>
-        </a:buClr>
-        <a:buFont typeface="Calibri" pitchFamily="34" charset="0"/>
-        <a:buChar char="◦"/>
-        <a:defRPr sz="5760" kern="1200">
+        <a:buFont typeface="Arial" panose="020B0604020202020204" pitchFamily="34" charset="0"/>
+        <a:buChar char="•"/>
+        <a:defRPr sz="6480" kern="1200">
           <a:solidFill>
-            <a:schemeClr val="tx1">
-              <a:lumMod val="75000"/>
-              <a:lumOff val="25000"/>
-            </a:schemeClr>
+            <a:schemeClr val="tx1"/>
           </a:solidFill>
           <a:latin typeface="+mn-lt"/>
           <a:ea typeface="+mn-ea"/>
           <a:cs typeface="+mn-cs"/>
         </a:defRPr>
       </a:lvl2pPr>
-      <a:lvl3pPr marL="1814170" indent="-585216" algn="l" defTabSz="2926080" rtl="0" eaLnBrk="1" latinLnBrk="0" hangingPunct="1">
+      <a:lvl3pPr marL="3086100" indent="-617220" algn="l" defTabSz="2468880" rtl="0" eaLnBrk="1" latinLnBrk="0" hangingPunct="1">
         <a:lnSpc>
           <a:spcPct val="90000"/>
         </a:lnSpc>
         <a:spcBef>
-          <a:spcPts val="640"/>
+          <a:spcPts val="1350"/>
         </a:spcBef>
-        <a:spcAft>
-          <a:spcPts val="1280"/>
-        </a:spcAft>
-        <a:buClr>
-          <a:schemeClr val="accent1"/>
-        </a:buClr>
-        <a:buFont typeface="Calibri" pitchFamily="34" charset="0"/>
-        <a:buChar char="◦"/>
-        <a:defRPr sz="4480" kern="1200">
+        <a:buFont typeface="Arial" panose="020B0604020202020204" pitchFamily="34" charset="0"/>
+        <a:buChar char="•"/>
+        <a:defRPr sz="5400" kern="1200">
           <a:solidFill>
-            <a:schemeClr val="tx1">
-              <a:lumMod val="75000"/>
-              <a:lumOff val="25000"/>
-            </a:schemeClr>
+            <a:schemeClr val="tx1"/>
           </a:solidFill>
           <a:latin typeface="+mn-lt"/>
           <a:ea typeface="+mn-ea"/>
           <a:cs typeface="+mn-cs"/>
         </a:defRPr>
       </a:lvl3pPr>
-      <a:lvl4pPr marL="2399386" indent="-585216" algn="l" defTabSz="2926080" rtl="0" eaLnBrk="1" latinLnBrk="0" hangingPunct="1">
+      <a:lvl4pPr marL="4320540" indent="-617220" algn="l" defTabSz="2468880" rtl="0" eaLnBrk="1" latinLnBrk="0" hangingPunct="1">
         <a:lnSpc>
           <a:spcPct val="90000"/>
         </a:lnSpc>
         <a:spcBef>
-          <a:spcPts val="640"/>
+          <a:spcPts val="1350"/>
         </a:spcBef>
-        <a:spcAft>
-          <a:spcPts val="1280"/>
-        </a:spcAft>
-        <a:buClr>
-          <a:schemeClr val="accent1"/>
-        </a:buClr>
-        <a:buFont typeface="Calibri" pitchFamily="34" charset="0"/>
-        <a:buChar char="◦"/>
-        <a:defRPr sz="4480" kern="1200">
+        <a:buFont typeface="Arial" panose="020B0604020202020204" pitchFamily="34" charset="0"/>
+        <a:buChar char="•"/>
+        <a:defRPr sz="4860" kern="1200">
           <a:solidFill>
-            <a:schemeClr val="tx1">
-              <a:lumMod val="75000"/>
-              <a:lumOff val="25000"/>
-            </a:schemeClr>
+            <a:schemeClr val="tx1"/>
           </a:solidFill>
           <a:latin typeface="+mn-lt"/>
           <a:ea typeface="+mn-ea"/>
           <a:cs typeface="+mn-cs"/>
         </a:defRPr>
       </a:lvl4pPr>
-      <a:lvl5pPr marL="2984602" indent="-585216" algn="l" defTabSz="2926080" rtl="0" eaLnBrk="1" latinLnBrk="0" hangingPunct="1">
+      <a:lvl5pPr marL="5554980" indent="-617220" algn="l" defTabSz="2468880" rtl="0" eaLnBrk="1" latinLnBrk="0" hangingPunct="1">
         <a:lnSpc>
           <a:spcPct val="90000"/>
         </a:lnSpc>
         <a:spcBef>
-          <a:spcPts val="640"/>
+          <a:spcPts val="1350"/>
         </a:spcBef>
-        <a:spcAft>
-          <a:spcPts val="1280"/>
-        </a:spcAft>
-        <a:buClr>
-          <a:schemeClr val="accent1"/>
-        </a:buClr>
-        <a:buFont typeface="Calibri" pitchFamily="34" charset="0"/>
-        <a:buChar char="◦"/>
-        <a:defRPr sz="4480" kern="1200">
+        <a:buFont typeface="Arial" panose="020B0604020202020204" pitchFamily="34" charset="0"/>
+        <a:buChar char="•"/>
+        <a:defRPr sz="4860" kern="1200">
           <a:solidFill>
-            <a:schemeClr val="tx1">
-              <a:lumMod val="75000"/>
-              <a:lumOff val="25000"/>
-            </a:schemeClr>
+            <a:schemeClr val="tx1"/>
           </a:solidFill>
           <a:latin typeface="+mn-lt"/>
           <a:ea typeface="+mn-ea"/>
           <a:cs typeface="+mn-cs"/>
         </a:defRPr>
       </a:lvl5pPr>
-      <a:lvl6pPr marL="3520000" indent="-731520" algn="l" defTabSz="2926080" rtl="0" eaLnBrk="1" latinLnBrk="0" hangingPunct="1">
+      <a:lvl6pPr marL="6789420" indent="-617220" algn="l" defTabSz="2468880" rtl="0" eaLnBrk="1" latinLnBrk="0" hangingPunct="1">
         <a:lnSpc>
           <a:spcPct val="90000"/>
         </a:lnSpc>
         <a:spcBef>
-          <a:spcPts val="640"/>
+          <a:spcPts val="1350"/>
         </a:spcBef>
-        <a:spcAft>
-          <a:spcPts val="1280"/>
-        </a:spcAft>
-        <a:buClr>
-          <a:schemeClr val="accent1"/>
-        </a:buClr>
-        <a:buFont typeface="Calibri" pitchFamily="34" charset="0"/>
-        <a:buChar char="◦"/>
-        <a:defRPr sz="4480" kern="1200">
+        <a:buFont typeface="Arial" panose="020B0604020202020204" pitchFamily="34" charset="0"/>
+        <a:buChar char="•"/>
+        <a:defRPr sz="4860" kern="1200">
           <a:solidFill>
-            <a:schemeClr val="tx1">
-              <a:lumMod val="75000"/>
-              <a:lumOff val="25000"/>
-            </a:schemeClr>
+            <a:schemeClr val="tx1"/>
           </a:solidFill>
           <a:latin typeface="+mn-lt"/>
           <a:ea typeface="+mn-ea"/>
           <a:cs typeface="+mn-cs"/>
         </a:defRPr>
       </a:lvl6pPr>
-      <a:lvl7pPr marL="4160000" indent="-731520" algn="l" defTabSz="2926080" rtl="0" eaLnBrk="1" latinLnBrk="0" hangingPunct="1">
+      <a:lvl7pPr marL="8023860" indent="-617220" algn="l" defTabSz="2468880" rtl="0" eaLnBrk="1" latinLnBrk="0" hangingPunct="1">
         <a:lnSpc>
           <a:spcPct val="90000"/>
         </a:lnSpc>
         <a:spcBef>
-          <a:spcPts val="640"/>
+          <a:spcPts val="1350"/>
         </a:spcBef>
-        <a:spcAft>
-          <a:spcPts val="1280"/>
-        </a:spcAft>
-        <a:buClr>
-          <a:schemeClr val="accent1"/>
-        </a:buClr>
-        <a:buFont typeface="Calibri" pitchFamily="34" charset="0"/>
-        <a:buChar char="◦"/>
-        <a:defRPr sz="4480" kern="1200">
+        <a:buFont typeface="Arial" panose="020B0604020202020204" pitchFamily="34" charset="0"/>
+        <a:buChar char="•"/>
+        <a:defRPr sz="4860" kern="1200">
           <a:solidFill>
-            <a:schemeClr val="tx1">
-              <a:lumMod val="75000"/>
-              <a:lumOff val="25000"/>
-            </a:schemeClr>
+            <a:schemeClr val="tx1"/>
           </a:solidFill>
           <a:latin typeface="+mn-lt"/>
           <a:ea typeface="+mn-ea"/>
           <a:cs typeface="+mn-cs"/>
         </a:defRPr>
       </a:lvl7pPr>
-      <a:lvl8pPr marL="4800000" indent="-731520" algn="l" defTabSz="2926080" rtl="0" eaLnBrk="1" latinLnBrk="0" hangingPunct="1">
+      <a:lvl8pPr marL="9258300" indent="-617220" algn="l" defTabSz="2468880" rtl="0" eaLnBrk="1" latinLnBrk="0" hangingPunct="1">
         <a:lnSpc>
           <a:spcPct val="90000"/>
         </a:lnSpc>
         <a:spcBef>
-          <a:spcPts val="640"/>
+          <a:spcPts val="1350"/>
         </a:spcBef>
-        <a:spcAft>
-          <a:spcPts val="1280"/>
-        </a:spcAft>
-        <a:buClr>
-          <a:schemeClr val="accent1"/>
-        </a:buClr>
-        <a:buFont typeface="Calibri" pitchFamily="34" charset="0"/>
-        <a:buChar char="◦"/>
-        <a:defRPr sz="4480" kern="1200">
+        <a:buFont typeface="Arial" panose="020B0604020202020204" pitchFamily="34" charset="0"/>
+        <a:buChar char="•"/>
+        <a:defRPr sz="4860" kern="1200">
           <a:solidFill>
-            <a:schemeClr val="tx1">
-              <a:lumMod val="75000"/>
-              <a:lumOff val="25000"/>
-            </a:schemeClr>
+            <a:schemeClr val="tx1"/>
           </a:solidFill>
           <a:latin typeface="+mn-lt"/>
           <a:ea typeface="+mn-ea"/>
           <a:cs typeface="+mn-cs"/>
         </a:defRPr>
       </a:lvl8pPr>
-      <a:lvl9pPr marL="5440000" indent="-731520" algn="l" defTabSz="2926080" rtl="0" eaLnBrk="1" latinLnBrk="0" hangingPunct="1">
+      <a:lvl9pPr marL="10492740" indent="-617220" algn="l" defTabSz="2468880" rtl="0" eaLnBrk="1" latinLnBrk="0" hangingPunct="1">
         <a:lnSpc>
           <a:spcPct val="90000"/>
         </a:lnSpc>
         <a:spcBef>
-          <a:spcPts val="640"/>
+          <a:spcPts val="1350"/>
         </a:spcBef>
-        <a:spcAft>
-          <a:spcPts val="1280"/>
-        </a:spcAft>
-        <a:buClr>
-          <a:schemeClr val="accent1"/>
-        </a:buClr>
-        <a:buFont typeface="Calibri" pitchFamily="34" charset="0"/>
-        <a:buChar char="◦"/>
-        <a:defRPr sz="4480" kern="1200">
+        <a:buFont typeface="Arial" panose="020B0604020202020204" pitchFamily="34" charset="0"/>
+        <a:buChar char="•"/>
+        <a:defRPr sz="4860" kern="1200">
           <a:solidFill>
-            <a:schemeClr val="tx1">
-              <a:lumMod val="75000"/>
-              <a:lumOff val="25000"/>
-            </a:schemeClr>
+            <a:schemeClr val="tx1"/>
           </a:solidFill>
           <a:latin typeface="+mn-lt"/>
           <a:ea typeface="+mn-ea"/>
@@ -5313,8 +4537,8 @@
       <a:defPPr>
         <a:defRPr lang="en-US"/>
       </a:defPPr>
-      <a:lvl1pPr marL="0" algn="l" defTabSz="2926080" rtl="0" eaLnBrk="1" latinLnBrk="0" hangingPunct="1">
-        <a:defRPr sz="5760" kern="1200">
+      <a:lvl1pPr marL="0" algn="l" defTabSz="2468880" rtl="0" eaLnBrk="1" latinLnBrk="0" hangingPunct="1">
+        <a:defRPr sz="4860" kern="1200">
           <a:solidFill>
             <a:schemeClr val="tx1"/>
           </a:solidFill>
@@ -5323,8 +4547,8 @@
           <a:cs typeface="+mn-cs"/>
         </a:defRPr>
       </a:lvl1pPr>
-      <a:lvl2pPr marL="1463040" algn="l" defTabSz="2926080" rtl="0" eaLnBrk="1" latinLnBrk="0" hangingPunct="1">
-        <a:defRPr sz="5760" kern="1200">
+      <a:lvl2pPr marL="1234440" algn="l" defTabSz="2468880" rtl="0" eaLnBrk="1" latinLnBrk="0" hangingPunct="1">
+        <a:defRPr sz="4860" kern="1200">
           <a:solidFill>
             <a:schemeClr val="tx1"/>
           </a:solidFill>
@@ -5333,8 +4557,8 @@
           <a:cs typeface="+mn-cs"/>
         </a:defRPr>
       </a:lvl2pPr>
-      <a:lvl3pPr marL="2926080" algn="l" defTabSz="2926080" rtl="0" eaLnBrk="1" latinLnBrk="0" hangingPunct="1">
-        <a:defRPr sz="5760" kern="1200">
+      <a:lvl3pPr marL="2468880" algn="l" defTabSz="2468880" rtl="0" eaLnBrk="1" latinLnBrk="0" hangingPunct="1">
+        <a:defRPr sz="4860" kern="1200">
           <a:solidFill>
             <a:schemeClr val="tx1"/>
           </a:solidFill>
@@ -5343,8 +4567,8 @@
           <a:cs typeface="+mn-cs"/>
         </a:defRPr>
       </a:lvl3pPr>
-      <a:lvl4pPr marL="4389120" algn="l" defTabSz="2926080" rtl="0" eaLnBrk="1" latinLnBrk="0" hangingPunct="1">
-        <a:defRPr sz="5760" kern="1200">
+      <a:lvl4pPr marL="3703320" algn="l" defTabSz="2468880" rtl="0" eaLnBrk="1" latinLnBrk="0" hangingPunct="1">
+        <a:defRPr sz="4860" kern="1200">
           <a:solidFill>
             <a:schemeClr val="tx1"/>
           </a:solidFill>
@@ -5353,8 +4577,8 @@
           <a:cs typeface="+mn-cs"/>
         </a:defRPr>
       </a:lvl4pPr>
-      <a:lvl5pPr marL="5852160" algn="l" defTabSz="2926080" rtl="0" eaLnBrk="1" latinLnBrk="0" hangingPunct="1">
-        <a:defRPr sz="5760" kern="1200">
+      <a:lvl5pPr marL="4937760" algn="l" defTabSz="2468880" rtl="0" eaLnBrk="1" latinLnBrk="0" hangingPunct="1">
+        <a:defRPr sz="4860" kern="1200">
           <a:solidFill>
             <a:schemeClr val="tx1"/>
           </a:solidFill>
@@ -5363,8 +4587,8 @@
           <a:cs typeface="+mn-cs"/>
         </a:defRPr>
       </a:lvl5pPr>
-      <a:lvl6pPr marL="7315200" algn="l" defTabSz="2926080" rtl="0" eaLnBrk="1" latinLnBrk="0" hangingPunct="1">
-        <a:defRPr sz="5760" kern="1200">
+      <a:lvl6pPr marL="6172200" algn="l" defTabSz="2468880" rtl="0" eaLnBrk="1" latinLnBrk="0" hangingPunct="1">
+        <a:defRPr sz="4860" kern="1200">
           <a:solidFill>
             <a:schemeClr val="tx1"/>
           </a:solidFill>
@@ -5373,8 +4597,8 @@
           <a:cs typeface="+mn-cs"/>
         </a:defRPr>
       </a:lvl6pPr>
-      <a:lvl7pPr marL="8778240" algn="l" defTabSz="2926080" rtl="0" eaLnBrk="1" latinLnBrk="0" hangingPunct="1">
-        <a:defRPr sz="5760" kern="1200">
+      <a:lvl7pPr marL="7406640" algn="l" defTabSz="2468880" rtl="0" eaLnBrk="1" latinLnBrk="0" hangingPunct="1">
+        <a:defRPr sz="4860" kern="1200">
           <a:solidFill>
             <a:schemeClr val="tx1"/>
           </a:solidFill>
@@ -5383,8 +4607,8 @@
           <a:cs typeface="+mn-cs"/>
         </a:defRPr>
       </a:lvl7pPr>
-      <a:lvl8pPr marL="10241280" algn="l" defTabSz="2926080" rtl="0" eaLnBrk="1" latinLnBrk="0" hangingPunct="1">
-        <a:defRPr sz="5760" kern="1200">
+      <a:lvl8pPr marL="8641080" algn="l" defTabSz="2468880" rtl="0" eaLnBrk="1" latinLnBrk="0" hangingPunct="1">
+        <a:defRPr sz="4860" kern="1200">
           <a:solidFill>
             <a:schemeClr val="tx1"/>
           </a:solidFill>
@@ -5393,8 +4617,8 @@
           <a:cs typeface="+mn-cs"/>
         </a:defRPr>
       </a:lvl8pPr>
-      <a:lvl9pPr marL="11704320" algn="l" defTabSz="2926080" rtl="0" eaLnBrk="1" latinLnBrk="0" hangingPunct="1">
-        <a:defRPr sz="5760" kern="1200">
+      <a:lvl9pPr marL="9875520" algn="l" defTabSz="2468880" rtl="0" eaLnBrk="1" latinLnBrk="0" hangingPunct="1">
+        <a:defRPr sz="4860" kern="1200">
           <a:solidFill>
             <a:schemeClr val="tx1"/>
           </a:solidFill>
@@ -5427,6 +4651,303 @@
       </p:grpSpPr>
       <p:sp>
         <p:nvSpPr>
+          <p:cNvPr id="12" name="Text Box 191"/>
+          <p:cNvSpPr txBox="1">
+            <a:spLocks noChangeArrowheads="1"/>
+          </p:cNvSpPr>
+          <p:nvPr/>
+        </p:nvSpPr>
+        <p:spPr bwMode="auto">
+          <a:xfrm>
+            <a:off x="21945600" y="3657602"/>
+            <a:ext cx="9875520" cy="8199988"/>
+          </a:xfrm>
+          <a:prstGeom prst="rect">
+            <a:avLst/>
+          </a:prstGeom>
+          <a:noFill/>
+          <a:ln w="12700">
+            <a:solidFill>
+              <a:schemeClr val="accent1">
+                <a:lumMod val="75000"/>
+              </a:schemeClr>
+            </a:solidFill>
+          </a:ln>
+          <a:effectLst/>
+        </p:spPr>
+        <p:txBody>
+          <a:bodyPr lIns="97942" tIns="97942" rIns="97942" bIns="97942">
+            <a:spAutoFit/>
+          </a:bodyPr>
+          <a:lstStyle>
+            <a:lvl1pPr eaLnBrk="0" hangingPunct="0">
+              <a:defRPr sz="2200">
+                <a:solidFill>
+                  <a:schemeClr val="tx1"/>
+                </a:solidFill>
+                <a:latin typeface="Arial" charset="0"/>
+              </a:defRPr>
+            </a:lvl1pPr>
+            <a:lvl2pPr marL="742950" indent="-285750" eaLnBrk="0" hangingPunct="0">
+              <a:defRPr sz="2200">
+                <a:solidFill>
+                  <a:schemeClr val="tx1"/>
+                </a:solidFill>
+                <a:latin typeface="Arial" charset="0"/>
+              </a:defRPr>
+            </a:lvl2pPr>
+            <a:lvl3pPr marL="1143000" indent="-228600" eaLnBrk="0" hangingPunct="0">
+              <a:defRPr sz="2200">
+                <a:solidFill>
+                  <a:schemeClr val="tx1"/>
+                </a:solidFill>
+                <a:latin typeface="Arial" charset="0"/>
+              </a:defRPr>
+            </a:lvl3pPr>
+            <a:lvl4pPr marL="1600200" indent="-228600" eaLnBrk="0" hangingPunct="0">
+              <a:defRPr sz="2200">
+                <a:solidFill>
+                  <a:schemeClr val="tx1"/>
+                </a:solidFill>
+                <a:latin typeface="Arial" charset="0"/>
+              </a:defRPr>
+            </a:lvl4pPr>
+            <a:lvl5pPr marL="2057400" indent="-228600" eaLnBrk="0" hangingPunct="0">
+              <a:defRPr sz="2200">
+                <a:solidFill>
+                  <a:schemeClr val="tx1"/>
+                </a:solidFill>
+                <a:latin typeface="Arial" charset="0"/>
+              </a:defRPr>
+            </a:lvl5pPr>
+            <a:lvl6pPr marL="2514600" indent="-228600" eaLnBrk="0" fontAlgn="base" hangingPunct="0">
+              <a:spcBef>
+                <a:spcPct val="0"/>
+              </a:spcBef>
+              <a:spcAft>
+                <a:spcPct val="0"/>
+              </a:spcAft>
+              <a:defRPr sz="2200">
+                <a:solidFill>
+                  <a:schemeClr val="tx1"/>
+                </a:solidFill>
+                <a:latin typeface="Arial" charset="0"/>
+              </a:defRPr>
+            </a:lvl6pPr>
+            <a:lvl7pPr marL="2971800" indent="-228600" eaLnBrk="0" fontAlgn="base" hangingPunct="0">
+              <a:spcBef>
+                <a:spcPct val="0"/>
+              </a:spcBef>
+              <a:spcAft>
+                <a:spcPct val="0"/>
+              </a:spcAft>
+              <a:defRPr sz="2200">
+                <a:solidFill>
+                  <a:schemeClr val="tx1"/>
+                </a:solidFill>
+                <a:latin typeface="Arial" charset="0"/>
+              </a:defRPr>
+            </a:lvl7pPr>
+            <a:lvl8pPr marL="3429000" indent="-228600" eaLnBrk="0" fontAlgn="base" hangingPunct="0">
+              <a:spcBef>
+                <a:spcPct val="0"/>
+              </a:spcBef>
+              <a:spcAft>
+                <a:spcPct val="0"/>
+              </a:spcAft>
+              <a:defRPr sz="2200">
+                <a:solidFill>
+                  <a:schemeClr val="tx1"/>
+                </a:solidFill>
+                <a:latin typeface="Arial" charset="0"/>
+              </a:defRPr>
+            </a:lvl8pPr>
+            <a:lvl9pPr marL="3886200" indent="-228600" eaLnBrk="0" fontAlgn="base" hangingPunct="0">
+              <a:spcBef>
+                <a:spcPct val="0"/>
+              </a:spcBef>
+              <a:spcAft>
+                <a:spcPct val="0"/>
+              </a:spcAft>
+              <a:defRPr sz="2200">
+                <a:solidFill>
+                  <a:schemeClr val="tx1"/>
+                </a:solidFill>
+                <a:latin typeface="Arial" charset="0"/>
+              </a:defRPr>
+            </a:lvl9pPr>
+          </a:lstStyle>
+          <a:p>
+            <a:pPr marL="342900" indent="-342900" eaLnBrk="1" hangingPunct="1">
+              <a:buFont typeface="Arial" panose="020B0604020202020204" pitchFamily="34" charset="0"/>
+              <a:buChar char="•"/>
+            </a:pPr>
+            <a:r>
+              <a:rPr lang="en-US" sz="2000" dirty="0">
+                <a:latin typeface="Arial" panose="020B0604020202020204" pitchFamily="34" charset="0"/>
+                <a:cs typeface="Arial" panose="020B0604020202020204" pitchFamily="34" charset="0"/>
+              </a:rPr>
+              <a:t>From this investigation, we conclude with 10 </a:t>
+            </a:r>
+            <a:r>
+              <a:rPr lang="en-US" sz="2000" dirty="0" err="1">
+                <a:latin typeface="Arial" panose="020B0604020202020204" pitchFamily="34" charset="0"/>
+                <a:cs typeface="Arial" panose="020B0604020202020204" pitchFamily="34" charset="0"/>
+              </a:rPr>
+              <a:t>ReLU</a:t>
+            </a:r>
+            <a:r>
+              <a:rPr lang="en-US" sz="2000" dirty="0">
+                <a:latin typeface="Arial" panose="020B0604020202020204" pitchFamily="34" charset="0"/>
+                <a:cs typeface="Arial" panose="020B0604020202020204" pitchFamily="34" charset="0"/>
+              </a:rPr>
+              <a:t> activated neurons per hidden layer, the 3 hidden layer model achieves the best accuracy vs. training speed trade-off. Hence, we retrained that model for 100 epochs, and produced the following validation results: </a:t>
+            </a:r>
+            <a:r>
+              <a:rPr lang="en-US" sz="2000" b="1" dirty="0">
+                <a:latin typeface="Arial" panose="020B0604020202020204" pitchFamily="34" charset="0"/>
+                <a:cs typeface="Arial" panose="020B0604020202020204" pitchFamily="34" charset="0"/>
+              </a:rPr>
+              <a:t>79.8% accuracy, 81.7% precision, 76.8% recall, and 95.1% specificity</a:t>
+            </a:r>
+            <a:r>
+              <a:rPr lang="en-US" sz="2000" b="1" dirty="0" smtClean="0">
+                <a:latin typeface="Arial" panose="020B0604020202020204" pitchFamily="34" charset="0"/>
+                <a:cs typeface="Arial" panose="020B0604020202020204" pitchFamily="34" charset="0"/>
+              </a:rPr>
+              <a:t>.</a:t>
+            </a:r>
+          </a:p>
+          <a:p>
+            <a:pPr eaLnBrk="1" hangingPunct="1"/>
+            <a:endParaRPr lang="en-US" sz="2000" dirty="0" smtClean="0">
+              <a:latin typeface="Calibri" pitchFamily="34" charset="0"/>
+            </a:endParaRPr>
+          </a:p>
+          <a:p>
+            <a:pPr eaLnBrk="1" hangingPunct="1"/>
+            <a:endParaRPr lang="en-US" sz="2000" dirty="0">
+              <a:latin typeface="Calibri" pitchFamily="34" charset="0"/>
+            </a:endParaRPr>
+          </a:p>
+          <a:p>
+            <a:pPr eaLnBrk="1" hangingPunct="1"/>
+            <a:endParaRPr lang="en-US" sz="2000" dirty="0" smtClean="0">
+              <a:latin typeface="Calibri" pitchFamily="34" charset="0"/>
+            </a:endParaRPr>
+          </a:p>
+          <a:p>
+            <a:pPr eaLnBrk="1" hangingPunct="1"/>
+            <a:endParaRPr lang="en-US" sz="2000" dirty="0">
+              <a:latin typeface="Calibri" pitchFamily="34" charset="0"/>
+            </a:endParaRPr>
+          </a:p>
+          <a:p>
+            <a:pPr eaLnBrk="1" hangingPunct="1"/>
+            <a:endParaRPr lang="en-US" sz="2000" dirty="0" smtClean="0">
+              <a:latin typeface="Calibri" pitchFamily="34" charset="0"/>
+            </a:endParaRPr>
+          </a:p>
+          <a:p>
+            <a:pPr eaLnBrk="1" hangingPunct="1"/>
+            <a:endParaRPr lang="en-US" sz="2000" dirty="0">
+              <a:latin typeface="Calibri" pitchFamily="34" charset="0"/>
+            </a:endParaRPr>
+          </a:p>
+          <a:p>
+            <a:pPr eaLnBrk="1" hangingPunct="1"/>
+            <a:endParaRPr lang="en-US" sz="2000" dirty="0" smtClean="0">
+              <a:latin typeface="Calibri" pitchFamily="34" charset="0"/>
+            </a:endParaRPr>
+          </a:p>
+          <a:p>
+            <a:pPr eaLnBrk="1" hangingPunct="1"/>
+            <a:endParaRPr lang="en-US" sz="2000" dirty="0">
+              <a:latin typeface="Calibri" pitchFamily="34" charset="0"/>
+            </a:endParaRPr>
+          </a:p>
+          <a:p>
+            <a:pPr eaLnBrk="1" hangingPunct="1"/>
+            <a:endParaRPr lang="en-US" sz="2000" dirty="0" smtClean="0">
+              <a:latin typeface="Calibri" pitchFamily="34" charset="0"/>
+            </a:endParaRPr>
+          </a:p>
+          <a:p>
+            <a:pPr eaLnBrk="1" hangingPunct="1"/>
+            <a:endParaRPr lang="en-US" sz="2000" dirty="0">
+              <a:latin typeface="Calibri" pitchFamily="34" charset="0"/>
+            </a:endParaRPr>
+          </a:p>
+          <a:p>
+            <a:pPr eaLnBrk="1" hangingPunct="1"/>
+            <a:endParaRPr lang="en-US" sz="2000" dirty="0" smtClean="0">
+              <a:latin typeface="Calibri" pitchFamily="34" charset="0"/>
+            </a:endParaRPr>
+          </a:p>
+          <a:p>
+            <a:pPr eaLnBrk="1" hangingPunct="1"/>
+            <a:endParaRPr lang="en-US" sz="2000" dirty="0">
+              <a:latin typeface="Calibri" pitchFamily="34" charset="0"/>
+            </a:endParaRPr>
+          </a:p>
+          <a:p>
+            <a:pPr eaLnBrk="1" hangingPunct="1"/>
+            <a:endParaRPr lang="en-US" sz="2000" dirty="0" smtClean="0">
+              <a:latin typeface="Calibri" pitchFamily="34" charset="0"/>
+            </a:endParaRPr>
+          </a:p>
+          <a:p>
+            <a:pPr eaLnBrk="1" hangingPunct="1"/>
+            <a:endParaRPr lang="en-US" sz="2000" dirty="0">
+              <a:latin typeface="Calibri" pitchFamily="34" charset="0"/>
+            </a:endParaRPr>
+          </a:p>
+          <a:p>
+            <a:pPr eaLnBrk="1" hangingPunct="1"/>
+            <a:endParaRPr lang="en-US" sz="2000" dirty="0" smtClean="0">
+              <a:latin typeface="Calibri" pitchFamily="34" charset="0"/>
+            </a:endParaRPr>
+          </a:p>
+          <a:p>
+            <a:pPr eaLnBrk="1" hangingPunct="1"/>
+            <a:endParaRPr lang="en-US" sz="2000" dirty="0">
+              <a:latin typeface="Calibri" pitchFamily="34" charset="0"/>
+            </a:endParaRPr>
+          </a:p>
+          <a:p>
+            <a:pPr eaLnBrk="1" hangingPunct="1"/>
+            <a:endParaRPr lang="en-US" sz="2000" dirty="0" smtClean="0">
+              <a:latin typeface="Calibri" pitchFamily="34" charset="0"/>
+            </a:endParaRPr>
+          </a:p>
+          <a:p>
+            <a:pPr eaLnBrk="1" hangingPunct="1"/>
+            <a:endParaRPr lang="en-US" sz="2000" dirty="0">
+              <a:latin typeface="Calibri" pitchFamily="34" charset="0"/>
+            </a:endParaRPr>
+          </a:p>
+          <a:p>
+            <a:pPr eaLnBrk="1" hangingPunct="1"/>
+            <a:endParaRPr lang="en-US" sz="2000" dirty="0" smtClean="0">
+              <a:latin typeface="Calibri" pitchFamily="34" charset="0"/>
+            </a:endParaRPr>
+          </a:p>
+          <a:p>
+            <a:pPr eaLnBrk="1" hangingPunct="1"/>
+            <a:endParaRPr lang="en-US" sz="2000" dirty="0">
+              <a:latin typeface="Calibri" pitchFamily="34" charset="0"/>
+            </a:endParaRPr>
+          </a:p>
+          <a:p>
+            <a:pPr eaLnBrk="1" hangingPunct="1"/>
+            <a:endParaRPr lang="en-US" sz="2000" dirty="0" smtClean="0">
+              <a:latin typeface="Calibri" pitchFamily="34" charset="0"/>
+            </a:endParaRPr>
+          </a:p>
+        </p:txBody>
+      </p:sp>
+      <p:sp>
+        <p:nvSpPr>
           <p:cNvPr id="4" name="Text Box 122"/>
           <p:cNvSpPr txBox="1">
             <a:spLocks noChangeArrowheads="1"/>
@@ -5892,7 +5413,7 @@
         <p:spPr>
           <a:xfrm>
             <a:off x="1280163" y="20025361"/>
-            <a:ext cx="8057455" cy="1896110"/>
+            <a:ext cx="8057455" cy="1588333"/>
           </a:xfrm>
           <a:prstGeom prst="rect">
             <a:avLst/>
@@ -5911,68 +5432,72 @@
           <a:lstStyle/>
           <a:p>
             <a:r>
+              <a:rPr lang="en-US" sz="2000" dirty="0" smtClean="0">
+                <a:latin typeface="Arial" panose="020B0604020202020204" pitchFamily="34" charset="0"/>
+                <a:cs typeface="Arial" panose="020B0604020202020204" pitchFamily="34" charset="0"/>
+              </a:rPr>
+              <a:t>We would like to thank Prof. Dan </a:t>
+            </a:r>
+            <a:r>
+              <a:rPr lang="en-US" sz="2000" dirty="0" err="1" smtClean="0">
+                <a:latin typeface="Arial" panose="020B0604020202020204" pitchFamily="34" charset="0"/>
+                <a:cs typeface="Arial" panose="020B0604020202020204" pitchFamily="34" charset="0"/>
+              </a:rPr>
+              <a:t>Boneh</a:t>
+            </a:r>
+            <a:r>
+              <a:rPr lang="en-US" sz="2000" dirty="0" smtClean="0">
+                <a:latin typeface="Arial" panose="020B0604020202020204" pitchFamily="34" charset="0"/>
+                <a:cs typeface="Arial" panose="020B0604020202020204" pitchFamily="34" charset="0"/>
+              </a:rPr>
+              <a:t> for motivation behind the research and valuable insight on approaches and application, and Prof. Andrew Ng for guidance in machine learning techniques. We would also like to thank Steve </a:t>
+            </a:r>
+            <a:r>
+              <a:rPr lang="en-US" sz="2000" dirty="0" err="1" smtClean="0">
+                <a:latin typeface="Arial" panose="020B0604020202020204" pitchFamily="34" charset="0"/>
+                <a:cs typeface="Arial" panose="020B0604020202020204" pitchFamily="34" charset="0"/>
+              </a:rPr>
+              <a:t>Mussmann</a:t>
+            </a:r>
+            <a:r>
+              <a:rPr lang="en-US" sz="2000" dirty="0" smtClean="0">
+                <a:latin typeface="Arial" panose="020B0604020202020204" pitchFamily="34" charset="0"/>
+                <a:cs typeface="Arial" panose="020B0604020202020204" pitchFamily="34" charset="0"/>
+              </a:rPr>
+              <a:t>, Christopher Sauer, and Alisha </a:t>
+            </a:r>
+            <a:r>
+              <a:rPr lang="en-US" sz="2000" dirty="0" err="1" smtClean="0">
+                <a:latin typeface="Arial" panose="020B0604020202020204" pitchFamily="34" charset="0"/>
+                <a:cs typeface="Arial" panose="020B0604020202020204" pitchFamily="34" charset="0"/>
+              </a:rPr>
+              <a:t>Rege</a:t>
+            </a:r>
+            <a:r>
               <a:rPr lang="en-US" sz="2000" dirty="0">
                 <a:latin typeface="Arial" panose="020B0604020202020204" pitchFamily="34" charset="0"/>
                 <a:cs typeface="Arial" panose="020B0604020202020204" pitchFamily="34" charset="0"/>
               </a:rPr>
-              <a:t>We would like to thank our mentor Steve </a:t>
-            </a:r>
-            <a:r>
-              <a:rPr lang="en-US" sz="2000" dirty="0" err="1">
-                <a:latin typeface="Arial" panose="020B0604020202020204" pitchFamily="34" charset="0"/>
-                <a:cs typeface="Arial" panose="020B0604020202020204" pitchFamily="34" charset="0"/>
-              </a:rPr>
-              <a:t>Mussmann</a:t>
-            </a:r>
-            <a:r>
-              <a:rPr lang="en-US" sz="2000" dirty="0">
-                <a:latin typeface="Arial" panose="020B0604020202020204" pitchFamily="34" charset="0"/>
-                <a:cs typeface="Arial" panose="020B0604020202020204" pitchFamily="34" charset="0"/>
-              </a:rPr>
-              <a:t> for extensive discussion and feedback. We would also like to thank Christopher Sauer, Alisha </a:t>
-            </a:r>
-            <a:r>
-              <a:rPr lang="en-US" sz="2000" dirty="0" err="1">
-                <a:latin typeface="Arial" panose="020B0604020202020204" pitchFamily="34" charset="0"/>
-                <a:cs typeface="Arial" panose="020B0604020202020204" pitchFamily="34" charset="0"/>
-              </a:rPr>
-              <a:t>Rege</a:t>
-            </a:r>
-            <a:r>
-              <a:rPr lang="en-US" sz="2000" dirty="0">
-                <a:latin typeface="Arial" panose="020B0604020202020204" pitchFamily="34" charset="0"/>
-                <a:cs typeface="Arial" panose="020B0604020202020204" pitchFamily="34" charset="0"/>
-              </a:rPr>
-              <a:t>, and Prof. Dan </a:t>
-            </a:r>
-            <a:r>
-              <a:rPr lang="en-US" sz="2000" dirty="0" err="1">
-                <a:latin typeface="Arial" panose="020B0604020202020204" pitchFamily="34" charset="0"/>
-                <a:cs typeface="Arial" panose="020B0604020202020204" pitchFamily="34" charset="0"/>
-              </a:rPr>
-              <a:t>Boneh</a:t>
-            </a:r>
-            <a:r>
-              <a:rPr lang="en-US" sz="2000" dirty="0">
-                <a:latin typeface="Arial" panose="020B0604020202020204" pitchFamily="34" charset="0"/>
-                <a:cs typeface="Arial" panose="020B0604020202020204" pitchFamily="34" charset="0"/>
-              </a:rPr>
-              <a:t> for advice on data and methods. Finally, we thank Prof. Percy Liang and Prof. Stefano </a:t>
-            </a:r>
-            <a:r>
-              <a:rPr lang="en-US" sz="2000" dirty="0" err="1">
-                <a:latin typeface="Arial" panose="020B0604020202020204" pitchFamily="34" charset="0"/>
-                <a:cs typeface="Arial" panose="020B0604020202020204" pitchFamily="34" charset="0"/>
-              </a:rPr>
-              <a:t>Ermon</a:t>
-            </a:r>
-            <a:r>
-              <a:rPr lang="en-US" sz="2000" dirty="0">
-                <a:latin typeface="Arial" panose="020B0604020202020204" pitchFamily="34" charset="0"/>
-                <a:cs typeface="Arial" panose="020B0604020202020204" pitchFamily="34" charset="0"/>
-              </a:rPr>
-              <a:t> for valuable insight on paradigms of artificial intelligence, especially adversarial systems and Bayesian networks. </a:t>
-            </a:r>
+              <a:t> </a:t>
+            </a:r>
+            <a:r>
+              <a:rPr lang="en-US" sz="2000" dirty="0" smtClean="0">
+                <a:latin typeface="Arial" panose="020B0604020202020204" pitchFamily="34" charset="0"/>
+                <a:cs typeface="Arial" panose="020B0604020202020204" pitchFamily="34" charset="0"/>
+              </a:rPr>
+              <a:t>for advice and feedback on </a:t>
+            </a:r>
+            <a:r>
+              <a:rPr lang="en-US" sz="2000" smtClean="0">
+                <a:latin typeface="Arial" panose="020B0604020202020204" pitchFamily="34" charset="0"/>
+                <a:cs typeface="Arial" panose="020B0604020202020204" pitchFamily="34" charset="0"/>
+              </a:rPr>
+              <a:t>our research.</a:t>
+            </a:r>
+            <a:endParaRPr lang="en-US" sz="2000" dirty="0">
+              <a:latin typeface="Arial" panose="020B0604020202020204" pitchFamily="34" charset="0"/>
+              <a:cs typeface="Arial" panose="020B0604020202020204" pitchFamily="34" charset="0"/>
+            </a:endParaRPr>
           </a:p>
         </p:txBody>
       </p:sp>
@@ -6285,10 +5810,7 @@
             <a:r>
               <a:rPr lang="en-US" sz="3200" b="1" dirty="0">
                 <a:solidFill>
-                  <a:schemeClr val="accent3">
-                    <a:lumMod val="20000"/>
-                    <a:lumOff val="80000"/>
-                  </a:schemeClr>
+                  <a:schemeClr val="bg1"/>
                 </a:solidFill>
                 <a:latin typeface="Arial" panose="020B0604020202020204" pitchFamily="34" charset="0"/>
                 <a:cs typeface="Arial" panose="020B0604020202020204" pitchFamily="34" charset="0"/>
@@ -6343,10 +5865,7 @@
             <a:r>
               <a:rPr lang="en-US" sz="3200" b="1" dirty="0">
                 <a:solidFill>
-                  <a:schemeClr val="accent3">
-                    <a:lumMod val="20000"/>
-                    <a:lumOff val="80000"/>
-                  </a:schemeClr>
+                  <a:schemeClr val="bg1"/>
                 </a:solidFill>
                 <a:latin typeface="Arial" panose="020B0604020202020204" pitchFamily="34" charset="0"/>
                 <a:cs typeface="Arial" panose="020B0604020202020204" pitchFamily="34" charset="0"/>
@@ -6619,16 +6138,35 @@
             </a:endParaRPr>
           </a:p>
           <a:p>
+            <a:endParaRPr lang="en-US" sz="2000" dirty="0" smtClean="0">
+              <a:latin typeface="Arial" panose="020B0604020202020204" pitchFamily="34" charset="0"/>
+              <a:cs typeface="Arial" panose="020B0604020202020204" pitchFamily="34" charset="0"/>
+            </a:endParaRPr>
+          </a:p>
+          <a:p>
+            <a:endParaRPr lang="en-US" sz="2000" dirty="0" smtClean="0">
+              <a:latin typeface="Arial" panose="020B0604020202020204" pitchFamily="34" charset="0"/>
+              <a:cs typeface="Arial" panose="020B0604020202020204" pitchFamily="34" charset="0"/>
+            </a:endParaRPr>
+          </a:p>
+          <a:p>
             <a:pPr marL="342900" indent="-342900" eaLnBrk="1" hangingPunct="1">
               <a:buFont typeface="Arial" panose="020B0604020202020204" pitchFamily="34" charset="0"/>
               <a:buChar char="•"/>
             </a:pPr>
             <a:r>
+              <a:rPr lang="en-US" sz="2000" b="1" dirty="0" smtClean="0">
+                <a:latin typeface="Arial" panose="020B0604020202020204" pitchFamily="34" charset="0"/>
+                <a:cs typeface="Arial" panose="020B0604020202020204" pitchFamily="34" charset="0"/>
+              </a:rPr>
+              <a:t>Fully </a:t>
+            </a:r>
+            <a:r>
               <a:rPr lang="en-US" sz="2000" b="1" dirty="0">
                 <a:latin typeface="Arial" panose="020B0604020202020204" pitchFamily="34" charset="0"/>
                 <a:cs typeface="Arial" panose="020B0604020202020204" pitchFamily="34" charset="0"/>
               </a:rPr>
-              <a:t>Fully Connected Deep Neural Nets with cross entropy loss and 50-50 </a:t>
+              <a:t>Connected Deep Neural Nets with cross entropy loss and 50-50 </a:t>
             </a:r>
             <a:r>
               <a:rPr lang="en-US" sz="2000" b="1" dirty="0" err="1">
@@ -6700,18 +6238,6 @@
           </a:p>
           <a:p>
             <a:endParaRPr lang="en-US" sz="2000" dirty="0">
-              <a:latin typeface="Arial" panose="020B0604020202020204" pitchFamily="34" charset="0"/>
-              <a:cs typeface="Arial" panose="020B0604020202020204" pitchFamily="34" charset="0"/>
-            </a:endParaRPr>
-          </a:p>
-          <a:p>
-            <a:endParaRPr lang="en-US" sz="2000" dirty="0">
-              <a:latin typeface="Arial" panose="020B0604020202020204" pitchFamily="34" charset="0"/>
-              <a:cs typeface="Arial" panose="020B0604020202020204" pitchFamily="34" charset="0"/>
-            </a:endParaRPr>
-          </a:p>
-          <a:p>
-            <a:endParaRPr lang="en-US" sz="2000" dirty="0" smtClean="0">
               <a:latin typeface="Arial" panose="020B0604020202020204" pitchFamily="34" charset="0"/>
               <a:cs typeface="Arial" panose="020B0604020202020204" pitchFamily="34" charset="0"/>
             </a:endParaRPr>
@@ -6817,22 +6343,16 @@
             <a:r>
               <a:rPr lang="en-US" sz="3200" b="1" dirty="0" smtClean="0">
                 <a:solidFill>
-                  <a:schemeClr val="accent3">
-                    <a:lumMod val="20000"/>
-                    <a:lumOff val="80000"/>
-                  </a:schemeClr>
-                </a:solidFill>
-                <a:latin typeface="Arial" panose="020B0604020202020204" pitchFamily="34" charset="0"/>
-                <a:cs typeface="Arial" panose="020B0604020202020204" pitchFamily="34" charset="0"/>
-              </a:rPr>
-              <a:t>Methods</a:t>
+                  <a:schemeClr val="bg1"/>
+                </a:solidFill>
+                <a:latin typeface="Arial" panose="020B0604020202020204" pitchFamily="34" charset="0"/>
+                <a:cs typeface="Arial" panose="020B0604020202020204" pitchFamily="34" charset="0"/>
+              </a:rPr>
+              <a:t>Models and Discussion</a:t>
             </a:r>
             <a:endParaRPr lang="en-US" sz="3200" b="1" dirty="0">
               <a:solidFill>
-                <a:schemeClr val="accent3">
-                  <a:lumMod val="20000"/>
-                  <a:lumOff val="80000"/>
-                </a:schemeClr>
+                <a:schemeClr val="bg1"/>
               </a:solidFill>
               <a:latin typeface="Arial" panose="020B0604020202020204" pitchFamily="34" charset="0"/>
               <a:cs typeface="Arial" panose="020B0604020202020204" pitchFamily="34" charset="0"/>
@@ -6885,10 +6405,7 @@
             <a:r>
               <a:rPr lang="en-US" sz="3200" b="1" dirty="0">
                 <a:solidFill>
-                  <a:schemeClr val="accent3">
-                    <a:lumMod val="20000"/>
-                    <a:lumOff val="80000"/>
-                  </a:schemeClr>
+                  <a:schemeClr val="bg1"/>
                 </a:solidFill>
                 <a:latin typeface="Arial" panose="020B0604020202020204" pitchFamily="34" charset="0"/>
                 <a:cs typeface="Arial" panose="020B0604020202020204" pitchFamily="34" charset="0"/>
@@ -6908,8 +6425,8 @@
         </p:nvSpPr>
         <p:spPr bwMode="auto">
           <a:xfrm>
-            <a:off x="21960840" y="13921206"/>
-            <a:ext cx="9875520" cy="4814445"/>
+            <a:off x="21960840" y="12649200"/>
+            <a:ext cx="9875520" cy="6045552"/>
           </a:xfrm>
           <a:prstGeom prst="rect">
             <a:avLst/>
@@ -7038,7 +6555,42 @@
                 <a:latin typeface="Arial" panose="020B0604020202020204" pitchFamily="34" charset="0"/>
                 <a:cs typeface="Arial" panose="020B0604020202020204" pitchFamily="34" charset="0"/>
               </a:rPr>
-              <a:t>We were able to build a classifier for user verification on mobile devices with 79.8% accuracy. This means that 79.8% of the time, our classifier was able to successfully differentiate between two user inputs.</a:t>
+              <a:t>We </a:t>
+            </a:r>
+            <a:r>
+              <a:rPr lang="en-US" sz="2000" dirty="0" smtClean="0">
+                <a:latin typeface="Arial" panose="020B0604020202020204" pitchFamily="34" charset="0"/>
+                <a:cs typeface="Arial" panose="020B0604020202020204" pitchFamily="34" charset="0"/>
+              </a:rPr>
+              <a:t>deve</a:t>
+            </a:r>
+            <a:r>
+              <a:rPr lang="en-US" sz="2000" dirty="0" smtClean="0">
+                <a:latin typeface="Arial" panose="020B0604020202020204" pitchFamily="34" charset="0"/>
+                <a:cs typeface="Arial" panose="020B0604020202020204" pitchFamily="34" charset="0"/>
+              </a:rPr>
+              <a:t>loped logistic regression and deep neural network classifiers for user verification through biometric typing pattern data on mobile devices, achieving</a:t>
+            </a:r>
+            <a:r>
+              <a:rPr lang="en-US" sz="2000" dirty="0" smtClean="0">
+                <a:latin typeface="Arial" panose="020B0604020202020204" pitchFamily="34" charset="0"/>
+                <a:cs typeface="Arial" panose="020B0604020202020204" pitchFamily="34" charset="0"/>
+              </a:rPr>
+              <a:t> </a:t>
+            </a:r>
+            <a:r>
+              <a:rPr lang="en-US" sz="2000" b="1" dirty="0" smtClean="0">
+                <a:latin typeface="Arial" panose="020B0604020202020204" pitchFamily="34" charset="0"/>
+                <a:cs typeface="Arial" panose="020B0604020202020204" pitchFamily="34" charset="0"/>
+              </a:rPr>
+              <a:t>79.8% accuracy</a:t>
+            </a:r>
+            <a:r>
+              <a:rPr lang="en-US" sz="2000" dirty="0" smtClean="0">
+                <a:latin typeface="Arial" panose="020B0604020202020204" pitchFamily="34" charset="0"/>
+                <a:cs typeface="Arial" panose="020B0604020202020204" pitchFamily="34" charset="0"/>
+              </a:rPr>
+              <a:t>. This means that 79.8% of the time, our classifier was able to successfully differentiate between two user inputs.</a:t>
             </a:r>
           </a:p>
           <a:p>
@@ -7051,37 +6603,148 @@
                 <a:latin typeface="Arial" panose="020B0604020202020204" pitchFamily="34" charset="0"/>
                 <a:cs typeface="Arial" panose="020B0604020202020204" pitchFamily="34" charset="0"/>
               </a:rPr>
-              <a:t>We described a classifier that allows for user differentiation training on mobile devices based on the </a:t>
+              <a:t>Applications of</a:t>
+            </a:r>
+            <a:r>
+              <a:rPr lang="en-US" sz="2000" dirty="0" smtClean="0">
+                <a:latin typeface="Arial" panose="020B0604020202020204" pitchFamily="34" charset="0"/>
+                <a:cs typeface="Arial" panose="020B0604020202020204" pitchFamily="34" charset="0"/>
+              </a:rPr>
+              <a:t> these discriminatory classifiers are in enhancing device security </a:t>
+            </a:r>
+            <a:r>
+              <a:rPr lang="en-US" sz="2000" dirty="0" smtClean="0">
+                <a:latin typeface="Arial" panose="020B0604020202020204" pitchFamily="34" charset="0"/>
+                <a:cs typeface="Arial" panose="020B0604020202020204" pitchFamily="34" charset="0"/>
+              </a:rPr>
+              <a:t>by adding another </a:t>
+            </a:r>
+            <a:r>
+              <a:rPr lang="en-US" sz="2000" b="1" dirty="0" smtClean="0">
+                <a:latin typeface="Arial" panose="020B0604020202020204" pitchFamily="34" charset="0"/>
+                <a:cs typeface="Arial" panose="020B0604020202020204" pitchFamily="34" charset="0"/>
+              </a:rPr>
+              <a:t>layer of verification</a:t>
+            </a:r>
+            <a:r>
+              <a:rPr lang="en-US" sz="2000" dirty="0" smtClean="0">
+                <a:latin typeface="Arial" panose="020B0604020202020204" pitchFamily="34" charset="0"/>
+                <a:cs typeface="Arial" panose="020B0604020202020204" pitchFamily="34" charset="0"/>
+              </a:rPr>
+              <a:t>. </a:t>
+            </a:r>
+            <a:r>
+              <a:rPr lang="en-US" sz="2000" dirty="0" smtClean="0">
+                <a:latin typeface="Arial" panose="020B0604020202020204" pitchFamily="34" charset="0"/>
+                <a:cs typeface="Arial" panose="020B0604020202020204" pitchFamily="34" charset="0"/>
+              </a:rPr>
+              <a:t>By writing this </a:t>
+            </a:r>
+            <a:r>
+              <a:rPr lang="en-US" sz="2000" dirty="0" smtClean="0">
+                <a:latin typeface="Arial" panose="020B0604020202020204" pitchFamily="34" charset="0"/>
+                <a:cs typeface="Arial" panose="020B0604020202020204" pitchFamily="34" charset="0"/>
+              </a:rPr>
+              <a:t>classifier onto </a:t>
+            </a:r>
+            <a:r>
+              <a:rPr lang="en-US" sz="2000" dirty="0" smtClean="0">
+                <a:latin typeface="Arial" panose="020B0604020202020204" pitchFamily="34" charset="0"/>
+                <a:cs typeface="Arial" panose="020B0604020202020204" pitchFamily="34" charset="0"/>
+              </a:rPr>
+              <a:t>mobile devices </a:t>
+            </a:r>
+            <a:r>
+              <a:rPr lang="en-US" sz="2000" dirty="0" smtClean="0">
+                <a:latin typeface="Arial" panose="020B0604020202020204" pitchFamily="34" charset="0"/>
+                <a:cs typeface="Arial" panose="020B0604020202020204" pitchFamily="34" charset="0"/>
+              </a:rPr>
+              <a:t>and training it on a user’s </a:t>
             </a:r>
             <a:r>
               <a:rPr lang="en-US" sz="2000" dirty="0" err="1" smtClean="0">
                 <a:latin typeface="Arial" panose="020B0604020202020204" pitchFamily="34" charset="0"/>
                 <a:cs typeface="Arial" panose="020B0604020202020204" pitchFamily="34" charset="0"/>
               </a:rPr>
-              <a:t>featurization</a:t>
+              <a:t>featurized</a:t>
             </a:r>
             <a:r>
               <a:rPr lang="en-US" sz="2000" dirty="0" smtClean="0">
                 <a:latin typeface="Arial" panose="020B0604020202020204" pitchFamily="34" charset="0"/>
                 <a:cs typeface="Arial" panose="020B0604020202020204" pitchFamily="34" charset="0"/>
               </a:rPr>
-              <a:t> of user typing patterns. In application, this classifier can further enhance device security by adding another layer of verification. By installing this classifier onto a mobile device and training it on a user’s </a:t>
+              <a:t> password input, we can ensure that even if a password’s content is typed in properly, it must be typed in with the learned cadence of the original user in order to be verified. This will effectively proof every mobile device from brute force password attacks by adding an unknown </a:t>
+            </a:r>
+            <a:r>
+              <a:rPr lang="en-US" sz="2000" dirty="0" smtClean="0">
+                <a:latin typeface="Arial" panose="020B0604020202020204" pitchFamily="34" charset="0"/>
+                <a:cs typeface="Arial" panose="020B0604020202020204" pitchFamily="34" charset="0"/>
+              </a:rPr>
+              <a:t>number of </a:t>
+            </a:r>
+            <a:r>
+              <a:rPr lang="en-US" sz="2000" dirty="0" smtClean="0">
+                <a:latin typeface="Arial" panose="020B0604020202020204" pitchFamily="34" charset="0"/>
+                <a:cs typeface="Arial" panose="020B0604020202020204" pitchFamily="34" charset="0"/>
+              </a:rPr>
+              <a:t>additional features the attacker must account for. Additionally, this has the ability to continually verify the authenticity of the user based on their typing patterns as they use the mobile device, hardening against device takeover by ensuring that only the primary user has access to the phone</a:t>
+            </a:r>
+            <a:r>
+              <a:rPr lang="en-US" sz="2000" dirty="0" smtClean="0">
+                <a:latin typeface="Arial" panose="020B0604020202020204" pitchFamily="34" charset="0"/>
+                <a:cs typeface="Arial" panose="020B0604020202020204" pitchFamily="34" charset="0"/>
+              </a:rPr>
+              <a:t>.</a:t>
+            </a:r>
+          </a:p>
+          <a:p>
+            <a:pPr marL="342900" indent="-342900" eaLnBrk="1" hangingPunct="1">
+              <a:buFont typeface="Arial" panose="020B0604020202020204" pitchFamily="34" charset="0"/>
+              <a:buChar char="•"/>
+            </a:pPr>
+            <a:r>
+              <a:rPr lang="en-US" sz="2000" b="1" dirty="0" smtClean="0">
+                <a:latin typeface="Arial" panose="020B0604020202020204" pitchFamily="34" charset="0"/>
+                <a:cs typeface="Arial" panose="020B0604020202020204" pitchFamily="34" charset="0"/>
+              </a:rPr>
+              <a:t>Future work: </a:t>
+            </a:r>
+            <a:r>
+              <a:rPr lang="en-US" sz="2000" dirty="0" smtClean="0">
+                <a:latin typeface="Arial" panose="020B0604020202020204" pitchFamily="34" charset="0"/>
+                <a:cs typeface="Arial" panose="020B0604020202020204" pitchFamily="34" charset="0"/>
+              </a:rPr>
+              <a:t>In this research, we resampled by </a:t>
             </a:r>
             <a:r>
               <a:rPr lang="en-US" sz="2000" dirty="0" err="1" smtClean="0">
                 <a:latin typeface="Arial" panose="020B0604020202020204" pitchFamily="34" charset="0"/>
                 <a:cs typeface="Arial" panose="020B0604020202020204" pitchFamily="34" charset="0"/>
               </a:rPr>
-              <a:t>featurized</a:t>
+              <a:t>downsampling</a:t>
             </a:r>
             <a:r>
               <a:rPr lang="en-US" sz="2000" dirty="0" smtClean="0">
                 <a:latin typeface="Arial" panose="020B0604020202020204" pitchFamily="34" charset="0"/>
                 <a:cs typeface="Arial" panose="020B0604020202020204" pitchFamily="34" charset="0"/>
               </a:rPr>
-              <a:t> password input, we can ensure that even if a password’s content is typed in properly, it must be typed in with the learned cadence of the original user in order to be verified. This will effectively proof every mobile device from brute force password attacks by adding an unknown amount of additional features the attacker must account for. Additionally, this has the ability to continually verify the authenticity of the user based on their typing patterns as they use the mobile device, hardening against device takeover by ensuring that only the primary user has access to the phone.</a:t>
-            </a:r>
-            <a:endParaRPr lang="en-US" sz="2000" dirty="0">
+              <a:t> the majority class. Our flexible resampling framework allows for different resampling techniques, which can be explored in the future. Additionally, we can perform data augmentation using adversarial examples or other </a:t>
+            </a:r>
+            <a:r>
+              <a:rPr lang="en-US" sz="2000" dirty="0" err="1" smtClean="0">
+                <a:latin typeface="Arial" panose="020B0604020202020204" pitchFamily="34" charset="0"/>
+                <a:cs typeface="Arial" panose="020B0604020202020204" pitchFamily="34" charset="0"/>
+              </a:rPr>
+              <a:t>upsampling</a:t>
+            </a:r>
+            <a:r>
+              <a:rPr lang="en-US" sz="2000" dirty="0" smtClean="0">
+                <a:latin typeface="Arial" panose="020B0604020202020204" pitchFamily="34" charset="0"/>
+                <a:cs typeface="Arial" panose="020B0604020202020204" pitchFamily="34" charset="0"/>
+              </a:rPr>
+              <a:t> techniques. This would help inform next-generation development of discriminatory classifiers. </a:t>
+            </a:r>
+            <a:endParaRPr lang="en-US" sz="2000" b="1" dirty="0">
               <a:latin typeface="Arial" panose="020B0604020202020204" pitchFamily="34" charset="0"/>
               <a:cs typeface="Arial" panose="020B0604020202020204" pitchFamily="34" charset="0"/>
             </a:endParaRPr>
@@ -7096,7 +6759,7 @@
         </p:nvSpPr>
         <p:spPr>
           <a:xfrm>
-            <a:off x="21960840" y="13464004"/>
+            <a:off x="21960840" y="12192000"/>
             <a:ext cx="9875520" cy="457200"/>
           </a:xfrm>
           <a:prstGeom prst="rect">
@@ -7131,18 +6794,22 @@
           <a:p>
             <a:pPr algn="ctr"/>
             <a:r>
-              <a:rPr lang="en-US" sz="3200" b="1" dirty="0">
-                <a:solidFill>
-                  <a:schemeClr val="accent3">
-                    <a:lumMod val="20000"/>
-                    <a:lumOff val="80000"/>
-                  </a:schemeClr>
-                </a:solidFill>
-                <a:latin typeface="Arial" panose="020B0604020202020204" pitchFamily="34" charset="0"/>
-                <a:cs typeface="Arial" panose="020B0604020202020204" pitchFamily="34" charset="0"/>
-              </a:rPr>
-              <a:t>Conclusions</a:t>
-            </a:r>
+              <a:rPr lang="en-US" sz="3200" b="1" dirty="0" smtClean="0">
+                <a:solidFill>
+                  <a:schemeClr val="bg1"/>
+                </a:solidFill>
+                <a:latin typeface="Arial" panose="020B0604020202020204" pitchFamily="34" charset="0"/>
+                <a:cs typeface="Arial" panose="020B0604020202020204" pitchFamily="34" charset="0"/>
+              </a:rPr>
+              <a:t>Conclusions and Future Work</a:t>
+            </a:r>
+            <a:endParaRPr lang="en-US" sz="3200" b="1" dirty="0">
+              <a:solidFill>
+                <a:schemeClr val="bg1"/>
+              </a:solidFill>
+              <a:latin typeface="Arial" panose="020B0604020202020204" pitchFamily="34" charset="0"/>
+              <a:cs typeface="Arial" panose="020B0604020202020204" pitchFamily="34" charset="0"/>
+            </a:endParaRPr>
           </a:p>
         </p:txBody>
       </p:sp>
@@ -7457,10 +7124,7 @@
             <a:r>
               <a:rPr lang="en-US" sz="3200" b="1" dirty="0">
                 <a:solidFill>
-                  <a:schemeClr val="accent3">
-                    <a:lumMod val="20000"/>
-                    <a:lumOff val="80000"/>
-                  </a:schemeClr>
+                  <a:schemeClr val="bg1"/>
                 </a:solidFill>
                 <a:latin typeface="Arial" panose="020B0604020202020204" pitchFamily="34" charset="0"/>
                 <a:cs typeface="Arial" panose="020B0604020202020204" pitchFamily="34" charset="0"/>
@@ -7470,22 +7134,26 @@
             <a:r>
               <a:rPr lang="en-US" sz="3200" b="1" dirty="0" smtClean="0">
                 <a:solidFill>
-                  <a:schemeClr val="accent3">
-                    <a:lumMod val="20000"/>
-                    <a:lumOff val="80000"/>
-                  </a:schemeClr>
-                </a:solidFill>
-                <a:latin typeface="Arial" panose="020B0604020202020204" pitchFamily="34" charset="0"/>
-                <a:cs typeface="Arial" panose="020B0604020202020204" pitchFamily="34" charset="0"/>
-              </a:rPr>
-              <a:t>and Classification Task</a:t>
+                  <a:schemeClr val="bg1"/>
+                </a:solidFill>
+                <a:latin typeface="Arial" panose="020B0604020202020204" pitchFamily="34" charset="0"/>
+                <a:cs typeface="Arial" panose="020B0604020202020204" pitchFamily="34" charset="0"/>
+              </a:rPr>
+              <a:t>and </a:t>
+            </a:r>
+            <a:r>
+              <a:rPr lang="en-US" sz="3200" b="1" dirty="0" smtClean="0">
+                <a:solidFill>
+                  <a:schemeClr val="bg1"/>
+                </a:solidFill>
+                <a:latin typeface="Arial" panose="020B0604020202020204" pitchFamily="34" charset="0"/>
+                <a:cs typeface="Arial" panose="020B0604020202020204" pitchFamily="34" charset="0"/>
+              </a:rPr>
+              <a:t>Features</a:t>
             </a:r>
             <a:endParaRPr lang="en-US" sz="3200" b="1" dirty="0">
               <a:solidFill>
-                <a:schemeClr val="accent3">
-                  <a:lumMod val="20000"/>
-                  <a:lumOff val="80000"/>
-                </a:schemeClr>
+                <a:schemeClr val="bg1"/>
               </a:solidFill>
               <a:latin typeface="Arial" panose="020B0604020202020204" pitchFamily="34" charset="0"/>
               <a:cs typeface="Arial" panose="020B0604020202020204" pitchFamily="34" charset="0"/>
@@ -8337,28 +8005,28 @@
                     <a:gridCol w="827251">
                       <a:extLst>
                         <a:ext uri="{9D8B030D-6E8A-4147-A177-3AD203B41FA5}">
-                          <a16:colId xmlns:a16="http://schemas.microsoft.com/office/drawing/2014/main" xmlns="" val="20000"/>
+                          <a16:colId xmlns="" xmlns:a16="http://schemas.microsoft.com/office/drawing/2014/main" val="20000"/>
                         </a:ext>
                       </a:extLst>
                     </a:gridCol>
                     <a:gridCol w="678823">
                       <a:extLst>
                         <a:ext uri="{9D8B030D-6E8A-4147-A177-3AD203B41FA5}">
-                          <a16:colId xmlns:a16="http://schemas.microsoft.com/office/drawing/2014/main" xmlns="" val="20001"/>
+                          <a16:colId xmlns="" xmlns:a16="http://schemas.microsoft.com/office/drawing/2014/main" val="20001"/>
                         </a:ext>
                       </a:extLst>
                     </a:gridCol>
                     <a:gridCol w="566635">
                       <a:extLst>
                         <a:ext uri="{9D8B030D-6E8A-4147-A177-3AD203B41FA5}">
-                          <a16:colId xmlns:a16="http://schemas.microsoft.com/office/drawing/2014/main" xmlns="" val="20002"/>
+                          <a16:colId xmlns="" xmlns:a16="http://schemas.microsoft.com/office/drawing/2014/main" val="20002"/>
                         </a:ext>
                       </a:extLst>
                     </a:gridCol>
                     <a:gridCol w="1381150">
                       <a:extLst>
                         <a:ext uri="{9D8B030D-6E8A-4147-A177-3AD203B41FA5}">
-                          <a16:colId xmlns:a16="http://schemas.microsoft.com/office/drawing/2014/main" xmlns="" val="20003"/>
+                          <a16:colId xmlns="" xmlns:a16="http://schemas.microsoft.com/office/drawing/2014/main" val="20003"/>
                         </a:ext>
                       </a:extLst>
                     </a:gridCol>
@@ -8462,7 +8130,7 @@
                     </a:tc>
                     <a:extLst>
                       <a:ext uri="{0D108BD9-81ED-4DB2-BD59-A6C34878D82A}">
-                        <a16:rowId xmlns:a16="http://schemas.microsoft.com/office/drawing/2014/main" xmlns="" val="10000"/>
+                        <a16:rowId xmlns="" xmlns:a16="http://schemas.microsoft.com/office/drawing/2014/main" val="10000"/>
                       </a:ext>
                     </a:extLst>
                   </a:tr>
@@ -8537,7 +8205,7 @@
                     </a:tc>
                     <a:extLst>
                       <a:ext uri="{0D108BD9-81ED-4DB2-BD59-A6C34878D82A}">
-                        <a16:rowId xmlns:a16="http://schemas.microsoft.com/office/drawing/2014/main" xmlns="" val="10001"/>
+                        <a16:rowId xmlns="" xmlns:a16="http://schemas.microsoft.com/office/drawing/2014/main" val="10001"/>
                       </a:ext>
                     </a:extLst>
                   </a:tr>
@@ -8612,7 +8280,7 @@
                     </a:tc>
                     <a:extLst>
                       <a:ext uri="{0D108BD9-81ED-4DB2-BD59-A6C34878D82A}">
-                        <a16:rowId xmlns:a16="http://schemas.microsoft.com/office/drawing/2014/main" xmlns="" val="10002"/>
+                        <a16:rowId xmlns="" xmlns:a16="http://schemas.microsoft.com/office/drawing/2014/main" val="10002"/>
                       </a:ext>
                     </a:extLst>
                   </a:tr>
@@ -8687,7 +8355,7 @@
                     </a:tc>
                     <a:extLst>
                       <a:ext uri="{0D108BD9-81ED-4DB2-BD59-A6C34878D82A}">
-                        <a16:rowId xmlns:a16="http://schemas.microsoft.com/office/drawing/2014/main" xmlns="" val="10003"/>
+                        <a16:rowId xmlns="" xmlns:a16="http://schemas.microsoft.com/office/drawing/2014/main" val="10003"/>
                       </a:ext>
                     </a:extLst>
                   </a:tr>
@@ -9518,399 +9186,13 @@
       </p:grpSp>
       <p:sp>
         <p:nvSpPr>
-          <p:cNvPr id="12" name="Text Box 191"/>
-          <p:cNvSpPr txBox="1">
-            <a:spLocks noChangeArrowheads="1"/>
-          </p:cNvSpPr>
-          <p:nvPr/>
-        </p:nvSpPr>
-        <p:spPr bwMode="auto">
-          <a:xfrm>
-            <a:off x="21945600" y="3657602"/>
-            <a:ext cx="9875520" cy="9431094"/>
-          </a:xfrm>
-          <a:prstGeom prst="rect">
-            <a:avLst/>
-          </a:prstGeom>
-          <a:noFill/>
-          <a:ln w="12700">
-            <a:solidFill>
-              <a:schemeClr val="accent1">
-                <a:lumMod val="75000"/>
-              </a:schemeClr>
-            </a:solidFill>
-          </a:ln>
-          <a:effectLst/>
-        </p:spPr>
-        <p:txBody>
-          <a:bodyPr lIns="97942" tIns="97942" rIns="97942" bIns="97942">
-            <a:spAutoFit/>
-          </a:bodyPr>
-          <a:lstStyle>
-            <a:lvl1pPr eaLnBrk="0" hangingPunct="0">
-              <a:defRPr sz="2200">
-                <a:solidFill>
-                  <a:schemeClr val="tx1"/>
-                </a:solidFill>
-                <a:latin typeface="Arial" charset="0"/>
-              </a:defRPr>
-            </a:lvl1pPr>
-            <a:lvl2pPr marL="742950" indent="-285750" eaLnBrk="0" hangingPunct="0">
-              <a:defRPr sz="2200">
-                <a:solidFill>
-                  <a:schemeClr val="tx1"/>
-                </a:solidFill>
-                <a:latin typeface="Arial" charset="0"/>
-              </a:defRPr>
-            </a:lvl2pPr>
-            <a:lvl3pPr marL="1143000" indent="-228600" eaLnBrk="0" hangingPunct="0">
-              <a:defRPr sz="2200">
-                <a:solidFill>
-                  <a:schemeClr val="tx1"/>
-                </a:solidFill>
-                <a:latin typeface="Arial" charset="0"/>
-              </a:defRPr>
-            </a:lvl3pPr>
-            <a:lvl4pPr marL="1600200" indent="-228600" eaLnBrk="0" hangingPunct="0">
-              <a:defRPr sz="2200">
-                <a:solidFill>
-                  <a:schemeClr val="tx1"/>
-                </a:solidFill>
-                <a:latin typeface="Arial" charset="0"/>
-              </a:defRPr>
-            </a:lvl4pPr>
-            <a:lvl5pPr marL="2057400" indent="-228600" eaLnBrk="0" hangingPunct="0">
-              <a:defRPr sz="2200">
-                <a:solidFill>
-                  <a:schemeClr val="tx1"/>
-                </a:solidFill>
-                <a:latin typeface="Arial" charset="0"/>
-              </a:defRPr>
-            </a:lvl5pPr>
-            <a:lvl6pPr marL="2514600" indent="-228600" eaLnBrk="0" fontAlgn="base" hangingPunct="0">
-              <a:spcBef>
-                <a:spcPct val="0"/>
-              </a:spcBef>
-              <a:spcAft>
-                <a:spcPct val="0"/>
-              </a:spcAft>
-              <a:defRPr sz="2200">
-                <a:solidFill>
-                  <a:schemeClr val="tx1"/>
-                </a:solidFill>
-                <a:latin typeface="Arial" charset="0"/>
-              </a:defRPr>
-            </a:lvl6pPr>
-            <a:lvl7pPr marL="2971800" indent="-228600" eaLnBrk="0" fontAlgn="base" hangingPunct="0">
-              <a:spcBef>
-                <a:spcPct val="0"/>
-              </a:spcBef>
-              <a:spcAft>
-                <a:spcPct val="0"/>
-              </a:spcAft>
-              <a:defRPr sz="2200">
-                <a:solidFill>
-                  <a:schemeClr val="tx1"/>
-                </a:solidFill>
-                <a:latin typeface="Arial" charset="0"/>
-              </a:defRPr>
-            </a:lvl7pPr>
-            <a:lvl8pPr marL="3429000" indent="-228600" eaLnBrk="0" fontAlgn="base" hangingPunct="0">
-              <a:spcBef>
-                <a:spcPct val="0"/>
-              </a:spcBef>
-              <a:spcAft>
-                <a:spcPct val="0"/>
-              </a:spcAft>
-              <a:defRPr sz="2200">
-                <a:solidFill>
-                  <a:schemeClr val="tx1"/>
-                </a:solidFill>
-                <a:latin typeface="Arial" charset="0"/>
-              </a:defRPr>
-            </a:lvl8pPr>
-            <a:lvl9pPr marL="3886200" indent="-228600" eaLnBrk="0" fontAlgn="base" hangingPunct="0">
-              <a:spcBef>
-                <a:spcPct val="0"/>
-              </a:spcBef>
-              <a:spcAft>
-                <a:spcPct val="0"/>
-              </a:spcAft>
-              <a:defRPr sz="2200">
-                <a:solidFill>
-                  <a:schemeClr val="tx1"/>
-                </a:solidFill>
-                <a:latin typeface="Arial" charset="0"/>
-              </a:defRPr>
-            </a:lvl9pPr>
-          </a:lstStyle>
-          <a:p>
-            <a:pPr marL="342900" indent="-342900" eaLnBrk="1" hangingPunct="1">
-              <a:buFont typeface="Arial" panose="020B0604020202020204" pitchFamily="34" charset="0"/>
-              <a:buChar char="•"/>
-            </a:pPr>
-            <a:r>
-              <a:rPr lang="en-US" sz="2000" dirty="0">
-                <a:latin typeface="Arial" panose="020B0604020202020204" pitchFamily="34" charset="0"/>
-                <a:cs typeface="Arial" panose="020B0604020202020204" pitchFamily="34" charset="0"/>
-              </a:rPr>
-              <a:t>From this investigation, we conclude with 10 </a:t>
-            </a:r>
-            <a:r>
-              <a:rPr lang="en-US" sz="2000" dirty="0" err="1">
-                <a:latin typeface="Arial" panose="020B0604020202020204" pitchFamily="34" charset="0"/>
-                <a:cs typeface="Arial" panose="020B0604020202020204" pitchFamily="34" charset="0"/>
-              </a:rPr>
-              <a:t>ReLU</a:t>
-            </a:r>
-            <a:r>
-              <a:rPr lang="en-US" sz="2000" dirty="0">
-                <a:latin typeface="Arial" panose="020B0604020202020204" pitchFamily="34" charset="0"/>
-                <a:cs typeface="Arial" panose="020B0604020202020204" pitchFamily="34" charset="0"/>
-              </a:rPr>
-              <a:t> activated neurons per hidden layer, the 3 hidden layer model achieves the best accuracy vs. training speed trade-off. Hence, we retrained that model for 100 epochs, and produced the following validation results: </a:t>
-            </a:r>
-            <a:r>
-              <a:rPr lang="en-US" sz="2000" b="1" dirty="0">
-                <a:latin typeface="Arial" panose="020B0604020202020204" pitchFamily="34" charset="0"/>
-                <a:cs typeface="Arial" panose="020B0604020202020204" pitchFamily="34" charset="0"/>
-              </a:rPr>
-              <a:t>79.8% accuracy, 81.7% precision, 76.8% recall, and 95.1% specificity.</a:t>
-            </a:r>
-          </a:p>
-          <a:p>
-            <a:pPr marL="342900" indent="-342900" eaLnBrk="1" hangingPunct="1">
-              <a:buFont typeface="Arial" panose="020B0604020202020204" pitchFamily="34" charset="0"/>
-              <a:buChar char="•"/>
-            </a:pPr>
-            <a:endParaRPr lang="en-US" sz="2000" dirty="0" smtClean="0">
-              <a:latin typeface="Calibri" pitchFamily="34" charset="0"/>
-            </a:endParaRPr>
-          </a:p>
-          <a:p>
-            <a:pPr marL="342900" indent="-342900" eaLnBrk="1" hangingPunct="1">
-              <a:buFont typeface="Arial" panose="020B0604020202020204" pitchFamily="34" charset="0"/>
-              <a:buChar char="•"/>
-            </a:pPr>
-            <a:endParaRPr lang="en-US" sz="2000" dirty="0">
-              <a:latin typeface="Calibri" pitchFamily="34" charset="0"/>
-            </a:endParaRPr>
-          </a:p>
-          <a:p>
-            <a:pPr marL="342900" indent="-342900" eaLnBrk="1" hangingPunct="1">
-              <a:buFont typeface="Arial" panose="020B0604020202020204" pitchFamily="34" charset="0"/>
-              <a:buChar char="•"/>
-            </a:pPr>
-            <a:endParaRPr lang="en-US" sz="2000" dirty="0" smtClean="0">
-              <a:latin typeface="Calibri" pitchFamily="34" charset="0"/>
-            </a:endParaRPr>
-          </a:p>
-          <a:p>
-            <a:pPr marL="342900" indent="-342900" eaLnBrk="1" hangingPunct="1">
-              <a:buFont typeface="Arial" panose="020B0604020202020204" pitchFamily="34" charset="0"/>
-              <a:buChar char="•"/>
-            </a:pPr>
-            <a:endParaRPr lang="en-US" sz="2000" dirty="0">
-              <a:latin typeface="Calibri" pitchFamily="34" charset="0"/>
-            </a:endParaRPr>
-          </a:p>
-          <a:p>
-            <a:pPr marL="342900" indent="-342900" eaLnBrk="1" hangingPunct="1">
-              <a:buFont typeface="Arial" panose="020B0604020202020204" pitchFamily="34" charset="0"/>
-              <a:buChar char="•"/>
-            </a:pPr>
-            <a:endParaRPr lang="en-US" sz="2000" dirty="0" smtClean="0">
-              <a:latin typeface="Calibri" pitchFamily="34" charset="0"/>
-            </a:endParaRPr>
-          </a:p>
-          <a:p>
-            <a:pPr marL="342900" indent="-342900" eaLnBrk="1" hangingPunct="1">
-              <a:buFont typeface="Arial" panose="020B0604020202020204" pitchFamily="34" charset="0"/>
-              <a:buChar char="•"/>
-            </a:pPr>
-            <a:endParaRPr lang="en-US" sz="2000" dirty="0">
-              <a:latin typeface="Calibri" pitchFamily="34" charset="0"/>
-            </a:endParaRPr>
-          </a:p>
-          <a:p>
-            <a:pPr marL="342900" indent="-342900" eaLnBrk="1" hangingPunct="1">
-              <a:buFont typeface="Arial" panose="020B0604020202020204" pitchFamily="34" charset="0"/>
-              <a:buChar char="•"/>
-            </a:pPr>
-            <a:endParaRPr lang="en-US" sz="2000" dirty="0" smtClean="0">
-              <a:latin typeface="Calibri" pitchFamily="34" charset="0"/>
-            </a:endParaRPr>
-          </a:p>
-          <a:p>
-            <a:pPr marL="342900" indent="-342900" eaLnBrk="1" hangingPunct="1">
-              <a:buFont typeface="Arial" panose="020B0604020202020204" pitchFamily="34" charset="0"/>
-              <a:buChar char="•"/>
-            </a:pPr>
-            <a:endParaRPr lang="en-US" sz="2000" dirty="0">
-              <a:latin typeface="Calibri" pitchFamily="34" charset="0"/>
-            </a:endParaRPr>
-          </a:p>
-          <a:p>
-            <a:pPr marL="342900" indent="-342900" eaLnBrk="1" hangingPunct="1">
-              <a:buFont typeface="Arial" panose="020B0604020202020204" pitchFamily="34" charset="0"/>
-              <a:buChar char="•"/>
-            </a:pPr>
-            <a:endParaRPr lang="en-US" sz="2000" dirty="0" smtClean="0">
-              <a:latin typeface="Calibri" pitchFamily="34" charset="0"/>
-            </a:endParaRPr>
-          </a:p>
-          <a:p>
-            <a:pPr marL="342900" indent="-342900" eaLnBrk="1" hangingPunct="1">
-              <a:buFont typeface="Arial" panose="020B0604020202020204" pitchFamily="34" charset="0"/>
-              <a:buChar char="•"/>
-            </a:pPr>
-            <a:endParaRPr lang="en-US" sz="2000" dirty="0">
-              <a:latin typeface="Calibri" pitchFamily="34" charset="0"/>
-            </a:endParaRPr>
-          </a:p>
-          <a:p>
-            <a:pPr marL="342900" indent="-342900" eaLnBrk="1" hangingPunct="1">
-              <a:buFont typeface="Arial" panose="020B0604020202020204" pitchFamily="34" charset="0"/>
-              <a:buChar char="•"/>
-            </a:pPr>
-            <a:endParaRPr lang="en-US" sz="2000" dirty="0" smtClean="0">
-              <a:latin typeface="Calibri" pitchFamily="34" charset="0"/>
-            </a:endParaRPr>
-          </a:p>
-          <a:p>
-            <a:pPr marL="342900" indent="-342900" eaLnBrk="1" hangingPunct="1">
-              <a:buFont typeface="Arial" panose="020B0604020202020204" pitchFamily="34" charset="0"/>
-              <a:buChar char="•"/>
-            </a:pPr>
-            <a:endParaRPr lang="en-US" sz="2000" dirty="0">
-              <a:latin typeface="Calibri" pitchFamily="34" charset="0"/>
-            </a:endParaRPr>
-          </a:p>
-          <a:p>
-            <a:pPr marL="342900" indent="-342900" eaLnBrk="1" hangingPunct="1">
-              <a:buFont typeface="Arial" panose="020B0604020202020204" pitchFamily="34" charset="0"/>
-              <a:buChar char="•"/>
-            </a:pPr>
-            <a:endParaRPr lang="en-US" sz="2000" dirty="0" smtClean="0">
-              <a:latin typeface="Calibri" pitchFamily="34" charset="0"/>
-            </a:endParaRPr>
-          </a:p>
-          <a:p>
-            <a:pPr marL="342900" indent="-342900" eaLnBrk="1" hangingPunct="1">
-              <a:buFont typeface="Arial" panose="020B0604020202020204" pitchFamily="34" charset="0"/>
-              <a:buChar char="•"/>
-            </a:pPr>
-            <a:endParaRPr lang="en-US" sz="2000" dirty="0">
-              <a:latin typeface="Calibri" pitchFamily="34" charset="0"/>
-            </a:endParaRPr>
-          </a:p>
-          <a:p>
-            <a:pPr marL="342900" indent="-342900" eaLnBrk="1" hangingPunct="1">
-              <a:buFont typeface="Arial" panose="020B0604020202020204" pitchFamily="34" charset="0"/>
-              <a:buChar char="•"/>
-            </a:pPr>
-            <a:endParaRPr lang="en-US" sz="2000" dirty="0" smtClean="0">
-              <a:latin typeface="Calibri" pitchFamily="34" charset="0"/>
-            </a:endParaRPr>
-          </a:p>
-          <a:p>
-            <a:pPr marL="342900" indent="-342900" eaLnBrk="1" hangingPunct="1">
-              <a:buFont typeface="Arial" panose="020B0604020202020204" pitchFamily="34" charset="0"/>
-              <a:buChar char="•"/>
-            </a:pPr>
-            <a:endParaRPr lang="en-US" sz="2000" dirty="0">
-              <a:latin typeface="Calibri" pitchFamily="34" charset="0"/>
-            </a:endParaRPr>
-          </a:p>
-          <a:p>
-            <a:pPr marL="342900" indent="-342900" eaLnBrk="1" hangingPunct="1">
-              <a:buFont typeface="Arial" panose="020B0604020202020204" pitchFamily="34" charset="0"/>
-              <a:buChar char="•"/>
-            </a:pPr>
-            <a:endParaRPr lang="en-US" sz="2000" dirty="0" smtClean="0">
-              <a:latin typeface="Calibri" pitchFamily="34" charset="0"/>
-            </a:endParaRPr>
-          </a:p>
-          <a:p>
-            <a:pPr marL="342900" indent="-342900" eaLnBrk="1" hangingPunct="1">
-              <a:buFont typeface="Arial" panose="020B0604020202020204" pitchFamily="34" charset="0"/>
-              <a:buChar char="•"/>
-            </a:pPr>
-            <a:endParaRPr lang="en-US" sz="2000" dirty="0">
-              <a:latin typeface="Calibri" pitchFamily="34" charset="0"/>
-            </a:endParaRPr>
-          </a:p>
-          <a:p>
-            <a:pPr marL="342900" indent="-342900" eaLnBrk="1" hangingPunct="1">
-              <a:buFont typeface="Arial" panose="020B0604020202020204" pitchFamily="34" charset="0"/>
-              <a:buChar char="•"/>
-            </a:pPr>
-            <a:endParaRPr lang="en-US" sz="2000" dirty="0" smtClean="0">
-              <a:latin typeface="Calibri" pitchFamily="34" charset="0"/>
-            </a:endParaRPr>
-          </a:p>
-          <a:p>
-            <a:pPr marL="342900" indent="-342900" eaLnBrk="1" hangingPunct="1">
-              <a:buFont typeface="Arial" panose="020B0604020202020204" pitchFamily="34" charset="0"/>
-              <a:buChar char="•"/>
-            </a:pPr>
-            <a:endParaRPr lang="en-US" sz="2000" dirty="0">
-              <a:latin typeface="Calibri" pitchFamily="34" charset="0"/>
-            </a:endParaRPr>
-          </a:p>
-          <a:p>
-            <a:pPr marL="342900" indent="-342900" eaLnBrk="1" hangingPunct="1">
-              <a:buFont typeface="Arial" panose="020B0604020202020204" pitchFamily="34" charset="0"/>
-              <a:buChar char="•"/>
-            </a:pPr>
-            <a:endParaRPr lang="en-US" sz="2000" dirty="0" smtClean="0">
-              <a:latin typeface="Calibri" pitchFamily="34" charset="0"/>
-            </a:endParaRPr>
-          </a:p>
-          <a:p>
-            <a:pPr marL="342900" indent="-342900" eaLnBrk="1" hangingPunct="1">
-              <a:buFont typeface="Arial" panose="020B0604020202020204" pitchFamily="34" charset="0"/>
-              <a:buChar char="•"/>
-            </a:pPr>
-            <a:endParaRPr lang="en-US" sz="2000" dirty="0">
-              <a:latin typeface="Calibri" pitchFamily="34" charset="0"/>
-            </a:endParaRPr>
-          </a:p>
-          <a:p>
-            <a:pPr marL="342900" indent="-342900" eaLnBrk="1" hangingPunct="1">
-              <a:buFont typeface="Arial" panose="020B0604020202020204" pitchFamily="34" charset="0"/>
-              <a:buChar char="•"/>
-            </a:pPr>
-            <a:endParaRPr lang="en-US" sz="2000" dirty="0" smtClean="0">
-              <a:latin typeface="Calibri" pitchFamily="34" charset="0"/>
-            </a:endParaRPr>
-          </a:p>
-          <a:p>
-            <a:pPr eaLnBrk="1" hangingPunct="1"/>
-            <a:endParaRPr lang="en-US" sz="2000" dirty="0">
-              <a:latin typeface="Calibri" pitchFamily="34" charset="0"/>
-            </a:endParaRPr>
-          </a:p>
-          <a:p>
-            <a:pPr marL="342900" indent="-342900" eaLnBrk="1" hangingPunct="1">
-              <a:buFont typeface="Arial" panose="020B0604020202020204" pitchFamily="34" charset="0"/>
-              <a:buChar char="•"/>
-            </a:pPr>
-            <a:endParaRPr lang="en-US" sz="2000" dirty="0" smtClean="0">
-              <a:latin typeface="Calibri" pitchFamily="34" charset="0"/>
-            </a:endParaRPr>
-          </a:p>
-        </p:txBody>
-      </p:sp>
-      <p:sp>
-        <p:nvSpPr>
           <p:cNvPr id="6" name="TextBox 5"/>
           <p:cNvSpPr txBox="1"/>
           <p:nvPr/>
         </p:nvSpPr>
         <p:spPr>
           <a:xfrm>
-            <a:off x="22317458" y="12587653"/>
+            <a:off x="22707600" y="11353799"/>
             <a:ext cx="8393323" cy="338554"/>
           </a:xfrm>
           <a:prstGeom prst="rect">
@@ -9957,14 +9239,14 @@
           <p:nvPr>
             <p:extLst>
               <p:ext uri="{D42A27DB-BD31-4B8C-83A1-F6EECF244321}">
-                <p14:modId xmlns:p14="http://schemas.microsoft.com/office/powerpoint/2010/main" val="1630329943"/>
+                <p14:modId xmlns:p14="http://schemas.microsoft.com/office/powerpoint/2010/main" val="1945116252"/>
               </p:ext>
             </p:extLst>
           </p:nvPr>
         </p:nvGraphicFramePr>
         <p:xfrm>
-          <a:off x="22317458" y="6935173"/>
-          <a:ext cx="9090798" cy="5568711"/>
+          <a:off x="22317458" y="5562600"/>
+          <a:ext cx="9229343" cy="5625940"/>
         </p:xfrm>
         <a:graphic>
           <a:graphicData uri="http://schemas.openxmlformats.org/drawingml/2006/table">
@@ -9973,14 +9255,14 @@
                 <a:tableStyleId>{69012ECD-51FC-41F1-AA8D-1B2483CD663E}</a:tableStyleId>
               </a:tblPr>
               <a:tblGrid>
-                <a:gridCol w="1456942"/>
-                <a:gridCol w="1371600"/>
-                <a:gridCol w="1371600"/>
-                <a:gridCol w="1447800"/>
-                <a:gridCol w="1447800"/>
-                <a:gridCol w="1995056"/>
+                <a:gridCol w="1479146"/>
+                <a:gridCol w="1392503"/>
+                <a:gridCol w="1392503"/>
+                <a:gridCol w="1469865"/>
+                <a:gridCol w="1469865"/>
+                <a:gridCol w="2025461"/>
               </a:tblGrid>
-              <a:tr h="637237">
+              <a:tr h="619922">
                 <a:tc>
                   <a:txBody>
                     <a:bodyPr/>
@@ -9991,9 +9273,21 @@
                           <a:spcPct val="150000"/>
                         </a:lnSpc>
                       </a:pPr>
-                      <a:endParaRPr lang="en-US" sz="2000" b="0" i="0" u="none" strike="noStrike" dirty="0">
+                      <a:r>
+                        <a:rPr lang="en-US" sz="2000" b="1" i="0" u="none" strike="noStrike" dirty="0" smtClean="0">
+                          <a:solidFill>
+                            <a:schemeClr val="bg1"/>
+                          </a:solidFill>
+                          <a:effectLst/>
+                          <a:latin typeface="Arial" charset="0"/>
+                          <a:ea typeface="Arial" charset="0"/>
+                          <a:cs typeface="Arial" charset="0"/>
+                        </a:rPr>
+                        <a:t>Model</a:t>
+                      </a:r>
+                      <a:endParaRPr lang="en-US" sz="2000" b="1" i="0" u="none" strike="noStrike" dirty="0">
                         <a:solidFill>
-                          <a:srgbClr val="000000"/>
+                          <a:schemeClr val="bg1"/>
                         </a:solidFill>
                         <a:effectLst/>
                         <a:latin typeface="Arial" charset="0"/>
@@ -10004,7 +9298,7 @@
                   </a:txBody>
                   <a:tcPr marL="12700" marR="12700" marT="12700" marB="0" anchor="ctr">
                     <a:solidFill>
-                      <a:schemeClr val="accent2"/>
+                      <a:srgbClr val="7C240B"/>
                     </a:solidFill>
                   </a:tcPr>
                 </a:tc>
@@ -10020,6 +9314,9 @@
                       </a:pPr>
                       <a:r>
                         <a:rPr lang="en-US" sz="2000" u="none" strike="noStrike" dirty="0">
+                          <a:solidFill>
+                            <a:schemeClr val="bg1"/>
+                          </a:solidFill>
                           <a:effectLst/>
                           <a:latin typeface="Arial" charset="0"/>
                           <a:ea typeface="Arial" charset="0"/>
@@ -10029,7 +9326,7 @@
                       </a:r>
                       <a:endParaRPr lang="en-US" sz="2000" b="0" i="0" u="none" strike="noStrike" dirty="0">
                         <a:solidFill>
-                          <a:srgbClr val="000000"/>
+                          <a:schemeClr val="bg1"/>
                         </a:solidFill>
                         <a:effectLst/>
                         <a:latin typeface="Arial" charset="0"/>
@@ -10040,7 +9337,7 @@
                   </a:txBody>
                   <a:tcPr marL="12700" marR="12700" marT="12700" marB="0" anchor="ctr">
                     <a:solidFill>
-                      <a:schemeClr val="accent2"/>
+                      <a:srgbClr val="7C240B"/>
                     </a:solidFill>
                   </a:tcPr>
                 </a:tc>
@@ -10056,6 +9353,9 @@
                       </a:pPr>
                       <a:r>
                         <a:rPr lang="en-US" sz="2000" u="none" strike="noStrike" dirty="0">
+                          <a:solidFill>
+                            <a:schemeClr val="bg1"/>
+                          </a:solidFill>
                           <a:effectLst/>
                           <a:latin typeface="Arial" charset="0"/>
                           <a:ea typeface="Arial" charset="0"/>
@@ -10065,7 +9365,7 @@
                       </a:r>
                       <a:endParaRPr lang="en-US" sz="2000" b="0" i="0" u="none" strike="noStrike" dirty="0">
                         <a:solidFill>
-                          <a:srgbClr val="000000"/>
+                          <a:schemeClr val="bg1"/>
                         </a:solidFill>
                         <a:effectLst/>
                         <a:latin typeface="Arial" charset="0"/>
@@ -10076,7 +9376,7 @@
                   </a:txBody>
                   <a:tcPr marL="12700" marR="12700" marT="12700" marB="0" anchor="ctr">
                     <a:solidFill>
-                      <a:schemeClr val="accent2"/>
+                      <a:srgbClr val="7C240B"/>
                     </a:solidFill>
                   </a:tcPr>
                 </a:tc>
@@ -10092,6 +9392,9 @@
                       </a:pPr>
                       <a:r>
                         <a:rPr lang="en-US" sz="2000" u="none" strike="noStrike" dirty="0">
+                          <a:solidFill>
+                            <a:schemeClr val="bg1"/>
+                          </a:solidFill>
                           <a:effectLst/>
                           <a:latin typeface="Arial" charset="0"/>
                           <a:ea typeface="Arial" charset="0"/>
@@ -10101,7 +9404,7 @@
                       </a:r>
                       <a:endParaRPr lang="en-US" sz="2000" b="0" i="0" u="none" strike="noStrike" dirty="0">
                         <a:solidFill>
-                          <a:srgbClr val="000000"/>
+                          <a:schemeClr val="bg1"/>
                         </a:solidFill>
                         <a:effectLst/>
                         <a:latin typeface="Arial" charset="0"/>
@@ -10112,7 +9415,7 @@
                   </a:txBody>
                   <a:tcPr marL="12700" marR="12700" marT="12700" marB="0" anchor="ctr">
                     <a:solidFill>
-                      <a:schemeClr val="accent2"/>
+                      <a:srgbClr val="7C240B"/>
                     </a:solidFill>
                   </a:tcPr>
                 </a:tc>
@@ -10128,6 +9431,9 @@
                       </a:pPr>
                       <a:r>
                         <a:rPr lang="en-US" sz="2000" u="none" strike="noStrike" dirty="0">
+                          <a:solidFill>
+                            <a:schemeClr val="bg1"/>
+                          </a:solidFill>
                           <a:effectLst/>
                           <a:latin typeface="Arial" charset="0"/>
                           <a:ea typeface="Arial" charset="0"/>
@@ -10137,7 +9443,7 @@
                       </a:r>
                       <a:endParaRPr lang="en-US" sz="2000" b="0" i="0" u="none" strike="noStrike" dirty="0">
                         <a:solidFill>
-                          <a:srgbClr val="000000"/>
+                          <a:schemeClr val="bg1"/>
                         </a:solidFill>
                         <a:effectLst/>
                         <a:latin typeface="Arial" charset="0"/>
@@ -10148,7 +9454,7 @@
                   </a:txBody>
                   <a:tcPr marL="12700" marR="12700" marT="12700" marB="0" anchor="ctr">
                     <a:solidFill>
-                      <a:schemeClr val="accent2"/>
+                      <a:srgbClr val="7C240B"/>
                     </a:solidFill>
                   </a:tcPr>
                 </a:tc>
@@ -10159,11 +9465,14 @@
                     <a:p>
                       <a:pPr algn="ctr" fontAlgn="b">
                         <a:lnSpc>
-                          <a:spcPct val="150000"/>
+                          <a:spcPct val="100000"/>
                         </a:lnSpc>
                       </a:pPr>
                       <a:r>
                         <a:rPr lang="en-US" sz="2000" u="none" strike="noStrike" dirty="0">
+                          <a:solidFill>
+                            <a:schemeClr val="bg1"/>
+                          </a:solidFill>
                           <a:effectLst/>
                           <a:latin typeface="Arial" charset="0"/>
                           <a:ea typeface="Arial" charset="0"/>
@@ -10173,7 +9482,7 @@
                       </a:r>
                       <a:endParaRPr lang="en-US" sz="2000" b="0" i="0" u="none" strike="noStrike" dirty="0">
                         <a:solidFill>
-                          <a:srgbClr val="000000"/>
+                          <a:schemeClr val="bg1"/>
                         </a:solidFill>
                         <a:effectLst/>
                         <a:latin typeface="Arial" charset="0"/>
@@ -10184,12 +9493,12 @@
                   </a:txBody>
                   <a:tcPr marL="12700" marR="12700" marT="12700" marB="0" anchor="ctr">
                     <a:solidFill>
-                      <a:schemeClr val="accent2"/>
+                      <a:srgbClr val="7C240B"/>
                     </a:solidFill>
                   </a:tcPr>
                 </a:tc>
               </a:tr>
-              <a:tr h="393897">
+              <a:tr h="416970">
                 <a:tc>
                   <a:txBody>
                     <a:bodyPr/>
@@ -10383,7 +9692,7 @@
                   <a:tcPr marL="12700" marR="12700" marT="12700" marB="0" anchor="ctr"/>
                 </a:tc>
               </a:tr>
-              <a:tr h="393897">
+              <a:tr h="416970">
                 <a:tc>
                   <a:txBody>
                     <a:bodyPr/>
@@ -10577,7 +9886,7 @@
                   <a:tcPr marL="12700" marR="12700" marT="12700" marB="0" anchor="ctr"/>
                 </a:tc>
               </a:tr>
-              <a:tr h="393897">
+              <a:tr h="416970">
                 <a:tc>
                   <a:txBody>
                     <a:bodyPr/>
@@ -10771,7 +10080,7 @@
                   <a:tcPr marL="12700" marR="12700" marT="12700" marB="0" anchor="ctr"/>
                 </a:tc>
               </a:tr>
-              <a:tr h="393897">
+              <a:tr h="416970">
                 <a:tc>
                   <a:txBody>
                     <a:bodyPr/>
@@ -10965,7 +10274,7 @@
                   <a:tcPr marL="12700" marR="12700" marT="12700" marB="0" anchor="ctr"/>
                 </a:tc>
               </a:tr>
-              <a:tr h="393897">
+              <a:tr h="416970">
                 <a:tc>
                   <a:txBody>
                     <a:bodyPr/>
@@ -11159,7 +10468,7 @@
                   <a:tcPr marL="12700" marR="12700" marT="12700" marB="0" anchor="ctr"/>
                 </a:tc>
               </a:tr>
-              <a:tr h="393897">
+              <a:tr h="416970">
                 <a:tc>
                   <a:txBody>
                     <a:bodyPr/>
@@ -11353,7 +10662,7 @@
                   <a:tcPr marL="12700" marR="12700" marT="12700" marB="0" anchor="ctr"/>
                 </a:tc>
               </a:tr>
-              <a:tr h="393897">
+              <a:tr h="416970">
                 <a:tc>
                   <a:txBody>
                     <a:bodyPr/>
@@ -11547,7 +10856,7 @@
                   <a:tcPr marL="12700" marR="12700" marT="12700" marB="0" anchor="ctr"/>
                 </a:tc>
               </a:tr>
-              <a:tr h="393897">
+              <a:tr h="416970">
                 <a:tc>
                   <a:txBody>
                     <a:bodyPr/>
@@ -11741,7 +11050,7 @@
                   <a:tcPr marL="12700" marR="12700" marT="12700" marB="0" anchor="ctr"/>
                 </a:tc>
               </a:tr>
-              <a:tr h="393897">
+              <a:tr h="416970">
                 <a:tc>
                   <a:txBody>
                     <a:bodyPr/>
@@ -11935,7 +11244,7 @@
                   <a:tcPr marL="12700" marR="12700" marT="12700" marB="0" anchor="ctr"/>
                 </a:tc>
               </a:tr>
-              <a:tr h="393897">
+              <a:tr h="416970">
                 <a:tc>
                   <a:txBody>
                     <a:bodyPr/>
@@ -12129,7 +11438,7 @@
                   <a:tcPr marL="12700" marR="12700" marT="12700" marB="0" anchor="ctr"/>
                 </a:tc>
               </a:tr>
-              <a:tr h="393897">
+              <a:tr h="416970">
                 <a:tc>
                   <a:txBody>
                     <a:bodyPr/>
@@ -12323,7 +11632,7 @@
                   <a:tcPr marL="12700" marR="12700" marT="12700" marB="0" anchor="ctr"/>
                 </a:tc>
               </a:tr>
-              <a:tr h="393897">
+              <a:tr h="416970">
                 <a:tc>
                   <a:txBody>
                     <a:bodyPr/>
@@ -12367,7 +11676,7 @@
                         </a:lnSpc>
                       </a:pPr>
                       <a:r>
-                        <a:rPr lang="nb-NO" sz="2000" u="none" strike="noStrike">
+                        <a:rPr lang="nb-NO" sz="2000" u="none" strike="noStrike" dirty="0">
                           <a:effectLst/>
                           <a:latin typeface="Arial" charset="0"/>
                           <a:ea typeface="Arial" charset="0"/>
@@ -12375,7 +11684,7 @@
                         </a:rPr>
                         <a:t>0.380</a:t>
                       </a:r>
-                      <a:endParaRPr lang="nb-NO" sz="2000" b="0" i="0" u="none" strike="noStrike">
+                      <a:endParaRPr lang="nb-NO" sz="2000" b="0" i="0" u="none" strike="noStrike" dirty="0">
                         <a:solidFill>
                           <a:srgbClr val="000000"/>
                         </a:solidFill>
@@ -12399,7 +11708,7 @@
                         </a:lnSpc>
                       </a:pPr>
                       <a:r>
-                        <a:rPr lang="mr-IN" sz="2000" u="none" strike="noStrike">
+                        <a:rPr lang="mr-IN" sz="2000" u="none" strike="noStrike" dirty="0">
                           <a:effectLst/>
                           <a:latin typeface="Arial" charset="0"/>
                           <a:ea typeface="Arial" charset="0"/>
@@ -12407,7 +11716,7 @@
                         </a:rPr>
                         <a:t>84.28%</a:t>
                       </a:r>
-                      <a:endParaRPr lang="mr-IN" sz="2000" b="0" i="0" u="none" strike="noStrike">
+                      <a:endParaRPr lang="mr-IN" sz="2000" b="0" i="0" u="none" strike="noStrike" dirty="0">
                         <a:solidFill>
                           <a:srgbClr val="000000"/>
                         </a:solidFill>
@@ -12431,7 +11740,7 @@
                         </a:lnSpc>
                       </a:pPr>
                       <a:r>
-                        <a:rPr lang="mr-IN" sz="2000" u="none" strike="noStrike">
+                        <a:rPr lang="mr-IN" sz="2000" u="none" strike="noStrike" dirty="0">
                           <a:effectLst/>
                           <a:latin typeface="Arial" charset="0"/>
                           <a:ea typeface="Arial" charset="0"/>
@@ -12439,7 +11748,7 @@
                         </a:rPr>
                         <a:t>89.76%</a:t>
                       </a:r>
-                      <a:endParaRPr lang="mr-IN" sz="2000" b="0" i="0" u="none" strike="noStrike">
+                      <a:endParaRPr lang="mr-IN" sz="2000" b="0" i="0" u="none" strike="noStrike" dirty="0">
                         <a:solidFill>
                           <a:srgbClr val="000000"/>
                         </a:solidFill>
@@ -12463,7 +11772,7 @@
                         </a:lnSpc>
                       </a:pPr>
                       <a:r>
-                        <a:rPr lang="mr-IN" sz="2000" u="none" strike="noStrike">
+                        <a:rPr lang="mr-IN" sz="2000" u="none" strike="noStrike" dirty="0">
                           <a:effectLst/>
                           <a:latin typeface="Arial" charset="0"/>
                           <a:ea typeface="Arial" charset="0"/>
@@ -12471,7 +11780,7 @@
                         </a:rPr>
                         <a:t>81.14%</a:t>
                       </a:r>
-                      <a:endParaRPr lang="mr-IN" sz="2000" b="0" i="0" u="none" strike="noStrike">
+                      <a:endParaRPr lang="mr-IN" sz="2000" b="0" i="0" u="none" strike="noStrike" dirty="0">
                         <a:solidFill>
                           <a:srgbClr val="000000"/>
                         </a:solidFill>
@@ -12521,6 +11830,36 @@
           </a:graphicData>
         </a:graphic>
       </p:graphicFrame>
+      <p:pic>
+        <p:nvPicPr>
+          <p:cNvPr id="8" name="Picture 7"/>
+          <p:cNvPicPr>
+            <a:picLocks noChangeAspect="1"/>
+          </p:cNvPicPr>
+          <p:nvPr/>
+        </p:nvPicPr>
+        <p:blipFill>
+          <a:blip r:embed="rId3">
+            <a:extLst>
+              <a:ext uri="{28A0092B-C50C-407E-A947-70E740481C1C}">
+                <a14:useLocalDpi xmlns:a14="http://schemas.microsoft.com/office/drawing/2010/main" val="0"/>
+              </a:ext>
+            </a:extLst>
+          </a:blip>
+          <a:stretch>
+            <a:fillRect/>
+          </a:stretch>
+        </p:blipFill>
+        <p:spPr>
+          <a:xfrm>
+            <a:off x="13372415" y="10354877"/>
+            <a:ext cx="6186077" cy="465523"/>
+          </a:xfrm>
+          <a:prstGeom prst="rect">
+            <a:avLst/>
+          </a:prstGeom>
+        </p:spPr>
+      </p:pic>
     </p:spTree>
     <p:extLst>
       <p:ext uri="{BB962C8B-B14F-4D97-AF65-F5344CB8AC3E}">
@@ -12535,9 +11874,9 @@
 </file>
 
 <file path=ppt/theme/theme1.xml><?xml version="1.0" encoding="utf-8"?>
-<a:theme xmlns:a="http://schemas.openxmlformats.org/drawingml/2006/main" name="Retrospect">
+<a:theme xmlns:a="http://schemas.openxmlformats.org/drawingml/2006/main" name="Office Theme">
   <a:themeElements>
-    <a:clrScheme name="Retrospect">
+    <a:clrScheme name="Red">
       <a:dk1>
         <a:sysClr val="windowText" lastClr="000000"/>
       </a:dk1>
@@ -12545,37 +11884,37 @@
         <a:sysClr val="window" lastClr="FFFFFF"/>
       </a:lt1>
       <a:dk2>
-        <a:srgbClr val="696464"/>
+        <a:srgbClr val="323232"/>
       </a:dk2>
       <a:lt2>
-        <a:srgbClr val="E9E5DC"/>
+        <a:srgbClr val="E5C243"/>
       </a:lt2>
       <a:accent1>
-        <a:srgbClr val="D34817"/>
+        <a:srgbClr val="A5300F"/>
       </a:accent1>
       <a:accent2>
-        <a:srgbClr val="9B2D1F"/>
+        <a:srgbClr val="D55816"/>
       </a:accent2>
       <a:accent3>
-        <a:srgbClr val="A28E6A"/>
+        <a:srgbClr val="E19825"/>
       </a:accent3>
       <a:accent4>
-        <a:srgbClr val="956251"/>
+        <a:srgbClr val="B19C7D"/>
       </a:accent4>
       <a:accent5>
-        <a:srgbClr val="918485"/>
+        <a:srgbClr val="7F5F52"/>
       </a:accent5>
       <a:accent6>
-        <a:srgbClr val="855D5D"/>
+        <a:srgbClr val="B27D49"/>
       </a:accent6>
       <a:hlink>
-        <a:srgbClr val="CC9900"/>
+        <a:srgbClr val="6B9F25"/>
       </a:hlink>
       <a:folHlink>
-        <a:srgbClr val="96A9A9"/>
+        <a:srgbClr val="B26B02"/>
       </a:folHlink>
     </a:clrScheme>
-    <a:fontScheme name="Retrospect">
+    <a:fontScheme name="Office">
       <a:majorFont>
         <a:latin typeface="Calibri Light" panose="020F0302020204030204"/>
         <a:ea typeface=""/>
@@ -12647,7 +11986,7 @@
         <a:font script="Geor" typeface="Sylfaen"/>
       </a:minorFont>
     </a:fontScheme>
-    <a:fmtScheme name="Retrospect">
+    <a:fmtScheme name="Office">
       <a:fillStyleLst>
         <a:solidFill>
           <a:schemeClr val="phClr"/>
@@ -12656,81 +11995,76 @@
           <a:gsLst>
             <a:gs pos="0">
               <a:schemeClr val="phClr">
-                <a:tint val="65000"/>
-                <a:shade val="92000"/>
-                <a:satMod val="130000"/>
+                <a:lumMod val="110000"/>
+                <a:satMod val="105000"/>
+                <a:tint val="67000"/>
               </a:schemeClr>
             </a:gs>
-            <a:gs pos="45000">
+            <a:gs pos="50000">
               <a:schemeClr val="phClr">
-                <a:tint val="60000"/>
-                <a:shade val="99000"/>
-                <a:satMod val="120000"/>
+                <a:lumMod val="105000"/>
+                <a:satMod val="103000"/>
+                <a:tint val="73000"/>
               </a:schemeClr>
             </a:gs>
             <a:gs pos="100000">
               <a:schemeClr val="phClr">
-                <a:tint val="55000"/>
-                <a:satMod val="140000"/>
+                <a:lumMod val="105000"/>
+                <a:satMod val="109000"/>
+                <a:tint val="81000"/>
               </a:schemeClr>
             </a:gs>
           </a:gsLst>
-          <a:path path="circle">
-            <a:fillToRect l="100000" t="100000" r="100000" b="100000"/>
-          </a:path>
+          <a:lin ang="5400000" scaled="0"/>
         </a:gradFill>
         <a:gradFill rotWithShape="1">
           <a:gsLst>
             <a:gs pos="0">
               <a:schemeClr val="phClr">
-                <a:shade val="85000"/>
-                <a:satMod val="130000"/>
+                <a:satMod val="103000"/>
+                <a:lumMod val="102000"/>
+                <a:tint val="94000"/>
               </a:schemeClr>
             </a:gs>
-            <a:gs pos="34000">
+            <a:gs pos="50000">
               <a:schemeClr val="phClr">
-                <a:shade val="87000"/>
-                <a:satMod val="125000"/>
-              </a:schemeClr>
-            </a:gs>
-            <a:gs pos="70000">
-              <a:schemeClr val="phClr">
-                <a:tint val="100000"/>
-                <a:shade val="90000"/>
-                <a:satMod val="130000"/>
+                <a:satMod val="110000"/>
+                <a:lumMod val="100000"/>
+                <a:shade val="100000"/>
               </a:schemeClr>
             </a:gs>
             <a:gs pos="100000">
               <a:schemeClr val="phClr">
-                <a:tint val="100000"/>
-                <a:shade val="100000"/>
-                <a:satMod val="110000"/>
+                <a:lumMod val="99000"/>
+                <a:satMod val="120000"/>
+                <a:shade val="78000"/>
               </a:schemeClr>
             </a:gs>
           </a:gsLst>
-          <a:path path="circle">
-            <a:fillToRect l="100000" t="100000" r="100000" b="100000"/>
-          </a:path>
+          <a:lin ang="5400000" scaled="0"/>
         </a:gradFill>
       </a:fillStyleLst>
       <a:lnStyleLst>
+        <a:ln w="6350" cap="flat" cmpd="sng" algn="ctr">
+          <a:solidFill>
+            <a:schemeClr val="phClr"/>
+          </a:solidFill>
+          <a:prstDash val="solid"/>
+          <a:miter lim="800000"/>
+        </a:ln>
         <a:ln w="12700" cap="flat" cmpd="sng" algn="ctr">
           <a:solidFill>
             <a:schemeClr val="phClr"/>
           </a:solidFill>
           <a:prstDash val="solid"/>
+          <a:miter lim="800000"/>
         </a:ln>
-        <a:ln w="15875" cap="flat" cmpd="sng" algn="ctr">
+        <a:ln w="19050" cap="flat" cmpd="sng" algn="ctr">
           <a:solidFill>
             <a:schemeClr val="phClr"/>
           </a:solidFill>
           <a:prstDash val="solid"/>
-        </a:ln>
-        <a:ln w="25400" cap="flat" cmpd="sng" algn="ctr">
-          <a:solidFill>
-            <a:schemeClr val="phClr"/>
-          </a:solidFill>
-          <a:prstDash val="solid"/>
+          <a:miter lim="800000"/>
         </a:ln>
       </a:lnStyleLst>
       <a:effectStyleLst>
@@ -12738,33 +12072,16 @@
           <a:effectLst/>
         </a:effectStyle>
         <a:effectStyle>
+          <a:effectLst/>
+        </a:effectStyle>
+        <a:effectStyle>
           <a:effectLst>
-            <a:outerShdw blurRad="38100" dist="25400" dir="2700000" algn="br" rotWithShape="0">
+            <a:outerShdw blurRad="57150" dist="19050" dir="5400000" algn="ctr" rotWithShape="0">
               <a:srgbClr val="000000">
-                <a:alpha val="60000"/>
+                <a:alpha val="63000"/>
               </a:srgbClr>
             </a:outerShdw>
           </a:effectLst>
-        </a:effectStyle>
-        <a:effectStyle>
-          <a:effectLst>
-            <a:outerShdw blurRad="44450" dist="25400" dir="2700000" algn="br" rotWithShape="0">
-              <a:srgbClr val="000000">
-                <a:alpha val="60000"/>
-              </a:srgbClr>
-            </a:outerShdw>
-          </a:effectLst>
-          <a:scene3d>
-            <a:camera prst="orthographicFront">
-              <a:rot lat="0" lon="0" rev="0"/>
-            </a:camera>
-            <a:lightRig rig="threePt" dir="t">
-              <a:rot lat="0" lon="0" rev="19800000"/>
-            </a:lightRig>
-          </a:scene3d>
-          <a:sp3d prstMaterial="flat">
-            <a:bevelT w="25400" h="31750"/>
-          </a:sp3d>
         </a:effectStyle>
       </a:effectStyleLst>
       <a:bgFillStyleLst>
@@ -12773,36 +12090,36 @@
         </a:solidFill>
         <a:solidFill>
           <a:schemeClr val="phClr">
-            <a:tint val="90000"/>
-            <a:shade val="97000"/>
-            <a:satMod val="130000"/>
+            <a:tint val="95000"/>
+            <a:satMod val="170000"/>
           </a:schemeClr>
         </a:solidFill>
         <a:gradFill rotWithShape="1">
           <a:gsLst>
             <a:gs pos="0">
               <a:schemeClr val="phClr">
-                <a:tint val="96000"/>
-                <a:shade val="99000"/>
-                <a:satMod val="140000"/>
+                <a:tint val="93000"/>
+                <a:satMod val="150000"/>
+                <a:shade val="98000"/>
+                <a:lumMod val="102000"/>
               </a:schemeClr>
             </a:gs>
-            <a:gs pos="65000">
+            <a:gs pos="50000">
               <a:schemeClr val="phClr">
-                <a:tint val="100000"/>
-                <a:shade val="80000"/>
+                <a:tint val="98000"/>
                 <a:satMod val="130000"/>
+                <a:shade val="90000"/>
+                <a:lumMod val="103000"/>
               </a:schemeClr>
             </a:gs>
             <a:gs pos="100000">
               <a:schemeClr val="phClr">
-                <a:tint val="100000"/>
-                <a:shade val="48000"/>
+                <a:shade val="63000"/>
                 <a:satMod val="120000"/>
               </a:schemeClr>
             </a:gs>
           </a:gsLst>
-          <a:lin ang="16200000" scaled="0"/>
+          <a:lin ang="5400000" scaled="0"/>
         </a:gradFill>
       </a:bgFillStyleLst>
     </a:fmtScheme>
@@ -12811,7 +12128,7 @@
   <a:extraClrSchemeLst/>
   <a:extLst>
     <a:ext uri="{05A4C25C-085E-4340-85A3-A5531E510DB2}">
-      <thm15:themeFamily xmlns:thm15="http://schemas.microsoft.com/office/thememl/2012/main" name="Retrospect" id="{5F128B03-DCCA-4EEB-AB3B-CF2899314A46}" vid="{02006FA4-1611-4B07-AF7F-85CF6D20EB3E}"/>
+      <thm15:themeFamily xmlns:thm15="http://schemas.microsoft.com/office/thememl/2012/main" name="Office Theme" id="{62F939B6-93AF-4DB8-9C6B-D6C7DFDC589F}" vid="{4A3C46E8-61CC-4603-A589-7422A47A8E4A}"/>
     </a:ext>
   </a:extLst>
 </a:theme>

--- a/229poster.pptx
+++ b/229poster.pptx
@@ -140,6 +140,10 @@
 </p:presentation>
 </file>
 
+<file path=ppt/revisionInfo.xml><?xml version="1.0" encoding="utf-8"?>
+<p1510:revInfo xmlns:a="http://schemas.openxmlformats.org/drawingml/2006/main" xmlns:r="http://schemas.openxmlformats.org/officeDocument/2006/relationships" xmlns:p1510="http://schemas.microsoft.com/office/powerpoint/2015/10/main"/>
+</file>
+
 <file path=ppt/handoutMasters/handoutMaster1.xml><?xml version="1.0" encoding="utf-8"?>
 <p:handoutMaster xmlns:a="http://schemas.openxmlformats.org/drawingml/2006/main" xmlns:r="http://schemas.openxmlformats.org/officeDocument/2006/relationships" xmlns:p="http://schemas.openxmlformats.org/presentationml/2006/main">
   <p:cSld>
@@ -347,10 +351,9 @@
           </a:lstStyle>
           <a:p>
             <a:r>
-              <a:rPr lang="en-US" smtClean="0"/>
+              <a:rPr lang="en-US"/>
               <a:t>Click to edit Master title style</a:t>
             </a:r>
-            <a:endParaRPr lang="en-US"/>
           </a:p>
         </p:txBody>
       </p:sp>
@@ -412,10 +415,9 @@
           </a:lstStyle>
           <a:p>
             <a:r>
-              <a:rPr lang="en-US" smtClean="0"/>
+              <a:rPr lang="en-US"/>
               <a:t>Click to edit Master subtitle style</a:t>
             </a:r>
-            <a:endParaRPr lang="en-US"/>
           </a:p>
         </p:txBody>
       </p:sp>
@@ -530,10 +532,9 @@
           <a:lstStyle/>
           <a:p>
             <a:r>
-              <a:rPr lang="en-US" smtClean="0"/>
+              <a:rPr lang="en-US"/>
               <a:t>Click to edit Master title style</a:t>
             </a:r>
-            <a:endParaRPr lang="en-US"/>
           </a:p>
         </p:txBody>
       </p:sp>
@@ -554,38 +555,37 @@
           <a:p>
             <a:pPr lvl="0"/>
             <a:r>
-              <a:rPr lang="en-US" smtClean="0"/>
+              <a:rPr lang="en-US"/>
               <a:t>Click to edit Master text styles</a:t>
             </a:r>
           </a:p>
           <a:p>
             <a:pPr lvl="1"/>
             <a:r>
-              <a:rPr lang="en-US" smtClean="0"/>
+              <a:rPr lang="en-US"/>
               <a:t>Second level</a:t>
             </a:r>
           </a:p>
           <a:p>
             <a:pPr lvl="2"/>
             <a:r>
-              <a:rPr lang="en-US" smtClean="0"/>
+              <a:rPr lang="en-US"/>
               <a:t>Third level</a:t>
             </a:r>
           </a:p>
           <a:p>
             <a:pPr lvl="3"/>
             <a:r>
-              <a:rPr lang="en-US" smtClean="0"/>
+              <a:rPr lang="en-US"/>
               <a:t>Fourth level</a:t>
             </a:r>
           </a:p>
           <a:p>
             <a:pPr lvl="4"/>
             <a:r>
-              <a:rPr lang="en-US" smtClean="0"/>
+              <a:rPr lang="en-US"/>
               <a:t>Fifth level</a:t>
             </a:r>
-            <a:endParaRPr lang="en-US"/>
           </a:p>
         </p:txBody>
       </p:sp>
@@ -705,10 +705,9 @@
           <a:lstStyle/>
           <a:p>
             <a:r>
-              <a:rPr lang="en-US" smtClean="0"/>
+              <a:rPr lang="en-US"/>
               <a:t>Click to edit Master title style</a:t>
             </a:r>
-            <a:endParaRPr lang="en-US"/>
           </a:p>
         </p:txBody>
       </p:sp>
@@ -734,38 +733,37 @@
           <a:p>
             <a:pPr lvl="0"/>
             <a:r>
-              <a:rPr lang="en-US" smtClean="0"/>
+              <a:rPr lang="en-US"/>
               <a:t>Click to edit Master text styles</a:t>
             </a:r>
           </a:p>
           <a:p>
             <a:pPr lvl="1"/>
             <a:r>
-              <a:rPr lang="en-US" smtClean="0"/>
+              <a:rPr lang="en-US"/>
               <a:t>Second level</a:t>
             </a:r>
           </a:p>
           <a:p>
             <a:pPr lvl="2"/>
             <a:r>
-              <a:rPr lang="en-US" smtClean="0"/>
+              <a:rPr lang="en-US"/>
               <a:t>Third level</a:t>
             </a:r>
           </a:p>
           <a:p>
             <a:pPr lvl="3"/>
             <a:r>
-              <a:rPr lang="en-US" smtClean="0"/>
+              <a:rPr lang="en-US"/>
               <a:t>Fourth level</a:t>
             </a:r>
           </a:p>
           <a:p>
             <a:pPr lvl="4"/>
             <a:r>
-              <a:rPr lang="en-US" smtClean="0"/>
+              <a:rPr lang="en-US"/>
               <a:t>Fifth level</a:t>
             </a:r>
-            <a:endParaRPr lang="en-US"/>
           </a:p>
         </p:txBody>
       </p:sp>
@@ -1531,16 +1529,6 @@
                 <a:spcPts val="1286"/>
               </a:spcAft>
             </a:pPr>
-            <a:r>
-              <a:rPr lang="en-US" sz="2400" dirty="0">
-                <a:solidFill>
-                  <a:srgbClr val="7F7F7F"/>
-                </a:solidFill>
-                <a:latin typeface="Calibri" pitchFamily="34" charset="0"/>
-                <a:cs typeface="Calibri" panose="020F0502020204030204" pitchFamily="34" charset="0"/>
-              </a:rPr>
-              <a:t/>
-            </a:r>
             <a:br>
               <a:rPr lang="en-US" sz="2400" dirty="0">
                 <a:solidFill>
@@ -2221,18 +2209,6 @@
                   <a:spcPts val="0"/>
                 </a:spcAft>
               </a:pPr>
-              <a:r>
-                <a:rPr lang="en-US" sz="2400" dirty="0">
-                  <a:solidFill>
-                    <a:schemeClr val="bg1">
-                      <a:lumMod val="50000"/>
-                    </a:schemeClr>
-                  </a:solidFill>
-                  <a:latin typeface="Calibri" pitchFamily="34" charset="0"/>
-                  <a:cs typeface="Calibri" panose="020F0502020204030204" pitchFamily="34" charset="0"/>
-                </a:rPr>
-                <a:t/>
-              </a:r>
               <a:br>
                 <a:rPr lang="en-US" sz="2400" dirty="0">
                   <a:solidFill>
@@ -2366,10 +2342,9 @@
           <a:lstStyle/>
           <a:p>
             <a:r>
-              <a:rPr lang="en-US" smtClean="0"/>
+              <a:rPr lang="en-US"/>
               <a:t>Click to edit Master title style</a:t>
             </a:r>
-            <a:endParaRPr lang="en-US"/>
           </a:p>
         </p:txBody>
       </p:sp>
@@ -2390,38 +2365,37 @@
           <a:p>
             <a:pPr lvl="0"/>
             <a:r>
-              <a:rPr lang="en-US" smtClean="0"/>
+              <a:rPr lang="en-US"/>
               <a:t>Click to edit Master text styles</a:t>
             </a:r>
           </a:p>
           <a:p>
             <a:pPr lvl="1"/>
             <a:r>
-              <a:rPr lang="en-US" smtClean="0"/>
+              <a:rPr lang="en-US"/>
               <a:t>Second level</a:t>
             </a:r>
           </a:p>
           <a:p>
             <a:pPr lvl="2"/>
             <a:r>
-              <a:rPr lang="en-US" smtClean="0"/>
+              <a:rPr lang="en-US"/>
               <a:t>Third level</a:t>
             </a:r>
           </a:p>
           <a:p>
             <a:pPr lvl="3"/>
             <a:r>
-              <a:rPr lang="en-US" smtClean="0"/>
+              <a:rPr lang="en-US"/>
               <a:t>Fourth level</a:t>
             </a:r>
           </a:p>
           <a:p>
             <a:pPr lvl="4"/>
             <a:r>
-              <a:rPr lang="en-US" smtClean="0"/>
+              <a:rPr lang="en-US"/>
               <a:t>Fifth level</a:t>
             </a:r>
-            <a:endParaRPr lang="en-US"/>
           </a:p>
         </p:txBody>
       </p:sp>
@@ -2545,10 +2519,9 @@
           </a:lstStyle>
           <a:p>
             <a:r>
-              <a:rPr lang="en-US" smtClean="0"/>
+              <a:rPr lang="en-US"/>
               <a:t>Click to edit Master title style</a:t>
             </a:r>
-            <a:endParaRPr lang="en-US"/>
           </a:p>
         </p:txBody>
       </p:sp>
@@ -2665,7 +2638,7 @@
           <a:p>
             <a:pPr lvl="0"/>
             <a:r>
-              <a:rPr lang="en-US" smtClean="0"/>
+              <a:rPr lang="en-US"/>
               <a:t>Click to edit Master text styles</a:t>
             </a:r>
           </a:p>
@@ -2782,10 +2755,9 @@
           <a:lstStyle/>
           <a:p>
             <a:r>
-              <a:rPr lang="en-US" smtClean="0"/>
+              <a:rPr lang="en-US"/>
               <a:t>Click to edit Master title style</a:t>
             </a:r>
-            <a:endParaRPr lang="en-US"/>
           </a:p>
         </p:txBody>
       </p:sp>
@@ -2811,38 +2783,37 @@
           <a:p>
             <a:pPr lvl="0"/>
             <a:r>
-              <a:rPr lang="en-US" smtClean="0"/>
+              <a:rPr lang="en-US"/>
               <a:t>Click to edit Master text styles</a:t>
             </a:r>
           </a:p>
           <a:p>
             <a:pPr lvl="1"/>
             <a:r>
-              <a:rPr lang="en-US" smtClean="0"/>
+              <a:rPr lang="en-US"/>
               <a:t>Second level</a:t>
             </a:r>
           </a:p>
           <a:p>
             <a:pPr lvl="2"/>
             <a:r>
-              <a:rPr lang="en-US" smtClean="0"/>
+              <a:rPr lang="en-US"/>
               <a:t>Third level</a:t>
             </a:r>
           </a:p>
           <a:p>
             <a:pPr lvl="3"/>
             <a:r>
-              <a:rPr lang="en-US" smtClean="0"/>
+              <a:rPr lang="en-US"/>
               <a:t>Fourth level</a:t>
             </a:r>
           </a:p>
           <a:p>
             <a:pPr lvl="4"/>
             <a:r>
-              <a:rPr lang="en-US" smtClean="0"/>
+              <a:rPr lang="en-US"/>
               <a:t>Fifth level</a:t>
             </a:r>
-            <a:endParaRPr lang="en-US"/>
           </a:p>
         </p:txBody>
       </p:sp>
@@ -2868,38 +2839,37 @@
           <a:p>
             <a:pPr lvl="0"/>
             <a:r>
-              <a:rPr lang="en-US" smtClean="0"/>
+              <a:rPr lang="en-US"/>
               <a:t>Click to edit Master text styles</a:t>
             </a:r>
           </a:p>
           <a:p>
             <a:pPr lvl="1"/>
             <a:r>
-              <a:rPr lang="en-US" smtClean="0"/>
+              <a:rPr lang="en-US"/>
               <a:t>Second level</a:t>
             </a:r>
           </a:p>
           <a:p>
             <a:pPr lvl="2"/>
             <a:r>
-              <a:rPr lang="en-US" smtClean="0"/>
+              <a:rPr lang="en-US"/>
               <a:t>Third level</a:t>
             </a:r>
           </a:p>
           <a:p>
             <a:pPr lvl="3"/>
             <a:r>
-              <a:rPr lang="en-US" smtClean="0"/>
+              <a:rPr lang="en-US"/>
               <a:t>Fourth level</a:t>
             </a:r>
           </a:p>
           <a:p>
             <a:pPr lvl="4"/>
             <a:r>
-              <a:rPr lang="en-US" smtClean="0"/>
+              <a:rPr lang="en-US"/>
               <a:t>Fifth level</a:t>
             </a:r>
-            <a:endParaRPr lang="en-US"/>
           </a:p>
         </p:txBody>
       </p:sp>
@@ -3019,10 +2989,9 @@
           <a:lstStyle/>
           <a:p>
             <a:r>
-              <a:rPr lang="en-US" smtClean="0"/>
+              <a:rPr lang="en-US"/>
               <a:t>Click to edit Master title style</a:t>
             </a:r>
-            <a:endParaRPr lang="en-US"/>
           </a:p>
         </p:txBody>
       </p:sp>
@@ -3085,7 +3054,7 @@
           <a:p>
             <a:pPr lvl="0"/>
             <a:r>
-              <a:rPr lang="en-US" smtClean="0"/>
+              <a:rPr lang="en-US"/>
               <a:t>Click to edit Master text styles</a:t>
             </a:r>
           </a:p>
@@ -3113,38 +3082,37 @@
           <a:p>
             <a:pPr lvl="0"/>
             <a:r>
-              <a:rPr lang="en-US" smtClean="0"/>
+              <a:rPr lang="en-US"/>
               <a:t>Click to edit Master text styles</a:t>
             </a:r>
           </a:p>
           <a:p>
             <a:pPr lvl="1"/>
             <a:r>
-              <a:rPr lang="en-US" smtClean="0"/>
+              <a:rPr lang="en-US"/>
               <a:t>Second level</a:t>
             </a:r>
           </a:p>
           <a:p>
             <a:pPr lvl="2"/>
             <a:r>
-              <a:rPr lang="en-US" smtClean="0"/>
+              <a:rPr lang="en-US"/>
               <a:t>Third level</a:t>
             </a:r>
           </a:p>
           <a:p>
             <a:pPr lvl="3"/>
             <a:r>
-              <a:rPr lang="en-US" smtClean="0"/>
+              <a:rPr lang="en-US"/>
               <a:t>Fourth level</a:t>
             </a:r>
           </a:p>
           <a:p>
             <a:pPr lvl="4"/>
             <a:r>
-              <a:rPr lang="en-US" smtClean="0"/>
+              <a:rPr lang="en-US"/>
               <a:t>Fifth level</a:t>
             </a:r>
-            <a:endParaRPr lang="en-US"/>
           </a:p>
         </p:txBody>
       </p:sp>
@@ -3207,7 +3175,7 @@
           <a:p>
             <a:pPr lvl="0"/>
             <a:r>
-              <a:rPr lang="en-US" smtClean="0"/>
+              <a:rPr lang="en-US"/>
               <a:t>Click to edit Master text styles</a:t>
             </a:r>
           </a:p>
@@ -3235,38 +3203,37 @@
           <a:p>
             <a:pPr lvl="0"/>
             <a:r>
-              <a:rPr lang="en-US" smtClean="0"/>
+              <a:rPr lang="en-US"/>
               <a:t>Click to edit Master text styles</a:t>
             </a:r>
           </a:p>
           <a:p>
             <a:pPr lvl="1"/>
             <a:r>
-              <a:rPr lang="en-US" smtClean="0"/>
+              <a:rPr lang="en-US"/>
               <a:t>Second level</a:t>
             </a:r>
           </a:p>
           <a:p>
             <a:pPr lvl="2"/>
             <a:r>
-              <a:rPr lang="en-US" smtClean="0"/>
+              <a:rPr lang="en-US"/>
               <a:t>Third level</a:t>
             </a:r>
           </a:p>
           <a:p>
             <a:pPr lvl="3"/>
             <a:r>
-              <a:rPr lang="en-US" smtClean="0"/>
+              <a:rPr lang="en-US"/>
               <a:t>Fourth level</a:t>
             </a:r>
           </a:p>
           <a:p>
             <a:pPr lvl="4"/>
             <a:r>
-              <a:rPr lang="en-US" smtClean="0"/>
+              <a:rPr lang="en-US"/>
               <a:t>Fifth level</a:t>
             </a:r>
-            <a:endParaRPr lang="en-US"/>
           </a:p>
         </p:txBody>
       </p:sp>
@@ -3381,10 +3348,9 @@
           <a:lstStyle/>
           <a:p>
             <a:r>
-              <a:rPr lang="en-US" smtClean="0"/>
+              <a:rPr lang="en-US"/>
               <a:t>Click to edit Master title style</a:t>
             </a:r>
-            <a:endParaRPr lang="en-US"/>
           </a:p>
         </p:txBody>
       </p:sp>
@@ -3603,10 +3569,9 @@
           </a:lstStyle>
           <a:p>
             <a:r>
-              <a:rPr lang="en-US" smtClean="0"/>
+              <a:rPr lang="en-US"/>
               <a:t>Click to edit Master title style</a:t>
             </a:r>
-            <a:endParaRPr lang="en-US"/>
           </a:p>
         </p:txBody>
       </p:sp>
@@ -3660,38 +3625,37 @@
           <a:p>
             <a:pPr lvl="0"/>
             <a:r>
-              <a:rPr lang="en-US" smtClean="0"/>
+              <a:rPr lang="en-US"/>
               <a:t>Click to edit Master text styles</a:t>
             </a:r>
           </a:p>
           <a:p>
             <a:pPr lvl="1"/>
             <a:r>
-              <a:rPr lang="en-US" smtClean="0"/>
+              <a:rPr lang="en-US"/>
               <a:t>Second level</a:t>
             </a:r>
           </a:p>
           <a:p>
             <a:pPr lvl="2"/>
             <a:r>
-              <a:rPr lang="en-US" smtClean="0"/>
+              <a:rPr lang="en-US"/>
               <a:t>Third level</a:t>
             </a:r>
           </a:p>
           <a:p>
             <a:pPr lvl="3"/>
             <a:r>
-              <a:rPr lang="en-US" smtClean="0"/>
+              <a:rPr lang="en-US"/>
               <a:t>Fourth level</a:t>
             </a:r>
           </a:p>
           <a:p>
             <a:pPr lvl="4"/>
             <a:r>
-              <a:rPr lang="en-US" smtClean="0"/>
+              <a:rPr lang="en-US"/>
               <a:t>Fifth level</a:t>
             </a:r>
-            <a:endParaRPr lang="en-US"/>
           </a:p>
         </p:txBody>
       </p:sp>
@@ -3754,7 +3718,7 @@
           <a:p>
             <a:pPr lvl="0"/>
             <a:r>
-              <a:rPr lang="en-US" smtClean="0"/>
+              <a:rPr lang="en-US"/>
               <a:t>Click to edit Master text styles</a:t>
             </a:r>
           </a:p>
@@ -3880,10 +3844,9 @@
           </a:lstStyle>
           <a:p>
             <a:r>
-              <a:rPr lang="en-US" smtClean="0"/>
+              <a:rPr lang="en-US"/>
               <a:t>Click to edit Master title style</a:t>
             </a:r>
-            <a:endParaRPr lang="en-US"/>
           </a:p>
         </p:txBody>
       </p:sp>
@@ -4007,7 +3970,7 @@
           <a:p>
             <a:pPr lvl="0"/>
             <a:r>
-              <a:rPr lang="en-US" smtClean="0"/>
+              <a:rPr lang="en-US"/>
               <a:t>Click to edit Master text styles</a:t>
             </a:r>
           </a:p>
@@ -4139,10 +4102,9 @@
           <a:lstStyle/>
           <a:p>
             <a:r>
-              <a:rPr lang="en-US" smtClean="0"/>
+              <a:rPr lang="en-US"/>
               <a:t>Click to edit Master title style</a:t>
             </a:r>
-            <a:endParaRPr lang="en-US"/>
           </a:p>
         </p:txBody>
       </p:sp>
@@ -4173,38 +4135,37 @@
           <a:p>
             <a:pPr lvl="0"/>
             <a:r>
-              <a:rPr lang="en-US" smtClean="0"/>
+              <a:rPr lang="en-US"/>
               <a:t>Click to edit Master text styles</a:t>
             </a:r>
           </a:p>
           <a:p>
             <a:pPr lvl="1"/>
             <a:r>
-              <a:rPr lang="en-US" smtClean="0"/>
+              <a:rPr lang="en-US"/>
               <a:t>Second level</a:t>
             </a:r>
           </a:p>
           <a:p>
             <a:pPr lvl="2"/>
             <a:r>
-              <a:rPr lang="en-US" smtClean="0"/>
+              <a:rPr lang="en-US"/>
               <a:t>Third level</a:t>
             </a:r>
           </a:p>
           <a:p>
             <a:pPr lvl="3"/>
             <a:r>
-              <a:rPr lang="en-US" smtClean="0"/>
+              <a:rPr lang="en-US"/>
               <a:t>Fourth level</a:t>
             </a:r>
           </a:p>
           <a:p>
             <a:pPr lvl="4"/>
             <a:r>
-              <a:rPr lang="en-US" smtClean="0"/>
+              <a:rPr lang="en-US"/>
               <a:t>Fifth level</a:t>
             </a:r>
-            <a:endParaRPr lang="en-US"/>
           </a:p>
         </p:txBody>
       </p:sp>
@@ -4808,21 +4769,8 @@
                 <a:latin typeface="Arial" panose="020B0604020202020204" pitchFamily="34" charset="0"/>
                 <a:cs typeface="Arial" panose="020B0604020202020204" pitchFamily="34" charset="0"/>
               </a:rPr>
-              <a:t>79.8% accuracy, 81.7% precision, 76.8% recall, and 95.1% specificity</a:t>
-            </a:r>
-            <a:r>
-              <a:rPr lang="en-US" sz="2000" b="1" dirty="0" smtClean="0">
-                <a:latin typeface="Arial" panose="020B0604020202020204" pitchFamily="34" charset="0"/>
-                <a:cs typeface="Arial" panose="020B0604020202020204" pitchFamily="34" charset="0"/>
-              </a:rPr>
-              <a:t>.</a:t>
-            </a:r>
-          </a:p>
-          <a:p>
-            <a:pPr eaLnBrk="1" hangingPunct="1"/>
-            <a:endParaRPr lang="en-US" sz="2000" dirty="0" smtClean="0">
-              <a:latin typeface="Calibri" pitchFamily="34" charset="0"/>
-            </a:endParaRPr>
+              <a:t>79.8% accuracy, 81.7% precision, 76.8% recall, and 95.1% specificity.</a:t>
+            </a:r>
           </a:p>
           <a:p>
             <a:pPr eaLnBrk="1" hangingPunct="1"/>
@@ -4832,7 +4780,7 @@
           </a:p>
           <a:p>
             <a:pPr eaLnBrk="1" hangingPunct="1"/>
-            <a:endParaRPr lang="en-US" sz="2000" dirty="0" smtClean="0">
+            <a:endParaRPr lang="en-US" sz="2000" dirty="0">
               <a:latin typeface="Calibri" pitchFamily="34" charset="0"/>
             </a:endParaRPr>
           </a:p>
@@ -4844,7 +4792,7 @@
           </a:p>
           <a:p>
             <a:pPr eaLnBrk="1" hangingPunct="1"/>
-            <a:endParaRPr lang="en-US" sz="2000" dirty="0" smtClean="0">
+            <a:endParaRPr lang="en-US" sz="2000" dirty="0">
               <a:latin typeface="Calibri" pitchFamily="34" charset="0"/>
             </a:endParaRPr>
           </a:p>
@@ -4856,7 +4804,7 @@
           </a:p>
           <a:p>
             <a:pPr eaLnBrk="1" hangingPunct="1"/>
-            <a:endParaRPr lang="en-US" sz="2000" dirty="0" smtClean="0">
+            <a:endParaRPr lang="en-US" sz="2000" dirty="0">
               <a:latin typeface="Calibri" pitchFamily="34" charset="0"/>
             </a:endParaRPr>
           </a:p>
@@ -4868,7 +4816,7 @@
           </a:p>
           <a:p>
             <a:pPr eaLnBrk="1" hangingPunct="1"/>
-            <a:endParaRPr lang="en-US" sz="2000" dirty="0" smtClean="0">
+            <a:endParaRPr lang="en-US" sz="2000" dirty="0">
               <a:latin typeface="Calibri" pitchFamily="34" charset="0"/>
             </a:endParaRPr>
           </a:p>
@@ -4880,7 +4828,7 @@
           </a:p>
           <a:p>
             <a:pPr eaLnBrk="1" hangingPunct="1"/>
-            <a:endParaRPr lang="en-US" sz="2000" dirty="0" smtClean="0">
+            <a:endParaRPr lang="en-US" sz="2000" dirty="0">
               <a:latin typeface="Calibri" pitchFamily="34" charset="0"/>
             </a:endParaRPr>
           </a:p>
@@ -4892,7 +4840,7 @@
           </a:p>
           <a:p>
             <a:pPr eaLnBrk="1" hangingPunct="1"/>
-            <a:endParaRPr lang="en-US" sz="2000" dirty="0" smtClean="0">
+            <a:endParaRPr lang="en-US" sz="2000" dirty="0">
               <a:latin typeface="Calibri" pitchFamily="34" charset="0"/>
             </a:endParaRPr>
           </a:p>
@@ -4904,7 +4852,7 @@
           </a:p>
           <a:p>
             <a:pPr eaLnBrk="1" hangingPunct="1"/>
-            <a:endParaRPr lang="en-US" sz="2000" dirty="0" smtClean="0">
+            <a:endParaRPr lang="en-US" sz="2000" dirty="0">
               <a:latin typeface="Calibri" pitchFamily="34" charset="0"/>
             </a:endParaRPr>
           </a:p>
@@ -4916,7 +4864,7 @@
           </a:p>
           <a:p>
             <a:pPr eaLnBrk="1" hangingPunct="1"/>
-            <a:endParaRPr lang="en-US" sz="2000" dirty="0" smtClean="0">
+            <a:endParaRPr lang="en-US" sz="2000" dirty="0">
               <a:latin typeface="Calibri" pitchFamily="34" charset="0"/>
             </a:endParaRPr>
           </a:p>
@@ -4928,7 +4876,7 @@
           </a:p>
           <a:p>
             <a:pPr eaLnBrk="1" hangingPunct="1"/>
-            <a:endParaRPr lang="en-US" sz="2000" dirty="0" smtClean="0">
+            <a:endParaRPr lang="en-US" sz="2000" dirty="0">
               <a:latin typeface="Calibri" pitchFamily="34" charset="0"/>
             </a:endParaRPr>
           </a:p>
@@ -4940,7 +4888,13 @@
           </a:p>
           <a:p>
             <a:pPr eaLnBrk="1" hangingPunct="1"/>
-            <a:endParaRPr lang="en-US" sz="2000" dirty="0" smtClean="0">
+            <a:endParaRPr lang="en-US" sz="2000" dirty="0">
+              <a:latin typeface="Calibri" pitchFamily="34" charset="0"/>
+            </a:endParaRPr>
+          </a:p>
+          <a:p>
+            <a:pPr eaLnBrk="1" hangingPunct="1"/>
+            <a:endParaRPr lang="en-US" sz="2000" dirty="0">
               <a:latin typeface="Calibri" pitchFamily="34" charset="0"/>
             </a:endParaRPr>
           </a:p>
@@ -5432,42 +5386,42 @@
           <a:lstStyle/>
           <a:p>
             <a:r>
-              <a:rPr lang="en-US" sz="2000" dirty="0" smtClean="0">
+              <a:rPr lang="en-US" sz="2000" dirty="0">
                 <a:latin typeface="Arial" panose="020B0604020202020204" pitchFamily="34" charset="0"/>
                 <a:cs typeface="Arial" panose="020B0604020202020204" pitchFamily="34" charset="0"/>
               </a:rPr>
               <a:t>We would like to thank Prof. Dan </a:t>
             </a:r>
             <a:r>
-              <a:rPr lang="en-US" sz="2000" dirty="0" err="1" smtClean="0">
+              <a:rPr lang="en-US" sz="2000" dirty="0" err="1">
                 <a:latin typeface="Arial" panose="020B0604020202020204" pitchFamily="34" charset="0"/>
                 <a:cs typeface="Arial" panose="020B0604020202020204" pitchFamily="34" charset="0"/>
               </a:rPr>
               <a:t>Boneh</a:t>
             </a:r>
             <a:r>
-              <a:rPr lang="en-US" sz="2000" dirty="0" smtClean="0">
+              <a:rPr lang="en-US" sz="2000" dirty="0">
                 <a:latin typeface="Arial" panose="020B0604020202020204" pitchFamily="34" charset="0"/>
                 <a:cs typeface="Arial" panose="020B0604020202020204" pitchFamily="34" charset="0"/>
               </a:rPr>
               <a:t> for motivation behind the research and valuable insight on approaches and application, and Prof. Andrew Ng for guidance in machine learning techniques. We would also like to thank Steve </a:t>
             </a:r>
             <a:r>
-              <a:rPr lang="en-US" sz="2000" dirty="0" err="1" smtClean="0">
+              <a:rPr lang="en-US" sz="2000" dirty="0" err="1">
                 <a:latin typeface="Arial" panose="020B0604020202020204" pitchFamily="34" charset="0"/>
                 <a:cs typeface="Arial" panose="020B0604020202020204" pitchFamily="34" charset="0"/>
               </a:rPr>
               <a:t>Mussmann</a:t>
             </a:r>
             <a:r>
-              <a:rPr lang="en-US" sz="2000" dirty="0" smtClean="0">
+              <a:rPr lang="en-US" sz="2000" dirty="0">
                 <a:latin typeface="Arial" panose="020B0604020202020204" pitchFamily="34" charset="0"/>
                 <a:cs typeface="Arial" panose="020B0604020202020204" pitchFamily="34" charset="0"/>
               </a:rPr>
               <a:t>, Christopher Sauer, and Alisha </a:t>
             </a:r>
             <a:r>
-              <a:rPr lang="en-US" sz="2000" dirty="0" err="1" smtClean="0">
+              <a:rPr lang="en-US" sz="2000" dirty="0" err="1">
                 <a:latin typeface="Arial" panose="020B0604020202020204" pitchFamily="34" charset="0"/>
                 <a:cs typeface="Arial" panose="020B0604020202020204" pitchFamily="34" charset="0"/>
               </a:rPr>
@@ -5478,17 +5432,10 @@
                 <a:latin typeface="Arial" panose="020B0604020202020204" pitchFamily="34" charset="0"/>
                 <a:cs typeface="Arial" panose="020B0604020202020204" pitchFamily="34" charset="0"/>
               </a:rPr>
-              <a:t> </a:t>
-            </a:r>
-            <a:r>
-              <a:rPr lang="en-US" sz="2000" dirty="0" smtClean="0">
-                <a:latin typeface="Arial" panose="020B0604020202020204" pitchFamily="34" charset="0"/>
-                <a:cs typeface="Arial" panose="020B0604020202020204" pitchFamily="34" charset="0"/>
-              </a:rPr>
-              <a:t>for advice and feedback on </a:t>
-            </a:r>
-            <a:r>
-              <a:rPr lang="en-US" sz="2000" smtClean="0">
+              <a:t> for advice and feedback on </a:t>
+            </a:r>
+            <a:r>
+              <a:rPr lang="en-US" sz="2000">
                 <a:latin typeface="Arial" panose="020B0604020202020204" pitchFamily="34" charset="0"/>
                 <a:cs typeface="Arial" panose="020B0604020202020204" pitchFamily="34" charset="0"/>
               </a:rPr>
@@ -5676,53 +5623,32 @@
               <a:t>We develop </a:t>
             </a:r>
             <a:r>
-              <a:rPr lang="en-US" sz="2000" b="1" dirty="0" smtClean="0">
+              <a:rPr lang="en-US" sz="2000" b="1" dirty="0">
                 <a:latin typeface="Arial" panose="020B0604020202020204" pitchFamily="34" charset="0"/>
                 <a:cs typeface="Arial" panose="020B0604020202020204" pitchFamily="34" charset="0"/>
               </a:rPr>
               <a:t>logistic regression </a:t>
             </a:r>
             <a:r>
-              <a:rPr lang="en-US" sz="2000" dirty="0" smtClean="0">
+              <a:rPr lang="en-US" sz="2000" dirty="0">
                 <a:latin typeface="Arial" panose="020B0604020202020204" pitchFamily="34" charset="0"/>
                 <a:cs typeface="Arial" panose="020B0604020202020204" pitchFamily="34" charset="0"/>
               </a:rPr>
               <a:t>models and </a:t>
             </a:r>
             <a:r>
-              <a:rPr lang="en-US" sz="2000" b="1" dirty="0" smtClean="0">
-                <a:latin typeface="Arial" panose="020B0604020202020204" pitchFamily="34" charset="0"/>
-                <a:cs typeface="Arial" panose="020B0604020202020204" pitchFamily="34" charset="0"/>
-              </a:rPr>
-              <a:t>deep </a:t>
-            </a:r>
-            <a:r>
               <a:rPr lang="en-US" sz="2000" b="1" dirty="0">
                 <a:latin typeface="Arial" panose="020B0604020202020204" pitchFamily="34" charset="0"/>
                 <a:cs typeface="Arial" panose="020B0604020202020204" pitchFamily="34" charset="0"/>
               </a:rPr>
-              <a:t>neural </a:t>
-            </a:r>
-            <a:r>
-              <a:rPr lang="en-US" sz="2000" b="1" dirty="0" smtClean="0">
-                <a:latin typeface="Arial" panose="020B0604020202020204" pitchFamily="34" charset="0"/>
-                <a:cs typeface="Arial" panose="020B0604020202020204" pitchFamily="34" charset="0"/>
-              </a:rPr>
-              <a:t>networks</a:t>
+              <a:t>deep neural networks</a:t>
             </a:r>
             <a:r>
               <a:rPr lang="en-US" sz="2000" dirty="0">
                 <a:latin typeface="Arial" panose="020B0604020202020204" pitchFamily="34" charset="0"/>
                 <a:cs typeface="Arial" panose="020B0604020202020204" pitchFamily="34" charset="0"/>
               </a:rPr>
-              <a:t> </a:t>
-            </a:r>
-            <a:r>
-              <a:rPr lang="en-US" sz="2000" dirty="0" smtClean="0">
-                <a:latin typeface="Arial" panose="020B0604020202020204" pitchFamily="34" charset="0"/>
-                <a:cs typeface="Arial" panose="020B0604020202020204" pitchFamily="34" charset="0"/>
-              </a:rPr>
-              <a:t>to classify mobile device users based on biometric typing pattern data. </a:t>
+              <a:t> to classify mobile device users based on biometric typing pattern data. </a:t>
             </a:r>
           </a:p>
           <a:p>
@@ -5731,14 +5657,14 @@
               <a:buChar char="•"/>
             </a:pPr>
             <a:r>
-              <a:rPr lang="en-US" sz="2000" dirty="0" smtClean="0">
+              <a:rPr lang="en-US" sz="2000" dirty="0">
                 <a:latin typeface="Arial" panose="020B0604020202020204" pitchFamily="34" charset="0"/>
                 <a:cs typeface="Arial" panose="020B0604020202020204" pitchFamily="34" charset="0"/>
               </a:rPr>
               <a:t>We present a secure, space-efficient, extensible framework for </a:t>
             </a:r>
             <a:r>
-              <a:rPr lang="en-US" sz="2000" b="1" dirty="0" smtClean="0">
+              <a:rPr lang="en-US" sz="2000" b="1" dirty="0">
                 <a:latin typeface="Arial" panose="020B0604020202020204" pitchFamily="34" charset="0"/>
                 <a:cs typeface="Arial" panose="020B0604020202020204" pitchFamily="34" charset="0"/>
               </a:rPr>
@@ -5749,19 +5675,8 @@
                 <a:latin typeface="Arial" panose="020B0604020202020204" pitchFamily="34" charset="0"/>
                 <a:cs typeface="Arial" panose="020B0604020202020204" pitchFamily="34" charset="0"/>
               </a:rPr>
-              <a:t> </a:t>
-            </a:r>
-            <a:r>
-              <a:rPr lang="en-US" sz="2000" dirty="0" smtClean="0">
-                <a:latin typeface="Arial" panose="020B0604020202020204" pitchFamily="34" charset="0"/>
-                <a:cs typeface="Arial" panose="020B0604020202020204" pitchFamily="34" charset="0"/>
-              </a:rPr>
-              <a:t>on mobile devices. </a:t>
-            </a:r>
-            <a:endParaRPr lang="en-US" sz="2000" dirty="0">
-              <a:latin typeface="Arial" panose="020B0604020202020204" pitchFamily="34" charset="0"/>
-              <a:cs typeface="Arial" panose="020B0604020202020204" pitchFamily="34" charset="0"/>
-            </a:endParaRPr>
+              <a:t> on mobile devices. </a:t>
+            </a:r>
           </a:p>
         </p:txBody>
       </p:sp>
@@ -6019,12 +5934,19 @@
             </a:r>
           </a:p>
           <a:p>
+            <a:pPr marL="342900" indent="-342900">
+              <a:buClr>
+                <a:schemeClr val="bg1"/>
+              </a:buClr>
+              <a:buFont typeface="Arial" panose="020B0604020202020204" pitchFamily="34" charset="0"/>
+              <a:buChar char="•"/>
+            </a:pPr>
             <a:r>
               <a:rPr lang="en-US" sz="2000" dirty="0">
                 <a:latin typeface="Arial" panose="020B0604020202020204" pitchFamily="34" charset="0"/>
                 <a:cs typeface="Arial" panose="020B0604020202020204" pitchFamily="34" charset="0"/>
               </a:rPr>
-              <a:t>We trained a logistic regression model optimized using cross entropy loss. For this preliminary stage, we pulled from a subset of the dataset. We generated concatenated vectors for the first 10 examples each of the first 10 users and performed our data preprocessing method on the data subset with no under- or over-sampling. With 70%-30% train-validation split, we achieved </a:t>
+              <a:t>For the first 10 examples each of the first 10 users, with 70%-30% train-validation split, we achieved </a:t>
             </a:r>
             <a:r>
               <a:rPr lang="en-US" sz="2000" b="1" dirty="0">
@@ -6038,23 +5960,7 @@
                 <a:latin typeface="Arial" panose="020B0604020202020204" pitchFamily="34" charset="0"/>
                 <a:cs typeface="Arial" panose="020B0604020202020204" pitchFamily="34" charset="0"/>
               </a:rPr>
-              <a:t>with 0%</a:t>
-            </a:r>
-          </a:p>
-          <a:p>
-            <a:r>
-              <a:rPr lang="en-US" sz="2000" dirty="0">
-                <a:latin typeface="Arial" panose="020B0604020202020204" pitchFamily="34" charset="0"/>
-                <a:cs typeface="Arial" panose="020B0604020202020204" pitchFamily="34" charset="0"/>
-              </a:rPr>
-              <a:t>precision, 0% recall, and 100% specificity. Upon inspection, the model consistently predicted the 0 label for every single validation example. We hypothesized that the disproportionate prediction of label 0 was due to heavily unbalanced data, with a significant majority class 0</a:t>
-            </a:r>
-            <a:r>
-              <a:rPr lang="en-US" sz="2000" dirty="0" smtClean="0">
-                <a:latin typeface="Arial" panose="020B0604020202020204" pitchFamily="34" charset="0"/>
-                <a:cs typeface="Arial" panose="020B0604020202020204" pitchFamily="34" charset="0"/>
-              </a:rPr>
-              <a:t>.</a:t>
+              <a:t>with 0% precision, 0% recall, and 100% specificity. Upon inspection, the model consistently predicted the 0 label for every single validation example. We hypothesized that the disproportionate prediction of label 0 was due to heavily unbalanced data, with a significant majority class 0.</a:t>
             </a:r>
           </a:p>
           <a:p>
@@ -6088,6 +5994,13 @@
             </a:endParaRPr>
           </a:p>
           <a:p>
+            <a:pPr marL="342900" indent="-342900" eaLnBrk="1" hangingPunct="1">
+              <a:buClr>
+                <a:schemeClr val="bg1"/>
+              </a:buClr>
+              <a:buFont typeface="Arial" panose="020B0604020202020204" pitchFamily="34" charset="0"/>
+              <a:buChar char="•"/>
+            </a:pPr>
             <a:r>
               <a:rPr lang="en-US" sz="2000" dirty="0">
                 <a:latin typeface="Arial" panose="020B0604020202020204" pitchFamily="34" charset="0"/>
@@ -6121,14 +6034,7 @@
                 <a:latin typeface="Arial" panose="020B0604020202020204" pitchFamily="34" charset="0"/>
                 <a:cs typeface="Arial" panose="020B0604020202020204" pitchFamily="34" charset="0"/>
               </a:rPr>
-              <a:t> of the majority class, and using our entire post-processed dataset of 8 million comparative examples, we achieved 50.0% accuracy, 50.0% precision, 100% recall, and 00.02% specificity. This means 50% likelihood of predicting same user when the user was in fact different. This is not more effective than a random guess, so the challenge will be lowering the false positive count, as it is more important, from a security point of view, to minimize false positives (predict same user, but actually different) than false negatives (predict different user, but actually same</a:t>
-            </a:r>
-            <a:r>
-              <a:rPr lang="en-US" sz="2000" dirty="0" smtClean="0">
-                <a:latin typeface="Arial" panose="020B0604020202020204" pitchFamily="34" charset="0"/>
-                <a:cs typeface="Arial" panose="020B0604020202020204" pitchFamily="34" charset="0"/>
-              </a:rPr>
-              <a:t>).</a:t>
+              <a:t> of the majority class, and using our entire post-processed dataset of 8 million comparative examples, we achieved 50.0% accuracy, 50.0% precision, 100% recall, and 00.02% specificity. This means 50% likelihood of predicting same user when the user was in fact different. This is not more effective than a random guess, so the challenge will be lowering the false positive count, as it is more important, from a security point of view, to minimize false positives (predict same user, but actually different) than false negatives (predict different user, but actually same).</a:t>
             </a:r>
           </a:p>
           <a:p>
@@ -6138,13 +6044,13 @@
             </a:endParaRPr>
           </a:p>
           <a:p>
-            <a:endParaRPr lang="en-US" sz="2000" dirty="0" smtClean="0">
+            <a:endParaRPr lang="en-US" sz="2000" dirty="0">
               <a:latin typeface="Arial" panose="020B0604020202020204" pitchFamily="34" charset="0"/>
               <a:cs typeface="Arial" panose="020B0604020202020204" pitchFamily="34" charset="0"/>
             </a:endParaRPr>
           </a:p>
           <a:p>
-            <a:endParaRPr lang="en-US" sz="2000" dirty="0" smtClean="0">
+            <a:endParaRPr lang="en-US" sz="2000" dirty="0">
               <a:latin typeface="Arial" panose="020B0604020202020204" pitchFamily="34" charset="0"/>
               <a:cs typeface="Arial" panose="020B0604020202020204" pitchFamily="34" charset="0"/>
             </a:endParaRPr>
@@ -6155,18 +6061,11 @@
               <a:buChar char="•"/>
             </a:pPr>
             <a:r>
-              <a:rPr lang="en-US" sz="2000" b="1" dirty="0" smtClean="0">
-                <a:latin typeface="Arial" panose="020B0604020202020204" pitchFamily="34" charset="0"/>
-                <a:cs typeface="Arial" panose="020B0604020202020204" pitchFamily="34" charset="0"/>
-              </a:rPr>
-              <a:t>Fully </a:t>
-            </a:r>
-            <a:r>
               <a:rPr lang="en-US" sz="2000" b="1" dirty="0">
                 <a:latin typeface="Arial" panose="020B0604020202020204" pitchFamily="34" charset="0"/>
                 <a:cs typeface="Arial" panose="020B0604020202020204" pitchFamily="34" charset="0"/>
               </a:rPr>
-              <a:t>Connected Deep Neural Nets with cross entropy loss and 50-50 </a:t>
+              <a:t>Fully Connected Deep NN with cross entropy loss and 50-50 </a:t>
             </a:r>
             <a:r>
               <a:rPr lang="en-US" sz="2000" b="1" dirty="0" err="1">
@@ -6175,12 +6074,13 @@
               </a:rPr>
               <a:t>undersampling</a:t>
             </a:r>
-            <a:endParaRPr lang="en-US" sz="2000" b="1" dirty="0">
-              <a:latin typeface="Arial" panose="020B0604020202020204" pitchFamily="34" charset="0"/>
-              <a:cs typeface="Arial" panose="020B0604020202020204" pitchFamily="34" charset="0"/>
-            </a:endParaRPr>
-          </a:p>
-          <a:p>
+            <a:r>
+              <a:rPr lang="en-US" sz="2000" b="1" dirty="0">
+                <a:latin typeface="Arial" panose="020B0604020202020204" pitchFamily="34" charset="0"/>
+                <a:cs typeface="Arial" panose="020B0604020202020204" pitchFamily="34" charset="0"/>
+              </a:rPr>
+              <a:t> </a:t>
+            </a:r>
             <a:r>
               <a:rPr lang="en-US" sz="2000" dirty="0">
                 <a:latin typeface="Arial" panose="020B0604020202020204" pitchFamily="34" charset="0"/>
@@ -6193,35 +6093,46 @@
                 <a:latin typeface="Arial" panose="020B0604020202020204" pitchFamily="34" charset="0"/>
                 <a:cs typeface="Arial" panose="020B0604020202020204" pitchFamily="34" charset="0"/>
               </a:rPr>
-              <a:t>relu</a:t>
+              <a:t>ReLU</a:t>
             </a:r>
             <a:r>
               <a:rPr lang="en-US" sz="2000" dirty="0">
                 <a:latin typeface="Arial" panose="020B0604020202020204" pitchFamily="34" charset="0"/>
                 <a:cs typeface="Arial" panose="020B0604020202020204" pitchFamily="34" charset="0"/>
               </a:rPr>
-              <a:t> activation, and sigmoid activation on the output layer. The loss function remained </a:t>
-            </a:r>
-            <a:r>
-              <a:rPr lang="en-US" sz="2000" dirty="0" err="1">
-                <a:latin typeface="Arial" panose="020B0604020202020204" pitchFamily="34" charset="0"/>
-                <a:cs typeface="Arial" panose="020B0604020202020204" pitchFamily="34" charset="0"/>
-              </a:rPr>
-              <a:t>crossentropy</a:t>
-            </a:r>
+              <a:t> activation, and sigmoid activation on the output layer. The loss function remained cross entropy. We trained each DNN model for 25 epochs from randomly initialized weights and measured their validation accuracy. This was repeated 10 times for each DNN model, and the  average of validation accuracy of 10 trials was recorded as a benchmark of how each </a:t>
+            </a:r>
+          </a:p>
+          <a:p>
+            <a:pPr marL="342900" indent="-342900" eaLnBrk="1" hangingPunct="1">
+              <a:buClr>
+                <a:schemeClr val="bg1"/>
+              </a:buClr>
+              <a:buFont typeface="Arial" panose="020B0604020202020204" pitchFamily="34" charset="0"/>
+              <a:buChar char="•"/>
+            </a:pPr>
             <a:r>
               <a:rPr lang="en-US" sz="2000" dirty="0">
                 <a:latin typeface="Arial" panose="020B0604020202020204" pitchFamily="34" charset="0"/>
                 <a:cs typeface="Arial" panose="020B0604020202020204" pitchFamily="34" charset="0"/>
               </a:rPr>
-              <a:t>. We trained each DNN model for 25 epochs from randomly initialized weights and measured their validation accuracy. This was repeated 10 times for each DNN model, and the  average of validation accuracy of 10 trials was recorded as a benchmark of how each additional layer improve the performance of the model</a:t>
-            </a:r>
-            <a:r>
-              <a:rPr lang="en-US" sz="2000" dirty="0" smtClean="0">
-                <a:latin typeface="Arial" panose="020B0604020202020204" pitchFamily="34" charset="0"/>
-                <a:cs typeface="Arial" panose="020B0604020202020204" pitchFamily="34" charset="0"/>
-              </a:rPr>
-              <a:t>.</a:t>
+              <a:t>additional layer improve the</a:t>
+            </a:r>
+          </a:p>
+          <a:p>
+            <a:pPr marL="342900" indent="-342900" eaLnBrk="1" hangingPunct="1">
+              <a:buClr>
+                <a:schemeClr val="bg1"/>
+              </a:buClr>
+              <a:buFont typeface="Arial" panose="020B0604020202020204" pitchFamily="34" charset="0"/>
+              <a:buChar char="•"/>
+            </a:pPr>
+            <a:r>
+              <a:rPr lang="en-US" sz="2000" dirty="0">
+                <a:latin typeface="Arial" panose="020B0604020202020204" pitchFamily="34" charset="0"/>
+                <a:cs typeface="Arial" panose="020B0604020202020204" pitchFamily="34" charset="0"/>
+              </a:rPr>
+              <a:t> performance of the model.</a:t>
             </a:r>
           </a:p>
           <a:p>
@@ -6249,49 +6160,67 @@
             </a:endParaRPr>
           </a:p>
           <a:p>
-            <a:endParaRPr lang="en-US" sz="2000" dirty="0" smtClean="0">
-              <a:latin typeface="Arial" panose="020B0604020202020204" pitchFamily="34" charset="0"/>
-              <a:cs typeface="Arial" panose="020B0604020202020204" pitchFamily="34" charset="0"/>
-            </a:endParaRPr>
-          </a:p>
-          <a:p>
             <a:endParaRPr lang="en-US" sz="2000" dirty="0">
               <a:latin typeface="Arial" panose="020B0604020202020204" pitchFamily="34" charset="0"/>
               <a:cs typeface="Arial" panose="020B0604020202020204" pitchFamily="34" charset="0"/>
             </a:endParaRPr>
           </a:p>
           <a:p>
-            <a:endParaRPr lang="en-US" sz="2000" dirty="0" smtClean="0">
-              <a:latin typeface="Arial" panose="020B0604020202020204" pitchFamily="34" charset="0"/>
-              <a:cs typeface="Arial" panose="020B0604020202020204" pitchFamily="34" charset="0"/>
-            </a:endParaRPr>
-          </a:p>
-          <a:p>
             <a:endParaRPr lang="en-US" sz="2000" dirty="0">
               <a:latin typeface="Arial" panose="020B0604020202020204" pitchFamily="34" charset="0"/>
               <a:cs typeface="Arial" panose="020B0604020202020204" pitchFamily="34" charset="0"/>
             </a:endParaRPr>
           </a:p>
           <a:p>
-            <a:endParaRPr lang="en-US" sz="2000" dirty="0" smtClean="0">
-              <a:latin typeface="Arial" panose="020B0604020202020204" pitchFamily="34" charset="0"/>
-              <a:cs typeface="Arial" panose="020B0604020202020204" pitchFamily="34" charset="0"/>
-            </a:endParaRPr>
-          </a:p>
-          <a:p>
             <a:endParaRPr lang="en-US" sz="2000" dirty="0">
               <a:latin typeface="Arial" panose="020B0604020202020204" pitchFamily="34" charset="0"/>
               <a:cs typeface="Arial" panose="020B0604020202020204" pitchFamily="34" charset="0"/>
             </a:endParaRPr>
           </a:p>
           <a:p>
-            <a:endParaRPr lang="en-US" sz="2000" dirty="0" smtClean="0">
+            <a:endParaRPr lang="en-US" sz="2000" dirty="0">
               <a:latin typeface="Arial" panose="020B0604020202020204" pitchFamily="34" charset="0"/>
               <a:cs typeface="Arial" panose="020B0604020202020204" pitchFamily="34" charset="0"/>
             </a:endParaRPr>
           </a:p>
           <a:p>
-            <a:endParaRPr lang="en-US" sz="2000" dirty="0" smtClean="0">
+            <a:endParaRPr lang="en-US" sz="2000" dirty="0">
+              <a:latin typeface="Arial" panose="020B0604020202020204" pitchFamily="34" charset="0"/>
+              <a:cs typeface="Arial" panose="020B0604020202020204" pitchFamily="34" charset="0"/>
+            </a:endParaRPr>
+          </a:p>
+          <a:p>
+            <a:endParaRPr lang="en-US" sz="2000" dirty="0">
+              <a:latin typeface="Arial" panose="020B0604020202020204" pitchFamily="34" charset="0"/>
+              <a:cs typeface="Arial" panose="020B0604020202020204" pitchFamily="34" charset="0"/>
+            </a:endParaRPr>
+          </a:p>
+          <a:p>
+            <a:endParaRPr lang="en-US" sz="2000" dirty="0">
+              <a:latin typeface="Arial" panose="020B0604020202020204" pitchFamily="34" charset="0"/>
+              <a:cs typeface="Arial" panose="020B0604020202020204" pitchFamily="34" charset="0"/>
+            </a:endParaRPr>
+          </a:p>
+          <a:p>
+            <a:endParaRPr lang="en-US" sz="2000" dirty="0">
+              <a:latin typeface="Arial" panose="020B0604020202020204" pitchFamily="34" charset="0"/>
+              <a:cs typeface="Arial" panose="020B0604020202020204" pitchFamily="34" charset="0"/>
+            </a:endParaRPr>
+          </a:p>
+          <a:p>
+            <a:endParaRPr lang="en-US" sz="2000" dirty="0">
+              <a:latin typeface="Arial" panose="020B0604020202020204" pitchFamily="34" charset="0"/>
+              <a:cs typeface="Arial" panose="020B0604020202020204" pitchFamily="34" charset="0"/>
+            </a:endParaRPr>
+          </a:p>
+          <a:p>
+            <a:endParaRPr lang="en-US" sz="2000" dirty="0">
+              <a:latin typeface="Arial" panose="020B0604020202020204" pitchFamily="34" charset="0"/>
+              <a:cs typeface="Arial" panose="020B0604020202020204" pitchFamily="34" charset="0"/>
+            </a:endParaRPr>
+          </a:p>
+          <a:p>
+            <a:endParaRPr lang="en-US" sz="2000" dirty="0">
               <a:latin typeface="Arial" panose="020B0604020202020204" pitchFamily="34" charset="0"/>
               <a:cs typeface="Arial" panose="020B0604020202020204" pitchFamily="34" charset="0"/>
             </a:endParaRPr>
@@ -6341,7 +6270,7 @@
           <a:p>
             <a:pPr algn="ctr"/>
             <a:r>
-              <a:rPr lang="en-US" sz="3200" b="1" dirty="0" smtClean="0">
+              <a:rPr lang="en-US" sz="3200" b="1" dirty="0">
                 <a:solidFill>
                   <a:schemeClr val="bg1"/>
                 </a:solidFill>
@@ -6350,13 +6279,6 @@
               </a:rPr>
               <a:t>Models and Discussion</a:t>
             </a:r>
-            <a:endParaRPr lang="en-US" sz="3200" b="1" dirty="0">
-              <a:solidFill>
-                <a:schemeClr val="bg1"/>
-              </a:solidFill>
-              <a:latin typeface="Arial" panose="020B0604020202020204" pitchFamily="34" charset="0"/>
-              <a:cs typeface="Arial" panose="020B0604020202020204" pitchFamily="34" charset="0"/>
-            </a:endParaRPr>
           </a:p>
         </p:txBody>
       </p:sp>
@@ -6551,42 +6473,21 @@
               <a:buChar char="•"/>
             </a:pPr>
             <a:r>
-              <a:rPr lang="en-US" sz="2000" dirty="0" smtClean="0">
-                <a:latin typeface="Arial" panose="020B0604020202020204" pitchFamily="34" charset="0"/>
-                <a:cs typeface="Arial" panose="020B0604020202020204" pitchFamily="34" charset="0"/>
-              </a:rPr>
-              <a:t>We </a:t>
-            </a:r>
-            <a:r>
-              <a:rPr lang="en-US" sz="2000" dirty="0" smtClean="0">
-                <a:latin typeface="Arial" panose="020B0604020202020204" pitchFamily="34" charset="0"/>
-                <a:cs typeface="Arial" panose="020B0604020202020204" pitchFamily="34" charset="0"/>
-              </a:rPr>
-              <a:t>deve</a:t>
-            </a:r>
-            <a:r>
-              <a:rPr lang="en-US" sz="2000" dirty="0" smtClean="0">
-                <a:latin typeface="Arial" panose="020B0604020202020204" pitchFamily="34" charset="0"/>
-                <a:cs typeface="Arial" panose="020B0604020202020204" pitchFamily="34" charset="0"/>
-              </a:rPr>
-              <a:t>loped logistic regression and deep neural network classifiers for user verification through biometric typing pattern data on mobile devices, achieving</a:t>
-            </a:r>
-            <a:r>
-              <a:rPr lang="en-US" sz="2000" dirty="0" smtClean="0">
-                <a:latin typeface="Arial" panose="020B0604020202020204" pitchFamily="34" charset="0"/>
-                <a:cs typeface="Arial" panose="020B0604020202020204" pitchFamily="34" charset="0"/>
-              </a:rPr>
-              <a:t> </a:t>
-            </a:r>
-            <a:r>
-              <a:rPr lang="en-US" sz="2000" b="1" dirty="0" smtClean="0">
+              <a:rPr lang="en-US" sz="2000" dirty="0">
+                <a:latin typeface="Arial" panose="020B0604020202020204" pitchFamily="34" charset="0"/>
+                <a:cs typeface="Arial" panose="020B0604020202020204" pitchFamily="34" charset="0"/>
+              </a:rPr>
+              <a:t>We developed logistic regression and deep neural network classifiers for user verification through biometric typing pattern data on mobile devices, achieving </a:t>
+            </a:r>
+            <a:r>
+              <a:rPr lang="en-US" sz="2000" b="1" dirty="0">
                 <a:latin typeface="Arial" panose="020B0604020202020204" pitchFamily="34" charset="0"/>
                 <a:cs typeface="Arial" panose="020B0604020202020204" pitchFamily="34" charset="0"/>
               </a:rPr>
               <a:t>79.8% accuracy</a:t>
             </a:r>
             <a:r>
-              <a:rPr lang="en-US" sz="2000" dirty="0" smtClean="0">
+              <a:rPr lang="en-US" sz="2000" dirty="0">
                 <a:latin typeface="Arial" panose="020B0604020202020204" pitchFamily="34" charset="0"/>
                 <a:cs typeface="Arial" panose="020B0604020202020204" pitchFamily="34" charset="0"/>
               </a:rPr>
@@ -6599,102 +6500,39 @@
               <a:buChar char="•"/>
             </a:pPr>
             <a:r>
-              <a:rPr lang="en-US" sz="2000" dirty="0" smtClean="0">
-                <a:latin typeface="Arial" panose="020B0604020202020204" pitchFamily="34" charset="0"/>
-                <a:cs typeface="Arial" panose="020B0604020202020204" pitchFamily="34" charset="0"/>
-              </a:rPr>
-              <a:t>Applications of</a:t>
-            </a:r>
-            <a:r>
-              <a:rPr lang="en-US" sz="2000" dirty="0" smtClean="0">
-                <a:latin typeface="Arial" panose="020B0604020202020204" pitchFamily="34" charset="0"/>
-                <a:cs typeface="Arial" panose="020B0604020202020204" pitchFamily="34" charset="0"/>
-              </a:rPr>
-              <a:t> these discriminatory classifiers are in enhancing device security </a:t>
-            </a:r>
-            <a:r>
-              <a:rPr lang="en-US" sz="2000" dirty="0" smtClean="0">
-                <a:latin typeface="Arial" panose="020B0604020202020204" pitchFamily="34" charset="0"/>
-                <a:cs typeface="Arial" panose="020B0604020202020204" pitchFamily="34" charset="0"/>
-              </a:rPr>
-              <a:t>by adding another </a:t>
-            </a:r>
-            <a:r>
-              <a:rPr lang="en-US" sz="2000" b="1" dirty="0" smtClean="0">
+              <a:rPr lang="en-US" sz="2000" dirty="0">
+                <a:latin typeface="Arial" panose="020B0604020202020204" pitchFamily="34" charset="0"/>
+                <a:cs typeface="Arial" panose="020B0604020202020204" pitchFamily="34" charset="0"/>
+              </a:rPr>
+              <a:t>Applications of these discriminatory classifiers are in enhancing device security by adding another </a:t>
+            </a:r>
+            <a:r>
+              <a:rPr lang="en-US" sz="2000" b="1" dirty="0">
                 <a:latin typeface="Arial" panose="020B0604020202020204" pitchFamily="34" charset="0"/>
                 <a:cs typeface="Arial" panose="020B0604020202020204" pitchFamily="34" charset="0"/>
               </a:rPr>
               <a:t>layer of verification</a:t>
             </a:r>
             <a:r>
-              <a:rPr lang="en-US" sz="2000" dirty="0" smtClean="0">
-                <a:latin typeface="Arial" panose="020B0604020202020204" pitchFamily="34" charset="0"/>
-                <a:cs typeface="Arial" panose="020B0604020202020204" pitchFamily="34" charset="0"/>
-              </a:rPr>
-              <a:t>. </a:t>
-            </a:r>
-            <a:r>
-              <a:rPr lang="en-US" sz="2000" dirty="0" smtClean="0">
-                <a:latin typeface="Arial" panose="020B0604020202020204" pitchFamily="34" charset="0"/>
-                <a:cs typeface="Arial" panose="020B0604020202020204" pitchFamily="34" charset="0"/>
-              </a:rPr>
-              <a:t>By writing this </a:t>
-            </a:r>
-            <a:r>
-              <a:rPr lang="en-US" sz="2000" dirty="0" smtClean="0">
-                <a:latin typeface="Arial" panose="020B0604020202020204" pitchFamily="34" charset="0"/>
-                <a:cs typeface="Arial" panose="020B0604020202020204" pitchFamily="34" charset="0"/>
-              </a:rPr>
-              <a:t>classifier onto </a:t>
-            </a:r>
-            <a:r>
-              <a:rPr lang="en-US" sz="2000" dirty="0" smtClean="0">
-                <a:latin typeface="Arial" panose="020B0604020202020204" pitchFamily="34" charset="0"/>
-                <a:cs typeface="Arial" panose="020B0604020202020204" pitchFamily="34" charset="0"/>
-              </a:rPr>
-              <a:t>mobile devices </a:t>
-            </a:r>
-            <a:r>
-              <a:rPr lang="en-US" sz="2000" dirty="0" smtClean="0">
-                <a:latin typeface="Arial" panose="020B0604020202020204" pitchFamily="34" charset="0"/>
-                <a:cs typeface="Arial" panose="020B0604020202020204" pitchFamily="34" charset="0"/>
-              </a:rPr>
-              <a:t>and training it on a user’s </a:t>
-            </a:r>
-            <a:r>
-              <a:rPr lang="en-US" sz="2000" dirty="0" err="1" smtClean="0">
+              <a:rPr lang="en-US" sz="2000" dirty="0">
+                <a:latin typeface="Arial" panose="020B0604020202020204" pitchFamily="34" charset="0"/>
+                <a:cs typeface="Arial" panose="020B0604020202020204" pitchFamily="34" charset="0"/>
+              </a:rPr>
+              <a:t>. By writing this classifier onto mobile devices and training it on a user’s </a:t>
+            </a:r>
+            <a:r>
+              <a:rPr lang="en-US" sz="2000" dirty="0" err="1">
                 <a:latin typeface="Arial" panose="020B0604020202020204" pitchFamily="34" charset="0"/>
                 <a:cs typeface="Arial" panose="020B0604020202020204" pitchFamily="34" charset="0"/>
               </a:rPr>
               <a:t>featurized</a:t>
             </a:r>
             <a:r>
-              <a:rPr lang="en-US" sz="2000" dirty="0" smtClean="0">
-                <a:latin typeface="Arial" panose="020B0604020202020204" pitchFamily="34" charset="0"/>
-                <a:cs typeface="Arial" panose="020B0604020202020204" pitchFamily="34" charset="0"/>
-              </a:rPr>
-              <a:t> password input, we can ensure that even if a password’s content is typed in properly, it must be typed in with the learned cadence of the original user in order to be verified. This will effectively proof every mobile device from brute force password attacks by adding an unknown </a:t>
-            </a:r>
-            <a:r>
-              <a:rPr lang="en-US" sz="2000" dirty="0" smtClean="0">
-                <a:latin typeface="Arial" panose="020B0604020202020204" pitchFamily="34" charset="0"/>
-                <a:cs typeface="Arial" panose="020B0604020202020204" pitchFamily="34" charset="0"/>
-              </a:rPr>
-              <a:t>number of </a:t>
-            </a:r>
-            <a:r>
-              <a:rPr lang="en-US" sz="2000" dirty="0" smtClean="0">
-                <a:latin typeface="Arial" panose="020B0604020202020204" pitchFamily="34" charset="0"/>
-                <a:cs typeface="Arial" panose="020B0604020202020204" pitchFamily="34" charset="0"/>
-              </a:rPr>
-              <a:t>additional features the attacker must account for. Additionally, this has the ability to continually verify the authenticity of the user based on their typing patterns as they use the mobile device, hardening against device takeover by ensuring that only the primary user has access to the phone</a:t>
-            </a:r>
-            <a:r>
-              <a:rPr lang="en-US" sz="2000" dirty="0" smtClean="0">
-                <a:latin typeface="Arial" panose="020B0604020202020204" pitchFamily="34" charset="0"/>
-                <a:cs typeface="Arial" panose="020B0604020202020204" pitchFamily="34" charset="0"/>
-              </a:rPr>
-              <a:t>.</a:t>
+              <a:rPr lang="en-US" sz="2000" dirty="0">
+                <a:latin typeface="Arial" panose="020B0604020202020204" pitchFamily="34" charset="0"/>
+                <a:cs typeface="Arial" panose="020B0604020202020204" pitchFamily="34" charset="0"/>
+              </a:rPr>
+              <a:t> password input, we can ensure that even if a password’s content is typed in properly, it must be typed in with the learned cadence of the original user in order to be verified. This will effectively proof every mobile device from brute force password attacks by adding an unknown number of additional features the attacker must account for. Additionally, this has the ability to continually verify the authenticity of the user based on their typing patterns as they use the mobile device, hardening against device takeover by ensuring that only the primary user has access to the phone.</a:t>
             </a:r>
           </a:p>
           <a:p>
@@ -6703,42 +6541,42 @@
               <a:buChar char="•"/>
             </a:pPr>
             <a:r>
-              <a:rPr lang="en-US" sz="2000" b="1" dirty="0" smtClean="0">
+              <a:rPr lang="en-US" sz="2000" b="1" dirty="0">
                 <a:latin typeface="Arial" panose="020B0604020202020204" pitchFamily="34" charset="0"/>
                 <a:cs typeface="Arial" panose="020B0604020202020204" pitchFamily="34" charset="0"/>
               </a:rPr>
               <a:t>Future work: </a:t>
             </a:r>
             <a:r>
-              <a:rPr lang="en-US" sz="2000" dirty="0" smtClean="0">
+              <a:rPr lang="en-US" sz="2000" dirty="0">
                 <a:latin typeface="Arial" panose="020B0604020202020204" pitchFamily="34" charset="0"/>
                 <a:cs typeface="Arial" panose="020B0604020202020204" pitchFamily="34" charset="0"/>
               </a:rPr>
               <a:t>In this research, we resampled by </a:t>
             </a:r>
             <a:r>
-              <a:rPr lang="en-US" sz="2000" dirty="0" err="1" smtClean="0">
+              <a:rPr lang="en-US" sz="2000" dirty="0" err="1">
                 <a:latin typeface="Arial" panose="020B0604020202020204" pitchFamily="34" charset="0"/>
                 <a:cs typeface="Arial" panose="020B0604020202020204" pitchFamily="34" charset="0"/>
               </a:rPr>
               <a:t>downsampling</a:t>
             </a:r>
             <a:r>
-              <a:rPr lang="en-US" sz="2000" dirty="0" smtClean="0">
+              <a:rPr lang="en-US" sz="2000" dirty="0">
                 <a:latin typeface="Arial" panose="020B0604020202020204" pitchFamily="34" charset="0"/>
                 <a:cs typeface="Arial" panose="020B0604020202020204" pitchFamily="34" charset="0"/>
               </a:rPr>
               <a:t> the majority class. Our flexible resampling framework allows for different resampling techniques, which can be explored in the future. Additionally, we can perform data augmentation using adversarial examples or other </a:t>
             </a:r>
             <a:r>
-              <a:rPr lang="en-US" sz="2000" dirty="0" err="1" smtClean="0">
+              <a:rPr lang="en-US" sz="2000" dirty="0" err="1">
                 <a:latin typeface="Arial" panose="020B0604020202020204" pitchFamily="34" charset="0"/>
                 <a:cs typeface="Arial" panose="020B0604020202020204" pitchFamily="34" charset="0"/>
               </a:rPr>
               <a:t>upsampling</a:t>
             </a:r>
             <a:r>
-              <a:rPr lang="en-US" sz="2000" dirty="0" smtClean="0">
+              <a:rPr lang="en-US" sz="2000" dirty="0">
                 <a:latin typeface="Arial" panose="020B0604020202020204" pitchFamily="34" charset="0"/>
                 <a:cs typeface="Arial" panose="020B0604020202020204" pitchFamily="34" charset="0"/>
               </a:rPr>
@@ -6794,7 +6632,7 @@
           <a:p>
             <a:pPr algn="ctr"/>
             <a:r>
-              <a:rPr lang="en-US" sz="3200" b="1" dirty="0" smtClean="0">
+              <a:rPr lang="en-US" sz="3200" b="1" dirty="0">
                 <a:solidFill>
                   <a:schemeClr val="bg1"/>
                 </a:solidFill>
@@ -6803,13 +6641,6 @@
               </a:rPr>
               <a:t>Conclusions and Future Work</a:t>
             </a:r>
-            <a:endParaRPr lang="en-US" sz="3200" b="1" dirty="0">
-              <a:solidFill>
-                <a:schemeClr val="bg1"/>
-              </a:solidFill>
-              <a:latin typeface="Arial" panose="020B0604020202020204" pitchFamily="34" charset="0"/>
-              <a:cs typeface="Arial" panose="020B0604020202020204" pitchFamily="34" charset="0"/>
-            </a:endParaRPr>
           </a:p>
         </p:txBody>
       </p:sp>
@@ -6967,35 +6798,7 @@
                 <a:latin typeface="Arial" panose="020B0604020202020204" pitchFamily="34" charset="0"/>
                 <a:cs typeface="Arial" panose="020B0604020202020204" pitchFamily="34" charset="0"/>
               </a:rPr>
-              <a:t> in the last ten years has spurred significant interest in </a:t>
-            </a:r>
-            <a:r>
-              <a:rPr lang="en-US" sz="2000" dirty="0" smtClean="0">
-                <a:latin typeface="Arial" panose="020B0604020202020204" pitchFamily="34" charset="0"/>
-                <a:cs typeface="Arial" panose="020B0604020202020204" pitchFamily="34" charset="0"/>
-              </a:rPr>
-              <a:t>biometric authentication </a:t>
-            </a:r>
-            <a:r>
-              <a:rPr lang="en-US" sz="2000" dirty="0">
-                <a:latin typeface="Arial" panose="020B0604020202020204" pitchFamily="34" charset="0"/>
-                <a:cs typeface="Arial" panose="020B0604020202020204" pitchFamily="34" charset="0"/>
-              </a:rPr>
-              <a:t>models for </a:t>
-            </a:r>
-            <a:r>
-              <a:rPr lang="en-US" sz="2000" dirty="0" smtClean="0">
-                <a:latin typeface="Arial" panose="020B0604020202020204" pitchFamily="34" charset="0"/>
-                <a:cs typeface="Arial" panose="020B0604020202020204" pitchFamily="34" charset="0"/>
-              </a:rPr>
-              <a:t>mobile </a:t>
-            </a:r>
-            <a:r>
-              <a:rPr lang="en-US" sz="2000" dirty="0">
-                <a:latin typeface="Arial" panose="020B0604020202020204" pitchFamily="34" charset="0"/>
-                <a:cs typeface="Arial" panose="020B0604020202020204" pitchFamily="34" charset="0"/>
-              </a:rPr>
-              <a:t>devices.</a:t>
+              <a:t> in the last ten years has spurred significant interest in biometric authentication models for mobile devices.</a:t>
             </a:r>
           </a:p>
           <a:p>
@@ -7024,10 +6827,6 @@
               </a:rPr>
               <a:t>in personal devices. As mobile devices store increasingly valuable and confidential information, learning classifiers to detect fraud is becoming ever more applicable and important. </a:t>
             </a:r>
-            <a:endParaRPr lang="en-US" sz="2000" dirty="0" smtClean="0">
-              <a:latin typeface="Arial" panose="020B0604020202020204" pitchFamily="34" charset="0"/>
-              <a:cs typeface="Arial" panose="020B0604020202020204" pitchFamily="34" charset="0"/>
-            </a:endParaRPr>
           </a:p>
           <a:p>
             <a:pPr marL="285750" indent="-285750" eaLnBrk="1" hangingPunct="1">
@@ -7035,46 +6834,25 @@
               <a:buChar char="•"/>
             </a:pPr>
             <a:r>
-              <a:rPr lang="en-US" sz="2000" dirty="0" smtClean="0">
-                <a:latin typeface="Arial" panose="020B0604020202020204" pitchFamily="34" charset="0"/>
-                <a:cs typeface="Arial" panose="020B0604020202020204" pitchFamily="34" charset="0"/>
-              </a:rPr>
-              <a:t>At </a:t>
-            </a:r>
-            <a:r>
               <a:rPr lang="en-US" sz="2000" dirty="0">
                 <a:latin typeface="Arial" panose="020B0604020202020204" pitchFamily="34" charset="0"/>
                 <a:cs typeface="Arial" panose="020B0604020202020204" pitchFamily="34" charset="0"/>
               </a:rPr>
-              <a:t>the same time, a general, space-efficient, and real-time framework is required to be viable in practice. To this end, we develop fraud detection algorithms that use real-time keystroke dynamics data, and propose a </a:t>
+              <a:t>At the same time, a general, space-efficient, and real-time framework is required to be viable in practice. To this end, we develop fraud detection algorithms that use real-time keystroke dynamics data, and propose a </a:t>
             </a:r>
             <a:r>
               <a:rPr lang="en-US" sz="2000" b="1" dirty="0">
                 <a:latin typeface="Arial" panose="020B0604020202020204" pitchFamily="34" charset="0"/>
                 <a:cs typeface="Arial" panose="020B0604020202020204" pitchFamily="34" charset="0"/>
               </a:rPr>
-              <a:t>space-efficient </a:t>
-            </a:r>
-            <a:r>
-              <a:rPr lang="en-US" sz="2000" b="1" dirty="0" smtClean="0">
-                <a:latin typeface="Arial" panose="020B0604020202020204" pitchFamily="34" charset="0"/>
-                <a:cs typeface="Arial" panose="020B0604020202020204" pitchFamily="34" charset="0"/>
-              </a:rPr>
-              <a:t>real-time authentication framework</a:t>
-            </a:r>
-            <a:r>
-              <a:rPr lang="en-US" sz="2000" dirty="0" smtClean="0">
-                <a:latin typeface="Arial" panose="020B0604020202020204" pitchFamily="34" charset="0"/>
-                <a:cs typeface="Arial" panose="020B0604020202020204" pitchFamily="34" charset="0"/>
-              </a:rPr>
-              <a:t> </a:t>
+              <a:t>space-efficient real-time authentication framework</a:t>
             </a:r>
             <a:r>
               <a:rPr lang="en-US" sz="2000" dirty="0">
                 <a:latin typeface="Arial" panose="020B0604020202020204" pitchFamily="34" charset="0"/>
                 <a:cs typeface="Arial" panose="020B0604020202020204" pitchFamily="34" charset="0"/>
               </a:rPr>
-              <a:t>that can be integrated into native software across all mobile devices. </a:t>
+              <a:t> that can be integrated into native software across all mobile devices. </a:t>
             </a:r>
           </a:p>
         </p:txBody>
@@ -7129,35 +6907,8 @@
                 <a:latin typeface="Arial" panose="020B0604020202020204" pitchFamily="34" charset="0"/>
                 <a:cs typeface="Arial" panose="020B0604020202020204" pitchFamily="34" charset="0"/>
               </a:rPr>
-              <a:t>Data </a:t>
-            </a:r>
-            <a:r>
-              <a:rPr lang="en-US" sz="3200" b="1" dirty="0" smtClean="0">
-                <a:solidFill>
-                  <a:schemeClr val="bg1"/>
-                </a:solidFill>
-                <a:latin typeface="Arial" panose="020B0604020202020204" pitchFamily="34" charset="0"/>
-                <a:cs typeface="Arial" panose="020B0604020202020204" pitchFamily="34" charset="0"/>
-              </a:rPr>
-              <a:t>and </a:t>
-            </a:r>
-            <a:r>
-              <a:rPr lang="en-US" sz="3200" b="1" dirty="0" smtClean="0">
-                <a:solidFill>
-                  <a:schemeClr val="bg1"/>
-                </a:solidFill>
-                <a:latin typeface="Arial" panose="020B0604020202020204" pitchFamily="34" charset="0"/>
-                <a:cs typeface="Arial" panose="020B0604020202020204" pitchFamily="34" charset="0"/>
-              </a:rPr>
-              <a:t>Features</a:t>
-            </a:r>
-            <a:endParaRPr lang="en-US" sz="3200" b="1" dirty="0">
-              <a:solidFill>
-                <a:schemeClr val="bg1"/>
-              </a:solidFill>
-              <a:latin typeface="Arial" panose="020B0604020202020204" pitchFamily="34" charset="0"/>
-              <a:cs typeface="Arial" panose="020B0604020202020204" pitchFamily="34" charset="0"/>
-            </a:endParaRPr>
+              <a:t>Data and Features</a:t>
+            </a:r>
           </a:p>
         </p:txBody>
       </p:sp>
@@ -7384,14 +7135,7 @@
                 <a:latin typeface="Arial" panose="020B0604020202020204" pitchFamily="34" charset="0"/>
                 <a:cs typeface="Arial" panose="020B0604020202020204" pitchFamily="34" charset="0"/>
               </a:rPr>
-              <a:t> the majority class and oversample the minority class as necessary. This ensures parity between labels of different user and same user in the training data</a:t>
-            </a:r>
-            <a:r>
-              <a:rPr lang="en-US" sz="2000" dirty="0" smtClean="0">
-                <a:latin typeface="Arial" panose="020B0604020202020204" pitchFamily="34" charset="0"/>
-                <a:cs typeface="Arial" panose="020B0604020202020204" pitchFamily="34" charset="0"/>
-              </a:rPr>
-              <a:t>.</a:t>
+              <a:t> the majority class and oversample the minority class as necessary. This ensures parity between labels of different user and same user in the training data.</a:t>
             </a:r>
           </a:p>
           <a:p>
@@ -7606,47 +7350,40 @@
                 <a:latin typeface="Arial" panose="020B0604020202020204" pitchFamily="34" charset="0"/>
                 <a:cs typeface="Arial" panose="020B0604020202020204" pitchFamily="34" charset="0"/>
               </a:rPr>
-              <a:t>, 2006</a:t>
-            </a:r>
-            <a:r>
-              <a:rPr lang="en-US" sz="1440" dirty="0" smtClean="0">
-                <a:latin typeface="Arial" panose="020B0604020202020204" pitchFamily="34" charset="0"/>
-                <a:cs typeface="Arial" panose="020B0604020202020204" pitchFamily="34" charset="0"/>
-              </a:rPr>
-              <a:t>.</a:t>
-            </a:r>
-          </a:p>
-          <a:p>
-            <a:r>
-              <a:rPr lang="en-US" sz="1440" dirty="0" smtClean="0">
+              <a:t>, 2006.</a:t>
+            </a:r>
+          </a:p>
+          <a:p>
+            <a:r>
+              <a:rPr lang="en-US" sz="1440" dirty="0">
                 <a:latin typeface="Arial" panose="020B0604020202020204" pitchFamily="34" charset="0"/>
                 <a:cs typeface="Arial" panose="020B0604020202020204" pitchFamily="34" charset="0"/>
               </a:rPr>
               <a:t>[4] L.J.P. van der </a:t>
             </a:r>
             <a:r>
-              <a:rPr lang="en-US" sz="1440" dirty="0" err="1" smtClean="0">
+              <a:rPr lang="en-US" sz="1440" dirty="0" err="1">
                 <a:latin typeface="Arial" panose="020B0604020202020204" pitchFamily="34" charset="0"/>
                 <a:cs typeface="Arial" panose="020B0604020202020204" pitchFamily="34" charset="0"/>
               </a:rPr>
               <a:t>Maaten</a:t>
             </a:r>
             <a:r>
-              <a:rPr lang="en-US" sz="1440" dirty="0" smtClean="0">
+              <a:rPr lang="en-US" sz="1440" dirty="0">
                 <a:latin typeface="Arial" panose="020B0604020202020204" pitchFamily="34" charset="0"/>
                 <a:cs typeface="Arial" panose="020B0604020202020204" pitchFamily="34" charset="0"/>
               </a:rPr>
               <a:t>. Accelerating t-SNE using Tree-Based Algorithms. </a:t>
             </a:r>
             <a:r>
-              <a:rPr lang="en-US" sz="1440" i="1" dirty="0" smtClean="0">
+              <a:rPr lang="en-US" sz="1440" i="1" dirty="0">
                 <a:latin typeface="Arial" panose="020B0604020202020204" pitchFamily="34" charset="0"/>
                 <a:cs typeface="Arial" panose="020B0604020202020204" pitchFamily="34" charset="0"/>
               </a:rPr>
               <a:t>Journal of Machine Learning Research</a:t>
             </a:r>
             <a:r>
-              <a:rPr lang="en-US" sz="1440" dirty="0" smtClean="0">
+              <a:rPr lang="en-US" sz="1440" dirty="0">
                 <a:latin typeface="Arial" panose="020B0604020202020204" pitchFamily="34" charset="0"/>
                 <a:cs typeface="Arial" panose="020B0604020202020204" pitchFamily="34" charset="0"/>
               </a:rPr>
@@ -7655,63 +7392,63 @@
           </a:p>
           <a:p>
             <a:r>
-              <a:rPr lang="en-US" sz="1440" dirty="0" smtClean="0">
+              <a:rPr lang="en-US" sz="1440" dirty="0">
                 <a:latin typeface="Arial" panose="020B0604020202020204" pitchFamily="34" charset="0"/>
                 <a:cs typeface="Arial" panose="020B0604020202020204" pitchFamily="34" charset="0"/>
               </a:rPr>
               <a:t>[5] A. </a:t>
             </a:r>
             <a:r>
-              <a:rPr lang="en-US" sz="1440" dirty="0" err="1" smtClean="0">
+              <a:rPr lang="en-US" sz="1440" dirty="0" err="1">
                 <a:latin typeface="Arial" panose="020B0604020202020204" pitchFamily="34" charset="0"/>
                 <a:cs typeface="Arial" panose="020B0604020202020204" pitchFamily="34" charset="0"/>
               </a:rPr>
               <a:t>Fawzi</a:t>
             </a:r>
             <a:r>
-              <a:rPr lang="en-US" sz="1440" dirty="0" smtClean="0">
+              <a:rPr lang="en-US" sz="1440" dirty="0">
                 <a:latin typeface="Arial" panose="020B0604020202020204" pitchFamily="34" charset="0"/>
                 <a:cs typeface="Arial" panose="020B0604020202020204" pitchFamily="34" charset="0"/>
               </a:rPr>
               <a:t>, S. </a:t>
             </a:r>
             <a:r>
-              <a:rPr lang="en-US" sz="1440" dirty="0" err="1" smtClean="0">
+              <a:rPr lang="en-US" sz="1440" dirty="0" err="1">
                 <a:latin typeface="Arial" panose="020B0604020202020204" pitchFamily="34" charset="0"/>
                 <a:cs typeface="Arial" panose="020B0604020202020204" pitchFamily="34" charset="0"/>
               </a:rPr>
               <a:t>Moosavi-Dezfooli</a:t>
             </a:r>
             <a:r>
-              <a:rPr lang="en-US" sz="1440" dirty="0" smtClean="0">
+              <a:rPr lang="en-US" sz="1440" dirty="0">
                 <a:latin typeface="Arial" panose="020B0604020202020204" pitchFamily="34" charset="0"/>
                 <a:cs typeface="Arial" panose="020B0604020202020204" pitchFamily="34" charset="0"/>
               </a:rPr>
               <a:t>, P. </a:t>
             </a:r>
             <a:r>
-              <a:rPr lang="en-US" sz="1440" dirty="0" err="1" smtClean="0">
+              <a:rPr lang="en-US" sz="1440" dirty="0" err="1">
                 <a:latin typeface="Arial" panose="020B0604020202020204" pitchFamily="34" charset="0"/>
                 <a:cs typeface="Arial" panose="020B0604020202020204" pitchFamily="34" charset="0"/>
               </a:rPr>
               <a:t>Frossard</a:t>
             </a:r>
             <a:r>
-              <a:rPr lang="en-US" sz="1440" dirty="0" smtClean="0">
+              <a:rPr lang="en-US" sz="1440" dirty="0">
                 <a:latin typeface="Arial" panose="020B0604020202020204" pitchFamily="34" charset="0"/>
                 <a:cs typeface="Arial" panose="020B0604020202020204" pitchFamily="34" charset="0"/>
               </a:rPr>
               <a:t>. Robustness of classifiers: from adversarial to random noise. </a:t>
             </a:r>
             <a:r>
-              <a:rPr lang="en-US" sz="1440" i="1" dirty="0" smtClean="0">
+              <a:rPr lang="en-US" sz="1440" i="1" dirty="0">
                 <a:latin typeface="Arial" panose="020B0604020202020204" pitchFamily="34" charset="0"/>
                 <a:cs typeface="Arial" panose="020B0604020202020204" pitchFamily="34" charset="0"/>
               </a:rPr>
               <a:t>NIPS</a:t>
             </a:r>
             <a:r>
-              <a:rPr lang="en-US" sz="1440" dirty="0" smtClean="0">
+              <a:rPr lang="en-US" sz="1440" dirty="0">
                 <a:latin typeface="Arial" panose="020B0604020202020204" pitchFamily="34" charset="0"/>
                 <a:cs typeface="Arial" panose="020B0604020202020204" pitchFamily="34" charset="0"/>
               </a:rPr>
@@ -7720,35 +7457,35 @@
           </a:p>
           <a:p>
             <a:r>
-              <a:rPr lang="en-US" sz="1440" dirty="0" smtClean="0">
+              <a:rPr lang="en-US" sz="1440" dirty="0">
                 <a:latin typeface="Arial" panose="020B0604020202020204" pitchFamily="34" charset="0"/>
                 <a:cs typeface="Arial" panose="020B0604020202020204" pitchFamily="34" charset="0"/>
               </a:rPr>
               <a:t>[6] C. </a:t>
             </a:r>
             <a:r>
-              <a:rPr lang="en-US" sz="1440" dirty="0" err="1" smtClean="0">
+              <a:rPr lang="en-US" sz="1440" dirty="0" err="1">
                 <a:latin typeface="Arial" panose="020B0604020202020204" pitchFamily="34" charset="0"/>
                 <a:cs typeface="Arial" panose="020B0604020202020204" pitchFamily="34" charset="0"/>
               </a:rPr>
               <a:t>Dwork</a:t>
             </a:r>
             <a:r>
-              <a:rPr lang="en-US" sz="1440" dirty="0" smtClean="0">
+              <a:rPr lang="en-US" sz="1440" dirty="0">
                 <a:latin typeface="Arial" panose="020B0604020202020204" pitchFamily="34" charset="0"/>
                 <a:cs typeface="Arial" panose="020B0604020202020204" pitchFamily="34" charset="0"/>
               </a:rPr>
               <a:t>, A. Roth. Differential privacy. </a:t>
             </a:r>
             <a:r>
-              <a:rPr lang="en-US" sz="1440" i="1" dirty="0" smtClean="0">
+              <a:rPr lang="en-US" sz="1440" i="1" dirty="0">
                 <a:latin typeface="Arial" panose="020B0604020202020204" pitchFamily="34" charset="0"/>
                 <a:cs typeface="Arial" panose="020B0604020202020204" pitchFamily="34" charset="0"/>
               </a:rPr>
               <a:t>Foundations and Trends in Computer Science</a:t>
             </a:r>
             <a:r>
-              <a:rPr lang="en-US" sz="1440" dirty="0" smtClean="0">
+              <a:rPr lang="en-US" sz="1440" dirty="0">
                 <a:latin typeface="Arial" panose="020B0604020202020204" pitchFamily="34" charset="0"/>
                 <a:cs typeface="Arial" panose="020B0604020202020204" pitchFamily="34" charset="0"/>
               </a:rPr>
@@ -7757,18 +7494,11 @@
           </a:p>
           <a:p>
             <a:r>
-              <a:rPr lang="en-US" sz="1440" dirty="0" smtClean="0">
-                <a:latin typeface="Arial" panose="020B0604020202020204" pitchFamily="34" charset="0"/>
-                <a:cs typeface="Arial" panose="020B0604020202020204" pitchFamily="34" charset="0"/>
-              </a:rPr>
-              <a:t>[</a:t>
-            </a:r>
-            <a:r>
               <a:rPr lang="en-US" sz="1440" dirty="0">
                 <a:latin typeface="Arial" panose="020B0604020202020204" pitchFamily="34" charset="0"/>
                 <a:cs typeface="Arial" panose="020B0604020202020204" pitchFamily="34" charset="0"/>
               </a:rPr>
-              <a:t>7] Y. Gal, Z. </a:t>
+              <a:t>[7] Y. Gal, Z. </a:t>
             </a:r>
             <a:r>
               <a:rPr lang="en-US" sz="1440" dirty="0" err="1">
@@ -8005,28 +7735,28 @@
                     <a:gridCol w="827251">
                       <a:extLst>
                         <a:ext uri="{9D8B030D-6E8A-4147-A177-3AD203B41FA5}">
-                          <a16:colId xmlns="" xmlns:a16="http://schemas.microsoft.com/office/drawing/2014/main" val="20000"/>
+                          <a16:colId xmlns:a16="http://schemas.microsoft.com/office/drawing/2014/main" val="20000"/>
                         </a:ext>
                       </a:extLst>
                     </a:gridCol>
                     <a:gridCol w="678823">
                       <a:extLst>
                         <a:ext uri="{9D8B030D-6E8A-4147-A177-3AD203B41FA5}">
-                          <a16:colId xmlns="" xmlns:a16="http://schemas.microsoft.com/office/drawing/2014/main" val="20001"/>
+                          <a16:colId xmlns:a16="http://schemas.microsoft.com/office/drawing/2014/main" val="20001"/>
                         </a:ext>
                       </a:extLst>
                     </a:gridCol>
                     <a:gridCol w="566635">
                       <a:extLst>
                         <a:ext uri="{9D8B030D-6E8A-4147-A177-3AD203B41FA5}">
-                          <a16:colId xmlns="" xmlns:a16="http://schemas.microsoft.com/office/drawing/2014/main" val="20002"/>
+                          <a16:colId xmlns:a16="http://schemas.microsoft.com/office/drawing/2014/main" val="20002"/>
                         </a:ext>
                       </a:extLst>
                     </a:gridCol>
                     <a:gridCol w="1381150">
                       <a:extLst>
                         <a:ext uri="{9D8B030D-6E8A-4147-A177-3AD203B41FA5}">
-                          <a16:colId xmlns="" xmlns:a16="http://schemas.microsoft.com/office/drawing/2014/main" val="20003"/>
+                          <a16:colId xmlns:a16="http://schemas.microsoft.com/office/drawing/2014/main" val="20003"/>
                         </a:ext>
                       </a:extLst>
                     </a:gridCol>
@@ -8130,7 +7860,7 @@
                     </a:tc>
                     <a:extLst>
                       <a:ext uri="{0D108BD9-81ED-4DB2-BD59-A6C34878D82A}">
-                        <a16:rowId xmlns="" xmlns:a16="http://schemas.microsoft.com/office/drawing/2014/main" val="10000"/>
+                        <a16:rowId xmlns:a16="http://schemas.microsoft.com/office/drawing/2014/main" val="10000"/>
                       </a:ext>
                     </a:extLst>
                   </a:tr>
@@ -8205,7 +7935,7 @@
                     </a:tc>
                     <a:extLst>
                       <a:ext uri="{0D108BD9-81ED-4DB2-BD59-A6C34878D82A}">
-                        <a16:rowId xmlns="" xmlns:a16="http://schemas.microsoft.com/office/drawing/2014/main" val="10001"/>
+                        <a16:rowId xmlns:a16="http://schemas.microsoft.com/office/drawing/2014/main" val="10001"/>
                       </a:ext>
                     </a:extLst>
                   </a:tr>
@@ -8280,7 +8010,7 @@
                     </a:tc>
                     <a:extLst>
                       <a:ext uri="{0D108BD9-81ED-4DB2-BD59-A6C34878D82A}">
-                        <a16:rowId xmlns="" xmlns:a16="http://schemas.microsoft.com/office/drawing/2014/main" val="10002"/>
+                        <a16:rowId xmlns:a16="http://schemas.microsoft.com/office/drawing/2014/main" val="10002"/>
                       </a:ext>
                     </a:extLst>
                   </a:tr>
@@ -8355,7 +8085,7 @@
                     </a:tc>
                     <a:extLst>
                       <a:ext uri="{0D108BD9-81ED-4DB2-BD59-A6C34878D82A}">
-                        <a16:rowId xmlns="" xmlns:a16="http://schemas.microsoft.com/office/drawing/2014/main" val="10003"/>
+                        <a16:rowId xmlns:a16="http://schemas.microsoft.com/office/drawing/2014/main" val="10003"/>
                       </a:ext>
                     </a:extLst>
                   </a:tr>
@@ -9211,14 +8941,7 @@
                 <a:latin typeface="Arial" panose="020B0604020202020204" pitchFamily="34" charset="0"/>
                 <a:cs typeface="Arial" panose="020B0604020202020204" pitchFamily="34" charset="0"/>
               </a:rPr>
-              <a:t>Table </a:t>
-            </a:r>
-            <a:r>
-              <a:rPr lang="en-US" sz="1600" b="1" dirty="0" smtClean="0">
-                <a:latin typeface="Arial" panose="020B0604020202020204" pitchFamily="34" charset="0"/>
-                <a:cs typeface="Arial" panose="020B0604020202020204" pitchFamily="34" charset="0"/>
-              </a:rPr>
-              <a:t>2. </a:t>
+              <a:t>Table 2. </a:t>
             </a:r>
             <a:r>
               <a:rPr lang="en-US" sz="1600" dirty="0">
@@ -9239,7 +8962,7 @@
           <p:nvPr>
             <p:extLst>
               <p:ext uri="{D42A27DB-BD31-4B8C-83A1-F6EECF244321}">
-                <p14:modId xmlns:p14="http://schemas.microsoft.com/office/powerpoint/2010/main" val="1945116252"/>
+                <p14:modId xmlns:p14="http://schemas.microsoft.com/office/powerpoint/2010/main" val="4257642757"/>
               </p:ext>
             </p:extLst>
           </p:nvPr>
@@ -9255,12 +8978,48 @@
                 <a:tableStyleId>{69012ECD-51FC-41F1-AA8D-1B2483CD663E}</a:tableStyleId>
               </a:tblPr>
               <a:tblGrid>
-                <a:gridCol w="1479146"/>
-                <a:gridCol w="1392503"/>
-                <a:gridCol w="1392503"/>
-                <a:gridCol w="1469865"/>
-                <a:gridCol w="1469865"/>
-                <a:gridCol w="2025461"/>
+                <a:gridCol w="1479146">
+                  <a:extLst>
+                    <a:ext uri="{9D8B030D-6E8A-4147-A177-3AD203B41FA5}">
+                      <a16:colId xmlns:a16="http://schemas.microsoft.com/office/drawing/2014/main" val="20000"/>
+                    </a:ext>
+                  </a:extLst>
+                </a:gridCol>
+                <a:gridCol w="1392503">
+                  <a:extLst>
+                    <a:ext uri="{9D8B030D-6E8A-4147-A177-3AD203B41FA5}">
+                      <a16:colId xmlns:a16="http://schemas.microsoft.com/office/drawing/2014/main" val="20001"/>
+                    </a:ext>
+                  </a:extLst>
+                </a:gridCol>
+                <a:gridCol w="1392503">
+                  <a:extLst>
+                    <a:ext uri="{9D8B030D-6E8A-4147-A177-3AD203B41FA5}">
+                      <a16:colId xmlns:a16="http://schemas.microsoft.com/office/drawing/2014/main" val="20002"/>
+                    </a:ext>
+                  </a:extLst>
+                </a:gridCol>
+                <a:gridCol w="1469865">
+                  <a:extLst>
+                    <a:ext uri="{9D8B030D-6E8A-4147-A177-3AD203B41FA5}">
+                      <a16:colId xmlns:a16="http://schemas.microsoft.com/office/drawing/2014/main" val="20003"/>
+                    </a:ext>
+                  </a:extLst>
+                </a:gridCol>
+                <a:gridCol w="1469865">
+                  <a:extLst>
+                    <a:ext uri="{9D8B030D-6E8A-4147-A177-3AD203B41FA5}">
+                      <a16:colId xmlns:a16="http://schemas.microsoft.com/office/drawing/2014/main" val="20004"/>
+                    </a:ext>
+                  </a:extLst>
+                </a:gridCol>
+                <a:gridCol w="2025461">
+                  <a:extLst>
+                    <a:ext uri="{9D8B030D-6E8A-4147-A177-3AD203B41FA5}">
+                      <a16:colId xmlns:a16="http://schemas.microsoft.com/office/drawing/2014/main" val="20005"/>
+                    </a:ext>
+                  </a:extLst>
+                </a:gridCol>
               </a:tblGrid>
               <a:tr h="619922">
                 <a:tc>
@@ -9274,7 +9033,7 @@
                         </a:lnSpc>
                       </a:pPr>
                       <a:r>
-                        <a:rPr lang="en-US" sz="2000" b="1" i="0" u="none" strike="noStrike" dirty="0" smtClean="0">
+                        <a:rPr lang="en-US" sz="2000" b="1" i="0" u="none" strike="noStrike" dirty="0">
                           <a:solidFill>
                             <a:schemeClr val="bg1"/>
                           </a:solidFill>
@@ -9285,15 +9044,6 @@
                         </a:rPr>
                         <a:t>Model</a:t>
                       </a:r>
-                      <a:endParaRPr lang="en-US" sz="2000" b="1" i="0" u="none" strike="noStrike" dirty="0">
-                        <a:solidFill>
-                          <a:schemeClr val="bg1"/>
-                        </a:solidFill>
-                        <a:effectLst/>
-                        <a:latin typeface="Arial" charset="0"/>
-                        <a:ea typeface="Arial" charset="0"/>
-                        <a:cs typeface="Arial" charset="0"/>
-                      </a:endParaRPr>
                     </a:p>
                   </a:txBody>
                   <a:tcPr marL="12700" marR="12700" marT="12700" marB="0" anchor="ctr">
@@ -9497,6 +9247,11 @@
                     </a:solidFill>
                   </a:tcPr>
                 </a:tc>
+                <a:extLst>
+                  <a:ext uri="{0D108BD9-81ED-4DB2-BD59-A6C34878D82A}">
+                    <a16:rowId xmlns:a16="http://schemas.microsoft.com/office/drawing/2014/main" val="10000"/>
+                  </a:ext>
+                </a:extLst>
               </a:tr>
               <a:tr h="416970">
                 <a:tc>
@@ -9510,7 +9265,7 @@
                         </a:lnSpc>
                       </a:pPr>
                       <a:r>
-                        <a:rPr lang="en-US" sz="2000" u="none" strike="noStrike">
+                        <a:rPr lang="en-US" sz="2000" u="none" strike="noStrike" dirty="0">
                           <a:effectLst/>
                           <a:latin typeface="Arial" charset="0"/>
                           <a:ea typeface="Arial" charset="0"/>
@@ -9518,7 +9273,7 @@
                         </a:rPr>
                         <a:t>Logistic</a:t>
                       </a:r>
-                      <a:endParaRPr lang="en-US" sz="2000" b="0" i="0" u="none" strike="noStrike">
+                      <a:endParaRPr lang="en-US" sz="2000" b="0" i="0" u="none" strike="noStrike" dirty="0">
                         <a:solidFill>
                           <a:srgbClr val="000000"/>
                         </a:solidFill>
@@ -9606,7 +9361,7 @@
                         </a:lnSpc>
                       </a:pPr>
                       <a:r>
-                        <a:rPr lang="mr-IN" sz="2000" u="none" strike="noStrike">
+                        <a:rPr lang="mr-IN" sz="2000" u="none" strike="noStrike" dirty="0">
                           <a:effectLst/>
                           <a:latin typeface="Arial" charset="0"/>
                           <a:ea typeface="Arial" charset="0"/>
@@ -9614,7 +9369,7 @@
                         </a:rPr>
                         <a:t>23.88%</a:t>
                       </a:r>
-                      <a:endParaRPr lang="mr-IN" sz="2000" b="0" i="0" u="none" strike="noStrike">
+                      <a:endParaRPr lang="mr-IN" sz="2000" b="0" i="0" u="none" strike="noStrike" dirty="0">
                         <a:solidFill>
                           <a:srgbClr val="000000"/>
                         </a:solidFill>
@@ -9691,6 +9446,11 @@
                   </a:txBody>
                   <a:tcPr marL="12700" marR="12700" marT="12700" marB="0" anchor="ctr"/>
                 </a:tc>
+                <a:extLst>
+                  <a:ext uri="{0D108BD9-81ED-4DB2-BD59-A6C34878D82A}">
+                    <a16:rowId xmlns:a16="http://schemas.microsoft.com/office/drawing/2014/main" val="10001"/>
+                  </a:ext>
+                </a:extLst>
               </a:tr>
               <a:tr h="416970">
                 <a:tc>
@@ -9832,7 +9592,7 @@
                         </a:lnSpc>
                       </a:pPr>
                       <a:r>
-                        <a:rPr lang="mr-IN" sz="2000" u="none" strike="noStrike">
+                        <a:rPr lang="mr-IN" sz="2000" b="1" u="none" strike="noStrike" dirty="0">
                           <a:effectLst/>
                           <a:latin typeface="Arial" charset="0"/>
                           <a:ea typeface="Arial" charset="0"/>
@@ -9840,7 +9600,7 @@
                         </a:rPr>
                         <a:t>83.31%</a:t>
                       </a:r>
-                      <a:endParaRPr lang="mr-IN" sz="2000" b="0" i="0" u="none" strike="noStrike">
+                      <a:endParaRPr lang="mr-IN" sz="2000" b="1" i="0" u="none" strike="noStrike" dirty="0">
                         <a:solidFill>
                           <a:srgbClr val="000000"/>
                         </a:solidFill>
@@ -9885,6 +9645,11 @@
                   </a:txBody>
                   <a:tcPr marL="12700" marR="12700" marT="12700" marB="0" anchor="ctr"/>
                 </a:tc>
+                <a:extLst>
+                  <a:ext uri="{0D108BD9-81ED-4DB2-BD59-A6C34878D82A}">
+                    <a16:rowId xmlns:a16="http://schemas.microsoft.com/office/drawing/2014/main" val="10002"/>
+                  </a:ext>
+                </a:extLst>
               </a:tr>
               <a:tr h="416970">
                 <a:tc>
@@ -9994,7 +9759,7 @@
                         </a:lnSpc>
                       </a:pPr>
                       <a:r>
-                        <a:rPr lang="mr-IN" sz="2000" u="none" strike="noStrike">
+                        <a:rPr lang="mr-IN" sz="2000" b="1" u="none" strike="noStrike" dirty="0">
                           <a:effectLst/>
                           <a:latin typeface="Arial" charset="0"/>
                           <a:ea typeface="Arial" charset="0"/>
@@ -10002,7 +9767,7 @@
                         </a:rPr>
                         <a:t>99.78%</a:t>
                       </a:r>
-                      <a:endParaRPr lang="mr-IN" sz="2000" b="0" i="0" u="none" strike="noStrike">
+                      <a:endParaRPr lang="mr-IN" sz="2000" b="1" i="0" u="none" strike="noStrike" dirty="0">
                         <a:solidFill>
                           <a:srgbClr val="000000"/>
                         </a:solidFill>
@@ -10058,7 +9823,7 @@
                         </a:lnSpc>
                       </a:pPr>
                       <a:r>
-                        <a:rPr lang="mr-IN" sz="2000" u="none" strike="noStrike" dirty="0">
+                        <a:rPr lang="mr-IN" sz="2000" b="1" u="none" strike="noStrike" dirty="0">
                           <a:effectLst/>
                           <a:latin typeface="Arial" charset="0"/>
                           <a:ea typeface="Arial" charset="0"/>
@@ -10066,7 +9831,7 @@
                         </a:rPr>
                         <a:t>0.22%</a:t>
                       </a:r>
-                      <a:endParaRPr lang="mr-IN" sz="2000" b="0" i="0" u="none" strike="noStrike" dirty="0">
+                      <a:endParaRPr lang="mr-IN" sz="2000" b="1" i="0" u="none" strike="noStrike" dirty="0">
                         <a:solidFill>
                           <a:srgbClr val="000000"/>
                         </a:solidFill>
@@ -10079,6 +9844,11 @@
                   </a:txBody>
                   <a:tcPr marL="12700" marR="12700" marT="12700" marB="0" anchor="ctr"/>
                 </a:tc>
+                <a:extLst>
+                  <a:ext uri="{0D108BD9-81ED-4DB2-BD59-A6C34878D82A}">
+                    <a16:rowId xmlns:a16="http://schemas.microsoft.com/office/drawing/2014/main" val="10003"/>
+                  </a:ext>
+                </a:extLst>
               </a:tr>
               <a:tr h="416970">
                 <a:tc>
@@ -10273,6 +10043,11 @@
                   </a:txBody>
                   <a:tcPr marL="12700" marR="12700" marT="12700" marB="0" anchor="ctr"/>
                 </a:tc>
+                <a:extLst>
+                  <a:ext uri="{0D108BD9-81ED-4DB2-BD59-A6C34878D82A}">
+                    <a16:rowId xmlns:a16="http://schemas.microsoft.com/office/drawing/2014/main" val="10004"/>
+                  </a:ext>
+                </a:extLst>
               </a:tr>
               <a:tr h="416970">
                 <a:tc>
@@ -10467,6 +10242,11 @@
                   </a:txBody>
                   <a:tcPr marL="12700" marR="12700" marT="12700" marB="0" anchor="ctr"/>
                 </a:tc>
+                <a:extLst>
+                  <a:ext uri="{0D108BD9-81ED-4DB2-BD59-A6C34878D82A}">
+                    <a16:rowId xmlns:a16="http://schemas.microsoft.com/office/drawing/2014/main" val="10005"/>
+                  </a:ext>
+                </a:extLst>
               </a:tr>
               <a:tr h="416970">
                 <a:tc>
@@ -10661,6 +10441,11 @@
                   </a:txBody>
                   <a:tcPr marL="12700" marR="12700" marT="12700" marB="0" anchor="ctr"/>
                 </a:tc>
+                <a:extLst>
+                  <a:ext uri="{0D108BD9-81ED-4DB2-BD59-A6C34878D82A}">
+                    <a16:rowId xmlns:a16="http://schemas.microsoft.com/office/drawing/2014/main" val="10006"/>
+                  </a:ext>
+                </a:extLst>
               </a:tr>
               <a:tr h="416970">
                 <a:tc>
@@ -10855,6 +10640,11 @@
                   </a:txBody>
                   <a:tcPr marL="12700" marR="12700" marT="12700" marB="0" anchor="ctr"/>
                 </a:tc>
+                <a:extLst>
+                  <a:ext uri="{0D108BD9-81ED-4DB2-BD59-A6C34878D82A}">
+                    <a16:rowId xmlns:a16="http://schemas.microsoft.com/office/drawing/2014/main" val="10007"/>
+                  </a:ext>
+                </a:extLst>
               </a:tr>
               <a:tr h="416970">
                 <a:tc>
@@ -11049,6 +10839,11 @@
                   </a:txBody>
                   <a:tcPr marL="12700" marR="12700" marT="12700" marB="0" anchor="ctr"/>
                 </a:tc>
+                <a:extLst>
+                  <a:ext uri="{0D108BD9-81ED-4DB2-BD59-A6C34878D82A}">
+                    <a16:rowId xmlns:a16="http://schemas.microsoft.com/office/drawing/2014/main" val="10008"/>
+                  </a:ext>
+                </a:extLst>
               </a:tr>
               <a:tr h="416970">
                 <a:tc>
@@ -11243,6 +11038,11 @@
                   </a:txBody>
                   <a:tcPr marL="12700" marR="12700" marT="12700" marB="0" anchor="ctr"/>
                 </a:tc>
+                <a:extLst>
+                  <a:ext uri="{0D108BD9-81ED-4DB2-BD59-A6C34878D82A}">
+                    <a16:rowId xmlns:a16="http://schemas.microsoft.com/office/drawing/2014/main" val="10009"/>
+                  </a:ext>
+                </a:extLst>
               </a:tr>
               <a:tr h="416970">
                 <a:tc>
@@ -11437,6 +11237,11 @@
                   </a:txBody>
                   <a:tcPr marL="12700" marR="12700" marT="12700" marB="0" anchor="ctr"/>
                 </a:tc>
+                <a:extLst>
+                  <a:ext uri="{0D108BD9-81ED-4DB2-BD59-A6C34878D82A}">
+                    <a16:rowId xmlns:a16="http://schemas.microsoft.com/office/drawing/2014/main" val="10010"/>
+                  </a:ext>
+                </a:extLst>
               </a:tr>
               <a:tr h="416970">
                 <a:tc>
@@ -11631,6 +11436,11 @@
                   </a:txBody>
                   <a:tcPr marL="12700" marR="12700" marT="12700" marB="0" anchor="ctr"/>
                 </a:tc>
+                <a:extLst>
+                  <a:ext uri="{0D108BD9-81ED-4DB2-BD59-A6C34878D82A}">
+                    <a16:rowId xmlns:a16="http://schemas.microsoft.com/office/drawing/2014/main" val="10011"/>
+                  </a:ext>
+                </a:extLst>
               </a:tr>
               <a:tr h="416970">
                 <a:tc>
@@ -11676,7 +11486,7 @@
                         </a:lnSpc>
                       </a:pPr>
                       <a:r>
-                        <a:rPr lang="nb-NO" sz="2000" u="none" strike="noStrike" dirty="0">
+                        <a:rPr lang="nb-NO" sz="2000" b="1" u="none" strike="noStrike" dirty="0">
                           <a:effectLst/>
                           <a:latin typeface="Arial" charset="0"/>
                           <a:ea typeface="Arial" charset="0"/>
@@ -11684,7 +11494,7 @@
                         </a:rPr>
                         <a:t>0.380</a:t>
                       </a:r>
-                      <a:endParaRPr lang="nb-NO" sz="2000" b="0" i="0" u="none" strike="noStrike" dirty="0">
+                      <a:endParaRPr lang="nb-NO" sz="2000" b="1" i="0" u="none" strike="noStrike" dirty="0">
                         <a:solidFill>
                           <a:srgbClr val="000000"/>
                         </a:solidFill>
@@ -11708,7 +11518,7 @@
                         </a:lnSpc>
                       </a:pPr>
                       <a:r>
-                        <a:rPr lang="mr-IN" sz="2000" u="none" strike="noStrike" dirty="0">
+                        <a:rPr lang="mr-IN" sz="2000" b="1" u="none" strike="noStrike" dirty="0">
                           <a:effectLst/>
                           <a:latin typeface="Arial" charset="0"/>
                           <a:ea typeface="Arial" charset="0"/>
@@ -11716,7 +11526,7 @@
                         </a:rPr>
                         <a:t>84.28%</a:t>
                       </a:r>
-                      <a:endParaRPr lang="mr-IN" sz="2000" b="0" i="0" u="none" strike="noStrike" dirty="0">
+                      <a:endParaRPr lang="mr-IN" sz="2000" b="1" i="0" u="none" strike="noStrike" dirty="0">
                         <a:solidFill>
                           <a:srgbClr val="000000"/>
                         </a:solidFill>
@@ -11825,6 +11635,11 @@
                   </a:txBody>
                   <a:tcPr marL="12700" marR="12700" marT="12700" marB="0" anchor="ctr"/>
                 </a:tc>
+                <a:extLst>
+                  <a:ext uri="{0D108BD9-81ED-4DB2-BD59-A6C34878D82A}">
+                    <a16:rowId xmlns:a16="http://schemas.microsoft.com/office/drawing/2014/main" val="10012"/>
+                  </a:ext>
+                </a:extLst>
               </a:tr>
             </a:tbl>
           </a:graphicData>
@@ -11852,8 +11667,234 @@
         </p:blipFill>
         <p:spPr>
           <a:xfrm>
-            <a:off x="13372415" y="10354877"/>
+            <a:off x="13270912" y="9221135"/>
             <a:ext cx="6186077" cy="465523"/>
+          </a:xfrm>
+          <a:prstGeom prst="rect">
+            <a:avLst/>
+          </a:prstGeom>
+        </p:spPr>
+      </p:pic>
+      <p:sp>
+        <p:nvSpPr>
+          <p:cNvPr id="40" name="Text Box 180">
+            <a:extLst>
+              <a:ext uri="{FF2B5EF4-FFF2-40B4-BE49-F238E27FC236}">
+                <a16:creationId xmlns:a16="http://schemas.microsoft.com/office/drawing/2014/main" id="{A38EBDE1-FDC7-48F9-88E6-B5E5E15D0FBC}"/>
+              </a:ext>
+            </a:extLst>
+          </p:cNvPr>
+          <p:cNvSpPr txBox="1">
+            <a:spLocks noChangeArrowheads="1"/>
+          </p:cNvSpPr>
+          <p:nvPr/>
+        </p:nvSpPr>
+        <p:spPr bwMode="auto">
+          <a:xfrm>
+            <a:off x="12192000" y="14935200"/>
+            <a:ext cx="3084195" cy="2413174"/>
+          </a:xfrm>
+          <a:prstGeom prst="rect">
+            <a:avLst/>
+          </a:prstGeom>
+          <a:noFill/>
+          <a:ln>
+            <a:noFill/>
+          </a:ln>
+          <a:effectLst/>
+          <a:extLst>
+            <a:ext uri="{909E8E84-426E-40DD-AFC4-6F175D3DCCD1}">
+              <a14:hiddenFill xmlns:a14="http://schemas.microsoft.com/office/drawing/2010/main">
+                <a:solidFill>
+                  <a:schemeClr val="accent1"/>
+                </a:solidFill>
+              </a14:hiddenFill>
+            </a:ext>
+            <a:ext uri="{91240B29-F687-4F45-9708-019B960494DF}">
+              <a14:hiddenLine xmlns:a14="http://schemas.microsoft.com/office/drawing/2010/main" w="9525">
+                <a:solidFill>
+                  <a:schemeClr val="tx1"/>
+                </a:solidFill>
+                <a:miter lim="800000"/>
+                <a:headEnd/>
+                <a:tailEnd/>
+              </a14:hiddenLine>
+            </a:ext>
+            <a:ext uri="{AF507438-7753-43E0-B8FC-AC1667EBCBE1}">
+              <a14:hiddenEffects xmlns:a14="http://schemas.microsoft.com/office/drawing/2010/main">
+                <a:effectLst>
+                  <a:outerShdw dist="35921" dir="2700000" algn="ctr" rotWithShape="0">
+                    <a:schemeClr val="bg2"/>
+                  </a:outerShdw>
+                </a:effectLst>
+              </a14:hiddenEffects>
+            </a:ext>
+          </a:extLst>
+        </p:spPr>
+        <p:txBody>
+          <a:bodyPr wrap="square" lIns="48971" tIns="24486" rIns="48971" bIns="24486">
+            <a:spAutoFit/>
+          </a:bodyPr>
+          <a:lstStyle>
+            <a:lvl1pPr defTabSz="4389438" eaLnBrk="0" hangingPunct="0">
+              <a:defRPr sz="2200">
+                <a:solidFill>
+                  <a:schemeClr val="tx1"/>
+                </a:solidFill>
+                <a:latin typeface="Arial" charset="0"/>
+              </a:defRPr>
+            </a:lvl1pPr>
+            <a:lvl2pPr marL="742950" indent="-285750" defTabSz="4389438" eaLnBrk="0" hangingPunct="0">
+              <a:defRPr sz="2200">
+                <a:solidFill>
+                  <a:schemeClr val="tx1"/>
+                </a:solidFill>
+                <a:latin typeface="Arial" charset="0"/>
+              </a:defRPr>
+            </a:lvl2pPr>
+            <a:lvl3pPr marL="1143000" indent="-228600" defTabSz="4389438" eaLnBrk="0" hangingPunct="0">
+              <a:defRPr sz="2200">
+                <a:solidFill>
+                  <a:schemeClr val="tx1"/>
+                </a:solidFill>
+                <a:latin typeface="Arial" charset="0"/>
+              </a:defRPr>
+            </a:lvl3pPr>
+            <a:lvl4pPr marL="1600200" indent="-228600" defTabSz="4389438" eaLnBrk="0" hangingPunct="0">
+              <a:defRPr sz="2200">
+                <a:solidFill>
+                  <a:schemeClr val="tx1"/>
+                </a:solidFill>
+                <a:latin typeface="Arial" charset="0"/>
+              </a:defRPr>
+            </a:lvl4pPr>
+            <a:lvl5pPr marL="2057400" indent="-228600" defTabSz="4389438" eaLnBrk="0" hangingPunct="0">
+              <a:defRPr sz="2200">
+                <a:solidFill>
+                  <a:schemeClr val="tx1"/>
+                </a:solidFill>
+                <a:latin typeface="Arial" charset="0"/>
+              </a:defRPr>
+            </a:lvl5pPr>
+            <a:lvl6pPr marL="2514600" indent="-228600" defTabSz="4389438" eaLnBrk="0" fontAlgn="base" hangingPunct="0">
+              <a:spcBef>
+                <a:spcPct val="0"/>
+              </a:spcBef>
+              <a:spcAft>
+                <a:spcPct val="0"/>
+              </a:spcAft>
+              <a:defRPr sz="2200">
+                <a:solidFill>
+                  <a:schemeClr val="tx1"/>
+                </a:solidFill>
+                <a:latin typeface="Arial" charset="0"/>
+              </a:defRPr>
+            </a:lvl6pPr>
+            <a:lvl7pPr marL="2971800" indent="-228600" defTabSz="4389438" eaLnBrk="0" fontAlgn="base" hangingPunct="0">
+              <a:spcBef>
+                <a:spcPct val="0"/>
+              </a:spcBef>
+              <a:spcAft>
+                <a:spcPct val="0"/>
+              </a:spcAft>
+              <a:defRPr sz="2200">
+                <a:solidFill>
+                  <a:schemeClr val="tx1"/>
+                </a:solidFill>
+                <a:latin typeface="Arial" charset="0"/>
+              </a:defRPr>
+            </a:lvl7pPr>
+            <a:lvl8pPr marL="3429000" indent="-228600" defTabSz="4389438" eaLnBrk="0" fontAlgn="base" hangingPunct="0">
+              <a:spcBef>
+                <a:spcPct val="0"/>
+              </a:spcBef>
+              <a:spcAft>
+                <a:spcPct val="0"/>
+              </a:spcAft>
+              <a:defRPr sz="2200">
+                <a:solidFill>
+                  <a:schemeClr val="tx1"/>
+                </a:solidFill>
+                <a:latin typeface="Arial" charset="0"/>
+              </a:defRPr>
+            </a:lvl8pPr>
+            <a:lvl9pPr marL="3886200" indent="-228600" defTabSz="4389438" eaLnBrk="0" fontAlgn="base" hangingPunct="0">
+              <a:spcBef>
+                <a:spcPct val="0"/>
+              </a:spcBef>
+              <a:spcAft>
+                <a:spcPct val="0"/>
+              </a:spcAft>
+              <a:defRPr sz="2200">
+                <a:solidFill>
+                  <a:schemeClr val="tx1"/>
+                </a:solidFill>
+                <a:latin typeface="Arial" charset="0"/>
+              </a:defRPr>
+            </a:lvl9pPr>
+          </a:lstStyle>
+          <a:p>
+            <a:pPr eaLnBrk="1" hangingPunct="1"/>
+            <a:r>
+              <a:rPr lang="en-US" sz="1920" b="1" dirty="0">
+                <a:latin typeface="Arial" panose="020B0604020202020204" pitchFamily="34" charset="0"/>
+                <a:cs typeface="Arial" panose="020B0604020202020204" pitchFamily="34" charset="0"/>
+              </a:rPr>
+              <a:t>Figure 2. </a:t>
+            </a:r>
+            <a:r>
+              <a:rPr lang="en-US" sz="1920" dirty="0">
+                <a:latin typeface="Arial" panose="020B0604020202020204" pitchFamily="34" charset="0"/>
+                <a:cs typeface="Arial" panose="020B0604020202020204" pitchFamily="34" charset="0"/>
+              </a:rPr>
+              <a:t>Deep neural network training architecture. We use </a:t>
+            </a:r>
+            <a:r>
+              <a:rPr lang="en-US" sz="1920" dirty="0" err="1">
+                <a:latin typeface="Arial" panose="020B0604020202020204" pitchFamily="34" charset="0"/>
+                <a:cs typeface="Arial" panose="020B0604020202020204" pitchFamily="34" charset="0"/>
+              </a:rPr>
+              <a:t>ReLU</a:t>
+            </a:r>
+            <a:r>
+              <a:rPr lang="en-US" sz="1920" dirty="0">
+                <a:latin typeface="Arial" panose="020B0604020202020204" pitchFamily="34" charset="0"/>
+                <a:cs typeface="Arial" panose="020B0604020202020204" pitchFamily="34" charset="0"/>
+              </a:rPr>
+              <a:t> activation for hidden layers (10 units each) and sigmoid for output. We experimented on varying number of hidden layers.</a:t>
+            </a:r>
+          </a:p>
+        </p:txBody>
+      </p:sp>
+      <p:pic>
+        <p:nvPicPr>
+          <p:cNvPr id="42" name="Picture 41">
+            <a:extLst>
+              <a:ext uri="{FF2B5EF4-FFF2-40B4-BE49-F238E27FC236}">
+                <a16:creationId xmlns:a16="http://schemas.microsoft.com/office/drawing/2014/main" id="{0CF62FFD-657C-469E-ABCF-CD28B13528B8}"/>
+              </a:ext>
+            </a:extLst>
+          </p:cNvPr>
+          <p:cNvPicPr>
+            <a:picLocks noChangeAspect="1"/>
+          </p:cNvPicPr>
+          <p:nvPr/>
+        </p:nvPicPr>
+        <p:blipFill rotWithShape="1">
+          <a:blip r:embed="rId4">
+            <a:extLst>
+              <a:ext uri="{28A0092B-C50C-407E-A947-70E740481C1C}">
+                <a14:useLocalDpi xmlns:a14="http://schemas.microsoft.com/office/drawing/2010/main" val="0"/>
+              </a:ext>
+            </a:extLst>
+          </a:blip>
+          <a:srcRect l="11667"/>
+          <a:stretch/>
+        </p:blipFill>
+        <p:spPr>
+          <a:xfrm>
+            <a:off x="15526254" y="13083847"/>
+            <a:ext cx="5504946" cy="5432754"/>
           </a:xfrm>
           <a:prstGeom prst="rect">
             <a:avLst/>
